--- a/TOMARIGI.pptx
+++ b/TOMARIGI.pptx
@@ -5,21 +5,27 @@
     <p:sldMasterId id="2147483828" r:id="rId1"/>
   </p:sldMasterIdLst>
   <p:notesMasterIdLst>
-    <p:notesMasterId r:id="rId11"/>
+    <p:notesMasterId r:id="rId17"/>
   </p:notesMasterIdLst>
   <p:handoutMasterIdLst>
-    <p:handoutMasterId r:id="rId12"/>
+    <p:handoutMasterId r:id="rId18"/>
   </p:handoutMasterIdLst>
   <p:sldIdLst>
     <p:sldId id="256" r:id="rId2"/>
-    <p:sldId id="257" r:id="rId3"/>
-    <p:sldId id="358" r:id="rId4"/>
-    <p:sldId id="359" r:id="rId5"/>
-    <p:sldId id="361" r:id="rId6"/>
-    <p:sldId id="362" r:id="rId7"/>
-    <p:sldId id="360" r:id="rId8"/>
-    <p:sldId id="363" r:id="rId9"/>
-    <p:sldId id="364" r:id="rId10"/>
+    <p:sldId id="354" r:id="rId3"/>
+    <p:sldId id="361" r:id="rId4"/>
+    <p:sldId id="337" r:id="rId5"/>
+    <p:sldId id="366" r:id="rId6"/>
+    <p:sldId id="358" r:id="rId7"/>
+    <p:sldId id="359" r:id="rId8"/>
+    <p:sldId id="355" r:id="rId9"/>
+    <p:sldId id="367" r:id="rId10"/>
+    <p:sldId id="368" r:id="rId11"/>
+    <p:sldId id="360" r:id="rId12"/>
+    <p:sldId id="369" r:id="rId13"/>
+    <p:sldId id="363" r:id="rId14"/>
+    <p:sldId id="364" r:id="rId15"/>
+    <p:sldId id="338" r:id="rId16"/>
   </p:sldIdLst>
   <p:sldSz cx="12192000" cy="6858000"/>
   <p:notesSz cx="6858000" cy="9144000"/>
@@ -230,7 +236,7 @@
                 <a:latin typeface="ＭＳ 明朝" panose="02020609040205080304" pitchFamily="17" charset="-128"/>
                 <a:ea typeface="ＭＳ 明朝" panose="02020609040205080304" pitchFamily="17" charset="-128"/>
               </a:rPr>
-              <a:t>2021年4月23日</a:t>
+              <a:t>2021年4月26日</a:t>
             </a:fld>
             <a:endParaRPr lang="en-US">
               <a:latin typeface="ＭＳ 明朝" panose="02020609040205080304" pitchFamily="17" charset="-128"/>
@@ -417,7 +423,7 @@
             <a:fld id="{30389980-3DE9-4702-8CE7-20043EFDAF6C}" type="datetime4">
               <a:rPr lang="ja-JP" altLang="en-US" smtClean="0"/>
               <a:pPr/>
-              <a:t>2021年4月23日</a:t>
+              <a:t>2021年4月26日</a:t>
             </a:fld>
             <a:endParaRPr lang="en-US"/>
           </a:p>
@@ -872,7 +878,7 @@
           <a:p>
             <a:fld id="{5ADD3B2F-B41F-7942-990C-7D7FFD69CA5F}" type="datetimeFigureOut">
               <a:rPr kumimoji="1" lang="ja-JP" altLang="en-US" smtClean="0"/>
-              <a:t>2021/4/23</a:t>
+              <a:t>2021/4/26</a:t>
             </a:fld>
             <a:endParaRPr kumimoji="1" lang="ja-JP" altLang="en-US"/>
           </a:p>
@@ -4570,7 +4576,7 @@
 </p:sld>
 </file>
 
-<file path=ppt/slides/slide2.xml><?xml version="1.0" encoding="utf-8"?>
+<file path=ppt/slides/slide10.xml><?xml version="1.0" encoding="utf-8"?>
 <p:sld xmlns:a="http://schemas.openxmlformats.org/drawingml/2006/main" xmlns:r="http://schemas.openxmlformats.org/officeDocument/2006/relationships" xmlns:p="http://schemas.openxmlformats.org/presentationml/2006/main">
   <p:cSld>
     <p:spTree>
@@ -4618,7 +4624,7 @@
                 <a:latin typeface="Hiragino Maru Gothic Pro W4" panose="020F0400000000000000" pitchFamily="34" charset="-128"/>
                 <a:ea typeface="Hiragino Maru Gothic Pro W4" panose="020F0400000000000000" pitchFamily="34" charset="-128"/>
               </a:rPr>
-              <a:t>クラン方針、目指すクランの姿</a:t>
+              <a:t>クラン「とまり木」</a:t>
             </a:r>
             <a:endParaRPr kumimoji="1" lang="ja-JP" altLang="en-US">
               <a:solidFill>
@@ -4660,7 +4666,21 @@
           </a:bodyPr>
           <a:lstStyle/>
           <a:p>
-            <a:pPr marL="502920" indent="-457200"/>
+            <a:pPr marL="45720" indent="0">
+              <a:buNone/>
+            </a:pPr>
+            <a:r>
+              <a:rPr lang="en-US" altLang="ja-JP" dirty="0">
+                <a:solidFill>
+                  <a:schemeClr val="accent5">
+                    <a:lumMod val="50000"/>
+                  </a:schemeClr>
+                </a:solidFill>
+                <a:latin typeface="Hiragino Maru Gothic Pro W4" panose="020F0400000000000000" pitchFamily="34" charset="-128"/>
+                <a:ea typeface="Hiragino Maru Gothic Pro W4" panose="020F0400000000000000" pitchFamily="34" charset="-128"/>
+              </a:rPr>
+              <a:t>【</a:t>
+            </a:r>
             <a:r>
               <a:rPr lang="ja-JP" altLang="en-US">
                 <a:solidFill>
@@ -4671,9 +4691,9 @@
                 <a:latin typeface="Hiragino Maru Gothic Pro W4" panose="020F0400000000000000" pitchFamily="34" charset="-128"/>
                 <a:ea typeface="Hiragino Maru Gothic Pro W4" panose="020F0400000000000000" pitchFamily="34" charset="-128"/>
               </a:rPr>
-              <a:t>高いモチベーションの人にとって</a:t>
-            </a:r>
-            <a:br>
+              <a:t>概要</a:t>
+            </a:r>
+            <a:r>
               <a:rPr lang="en-US" altLang="ja-JP" dirty="0">
                 <a:solidFill>
                   <a:schemeClr val="accent5">
@@ -4683,19 +4703,11 @@
                 <a:latin typeface="Hiragino Maru Gothic Pro W4" panose="020F0400000000000000" pitchFamily="34" charset="-128"/>
                 <a:ea typeface="Hiragino Maru Gothic Pro W4" panose="020F0400000000000000" pitchFamily="34" charset="-128"/>
               </a:rPr>
-            </a:br>
-            <a:r>
-              <a:rPr lang="ja-JP" altLang="en-US" dirty="0">
-                <a:solidFill>
-                  <a:schemeClr val="accent5">
-                    <a:lumMod val="50000"/>
-                  </a:schemeClr>
-                </a:solidFill>
-                <a:latin typeface="Hiragino Maru Gothic Pro W4" panose="020F0400000000000000" pitchFamily="34" charset="-128"/>
-                <a:ea typeface="Hiragino Maru Gothic Pro W4" panose="020F0400000000000000" pitchFamily="34" charset="-128"/>
-              </a:rPr>
-              <a:t>　</a:t>
-            </a:r>
+              <a:t>】</a:t>
+            </a:r>
+          </a:p>
+          <a:p>
+            <a:pPr marL="560070" indent="-514350"/>
             <a:r>
               <a:rPr lang="ja-JP" altLang="en-US">
                 <a:solidFill>
@@ -4706,7 +4718,7 @@
                 <a:latin typeface="Hiragino Maru Gothic Pro W4" panose="020F0400000000000000" pitchFamily="34" charset="-128"/>
                 <a:ea typeface="Hiragino Maru Gothic Pro W4" panose="020F0400000000000000" pitchFamily="34" charset="-128"/>
               </a:rPr>
-              <a:t>　居心地の良いクランであること</a:t>
+              <a:t>責任者：ふるはた</a:t>
             </a:r>
             <a:endParaRPr lang="en-US" altLang="ja-JP" dirty="0">
               <a:solidFill>
@@ -4719,7 +4731,7 @@
             </a:endParaRPr>
           </a:p>
           <a:p>
-            <a:pPr marL="502920" indent="-457200"/>
+            <a:pPr marL="560070" indent="-514350"/>
             <a:r>
               <a:rPr lang="ja-JP" altLang="en-US">
                 <a:solidFill>
@@ -4730,7 +4742,91 @@
                 <a:latin typeface="Hiragino Maru Gothic Pro W4" panose="020F0400000000000000" pitchFamily="34" charset="-128"/>
                 <a:ea typeface="Hiragino Maru Gothic Pro W4" panose="020F0400000000000000" pitchFamily="34" charset="-128"/>
               </a:rPr>
-              <a:t>強いクランであること</a:t>
+              <a:t>クランリーグのときにだけ現れる幻のクラン</a:t>
+            </a:r>
+            <a:endParaRPr lang="en-US" altLang="ja-JP" dirty="0">
+              <a:solidFill>
+                <a:schemeClr val="accent5">
+                  <a:lumMod val="50000"/>
+                </a:schemeClr>
+              </a:solidFill>
+              <a:latin typeface="Hiragino Maru Gothic Pro W4" panose="020F0400000000000000" pitchFamily="34" charset="-128"/>
+              <a:ea typeface="Hiragino Maru Gothic Pro W4" panose="020F0400000000000000" pitchFamily="34" charset="-128"/>
+            </a:endParaRPr>
+          </a:p>
+          <a:p>
+            <a:pPr marL="560070" indent="-514350"/>
+            <a:r>
+              <a:rPr lang="en-US" altLang="ja-JP" dirty="0">
+                <a:solidFill>
+                  <a:schemeClr val="accent5">
+                    <a:lumMod val="50000"/>
+                  </a:schemeClr>
+                </a:solidFill>
+                <a:latin typeface="Hiragino Maru Gothic Pro W4" panose="020F0400000000000000" pitchFamily="34" charset="-128"/>
+                <a:ea typeface="Hiragino Maru Gothic Pro W4" panose="020F0400000000000000" pitchFamily="34" charset="-128"/>
+              </a:rPr>
+              <a:t>TOMARIGI</a:t>
+            </a:r>
+            <a:r>
+              <a:rPr lang="ja-JP" altLang="en-US">
+                <a:solidFill>
+                  <a:schemeClr val="accent5">
+                    <a:lumMod val="50000"/>
+                  </a:schemeClr>
+                </a:solidFill>
+                <a:latin typeface="Hiragino Maru Gothic Pro W4" panose="020F0400000000000000" pitchFamily="34" charset="-128"/>
+                <a:ea typeface="Hiragino Maru Gothic Pro W4" panose="020F0400000000000000" pitchFamily="34" charset="-128"/>
+              </a:rPr>
+              <a:t>リーグであぶれた人、摩天楼のタウンホール高めな人を集めてリーグ実施するクラン</a:t>
+            </a:r>
+            <a:endParaRPr lang="en-US" altLang="ja-JP" dirty="0">
+              <a:solidFill>
+                <a:schemeClr val="accent5">
+                  <a:lumMod val="50000"/>
+                </a:schemeClr>
+              </a:solidFill>
+              <a:latin typeface="Hiragino Maru Gothic Pro W4" panose="020F0400000000000000" pitchFamily="34" charset="-128"/>
+              <a:ea typeface="Hiragino Maru Gothic Pro W4" panose="020F0400000000000000" pitchFamily="34" charset="-128"/>
+            </a:endParaRPr>
+          </a:p>
+          <a:p>
+            <a:pPr marL="560070" indent="-514350"/>
+            <a:r>
+              <a:rPr lang="ja-JP" altLang="en-US">
+                <a:solidFill>
+                  <a:schemeClr val="accent5">
+                    <a:lumMod val="50000"/>
+                  </a:schemeClr>
+                </a:solidFill>
+                <a:latin typeface="Hiragino Maru Gothic Pro W4" panose="020F0400000000000000" pitchFamily="34" charset="-128"/>
+                <a:ea typeface="Hiragino Maru Gothic Pro W4" panose="020F0400000000000000" pitchFamily="34" charset="-128"/>
+              </a:rPr>
+              <a:t>いつかファーミングクランにしたいので新規に育てていく</a:t>
+            </a:r>
+            <a:endParaRPr lang="en-US" altLang="ja-JP" dirty="0">
+              <a:solidFill>
+                <a:schemeClr val="accent5">
+                  <a:lumMod val="50000"/>
+                </a:schemeClr>
+              </a:solidFill>
+              <a:latin typeface="Hiragino Maru Gothic Pro W4" panose="020F0400000000000000" pitchFamily="34" charset="-128"/>
+              <a:ea typeface="Hiragino Maru Gothic Pro W4" panose="020F0400000000000000" pitchFamily="34" charset="-128"/>
+            </a:endParaRPr>
+          </a:p>
+          <a:p>
+            <a:pPr marL="560070" indent="-514350"/>
+            <a:r>
+              <a:rPr lang="ja-JP" altLang="en-US">
+                <a:solidFill>
+                  <a:schemeClr val="accent5">
+                    <a:lumMod val="50000"/>
+                  </a:schemeClr>
+                </a:solidFill>
+                <a:latin typeface="Hiragino Maru Gothic Pro W4" panose="020F0400000000000000" pitchFamily="34" charset="-128"/>
+                <a:ea typeface="Hiragino Maru Gothic Pro W4" panose="020F0400000000000000" pitchFamily="34" charset="-128"/>
+              </a:rPr>
+              <a:t>リーグ戦はメダル狙い</a:t>
             </a:r>
             <a:endParaRPr lang="en-US" altLang="ja-JP" dirty="0">
               <a:solidFill>
@@ -4776,7 +4872,7 @@
                 <a:latin typeface="Hiragino Maru Gothic Pro W4" panose="020F0400000000000000" pitchFamily="34" charset="-128"/>
                 <a:ea typeface="Hiragino Maru Gothic Pro W4" panose="020F0400000000000000" pitchFamily="34" charset="-128"/>
               </a:rPr>
-              <a:t>2</a:t>
+              <a:t>10</a:t>
             </a:fld>
             <a:endParaRPr lang="ja-JP" altLang="en-US" noProof="0" dirty="0">
               <a:solidFill>
@@ -4793,7 +4889,7 @@
     </p:spTree>
     <p:extLst>
       <p:ext uri="{BB962C8B-B14F-4D97-AF65-F5344CB8AC3E}">
-        <p14:creationId xmlns:p14="http://schemas.microsoft.com/office/powerpoint/2010/main" val="2982791126"/>
+        <p14:creationId xmlns:p14="http://schemas.microsoft.com/office/powerpoint/2010/main" val="2925840920"/>
       </p:ext>
     </p:extLst>
   </p:cSld>
@@ -4815,7 +4911,7 @@
 </p:sld>
 </file>
 
-<file path=ppt/slides/slide3.xml><?xml version="1.0" encoding="utf-8"?>
+<file path=ppt/slides/slide11.xml><?xml version="1.0" encoding="utf-8"?>
 <p:sld xmlns:a="http://schemas.openxmlformats.org/drawingml/2006/main" xmlns:r="http://schemas.openxmlformats.org/officeDocument/2006/relationships" xmlns:p="http://schemas.openxmlformats.org/presentationml/2006/main">
   <p:cSld>
     <p:spTree>
@@ -4854,26 +4950,17 @@
           <a:lstStyle/>
           <a:p>
             <a:r>
-              <a:rPr lang="ja-JP" altLang="en-US">
-                <a:solidFill>
-                  <a:schemeClr val="accent5">
-                    <a:lumMod val="50000"/>
-                  </a:schemeClr>
-                </a:solidFill>
-                <a:latin typeface="Hiragino Maru Gothic Pro W4" panose="020F0400000000000000" pitchFamily="34" charset="-128"/>
-                <a:ea typeface="Hiragino Maru Gothic Pro W4" panose="020F0400000000000000" pitchFamily="34" charset="-128"/>
-              </a:rPr>
-              <a:t>クラン目標</a:t>
-            </a:r>
-            <a:endParaRPr kumimoji="1" lang="ja-JP" altLang="en-US">
-              <a:solidFill>
-                <a:schemeClr val="accent5">
-                  <a:lumMod val="50000"/>
-                </a:schemeClr>
-              </a:solidFill>
-              <a:latin typeface="Hiragino Maru Gothic Pro W4" panose="020F0400000000000000" pitchFamily="34" charset="-128"/>
-              <a:ea typeface="Hiragino Maru Gothic Pro W4" panose="020F0400000000000000" pitchFamily="34" charset="-128"/>
-            </a:endParaRPr>
+              <a:rPr kumimoji="1" lang="ja-JP" altLang="en-US">
+                <a:solidFill>
+                  <a:schemeClr val="accent5">
+                    <a:lumMod val="50000"/>
+                  </a:schemeClr>
+                </a:solidFill>
+                <a:latin typeface="Hiragino Maru Gothic Pro W4" panose="020F0400000000000000" pitchFamily="34" charset="-128"/>
+                <a:ea typeface="Hiragino Maru Gothic Pro W4" panose="020F0400000000000000" pitchFamily="34" charset="-128"/>
+              </a:rPr>
+              <a:t>クラン運営陣の紹介</a:t>
+            </a:r>
           </a:p>
         </p:txBody>
       </p:sp>
@@ -4905,7 +4992,9 @@
           </a:bodyPr>
           <a:lstStyle/>
           <a:p>
-            <a:pPr marL="502920" indent="-457200"/>
+            <a:pPr marL="45720" indent="0">
+              <a:buNone/>
+            </a:pPr>
             <a:r>
               <a:rPr lang="ja-JP" altLang="en-US">
                 <a:solidFill>
@@ -4916,46 +5005,7 @@
                 <a:latin typeface="Hiragino Maru Gothic Pro W4" panose="020F0400000000000000" pitchFamily="34" charset="-128"/>
                 <a:ea typeface="Hiragino Maru Gothic Pro W4" panose="020F0400000000000000" pitchFamily="34" charset="-128"/>
               </a:rPr>
-              <a:t>クランリーグ戦：チャンピオン</a:t>
-            </a:r>
-            <a:r>
-              <a:rPr lang="en-US" altLang="ja-JP" dirty="0">
-                <a:solidFill>
-                  <a:schemeClr val="accent5">
-                    <a:lumMod val="50000"/>
-                  </a:schemeClr>
-                </a:solidFill>
-                <a:latin typeface="Hiragino Maru Gothic Pro W4" panose="020F0400000000000000" pitchFamily="34" charset="-128"/>
-                <a:ea typeface="Hiragino Maru Gothic Pro W4" panose="020F0400000000000000" pitchFamily="34" charset="-128"/>
-              </a:rPr>
-              <a:t>Ⅰ</a:t>
-            </a:r>
-          </a:p>
-          <a:p>
-            <a:pPr marL="502920" indent="-457200"/>
-            <a:r>
-              <a:rPr lang="en-US" altLang="ja-JP" dirty="0">
-                <a:solidFill>
-                  <a:schemeClr val="accent5">
-                    <a:lumMod val="50000"/>
-                  </a:schemeClr>
-                </a:solidFill>
-                <a:latin typeface="Hiragino Maru Gothic Pro W4" panose="020F0400000000000000" pitchFamily="34" charset="-128"/>
-                <a:ea typeface="Hiragino Maru Gothic Pro W4" panose="020F0400000000000000" pitchFamily="34" charset="-128"/>
-              </a:rPr>
-              <a:t>JWC J1</a:t>
-            </a:r>
-            <a:r>
-              <a:rPr lang="ja-JP" altLang="en-US">
-                <a:solidFill>
-                  <a:schemeClr val="accent5">
-                    <a:lumMod val="50000"/>
-                  </a:schemeClr>
-                </a:solidFill>
-                <a:latin typeface="Hiragino Maru Gothic Pro W4" panose="020F0400000000000000" pitchFamily="34" charset="-128"/>
-                <a:ea typeface="Hiragino Maru Gothic Pro W4" panose="020F0400000000000000" pitchFamily="34" charset="-128"/>
-              </a:rPr>
-              <a:t>への昇格</a:t>
+              <a:t>困ったことがありましたら気軽に相談してください。</a:t>
             </a:r>
             <a:endParaRPr lang="en-US" altLang="ja-JP" dirty="0">
               <a:solidFill>
@@ -4968,118 +5018,30 @@
             </a:endParaRPr>
           </a:p>
           <a:p>
+            <a:pPr marL="45720" indent="0">
+              <a:buNone/>
+            </a:pPr>
+            <a:endParaRPr lang="en-US" altLang="ja-JP" dirty="0">
+              <a:solidFill>
+                <a:schemeClr val="accent5">
+                  <a:lumMod val="50000"/>
+                </a:schemeClr>
+              </a:solidFill>
+              <a:latin typeface="Hiragino Maru Gothic Pro W4" panose="020F0400000000000000" pitchFamily="34" charset="-128"/>
+              <a:ea typeface="Hiragino Maru Gothic Pro W4" panose="020F0400000000000000" pitchFamily="34" charset="-128"/>
+            </a:endParaRPr>
+          </a:p>
+          <a:p>
             <a:pPr marL="502920" indent="-457200"/>
-            <a:r>
-              <a:rPr lang="en-US" altLang="ja-JP" dirty="0">
-                <a:solidFill>
-                  <a:schemeClr val="accent5">
-                    <a:lumMod val="50000"/>
-                  </a:schemeClr>
-                </a:solidFill>
-                <a:latin typeface="Hiragino Maru Gothic Pro W4" panose="020F0400000000000000" pitchFamily="34" charset="-128"/>
-                <a:ea typeface="Hiragino Maru Gothic Pro W4" panose="020F0400000000000000" pitchFamily="34" charset="-128"/>
-              </a:rPr>
-              <a:t>CWL Elite </a:t>
-            </a:r>
-            <a:r>
-              <a:rPr lang="ja-JP" altLang="en-US">
-                <a:solidFill>
-                  <a:schemeClr val="accent5">
-                    <a:lumMod val="50000"/>
-                  </a:schemeClr>
-                </a:solidFill>
-                <a:latin typeface="Hiragino Maru Gothic Pro W4" panose="020F0400000000000000" pitchFamily="34" charset="-128"/>
-                <a:ea typeface="Hiragino Maru Gothic Pro W4" panose="020F0400000000000000" pitchFamily="34" charset="-128"/>
-              </a:rPr>
-              <a:t>への挑戦 </a:t>
-            </a:r>
-            <a:r>
-              <a:rPr lang="en-US" altLang="ja-JP" dirty="0">
-                <a:solidFill>
-                  <a:schemeClr val="accent5">
-                    <a:lumMod val="50000"/>
-                  </a:schemeClr>
-                </a:solidFill>
-                <a:latin typeface="Hiragino Maru Gothic Pro W4" panose="020F0400000000000000" pitchFamily="34" charset="-128"/>
-                <a:ea typeface="Hiragino Maru Gothic Pro W4" panose="020F0400000000000000" pitchFamily="34" charset="-128"/>
-              </a:rPr>
-              <a:t>(</a:t>
-            </a:r>
-            <a:r>
-              <a:rPr lang="ja-JP" altLang="en-US">
-                <a:solidFill>
-                  <a:schemeClr val="accent5">
-                    <a:lumMod val="50000"/>
-                  </a:schemeClr>
-                </a:solidFill>
-                <a:latin typeface="Hiragino Maru Gothic Pro W4" panose="020F0400000000000000" pitchFamily="34" charset="-128"/>
-                <a:ea typeface="Hiragino Maru Gothic Pro W4" panose="020F0400000000000000" pitchFamily="34" charset="-128"/>
-              </a:rPr>
-              <a:t>プレーオフ進出</a:t>
-            </a:r>
-            <a:r>
-              <a:rPr lang="en-US" altLang="ja-JP" dirty="0">
-                <a:solidFill>
-                  <a:schemeClr val="accent5">
-                    <a:lumMod val="50000"/>
-                  </a:schemeClr>
-                </a:solidFill>
-                <a:latin typeface="Hiragino Maru Gothic Pro W4" panose="020F0400000000000000" pitchFamily="34" charset="-128"/>
-                <a:ea typeface="Hiragino Maru Gothic Pro W4" panose="020F0400000000000000" pitchFamily="34" charset="-128"/>
-              </a:rPr>
-              <a:t>)</a:t>
-            </a:r>
-          </a:p>
-          <a:p>
-            <a:pPr marL="502920" indent="-457200"/>
-            <a:r>
-              <a:rPr lang="ja-JP" altLang="en-US">
-                <a:solidFill>
-                  <a:schemeClr val="accent5">
-                    <a:lumMod val="50000"/>
-                  </a:schemeClr>
-                </a:solidFill>
-                <a:latin typeface="Hiragino Maru Gothic Pro W4" panose="020F0400000000000000" pitchFamily="34" charset="-128"/>
-                <a:ea typeface="Hiragino Maru Gothic Pro W4" panose="020F0400000000000000" pitchFamily="34" charset="-128"/>
-              </a:rPr>
-              <a:t>海外リーグの制覇 </a:t>
-            </a:r>
-            <a:r>
-              <a:rPr lang="en-US" altLang="ja-JP" dirty="0">
-                <a:solidFill>
-                  <a:schemeClr val="accent5">
-                    <a:lumMod val="50000"/>
-                  </a:schemeClr>
-                </a:solidFill>
-                <a:latin typeface="Hiragino Maru Gothic Pro W4" panose="020F0400000000000000" pitchFamily="34" charset="-128"/>
-                <a:ea typeface="Hiragino Maru Gothic Pro W4" panose="020F0400000000000000" pitchFamily="34" charset="-128"/>
-              </a:rPr>
-              <a:t>(EWL,MLCW,GCC,FWL </a:t>
-            </a:r>
-            <a:r>
-              <a:rPr lang="ja-JP" altLang="en-US">
-                <a:solidFill>
-                  <a:schemeClr val="accent5">
-                    <a:lumMod val="50000"/>
-                  </a:schemeClr>
-                </a:solidFill>
-                <a:latin typeface="Hiragino Maru Gothic Pro W4" panose="020F0400000000000000" pitchFamily="34" charset="-128"/>
-                <a:ea typeface="Hiragino Maru Gothic Pro W4" panose="020F0400000000000000" pitchFamily="34" charset="-128"/>
-              </a:rPr>
-              <a:t>等</a:t>
-            </a:r>
-            <a:r>
-              <a:rPr lang="en-US" altLang="ja-JP" dirty="0">
-                <a:solidFill>
-                  <a:schemeClr val="accent5">
-                    <a:lumMod val="50000"/>
-                  </a:schemeClr>
-                </a:solidFill>
-                <a:latin typeface="Hiragino Maru Gothic Pro W4" panose="020F0400000000000000" pitchFamily="34" charset="-128"/>
-                <a:ea typeface="Hiragino Maru Gothic Pro W4" panose="020F0400000000000000" pitchFamily="34" charset="-128"/>
-              </a:rPr>
-              <a:t>)</a:t>
-            </a:r>
+            <a:endParaRPr lang="en-US" altLang="ja-JP" dirty="0">
+              <a:solidFill>
+                <a:schemeClr val="accent5">
+                  <a:lumMod val="50000"/>
+                </a:schemeClr>
+              </a:solidFill>
+              <a:latin typeface="Hiragino Maru Gothic Pro W4" panose="020F0400000000000000" pitchFamily="34" charset="-128"/>
+              <a:ea typeface="Hiragino Maru Gothic Pro W4" panose="020F0400000000000000" pitchFamily="34" charset="-128"/>
+            </a:endParaRPr>
           </a:p>
         </p:txBody>
       </p:sp>
@@ -5115,7 +5077,7 @@
                 <a:latin typeface="Hiragino Maru Gothic Pro W4" panose="020F0400000000000000" pitchFamily="34" charset="-128"/>
                 <a:ea typeface="Hiragino Maru Gothic Pro W4" panose="020F0400000000000000" pitchFamily="34" charset="-128"/>
               </a:rPr>
-              <a:t>3</a:t>
+              <a:t>11</a:t>
             </a:fld>
             <a:endParaRPr lang="ja-JP" altLang="en-US" noProof="0" dirty="0">
               <a:solidFill>
@@ -5129,10 +5091,341 @@
           </a:p>
         </p:txBody>
       </p:sp>
+      <p:graphicFrame>
+        <p:nvGraphicFramePr>
+          <p:cNvPr id="5" name="表 5">
+            <a:extLst>
+              <a:ext uri="{FF2B5EF4-FFF2-40B4-BE49-F238E27FC236}">
+                <a16:creationId xmlns:a16="http://schemas.microsoft.com/office/drawing/2014/main" id="{A76B03DE-AD17-484A-A8B8-8621CD6D980C}"/>
+              </a:ext>
+            </a:extLst>
+          </p:cNvPr>
+          <p:cNvGraphicFramePr>
+            <a:graphicFrameLocks noGrp="1"/>
+          </p:cNvGraphicFramePr>
+          <p:nvPr>
+            <p:extLst>
+              <p:ext uri="{D42A27DB-BD31-4B8C-83A1-F6EECF244321}">
+                <p14:modId xmlns:p14="http://schemas.microsoft.com/office/powerpoint/2010/main" val="132924129"/>
+              </p:ext>
+            </p:extLst>
+          </p:nvPr>
+        </p:nvGraphicFramePr>
+        <p:xfrm>
+          <a:off x="838200" y="2172457"/>
+          <a:ext cx="10515600" cy="3862583"/>
+        </p:xfrm>
+        <a:graphic>
+          <a:graphicData uri="http://schemas.openxmlformats.org/drawingml/2006/table">
+            <a:tbl>
+              <a:tblPr firstRow="1" bandRow="1">
+                <a:tableStyleId>{5C22544A-7EE6-4342-B048-85BDC9FD1C3A}</a:tableStyleId>
+              </a:tblPr>
+              <a:tblGrid>
+                <a:gridCol w="5257800">
+                  <a:extLst>
+                    <a:ext uri="{9D8B030D-6E8A-4147-A177-3AD203B41FA5}">
+                      <a16:colId xmlns:a16="http://schemas.microsoft.com/office/drawing/2014/main" val="4012408986"/>
+                    </a:ext>
+                  </a:extLst>
+                </a:gridCol>
+                <a:gridCol w="5257800">
+                  <a:extLst>
+                    <a:ext uri="{9D8B030D-6E8A-4147-A177-3AD203B41FA5}">
+                      <a16:colId xmlns:a16="http://schemas.microsoft.com/office/drawing/2014/main" val="3349819417"/>
+                    </a:ext>
+                  </a:extLst>
+                </a:gridCol>
+              </a:tblGrid>
+              <a:tr h="638807">
+                <a:tc>
+                  <a:txBody>
+                    <a:bodyPr/>
+                    <a:lstStyle/>
+                    <a:p>
+                      <a:pPr algn="ctr"/>
+                      <a:r>
+                        <a:rPr kumimoji="1" lang="ja-JP" altLang="en-US" sz="2800">
+                          <a:latin typeface="Hiragino Maru Gothic Pro W4" panose="020F0400000000000000" pitchFamily="34" charset="-128"/>
+                          <a:ea typeface="Hiragino Maru Gothic Pro W4" panose="020F0400000000000000" pitchFamily="34" charset="-128"/>
+                        </a:rPr>
+                        <a:t>運営</a:t>
+                      </a:r>
+                    </a:p>
+                  </a:txBody>
+                  <a:tcPr anchor="ctr"/>
+                </a:tc>
+                <a:tc>
+                  <a:txBody>
+                    <a:bodyPr/>
+                    <a:lstStyle/>
+                    <a:p>
+                      <a:pPr algn="ctr"/>
+                      <a:r>
+                        <a:rPr kumimoji="1" lang="ja-JP" altLang="en-US" sz="2800">
+                          <a:latin typeface="Hiragino Maru Gothic Pro W4" panose="020F0400000000000000" pitchFamily="34" charset="-128"/>
+                          <a:ea typeface="Hiragino Maru Gothic Pro W4" panose="020F0400000000000000" pitchFamily="34" charset="-128"/>
+                        </a:rPr>
+                        <a:t>ガチ戦指揮官、戦術指南役</a:t>
+                      </a:r>
+                    </a:p>
+                  </a:txBody>
+                  <a:tcPr anchor="ctr"/>
+                </a:tc>
+                <a:extLst>
+                  <a:ext uri="{0D108BD9-81ED-4DB2-BD59-A6C34878D82A}">
+                    <a16:rowId xmlns:a16="http://schemas.microsoft.com/office/drawing/2014/main" val="2151537821"/>
+                  </a:ext>
+                </a:extLst>
+              </a:tr>
+              <a:tr h="3223776">
+                <a:tc>
+                  <a:txBody>
+                    <a:bodyPr/>
+                    <a:lstStyle/>
+                    <a:p>
+                      <a:pPr marL="502920" indent="-457200">
+                        <a:buFont typeface="Wingdings" pitchFamily="2" charset="2"/>
+                        <a:buChar char="Ø"/>
+                      </a:pPr>
+                      <a:r>
+                        <a:rPr lang="en-US" altLang="ja-JP" sz="2800" dirty="0" err="1">
+                          <a:solidFill>
+                            <a:schemeClr val="accent5">
+                              <a:lumMod val="50000"/>
+                            </a:schemeClr>
+                          </a:solidFill>
+                          <a:latin typeface="Hiragino Maru Gothic Pro W4" panose="020F0400000000000000" pitchFamily="34" charset="-128"/>
+                          <a:ea typeface="Hiragino Maru Gothic Pro W4" panose="020F0400000000000000" pitchFamily="34" charset="-128"/>
+                        </a:rPr>
+                        <a:t>bigtree</a:t>
+                      </a:r>
+                      <a:endParaRPr lang="en-US" altLang="ja-JP" sz="2800" dirty="0">
+                        <a:solidFill>
+                          <a:schemeClr val="accent5">
+                            <a:lumMod val="50000"/>
+                          </a:schemeClr>
+                        </a:solidFill>
+                        <a:latin typeface="Hiragino Maru Gothic Pro W4" panose="020F0400000000000000" pitchFamily="34" charset="-128"/>
+                        <a:ea typeface="Hiragino Maru Gothic Pro W4" panose="020F0400000000000000" pitchFamily="34" charset="-128"/>
+                      </a:endParaRPr>
+                    </a:p>
+                    <a:p>
+                      <a:pPr marL="502920" indent="-457200">
+                        <a:buFont typeface="Wingdings" pitchFamily="2" charset="2"/>
+                        <a:buChar char="Ø"/>
+                      </a:pPr>
+                      <a:r>
+                        <a:rPr lang="ja-JP" altLang="en-US" sz="2800">
+                          <a:solidFill>
+                            <a:schemeClr val="accent5">
+                              <a:lumMod val="50000"/>
+                            </a:schemeClr>
+                          </a:solidFill>
+                          <a:latin typeface="Hiragino Maru Gothic Pro W4" panose="020F0400000000000000" pitchFamily="34" charset="-128"/>
+                          <a:ea typeface="Hiragino Maru Gothic Pro W4" panose="020F0400000000000000" pitchFamily="34" charset="-128"/>
+                        </a:rPr>
+                        <a:t>ゴドルフィン</a:t>
+                      </a:r>
+                      <a:endParaRPr lang="en-US" altLang="ja-JP" sz="2800" dirty="0">
+                        <a:solidFill>
+                          <a:schemeClr val="accent5">
+                            <a:lumMod val="50000"/>
+                          </a:schemeClr>
+                        </a:solidFill>
+                        <a:latin typeface="Hiragino Maru Gothic Pro W4" panose="020F0400000000000000" pitchFamily="34" charset="-128"/>
+                        <a:ea typeface="Hiragino Maru Gothic Pro W4" panose="020F0400000000000000" pitchFamily="34" charset="-128"/>
+                      </a:endParaRPr>
+                    </a:p>
+                    <a:p>
+                      <a:pPr marL="502920" indent="-457200">
+                        <a:buFont typeface="Wingdings" pitchFamily="2" charset="2"/>
+                        <a:buChar char="Ø"/>
+                      </a:pPr>
+                      <a:r>
+                        <a:rPr lang="ja-JP" altLang="en-US" sz="2800">
+                          <a:solidFill>
+                            <a:schemeClr val="accent5">
+                              <a:lumMod val="50000"/>
+                            </a:schemeClr>
+                          </a:solidFill>
+                          <a:latin typeface="Hiragino Maru Gothic Pro W4" panose="020F0400000000000000" pitchFamily="34" charset="-128"/>
+                          <a:ea typeface="Hiragino Maru Gothic Pro W4" panose="020F0400000000000000" pitchFamily="34" charset="-128"/>
+                        </a:rPr>
+                        <a:t>魔王様</a:t>
+                      </a:r>
+                      <a:endParaRPr lang="en-US" altLang="ja-JP" sz="2800" dirty="0">
+                        <a:solidFill>
+                          <a:schemeClr val="accent5">
+                            <a:lumMod val="50000"/>
+                          </a:schemeClr>
+                        </a:solidFill>
+                        <a:latin typeface="Hiragino Maru Gothic Pro W4" panose="020F0400000000000000" pitchFamily="34" charset="-128"/>
+                        <a:ea typeface="Hiragino Maru Gothic Pro W4" panose="020F0400000000000000" pitchFamily="34" charset="-128"/>
+                      </a:endParaRPr>
+                    </a:p>
+                    <a:p>
+                      <a:pPr marL="502920" indent="-457200">
+                        <a:buFont typeface="Wingdings" pitchFamily="2" charset="2"/>
+                        <a:buChar char="Ø"/>
+                      </a:pPr>
+                      <a:r>
+                        <a:rPr lang="ja-JP" altLang="en-US" sz="2800">
+                          <a:solidFill>
+                            <a:schemeClr val="accent5">
+                              <a:lumMod val="50000"/>
+                            </a:schemeClr>
+                          </a:solidFill>
+                          <a:latin typeface="Hiragino Maru Gothic Pro W4" panose="020F0400000000000000" pitchFamily="34" charset="-128"/>
+                          <a:ea typeface="Hiragino Maru Gothic Pro W4" panose="020F0400000000000000" pitchFamily="34" charset="-128"/>
+                        </a:rPr>
+                        <a:t>ふるはた</a:t>
+                      </a:r>
+                      <a:endParaRPr lang="en-US" altLang="ja-JP" sz="2800" dirty="0">
+                        <a:solidFill>
+                          <a:schemeClr val="accent5">
+                            <a:lumMod val="50000"/>
+                          </a:schemeClr>
+                        </a:solidFill>
+                        <a:latin typeface="Hiragino Maru Gothic Pro W4" panose="020F0400000000000000" pitchFamily="34" charset="-128"/>
+                        <a:ea typeface="Hiragino Maru Gothic Pro W4" panose="020F0400000000000000" pitchFamily="34" charset="-128"/>
+                      </a:endParaRPr>
+                    </a:p>
+                    <a:p>
+                      <a:pPr marL="502920" indent="-457200">
+                        <a:buFont typeface="Wingdings" pitchFamily="2" charset="2"/>
+                        <a:buChar char="Ø"/>
+                      </a:pPr>
+                      <a:r>
+                        <a:rPr lang="en-US" altLang="ja-JP" sz="2800" dirty="0">
+                          <a:solidFill>
+                            <a:schemeClr val="accent5">
+                              <a:lumMod val="50000"/>
+                            </a:schemeClr>
+                          </a:solidFill>
+                          <a:latin typeface="Hiragino Maru Gothic Pro W4" panose="020F0400000000000000" pitchFamily="34" charset="-128"/>
+                          <a:ea typeface="Hiragino Maru Gothic Pro W4" panose="020F0400000000000000" pitchFamily="34" charset="-128"/>
+                        </a:rPr>
+                        <a:t>OB</a:t>
+                      </a:r>
+                      <a:r>
+                        <a:rPr lang="ja-JP" altLang="en-US" sz="2800">
+                          <a:solidFill>
+                            <a:schemeClr val="accent5">
+                              <a:lumMod val="50000"/>
+                            </a:schemeClr>
+                          </a:solidFill>
+                          <a:latin typeface="Hiragino Maru Gothic Pro W4" panose="020F0400000000000000" pitchFamily="34" charset="-128"/>
+                          <a:ea typeface="Hiragino Maru Gothic Pro W4" panose="020F0400000000000000" pitchFamily="34" charset="-128"/>
+                        </a:rPr>
+                        <a:t>ハンター</a:t>
+                      </a:r>
+                      <a:endParaRPr lang="en-US" altLang="ja-JP" sz="2800" dirty="0">
+                        <a:solidFill>
+                          <a:schemeClr val="accent5">
+                            <a:lumMod val="50000"/>
+                          </a:schemeClr>
+                        </a:solidFill>
+                        <a:latin typeface="Hiragino Maru Gothic Pro W4" panose="020F0400000000000000" pitchFamily="34" charset="-128"/>
+                        <a:ea typeface="Hiragino Maru Gothic Pro W4" panose="020F0400000000000000" pitchFamily="34" charset="-128"/>
+                      </a:endParaRPr>
+                    </a:p>
+                    <a:p>
+                      <a:pPr marL="502920" indent="-457200">
+                        <a:buFont typeface="Wingdings" pitchFamily="2" charset="2"/>
+                        <a:buChar char="Ø"/>
+                      </a:pPr>
+                      <a:r>
+                        <a:rPr lang="ja-JP" altLang="en-US" sz="2800">
+                          <a:solidFill>
+                            <a:schemeClr val="accent5">
+                              <a:lumMod val="50000"/>
+                            </a:schemeClr>
+                          </a:solidFill>
+                          <a:latin typeface="Hiragino Maru Gothic Pro W4" panose="020F0400000000000000" pitchFamily="34" charset="-128"/>
+                          <a:ea typeface="Hiragino Maru Gothic Pro W4" panose="020F0400000000000000" pitchFamily="34" charset="-128"/>
+                        </a:rPr>
+                        <a:t>ころ助</a:t>
+                      </a:r>
+                      <a:endParaRPr lang="en-US" altLang="ja-JP" sz="2800" dirty="0">
+                        <a:solidFill>
+                          <a:schemeClr val="accent5">
+                            <a:lumMod val="50000"/>
+                          </a:schemeClr>
+                        </a:solidFill>
+                        <a:latin typeface="Hiragino Maru Gothic Pro W4" panose="020F0400000000000000" pitchFamily="34" charset="-128"/>
+                        <a:ea typeface="Hiragino Maru Gothic Pro W4" panose="020F0400000000000000" pitchFamily="34" charset="-128"/>
+                      </a:endParaRPr>
+                    </a:p>
+                  </a:txBody>
+                  <a:tcPr/>
+                </a:tc>
+                <a:tc>
+                  <a:txBody>
+                    <a:bodyPr/>
+                    <a:lstStyle/>
+                    <a:p>
+                      <a:pPr marL="502920" indent="-457200">
+                        <a:buFont typeface="Wingdings" pitchFamily="2" charset="2"/>
+                        <a:buChar char="Ø"/>
+                      </a:pPr>
+                      <a:r>
+                        <a:rPr lang="ja-JP" altLang="en-US" sz="2800">
+                          <a:solidFill>
+                            <a:schemeClr val="accent5">
+                              <a:lumMod val="50000"/>
+                            </a:schemeClr>
+                          </a:solidFill>
+                          <a:latin typeface="Hiragino Maru Gothic Pro W4" panose="020F0400000000000000" pitchFamily="34" charset="-128"/>
+                          <a:ea typeface="Hiragino Maru Gothic Pro W4" panose="020F0400000000000000" pitchFamily="34" charset="-128"/>
+                        </a:rPr>
+                        <a:t>くい助</a:t>
+                      </a:r>
+                      <a:endParaRPr lang="en-US" altLang="ja-JP" sz="2800" dirty="0">
+                        <a:solidFill>
+                          <a:schemeClr val="accent5">
+                            <a:lumMod val="50000"/>
+                          </a:schemeClr>
+                        </a:solidFill>
+                        <a:latin typeface="Hiragino Maru Gothic Pro W4" panose="020F0400000000000000" pitchFamily="34" charset="-128"/>
+                        <a:ea typeface="Hiragino Maru Gothic Pro W4" panose="020F0400000000000000" pitchFamily="34" charset="-128"/>
+                      </a:endParaRPr>
+                    </a:p>
+                    <a:p>
+                      <a:pPr marL="502920" indent="-457200">
+                        <a:buFont typeface="Wingdings" pitchFamily="2" charset="2"/>
+                        <a:buChar char="Ø"/>
+                      </a:pPr>
+                      <a:r>
+                        <a:rPr lang="en-US" altLang="ja-JP" sz="2800" dirty="0">
+                          <a:solidFill>
+                            <a:schemeClr val="accent5">
+                              <a:lumMod val="50000"/>
+                            </a:schemeClr>
+                          </a:solidFill>
+                          <a:latin typeface="Hiragino Maru Gothic Pro W4" panose="020F0400000000000000" pitchFamily="34" charset="-128"/>
+                          <a:ea typeface="Hiragino Maru Gothic Pro W4" panose="020F0400000000000000" pitchFamily="34" charset="-128"/>
+                        </a:rPr>
+                        <a:t>121</a:t>
+                      </a:r>
+                    </a:p>
+                  </a:txBody>
+                  <a:tcPr/>
+                </a:tc>
+                <a:extLst>
+                  <a:ext uri="{0D108BD9-81ED-4DB2-BD59-A6C34878D82A}">
+                    <a16:rowId xmlns:a16="http://schemas.microsoft.com/office/drawing/2014/main" val="2148418417"/>
+                  </a:ext>
+                </a:extLst>
+              </a:tr>
+            </a:tbl>
+          </a:graphicData>
+        </a:graphic>
+      </p:graphicFrame>
     </p:spTree>
     <p:extLst>
       <p:ext uri="{BB962C8B-B14F-4D97-AF65-F5344CB8AC3E}">
-        <p14:creationId xmlns:p14="http://schemas.microsoft.com/office/powerpoint/2010/main" val="3120325449"/>
+        <p14:creationId xmlns:p14="http://schemas.microsoft.com/office/powerpoint/2010/main" val="2209755328"/>
       </p:ext>
     </p:extLst>
   </p:cSld>
@@ -5154,7 +5447,7 @@
 </p:sld>
 </file>
 
-<file path=ppt/slides/slide4.xml><?xml version="1.0" encoding="utf-8"?>
+<file path=ppt/slides/slide12.xml><?xml version="1.0" encoding="utf-8"?>
 <p:sld xmlns:a="http://schemas.openxmlformats.org/drawingml/2006/main" xmlns:r="http://schemas.openxmlformats.org/officeDocument/2006/relationships" xmlns:p="http://schemas.openxmlformats.org/presentationml/2006/main">
   <p:cSld>
     <p:spTree>
@@ -5193,145 +5486,17 @@
           <a:lstStyle/>
           <a:p>
             <a:r>
-              <a:rPr lang="ja-JP" altLang="en-US">
-                <a:solidFill>
-                  <a:schemeClr val="accent5">
-                    <a:lumMod val="50000"/>
-                  </a:schemeClr>
-                </a:solidFill>
-                <a:latin typeface="Hiragino Maru Gothic Pro W4" panose="020F0400000000000000" pitchFamily="34" charset="-128"/>
-                <a:ea typeface="Hiragino Maru Gothic Pro W4" panose="020F0400000000000000" pitchFamily="34" charset="-128"/>
-              </a:rPr>
-              <a:t>行動指針</a:t>
-            </a:r>
-            <a:endParaRPr kumimoji="1" lang="ja-JP" altLang="en-US">
-              <a:solidFill>
-                <a:schemeClr val="accent5">
-                  <a:lumMod val="50000"/>
-                </a:schemeClr>
-              </a:solidFill>
-              <a:latin typeface="Hiragino Maru Gothic Pro W4" panose="020F0400000000000000" pitchFamily="34" charset="-128"/>
-              <a:ea typeface="Hiragino Maru Gothic Pro W4" panose="020F0400000000000000" pitchFamily="34" charset="-128"/>
-            </a:endParaRPr>
-          </a:p>
-        </p:txBody>
-      </p:sp>
-      <p:sp>
-        <p:nvSpPr>
-          <p:cNvPr id="3" name="コンテンツ プレースホルダー 2">
-            <a:extLst>
-              <a:ext uri="{FF2B5EF4-FFF2-40B4-BE49-F238E27FC236}">
-                <a16:creationId xmlns:a16="http://schemas.microsoft.com/office/drawing/2014/main" id="{01E773B8-156E-4743-8E4A-3ED5FB7CC4E2}"/>
-              </a:ext>
-            </a:extLst>
-          </p:cNvPr>
-          <p:cNvSpPr>
-            <a:spLocks noGrp="1"/>
-          </p:cNvSpPr>
-          <p:nvPr>
-            <p:ph idx="1"/>
-          </p:nvPr>
-        </p:nvSpPr>
-        <p:spPr>
-          <a:xfrm>
-            <a:off x="838200" y="1588575"/>
-            <a:ext cx="10515600" cy="4588387"/>
-          </a:xfrm>
-        </p:spPr>
-        <p:txBody>
-          <a:bodyPr>
-            <a:normAutofit/>
-          </a:bodyPr>
-          <a:lstStyle/>
-          <a:p>
-            <a:pPr marL="502920" indent="-457200"/>
-            <a:r>
-              <a:rPr lang="ja-JP" altLang="en-US">
-                <a:solidFill>
-                  <a:schemeClr val="accent5">
-                    <a:lumMod val="50000"/>
-                  </a:schemeClr>
-                </a:solidFill>
-                <a:latin typeface="Hiragino Maru Gothic Pro W4" panose="020F0400000000000000" pitchFamily="34" charset="-128"/>
-                <a:ea typeface="Hiragino Maru Gothic Pro W4" panose="020F0400000000000000" pitchFamily="34" charset="-128"/>
-              </a:rPr>
-              <a:t>野良戦はゆるく</a:t>
-            </a:r>
-          </a:p>
-          <a:p>
-            <a:pPr marL="502920" indent="-457200"/>
-            <a:r>
-              <a:rPr lang="ja-JP" altLang="en-US">
-                <a:solidFill>
-                  <a:schemeClr val="accent5">
-                    <a:lumMod val="50000"/>
-                  </a:schemeClr>
-                </a:solidFill>
-                <a:latin typeface="Hiragino Maru Gothic Pro W4" panose="020F0400000000000000" pitchFamily="34" charset="-128"/>
-                <a:ea typeface="Hiragino Maru Gothic Pro W4" panose="020F0400000000000000" pitchFamily="34" charset="-128"/>
-              </a:rPr>
-              <a:t>リーグ戦はガチ</a:t>
-            </a:r>
-            <a:endParaRPr lang="en-US" altLang="ja-JP" dirty="0">
-              <a:solidFill>
-                <a:schemeClr val="accent5">
-                  <a:lumMod val="50000"/>
-                </a:schemeClr>
-              </a:solidFill>
-              <a:latin typeface="Hiragino Maru Gothic Pro W4" panose="020F0400000000000000" pitchFamily="34" charset="-128"/>
-              <a:ea typeface="Hiragino Maru Gothic Pro W4" panose="020F0400000000000000" pitchFamily="34" charset="-128"/>
-            </a:endParaRPr>
-          </a:p>
-          <a:p>
-            <a:pPr marL="502920" indent="-457200"/>
-            <a:r>
-              <a:rPr lang="en-US" altLang="ja-JP" dirty="0">
-                <a:solidFill>
-                  <a:schemeClr val="accent5">
-                    <a:lumMod val="50000"/>
-                  </a:schemeClr>
-                </a:solidFill>
-                <a:latin typeface="Hiragino Maru Gothic Pro W4" panose="020F0400000000000000" pitchFamily="34" charset="-128"/>
-                <a:ea typeface="Hiragino Maru Gothic Pro W4" panose="020F0400000000000000" pitchFamily="34" charset="-128"/>
-              </a:rPr>
-              <a:t>JWC</a:t>
-            </a:r>
-            <a:r>
-              <a:rPr lang="ja-JP" altLang="en-US">
-                <a:solidFill>
-                  <a:schemeClr val="accent5">
-                    <a:lumMod val="50000"/>
-                  </a:schemeClr>
-                </a:solidFill>
-                <a:latin typeface="Hiragino Maru Gothic Pro W4" panose="020F0400000000000000" pitchFamily="34" charset="-128"/>
-                <a:ea typeface="Hiragino Maru Gothic Pro W4" panose="020F0400000000000000" pitchFamily="34" charset="-128"/>
-              </a:rPr>
-              <a:t>などのイベントはもちろんガチ</a:t>
-            </a:r>
-          </a:p>
-          <a:p>
-            <a:pPr marL="502920" indent="-457200"/>
-            <a:r>
-              <a:rPr lang="ja-JP" altLang="en-US">
-                <a:solidFill>
-                  <a:schemeClr val="accent5">
-                    <a:lumMod val="50000"/>
-                  </a:schemeClr>
-                </a:solidFill>
-                <a:latin typeface="Hiragino Maru Gothic Pro W4" panose="020F0400000000000000" pitchFamily="34" charset="-128"/>
-                <a:ea typeface="Hiragino Maru Gothic Pro W4" panose="020F0400000000000000" pitchFamily="34" charset="-128"/>
-              </a:rPr>
-              <a:t>イベントは率先して出る</a:t>
-            </a:r>
-            <a:endParaRPr lang="en-US" altLang="ja-JP" dirty="0">
-              <a:solidFill>
-                <a:schemeClr val="accent5">
-                  <a:lumMod val="50000"/>
-                </a:schemeClr>
-              </a:solidFill>
-              <a:latin typeface="Hiragino Maru Gothic Pro W4" panose="020F0400000000000000" pitchFamily="34" charset="-128"/>
-              <a:ea typeface="Hiragino Maru Gothic Pro W4" panose="020F0400000000000000" pitchFamily="34" charset="-128"/>
-            </a:endParaRPr>
+              <a:rPr kumimoji="1" lang="ja-JP" altLang="en-US">
+                <a:solidFill>
+                  <a:schemeClr val="accent5">
+                    <a:lumMod val="50000"/>
+                  </a:schemeClr>
+                </a:solidFill>
+                <a:latin typeface="Hiragino Maru Gothic Pro W4" panose="020F0400000000000000" pitchFamily="34" charset="-128"/>
+                <a:ea typeface="Hiragino Maru Gothic Pro W4" panose="020F0400000000000000" pitchFamily="34" charset="-128"/>
+              </a:rPr>
+              <a:t>クラン運営陣のリソース配分</a:t>
+            </a:r>
           </a:p>
         </p:txBody>
       </p:sp>
@@ -5367,7 +5532,7 @@
                 <a:latin typeface="Hiragino Maru Gothic Pro W4" panose="020F0400000000000000" pitchFamily="34" charset="-128"/>
                 <a:ea typeface="Hiragino Maru Gothic Pro W4" panose="020F0400000000000000" pitchFamily="34" charset="-128"/>
               </a:rPr>
-              <a:t>4</a:t>
+              <a:t>12</a:t>
             </a:fld>
             <a:endParaRPr lang="ja-JP" altLang="en-US" noProof="0" dirty="0">
               <a:solidFill>
@@ -5381,10 +5546,1348 @@
           </a:p>
         </p:txBody>
       </p:sp>
+      <p:sp>
+        <p:nvSpPr>
+          <p:cNvPr id="9" name="正方形/長方形 8">
+            <a:extLst>
+              <a:ext uri="{FF2B5EF4-FFF2-40B4-BE49-F238E27FC236}">
+                <a16:creationId xmlns:a16="http://schemas.microsoft.com/office/drawing/2014/main" id="{2FDDAFCE-9F06-1E48-A9CB-C2ECBD65C4BB}"/>
+              </a:ext>
+            </a:extLst>
+          </p:cNvPr>
+          <p:cNvSpPr/>
+          <p:nvPr/>
+        </p:nvSpPr>
+        <p:spPr>
+          <a:xfrm>
+            <a:off x="1523997" y="1426605"/>
+            <a:ext cx="3214553" cy="619910"/>
+          </a:xfrm>
+          <a:prstGeom prst="rect">
+            <a:avLst/>
+          </a:prstGeom>
+        </p:spPr>
+        <p:style>
+          <a:lnRef idx="0">
+            <a:schemeClr val="accent2"/>
+          </a:lnRef>
+          <a:fillRef idx="3">
+            <a:schemeClr val="accent2"/>
+          </a:fillRef>
+          <a:effectRef idx="3">
+            <a:schemeClr val="accent2"/>
+          </a:effectRef>
+          <a:fontRef idx="minor">
+            <a:schemeClr val="lt1"/>
+          </a:fontRef>
+        </p:style>
+        <p:txBody>
+          <a:bodyPr rtlCol="0" anchor="ctr"/>
+          <a:lstStyle/>
+          <a:p>
+            <a:pPr algn="ctr"/>
+            <a:r>
+              <a:rPr kumimoji="1" lang="en-US" altLang="ja-JP" sz="2000" dirty="0">
+                <a:latin typeface="Hiragino Maru Gothic Pro W4" panose="020F0400000000000000" pitchFamily="34" charset="-128"/>
+                <a:ea typeface="Hiragino Maru Gothic Pro W4" panose="020F0400000000000000" pitchFamily="34" charset="-128"/>
+              </a:rPr>
+              <a:t>TOMARIGI</a:t>
+            </a:r>
+          </a:p>
+        </p:txBody>
+      </p:sp>
+      <p:sp>
+        <p:nvSpPr>
+          <p:cNvPr id="10" name="正方形/長方形 9">
+            <a:extLst>
+              <a:ext uri="{FF2B5EF4-FFF2-40B4-BE49-F238E27FC236}">
+                <a16:creationId xmlns:a16="http://schemas.microsoft.com/office/drawing/2014/main" id="{D4895562-9AEE-154C-8FE4-41D01D6A105E}"/>
+              </a:ext>
+            </a:extLst>
+          </p:cNvPr>
+          <p:cNvSpPr/>
+          <p:nvPr/>
+        </p:nvSpPr>
+        <p:spPr>
+          <a:xfrm>
+            <a:off x="4776645" y="1426605"/>
+            <a:ext cx="3214553" cy="619910"/>
+          </a:xfrm>
+          <a:prstGeom prst="rect">
+            <a:avLst/>
+          </a:prstGeom>
+        </p:spPr>
+        <p:style>
+          <a:lnRef idx="0">
+            <a:schemeClr val="accent5"/>
+          </a:lnRef>
+          <a:fillRef idx="3">
+            <a:schemeClr val="accent5"/>
+          </a:fillRef>
+          <a:effectRef idx="3">
+            <a:schemeClr val="accent5"/>
+          </a:effectRef>
+          <a:fontRef idx="minor">
+            <a:schemeClr val="lt1"/>
+          </a:fontRef>
+        </p:style>
+        <p:txBody>
+          <a:bodyPr rtlCol="0" anchor="ctr"/>
+          <a:lstStyle/>
+          <a:p>
+            <a:pPr algn="ctr"/>
+            <a:r>
+              <a:rPr kumimoji="1" lang="ja-JP" altLang="en-US" sz="2000">
+                <a:latin typeface="Hiragino Maru Gothic Pro W4" panose="020F0400000000000000" pitchFamily="34" charset="-128"/>
+                <a:ea typeface="Hiragino Maru Gothic Pro W4" panose="020F0400000000000000" pitchFamily="34" charset="-128"/>
+              </a:rPr>
+              <a:t>まほらま</a:t>
+            </a:r>
+            <a:r>
+              <a:rPr kumimoji="1" lang="en-US" altLang="ja-JP" sz="2000" dirty="0">
+                <a:latin typeface="Hiragino Maru Gothic Pro W4" panose="020F0400000000000000" pitchFamily="34" charset="-128"/>
+                <a:ea typeface="Hiragino Maru Gothic Pro W4" panose="020F0400000000000000" pitchFamily="34" charset="-128"/>
+              </a:rPr>
+              <a:t>〜</a:t>
+            </a:r>
+            <a:r>
+              <a:rPr kumimoji="1" lang="ja-JP" altLang="en-US" sz="2000">
+                <a:latin typeface="Hiragino Maru Gothic Pro W4" panose="020F0400000000000000" pitchFamily="34" charset="-128"/>
+                <a:ea typeface="Hiragino Maru Gothic Pro W4" panose="020F0400000000000000" pitchFamily="34" charset="-128"/>
+              </a:rPr>
+              <a:t>摩天楼</a:t>
+            </a:r>
+            <a:r>
+              <a:rPr kumimoji="1" lang="en-US" altLang="ja-JP" sz="2000" dirty="0">
+                <a:latin typeface="Hiragino Maru Gothic Pro W4" panose="020F0400000000000000" pitchFamily="34" charset="-128"/>
+                <a:ea typeface="Hiragino Maru Gothic Pro W4" panose="020F0400000000000000" pitchFamily="34" charset="-128"/>
+              </a:rPr>
+              <a:t>〜</a:t>
+            </a:r>
+          </a:p>
+        </p:txBody>
+      </p:sp>
+      <p:sp>
+        <p:nvSpPr>
+          <p:cNvPr id="11" name="正方形/長方形 10">
+            <a:extLst>
+              <a:ext uri="{FF2B5EF4-FFF2-40B4-BE49-F238E27FC236}">
+                <a16:creationId xmlns:a16="http://schemas.microsoft.com/office/drawing/2014/main" id="{48A628B8-2066-EF4F-829E-FEC0F3006B7E}"/>
+              </a:ext>
+            </a:extLst>
+          </p:cNvPr>
+          <p:cNvSpPr/>
+          <p:nvPr/>
+        </p:nvSpPr>
+        <p:spPr>
+          <a:xfrm>
+            <a:off x="8029293" y="1426605"/>
+            <a:ext cx="3214553" cy="619910"/>
+          </a:xfrm>
+          <a:prstGeom prst="rect">
+            <a:avLst/>
+          </a:prstGeom>
+        </p:spPr>
+        <p:style>
+          <a:lnRef idx="0">
+            <a:schemeClr val="accent6"/>
+          </a:lnRef>
+          <a:fillRef idx="3">
+            <a:schemeClr val="accent6"/>
+          </a:fillRef>
+          <a:effectRef idx="3">
+            <a:schemeClr val="accent6"/>
+          </a:effectRef>
+          <a:fontRef idx="minor">
+            <a:schemeClr val="lt1"/>
+          </a:fontRef>
+        </p:style>
+        <p:txBody>
+          <a:bodyPr rtlCol="0" anchor="ctr"/>
+          <a:lstStyle/>
+          <a:p>
+            <a:pPr algn="ctr"/>
+            <a:r>
+              <a:rPr kumimoji="1" lang="ja-JP" altLang="en-US" sz="2000">
+                <a:latin typeface="Hiragino Maru Gothic Pro W4" panose="020F0400000000000000" pitchFamily="34" charset="-128"/>
+                <a:ea typeface="Hiragino Maru Gothic Pro W4" panose="020F0400000000000000" pitchFamily="34" charset="-128"/>
+              </a:rPr>
+              <a:t>とまり木</a:t>
+            </a:r>
+            <a:endParaRPr kumimoji="1" lang="en-US" altLang="ja-JP" sz="2000" dirty="0">
+              <a:latin typeface="Hiragino Maru Gothic Pro W4" panose="020F0400000000000000" pitchFamily="34" charset="-128"/>
+              <a:ea typeface="Hiragino Maru Gothic Pro W4" panose="020F0400000000000000" pitchFamily="34" charset="-128"/>
+            </a:endParaRPr>
+          </a:p>
+        </p:txBody>
+      </p:sp>
+      <p:sp>
+        <p:nvSpPr>
+          <p:cNvPr id="12" name="正方形/長方形 11">
+            <a:extLst>
+              <a:ext uri="{FF2B5EF4-FFF2-40B4-BE49-F238E27FC236}">
+                <a16:creationId xmlns:a16="http://schemas.microsoft.com/office/drawing/2014/main" id="{EC9B580A-40D6-C048-8415-0C208DDDFF71}"/>
+              </a:ext>
+            </a:extLst>
+          </p:cNvPr>
+          <p:cNvSpPr/>
+          <p:nvPr/>
+        </p:nvSpPr>
+        <p:spPr>
+          <a:xfrm>
+            <a:off x="1523997" y="2106131"/>
+            <a:ext cx="3214553" cy="2351631"/>
+          </a:xfrm>
+          <a:prstGeom prst="rect">
+            <a:avLst/>
+          </a:prstGeom>
+        </p:spPr>
+        <p:style>
+          <a:lnRef idx="0">
+            <a:schemeClr val="accent2"/>
+          </a:lnRef>
+          <a:fillRef idx="3">
+            <a:schemeClr val="accent2"/>
+          </a:fillRef>
+          <a:effectRef idx="3">
+            <a:schemeClr val="accent2"/>
+          </a:effectRef>
+          <a:fontRef idx="minor">
+            <a:schemeClr val="lt1"/>
+          </a:fontRef>
+        </p:style>
+        <p:txBody>
+          <a:bodyPr rtlCol="0" anchor="t"/>
+          <a:lstStyle/>
+          <a:p>
+            <a:pPr marL="342900" indent="-342900">
+              <a:buFont typeface="Arial" panose="020B0604020202020204" pitchFamily="34" charset="0"/>
+              <a:buChar char="•"/>
+            </a:pPr>
+            <a:r>
+              <a:rPr kumimoji="1" lang="en-US" altLang="ja-JP" sz="1400" dirty="0" err="1">
+                <a:latin typeface="Hiragino Maru Gothic Pro W4" panose="020F0400000000000000" pitchFamily="34" charset="-128"/>
+                <a:ea typeface="Hiragino Maru Gothic Pro W4" panose="020F0400000000000000" pitchFamily="34" charset="-128"/>
+              </a:rPr>
+              <a:t>bigtree</a:t>
+            </a:r>
+            <a:r>
+              <a:rPr lang="en-US" altLang="ja-JP" sz="1400" dirty="0">
+                <a:latin typeface="Hiragino Maru Gothic Pro W4" panose="020F0400000000000000" pitchFamily="34" charset="-128"/>
+                <a:ea typeface="Hiragino Maru Gothic Pro W4" panose="020F0400000000000000" pitchFamily="34" charset="-128"/>
+              </a:rPr>
+              <a:t>⑭</a:t>
+            </a:r>
+          </a:p>
+          <a:p>
+            <a:pPr marL="342900" indent="-342900">
+              <a:buFont typeface="Arial" panose="020B0604020202020204" pitchFamily="34" charset="0"/>
+              <a:buChar char="•"/>
+            </a:pPr>
+            <a:r>
+              <a:rPr lang="ja-JP" altLang="en-US" sz="1400">
+                <a:latin typeface="Hiragino Maru Gothic Pro W4" panose="020F0400000000000000" pitchFamily="34" charset="-128"/>
+                <a:ea typeface="Hiragino Maru Gothic Pro W4" panose="020F0400000000000000" pitchFamily="34" charset="-128"/>
+              </a:rPr>
+              <a:t>ふるはた⑭</a:t>
+            </a:r>
+            <a:endParaRPr lang="en-US" altLang="ja-JP" sz="1400" dirty="0">
+              <a:latin typeface="Hiragino Maru Gothic Pro W4" panose="020F0400000000000000" pitchFamily="34" charset="-128"/>
+              <a:ea typeface="Hiragino Maru Gothic Pro W4" panose="020F0400000000000000" pitchFamily="34" charset="-128"/>
+            </a:endParaRPr>
+          </a:p>
+          <a:p>
+            <a:pPr marL="342900" indent="-342900">
+              <a:buFont typeface="Arial" panose="020B0604020202020204" pitchFamily="34" charset="0"/>
+              <a:buChar char="•"/>
+            </a:pPr>
+            <a:r>
+              <a:rPr lang="ja-JP" altLang="en-US" sz="1400">
+                <a:latin typeface="Hiragino Maru Gothic Pro W4" panose="020F0400000000000000" pitchFamily="34" charset="-128"/>
+                <a:ea typeface="Hiragino Maru Gothic Pro W4" panose="020F0400000000000000" pitchFamily="34" charset="-128"/>
+              </a:rPr>
+              <a:t>ゴドルフィン</a:t>
+            </a:r>
+            <a:r>
+              <a:rPr lang="ja-JP" altLang="en-US" sz="1400">
+                <a:solidFill>
+                  <a:srgbClr val="FF0000"/>
+                </a:solidFill>
+                <a:latin typeface="Hiragino Maru Gothic Pro W4" panose="020F0400000000000000" pitchFamily="34" charset="-128"/>
+                <a:ea typeface="Hiragino Maru Gothic Pro W4" panose="020F0400000000000000" pitchFamily="34" charset="-128"/>
+              </a:rPr>
+              <a:t>⑬⑬</a:t>
+            </a:r>
+            <a:endParaRPr kumimoji="1" lang="en-US" altLang="ja-JP" sz="1400" dirty="0">
+              <a:solidFill>
+                <a:srgbClr val="FF0000"/>
+              </a:solidFill>
+              <a:latin typeface="Hiragino Maru Gothic Pro W4" panose="020F0400000000000000" pitchFamily="34" charset="-128"/>
+              <a:ea typeface="Hiragino Maru Gothic Pro W4" panose="020F0400000000000000" pitchFamily="34" charset="-128"/>
+            </a:endParaRPr>
+          </a:p>
+          <a:p>
+            <a:pPr marL="342900" indent="-342900">
+              <a:buFont typeface="Arial" panose="020B0604020202020204" pitchFamily="34" charset="0"/>
+              <a:buChar char="•"/>
+            </a:pPr>
+            <a:r>
+              <a:rPr kumimoji="1" lang="en-US" altLang="ja-JP" sz="1400" dirty="0">
+                <a:latin typeface="Hiragino Maru Gothic Pro W4" panose="020F0400000000000000" pitchFamily="34" charset="-128"/>
+                <a:ea typeface="Hiragino Maru Gothic Pro W4" panose="020F0400000000000000" pitchFamily="34" charset="-128"/>
+              </a:rPr>
+              <a:t>OB</a:t>
+            </a:r>
+            <a:r>
+              <a:rPr kumimoji="1" lang="ja-JP" altLang="en-US" sz="1400">
+                <a:latin typeface="Hiragino Maru Gothic Pro W4" panose="020F0400000000000000" pitchFamily="34" charset="-128"/>
+                <a:ea typeface="Hiragino Maru Gothic Pro W4" panose="020F0400000000000000" pitchFamily="34" charset="-128"/>
+              </a:rPr>
+              <a:t>ハンター</a:t>
+            </a:r>
+            <a:r>
+              <a:rPr lang="ja-JP" altLang="en-US" sz="1400">
+                <a:solidFill>
+                  <a:srgbClr val="FF0000"/>
+                </a:solidFill>
+                <a:latin typeface="Hiragino Maru Gothic Pro W4" panose="020F0400000000000000" pitchFamily="34" charset="-128"/>
+                <a:ea typeface="Hiragino Maru Gothic Pro W4" panose="020F0400000000000000" pitchFamily="34" charset="-128"/>
+              </a:rPr>
+              <a:t>⑬</a:t>
+            </a:r>
+            <a:endParaRPr kumimoji="1" lang="en-US" altLang="ja-JP" sz="1400" dirty="0">
+              <a:solidFill>
+                <a:srgbClr val="FF0000"/>
+              </a:solidFill>
+              <a:latin typeface="Hiragino Maru Gothic Pro W4" panose="020F0400000000000000" pitchFamily="34" charset="-128"/>
+              <a:ea typeface="Hiragino Maru Gothic Pro W4" panose="020F0400000000000000" pitchFamily="34" charset="-128"/>
+            </a:endParaRPr>
+          </a:p>
+          <a:p>
+            <a:pPr marL="342900" indent="-342900">
+              <a:buFont typeface="Arial" panose="020B0604020202020204" pitchFamily="34" charset="0"/>
+              <a:buChar char="•"/>
+            </a:pPr>
+            <a:r>
+              <a:rPr kumimoji="1" lang="en-US" altLang="ja-JP" sz="1400" dirty="0">
+                <a:latin typeface="Hiragino Maru Gothic Pro W4" panose="020F0400000000000000" pitchFamily="34" charset="-128"/>
+                <a:ea typeface="Hiragino Maru Gothic Pro W4" panose="020F0400000000000000" pitchFamily="34" charset="-128"/>
+              </a:rPr>
+              <a:t>121</a:t>
+            </a:r>
+            <a:r>
+              <a:rPr lang="ja-JP" altLang="en-US" sz="1400">
+                <a:latin typeface="Hiragino Maru Gothic Pro W4" panose="020F0400000000000000" pitchFamily="34" charset="-128"/>
+                <a:ea typeface="Hiragino Maru Gothic Pro W4" panose="020F0400000000000000" pitchFamily="34" charset="-128"/>
+              </a:rPr>
+              <a:t>⑭⑬</a:t>
+            </a:r>
+            <a:endParaRPr kumimoji="1" lang="en-US" altLang="ja-JP" sz="1400" dirty="0">
+              <a:latin typeface="Hiragino Maru Gothic Pro W4" panose="020F0400000000000000" pitchFamily="34" charset="-128"/>
+              <a:ea typeface="Hiragino Maru Gothic Pro W4" panose="020F0400000000000000" pitchFamily="34" charset="-128"/>
+            </a:endParaRPr>
+          </a:p>
+          <a:p>
+            <a:pPr marL="342900" indent="-342900">
+              <a:buFont typeface="Arial" panose="020B0604020202020204" pitchFamily="34" charset="0"/>
+              <a:buChar char="•"/>
+            </a:pPr>
+            <a:r>
+              <a:rPr kumimoji="1" lang="ja-JP" altLang="en-US" sz="1400">
+                <a:latin typeface="Hiragino Maru Gothic Pro W4" panose="020F0400000000000000" pitchFamily="34" charset="-128"/>
+                <a:ea typeface="Hiragino Maru Gothic Pro W4" panose="020F0400000000000000" pitchFamily="34" charset="-128"/>
+              </a:rPr>
+              <a:t>くい助⑭⑬</a:t>
+            </a:r>
+            <a:endParaRPr kumimoji="1" lang="en-US" altLang="ja-JP" sz="1400" dirty="0">
+              <a:latin typeface="Hiragino Maru Gothic Pro W4" panose="020F0400000000000000" pitchFamily="34" charset="-128"/>
+              <a:ea typeface="Hiragino Maru Gothic Pro W4" panose="020F0400000000000000" pitchFamily="34" charset="-128"/>
+            </a:endParaRPr>
+          </a:p>
+          <a:p>
+            <a:pPr marL="342900" indent="-342900">
+              <a:buFont typeface="Arial" panose="020B0604020202020204" pitchFamily="34" charset="0"/>
+              <a:buChar char="•"/>
+            </a:pPr>
+            <a:r>
+              <a:rPr lang="ja-JP" altLang="en-US" sz="1400" u="sng">
+                <a:latin typeface="Hiragino Maru Gothic Pro W4" panose="020F0400000000000000" pitchFamily="34" charset="-128"/>
+                <a:ea typeface="Hiragino Maru Gothic Pro W4" panose="020F0400000000000000" pitchFamily="34" charset="-128"/>
+              </a:rPr>
+              <a:t>魔王様⑭⑬</a:t>
+            </a:r>
+            <a:r>
+              <a:rPr lang="en-US" altLang="ja-JP" sz="1400" u="sng" dirty="0">
+                <a:latin typeface="Hiragino Maru Gothic Pro W4" panose="020F0400000000000000" pitchFamily="34" charset="-128"/>
+                <a:ea typeface="Hiragino Maru Gothic Pro W4" panose="020F0400000000000000" pitchFamily="34" charset="-128"/>
+              </a:rPr>
+              <a:t> (</a:t>
+            </a:r>
+            <a:r>
+              <a:rPr lang="ja-JP" altLang="en-US" sz="1400" u="sng">
+                <a:latin typeface="Hiragino Maru Gothic Pro W4" panose="020F0400000000000000" pitchFamily="34" charset="-128"/>
+                <a:ea typeface="Hiragino Maru Gothic Pro W4" panose="020F0400000000000000" pitchFamily="34" charset="-128"/>
+              </a:rPr>
+              <a:t>責任者</a:t>
+            </a:r>
+            <a:r>
+              <a:rPr lang="en-US" altLang="ja-JP" sz="1400" u="sng" dirty="0">
+                <a:latin typeface="Hiragino Maru Gothic Pro W4" panose="020F0400000000000000" pitchFamily="34" charset="-128"/>
+                <a:ea typeface="Hiragino Maru Gothic Pro W4" panose="020F0400000000000000" pitchFamily="34" charset="-128"/>
+              </a:rPr>
+              <a:t>)</a:t>
+            </a:r>
+          </a:p>
+          <a:p>
+            <a:pPr marL="342900" indent="-342900">
+              <a:buFont typeface="Arial" panose="020B0604020202020204" pitchFamily="34" charset="0"/>
+              <a:buChar char="•"/>
+            </a:pPr>
+            <a:r>
+              <a:rPr lang="ja-JP" altLang="en-US" sz="1400">
+                <a:latin typeface="Hiragino Maru Gothic Pro W4" panose="020F0400000000000000" pitchFamily="34" charset="-128"/>
+                <a:ea typeface="Hiragino Maru Gothic Pro W4" panose="020F0400000000000000" pitchFamily="34" charset="-128"/>
+              </a:rPr>
+              <a:t>ころ助</a:t>
+            </a:r>
+            <a:r>
+              <a:rPr lang="ja-JP" altLang="en-US" sz="1400">
+                <a:solidFill>
+                  <a:srgbClr val="FF0000"/>
+                </a:solidFill>
+                <a:latin typeface="Hiragino Maru Gothic Pro W4" panose="020F0400000000000000" pitchFamily="34" charset="-128"/>
+                <a:ea typeface="Hiragino Maru Gothic Pro W4" panose="020F0400000000000000" pitchFamily="34" charset="-128"/>
+              </a:rPr>
+              <a:t>⑬</a:t>
+            </a:r>
+            <a:r>
+              <a:rPr lang="ja-JP" altLang="en-US" sz="1400">
+                <a:latin typeface="Hiragino Maru Gothic Pro W4" panose="020F0400000000000000" pitchFamily="34" charset="-128"/>
+                <a:ea typeface="Hiragino Maru Gothic Pro W4" panose="020F0400000000000000" pitchFamily="34" charset="-128"/>
+              </a:rPr>
+              <a:t>⑬</a:t>
+            </a:r>
+            <a:endParaRPr kumimoji="1" lang="en-US" altLang="ja-JP" sz="1400" dirty="0">
+              <a:latin typeface="Hiragino Maru Gothic Pro W4" panose="020F0400000000000000" pitchFamily="34" charset="-128"/>
+              <a:ea typeface="Hiragino Maru Gothic Pro W4" panose="020F0400000000000000" pitchFamily="34" charset="-128"/>
+            </a:endParaRPr>
+          </a:p>
+          <a:p>
+            <a:pPr marL="342900" indent="-342900">
+              <a:buFont typeface="Arial" panose="020B0604020202020204" pitchFamily="34" charset="0"/>
+              <a:buChar char="•"/>
+            </a:pPr>
+            <a:endParaRPr kumimoji="1" lang="en-US" altLang="ja-JP" sz="1400" dirty="0">
+              <a:latin typeface="Hiragino Maru Gothic Pro W4" panose="020F0400000000000000" pitchFamily="34" charset="-128"/>
+              <a:ea typeface="Hiragino Maru Gothic Pro W4" panose="020F0400000000000000" pitchFamily="34" charset="-128"/>
+            </a:endParaRPr>
+          </a:p>
+        </p:txBody>
+      </p:sp>
+      <p:sp>
+        <p:nvSpPr>
+          <p:cNvPr id="13" name="正方形/長方形 12">
+            <a:extLst>
+              <a:ext uri="{FF2B5EF4-FFF2-40B4-BE49-F238E27FC236}">
+                <a16:creationId xmlns:a16="http://schemas.microsoft.com/office/drawing/2014/main" id="{932ECC1F-1F70-AE49-88E9-D525F2F3B578}"/>
+              </a:ext>
+            </a:extLst>
+          </p:cNvPr>
+          <p:cNvSpPr/>
+          <p:nvPr/>
+        </p:nvSpPr>
+        <p:spPr>
+          <a:xfrm>
+            <a:off x="4776645" y="2106131"/>
+            <a:ext cx="3214553" cy="2351631"/>
+          </a:xfrm>
+          <a:prstGeom prst="rect">
+            <a:avLst/>
+          </a:prstGeom>
+        </p:spPr>
+        <p:style>
+          <a:lnRef idx="0">
+            <a:schemeClr val="accent5"/>
+          </a:lnRef>
+          <a:fillRef idx="3">
+            <a:schemeClr val="accent5"/>
+          </a:fillRef>
+          <a:effectRef idx="3">
+            <a:schemeClr val="accent5"/>
+          </a:effectRef>
+          <a:fontRef idx="minor">
+            <a:schemeClr val="lt1"/>
+          </a:fontRef>
+        </p:style>
+        <p:txBody>
+          <a:bodyPr rtlCol="0" anchor="t"/>
+          <a:lstStyle/>
+          <a:p>
+            <a:pPr marL="342900" indent="-342900">
+              <a:buFont typeface="Arial" panose="020B0604020202020204" pitchFamily="34" charset="0"/>
+              <a:buChar char="•"/>
+            </a:pPr>
+            <a:r>
+              <a:rPr lang="en-US" altLang="ja-JP" sz="1400" dirty="0" err="1">
+                <a:latin typeface="Hiragino Maru Gothic Pro W4" panose="020F0400000000000000" pitchFamily="34" charset="-128"/>
+                <a:ea typeface="Hiragino Maru Gothic Pro W4" panose="020F0400000000000000" pitchFamily="34" charset="-128"/>
+              </a:rPr>
+              <a:t>bigtree</a:t>
+            </a:r>
+            <a:r>
+              <a:rPr lang="ja-JP" altLang="en-US" sz="1400">
+                <a:latin typeface="Hiragino Maru Gothic Pro W4" panose="020F0400000000000000" pitchFamily="34" charset="-128"/>
+                <a:ea typeface="Hiragino Maru Gothic Pro W4" panose="020F0400000000000000" pitchFamily="34" charset="-128"/>
+              </a:rPr>
+              <a:t>⑬</a:t>
+            </a:r>
+            <a:endParaRPr lang="en-US" altLang="ja-JP" sz="1400" dirty="0">
+              <a:latin typeface="Hiragino Maru Gothic Pro W4" panose="020F0400000000000000" pitchFamily="34" charset="-128"/>
+              <a:ea typeface="Hiragino Maru Gothic Pro W4" panose="020F0400000000000000" pitchFamily="34" charset="-128"/>
+            </a:endParaRPr>
+          </a:p>
+          <a:p>
+            <a:pPr marL="342900" indent="-342900">
+              <a:buFont typeface="Arial" panose="020B0604020202020204" pitchFamily="34" charset="0"/>
+              <a:buChar char="•"/>
+            </a:pPr>
+            <a:r>
+              <a:rPr lang="ja-JP" altLang="en-US" sz="1400">
+                <a:latin typeface="Hiragino Maru Gothic Pro W4" panose="020F0400000000000000" pitchFamily="34" charset="-128"/>
+                <a:ea typeface="Hiragino Maru Gothic Pro W4" panose="020F0400000000000000" pitchFamily="34" charset="-128"/>
+              </a:rPr>
+              <a:t>ふるはた⑬</a:t>
+            </a:r>
+            <a:endParaRPr lang="en-US" altLang="ja-JP" sz="1400" dirty="0">
+              <a:latin typeface="Hiragino Maru Gothic Pro W4" panose="020F0400000000000000" pitchFamily="34" charset="-128"/>
+              <a:ea typeface="Hiragino Maru Gothic Pro W4" panose="020F0400000000000000" pitchFamily="34" charset="-128"/>
+            </a:endParaRPr>
+          </a:p>
+          <a:p>
+            <a:pPr marL="342900" indent="-342900">
+              <a:buFont typeface="Arial" panose="020B0604020202020204" pitchFamily="34" charset="0"/>
+              <a:buChar char="•"/>
+            </a:pPr>
+            <a:r>
+              <a:rPr lang="ja-JP" altLang="en-US" sz="1400" u="sng">
+                <a:latin typeface="Hiragino Maru Gothic Pro W4" panose="020F0400000000000000" pitchFamily="34" charset="-128"/>
+                <a:ea typeface="Hiragino Maru Gothic Pro W4" panose="020F0400000000000000" pitchFamily="34" charset="-128"/>
+              </a:rPr>
+              <a:t>ゴドルフィン⑬⑬</a:t>
+            </a:r>
+            <a:r>
+              <a:rPr lang="en-US" altLang="ja-JP" sz="1400" u="sng" dirty="0">
+                <a:latin typeface="Hiragino Maru Gothic Pro W4" panose="020F0400000000000000" pitchFamily="34" charset="-128"/>
+                <a:ea typeface="Hiragino Maru Gothic Pro W4" panose="020F0400000000000000" pitchFamily="34" charset="-128"/>
+              </a:rPr>
+              <a:t>⑫ (</a:t>
+            </a:r>
+            <a:r>
+              <a:rPr lang="ja-JP" altLang="en-US" sz="1400" u="sng">
+                <a:latin typeface="Hiragino Maru Gothic Pro W4" panose="020F0400000000000000" pitchFamily="34" charset="-128"/>
+                <a:ea typeface="Hiragino Maru Gothic Pro W4" panose="020F0400000000000000" pitchFamily="34" charset="-128"/>
+              </a:rPr>
+              <a:t>責任者</a:t>
+            </a:r>
+            <a:r>
+              <a:rPr lang="en-US" altLang="ja-JP" sz="1400" u="sng" dirty="0">
+                <a:latin typeface="Hiragino Maru Gothic Pro W4" panose="020F0400000000000000" pitchFamily="34" charset="-128"/>
+                <a:ea typeface="Hiragino Maru Gothic Pro W4" panose="020F0400000000000000" pitchFamily="34" charset="-128"/>
+              </a:rPr>
+              <a:t>)</a:t>
+            </a:r>
+          </a:p>
+          <a:p>
+            <a:pPr marL="342900" indent="-342900">
+              <a:buFont typeface="Arial" panose="020B0604020202020204" pitchFamily="34" charset="0"/>
+              <a:buChar char="•"/>
+            </a:pPr>
+            <a:r>
+              <a:rPr lang="ja-JP" altLang="en-US" sz="1400">
+                <a:latin typeface="Hiragino Maru Gothic Pro W4" panose="020F0400000000000000" pitchFamily="34" charset="-128"/>
+                <a:ea typeface="Hiragino Maru Gothic Pro W4" panose="020F0400000000000000" pitchFamily="34" charset="-128"/>
+              </a:rPr>
+              <a:t>くい助</a:t>
+            </a:r>
+            <a:r>
+              <a:rPr lang="en-US" altLang="ja-JP" sz="1400" dirty="0">
+                <a:latin typeface="Hiragino Maru Gothic Pro W4" panose="020F0400000000000000" pitchFamily="34" charset="-128"/>
+                <a:ea typeface="Hiragino Maru Gothic Pro W4" panose="020F0400000000000000" pitchFamily="34" charset="-128"/>
+              </a:rPr>
+              <a:t>⑪</a:t>
+            </a:r>
+          </a:p>
+          <a:p>
+            <a:pPr marL="342900" indent="-342900">
+              <a:buFont typeface="Arial" panose="020B0604020202020204" pitchFamily="34" charset="0"/>
+              <a:buChar char="•"/>
+            </a:pPr>
+            <a:r>
+              <a:rPr lang="ja-JP" altLang="en-US" sz="1400">
+                <a:latin typeface="Hiragino Maru Gothic Pro W4" panose="020F0400000000000000" pitchFamily="34" charset="-128"/>
+                <a:ea typeface="Hiragino Maru Gothic Pro W4" panose="020F0400000000000000" pitchFamily="34" charset="-128"/>
+              </a:rPr>
+              <a:t>魔王</a:t>
+            </a:r>
+            <a:r>
+              <a:rPr lang="en-US" altLang="ja-JP" sz="1400" dirty="0">
+                <a:latin typeface="Hiragino Maru Gothic Pro W4" panose="020F0400000000000000" pitchFamily="34" charset="-128"/>
+                <a:ea typeface="Hiragino Maru Gothic Pro W4" panose="020F0400000000000000" pitchFamily="34" charset="-128"/>
+              </a:rPr>
+              <a:t>⑪</a:t>
+            </a:r>
+          </a:p>
+          <a:p>
+            <a:pPr marL="342900" indent="-342900">
+              <a:buFont typeface="Arial" panose="020B0604020202020204" pitchFamily="34" charset="0"/>
+              <a:buChar char="•"/>
+            </a:pPr>
+            <a:r>
+              <a:rPr lang="ja-JP" altLang="en-US" sz="1400">
+                <a:latin typeface="Hiragino Maru Gothic Pro W4" panose="020F0400000000000000" pitchFamily="34" charset="-128"/>
+                <a:ea typeface="Hiragino Maru Gothic Pro W4" panose="020F0400000000000000" pitchFamily="34" charset="-128"/>
+              </a:rPr>
+              <a:t>ころ助</a:t>
+            </a:r>
+            <a:r>
+              <a:rPr lang="en-US" altLang="ja-JP" sz="1400" dirty="0">
+                <a:latin typeface="Hiragino Maru Gothic Pro W4" panose="020F0400000000000000" pitchFamily="34" charset="-128"/>
+                <a:ea typeface="Hiragino Maru Gothic Pro W4" panose="020F0400000000000000" pitchFamily="34" charset="-128"/>
+              </a:rPr>
+              <a:t>⑫</a:t>
+            </a:r>
+          </a:p>
+          <a:p>
+            <a:pPr marL="342900" indent="-342900">
+              <a:buFont typeface="Arial" panose="020B0604020202020204" pitchFamily="34" charset="0"/>
+              <a:buChar char="•"/>
+            </a:pPr>
+            <a:endParaRPr lang="en-US" altLang="ja-JP" sz="1400" dirty="0">
+              <a:latin typeface="Hiragino Maru Gothic Pro W4" panose="020F0400000000000000" pitchFamily="34" charset="-128"/>
+              <a:ea typeface="Hiragino Maru Gothic Pro W4" panose="020F0400000000000000" pitchFamily="34" charset="-128"/>
+            </a:endParaRPr>
+          </a:p>
+          <a:p>
+            <a:pPr marL="342900" indent="-342900">
+              <a:buFont typeface="Arial" panose="020B0604020202020204" pitchFamily="34" charset="0"/>
+              <a:buChar char="•"/>
+            </a:pPr>
+            <a:endParaRPr lang="en-US" altLang="ja-JP" sz="1400" dirty="0">
+              <a:latin typeface="Hiragino Maru Gothic Pro W4" panose="020F0400000000000000" pitchFamily="34" charset="-128"/>
+              <a:ea typeface="Hiragino Maru Gothic Pro W4" panose="020F0400000000000000" pitchFamily="34" charset="-128"/>
+            </a:endParaRPr>
+          </a:p>
+        </p:txBody>
+      </p:sp>
+      <p:sp>
+        <p:nvSpPr>
+          <p:cNvPr id="14" name="正方形/長方形 13">
+            <a:extLst>
+              <a:ext uri="{FF2B5EF4-FFF2-40B4-BE49-F238E27FC236}">
+                <a16:creationId xmlns:a16="http://schemas.microsoft.com/office/drawing/2014/main" id="{C8791A8C-A6C7-644A-BDE7-41C7332643DC}"/>
+              </a:ext>
+            </a:extLst>
+          </p:cNvPr>
+          <p:cNvSpPr/>
+          <p:nvPr/>
+        </p:nvSpPr>
+        <p:spPr>
+          <a:xfrm>
+            <a:off x="8029293" y="2106131"/>
+            <a:ext cx="3214553" cy="2351631"/>
+          </a:xfrm>
+          <a:prstGeom prst="rect">
+            <a:avLst/>
+          </a:prstGeom>
+        </p:spPr>
+        <p:style>
+          <a:lnRef idx="0">
+            <a:schemeClr val="accent3"/>
+          </a:lnRef>
+          <a:fillRef idx="3">
+            <a:schemeClr val="accent3"/>
+          </a:fillRef>
+          <a:effectRef idx="3">
+            <a:schemeClr val="accent3"/>
+          </a:effectRef>
+          <a:fontRef idx="minor">
+            <a:schemeClr val="lt1"/>
+          </a:fontRef>
+        </p:style>
+        <p:txBody>
+          <a:bodyPr rtlCol="0" anchor="t"/>
+          <a:lstStyle/>
+          <a:p>
+            <a:pPr marL="342900" indent="-342900">
+              <a:buFont typeface="Arial" panose="020B0604020202020204" pitchFamily="34" charset="0"/>
+              <a:buChar char="•"/>
+            </a:pPr>
+            <a:endParaRPr kumimoji="1" lang="en-US" altLang="ja-JP" sz="1400" dirty="0">
+              <a:latin typeface="Hiragino Maru Gothic Pro W4" panose="020F0400000000000000" pitchFamily="34" charset="-128"/>
+              <a:ea typeface="Hiragino Maru Gothic Pro W4" panose="020F0400000000000000" pitchFamily="34" charset="-128"/>
+            </a:endParaRPr>
+          </a:p>
+        </p:txBody>
+      </p:sp>
+      <p:sp>
+        <p:nvSpPr>
+          <p:cNvPr id="19" name="正方形/長方形 18">
+            <a:extLst>
+              <a:ext uri="{FF2B5EF4-FFF2-40B4-BE49-F238E27FC236}">
+                <a16:creationId xmlns:a16="http://schemas.microsoft.com/office/drawing/2014/main" id="{E6761229-81E3-F849-80CF-A17F90FF6E25}"/>
+              </a:ext>
+            </a:extLst>
+          </p:cNvPr>
+          <p:cNvSpPr/>
+          <p:nvPr/>
+        </p:nvSpPr>
+        <p:spPr>
+          <a:xfrm>
+            <a:off x="1523997" y="4517378"/>
+            <a:ext cx="3214553" cy="1639582"/>
+          </a:xfrm>
+          <a:prstGeom prst="rect">
+            <a:avLst/>
+          </a:prstGeom>
+        </p:spPr>
+        <p:style>
+          <a:lnRef idx="0">
+            <a:schemeClr val="accent2"/>
+          </a:lnRef>
+          <a:fillRef idx="3">
+            <a:schemeClr val="accent2"/>
+          </a:fillRef>
+          <a:effectRef idx="3">
+            <a:schemeClr val="accent2"/>
+          </a:effectRef>
+          <a:fontRef idx="minor">
+            <a:schemeClr val="lt1"/>
+          </a:fontRef>
+        </p:style>
+        <p:txBody>
+          <a:bodyPr rtlCol="0" anchor="t"/>
+          <a:lstStyle/>
+          <a:p>
+            <a:pPr marL="342900" indent="-342900">
+              <a:buFont typeface="Arial" panose="020B0604020202020204" pitchFamily="34" charset="0"/>
+              <a:buChar char="•"/>
+            </a:pPr>
+            <a:r>
+              <a:rPr lang="en-US" altLang="ja-JP" sz="1400" dirty="0" err="1">
+                <a:latin typeface="Hiragino Maru Gothic Pro W4" panose="020F0400000000000000" pitchFamily="34" charset="-128"/>
+                <a:ea typeface="Hiragino Maru Gothic Pro W4" panose="020F0400000000000000" pitchFamily="34" charset="-128"/>
+              </a:rPr>
+              <a:t>bigtree</a:t>
+            </a:r>
+            <a:r>
+              <a:rPr lang="en-US" altLang="ja-JP" sz="1400" dirty="0">
+                <a:latin typeface="Hiragino Maru Gothic Pro W4" panose="020F0400000000000000" pitchFamily="34" charset="-128"/>
+                <a:ea typeface="Hiragino Maru Gothic Pro W4" panose="020F0400000000000000" pitchFamily="34" charset="-128"/>
+              </a:rPr>
+              <a:t>⑭</a:t>
+            </a:r>
+          </a:p>
+          <a:p>
+            <a:pPr marL="342900" indent="-342900">
+              <a:buFont typeface="Arial" panose="020B0604020202020204" pitchFamily="34" charset="0"/>
+              <a:buChar char="•"/>
+            </a:pPr>
+            <a:r>
+              <a:rPr lang="ja-JP" altLang="en-US" sz="1400">
+                <a:latin typeface="Hiragino Maru Gothic Pro W4" panose="020F0400000000000000" pitchFamily="34" charset="-128"/>
+                <a:ea typeface="Hiragino Maru Gothic Pro W4" panose="020F0400000000000000" pitchFamily="34" charset="-128"/>
+              </a:rPr>
+              <a:t>ふるはた⑭</a:t>
+            </a:r>
+            <a:endParaRPr lang="en-US" altLang="ja-JP" sz="1400" dirty="0">
+              <a:latin typeface="Hiragino Maru Gothic Pro W4" panose="020F0400000000000000" pitchFamily="34" charset="-128"/>
+              <a:ea typeface="Hiragino Maru Gothic Pro W4" panose="020F0400000000000000" pitchFamily="34" charset="-128"/>
+            </a:endParaRPr>
+          </a:p>
+          <a:p>
+            <a:pPr marL="342900" indent="-342900">
+              <a:buFont typeface="Arial" panose="020B0604020202020204" pitchFamily="34" charset="0"/>
+              <a:buChar char="•"/>
+            </a:pPr>
+            <a:r>
+              <a:rPr lang="en-US" altLang="ja-JP" sz="1400" dirty="0">
+                <a:latin typeface="Hiragino Maru Gothic Pro W4" panose="020F0400000000000000" pitchFamily="34" charset="-128"/>
+                <a:ea typeface="Hiragino Maru Gothic Pro W4" panose="020F0400000000000000" pitchFamily="34" charset="-128"/>
+              </a:rPr>
+              <a:t>121</a:t>
+            </a:r>
+            <a:r>
+              <a:rPr lang="ja-JP" altLang="en-US" sz="1400">
+                <a:latin typeface="Hiragino Maru Gothic Pro W4" panose="020F0400000000000000" pitchFamily="34" charset="-128"/>
+                <a:ea typeface="Hiragino Maru Gothic Pro W4" panose="020F0400000000000000" pitchFamily="34" charset="-128"/>
+              </a:rPr>
+              <a:t>⑭</a:t>
+            </a:r>
+            <a:endParaRPr lang="en-US" altLang="ja-JP" sz="1400" dirty="0">
+              <a:latin typeface="Hiragino Maru Gothic Pro W4" panose="020F0400000000000000" pitchFamily="34" charset="-128"/>
+              <a:ea typeface="Hiragino Maru Gothic Pro W4" panose="020F0400000000000000" pitchFamily="34" charset="-128"/>
+            </a:endParaRPr>
+          </a:p>
+          <a:p>
+            <a:pPr marL="342900" indent="-342900">
+              <a:buFont typeface="Arial" panose="020B0604020202020204" pitchFamily="34" charset="0"/>
+              <a:buChar char="•"/>
+            </a:pPr>
+            <a:r>
+              <a:rPr lang="ja-JP" altLang="en-US" sz="1400">
+                <a:latin typeface="Hiragino Maru Gothic Pro W4" panose="020F0400000000000000" pitchFamily="34" charset="-128"/>
+                <a:ea typeface="Hiragino Maru Gothic Pro W4" panose="020F0400000000000000" pitchFamily="34" charset="-128"/>
+              </a:rPr>
+              <a:t>くい助⑭</a:t>
+            </a:r>
+            <a:endParaRPr lang="en-US" altLang="ja-JP" sz="1400" dirty="0">
+              <a:latin typeface="Hiragino Maru Gothic Pro W4" panose="020F0400000000000000" pitchFamily="34" charset="-128"/>
+              <a:ea typeface="Hiragino Maru Gothic Pro W4" panose="020F0400000000000000" pitchFamily="34" charset="-128"/>
+            </a:endParaRPr>
+          </a:p>
+          <a:p>
+            <a:pPr marL="342900" indent="-342900">
+              <a:buFont typeface="Arial" panose="020B0604020202020204" pitchFamily="34" charset="0"/>
+              <a:buChar char="•"/>
+            </a:pPr>
+            <a:r>
+              <a:rPr lang="ja-JP" altLang="en-US" sz="1400" u="sng">
+                <a:latin typeface="Hiragino Maru Gothic Pro W4" panose="020F0400000000000000" pitchFamily="34" charset="-128"/>
+                <a:ea typeface="Hiragino Maru Gothic Pro W4" panose="020F0400000000000000" pitchFamily="34" charset="-128"/>
+              </a:rPr>
+              <a:t>魔王様⑭</a:t>
+            </a:r>
+            <a:r>
+              <a:rPr lang="en-US" altLang="ja-JP" sz="1400" u="sng" dirty="0">
+                <a:latin typeface="Hiragino Maru Gothic Pro W4" panose="020F0400000000000000" pitchFamily="34" charset="-128"/>
+                <a:ea typeface="Hiragino Maru Gothic Pro W4" panose="020F0400000000000000" pitchFamily="34" charset="-128"/>
+              </a:rPr>
+              <a:t> (</a:t>
+            </a:r>
+            <a:r>
+              <a:rPr lang="ja-JP" altLang="en-US" sz="1400" u="sng">
+                <a:latin typeface="Hiragino Maru Gothic Pro W4" panose="020F0400000000000000" pitchFamily="34" charset="-128"/>
+                <a:ea typeface="Hiragino Maru Gothic Pro W4" panose="020F0400000000000000" pitchFamily="34" charset="-128"/>
+              </a:rPr>
+              <a:t>責任者</a:t>
+            </a:r>
+            <a:r>
+              <a:rPr lang="en-US" altLang="ja-JP" sz="1400" u="sng" dirty="0">
+                <a:latin typeface="Hiragino Maru Gothic Pro W4" panose="020F0400000000000000" pitchFamily="34" charset="-128"/>
+                <a:ea typeface="Hiragino Maru Gothic Pro W4" panose="020F0400000000000000" pitchFamily="34" charset="-128"/>
+              </a:rPr>
+              <a:t>)</a:t>
+            </a:r>
+          </a:p>
+        </p:txBody>
+      </p:sp>
+      <p:sp>
+        <p:nvSpPr>
+          <p:cNvPr id="20" name="正方形/長方形 19">
+            <a:extLst>
+              <a:ext uri="{FF2B5EF4-FFF2-40B4-BE49-F238E27FC236}">
+                <a16:creationId xmlns:a16="http://schemas.microsoft.com/office/drawing/2014/main" id="{4D154756-01B9-3D48-8463-7608C3A99068}"/>
+              </a:ext>
+            </a:extLst>
+          </p:cNvPr>
+          <p:cNvSpPr/>
+          <p:nvPr/>
+        </p:nvSpPr>
+        <p:spPr>
+          <a:xfrm>
+            <a:off x="4776645" y="4517378"/>
+            <a:ext cx="3214553" cy="1639582"/>
+          </a:xfrm>
+          <a:prstGeom prst="rect">
+            <a:avLst/>
+          </a:prstGeom>
+        </p:spPr>
+        <p:style>
+          <a:lnRef idx="0">
+            <a:schemeClr val="accent5"/>
+          </a:lnRef>
+          <a:fillRef idx="3">
+            <a:schemeClr val="accent5"/>
+          </a:fillRef>
+          <a:effectRef idx="3">
+            <a:schemeClr val="accent5"/>
+          </a:effectRef>
+          <a:fontRef idx="minor">
+            <a:schemeClr val="lt1"/>
+          </a:fontRef>
+        </p:style>
+        <p:txBody>
+          <a:bodyPr rtlCol="0" anchor="t"/>
+          <a:lstStyle/>
+          <a:p>
+            <a:pPr marL="342900" indent="-342900">
+              <a:buFont typeface="Arial" panose="020B0604020202020204" pitchFamily="34" charset="0"/>
+              <a:buChar char="•"/>
+            </a:pPr>
+            <a:r>
+              <a:rPr lang="en-US" altLang="ja-JP" sz="1400" dirty="0" err="1">
+                <a:latin typeface="Hiragino Maru Gothic Pro W4" panose="020F0400000000000000" pitchFamily="34" charset="-128"/>
+                <a:ea typeface="Hiragino Maru Gothic Pro W4" panose="020F0400000000000000" pitchFamily="34" charset="-128"/>
+              </a:rPr>
+              <a:t>bigtree</a:t>
+            </a:r>
+            <a:r>
+              <a:rPr lang="ja-JP" altLang="en-US" sz="1400">
+                <a:latin typeface="Hiragino Maru Gothic Pro W4" panose="020F0400000000000000" pitchFamily="34" charset="-128"/>
+                <a:ea typeface="Hiragino Maru Gothic Pro W4" panose="020F0400000000000000" pitchFamily="34" charset="-128"/>
+              </a:rPr>
+              <a:t>⑬</a:t>
+            </a:r>
+            <a:endParaRPr lang="en-US" altLang="ja-JP" sz="1400" dirty="0">
+              <a:latin typeface="Hiragino Maru Gothic Pro W4" panose="020F0400000000000000" pitchFamily="34" charset="-128"/>
+              <a:ea typeface="Hiragino Maru Gothic Pro W4" panose="020F0400000000000000" pitchFamily="34" charset="-128"/>
+            </a:endParaRPr>
+          </a:p>
+          <a:p>
+            <a:pPr marL="342900" indent="-342900">
+              <a:buFont typeface="Arial" panose="020B0604020202020204" pitchFamily="34" charset="0"/>
+              <a:buChar char="•"/>
+            </a:pPr>
+            <a:r>
+              <a:rPr lang="ja-JP" altLang="en-US" sz="1400" u="sng">
+                <a:latin typeface="Hiragino Maru Gothic Pro W4" panose="020F0400000000000000" pitchFamily="34" charset="-128"/>
+                <a:ea typeface="Hiragino Maru Gothic Pro W4" panose="020F0400000000000000" pitchFamily="34" charset="-128"/>
+              </a:rPr>
+              <a:t>ゴドルフィン</a:t>
+            </a:r>
+            <a:r>
+              <a:rPr lang="en-US" altLang="ja-JP" sz="1400" u="sng" dirty="0">
+                <a:latin typeface="Hiragino Maru Gothic Pro W4" panose="020F0400000000000000" pitchFamily="34" charset="-128"/>
+                <a:ea typeface="Hiragino Maru Gothic Pro W4" panose="020F0400000000000000" pitchFamily="34" charset="-128"/>
+              </a:rPr>
+              <a:t>⑫ (</a:t>
+            </a:r>
+            <a:r>
+              <a:rPr lang="ja-JP" altLang="en-US" sz="1400" u="sng">
+                <a:latin typeface="Hiragino Maru Gothic Pro W4" panose="020F0400000000000000" pitchFamily="34" charset="-128"/>
+                <a:ea typeface="Hiragino Maru Gothic Pro W4" panose="020F0400000000000000" pitchFamily="34" charset="-128"/>
+              </a:rPr>
+              <a:t>責任者</a:t>
+            </a:r>
+            <a:r>
+              <a:rPr lang="en-US" altLang="ja-JP" sz="1400" u="sng" dirty="0">
+                <a:latin typeface="Hiragino Maru Gothic Pro W4" panose="020F0400000000000000" pitchFamily="34" charset="-128"/>
+                <a:ea typeface="Hiragino Maru Gothic Pro W4" panose="020F0400000000000000" pitchFamily="34" charset="-128"/>
+              </a:rPr>
+              <a:t>)</a:t>
+            </a:r>
+          </a:p>
+          <a:p>
+            <a:pPr marL="342900" indent="-342900">
+              <a:buFont typeface="Arial" panose="020B0604020202020204" pitchFamily="34" charset="0"/>
+              <a:buChar char="•"/>
+            </a:pPr>
+            <a:r>
+              <a:rPr lang="ja-JP" altLang="en-US" sz="1400">
+                <a:latin typeface="Hiragino Maru Gothic Pro W4" panose="020F0400000000000000" pitchFamily="34" charset="-128"/>
+                <a:ea typeface="Hiragino Maru Gothic Pro W4" panose="020F0400000000000000" pitchFamily="34" charset="-128"/>
+              </a:rPr>
+              <a:t>くい助</a:t>
+            </a:r>
+            <a:r>
+              <a:rPr lang="en-US" altLang="ja-JP" sz="1400" dirty="0">
+                <a:latin typeface="Hiragino Maru Gothic Pro W4" panose="020F0400000000000000" pitchFamily="34" charset="-128"/>
+                <a:ea typeface="Hiragino Maru Gothic Pro W4" panose="020F0400000000000000" pitchFamily="34" charset="-128"/>
+              </a:rPr>
+              <a:t>⑪</a:t>
+            </a:r>
+          </a:p>
+          <a:p>
+            <a:pPr marL="342900" indent="-342900">
+              <a:buFont typeface="Arial" panose="020B0604020202020204" pitchFamily="34" charset="0"/>
+              <a:buChar char="•"/>
+            </a:pPr>
+            <a:r>
+              <a:rPr lang="ja-JP" altLang="en-US" sz="1400">
+                <a:latin typeface="Hiragino Maru Gothic Pro W4" panose="020F0400000000000000" pitchFamily="34" charset="-128"/>
+                <a:ea typeface="Hiragino Maru Gothic Pro W4" panose="020F0400000000000000" pitchFamily="34" charset="-128"/>
+              </a:rPr>
+              <a:t>魔王</a:t>
+            </a:r>
+            <a:r>
+              <a:rPr lang="en-US" altLang="ja-JP" sz="1400" dirty="0">
+                <a:latin typeface="Hiragino Maru Gothic Pro W4" panose="020F0400000000000000" pitchFamily="34" charset="-128"/>
+                <a:ea typeface="Hiragino Maru Gothic Pro W4" panose="020F0400000000000000" pitchFamily="34" charset="-128"/>
+              </a:rPr>
+              <a:t>⑪</a:t>
+            </a:r>
+          </a:p>
+          <a:p>
+            <a:pPr marL="342900" indent="-342900">
+              <a:buFont typeface="Arial" panose="020B0604020202020204" pitchFamily="34" charset="0"/>
+              <a:buChar char="•"/>
+            </a:pPr>
+            <a:r>
+              <a:rPr lang="ja-JP" altLang="en-US" sz="1400">
+                <a:latin typeface="Hiragino Maru Gothic Pro W4" panose="020F0400000000000000" pitchFamily="34" charset="-128"/>
+                <a:ea typeface="Hiragino Maru Gothic Pro W4" panose="020F0400000000000000" pitchFamily="34" charset="-128"/>
+              </a:rPr>
+              <a:t>ころ助</a:t>
+            </a:r>
+            <a:r>
+              <a:rPr lang="en-US" altLang="ja-JP" sz="1400" dirty="0">
+                <a:latin typeface="Hiragino Maru Gothic Pro W4" panose="020F0400000000000000" pitchFamily="34" charset="-128"/>
+                <a:ea typeface="Hiragino Maru Gothic Pro W4" panose="020F0400000000000000" pitchFamily="34" charset="-128"/>
+              </a:rPr>
+              <a:t>⑫</a:t>
+            </a:r>
+          </a:p>
+        </p:txBody>
+      </p:sp>
+      <p:sp>
+        <p:nvSpPr>
+          <p:cNvPr id="21" name="正方形/長方形 20">
+            <a:extLst>
+              <a:ext uri="{FF2B5EF4-FFF2-40B4-BE49-F238E27FC236}">
+                <a16:creationId xmlns:a16="http://schemas.microsoft.com/office/drawing/2014/main" id="{36040D20-2BF5-6845-80C0-F2F4FC80A590}"/>
+              </a:ext>
+            </a:extLst>
+          </p:cNvPr>
+          <p:cNvSpPr/>
+          <p:nvPr/>
+        </p:nvSpPr>
+        <p:spPr>
+          <a:xfrm>
+            <a:off x="8029293" y="4517378"/>
+            <a:ext cx="3214553" cy="1639582"/>
+          </a:xfrm>
+          <a:prstGeom prst="rect">
+            <a:avLst/>
+          </a:prstGeom>
+        </p:spPr>
+        <p:style>
+          <a:lnRef idx="0">
+            <a:schemeClr val="accent6"/>
+          </a:lnRef>
+          <a:fillRef idx="3">
+            <a:schemeClr val="accent6"/>
+          </a:fillRef>
+          <a:effectRef idx="3">
+            <a:schemeClr val="accent6"/>
+          </a:effectRef>
+          <a:fontRef idx="minor">
+            <a:schemeClr val="lt1"/>
+          </a:fontRef>
+        </p:style>
+        <p:txBody>
+          <a:bodyPr rtlCol="0" anchor="t"/>
+          <a:lstStyle/>
+          <a:p>
+            <a:pPr marL="342900" indent="-342900">
+              <a:buFont typeface="Arial" panose="020B0604020202020204" pitchFamily="34" charset="0"/>
+              <a:buChar char="•"/>
+            </a:pPr>
+            <a:r>
+              <a:rPr lang="ja-JP" altLang="en-US" sz="1400" u="sng">
+                <a:latin typeface="Hiragino Maru Gothic Pro W4" panose="020F0400000000000000" pitchFamily="34" charset="-128"/>
+                <a:ea typeface="Hiragino Maru Gothic Pro W4" panose="020F0400000000000000" pitchFamily="34" charset="-128"/>
+              </a:rPr>
+              <a:t>ふるはた⑬</a:t>
+            </a:r>
+            <a:r>
+              <a:rPr lang="en-US" altLang="ja-JP" sz="1400" u="sng" dirty="0">
+                <a:latin typeface="Hiragino Maru Gothic Pro W4" panose="020F0400000000000000" pitchFamily="34" charset="-128"/>
+                <a:ea typeface="Hiragino Maru Gothic Pro W4" panose="020F0400000000000000" pitchFamily="34" charset="-128"/>
+              </a:rPr>
+              <a:t> (</a:t>
+            </a:r>
+            <a:r>
+              <a:rPr lang="ja-JP" altLang="en-US" sz="1400" u="sng">
+                <a:latin typeface="Hiragino Maru Gothic Pro W4" panose="020F0400000000000000" pitchFamily="34" charset="-128"/>
+                <a:ea typeface="Hiragino Maru Gothic Pro W4" panose="020F0400000000000000" pitchFamily="34" charset="-128"/>
+              </a:rPr>
+              <a:t>責任者</a:t>
+            </a:r>
+            <a:r>
+              <a:rPr lang="en-US" altLang="ja-JP" sz="1400" u="sng" dirty="0">
+                <a:latin typeface="Hiragino Maru Gothic Pro W4" panose="020F0400000000000000" pitchFamily="34" charset="-128"/>
+                <a:ea typeface="Hiragino Maru Gothic Pro W4" panose="020F0400000000000000" pitchFamily="34" charset="-128"/>
+              </a:rPr>
+              <a:t>)</a:t>
+            </a:r>
+          </a:p>
+          <a:p>
+            <a:pPr marL="342900" indent="-342900">
+              <a:buFont typeface="Arial" panose="020B0604020202020204" pitchFamily="34" charset="0"/>
+              <a:buChar char="•"/>
+            </a:pPr>
+            <a:r>
+              <a:rPr lang="ja-JP" altLang="en-US" sz="1400">
+                <a:latin typeface="Hiragino Maru Gothic Pro W4" panose="020F0400000000000000" pitchFamily="34" charset="-128"/>
+                <a:ea typeface="Hiragino Maru Gothic Pro W4" panose="020F0400000000000000" pitchFamily="34" charset="-128"/>
+              </a:rPr>
+              <a:t>ゴドルフィン</a:t>
+            </a:r>
+            <a:r>
+              <a:rPr lang="ja-JP" altLang="en-US" sz="1400">
+                <a:solidFill>
+                  <a:srgbClr val="FF0000"/>
+                </a:solidFill>
+                <a:latin typeface="Hiragino Maru Gothic Pro W4" panose="020F0400000000000000" pitchFamily="34" charset="-128"/>
+                <a:ea typeface="Hiragino Maru Gothic Pro W4" panose="020F0400000000000000" pitchFamily="34" charset="-128"/>
+              </a:rPr>
+              <a:t>⑬⑬</a:t>
+            </a:r>
+            <a:r>
+              <a:rPr lang="ja-JP" altLang="en-US" sz="1400">
+                <a:latin typeface="Hiragino Maru Gothic Pro W4" panose="020F0400000000000000" pitchFamily="34" charset="-128"/>
+                <a:ea typeface="Hiragino Maru Gothic Pro W4" panose="020F0400000000000000" pitchFamily="34" charset="-128"/>
+              </a:rPr>
+              <a:t>⑬⑬</a:t>
+            </a:r>
+            <a:endParaRPr lang="en-US" altLang="ja-JP" sz="1400" dirty="0">
+              <a:latin typeface="Hiragino Maru Gothic Pro W4" panose="020F0400000000000000" pitchFamily="34" charset="-128"/>
+              <a:ea typeface="Hiragino Maru Gothic Pro W4" panose="020F0400000000000000" pitchFamily="34" charset="-128"/>
+            </a:endParaRPr>
+          </a:p>
+          <a:p>
+            <a:pPr marL="342900" indent="-342900">
+              <a:buFont typeface="Arial" panose="020B0604020202020204" pitchFamily="34" charset="0"/>
+              <a:buChar char="•"/>
+            </a:pPr>
+            <a:r>
+              <a:rPr lang="en-US" altLang="ja-JP" sz="1400" dirty="0">
+                <a:latin typeface="Hiragino Maru Gothic Pro W4" panose="020F0400000000000000" pitchFamily="34" charset="-128"/>
+                <a:ea typeface="Hiragino Maru Gothic Pro W4" panose="020F0400000000000000" pitchFamily="34" charset="-128"/>
+              </a:rPr>
+              <a:t>OB</a:t>
+            </a:r>
+            <a:r>
+              <a:rPr lang="ja-JP" altLang="en-US" sz="1400">
+                <a:latin typeface="Hiragino Maru Gothic Pro W4" panose="020F0400000000000000" pitchFamily="34" charset="-128"/>
+                <a:ea typeface="Hiragino Maru Gothic Pro W4" panose="020F0400000000000000" pitchFamily="34" charset="-128"/>
+              </a:rPr>
+              <a:t>ハンター</a:t>
+            </a:r>
+            <a:r>
+              <a:rPr lang="ja-JP" altLang="en-US" sz="1400">
+                <a:solidFill>
+                  <a:srgbClr val="FF0000"/>
+                </a:solidFill>
+                <a:latin typeface="Hiragino Maru Gothic Pro W4" panose="020F0400000000000000" pitchFamily="34" charset="-128"/>
+                <a:ea typeface="Hiragino Maru Gothic Pro W4" panose="020F0400000000000000" pitchFamily="34" charset="-128"/>
+              </a:rPr>
+              <a:t>⑬</a:t>
+            </a:r>
+            <a:endParaRPr lang="en-US" altLang="ja-JP" sz="1400" dirty="0">
+              <a:solidFill>
+                <a:srgbClr val="FF0000"/>
+              </a:solidFill>
+              <a:latin typeface="Hiragino Maru Gothic Pro W4" panose="020F0400000000000000" pitchFamily="34" charset="-128"/>
+              <a:ea typeface="Hiragino Maru Gothic Pro W4" panose="020F0400000000000000" pitchFamily="34" charset="-128"/>
+            </a:endParaRPr>
+          </a:p>
+          <a:p>
+            <a:pPr marL="342900" indent="-342900">
+              <a:buFont typeface="Arial" panose="020B0604020202020204" pitchFamily="34" charset="0"/>
+              <a:buChar char="•"/>
+            </a:pPr>
+            <a:r>
+              <a:rPr lang="en-US" altLang="ja-JP" sz="1400" dirty="0">
+                <a:latin typeface="Hiragino Maru Gothic Pro W4" panose="020F0400000000000000" pitchFamily="34" charset="-128"/>
+                <a:ea typeface="Hiragino Maru Gothic Pro W4" panose="020F0400000000000000" pitchFamily="34" charset="-128"/>
+              </a:rPr>
+              <a:t>121</a:t>
+            </a:r>
+            <a:r>
+              <a:rPr lang="ja-JP" altLang="en-US" sz="1400">
+                <a:latin typeface="Hiragino Maru Gothic Pro W4" panose="020F0400000000000000" pitchFamily="34" charset="-128"/>
+                <a:ea typeface="Hiragino Maru Gothic Pro W4" panose="020F0400000000000000" pitchFamily="34" charset="-128"/>
+              </a:rPr>
+              <a:t>⑬</a:t>
+            </a:r>
+            <a:endParaRPr lang="en-US" altLang="ja-JP" sz="1400" dirty="0">
+              <a:latin typeface="Hiragino Maru Gothic Pro W4" panose="020F0400000000000000" pitchFamily="34" charset="-128"/>
+              <a:ea typeface="Hiragino Maru Gothic Pro W4" panose="020F0400000000000000" pitchFamily="34" charset="-128"/>
+            </a:endParaRPr>
+          </a:p>
+          <a:p>
+            <a:pPr marL="342900" indent="-342900">
+              <a:buFont typeface="Arial" panose="020B0604020202020204" pitchFamily="34" charset="0"/>
+              <a:buChar char="•"/>
+            </a:pPr>
+            <a:r>
+              <a:rPr lang="ja-JP" altLang="en-US" sz="1400">
+                <a:latin typeface="Hiragino Maru Gothic Pro W4" panose="020F0400000000000000" pitchFamily="34" charset="-128"/>
+                <a:ea typeface="Hiragino Maru Gothic Pro W4" panose="020F0400000000000000" pitchFamily="34" charset="-128"/>
+              </a:rPr>
+              <a:t>くい助⑬</a:t>
+            </a:r>
+            <a:endParaRPr lang="en-US" altLang="ja-JP" sz="1400" dirty="0">
+              <a:latin typeface="Hiragino Maru Gothic Pro W4" panose="020F0400000000000000" pitchFamily="34" charset="-128"/>
+              <a:ea typeface="Hiragino Maru Gothic Pro W4" panose="020F0400000000000000" pitchFamily="34" charset="-128"/>
+            </a:endParaRPr>
+          </a:p>
+          <a:p>
+            <a:pPr marL="342900" indent="-342900">
+              <a:buFont typeface="Arial" panose="020B0604020202020204" pitchFamily="34" charset="0"/>
+              <a:buChar char="•"/>
+            </a:pPr>
+            <a:r>
+              <a:rPr lang="ja-JP" altLang="en-US" sz="1400">
+                <a:latin typeface="Hiragino Maru Gothic Pro W4" panose="020F0400000000000000" pitchFamily="34" charset="-128"/>
+                <a:ea typeface="Hiragino Maru Gothic Pro W4" panose="020F0400000000000000" pitchFamily="34" charset="-128"/>
+              </a:rPr>
+              <a:t>魔王様⑬</a:t>
+            </a:r>
+            <a:endParaRPr lang="en-US" altLang="ja-JP" sz="1400" dirty="0">
+              <a:latin typeface="Hiragino Maru Gothic Pro W4" panose="020F0400000000000000" pitchFamily="34" charset="-128"/>
+              <a:ea typeface="Hiragino Maru Gothic Pro W4" panose="020F0400000000000000" pitchFamily="34" charset="-128"/>
+            </a:endParaRPr>
+          </a:p>
+          <a:p>
+            <a:pPr marL="342900" indent="-342900">
+              <a:buFont typeface="Arial" panose="020B0604020202020204" pitchFamily="34" charset="0"/>
+              <a:buChar char="•"/>
+            </a:pPr>
+            <a:r>
+              <a:rPr lang="ja-JP" altLang="en-US" sz="1400">
+                <a:latin typeface="Hiragino Maru Gothic Pro W4" panose="020F0400000000000000" pitchFamily="34" charset="-128"/>
+                <a:ea typeface="Hiragino Maru Gothic Pro W4" panose="020F0400000000000000" pitchFamily="34" charset="-128"/>
+              </a:rPr>
+              <a:t>ころ助</a:t>
+            </a:r>
+            <a:r>
+              <a:rPr lang="ja-JP" altLang="en-US" sz="1400">
+                <a:solidFill>
+                  <a:srgbClr val="FF0000"/>
+                </a:solidFill>
+                <a:latin typeface="Hiragino Maru Gothic Pro W4" panose="020F0400000000000000" pitchFamily="34" charset="-128"/>
+                <a:ea typeface="Hiragino Maru Gothic Pro W4" panose="020F0400000000000000" pitchFamily="34" charset="-128"/>
+              </a:rPr>
+              <a:t>⑬</a:t>
+            </a:r>
+            <a:r>
+              <a:rPr lang="ja-JP" altLang="en-US" sz="1400">
+                <a:latin typeface="Hiragino Maru Gothic Pro W4" panose="020F0400000000000000" pitchFamily="34" charset="-128"/>
+                <a:ea typeface="Hiragino Maru Gothic Pro W4" panose="020F0400000000000000" pitchFamily="34" charset="-128"/>
+              </a:rPr>
+              <a:t>⑬</a:t>
+            </a:r>
+            <a:endParaRPr lang="en-US" altLang="ja-JP" sz="1400" dirty="0">
+              <a:latin typeface="Hiragino Maru Gothic Pro W4" panose="020F0400000000000000" pitchFamily="34" charset="-128"/>
+              <a:ea typeface="Hiragino Maru Gothic Pro W4" panose="020F0400000000000000" pitchFamily="34" charset="-128"/>
+            </a:endParaRPr>
+          </a:p>
+        </p:txBody>
+      </p:sp>
+      <p:sp>
+        <p:nvSpPr>
+          <p:cNvPr id="22" name="正方形/長方形 21">
+            <a:extLst>
+              <a:ext uri="{FF2B5EF4-FFF2-40B4-BE49-F238E27FC236}">
+                <a16:creationId xmlns:a16="http://schemas.microsoft.com/office/drawing/2014/main" id="{3B4B5020-D7C7-444D-9985-0FC48ED5AE4C}"/>
+              </a:ext>
+            </a:extLst>
+          </p:cNvPr>
+          <p:cNvSpPr/>
+          <p:nvPr/>
+        </p:nvSpPr>
+        <p:spPr>
+          <a:xfrm>
+            <a:off x="768528" y="2106131"/>
+            <a:ext cx="699956" cy="2351631"/>
+          </a:xfrm>
+          <a:prstGeom prst="rect">
+            <a:avLst/>
+          </a:prstGeom>
+        </p:spPr>
+        <p:style>
+          <a:lnRef idx="0">
+            <a:schemeClr val="accent3"/>
+          </a:lnRef>
+          <a:fillRef idx="3">
+            <a:schemeClr val="accent3"/>
+          </a:fillRef>
+          <a:effectRef idx="3">
+            <a:schemeClr val="accent3"/>
+          </a:effectRef>
+          <a:fontRef idx="minor">
+            <a:schemeClr val="lt1"/>
+          </a:fontRef>
+        </p:style>
+        <p:txBody>
+          <a:bodyPr vert="eaVert" rtlCol="0" anchor="ctr"/>
+          <a:lstStyle/>
+          <a:p>
+            <a:pPr algn="ctr"/>
+            <a:r>
+              <a:rPr kumimoji="1" lang="ja-JP" altLang="en-US" sz="2000">
+                <a:latin typeface="Hiragino Maru Gothic Pro W4" panose="020F0400000000000000" pitchFamily="34" charset="-128"/>
+                <a:ea typeface="Hiragino Maru Gothic Pro W4" panose="020F0400000000000000" pitchFamily="34" charset="-128"/>
+              </a:rPr>
+              <a:t>通常時</a:t>
+            </a:r>
+            <a:endParaRPr kumimoji="1" lang="en-US" altLang="ja-JP" sz="2000" dirty="0">
+              <a:latin typeface="Hiragino Maru Gothic Pro W4" panose="020F0400000000000000" pitchFamily="34" charset="-128"/>
+              <a:ea typeface="Hiragino Maru Gothic Pro W4" panose="020F0400000000000000" pitchFamily="34" charset="-128"/>
+            </a:endParaRPr>
+          </a:p>
+        </p:txBody>
+      </p:sp>
+      <p:sp>
+        <p:nvSpPr>
+          <p:cNvPr id="23" name="正方形/長方形 22">
+            <a:extLst>
+              <a:ext uri="{FF2B5EF4-FFF2-40B4-BE49-F238E27FC236}">
+                <a16:creationId xmlns:a16="http://schemas.microsoft.com/office/drawing/2014/main" id="{0E023B14-47C4-3944-97DA-B4E38E65FC16}"/>
+              </a:ext>
+            </a:extLst>
+          </p:cNvPr>
+          <p:cNvSpPr/>
+          <p:nvPr/>
+        </p:nvSpPr>
+        <p:spPr>
+          <a:xfrm>
+            <a:off x="768528" y="4517378"/>
+            <a:ext cx="699956" cy="1639582"/>
+          </a:xfrm>
+          <a:prstGeom prst="rect">
+            <a:avLst/>
+          </a:prstGeom>
+        </p:spPr>
+        <p:style>
+          <a:lnRef idx="0">
+            <a:schemeClr val="accent3"/>
+          </a:lnRef>
+          <a:fillRef idx="3">
+            <a:schemeClr val="accent3"/>
+          </a:fillRef>
+          <a:effectRef idx="3">
+            <a:schemeClr val="accent3"/>
+          </a:effectRef>
+          <a:fontRef idx="minor">
+            <a:schemeClr val="lt1"/>
+          </a:fontRef>
+        </p:style>
+        <p:txBody>
+          <a:bodyPr vert="eaVert" rtlCol="0" anchor="ctr"/>
+          <a:lstStyle/>
+          <a:p>
+            <a:pPr algn="ctr"/>
+            <a:r>
+              <a:rPr kumimoji="1" lang="ja-JP" altLang="en-US" sz="2000">
+                <a:latin typeface="Hiragino Maru Gothic Pro W4" panose="020F0400000000000000" pitchFamily="34" charset="-128"/>
+                <a:ea typeface="Hiragino Maru Gothic Pro W4" panose="020F0400000000000000" pitchFamily="34" charset="-128"/>
+              </a:rPr>
+              <a:t>リーグ時</a:t>
+            </a:r>
+            <a:endParaRPr kumimoji="1" lang="en-US" altLang="ja-JP" sz="2000" dirty="0">
+              <a:latin typeface="Hiragino Maru Gothic Pro W4" panose="020F0400000000000000" pitchFamily="34" charset="-128"/>
+              <a:ea typeface="Hiragino Maru Gothic Pro W4" panose="020F0400000000000000" pitchFamily="34" charset="-128"/>
+            </a:endParaRPr>
+          </a:p>
+        </p:txBody>
+      </p:sp>
     </p:spTree>
     <p:extLst>
       <p:ext uri="{BB962C8B-B14F-4D97-AF65-F5344CB8AC3E}">
-        <p14:creationId xmlns:p14="http://schemas.microsoft.com/office/powerpoint/2010/main" val="765922408"/>
+        <p14:creationId xmlns:p14="http://schemas.microsoft.com/office/powerpoint/2010/main" val="3731939388"/>
       </p:ext>
     </p:extLst>
   </p:cSld>
@@ -5406,7 +6909,7 @@
 </p:sld>
 </file>
 
-<file path=ppt/slides/slide5.xml><?xml version="1.0" encoding="utf-8"?>
+<file path=ppt/slides/slide13.xml><?xml version="1.0" encoding="utf-8"?>
 <p:sld xmlns:a="http://schemas.openxmlformats.org/drawingml/2006/main" xmlns:r="http://schemas.openxmlformats.org/officeDocument/2006/relationships" xmlns:p="http://schemas.openxmlformats.org/presentationml/2006/main">
   <p:cSld>
     <p:spTree>
@@ -5445,52 +6948,6 @@
           <a:lstStyle/>
           <a:p>
             <a:r>
-              <a:rPr kumimoji="1" lang="ja-JP" altLang="en-US">
-                <a:solidFill>
-                  <a:schemeClr val="accent5">
-                    <a:lumMod val="50000"/>
-                  </a:schemeClr>
-                </a:solidFill>
-                <a:latin typeface="Hiragino Maru Gothic Pro W4" panose="020F0400000000000000" pitchFamily="34" charset="-128"/>
-                <a:ea typeface="Hiragino Maru Gothic Pro W4" panose="020F0400000000000000" pitchFamily="34" charset="-128"/>
-              </a:rPr>
-              <a:t>クランルール</a:t>
-            </a:r>
-          </a:p>
-        </p:txBody>
-      </p:sp>
-      <p:sp>
-        <p:nvSpPr>
-          <p:cNvPr id="3" name="コンテンツ プレースホルダー 2">
-            <a:extLst>
-              <a:ext uri="{FF2B5EF4-FFF2-40B4-BE49-F238E27FC236}">
-                <a16:creationId xmlns:a16="http://schemas.microsoft.com/office/drawing/2014/main" id="{01E773B8-156E-4743-8E4A-3ED5FB7CC4E2}"/>
-              </a:ext>
-            </a:extLst>
-          </p:cNvPr>
-          <p:cNvSpPr>
-            <a:spLocks noGrp="1"/>
-          </p:cNvSpPr>
-          <p:nvPr>
-            <p:ph idx="1"/>
-          </p:nvPr>
-        </p:nvSpPr>
-        <p:spPr>
-          <a:xfrm>
-            <a:off x="838200" y="1588575"/>
-            <a:ext cx="10515600" cy="4588387"/>
-          </a:xfrm>
-        </p:spPr>
-        <p:txBody>
-          <a:bodyPr>
-            <a:normAutofit/>
-          </a:bodyPr>
-          <a:lstStyle/>
-          <a:p>
-            <a:pPr marL="45720" indent="0">
-              <a:buNone/>
-            </a:pPr>
-            <a:r>
               <a:rPr lang="ja-JP" altLang="en-US">
                 <a:solidFill>
                   <a:schemeClr val="accent5">
@@ -5500,20 +6957,20 @@
                 <a:latin typeface="Hiragino Maru Gothic Pro W4" panose="020F0400000000000000" pitchFamily="34" charset="-128"/>
                 <a:ea typeface="Hiragino Maru Gothic Pro W4" panose="020F0400000000000000" pitchFamily="34" charset="-128"/>
               </a:rPr>
-              <a:t>こまかいルールは設けません。以下だけです。</a:t>
-            </a:r>
-            <a:endParaRPr lang="en-US" altLang="ja-JP" dirty="0">
-              <a:solidFill>
-                <a:schemeClr val="accent5">
-                  <a:lumMod val="50000"/>
-                </a:schemeClr>
-              </a:solidFill>
-              <a:latin typeface="Hiragino Maru Gothic Pro W4" panose="020F0400000000000000" pitchFamily="34" charset="-128"/>
-              <a:ea typeface="Hiragino Maru Gothic Pro W4" panose="020F0400000000000000" pitchFamily="34" charset="-128"/>
-            </a:endParaRPr>
-          </a:p>
-          <a:p>
-            <a:pPr marL="502920" indent="-457200"/>
+              <a:t>ざっくりスケジュール</a:t>
+            </a:r>
+            <a:r>
+              <a:rPr lang="en-US" altLang="ja-JP" dirty="0">
+                <a:solidFill>
+                  <a:schemeClr val="accent5">
+                    <a:lumMod val="50000"/>
+                  </a:schemeClr>
+                </a:solidFill>
+                <a:latin typeface="Hiragino Maru Gothic Pro W4" panose="020F0400000000000000" pitchFamily="34" charset="-128"/>
+                <a:ea typeface="Hiragino Maru Gothic Pro W4" panose="020F0400000000000000" pitchFamily="34" charset="-128"/>
+              </a:rPr>
+              <a:t>(2021</a:t>
+            </a:r>
             <a:r>
               <a:rPr lang="ja-JP" altLang="en-US">
                 <a:solidFill>
@@ -5524,33 +6981,21 @@
                 <a:latin typeface="Hiragino Maru Gothic Pro W4" panose="020F0400000000000000" pitchFamily="34" charset="-128"/>
                 <a:ea typeface="Hiragino Maru Gothic Pro W4" panose="020F0400000000000000" pitchFamily="34" charset="-128"/>
               </a:rPr>
-              <a:t>援軍のお礼禁止</a:t>
-            </a:r>
-            <a:endParaRPr lang="en-US" altLang="ja-JP" dirty="0">
-              <a:solidFill>
-                <a:schemeClr val="accent5">
-                  <a:lumMod val="50000"/>
-                </a:schemeClr>
-              </a:solidFill>
-              <a:latin typeface="Hiragino Maru Gothic Pro W4" panose="020F0400000000000000" pitchFamily="34" charset="-128"/>
-              <a:ea typeface="Hiragino Maru Gothic Pro W4" panose="020F0400000000000000" pitchFamily="34" charset="-128"/>
-            </a:endParaRPr>
-          </a:p>
-          <a:p>
-            <a:pPr marL="502920" indent="-457200"/>
-            <a:r>
-              <a:rPr lang="ja-JP" altLang="en-US">
-                <a:solidFill>
-                  <a:schemeClr val="accent5">
-                    <a:lumMod val="50000"/>
-                  </a:schemeClr>
-                </a:solidFill>
-                <a:latin typeface="Hiragino Maru Gothic Pro W4" panose="020F0400000000000000" pitchFamily="34" charset="-128"/>
-                <a:ea typeface="Hiragino Maru Gothic Pro W4" panose="020F0400000000000000" pitchFamily="34" charset="-128"/>
-              </a:rPr>
-              <a:t>クランメンバーへのリスペクトを忘れないこと</a:t>
-            </a:r>
-            <a:endParaRPr lang="en-US" altLang="ja-JP" dirty="0">
+              <a:t>年</a:t>
+            </a:r>
+            <a:r>
+              <a:rPr lang="en-US" altLang="ja-JP" dirty="0">
+                <a:solidFill>
+                  <a:schemeClr val="accent5">
+                    <a:lumMod val="50000"/>
+                  </a:schemeClr>
+                </a:solidFill>
+                <a:latin typeface="Hiragino Maru Gothic Pro W4" panose="020F0400000000000000" pitchFamily="34" charset="-128"/>
+                <a:ea typeface="Hiragino Maru Gothic Pro W4" panose="020F0400000000000000" pitchFamily="34" charset="-128"/>
+              </a:rPr>
+              <a:t>)</a:t>
+            </a:r>
+            <a:endParaRPr kumimoji="1" lang="ja-JP" altLang="en-US">
               <a:solidFill>
                 <a:schemeClr val="accent5">
                   <a:lumMod val="50000"/>
@@ -5594,799 +7039,7 @@
                 <a:latin typeface="Hiragino Maru Gothic Pro W4" panose="020F0400000000000000" pitchFamily="34" charset="-128"/>
                 <a:ea typeface="Hiragino Maru Gothic Pro W4" panose="020F0400000000000000" pitchFamily="34" charset="-128"/>
               </a:rPr>
-              <a:t>5</a:t>
-            </a:fld>
-            <a:endParaRPr lang="ja-JP" altLang="en-US" noProof="0" dirty="0">
-              <a:solidFill>
-                <a:schemeClr val="accent5">
-                  <a:lumMod val="50000"/>
-                </a:schemeClr>
-              </a:solidFill>
-              <a:latin typeface="Hiragino Maru Gothic Pro W4" panose="020F0400000000000000" pitchFamily="34" charset="-128"/>
-              <a:ea typeface="Hiragino Maru Gothic Pro W4" panose="020F0400000000000000" pitchFamily="34" charset="-128"/>
-            </a:endParaRPr>
-          </a:p>
-        </p:txBody>
-      </p:sp>
-    </p:spTree>
-    <p:extLst>
-      <p:ext uri="{BB962C8B-B14F-4D97-AF65-F5344CB8AC3E}">
-        <p14:creationId xmlns:p14="http://schemas.microsoft.com/office/powerpoint/2010/main" val="2962164386"/>
-      </p:ext>
-    </p:extLst>
-  </p:cSld>
-  <p:clrMapOvr>
-    <a:masterClrMapping/>
-  </p:clrMapOvr>
-  <mc:AlternateContent xmlns:mc="http://schemas.openxmlformats.org/markup-compatibility/2006" xmlns:p14="http://schemas.microsoft.com/office/powerpoint/2010/main">
-    <mc:Choice Requires="p14">
-      <p:transition spd="med" p14:dur="700">
-        <p:fade/>
-      </p:transition>
-    </mc:Choice>
-    <mc:Fallback xmlns="">
-      <p:transition spd="med">
-        <p:fade/>
-      </p:transition>
-    </mc:Fallback>
-  </mc:AlternateContent>
-</p:sld>
-</file>
-
-<file path=ppt/slides/slide6.xml><?xml version="1.0" encoding="utf-8"?>
-<p:sld xmlns:a="http://schemas.openxmlformats.org/drawingml/2006/main" xmlns:r="http://schemas.openxmlformats.org/officeDocument/2006/relationships" xmlns:p="http://schemas.openxmlformats.org/presentationml/2006/main">
-  <p:cSld>
-    <p:spTree>
-      <p:nvGrpSpPr>
-        <p:cNvPr id="1" name=""/>
-        <p:cNvGrpSpPr/>
-        <p:nvPr/>
-      </p:nvGrpSpPr>
-      <p:grpSpPr>
-        <a:xfrm>
-          <a:off x="0" y="0"/>
-          <a:ext cx="0" cy="0"/>
-          <a:chOff x="0" y="0"/>
-          <a:chExt cx="0" cy="0"/>
-        </a:xfrm>
-      </p:grpSpPr>
-      <p:sp>
-        <p:nvSpPr>
-          <p:cNvPr id="2" name="タイトル 1">
-            <a:extLst>
-              <a:ext uri="{FF2B5EF4-FFF2-40B4-BE49-F238E27FC236}">
-                <a16:creationId xmlns:a16="http://schemas.microsoft.com/office/drawing/2014/main" id="{4BEF2D4F-28AD-C84D-A4AC-A607D5B45D24}"/>
-              </a:ext>
-            </a:extLst>
-          </p:cNvPr>
-          <p:cNvSpPr>
-            <a:spLocks noGrp="1"/>
-          </p:cNvSpPr>
-          <p:nvPr>
-            <p:ph type="title"/>
-          </p:nvPr>
-        </p:nvSpPr>
-        <p:spPr/>
-        <p:txBody>
-          <a:bodyPr/>
-          <a:lstStyle/>
-          <a:p>
-            <a:r>
-              <a:rPr lang="ja-JP" altLang="en-US">
-                <a:solidFill>
-                  <a:schemeClr val="accent5">
-                    <a:lumMod val="50000"/>
-                  </a:schemeClr>
-                </a:solidFill>
-                <a:latin typeface="Hiragino Maru Gothic Pro W4" panose="020F0400000000000000" pitchFamily="34" charset="-128"/>
-                <a:ea typeface="Hiragino Maru Gothic Pro W4" panose="020F0400000000000000" pitchFamily="34" charset="-128"/>
-              </a:rPr>
-              <a:t>ガチ戦について</a:t>
-            </a:r>
-            <a:endParaRPr kumimoji="1" lang="ja-JP" altLang="en-US">
-              <a:solidFill>
-                <a:schemeClr val="accent5">
-                  <a:lumMod val="50000"/>
-                </a:schemeClr>
-              </a:solidFill>
-              <a:latin typeface="Hiragino Maru Gothic Pro W4" panose="020F0400000000000000" pitchFamily="34" charset="-128"/>
-              <a:ea typeface="Hiragino Maru Gothic Pro W4" panose="020F0400000000000000" pitchFamily="34" charset="-128"/>
-            </a:endParaRPr>
-          </a:p>
-        </p:txBody>
-      </p:sp>
-      <p:sp>
-        <p:nvSpPr>
-          <p:cNvPr id="3" name="コンテンツ プレースホルダー 2">
-            <a:extLst>
-              <a:ext uri="{FF2B5EF4-FFF2-40B4-BE49-F238E27FC236}">
-                <a16:creationId xmlns:a16="http://schemas.microsoft.com/office/drawing/2014/main" id="{01E773B8-156E-4743-8E4A-3ED5FB7CC4E2}"/>
-              </a:ext>
-            </a:extLst>
-          </p:cNvPr>
-          <p:cNvSpPr>
-            <a:spLocks noGrp="1"/>
-          </p:cNvSpPr>
-          <p:nvPr>
-            <p:ph idx="1"/>
-          </p:nvPr>
-        </p:nvSpPr>
-        <p:spPr>
-          <a:xfrm>
-            <a:off x="838200" y="1588575"/>
-            <a:ext cx="10515600" cy="4588387"/>
-          </a:xfrm>
-        </p:spPr>
-        <p:txBody>
-          <a:bodyPr>
-            <a:normAutofit/>
-          </a:bodyPr>
-          <a:lstStyle/>
-          <a:p>
-            <a:pPr marL="45720" indent="0">
-              <a:buNone/>
-            </a:pPr>
-            <a:r>
-              <a:rPr lang="ja-JP" altLang="en-US">
-                <a:solidFill>
-                  <a:schemeClr val="accent5">
-                    <a:lumMod val="50000"/>
-                  </a:schemeClr>
-                </a:solidFill>
-                <a:latin typeface="Hiragino Maru Gothic Pro W4" panose="020F0400000000000000" pitchFamily="34" charset="-128"/>
-                <a:ea typeface="Hiragino Maru Gothic Pro W4" panose="020F0400000000000000" pitchFamily="34" charset="-128"/>
-              </a:rPr>
-              <a:t>全力で戦っていただきます。</a:t>
-            </a:r>
-            <a:endParaRPr lang="en-US" altLang="ja-JP" dirty="0">
-              <a:solidFill>
-                <a:schemeClr val="accent5">
-                  <a:lumMod val="50000"/>
-                </a:schemeClr>
-              </a:solidFill>
-              <a:latin typeface="Hiragino Maru Gothic Pro W4" panose="020F0400000000000000" pitchFamily="34" charset="-128"/>
-              <a:ea typeface="Hiragino Maru Gothic Pro W4" panose="020F0400000000000000" pitchFamily="34" charset="-128"/>
-            </a:endParaRPr>
-          </a:p>
-          <a:p>
-            <a:pPr marL="502920" indent="-457200"/>
-            <a:r>
-              <a:rPr lang="en-US" altLang="ja-JP" dirty="0">
-                <a:solidFill>
-                  <a:schemeClr val="accent5">
-                    <a:lumMod val="50000"/>
-                  </a:schemeClr>
-                </a:solidFill>
-                <a:latin typeface="Hiragino Maru Gothic Pro W4" panose="020F0400000000000000" pitchFamily="34" charset="-128"/>
-                <a:ea typeface="Hiragino Maru Gothic Pro W4" panose="020F0400000000000000" pitchFamily="34" charset="-128"/>
-              </a:rPr>
-              <a:t>JWC</a:t>
-            </a:r>
-            <a:r>
-              <a:rPr lang="ja-JP" altLang="en-US">
-                <a:solidFill>
-                  <a:schemeClr val="accent5">
-                    <a:lumMod val="50000"/>
-                  </a:schemeClr>
-                </a:solidFill>
-                <a:latin typeface="Hiragino Maru Gothic Pro W4" panose="020F0400000000000000" pitchFamily="34" charset="-128"/>
-                <a:ea typeface="Hiragino Maru Gothic Pro W4" panose="020F0400000000000000" pitchFamily="34" charset="-128"/>
-              </a:rPr>
-              <a:t>などのイベント戦</a:t>
-            </a:r>
-            <a:endParaRPr lang="en-US" altLang="ja-JP" dirty="0">
-              <a:solidFill>
-                <a:schemeClr val="accent5">
-                  <a:lumMod val="50000"/>
-                </a:schemeClr>
-              </a:solidFill>
-              <a:latin typeface="Hiragino Maru Gothic Pro W4" panose="020F0400000000000000" pitchFamily="34" charset="-128"/>
-              <a:ea typeface="Hiragino Maru Gothic Pro W4" panose="020F0400000000000000" pitchFamily="34" charset="-128"/>
-            </a:endParaRPr>
-          </a:p>
-          <a:p>
-            <a:pPr marL="502920" indent="-457200"/>
-            <a:r>
-              <a:rPr lang="ja-JP" altLang="en-US">
-                <a:solidFill>
-                  <a:schemeClr val="accent5">
-                    <a:lumMod val="50000"/>
-                  </a:schemeClr>
-                </a:solidFill>
-                <a:latin typeface="Hiragino Maru Gothic Pro W4" panose="020F0400000000000000" pitchFamily="34" charset="-128"/>
-                <a:ea typeface="Hiragino Maru Gothic Pro W4" panose="020F0400000000000000" pitchFamily="34" charset="-128"/>
-              </a:rPr>
-              <a:t>クランリーグ</a:t>
-            </a:r>
-            <a:endParaRPr lang="en-US" altLang="ja-JP" dirty="0">
-              <a:solidFill>
-                <a:schemeClr val="accent5">
-                  <a:lumMod val="50000"/>
-                </a:schemeClr>
-              </a:solidFill>
-              <a:latin typeface="Hiragino Maru Gothic Pro W4" panose="020F0400000000000000" pitchFamily="34" charset="-128"/>
-              <a:ea typeface="Hiragino Maru Gothic Pro W4" panose="020F0400000000000000" pitchFamily="34" charset="-128"/>
-            </a:endParaRPr>
-          </a:p>
-          <a:p>
-            <a:pPr marL="502920" indent="-457200"/>
-            <a:r>
-              <a:rPr lang="ja-JP" altLang="en-US">
-                <a:solidFill>
-                  <a:schemeClr val="accent5">
-                    <a:lumMod val="50000"/>
-                  </a:schemeClr>
-                </a:solidFill>
-                <a:latin typeface="Hiragino Maru Gothic Pro W4" panose="020F0400000000000000" pitchFamily="34" charset="-128"/>
-                <a:ea typeface="Hiragino Maru Gothic Pro W4" panose="020F0400000000000000" pitchFamily="34" charset="-128"/>
-              </a:rPr>
-              <a:t>そこに負けられない戦いがあるとき</a:t>
-            </a:r>
-            <a:endParaRPr lang="en-US" altLang="ja-JP" dirty="0">
-              <a:solidFill>
-                <a:schemeClr val="accent5">
-                  <a:lumMod val="50000"/>
-                </a:schemeClr>
-              </a:solidFill>
-              <a:latin typeface="Hiragino Maru Gothic Pro W4" panose="020F0400000000000000" pitchFamily="34" charset="-128"/>
-              <a:ea typeface="Hiragino Maru Gothic Pro W4" panose="020F0400000000000000" pitchFamily="34" charset="-128"/>
-            </a:endParaRPr>
-          </a:p>
-          <a:p>
-            <a:pPr marL="45720" indent="0">
-              <a:buNone/>
-            </a:pPr>
-            <a:endParaRPr lang="en-US" altLang="ja-JP" dirty="0">
-              <a:solidFill>
-                <a:schemeClr val="accent5">
-                  <a:lumMod val="50000"/>
-                </a:schemeClr>
-              </a:solidFill>
-              <a:latin typeface="Hiragino Maru Gothic Pro W4" panose="020F0400000000000000" pitchFamily="34" charset="-128"/>
-              <a:ea typeface="Hiragino Maru Gothic Pro W4" panose="020F0400000000000000" pitchFamily="34" charset="-128"/>
-            </a:endParaRPr>
-          </a:p>
-        </p:txBody>
-      </p:sp>
-      <p:sp>
-        <p:nvSpPr>
-          <p:cNvPr id="4" name="スライド番号プレースホルダー 3">
-            <a:extLst>
-              <a:ext uri="{FF2B5EF4-FFF2-40B4-BE49-F238E27FC236}">
-                <a16:creationId xmlns:a16="http://schemas.microsoft.com/office/drawing/2014/main" id="{34C04C8D-49C3-874E-864D-A6289CA1E427}"/>
-              </a:ext>
-            </a:extLst>
-          </p:cNvPr>
-          <p:cNvSpPr>
-            <a:spLocks noGrp="1"/>
-          </p:cNvSpPr>
-          <p:nvPr>
-            <p:ph type="sldNum" sz="quarter" idx="12"/>
-          </p:nvPr>
-        </p:nvSpPr>
-        <p:spPr/>
-        <p:txBody>
-          <a:bodyPr/>
-          <a:lstStyle/>
-          <a:p>
-            <a:pPr rtl="0"/>
-            <a:fld id="{E31375A4-56A4-47D6-9801-1991572033F7}" type="slidenum">
-              <a:rPr lang="en-US" altLang="ja-JP" noProof="0" smtClean="0">
-                <a:solidFill>
-                  <a:schemeClr val="accent5">
-                    <a:lumMod val="50000"/>
-                  </a:schemeClr>
-                </a:solidFill>
-                <a:latin typeface="Hiragino Maru Gothic Pro W4" panose="020F0400000000000000" pitchFamily="34" charset="-128"/>
-                <a:ea typeface="Hiragino Maru Gothic Pro W4" panose="020F0400000000000000" pitchFamily="34" charset="-128"/>
-              </a:rPr>
-              <a:t>6</a:t>
-            </a:fld>
-            <a:endParaRPr lang="ja-JP" altLang="en-US" noProof="0" dirty="0">
-              <a:solidFill>
-                <a:schemeClr val="accent5">
-                  <a:lumMod val="50000"/>
-                </a:schemeClr>
-              </a:solidFill>
-              <a:latin typeface="Hiragino Maru Gothic Pro W4" panose="020F0400000000000000" pitchFamily="34" charset="-128"/>
-              <a:ea typeface="Hiragino Maru Gothic Pro W4" panose="020F0400000000000000" pitchFamily="34" charset="-128"/>
-            </a:endParaRPr>
-          </a:p>
-        </p:txBody>
-      </p:sp>
-    </p:spTree>
-    <p:extLst>
-      <p:ext uri="{BB962C8B-B14F-4D97-AF65-F5344CB8AC3E}">
-        <p14:creationId xmlns:p14="http://schemas.microsoft.com/office/powerpoint/2010/main" val="3374544591"/>
-      </p:ext>
-    </p:extLst>
-  </p:cSld>
-  <p:clrMapOvr>
-    <a:masterClrMapping/>
-  </p:clrMapOvr>
-  <mc:AlternateContent xmlns:mc="http://schemas.openxmlformats.org/markup-compatibility/2006" xmlns:p14="http://schemas.microsoft.com/office/powerpoint/2010/main">
-    <mc:Choice Requires="p14">
-      <p:transition spd="med" p14:dur="700">
-        <p:fade/>
-      </p:transition>
-    </mc:Choice>
-    <mc:Fallback xmlns="">
-      <p:transition spd="med">
-        <p:fade/>
-      </p:transition>
-    </mc:Fallback>
-  </mc:AlternateContent>
-</p:sld>
-</file>
-
-<file path=ppt/slides/slide7.xml><?xml version="1.0" encoding="utf-8"?>
-<p:sld xmlns:a="http://schemas.openxmlformats.org/drawingml/2006/main" xmlns:r="http://schemas.openxmlformats.org/officeDocument/2006/relationships" xmlns:p="http://schemas.openxmlformats.org/presentationml/2006/main">
-  <p:cSld>
-    <p:spTree>
-      <p:nvGrpSpPr>
-        <p:cNvPr id="1" name=""/>
-        <p:cNvGrpSpPr/>
-        <p:nvPr/>
-      </p:nvGrpSpPr>
-      <p:grpSpPr>
-        <a:xfrm>
-          <a:off x="0" y="0"/>
-          <a:ext cx="0" cy="0"/>
-          <a:chOff x="0" y="0"/>
-          <a:chExt cx="0" cy="0"/>
-        </a:xfrm>
-      </p:grpSpPr>
-      <p:sp>
-        <p:nvSpPr>
-          <p:cNvPr id="2" name="タイトル 1">
-            <a:extLst>
-              <a:ext uri="{FF2B5EF4-FFF2-40B4-BE49-F238E27FC236}">
-                <a16:creationId xmlns:a16="http://schemas.microsoft.com/office/drawing/2014/main" id="{4BEF2D4F-28AD-C84D-A4AC-A607D5B45D24}"/>
-              </a:ext>
-            </a:extLst>
-          </p:cNvPr>
-          <p:cNvSpPr>
-            <a:spLocks noGrp="1"/>
-          </p:cNvSpPr>
-          <p:nvPr>
-            <p:ph type="title"/>
-          </p:nvPr>
-        </p:nvSpPr>
-        <p:spPr/>
-        <p:txBody>
-          <a:bodyPr/>
-          <a:lstStyle/>
-          <a:p>
-            <a:r>
-              <a:rPr kumimoji="1" lang="ja-JP" altLang="en-US">
-                <a:solidFill>
-                  <a:schemeClr val="accent5">
-                    <a:lumMod val="50000"/>
-                  </a:schemeClr>
-                </a:solidFill>
-                <a:latin typeface="Hiragino Maru Gothic Pro W4" panose="020F0400000000000000" pitchFamily="34" charset="-128"/>
-                <a:ea typeface="Hiragino Maru Gothic Pro W4" panose="020F0400000000000000" pitchFamily="34" charset="-128"/>
-              </a:rPr>
-              <a:t>クラン運営陣</a:t>
-            </a:r>
-          </a:p>
-        </p:txBody>
-      </p:sp>
-      <p:sp>
-        <p:nvSpPr>
-          <p:cNvPr id="3" name="コンテンツ プレースホルダー 2">
-            <a:extLst>
-              <a:ext uri="{FF2B5EF4-FFF2-40B4-BE49-F238E27FC236}">
-                <a16:creationId xmlns:a16="http://schemas.microsoft.com/office/drawing/2014/main" id="{01E773B8-156E-4743-8E4A-3ED5FB7CC4E2}"/>
-              </a:ext>
-            </a:extLst>
-          </p:cNvPr>
-          <p:cNvSpPr>
-            <a:spLocks noGrp="1"/>
-          </p:cNvSpPr>
-          <p:nvPr>
-            <p:ph idx="1"/>
-          </p:nvPr>
-        </p:nvSpPr>
-        <p:spPr>
-          <a:xfrm>
-            <a:off x="838200" y="1588575"/>
-            <a:ext cx="10515600" cy="4588387"/>
-          </a:xfrm>
-        </p:spPr>
-        <p:txBody>
-          <a:bodyPr>
-            <a:normAutofit/>
-          </a:bodyPr>
-          <a:lstStyle/>
-          <a:p>
-            <a:pPr marL="45720" indent="0">
-              <a:buNone/>
-            </a:pPr>
-            <a:r>
-              <a:rPr lang="ja-JP" altLang="en-US">
-                <a:solidFill>
-                  <a:schemeClr val="accent5">
-                    <a:lumMod val="50000"/>
-                  </a:schemeClr>
-                </a:solidFill>
-                <a:latin typeface="Hiragino Maru Gothic Pro W4" panose="020F0400000000000000" pitchFamily="34" charset="-128"/>
-                <a:ea typeface="Hiragino Maru Gothic Pro W4" panose="020F0400000000000000" pitchFamily="34" charset="-128"/>
-              </a:rPr>
-              <a:t>責任の所在を明確にするために記載しておきます。</a:t>
-            </a:r>
-            <a:br>
-              <a:rPr lang="en-US" altLang="ja-JP" dirty="0">
-                <a:solidFill>
-                  <a:schemeClr val="accent5">
-                    <a:lumMod val="50000"/>
-                  </a:schemeClr>
-                </a:solidFill>
-                <a:latin typeface="Hiragino Maru Gothic Pro W4" panose="020F0400000000000000" pitchFamily="34" charset="-128"/>
-                <a:ea typeface="Hiragino Maru Gothic Pro W4" panose="020F0400000000000000" pitchFamily="34" charset="-128"/>
-              </a:rPr>
-            </a:br>
-            <a:r>
-              <a:rPr lang="ja-JP" altLang="en-US">
-                <a:solidFill>
-                  <a:schemeClr val="accent5">
-                    <a:lumMod val="50000"/>
-                  </a:schemeClr>
-                </a:solidFill>
-                <a:latin typeface="Hiragino Maru Gothic Pro W4" panose="020F0400000000000000" pitchFamily="34" charset="-128"/>
-                <a:ea typeface="Hiragino Maru Gothic Pro W4" panose="020F0400000000000000" pitchFamily="34" charset="-128"/>
-              </a:rPr>
-              <a:t>困ったことがありましたら気軽に相談してください。</a:t>
-            </a:r>
-            <a:endParaRPr lang="en-US" altLang="ja-JP" dirty="0">
-              <a:solidFill>
-                <a:schemeClr val="accent5">
-                  <a:lumMod val="50000"/>
-                </a:schemeClr>
-              </a:solidFill>
-              <a:latin typeface="Hiragino Maru Gothic Pro W4" panose="020F0400000000000000" pitchFamily="34" charset="-128"/>
-              <a:ea typeface="Hiragino Maru Gothic Pro W4" panose="020F0400000000000000" pitchFamily="34" charset="-128"/>
-            </a:endParaRPr>
-          </a:p>
-          <a:p>
-            <a:pPr marL="502920" indent="-457200"/>
-            <a:r>
-              <a:rPr lang="en-US" altLang="ja-JP" dirty="0" err="1">
-                <a:solidFill>
-                  <a:schemeClr val="accent5">
-                    <a:lumMod val="50000"/>
-                  </a:schemeClr>
-                </a:solidFill>
-                <a:latin typeface="Hiragino Maru Gothic Pro W4" panose="020F0400000000000000" pitchFamily="34" charset="-128"/>
-                <a:ea typeface="Hiragino Maru Gothic Pro W4" panose="020F0400000000000000" pitchFamily="34" charset="-128"/>
-              </a:rPr>
-              <a:t>bigtree</a:t>
-            </a:r>
-            <a:endParaRPr lang="en-US" altLang="ja-JP" dirty="0">
-              <a:solidFill>
-                <a:schemeClr val="accent5">
-                  <a:lumMod val="50000"/>
-                </a:schemeClr>
-              </a:solidFill>
-              <a:latin typeface="Hiragino Maru Gothic Pro W4" panose="020F0400000000000000" pitchFamily="34" charset="-128"/>
-              <a:ea typeface="Hiragino Maru Gothic Pro W4" panose="020F0400000000000000" pitchFamily="34" charset="-128"/>
-            </a:endParaRPr>
-          </a:p>
-          <a:p>
-            <a:pPr marL="502920" indent="-457200"/>
-            <a:r>
-              <a:rPr lang="ja-JP" altLang="en-US">
-                <a:solidFill>
-                  <a:schemeClr val="accent5">
-                    <a:lumMod val="50000"/>
-                  </a:schemeClr>
-                </a:solidFill>
-                <a:latin typeface="Hiragino Maru Gothic Pro W4" panose="020F0400000000000000" pitchFamily="34" charset="-128"/>
-                <a:ea typeface="Hiragino Maru Gothic Pro W4" panose="020F0400000000000000" pitchFamily="34" charset="-128"/>
-              </a:rPr>
-              <a:t>ゴドルフィン</a:t>
-            </a:r>
-            <a:endParaRPr lang="en-US" altLang="ja-JP" dirty="0">
-              <a:solidFill>
-                <a:schemeClr val="accent5">
-                  <a:lumMod val="50000"/>
-                </a:schemeClr>
-              </a:solidFill>
-              <a:latin typeface="Hiragino Maru Gothic Pro W4" panose="020F0400000000000000" pitchFamily="34" charset="-128"/>
-              <a:ea typeface="Hiragino Maru Gothic Pro W4" panose="020F0400000000000000" pitchFamily="34" charset="-128"/>
-            </a:endParaRPr>
-          </a:p>
-          <a:p>
-            <a:pPr marL="502920" indent="-457200"/>
-            <a:r>
-              <a:rPr lang="ja-JP" altLang="en-US">
-                <a:solidFill>
-                  <a:schemeClr val="accent5">
-                    <a:lumMod val="50000"/>
-                  </a:schemeClr>
-                </a:solidFill>
-                <a:latin typeface="Hiragino Maru Gothic Pro W4" panose="020F0400000000000000" pitchFamily="34" charset="-128"/>
-                <a:ea typeface="Hiragino Maru Gothic Pro W4" panose="020F0400000000000000" pitchFamily="34" charset="-128"/>
-              </a:rPr>
-              <a:t>魔王様</a:t>
-            </a:r>
-            <a:endParaRPr lang="en-US" altLang="ja-JP" dirty="0">
-              <a:solidFill>
-                <a:schemeClr val="accent5">
-                  <a:lumMod val="50000"/>
-                </a:schemeClr>
-              </a:solidFill>
-              <a:latin typeface="Hiragino Maru Gothic Pro W4" panose="020F0400000000000000" pitchFamily="34" charset="-128"/>
-              <a:ea typeface="Hiragino Maru Gothic Pro W4" panose="020F0400000000000000" pitchFamily="34" charset="-128"/>
-            </a:endParaRPr>
-          </a:p>
-          <a:p>
-            <a:pPr marL="502920" indent="-457200"/>
-            <a:r>
-              <a:rPr lang="ja-JP" altLang="en-US">
-                <a:solidFill>
-                  <a:schemeClr val="accent5">
-                    <a:lumMod val="50000"/>
-                  </a:schemeClr>
-                </a:solidFill>
-                <a:latin typeface="Hiragino Maru Gothic Pro W4" panose="020F0400000000000000" pitchFamily="34" charset="-128"/>
-                <a:ea typeface="Hiragino Maru Gothic Pro W4" panose="020F0400000000000000" pitchFamily="34" charset="-128"/>
-              </a:rPr>
-              <a:t>くい助</a:t>
-            </a:r>
-            <a:endParaRPr lang="en-US" altLang="ja-JP" dirty="0">
-              <a:solidFill>
-                <a:schemeClr val="accent5">
-                  <a:lumMod val="50000"/>
-                </a:schemeClr>
-              </a:solidFill>
-              <a:latin typeface="Hiragino Maru Gothic Pro W4" panose="020F0400000000000000" pitchFamily="34" charset="-128"/>
-              <a:ea typeface="Hiragino Maru Gothic Pro W4" panose="020F0400000000000000" pitchFamily="34" charset="-128"/>
-            </a:endParaRPr>
-          </a:p>
-          <a:p>
-            <a:pPr marL="502920" indent="-457200"/>
-            <a:r>
-              <a:rPr lang="en-US" altLang="ja-JP" dirty="0">
-                <a:solidFill>
-                  <a:schemeClr val="accent5">
-                    <a:lumMod val="50000"/>
-                  </a:schemeClr>
-                </a:solidFill>
-                <a:latin typeface="Hiragino Maru Gothic Pro W4" panose="020F0400000000000000" pitchFamily="34" charset="-128"/>
-                <a:ea typeface="Hiragino Maru Gothic Pro W4" panose="020F0400000000000000" pitchFamily="34" charset="-128"/>
-              </a:rPr>
-              <a:t>121</a:t>
-            </a:r>
-          </a:p>
-          <a:p>
-            <a:pPr marL="502920" indent="-457200"/>
-            <a:endParaRPr lang="en-US" altLang="ja-JP" dirty="0">
-              <a:solidFill>
-                <a:schemeClr val="accent5">
-                  <a:lumMod val="50000"/>
-                </a:schemeClr>
-              </a:solidFill>
-              <a:latin typeface="Hiragino Maru Gothic Pro W4" panose="020F0400000000000000" pitchFamily="34" charset="-128"/>
-              <a:ea typeface="Hiragino Maru Gothic Pro W4" panose="020F0400000000000000" pitchFamily="34" charset="-128"/>
-            </a:endParaRPr>
-          </a:p>
-          <a:p>
-            <a:pPr marL="502920" indent="-457200"/>
-            <a:endParaRPr lang="en-US" altLang="ja-JP" dirty="0">
-              <a:solidFill>
-                <a:schemeClr val="accent5">
-                  <a:lumMod val="50000"/>
-                </a:schemeClr>
-              </a:solidFill>
-              <a:latin typeface="Hiragino Maru Gothic Pro W4" panose="020F0400000000000000" pitchFamily="34" charset="-128"/>
-              <a:ea typeface="Hiragino Maru Gothic Pro W4" panose="020F0400000000000000" pitchFamily="34" charset="-128"/>
-            </a:endParaRPr>
-          </a:p>
-        </p:txBody>
-      </p:sp>
-      <p:sp>
-        <p:nvSpPr>
-          <p:cNvPr id="4" name="スライド番号プレースホルダー 3">
-            <a:extLst>
-              <a:ext uri="{FF2B5EF4-FFF2-40B4-BE49-F238E27FC236}">
-                <a16:creationId xmlns:a16="http://schemas.microsoft.com/office/drawing/2014/main" id="{34C04C8D-49C3-874E-864D-A6289CA1E427}"/>
-              </a:ext>
-            </a:extLst>
-          </p:cNvPr>
-          <p:cNvSpPr>
-            <a:spLocks noGrp="1"/>
-          </p:cNvSpPr>
-          <p:nvPr>
-            <p:ph type="sldNum" sz="quarter" idx="12"/>
-          </p:nvPr>
-        </p:nvSpPr>
-        <p:spPr/>
-        <p:txBody>
-          <a:bodyPr/>
-          <a:lstStyle/>
-          <a:p>
-            <a:pPr rtl="0"/>
-            <a:fld id="{E31375A4-56A4-47D6-9801-1991572033F7}" type="slidenum">
-              <a:rPr lang="en-US" altLang="ja-JP" noProof="0" smtClean="0">
-                <a:solidFill>
-                  <a:schemeClr val="accent5">
-                    <a:lumMod val="50000"/>
-                  </a:schemeClr>
-                </a:solidFill>
-                <a:latin typeface="Hiragino Maru Gothic Pro W4" panose="020F0400000000000000" pitchFamily="34" charset="-128"/>
-                <a:ea typeface="Hiragino Maru Gothic Pro W4" panose="020F0400000000000000" pitchFamily="34" charset="-128"/>
-              </a:rPr>
-              <a:t>7</a:t>
-            </a:fld>
-            <a:endParaRPr lang="ja-JP" altLang="en-US" noProof="0" dirty="0">
-              <a:solidFill>
-                <a:schemeClr val="accent5">
-                  <a:lumMod val="50000"/>
-                </a:schemeClr>
-              </a:solidFill>
-              <a:latin typeface="Hiragino Maru Gothic Pro W4" panose="020F0400000000000000" pitchFamily="34" charset="-128"/>
-              <a:ea typeface="Hiragino Maru Gothic Pro W4" panose="020F0400000000000000" pitchFamily="34" charset="-128"/>
-            </a:endParaRPr>
-          </a:p>
-        </p:txBody>
-      </p:sp>
-    </p:spTree>
-    <p:extLst>
-      <p:ext uri="{BB962C8B-B14F-4D97-AF65-F5344CB8AC3E}">
-        <p14:creationId xmlns:p14="http://schemas.microsoft.com/office/powerpoint/2010/main" val="2209755328"/>
-      </p:ext>
-    </p:extLst>
-  </p:cSld>
-  <p:clrMapOvr>
-    <a:masterClrMapping/>
-  </p:clrMapOvr>
-  <mc:AlternateContent xmlns:mc="http://schemas.openxmlformats.org/markup-compatibility/2006" xmlns:p14="http://schemas.microsoft.com/office/powerpoint/2010/main">
-    <mc:Choice Requires="p14">
-      <p:transition spd="med" p14:dur="700">
-        <p:fade/>
-      </p:transition>
-    </mc:Choice>
-    <mc:Fallback xmlns="">
-      <p:transition spd="med">
-        <p:fade/>
-      </p:transition>
-    </mc:Fallback>
-  </mc:AlternateContent>
-</p:sld>
-</file>
-
-<file path=ppt/slides/slide8.xml><?xml version="1.0" encoding="utf-8"?>
-<p:sld xmlns:a="http://schemas.openxmlformats.org/drawingml/2006/main" xmlns:r="http://schemas.openxmlformats.org/officeDocument/2006/relationships" xmlns:p="http://schemas.openxmlformats.org/presentationml/2006/main">
-  <p:cSld>
-    <p:spTree>
-      <p:nvGrpSpPr>
-        <p:cNvPr id="1" name=""/>
-        <p:cNvGrpSpPr/>
-        <p:nvPr/>
-      </p:nvGrpSpPr>
-      <p:grpSpPr>
-        <a:xfrm>
-          <a:off x="0" y="0"/>
-          <a:ext cx="0" cy="0"/>
-          <a:chOff x="0" y="0"/>
-          <a:chExt cx="0" cy="0"/>
-        </a:xfrm>
-      </p:grpSpPr>
-      <p:sp>
-        <p:nvSpPr>
-          <p:cNvPr id="2" name="タイトル 1">
-            <a:extLst>
-              <a:ext uri="{FF2B5EF4-FFF2-40B4-BE49-F238E27FC236}">
-                <a16:creationId xmlns:a16="http://schemas.microsoft.com/office/drawing/2014/main" id="{4BEF2D4F-28AD-C84D-A4AC-A607D5B45D24}"/>
-              </a:ext>
-            </a:extLst>
-          </p:cNvPr>
-          <p:cNvSpPr>
-            <a:spLocks noGrp="1"/>
-          </p:cNvSpPr>
-          <p:nvPr>
-            <p:ph type="title"/>
-          </p:nvPr>
-        </p:nvSpPr>
-        <p:spPr/>
-        <p:txBody>
-          <a:bodyPr/>
-          <a:lstStyle/>
-          <a:p>
-            <a:r>
-              <a:rPr lang="ja-JP" altLang="en-US">
-                <a:solidFill>
-                  <a:schemeClr val="accent5">
-                    <a:lumMod val="50000"/>
-                  </a:schemeClr>
-                </a:solidFill>
-                <a:latin typeface="Hiragino Maru Gothic Pro W4" panose="020F0400000000000000" pitchFamily="34" charset="-128"/>
-                <a:ea typeface="Hiragino Maru Gothic Pro W4" panose="020F0400000000000000" pitchFamily="34" charset="-128"/>
-              </a:rPr>
-              <a:t>ざっくりスケジュール</a:t>
-            </a:r>
-            <a:r>
-              <a:rPr lang="en-US" altLang="ja-JP" dirty="0">
-                <a:solidFill>
-                  <a:schemeClr val="accent5">
-                    <a:lumMod val="50000"/>
-                  </a:schemeClr>
-                </a:solidFill>
-                <a:latin typeface="Hiragino Maru Gothic Pro W4" panose="020F0400000000000000" pitchFamily="34" charset="-128"/>
-                <a:ea typeface="Hiragino Maru Gothic Pro W4" panose="020F0400000000000000" pitchFamily="34" charset="-128"/>
-              </a:rPr>
-              <a:t>(2021</a:t>
-            </a:r>
-            <a:r>
-              <a:rPr lang="ja-JP" altLang="en-US">
-                <a:solidFill>
-                  <a:schemeClr val="accent5">
-                    <a:lumMod val="50000"/>
-                  </a:schemeClr>
-                </a:solidFill>
-                <a:latin typeface="Hiragino Maru Gothic Pro W4" panose="020F0400000000000000" pitchFamily="34" charset="-128"/>
-                <a:ea typeface="Hiragino Maru Gothic Pro W4" panose="020F0400000000000000" pitchFamily="34" charset="-128"/>
-              </a:rPr>
-              <a:t>年</a:t>
-            </a:r>
-            <a:r>
-              <a:rPr lang="en-US" altLang="ja-JP" dirty="0">
-                <a:solidFill>
-                  <a:schemeClr val="accent5">
-                    <a:lumMod val="50000"/>
-                  </a:schemeClr>
-                </a:solidFill>
-                <a:latin typeface="Hiragino Maru Gothic Pro W4" panose="020F0400000000000000" pitchFamily="34" charset="-128"/>
-                <a:ea typeface="Hiragino Maru Gothic Pro W4" panose="020F0400000000000000" pitchFamily="34" charset="-128"/>
-              </a:rPr>
-              <a:t>)</a:t>
-            </a:r>
-            <a:endParaRPr kumimoji="1" lang="ja-JP" altLang="en-US">
-              <a:solidFill>
-                <a:schemeClr val="accent5">
-                  <a:lumMod val="50000"/>
-                </a:schemeClr>
-              </a:solidFill>
-              <a:latin typeface="Hiragino Maru Gothic Pro W4" panose="020F0400000000000000" pitchFamily="34" charset="-128"/>
-              <a:ea typeface="Hiragino Maru Gothic Pro W4" panose="020F0400000000000000" pitchFamily="34" charset="-128"/>
-            </a:endParaRPr>
-          </a:p>
-        </p:txBody>
-      </p:sp>
-      <p:sp>
-        <p:nvSpPr>
-          <p:cNvPr id="4" name="スライド番号プレースホルダー 3">
-            <a:extLst>
-              <a:ext uri="{FF2B5EF4-FFF2-40B4-BE49-F238E27FC236}">
-                <a16:creationId xmlns:a16="http://schemas.microsoft.com/office/drawing/2014/main" id="{34C04C8D-49C3-874E-864D-A6289CA1E427}"/>
-              </a:ext>
-            </a:extLst>
-          </p:cNvPr>
-          <p:cNvSpPr>
-            <a:spLocks noGrp="1"/>
-          </p:cNvSpPr>
-          <p:nvPr>
-            <p:ph type="sldNum" sz="quarter" idx="12"/>
-          </p:nvPr>
-        </p:nvSpPr>
-        <p:spPr/>
-        <p:txBody>
-          <a:bodyPr/>
-          <a:lstStyle/>
-          <a:p>
-            <a:pPr rtl="0"/>
-            <a:fld id="{E31375A4-56A4-47D6-9801-1991572033F7}" type="slidenum">
-              <a:rPr lang="en-US" altLang="ja-JP" noProof="0" smtClean="0">
-                <a:solidFill>
-                  <a:schemeClr val="accent5">
-                    <a:lumMod val="50000"/>
-                  </a:schemeClr>
-                </a:solidFill>
-                <a:latin typeface="Hiragino Maru Gothic Pro W4" panose="020F0400000000000000" pitchFamily="34" charset="-128"/>
-                <a:ea typeface="Hiragino Maru Gothic Pro W4" panose="020F0400000000000000" pitchFamily="34" charset="-128"/>
-              </a:rPr>
-              <a:t>8</a:t>
+              <a:t>13</a:t>
             </a:fld>
             <a:endParaRPr lang="ja-JP" altLang="en-US" noProof="0" dirty="0">
               <a:solidFill>
@@ -8121,6 +8774,4017 @@
 </p:sld>
 </file>
 
+<file path=ppt/slides/slide14.xml><?xml version="1.0" encoding="utf-8"?>
+<p:sld xmlns:a="http://schemas.openxmlformats.org/drawingml/2006/main" xmlns:r="http://schemas.openxmlformats.org/officeDocument/2006/relationships" xmlns:p="http://schemas.openxmlformats.org/presentationml/2006/main">
+  <p:cSld>
+    <p:spTree>
+      <p:nvGrpSpPr>
+        <p:cNvPr id="1" name=""/>
+        <p:cNvGrpSpPr/>
+        <p:nvPr/>
+      </p:nvGrpSpPr>
+      <p:grpSpPr>
+        <a:xfrm>
+          <a:off x="0" y="0"/>
+          <a:ext cx="0" cy="0"/>
+          <a:chOff x="0" y="0"/>
+          <a:chExt cx="0" cy="0"/>
+        </a:xfrm>
+      </p:grpSpPr>
+      <p:sp>
+        <p:nvSpPr>
+          <p:cNvPr id="2" name="タイトル 1">
+            <a:extLst>
+              <a:ext uri="{FF2B5EF4-FFF2-40B4-BE49-F238E27FC236}">
+                <a16:creationId xmlns:a16="http://schemas.microsoft.com/office/drawing/2014/main" id="{4BEF2D4F-28AD-C84D-A4AC-A607D5B45D24}"/>
+              </a:ext>
+            </a:extLst>
+          </p:cNvPr>
+          <p:cNvSpPr>
+            <a:spLocks noGrp="1"/>
+          </p:cNvSpPr>
+          <p:nvPr>
+            <p:ph type="title"/>
+          </p:nvPr>
+        </p:nvSpPr>
+        <p:spPr/>
+        <p:txBody>
+          <a:bodyPr/>
+          <a:lstStyle/>
+          <a:p>
+            <a:r>
+              <a:rPr lang="ja-JP" altLang="en-US">
+                <a:solidFill>
+                  <a:schemeClr val="accent5">
+                    <a:lumMod val="50000"/>
+                  </a:schemeClr>
+                </a:solidFill>
+                <a:latin typeface="Hiragino Maru Gothic Pro W4" panose="020F0400000000000000" pitchFamily="34" charset="-128"/>
+                <a:ea typeface="Hiragino Maru Gothic Pro W4" panose="020F0400000000000000" pitchFamily="34" charset="-128"/>
+              </a:rPr>
+              <a:t>疲れたら・・・</a:t>
+            </a:r>
+            <a:endParaRPr kumimoji="1" lang="ja-JP" altLang="en-US">
+              <a:solidFill>
+                <a:schemeClr val="accent5">
+                  <a:lumMod val="50000"/>
+                </a:schemeClr>
+              </a:solidFill>
+              <a:latin typeface="Hiragino Maru Gothic Pro W4" panose="020F0400000000000000" pitchFamily="34" charset="-128"/>
+              <a:ea typeface="Hiragino Maru Gothic Pro W4" panose="020F0400000000000000" pitchFamily="34" charset="-128"/>
+            </a:endParaRPr>
+          </a:p>
+        </p:txBody>
+      </p:sp>
+      <p:sp>
+        <p:nvSpPr>
+          <p:cNvPr id="3" name="コンテンツ プレースホルダー 2">
+            <a:extLst>
+              <a:ext uri="{FF2B5EF4-FFF2-40B4-BE49-F238E27FC236}">
+                <a16:creationId xmlns:a16="http://schemas.microsoft.com/office/drawing/2014/main" id="{01E773B8-156E-4743-8E4A-3ED5FB7CC4E2}"/>
+              </a:ext>
+            </a:extLst>
+          </p:cNvPr>
+          <p:cNvSpPr>
+            <a:spLocks noGrp="1"/>
+          </p:cNvSpPr>
+          <p:nvPr>
+            <p:ph idx="1"/>
+          </p:nvPr>
+        </p:nvSpPr>
+        <p:spPr>
+          <a:xfrm>
+            <a:off x="838200" y="1588575"/>
+            <a:ext cx="10515600" cy="4588387"/>
+          </a:xfrm>
+        </p:spPr>
+        <p:txBody>
+          <a:bodyPr>
+            <a:normAutofit/>
+          </a:bodyPr>
+          <a:lstStyle/>
+          <a:p>
+            <a:pPr marL="502920" indent="-457200"/>
+            <a:r>
+              <a:rPr lang="ja-JP" altLang="en-US">
+                <a:solidFill>
+                  <a:schemeClr val="accent5">
+                    <a:lumMod val="50000"/>
+                  </a:schemeClr>
+                </a:solidFill>
+                <a:latin typeface="Hiragino Maru Gothic Pro W4" panose="020F0400000000000000" pitchFamily="34" charset="-128"/>
+                <a:ea typeface="Hiragino Maru Gothic Pro W4" panose="020F0400000000000000" pitchFamily="34" charset="-128"/>
+              </a:rPr>
+              <a:t>ゆっくりしましょう</a:t>
+            </a:r>
+            <a:endParaRPr lang="en-US" altLang="ja-JP" dirty="0">
+              <a:solidFill>
+                <a:schemeClr val="accent5">
+                  <a:lumMod val="50000"/>
+                </a:schemeClr>
+              </a:solidFill>
+              <a:latin typeface="Hiragino Maru Gothic Pro W4" panose="020F0400000000000000" pitchFamily="34" charset="-128"/>
+              <a:ea typeface="Hiragino Maru Gothic Pro W4" panose="020F0400000000000000" pitchFamily="34" charset="-128"/>
+            </a:endParaRPr>
+          </a:p>
+          <a:p>
+            <a:pPr marL="502920" indent="-457200"/>
+            <a:r>
+              <a:rPr lang="ja-JP" altLang="en-US">
+                <a:solidFill>
+                  <a:schemeClr val="accent5">
+                    <a:lumMod val="50000"/>
+                  </a:schemeClr>
+                </a:solidFill>
+                <a:latin typeface="Hiragino Maru Gothic Pro W4" panose="020F0400000000000000" pitchFamily="34" charset="-128"/>
+                <a:ea typeface="Hiragino Maru Gothic Pro W4" panose="020F0400000000000000" pitchFamily="34" charset="-128"/>
+              </a:rPr>
+              <a:t>ファミリークランとして、</a:t>
+            </a:r>
+            <a:br>
+              <a:rPr lang="en-US" altLang="ja-JP" dirty="0">
+                <a:solidFill>
+                  <a:schemeClr val="accent5">
+                    <a:lumMod val="50000"/>
+                  </a:schemeClr>
+                </a:solidFill>
+                <a:latin typeface="Hiragino Maru Gothic Pro W4" panose="020F0400000000000000" pitchFamily="34" charset="-128"/>
+                <a:ea typeface="Hiragino Maru Gothic Pro W4" panose="020F0400000000000000" pitchFamily="34" charset="-128"/>
+              </a:rPr>
+            </a:br>
+            <a:r>
+              <a:rPr lang="ja-JP" altLang="en-US">
+                <a:solidFill>
+                  <a:schemeClr val="accent5">
+                    <a:lumMod val="50000"/>
+                  </a:schemeClr>
+                </a:solidFill>
+                <a:latin typeface="Hiragino Maru Gothic Pro W4" panose="020F0400000000000000" pitchFamily="34" charset="-128"/>
+                <a:ea typeface="Hiragino Maru Gothic Pro W4" panose="020F0400000000000000" pitchFamily="34" charset="-128"/>
+              </a:rPr>
+              <a:t>あっちゃん率いるファーミングクランがあるので</a:t>
+            </a:r>
+            <a:br>
+              <a:rPr lang="en-US" altLang="ja-JP" dirty="0">
+                <a:solidFill>
+                  <a:schemeClr val="accent5">
+                    <a:lumMod val="50000"/>
+                  </a:schemeClr>
+                </a:solidFill>
+                <a:latin typeface="Hiragino Maru Gothic Pro W4" panose="020F0400000000000000" pitchFamily="34" charset="-128"/>
+                <a:ea typeface="Hiragino Maru Gothic Pro W4" panose="020F0400000000000000" pitchFamily="34" charset="-128"/>
+              </a:rPr>
+            </a:br>
+            <a:r>
+              <a:rPr lang="ja-JP" altLang="en-US">
+                <a:solidFill>
+                  <a:schemeClr val="accent5">
+                    <a:lumMod val="50000"/>
+                  </a:schemeClr>
+                </a:solidFill>
+                <a:latin typeface="Hiragino Maru Gothic Pro W4" panose="020F0400000000000000" pitchFamily="34" charset="-128"/>
+                <a:ea typeface="Hiragino Maru Gothic Pro W4" panose="020F0400000000000000" pitchFamily="34" charset="-128"/>
+              </a:rPr>
+              <a:t>そこでゆっくりすることをオススメします</a:t>
+            </a:r>
+            <a:endParaRPr lang="en-US" altLang="ja-JP" dirty="0">
+              <a:solidFill>
+                <a:schemeClr val="accent5">
+                  <a:lumMod val="50000"/>
+                </a:schemeClr>
+              </a:solidFill>
+              <a:latin typeface="Hiragino Maru Gothic Pro W4" panose="020F0400000000000000" pitchFamily="34" charset="-128"/>
+              <a:ea typeface="Hiragino Maru Gothic Pro W4" panose="020F0400000000000000" pitchFamily="34" charset="-128"/>
+            </a:endParaRPr>
+          </a:p>
+        </p:txBody>
+      </p:sp>
+      <p:sp>
+        <p:nvSpPr>
+          <p:cNvPr id="4" name="スライド番号プレースホルダー 3">
+            <a:extLst>
+              <a:ext uri="{FF2B5EF4-FFF2-40B4-BE49-F238E27FC236}">
+                <a16:creationId xmlns:a16="http://schemas.microsoft.com/office/drawing/2014/main" id="{34C04C8D-49C3-874E-864D-A6289CA1E427}"/>
+              </a:ext>
+            </a:extLst>
+          </p:cNvPr>
+          <p:cNvSpPr>
+            <a:spLocks noGrp="1"/>
+          </p:cNvSpPr>
+          <p:nvPr>
+            <p:ph type="sldNum" sz="quarter" idx="12"/>
+          </p:nvPr>
+        </p:nvSpPr>
+        <p:spPr/>
+        <p:txBody>
+          <a:bodyPr/>
+          <a:lstStyle/>
+          <a:p>
+            <a:pPr rtl="0"/>
+            <a:fld id="{E31375A4-56A4-47D6-9801-1991572033F7}" type="slidenum">
+              <a:rPr lang="en-US" altLang="ja-JP" noProof="0" smtClean="0">
+                <a:solidFill>
+                  <a:schemeClr val="accent5">
+                    <a:lumMod val="50000"/>
+                  </a:schemeClr>
+                </a:solidFill>
+                <a:latin typeface="Hiragino Maru Gothic Pro W4" panose="020F0400000000000000" pitchFamily="34" charset="-128"/>
+                <a:ea typeface="Hiragino Maru Gothic Pro W4" panose="020F0400000000000000" pitchFamily="34" charset="-128"/>
+              </a:rPr>
+              <a:t>14</a:t>
+            </a:fld>
+            <a:endParaRPr lang="ja-JP" altLang="en-US" noProof="0" dirty="0">
+              <a:solidFill>
+                <a:schemeClr val="accent5">
+                  <a:lumMod val="50000"/>
+                </a:schemeClr>
+              </a:solidFill>
+              <a:latin typeface="Hiragino Maru Gothic Pro W4" panose="020F0400000000000000" pitchFamily="34" charset="-128"/>
+              <a:ea typeface="Hiragino Maru Gothic Pro W4" panose="020F0400000000000000" pitchFamily="34" charset="-128"/>
+            </a:endParaRPr>
+          </a:p>
+        </p:txBody>
+      </p:sp>
+    </p:spTree>
+    <p:extLst>
+      <p:ext uri="{BB962C8B-B14F-4D97-AF65-F5344CB8AC3E}">
+        <p14:creationId xmlns:p14="http://schemas.microsoft.com/office/powerpoint/2010/main" val="2080103444"/>
+      </p:ext>
+    </p:extLst>
+  </p:cSld>
+  <p:clrMapOvr>
+    <a:masterClrMapping/>
+  </p:clrMapOvr>
+  <mc:AlternateContent xmlns:mc="http://schemas.openxmlformats.org/markup-compatibility/2006" xmlns:p14="http://schemas.microsoft.com/office/powerpoint/2010/main">
+    <mc:Choice Requires="p14">
+      <p:transition spd="med" p14:dur="700">
+        <p:fade/>
+      </p:transition>
+    </mc:Choice>
+    <mc:Fallback xmlns="">
+      <p:transition spd="med">
+        <p:fade/>
+      </p:transition>
+    </mc:Fallback>
+  </mc:AlternateContent>
+</p:sld>
+</file>
+
+<file path=ppt/slides/slide15.xml><?xml version="1.0" encoding="utf-8"?>
+<p:sld xmlns:a="http://schemas.openxmlformats.org/drawingml/2006/main" xmlns:r="http://schemas.openxmlformats.org/officeDocument/2006/relationships" xmlns:p="http://schemas.openxmlformats.org/presentationml/2006/main">
+  <p:cSld>
+    <p:spTree>
+      <p:nvGrpSpPr>
+        <p:cNvPr id="1" name=""/>
+        <p:cNvGrpSpPr/>
+        <p:nvPr/>
+      </p:nvGrpSpPr>
+      <p:grpSpPr>
+        <a:xfrm>
+          <a:off x="0" y="0"/>
+          <a:ext cx="0" cy="0"/>
+          <a:chOff x="0" y="0"/>
+          <a:chExt cx="0" cy="0"/>
+        </a:xfrm>
+      </p:grpSpPr>
+      <p:sp>
+        <p:nvSpPr>
+          <p:cNvPr id="2" name="タイトル 1">
+            <a:extLst>
+              <a:ext uri="{FF2B5EF4-FFF2-40B4-BE49-F238E27FC236}">
+                <a16:creationId xmlns:a16="http://schemas.microsoft.com/office/drawing/2014/main" id="{4BEF2D4F-28AD-C84D-A4AC-A607D5B45D24}"/>
+              </a:ext>
+            </a:extLst>
+          </p:cNvPr>
+          <p:cNvSpPr>
+            <a:spLocks noGrp="1"/>
+          </p:cNvSpPr>
+          <p:nvPr>
+            <p:ph type="title"/>
+          </p:nvPr>
+        </p:nvSpPr>
+        <p:spPr/>
+        <p:txBody>
+          <a:bodyPr/>
+          <a:lstStyle/>
+          <a:p>
+            <a:r>
+              <a:rPr lang="ja-JP" altLang="en-US">
+                <a:solidFill>
+                  <a:schemeClr val="accent5">
+                    <a:lumMod val="50000"/>
+                  </a:schemeClr>
+                </a:solidFill>
+                <a:latin typeface="Hiragino Maru Gothic Pro W4" panose="020F0400000000000000" pitchFamily="34" charset="-128"/>
+                <a:ea typeface="Hiragino Maru Gothic Pro W4" panose="020F0400000000000000" pitchFamily="34" charset="-128"/>
+              </a:rPr>
+              <a:t>組織変更するための段取り</a:t>
+            </a:r>
+            <a:endParaRPr kumimoji="1" lang="ja-JP" altLang="en-US">
+              <a:solidFill>
+                <a:schemeClr val="accent5">
+                  <a:lumMod val="50000"/>
+                </a:schemeClr>
+              </a:solidFill>
+              <a:latin typeface="Hiragino Maru Gothic Pro W4" panose="020F0400000000000000" pitchFamily="34" charset="-128"/>
+              <a:ea typeface="Hiragino Maru Gothic Pro W4" panose="020F0400000000000000" pitchFamily="34" charset="-128"/>
+            </a:endParaRPr>
+          </a:p>
+        </p:txBody>
+      </p:sp>
+      <p:sp>
+        <p:nvSpPr>
+          <p:cNvPr id="3" name="コンテンツ プレースホルダー 2">
+            <a:extLst>
+              <a:ext uri="{FF2B5EF4-FFF2-40B4-BE49-F238E27FC236}">
+                <a16:creationId xmlns:a16="http://schemas.microsoft.com/office/drawing/2014/main" id="{01E773B8-156E-4743-8E4A-3ED5FB7CC4E2}"/>
+              </a:ext>
+            </a:extLst>
+          </p:cNvPr>
+          <p:cNvSpPr>
+            <a:spLocks noGrp="1"/>
+          </p:cNvSpPr>
+          <p:nvPr>
+            <p:ph idx="1"/>
+          </p:nvPr>
+        </p:nvSpPr>
+        <p:spPr>
+          <a:xfrm>
+            <a:off x="838200" y="1588575"/>
+            <a:ext cx="10515600" cy="4588387"/>
+          </a:xfrm>
+        </p:spPr>
+        <p:txBody>
+          <a:bodyPr>
+            <a:normAutofit/>
+          </a:bodyPr>
+          <a:lstStyle/>
+          <a:p>
+            <a:pPr marL="560070" indent="-514350">
+              <a:buFont typeface="+mj-lt"/>
+              <a:buAutoNum type="arabicPeriod"/>
+            </a:pPr>
+            <a:r>
+              <a:rPr lang="ja-JP" altLang="en-US">
+                <a:solidFill>
+                  <a:schemeClr val="accent5">
+                    <a:lumMod val="50000"/>
+                  </a:schemeClr>
+                </a:solidFill>
+                <a:latin typeface="Hiragino Maru Gothic Pro W4" panose="020F0400000000000000" pitchFamily="34" charset="-128"/>
+                <a:ea typeface="Hiragino Maru Gothic Pro W4" panose="020F0400000000000000" pitchFamily="34" charset="-128"/>
+              </a:rPr>
+              <a:t>まほらま側の</a:t>
+            </a:r>
+            <a:r>
+              <a:rPr lang="en-US" altLang="ja-JP" dirty="0">
+                <a:solidFill>
+                  <a:schemeClr val="accent5">
+                    <a:lumMod val="50000"/>
+                  </a:schemeClr>
+                </a:solidFill>
+                <a:latin typeface="Hiragino Maru Gothic Pro W4" panose="020F0400000000000000" pitchFamily="34" charset="-128"/>
+                <a:ea typeface="Hiragino Maru Gothic Pro W4" panose="020F0400000000000000" pitchFamily="34" charset="-128"/>
+              </a:rPr>
+              <a:t>GO</a:t>
+            </a:r>
+            <a:r>
+              <a:rPr lang="ja-JP" altLang="en-US">
+                <a:solidFill>
+                  <a:schemeClr val="accent5">
+                    <a:lumMod val="50000"/>
+                  </a:schemeClr>
+                </a:solidFill>
+                <a:latin typeface="Hiragino Maru Gothic Pro W4" panose="020F0400000000000000" pitchFamily="34" charset="-128"/>
+                <a:ea typeface="Hiragino Maru Gothic Pro W4" panose="020F0400000000000000" pitchFamily="34" charset="-128"/>
+              </a:rPr>
+              <a:t>サイン</a:t>
+            </a:r>
+            <a:endParaRPr lang="en-US" altLang="ja-JP" dirty="0">
+              <a:solidFill>
+                <a:schemeClr val="accent5">
+                  <a:lumMod val="50000"/>
+                </a:schemeClr>
+              </a:solidFill>
+              <a:latin typeface="Hiragino Maru Gothic Pro W4" panose="020F0400000000000000" pitchFamily="34" charset="-128"/>
+              <a:ea typeface="Hiragino Maru Gothic Pro W4" panose="020F0400000000000000" pitchFamily="34" charset="-128"/>
+            </a:endParaRPr>
+          </a:p>
+          <a:p>
+            <a:pPr marL="560070" indent="-514350">
+              <a:buFont typeface="+mj-lt"/>
+              <a:buAutoNum type="arabicPeriod"/>
+            </a:pPr>
+            <a:r>
+              <a:rPr lang="ja-JP" altLang="en-US">
+                <a:solidFill>
+                  <a:schemeClr val="accent5">
+                    <a:lumMod val="50000"/>
+                  </a:schemeClr>
+                </a:solidFill>
+                <a:latin typeface="Hiragino Maru Gothic Pro W4" panose="020F0400000000000000" pitchFamily="34" charset="-128"/>
+                <a:ea typeface="Hiragino Maru Gothic Pro W4" panose="020F0400000000000000" pitchFamily="34" charset="-128"/>
+              </a:rPr>
+              <a:t>東方側の</a:t>
+            </a:r>
+            <a:r>
+              <a:rPr lang="en-US" altLang="ja-JP" dirty="0">
+                <a:solidFill>
+                  <a:schemeClr val="accent5">
+                    <a:lumMod val="50000"/>
+                  </a:schemeClr>
+                </a:solidFill>
+                <a:latin typeface="Hiragino Maru Gothic Pro W4" panose="020F0400000000000000" pitchFamily="34" charset="-128"/>
+                <a:ea typeface="Hiragino Maru Gothic Pro W4" panose="020F0400000000000000" pitchFamily="34" charset="-128"/>
+              </a:rPr>
+              <a:t>GO</a:t>
+            </a:r>
+            <a:r>
+              <a:rPr lang="ja-JP" altLang="en-US">
+                <a:solidFill>
+                  <a:schemeClr val="accent5">
+                    <a:lumMod val="50000"/>
+                  </a:schemeClr>
+                </a:solidFill>
+                <a:latin typeface="Hiragino Maru Gothic Pro W4" panose="020F0400000000000000" pitchFamily="34" charset="-128"/>
+                <a:ea typeface="Hiragino Maru Gothic Pro W4" panose="020F0400000000000000" pitchFamily="34" charset="-128"/>
+              </a:rPr>
+              <a:t>サイン</a:t>
+            </a:r>
+            <a:endParaRPr lang="en-US" altLang="ja-JP" dirty="0">
+              <a:solidFill>
+                <a:schemeClr val="accent5">
+                  <a:lumMod val="50000"/>
+                </a:schemeClr>
+              </a:solidFill>
+              <a:latin typeface="Hiragino Maru Gothic Pro W4" panose="020F0400000000000000" pitchFamily="34" charset="-128"/>
+              <a:ea typeface="Hiragino Maru Gothic Pro W4" panose="020F0400000000000000" pitchFamily="34" charset="-128"/>
+            </a:endParaRPr>
+          </a:p>
+          <a:p>
+            <a:pPr marL="560070" indent="-514350">
+              <a:buFont typeface="+mj-lt"/>
+              <a:buAutoNum type="arabicPeriod"/>
+            </a:pPr>
+            <a:r>
+              <a:rPr lang="ja-JP" altLang="en-US">
+                <a:solidFill>
+                  <a:schemeClr val="accent5">
+                    <a:lumMod val="50000"/>
+                  </a:schemeClr>
+                </a:solidFill>
+                <a:latin typeface="Hiragino Maru Gothic Pro W4" panose="020F0400000000000000" pitchFamily="34" charset="-128"/>
+                <a:ea typeface="Hiragino Maru Gothic Pro W4" panose="020F0400000000000000" pitchFamily="34" charset="-128"/>
+              </a:rPr>
+              <a:t>２つの新クランのリーダーをそれぞれ決める</a:t>
+            </a:r>
+            <a:endParaRPr lang="en-US" altLang="ja-JP" dirty="0">
+              <a:solidFill>
+                <a:schemeClr val="accent5">
+                  <a:lumMod val="50000"/>
+                </a:schemeClr>
+              </a:solidFill>
+              <a:latin typeface="Hiragino Maru Gothic Pro W4" panose="020F0400000000000000" pitchFamily="34" charset="-128"/>
+              <a:ea typeface="Hiragino Maru Gothic Pro W4" panose="020F0400000000000000" pitchFamily="34" charset="-128"/>
+            </a:endParaRPr>
+          </a:p>
+          <a:p>
+            <a:pPr marL="560070" indent="-514350">
+              <a:buFont typeface="+mj-lt"/>
+              <a:buAutoNum type="arabicPeriod"/>
+            </a:pPr>
+            <a:r>
+              <a:rPr lang="ja-JP" altLang="en-US">
+                <a:solidFill>
+                  <a:schemeClr val="accent5">
+                    <a:lumMod val="50000"/>
+                  </a:schemeClr>
+                </a:solidFill>
+                <a:latin typeface="Hiragino Maru Gothic Pro W4" panose="020F0400000000000000" pitchFamily="34" charset="-128"/>
+                <a:ea typeface="Hiragino Maru Gothic Pro W4" panose="020F0400000000000000" pitchFamily="34" charset="-128"/>
+              </a:rPr>
+              <a:t>２つの新クランの方針を明確する</a:t>
+            </a:r>
+            <a:endParaRPr lang="en-US" altLang="ja-JP" sz="2000" dirty="0">
+              <a:solidFill>
+                <a:schemeClr val="accent5">
+                  <a:lumMod val="50000"/>
+                </a:schemeClr>
+              </a:solidFill>
+              <a:latin typeface="Hiragino Maru Gothic Pro W4" panose="020F0400000000000000" pitchFamily="34" charset="-128"/>
+              <a:ea typeface="Hiragino Maru Gothic Pro W4" panose="020F0400000000000000" pitchFamily="34" charset="-128"/>
+            </a:endParaRPr>
+          </a:p>
+          <a:p>
+            <a:pPr marL="560070" indent="-514350">
+              <a:buFont typeface="+mj-lt"/>
+              <a:buAutoNum type="arabicPeriod"/>
+            </a:pPr>
+            <a:r>
+              <a:rPr lang="ja-JP" altLang="en-US">
+                <a:solidFill>
+                  <a:schemeClr val="accent5">
+                    <a:lumMod val="50000"/>
+                  </a:schemeClr>
+                </a:solidFill>
+                <a:latin typeface="Hiragino Maru Gothic Pro W4" panose="020F0400000000000000" pitchFamily="34" charset="-128"/>
+                <a:ea typeface="Hiragino Maru Gothic Pro W4" panose="020F0400000000000000" pitchFamily="34" charset="-128"/>
+              </a:rPr>
+              <a:t>具体的な移行計画を立てる</a:t>
+            </a:r>
+            <a:endParaRPr lang="en-US" altLang="ja-JP" dirty="0">
+              <a:solidFill>
+                <a:schemeClr val="accent5">
+                  <a:lumMod val="50000"/>
+                </a:schemeClr>
+              </a:solidFill>
+              <a:latin typeface="Hiragino Maru Gothic Pro W4" panose="020F0400000000000000" pitchFamily="34" charset="-128"/>
+              <a:ea typeface="Hiragino Maru Gothic Pro W4" panose="020F0400000000000000" pitchFamily="34" charset="-128"/>
+            </a:endParaRPr>
+          </a:p>
+          <a:p>
+            <a:pPr marL="560070" indent="-514350">
+              <a:buFont typeface="+mj-lt"/>
+              <a:buAutoNum type="arabicPeriod"/>
+            </a:pPr>
+            <a:r>
+              <a:rPr lang="ja-JP" altLang="en-US">
+                <a:solidFill>
+                  <a:schemeClr val="accent5">
+                    <a:lumMod val="50000"/>
+                  </a:schemeClr>
+                </a:solidFill>
+                <a:latin typeface="Hiragino Maru Gothic Pro W4" panose="020F0400000000000000" pitchFamily="34" charset="-128"/>
+                <a:ea typeface="Hiragino Maru Gothic Pro W4" panose="020F0400000000000000" pitchFamily="34" charset="-128"/>
+              </a:rPr>
+              <a:t>まほらまメンバー、東方メンバーへの展開</a:t>
+            </a:r>
+            <a:endParaRPr lang="en-US" altLang="ja-JP" dirty="0">
+              <a:solidFill>
+                <a:schemeClr val="accent5">
+                  <a:lumMod val="50000"/>
+                </a:schemeClr>
+              </a:solidFill>
+              <a:latin typeface="Hiragino Maru Gothic Pro W4" panose="020F0400000000000000" pitchFamily="34" charset="-128"/>
+              <a:ea typeface="Hiragino Maru Gothic Pro W4" panose="020F0400000000000000" pitchFamily="34" charset="-128"/>
+            </a:endParaRPr>
+          </a:p>
+          <a:p>
+            <a:pPr marL="560070" indent="-514350">
+              <a:buFont typeface="+mj-lt"/>
+              <a:buAutoNum type="arabicPeriod"/>
+            </a:pPr>
+            <a:r>
+              <a:rPr lang="ja-JP" altLang="en-US">
+                <a:solidFill>
+                  <a:schemeClr val="accent5">
+                    <a:lumMod val="50000"/>
+                  </a:schemeClr>
+                </a:solidFill>
+                <a:latin typeface="Hiragino Maru Gothic Pro W4" panose="020F0400000000000000" pitchFamily="34" charset="-128"/>
+                <a:ea typeface="Hiragino Maru Gothic Pro W4" panose="020F0400000000000000" pitchFamily="34" charset="-128"/>
+              </a:rPr>
+              <a:t>組織変更実施</a:t>
+            </a:r>
+            <a:r>
+              <a:rPr lang="en-US" altLang="ja-JP" sz="2000" dirty="0">
+                <a:solidFill>
+                  <a:schemeClr val="accent5">
+                    <a:lumMod val="50000"/>
+                  </a:schemeClr>
+                </a:solidFill>
+                <a:latin typeface="Hiragino Maru Gothic Pro W4" panose="020F0400000000000000" pitchFamily="34" charset="-128"/>
+                <a:ea typeface="Hiragino Maru Gothic Pro W4" panose="020F0400000000000000" pitchFamily="34" charset="-128"/>
+              </a:rPr>
+              <a:t> (2021</a:t>
+            </a:r>
+            <a:r>
+              <a:rPr lang="ja-JP" altLang="en-US" sz="2000">
+                <a:solidFill>
+                  <a:schemeClr val="accent5">
+                    <a:lumMod val="50000"/>
+                  </a:schemeClr>
+                </a:solidFill>
+                <a:latin typeface="Hiragino Maru Gothic Pro W4" panose="020F0400000000000000" pitchFamily="34" charset="-128"/>
+                <a:ea typeface="Hiragino Maru Gothic Pro W4" panose="020F0400000000000000" pitchFamily="34" charset="-128"/>
+              </a:rPr>
+              <a:t>年</a:t>
+            </a:r>
+            <a:r>
+              <a:rPr lang="en-US" altLang="ja-JP" sz="2000" dirty="0">
+                <a:solidFill>
+                  <a:schemeClr val="accent5">
+                    <a:lumMod val="50000"/>
+                  </a:schemeClr>
+                </a:solidFill>
+                <a:latin typeface="Hiragino Maru Gothic Pro W4" panose="020F0400000000000000" pitchFamily="34" charset="-128"/>
+                <a:ea typeface="Hiragino Maru Gothic Pro W4" panose="020F0400000000000000" pitchFamily="34" charset="-128"/>
+              </a:rPr>
+              <a:t>5</a:t>
+            </a:r>
+            <a:r>
+              <a:rPr lang="ja-JP" altLang="en-US" sz="2000">
+                <a:solidFill>
+                  <a:schemeClr val="accent5">
+                    <a:lumMod val="50000"/>
+                  </a:schemeClr>
+                </a:solidFill>
+                <a:latin typeface="Hiragino Maru Gothic Pro W4" panose="020F0400000000000000" pitchFamily="34" charset="-128"/>
+                <a:ea typeface="Hiragino Maru Gothic Pro W4" panose="020F0400000000000000" pitchFamily="34" charset="-128"/>
+              </a:rPr>
+              <a:t>月頃からゆるりと予定</a:t>
+            </a:r>
+            <a:r>
+              <a:rPr lang="en-US" altLang="ja-JP" sz="2000" dirty="0">
+                <a:solidFill>
+                  <a:schemeClr val="accent5">
+                    <a:lumMod val="50000"/>
+                  </a:schemeClr>
+                </a:solidFill>
+                <a:latin typeface="Hiragino Maru Gothic Pro W4" panose="020F0400000000000000" pitchFamily="34" charset="-128"/>
+                <a:ea typeface="Hiragino Maru Gothic Pro W4" panose="020F0400000000000000" pitchFamily="34" charset="-128"/>
+              </a:rPr>
+              <a:t>)</a:t>
+            </a:r>
+          </a:p>
+          <a:p>
+            <a:pPr marL="560070" indent="-514350">
+              <a:buFont typeface="+mj-lt"/>
+              <a:buAutoNum type="arabicPeriod"/>
+            </a:pPr>
+            <a:endParaRPr lang="en-US" altLang="ja-JP" dirty="0">
+              <a:solidFill>
+                <a:schemeClr val="accent5">
+                  <a:lumMod val="50000"/>
+                </a:schemeClr>
+              </a:solidFill>
+              <a:latin typeface="Hiragino Maru Gothic Pro W4" panose="020F0400000000000000" pitchFamily="34" charset="-128"/>
+              <a:ea typeface="Hiragino Maru Gothic Pro W4" panose="020F0400000000000000" pitchFamily="34" charset="-128"/>
+            </a:endParaRPr>
+          </a:p>
+          <a:p>
+            <a:pPr marL="502920" indent="-457200"/>
+            <a:endParaRPr lang="en-US" altLang="ja-JP" dirty="0">
+              <a:solidFill>
+                <a:schemeClr val="accent5">
+                  <a:lumMod val="50000"/>
+                </a:schemeClr>
+              </a:solidFill>
+              <a:latin typeface="Hiragino Maru Gothic Pro W4" panose="020F0400000000000000" pitchFamily="34" charset="-128"/>
+              <a:ea typeface="Hiragino Maru Gothic Pro W4" panose="020F0400000000000000" pitchFamily="34" charset="-128"/>
+            </a:endParaRPr>
+          </a:p>
+          <a:p>
+            <a:pPr marL="502920" indent="-457200"/>
+            <a:endParaRPr lang="en-US" altLang="ja-JP" dirty="0">
+              <a:solidFill>
+                <a:schemeClr val="accent5">
+                  <a:lumMod val="50000"/>
+                </a:schemeClr>
+              </a:solidFill>
+              <a:latin typeface="Hiragino Maru Gothic Pro W4" panose="020F0400000000000000" pitchFamily="34" charset="-128"/>
+              <a:ea typeface="Hiragino Maru Gothic Pro W4" panose="020F0400000000000000" pitchFamily="34" charset="-128"/>
+            </a:endParaRPr>
+          </a:p>
+        </p:txBody>
+      </p:sp>
+      <p:sp>
+        <p:nvSpPr>
+          <p:cNvPr id="4" name="スライド番号プレースホルダー 3">
+            <a:extLst>
+              <a:ext uri="{FF2B5EF4-FFF2-40B4-BE49-F238E27FC236}">
+                <a16:creationId xmlns:a16="http://schemas.microsoft.com/office/drawing/2014/main" id="{34C04C8D-49C3-874E-864D-A6289CA1E427}"/>
+              </a:ext>
+            </a:extLst>
+          </p:cNvPr>
+          <p:cNvSpPr>
+            <a:spLocks noGrp="1"/>
+          </p:cNvSpPr>
+          <p:nvPr>
+            <p:ph type="sldNum" sz="quarter" idx="12"/>
+          </p:nvPr>
+        </p:nvSpPr>
+        <p:spPr/>
+        <p:txBody>
+          <a:bodyPr/>
+          <a:lstStyle/>
+          <a:p>
+            <a:pPr rtl="0"/>
+            <a:fld id="{E31375A4-56A4-47D6-9801-1991572033F7}" type="slidenum">
+              <a:rPr lang="en-US" altLang="ja-JP" noProof="0" smtClean="0">
+                <a:solidFill>
+                  <a:schemeClr val="accent5">
+                    <a:lumMod val="50000"/>
+                  </a:schemeClr>
+                </a:solidFill>
+                <a:latin typeface="Hiragino Maru Gothic Pro W4" panose="020F0400000000000000" pitchFamily="34" charset="-128"/>
+                <a:ea typeface="Hiragino Maru Gothic Pro W4" panose="020F0400000000000000" pitchFamily="34" charset="-128"/>
+              </a:rPr>
+              <a:t>15</a:t>
+            </a:fld>
+            <a:endParaRPr lang="ja-JP" altLang="en-US" noProof="0" dirty="0">
+              <a:solidFill>
+                <a:schemeClr val="accent5">
+                  <a:lumMod val="50000"/>
+                </a:schemeClr>
+              </a:solidFill>
+              <a:latin typeface="Hiragino Maru Gothic Pro W4" panose="020F0400000000000000" pitchFamily="34" charset="-128"/>
+              <a:ea typeface="Hiragino Maru Gothic Pro W4" panose="020F0400000000000000" pitchFamily="34" charset="-128"/>
+            </a:endParaRPr>
+          </a:p>
+        </p:txBody>
+      </p:sp>
+    </p:spTree>
+    <p:extLst>
+      <p:ext uri="{BB962C8B-B14F-4D97-AF65-F5344CB8AC3E}">
+        <p14:creationId xmlns:p14="http://schemas.microsoft.com/office/powerpoint/2010/main" val="1376868928"/>
+      </p:ext>
+    </p:extLst>
+  </p:cSld>
+  <p:clrMapOvr>
+    <a:masterClrMapping/>
+  </p:clrMapOvr>
+  <mc:AlternateContent xmlns:mc="http://schemas.openxmlformats.org/markup-compatibility/2006" xmlns:p14="http://schemas.microsoft.com/office/powerpoint/2010/main">
+    <mc:Choice Requires="p14">
+      <p:transition spd="med" p14:dur="700">
+        <p:fade/>
+      </p:transition>
+    </mc:Choice>
+    <mc:Fallback xmlns="">
+      <p:transition spd="med">
+        <p:fade/>
+      </p:transition>
+    </mc:Fallback>
+  </mc:AlternateContent>
+</p:sld>
+</file>
+
+<file path=ppt/slides/slide2.xml><?xml version="1.0" encoding="utf-8"?>
+<p:sld xmlns:a="http://schemas.openxmlformats.org/drawingml/2006/main" xmlns:r="http://schemas.openxmlformats.org/officeDocument/2006/relationships" xmlns:p="http://schemas.openxmlformats.org/presentationml/2006/main">
+  <p:cSld>
+    <p:spTree>
+      <p:nvGrpSpPr>
+        <p:cNvPr id="1" name=""/>
+        <p:cNvGrpSpPr/>
+        <p:nvPr/>
+      </p:nvGrpSpPr>
+      <p:grpSpPr>
+        <a:xfrm>
+          <a:off x="0" y="0"/>
+          <a:ext cx="0" cy="0"/>
+          <a:chOff x="0" y="0"/>
+          <a:chExt cx="0" cy="0"/>
+        </a:xfrm>
+      </p:grpSpPr>
+      <p:pic>
+        <p:nvPicPr>
+          <p:cNvPr id="6" name="図 5" descr="飛ぶ, 飛行機, 空気, ブルー が含まれている画像&#10;&#10;自動的に生成された説明">
+            <a:extLst>
+              <a:ext uri="{FF2B5EF4-FFF2-40B4-BE49-F238E27FC236}">
+                <a16:creationId xmlns:a16="http://schemas.microsoft.com/office/drawing/2014/main" id="{BC6240F3-D8A2-5D4D-919D-02303D97C350}"/>
+              </a:ext>
+            </a:extLst>
+          </p:cNvPr>
+          <p:cNvPicPr>
+            <a:picLocks noChangeAspect="1"/>
+          </p:cNvPicPr>
+          <p:nvPr/>
+        </p:nvPicPr>
+        <p:blipFill>
+          <a:blip r:embed="rId2">
+            <a:extLst>
+              <a:ext uri="{28A0092B-C50C-407E-A947-70E740481C1C}">
+                <a14:useLocalDpi xmlns:a14="http://schemas.microsoft.com/office/drawing/2010/main" val="0"/>
+              </a:ext>
+            </a:extLst>
+          </a:blip>
+          <a:stretch>
+            <a:fillRect/>
+          </a:stretch>
+        </p:blipFill>
+        <p:spPr>
+          <a:xfrm>
+            <a:off x="7304518" y="1184660"/>
+            <a:ext cx="4338844" cy="2546271"/>
+          </a:xfrm>
+          <a:prstGeom prst="rect">
+            <a:avLst/>
+          </a:prstGeom>
+          <a:ln>
+            <a:noFill/>
+          </a:ln>
+          <a:effectLst>
+            <a:softEdge rad="112500"/>
+          </a:effectLst>
+        </p:spPr>
+      </p:pic>
+      <p:sp>
+        <p:nvSpPr>
+          <p:cNvPr id="2" name="タイトル 1">
+            <a:extLst>
+              <a:ext uri="{FF2B5EF4-FFF2-40B4-BE49-F238E27FC236}">
+                <a16:creationId xmlns:a16="http://schemas.microsoft.com/office/drawing/2014/main" id="{4BEF2D4F-28AD-C84D-A4AC-A607D5B45D24}"/>
+              </a:ext>
+            </a:extLst>
+          </p:cNvPr>
+          <p:cNvSpPr>
+            <a:spLocks noGrp="1"/>
+          </p:cNvSpPr>
+          <p:nvPr>
+            <p:ph type="title"/>
+          </p:nvPr>
+        </p:nvSpPr>
+        <p:spPr>
+          <a:xfrm>
+            <a:off x="838200" y="391251"/>
+            <a:ext cx="10515600" cy="1325563"/>
+          </a:xfrm>
+        </p:spPr>
+        <p:txBody>
+          <a:bodyPr/>
+          <a:lstStyle/>
+          <a:p>
+            <a:r>
+              <a:rPr lang="en-US" altLang="ja-JP" dirty="0">
+                <a:solidFill>
+                  <a:schemeClr val="accent5">
+                    <a:lumMod val="50000"/>
+                  </a:schemeClr>
+                </a:solidFill>
+                <a:latin typeface="Hiragino Maru Gothic Pro W4" panose="020F0400000000000000" pitchFamily="34" charset="-128"/>
+                <a:ea typeface="Hiragino Maru Gothic Pro W4" panose="020F0400000000000000" pitchFamily="34" charset="-128"/>
+              </a:rPr>
+              <a:t>TOMARIGI </a:t>
+            </a:r>
+            <a:r>
+              <a:rPr lang="ja-JP" altLang="en-US">
+                <a:solidFill>
+                  <a:schemeClr val="accent5">
+                    <a:lumMod val="50000"/>
+                  </a:schemeClr>
+                </a:solidFill>
+                <a:latin typeface="Hiragino Maru Gothic Pro W4" panose="020F0400000000000000" pitchFamily="34" charset="-128"/>
+                <a:ea typeface="Hiragino Maru Gothic Pro W4" panose="020F0400000000000000" pitchFamily="34" charset="-128"/>
+              </a:rPr>
+              <a:t>全体について</a:t>
+            </a:r>
+            <a:endParaRPr kumimoji="1" lang="ja-JP" altLang="en-US">
+              <a:solidFill>
+                <a:schemeClr val="accent5">
+                  <a:lumMod val="50000"/>
+                </a:schemeClr>
+              </a:solidFill>
+              <a:latin typeface="Hiragino Maru Gothic Pro W4" panose="020F0400000000000000" pitchFamily="34" charset="-128"/>
+              <a:ea typeface="Hiragino Maru Gothic Pro W4" panose="020F0400000000000000" pitchFamily="34" charset="-128"/>
+            </a:endParaRPr>
+          </a:p>
+        </p:txBody>
+      </p:sp>
+      <p:sp>
+        <p:nvSpPr>
+          <p:cNvPr id="3" name="コンテンツ プレースホルダー 2">
+            <a:extLst>
+              <a:ext uri="{FF2B5EF4-FFF2-40B4-BE49-F238E27FC236}">
+                <a16:creationId xmlns:a16="http://schemas.microsoft.com/office/drawing/2014/main" id="{01E773B8-156E-4743-8E4A-3ED5FB7CC4E2}"/>
+              </a:ext>
+            </a:extLst>
+          </p:cNvPr>
+          <p:cNvSpPr>
+            <a:spLocks noGrp="1"/>
+          </p:cNvSpPr>
+          <p:nvPr>
+            <p:ph idx="1"/>
+          </p:nvPr>
+        </p:nvSpPr>
+        <p:spPr>
+          <a:xfrm>
+            <a:off x="838200" y="1588575"/>
+            <a:ext cx="10515600" cy="4588387"/>
+          </a:xfrm>
+        </p:spPr>
+        <p:txBody>
+          <a:bodyPr>
+            <a:normAutofit/>
+          </a:bodyPr>
+          <a:lstStyle/>
+          <a:p>
+            <a:pPr marL="45720" indent="0">
+              <a:buNone/>
+            </a:pPr>
+            <a:r>
+              <a:rPr lang="ja-JP" altLang="en-US">
+                <a:solidFill>
+                  <a:schemeClr val="accent5">
+                    <a:lumMod val="50000"/>
+                  </a:schemeClr>
+                </a:solidFill>
+                <a:latin typeface="Hiragino Maru Gothic Pro W4" panose="020F0400000000000000" pitchFamily="34" charset="-128"/>
+                <a:ea typeface="Hiragino Maru Gothic Pro W4" panose="020F0400000000000000" pitchFamily="34" charset="-128"/>
+              </a:rPr>
+              <a:t>名前の由来は「とまり木」です。</a:t>
+            </a:r>
+            <a:endParaRPr lang="en-US" altLang="ja-JP" dirty="0">
+              <a:solidFill>
+                <a:schemeClr val="accent5">
+                  <a:lumMod val="50000"/>
+                </a:schemeClr>
+              </a:solidFill>
+              <a:latin typeface="Hiragino Maru Gothic Pro W4" panose="020F0400000000000000" pitchFamily="34" charset="-128"/>
+              <a:ea typeface="Hiragino Maru Gothic Pro W4" panose="020F0400000000000000" pitchFamily="34" charset="-128"/>
+            </a:endParaRPr>
+          </a:p>
+          <a:p>
+            <a:pPr marL="45720" indent="0">
+              <a:buNone/>
+            </a:pPr>
+            <a:r>
+              <a:rPr lang="ja-JP" altLang="en-US">
+                <a:solidFill>
+                  <a:schemeClr val="accent5">
+                    <a:lumMod val="50000"/>
+                  </a:schemeClr>
+                </a:solidFill>
+                <a:latin typeface="Hiragino Maru Gothic Pro W4" panose="020F0400000000000000" pitchFamily="34" charset="-128"/>
+                <a:ea typeface="Hiragino Maru Gothic Pro W4" panose="020F0400000000000000" pitchFamily="34" charset="-128"/>
+              </a:rPr>
+              <a:t>クランメンバーの皆さんを鳥に例えて</a:t>
+            </a:r>
+            <a:br>
+              <a:rPr lang="en-US" altLang="ja-JP" dirty="0">
+                <a:solidFill>
+                  <a:schemeClr val="accent5">
+                    <a:lumMod val="50000"/>
+                  </a:schemeClr>
+                </a:solidFill>
+                <a:latin typeface="Hiragino Maru Gothic Pro W4" panose="020F0400000000000000" pitchFamily="34" charset="-128"/>
+                <a:ea typeface="Hiragino Maru Gothic Pro W4" panose="020F0400000000000000" pitchFamily="34" charset="-128"/>
+              </a:rPr>
+            </a:br>
+            <a:r>
+              <a:rPr lang="ja-JP" altLang="en-US">
+                <a:solidFill>
+                  <a:schemeClr val="accent5">
+                    <a:lumMod val="50000"/>
+                  </a:schemeClr>
+                </a:solidFill>
+                <a:latin typeface="Hiragino Maru Gothic Pro W4" panose="020F0400000000000000" pitchFamily="34" charset="-128"/>
+                <a:ea typeface="Hiragino Maru Gothic Pro W4" panose="020F0400000000000000" pitchFamily="34" charset="-128"/>
+              </a:rPr>
+              <a:t>しっかりと活動できる環境を与えられる</a:t>
+            </a:r>
+            <a:br>
+              <a:rPr lang="en-US" altLang="ja-JP" dirty="0">
+                <a:solidFill>
+                  <a:schemeClr val="accent5">
+                    <a:lumMod val="50000"/>
+                  </a:schemeClr>
+                </a:solidFill>
+                <a:latin typeface="Hiragino Maru Gothic Pro W4" panose="020F0400000000000000" pitchFamily="34" charset="-128"/>
+                <a:ea typeface="Hiragino Maru Gothic Pro W4" panose="020F0400000000000000" pitchFamily="34" charset="-128"/>
+              </a:rPr>
+            </a:br>
+            <a:r>
+              <a:rPr lang="ja-JP" altLang="en-US">
+                <a:solidFill>
+                  <a:schemeClr val="accent5">
+                    <a:lumMod val="50000"/>
+                  </a:schemeClr>
+                </a:solidFill>
+                <a:latin typeface="Hiragino Maru Gothic Pro W4" panose="020F0400000000000000" pitchFamily="34" charset="-128"/>
+                <a:ea typeface="Hiragino Maru Gothic Pro W4" panose="020F0400000000000000" pitchFamily="34" charset="-128"/>
+              </a:rPr>
+              <a:t>クランを目指していきます。</a:t>
+            </a:r>
+            <a:br>
+              <a:rPr lang="en-US" altLang="ja-JP" dirty="0">
+                <a:solidFill>
+                  <a:schemeClr val="accent5">
+                    <a:lumMod val="50000"/>
+                  </a:schemeClr>
+                </a:solidFill>
+                <a:latin typeface="Hiragino Maru Gothic Pro W4" panose="020F0400000000000000" pitchFamily="34" charset="-128"/>
+                <a:ea typeface="Hiragino Maru Gothic Pro W4" panose="020F0400000000000000" pitchFamily="34" charset="-128"/>
+              </a:rPr>
+            </a:br>
+            <a:endParaRPr lang="en-US" altLang="ja-JP" dirty="0">
+              <a:solidFill>
+                <a:schemeClr val="accent5">
+                  <a:lumMod val="50000"/>
+                </a:schemeClr>
+              </a:solidFill>
+              <a:latin typeface="Hiragino Maru Gothic Pro W4" panose="020F0400000000000000" pitchFamily="34" charset="-128"/>
+              <a:ea typeface="Hiragino Maru Gothic Pro W4" panose="020F0400000000000000" pitchFamily="34" charset="-128"/>
+            </a:endParaRPr>
+          </a:p>
+          <a:p>
+            <a:pPr marL="502920" indent="-457200"/>
+            <a:r>
+              <a:rPr lang="ja-JP" altLang="en-US">
+                <a:solidFill>
+                  <a:schemeClr val="accent5">
+                    <a:lumMod val="50000"/>
+                  </a:schemeClr>
+                </a:solidFill>
+                <a:latin typeface="Hiragino Maru Gothic Pro W4" panose="020F0400000000000000" pitchFamily="34" charset="-128"/>
+                <a:ea typeface="Hiragino Maru Gothic Pro W4" panose="020F0400000000000000" pitchFamily="34" charset="-128"/>
+              </a:rPr>
+              <a:t>リーダー：</a:t>
+            </a:r>
+            <a:r>
+              <a:rPr lang="en-US" altLang="ja-JP" dirty="0" err="1">
+                <a:solidFill>
+                  <a:schemeClr val="accent5">
+                    <a:lumMod val="50000"/>
+                  </a:schemeClr>
+                </a:solidFill>
+                <a:latin typeface="Hiragino Maru Gothic Pro W4" panose="020F0400000000000000" pitchFamily="34" charset="-128"/>
+                <a:ea typeface="Hiragino Maru Gothic Pro W4" panose="020F0400000000000000" pitchFamily="34" charset="-128"/>
+              </a:rPr>
+              <a:t>bigtree</a:t>
+            </a:r>
+            <a:endParaRPr lang="en-US" altLang="ja-JP" dirty="0">
+              <a:solidFill>
+                <a:schemeClr val="accent5">
+                  <a:lumMod val="50000"/>
+                </a:schemeClr>
+              </a:solidFill>
+              <a:latin typeface="Hiragino Maru Gothic Pro W4" panose="020F0400000000000000" pitchFamily="34" charset="-128"/>
+              <a:ea typeface="Hiragino Maru Gothic Pro W4" panose="020F0400000000000000" pitchFamily="34" charset="-128"/>
+            </a:endParaRPr>
+          </a:p>
+          <a:p>
+            <a:pPr marL="502920" indent="-457200"/>
+            <a:r>
+              <a:rPr lang="ja-JP" altLang="en-US">
+                <a:solidFill>
+                  <a:schemeClr val="accent5">
+                    <a:lumMod val="50000"/>
+                  </a:schemeClr>
+                </a:solidFill>
+                <a:latin typeface="Hiragino Maru Gothic Pro W4" panose="020F0400000000000000" pitchFamily="34" charset="-128"/>
+                <a:ea typeface="Hiragino Maru Gothic Pro W4" panose="020F0400000000000000" pitchFamily="34" charset="-128"/>
+              </a:rPr>
+              <a:t>以下３つのクランで構成</a:t>
+            </a:r>
+            <a:endParaRPr lang="en-US" altLang="ja-JP" dirty="0">
+              <a:solidFill>
+                <a:schemeClr val="accent5">
+                  <a:lumMod val="50000"/>
+                </a:schemeClr>
+              </a:solidFill>
+              <a:latin typeface="Hiragino Maru Gothic Pro W4" panose="020F0400000000000000" pitchFamily="34" charset="-128"/>
+              <a:ea typeface="Hiragino Maru Gothic Pro W4" panose="020F0400000000000000" pitchFamily="34" charset="-128"/>
+            </a:endParaRPr>
+          </a:p>
+          <a:p>
+            <a:pPr marL="960120" lvl="1" indent="-457200">
+              <a:buFont typeface="Wingdings" pitchFamily="2" charset="2"/>
+              <a:buChar char="ü"/>
+            </a:pPr>
+            <a:r>
+              <a:rPr lang="ja-JP" altLang="en-US">
+                <a:solidFill>
+                  <a:schemeClr val="accent5">
+                    <a:lumMod val="50000"/>
+                  </a:schemeClr>
+                </a:solidFill>
+                <a:latin typeface="Hiragino Maru Gothic Pro W4" panose="020F0400000000000000" pitchFamily="34" charset="-128"/>
+                <a:ea typeface="Hiragino Maru Gothic Pro W4" panose="020F0400000000000000" pitchFamily="34" charset="-128"/>
+              </a:rPr>
+              <a:t>アクティブクラン「</a:t>
+            </a:r>
+            <a:r>
+              <a:rPr lang="en-US" altLang="ja-JP" dirty="0">
+                <a:solidFill>
+                  <a:schemeClr val="accent5">
+                    <a:lumMod val="50000"/>
+                  </a:schemeClr>
+                </a:solidFill>
+                <a:latin typeface="Hiragino Maru Gothic Pro W4" panose="020F0400000000000000" pitchFamily="34" charset="-128"/>
+                <a:ea typeface="Hiragino Maru Gothic Pro W4" panose="020F0400000000000000" pitchFamily="34" charset="-128"/>
+              </a:rPr>
+              <a:t>TOMARIGI</a:t>
+            </a:r>
+            <a:r>
+              <a:rPr lang="ja-JP" altLang="en-US">
+                <a:solidFill>
+                  <a:schemeClr val="accent5">
+                    <a:lumMod val="50000"/>
+                  </a:schemeClr>
+                </a:solidFill>
+                <a:latin typeface="Hiragino Maru Gothic Pro W4" panose="020F0400000000000000" pitchFamily="34" charset="-128"/>
+                <a:ea typeface="Hiragino Maru Gothic Pro W4" panose="020F0400000000000000" pitchFamily="34" charset="-128"/>
+              </a:rPr>
+              <a:t>」</a:t>
+            </a:r>
+            <a:endParaRPr lang="en-US" altLang="ja-JP" dirty="0">
+              <a:solidFill>
+                <a:schemeClr val="accent5">
+                  <a:lumMod val="50000"/>
+                </a:schemeClr>
+              </a:solidFill>
+              <a:latin typeface="Hiragino Maru Gothic Pro W4" panose="020F0400000000000000" pitchFamily="34" charset="-128"/>
+              <a:ea typeface="Hiragino Maru Gothic Pro W4" panose="020F0400000000000000" pitchFamily="34" charset="-128"/>
+            </a:endParaRPr>
+          </a:p>
+          <a:p>
+            <a:pPr marL="960120" lvl="1" indent="-457200">
+              <a:buFont typeface="Wingdings" pitchFamily="2" charset="2"/>
+              <a:buChar char="ü"/>
+            </a:pPr>
+            <a:r>
+              <a:rPr lang="ja-JP" altLang="en-US">
+                <a:solidFill>
+                  <a:schemeClr val="accent5">
+                    <a:lumMod val="50000"/>
+                  </a:schemeClr>
+                </a:solidFill>
+                <a:latin typeface="Hiragino Maru Gothic Pro W4" panose="020F0400000000000000" pitchFamily="34" charset="-128"/>
+                <a:ea typeface="Hiragino Maru Gothic Pro W4" panose="020F0400000000000000" pitchFamily="34" charset="-128"/>
+              </a:rPr>
+              <a:t>ファーミングクラン「まほらま</a:t>
+            </a:r>
+            <a:r>
+              <a:rPr lang="en-US" altLang="ja-JP" dirty="0">
+                <a:solidFill>
+                  <a:schemeClr val="accent5">
+                    <a:lumMod val="50000"/>
+                  </a:schemeClr>
+                </a:solidFill>
+                <a:latin typeface="Hiragino Maru Gothic Pro W4" panose="020F0400000000000000" pitchFamily="34" charset="-128"/>
+                <a:ea typeface="Hiragino Maru Gothic Pro W4" panose="020F0400000000000000" pitchFamily="34" charset="-128"/>
+              </a:rPr>
+              <a:t>〜</a:t>
+            </a:r>
+            <a:r>
+              <a:rPr lang="ja-JP" altLang="en-US">
+                <a:solidFill>
+                  <a:schemeClr val="accent5">
+                    <a:lumMod val="50000"/>
+                  </a:schemeClr>
+                </a:solidFill>
+                <a:latin typeface="Hiragino Maru Gothic Pro W4" panose="020F0400000000000000" pitchFamily="34" charset="-128"/>
+                <a:ea typeface="Hiragino Maru Gothic Pro W4" panose="020F0400000000000000" pitchFamily="34" charset="-128"/>
+              </a:rPr>
+              <a:t>摩天楼</a:t>
+            </a:r>
+            <a:r>
+              <a:rPr lang="en-US" altLang="ja-JP" dirty="0">
+                <a:solidFill>
+                  <a:schemeClr val="accent5">
+                    <a:lumMod val="50000"/>
+                  </a:schemeClr>
+                </a:solidFill>
+                <a:latin typeface="Hiragino Maru Gothic Pro W4" panose="020F0400000000000000" pitchFamily="34" charset="-128"/>
+                <a:ea typeface="Hiragino Maru Gothic Pro W4" panose="020F0400000000000000" pitchFamily="34" charset="-128"/>
+              </a:rPr>
+              <a:t>〜</a:t>
+            </a:r>
+            <a:r>
+              <a:rPr lang="ja-JP" altLang="en-US">
+                <a:solidFill>
+                  <a:schemeClr val="accent5">
+                    <a:lumMod val="50000"/>
+                  </a:schemeClr>
+                </a:solidFill>
+                <a:latin typeface="Hiragino Maru Gothic Pro W4" panose="020F0400000000000000" pitchFamily="34" charset="-128"/>
+                <a:ea typeface="Hiragino Maru Gothic Pro W4" panose="020F0400000000000000" pitchFamily="34" charset="-128"/>
+              </a:rPr>
+              <a:t>」</a:t>
+            </a:r>
+            <a:endParaRPr lang="en-US" altLang="ja-JP" dirty="0">
+              <a:solidFill>
+                <a:schemeClr val="accent5">
+                  <a:lumMod val="50000"/>
+                </a:schemeClr>
+              </a:solidFill>
+              <a:latin typeface="Hiragino Maru Gothic Pro W4" panose="020F0400000000000000" pitchFamily="34" charset="-128"/>
+              <a:ea typeface="Hiragino Maru Gothic Pro W4" panose="020F0400000000000000" pitchFamily="34" charset="-128"/>
+            </a:endParaRPr>
+          </a:p>
+          <a:p>
+            <a:pPr marL="960120" lvl="1" indent="-457200">
+              <a:buFont typeface="Wingdings" pitchFamily="2" charset="2"/>
+              <a:buChar char="ü"/>
+            </a:pPr>
+            <a:r>
+              <a:rPr lang="ja-JP" altLang="en-US">
+                <a:solidFill>
+                  <a:schemeClr val="accent5">
+                    <a:lumMod val="50000"/>
+                  </a:schemeClr>
+                </a:solidFill>
+                <a:latin typeface="Hiragino Maru Gothic Pro W4" panose="020F0400000000000000" pitchFamily="34" charset="-128"/>
+                <a:ea typeface="Hiragino Maru Gothic Pro W4" panose="020F0400000000000000" pitchFamily="34" charset="-128"/>
+              </a:rPr>
+              <a:t>幻のクラン「とまり木」</a:t>
+            </a:r>
+            <a:endParaRPr lang="en-US" altLang="ja-JP" dirty="0">
+              <a:solidFill>
+                <a:schemeClr val="accent5">
+                  <a:lumMod val="50000"/>
+                </a:schemeClr>
+              </a:solidFill>
+              <a:latin typeface="Hiragino Maru Gothic Pro W4" panose="020F0400000000000000" pitchFamily="34" charset="-128"/>
+              <a:ea typeface="Hiragino Maru Gothic Pro W4" panose="020F0400000000000000" pitchFamily="34" charset="-128"/>
+            </a:endParaRPr>
+          </a:p>
+          <a:p>
+            <a:pPr marL="502920" indent="-457200"/>
+            <a:endParaRPr lang="en-US" altLang="ja-JP" dirty="0">
+              <a:solidFill>
+                <a:schemeClr val="accent5">
+                  <a:lumMod val="50000"/>
+                </a:schemeClr>
+              </a:solidFill>
+              <a:latin typeface="Hiragino Maru Gothic Pro W4" panose="020F0400000000000000" pitchFamily="34" charset="-128"/>
+              <a:ea typeface="Hiragino Maru Gothic Pro W4" panose="020F0400000000000000" pitchFamily="34" charset="-128"/>
+            </a:endParaRPr>
+          </a:p>
+        </p:txBody>
+      </p:sp>
+      <p:sp>
+        <p:nvSpPr>
+          <p:cNvPr id="4" name="スライド番号プレースホルダー 3">
+            <a:extLst>
+              <a:ext uri="{FF2B5EF4-FFF2-40B4-BE49-F238E27FC236}">
+                <a16:creationId xmlns:a16="http://schemas.microsoft.com/office/drawing/2014/main" id="{34C04C8D-49C3-874E-864D-A6289CA1E427}"/>
+              </a:ext>
+            </a:extLst>
+          </p:cNvPr>
+          <p:cNvSpPr>
+            <a:spLocks noGrp="1"/>
+          </p:cNvSpPr>
+          <p:nvPr>
+            <p:ph type="sldNum" sz="quarter" idx="12"/>
+          </p:nvPr>
+        </p:nvSpPr>
+        <p:spPr/>
+        <p:txBody>
+          <a:bodyPr/>
+          <a:lstStyle/>
+          <a:p>
+            <a:pPr rtl="0"/>
+            <a:fld id="{E31375A4-56A4-47D6-9801-1991572033F7}" type="slidenum">
+              <a:rPr lang="en-US" altLang="ja-JP" noProof="0" smtClean="0">
+                <a:solidFill>
+                  <a:schemeClr val="accent5">
+                    <a:lumMod val="50000"/>
+                  </a:schemeClr>
+                </a:solidFill>
+                <a:latin typeface="Hiragino Maru Gothic Pro W4" panose="020F0400000000000000" pitchFamily="34" charset="-128"/>
+                <a:ea typeface="Hiragino Maru Gothic Pro W4" panose="020F0400000000000000" pitchFamily="34" charset="-128"/>
+              </a:rPr>
+              <a:t>2</a:t>
+            </a:fld>
+            <a:endParaRPr lang="ja-JP" altLang="en-US" noProof="0" dirty="0">
+              <a:solidFill>
+                <a:schemeClr val="accent5">
+                  <a:lumMod val="50000"/>
+                </a:schemeClr>
+              </a:solidFill>
+              <a:latin typeface="Hiragino Maru Gothic Pro W4" panose="020F0400000000000000" pitchFamily="34" charset="-128"/>
+              <a:ea typeface="Hiragino Maru Gothic Pro W4" panose="020F0400000000000000" pitchFamily="34" charset="-128"/>
+            </a:endParaRPr>
+          </a:p>
+        </p:txBody>
+      </p:sp>
+    </p:spTree>
+    <p:extLst>
+      <p:ext uri="{BB962C8B-B14F-4D97-AF65-F5344CB8AC3E}">
+        <p14:creationId xmlns:p14="http://schemas.microsoft.com/office/powerpoint/2010/main" val="1576857878"/>
+      </p:ext>
+    </p:extLst>
+  </p:cSld>
+  <p:clrMapOvr>
+    <a:masterClrMapping/>
+  </p:clrMapOvr>
+  <mc:AlternateContent xmlns:mc="http://schemas.openxmlformats.org/markup-compatibility/2006" xmlns:p14="http://schemas.microsoft.com/office/powerpoint/2010/main">
+    <mc:Choice Requires="p14">
+      <p:transition spd="med" p14:dur="700">
+        <p:fade/>
+      </p:transition>
+    </mc:Choice>
+    <mc:Fallback xmlns="">
+      <p:transition spd="med">
+        <p:fade/>
+      </p:transition>
+    </mc:Fallback>
+  </mc:AlternateContent>
+</p:sld>
+</file>
+
+<file path=ppt/slides/slide3.xml><?xml version="1.0" encoding="utf-8"?>
+<p:sld xmlns:a="http://schemas.openxmlformats.org/drawingml/2006/main" xmlns:r="http://schemas.openxmlformats.org/officeDocument/2006/relationships" xmlns:p="http://schemas.openxmlformats.org/presentationml/2006/main">
+  <p:cSld>
+    <p:spTree>
+      <p:nvGrpSpPr>
+        <p:cNvPr id="1" name=""/>
+        <p:cNvGrpSpPr/>
+        <p:nvPr/>
+      </p:nvGrpSpPr>
+      <p:grpSpPr>
+        <a:xfrm>
+          <a:off x="0" y="0"/>
+          <a:ext cx="0" cy="0"/>
+          <a:chOff x="0" y="0"/>
+          <a:chExt cx="0" cy="0"/>
+        </a:xfrm>
+      </p:grpSpPr>
+      <p:sp>
+        <p:nvSpPr>
+          <p:cNvPr id="2" name="タイトル 1">
+            <a:extLst>
+              <a:ext uri="{FF2B5EF4-FFF2-40B4-BE49-F238E27FC236}">
+                <a16:creationId xmlns:a16="http://schemas.microsoft.com/office/drawing/2014/main" id="{4BEF2D4F-28AD-C84D-A4AC-A607D5B45D24}"/>
+              </a:ext>
+            </a:extLst>
+          </p:cNvPr>
+          <p:cNvSpPr>
+            <a:spLocks noGrp="1"/>
+          </p:cNvSpPr>
+          <p:nvPr>
+            <p:ph type="title"/>
+          </p:nvPr>
+        </p:nvSpPr>
+        <p:spPr/>
+        <p:txBody>
+          <a:bodyPr/>
+          <a:lstStyle/>
+          <a:p>
+            <a:r>
+              <a:rPr kumimoji="1" lang="ja-JP" altLang="en-US">
+                <a:solidFill>
+                  <a:schemeClr val="accent5">
+                    <a:lumMod val="50000"/>
+                  </a:schemeClr>
+                </a:solidFill>
+                <a:latin typeface="Hiragino Maru Gothic Pro W4" panose="020F0400000000000000" pitchFamily="34" charset="-128"/>
+                <a:ea typeface="Hiragino Maru Gothic Pro W4" panose="020F0400000000000000" pitchFamily="34" charset="-128"/>
+              </a:rPr>
+              <a:t>クランルール</a:t>
+            </a:r>
+          </a:p>
+        </p:txBody>
+      </p:sp>
+      <p:sp>
+        <p:nvSpPr>
+          <p:cNvPr id="3" name="コンテンツ プレースホルダー 2">
+            <a:extLst>
+              <a:ext uri="{FF2B5EF4-FFF2-40B4-BE49-F238E27FC236}">
+                <a16:creationId xmlns:a16="http://schemas.microsoft.com/office/drawing/2014/main" id="{01E773B8-156E-4743-8E4A-3ED5FB7CC4E2}"/>
+              </a:ext>
+            </a:extLst>
+          </p:cNvPr>
+          <p:cNvSpPr>
+            <a:spLocks noGrp="1"/>
+          </p:cNvSpPr>
+          <p:nvPr>
+            <p:ph idx="1"/>
+          </p:nvPr>
+        </p:nvSpPr>
+        <p:spPr>
+          <a:xfrm>
+            <a:off x="838200" y="1588575"/>
+            <a:ext cx="10515600" cy="4588387"/>
+          </a:xfrm>
+        </p:spPr>
+        <p:txBody>
+          <a:bodyPr>
+            <a:normAutofit/>
+          </a:bodyPr>
+          <a:lstStyle/>
+          <a:p>
+            <a:pPr marL="45720" indent="0">
+              <a:buNone/>
+            </a:pPr>
+            <a:r>
+              <a:rPr lang="ja-JP" altLang="en-US">
+                <a:solidFill>
+                  <a:schemeClr val="accent5">
+                    <a:lumMod val="50000"/>
+                  </a:schemeClr>
+                </a:solidFill>
+                <a:latin typeface="Hiragino Maru Gothic Pro W4" panose="020F0400000000000000" pitchFamily="34" charset="-128"/>
+                <a:ea typeface="Hiragino Maru Gothic Pro W4" panose="020F0400000000000000" pitchFamily="34" charset="-128"/>
+              </a:rPr>
+              <a:t>こまかいルールは設けません。以下だけです。</a:t>
+            </a:r>
+            <a:endParaRPr lang="en-US" altLang="ja-JP" dirty="0">
+              <a:solidFill>
+                <a:schemeClr val="accent5">
+                  <a:lumMod val="50000"/>
+                </a:schemeClr>
+              </a:solidFill>
+              <a:latin typeface="Hiragino Maru Gothic Pro W4" panose="020F0400000000000000" pitchFamily="34" charset="-128"/>
+              <a:ea typeface="Hiragino Maru Gothic Pro W4" panose="020F0400000000000000" pitchFamily="34" charset="-128"/>
+            </a:endParaRPr>
+          </a:p>
+          <a:p>
+            <a:pPr marL="502920" indent="-457200"/>
+            <a:r>
+              <a:rPr lang="ja-JP" altLang="en-US">
+                <a:solidFill>
+                  <a:schemeClr val="accent5">
+                    <a:lumMod val="50000"/>
+                  </a:schemeClr>
+                </a:solidFill>
+                <a:latin typeface="Hiragino Maru Gothic Pro W4" panose="020F0400000000000000" pitchFamily="34" charset="-128"/>
+                <a:ea typeface="Hiragino Maru Gothic Pro W4" panose="020F0400000000000000" pitchFamily="34" charset="-128"/>
+              </a:rPr>
+              <a:t>援軍のお礼禁止</a:t>
+            </a:r>
+            <a:endParaRPr lang="en-US" altLang="ja-JP" dirty="0">
+              <a:solidFill>
+                <a:schemeClr val="accent5">
+                  <a:lumMod val="50000"/>
+                </a:schemeClr>
+              </a:solidFill>
+              <a:latin typeface="Hiragino Maru Gothic Pro W4" panose="020F0400000000000000" pitchFamily="34" charset="-128"/>
+              <a:ea typeface="Hiragino Maru Gothic Pro W4" panose="020F0400000000000000" pitchFamily="34" charset="-128"/>
+            </a:endParaRPr>
+          </a:p>
+          <a:p>
+            <a:pPr marL="502920" indent="-457200"/>
+            <a:r>
+              <a:rPr lang="en-US" altLang="ja-JP" dirty="0">
+                <a:solidFill>
+                  <a:schemeClr val="accent5">
+                    <a:lumMod val="50000"/>
+                  </a:schemeClr>
+                </a:solidFill>
+                <a:latin typeface="Hiragino Maru Gothic Pro W4" panose="020F0400000000000000" pitchFamily="34" charset="-128"/>
+                <a:ea typeface="Hiragino Maru Gothic Pro W4" panose="020F0400000000000000" pitchFamily="34" charset="-128"/>
+              </a:rPr>
+              <a:t>Discord </a:t>
+            </a:r>
+            <a:r>
+              <a:rPr lang="ja-JP" altLang="en-US">
+                <a:solidFill>
+                  <a:schemeClr val="accent5">
+                    <a:lumMod val="50000"/>
+                  </a:schemeClr>
+                </a:solidFill>
+                <a:latin typeface="Hiragino Maru Gothic Pro W4" panose="020F0400000000000000" pitchFamily="34" charset="-128"/>
+                <a:ea typeface="Hiragino Maru Gothic Pro W4" panose="020F0400000000000000" pitchFamily="34" charset="-128"/>
+              </a:rPr>
+              <a:t>に加入すること</a:t>
+            </a:r>
+            <a:endParaRPr lang="en-US" altLang="ja-JP" dirty="0">
+              <a:solidFill>
+                <a:schemeClr val="accent5">
+                  <a:lumMod val="50000"/>
+                </a:schemeClr>
+              </a:solidFill>
+              <a:latin typeface="Hiragino Maru Gothic Pro W4" panose="020F0400000000000000" pitchFamily="34" charset="-128"/>
+              <a:ea typeface="Hiragino Maru Gothic Pro W4" panose="020F0400000000000000" pitchFamily="34" charset="-128"/>
+            </a:endParaRPr>
+          </a:p>
+          <a:p>
+            <a:pPr marL="502920" indent="-457200"/>
+            <a:r>
+              <a:rPr lang="ja-JP" altLang="en-US">
+                <a:solidFill>
+                  <a:schemeClr val="accent5">
+                    <a:lumMod val="50000"/>
+                  </a:schemeClr>
+                </a:solidFill>
+                <a:latin typeface="Hiragino Maru Gothic Pro W4" panose="020F0400000000000000" pitchFamily="34" charset="-128"/>
+                <a:ea typeface="Hiragino Maru Gothic Pro W4" panose="020F0400000000000000" pitchFamily="34" charset="-128"/>
+              </a:rPr>
+              <a:t>クランメンバーへのリスペクトを忘れないこと</a:t>
+            </a:r>
+            <a:endParaRPr lang="en-US" altLang="ja-JP" dirty="0">
+              <a:solidFill>
+                <a:schemeClr val="accent5">
+                  <a:lumMod val="50000"/>
+                </a:schemeClr>
+              </a:solidFill>
+              <a:latin typeface="Hiragino Maru Gothic Pro W4" panose="020F0400000000000000" pitchFamily="34" charset="-128"/>
+              <a:ea typeface="Hiragino Maru Gothic Pro W4" panose="020F0400000000000000" pitchFamily="34" charset="-128"/>
+            </a:endParaRPr>
+          </a:p>
+        </p:txBody>
+      </p:sp>
+      <p:sp>
+        <p:nvSpPr>
+          <p:cNvPr id="4" name="スライド番号プレースホルダー 3">
+            <a:extLst>
+              <a:ext uri="{FF2B5EF4-FFF2-40B4-BE49-F238E27FC236}">
+                <a16:creationId xmlns:a16="http://schemas.microsoft.com/office/drawing/2014/main" id="{34C04C8D-49C3-874E-864D-A6289CA1E427}"/>
+              </a:ext>
+            </a:extLst>
+          </p:cNvPr>
+          <p:cNvSpPr>
+            <a:spLocks noGrp="1"/>
+          </p:cNvSpPr>
+          <p:nvPr>
+            <p:ph type="sldNum" sz="quarter" idx="12"/>
+          </p:nvPr>
+        </p:nvSpPr>
+        <p:spPr/>
+        <p:txBody>
+          <a:bodyPr/>
+          <a:lstStyle/>
+          <a:p>
+            <a:pPr rtl="0"/>
+            <a:fld id="{E31375A4-56A4-47D6-9801-1991572033F7}" type="slidenum">
+              <a:rPr lang="en-US" altLang="ja-JP" noProof="0" smtClean="0">
+                <a:solidFill>
+                  <a:schemeClr val="accent5">
+                    <a:lumMod val="50000"/>
+                  </a:schemeClr>
+                </a:solidFill>
+                <a:latin typeface="Hiragino Maru Gothic Pro W4" panose="020F0400000000000000" pitchFamily="34" charset="-128"/>
+                <a:ea typeface="Hiragino Maru Gothic Pro W4" panose="020F0400000000000000" pitchFamily="34" charset="-128"/>
+              </a:rPr>
+              <a:t>3</a:t>
+            </a:fld>
+            <a:endParaRPr lang="ja-JP" altLang="en-US" noProof="0" dirty="0">
+              <a:solidFill>
+                <a:schemeClr val="accent5">
+                  <a:lumMod val="50000"/>
+                </a:schemeClr>
+              </a:solidFill>
+              <a:latin typeface="Hiragino Maru Gothic Pro W4" panose="020F0400000000000000" pitchFamily="34" charset="-128"/>
+              <a:ea typeface="Hiragino Maru Gothic Pro W4" panose="020F0400000000000000" pitchFamily="34" charset="-128"/>
+            </a:endParaRPr>
+          </a:p>
+        </p:txBody>
+      </p:sp>
+    </p:spTree>
+    <p:extLst>
+      <p:ext uri="{BB962C8B-B14F-4D97-AF65-F5344CB8AC3E}">
+        <p14:creationId xmlns:p14="http://schemas.microsoft.com/office/powerpoint/2010/main" val="2962164386"/>
+      </p:ext>
+    </p:extLst>
+  </p:cSld>
+  <p:clrMapOvr>
+    <a:masterClrMapping/>
+  </p:clrMapOvr>
+  <mc:AlternateContent xmlns:mc="http://schemas.openxmlformats.org/markup-compatibility/2006" xmlns:p14="http://schemas.microsoft.com/office/powerpoint/2010/main">
+    <mc:Choice Requires="p14">
+      <p:transition spd="med" p14:dur="700">
+        <p:fade/>
+      </p:transition>
+    </mc:Choice>
+    <mc:Fallback xmlns="">
+      <p:transition spd="med">
+        <p:fade/>
+      </p:transition>
+    </mc:Fallback>
+  </mc:AlternateContent>
+</p:sld>
+</file>
+
+<file path=ppt/slides/slide4.xml><?xml version="1.0" encoding="utf-8"?>
+<p:sld xmlns:a="http://schemas.openxmlformats.org/drawingml/2006/main" xmlns:r="http://schemas.openxmlformats.org/officeDocument/2006/relationships" xmlns:p="http://schemas.openxmlformats.org/presentationml/2006/main">
+  <p:cSld>
+    <p:spTree>
+      <p:nvGrpSpPr>
+        <p:cNvPr id="1" name=""/>
+        <p:cNvGrpSpPr/>
+        <p:nvPr/>
+      </p:nvGrpSpPr>
+      <p:grpSpPr>
+        <a:xfrm>
+          <a:off x="0" y="0"/>
+          <a:ext cx="0" cy="0"/>
+          <a:chOff x="0" y="0"/>
+          <a:chExt cx="0" cy="0"/>
+        </a:xfrm>
+      </p:grpSpPr>
+      <p:sp>
+        <p:nvSpPr>
+          <p:cNvPr id="2" name="タイトル 1">
+            <a:extLst>
+              <a:ext uri="{FF2B5EF4-FFF2-40B4-BE49-F238E27FC236}">
+                <a16:creationId xmlns:a16="http://schemas.microsoft.com/office/drawing/2014/main" id="{4BEF2D4F-28AD-C84D-A4AC-A607D5B45D24}"/>
+              </a:ext>
+            </a:extLst>
+          </p:cNvPr>
+          <p:cNvSpPr>
+            <a:spLocks noGrp="1"/>
+          </p:cNvSpPr>
+          <p:nvPr>
+            <p:ph type="title"/>
+          </p:nvPr>
+        </p:nvSpPr>
+        <p:spPr/>
+        <p:txBody>
+          <a:bodyPr/>
+          <a:lstStyle/>
+          <a:p>
+            <a:r>
+              <a:rPr lang="ja-JP" altLang="en-US">
+                <a:solidFill>
+                  <a:schemeClr val="accent5">
+                    <a:lumMod val="50000"/>
+                  </a:schemeClr>
+                </a:solidFill>
+                <a:latin typeface="Hiragino Maru Gothic Pro W4" panose="020F0400000000000000" pitchFamily="34" charset="-128"/>
+                <a:ea typeface="Hiragino Maru Gothic Pro W4" panose="020F0400000000000000" pitchFamily="34" charset="-128"/>
+              </a:rPr>
+              <a:t>クラン構成</a:t>
+            </a:r>
+            <a:endParaRPr kumimoji="1" lang="ja-JP" altLang="en-US">
+              <a:solidFill>
+                <a:schemeClr val="accent5">
+                  <a:lumMod val="50000"/>
+                </a:schemeClr>
+              </a:solidFill>
+              <a:latin typeface="Hiragino Maru Gothic Pro W4" panose="020F0400000000000000" pitchFamily="34" charset="-128"/>
+              <a:ea typeface="Hiragino Maru Gothic Pro W4" panose="020F0400000000000000" pitchFamily="34" charset="-128"/>
+            </a:endParaRPr>
+          </a:p>
+        </p:txBody>
+      </p:sp>
+      <p:sp>
+        <p:nvSpPr>
+          <p:cNvPr id="4" name="スライド番号プレースホルダー 3">
+            <a:extLst>
+              <a:ext uri="{FF2B5EF4-FFF2-40B4-BE49-F238E27FC236}">
+                <a16:creationId xmlns:a16="http://schemas.microsoft.com/office/drawing/2014/main" id="{34C04C8D-49C3-874E-864D-A6289CA1E427}"/>
+              </a:ext>
+            </a:extLst>
+          </p:cNvPr>
+          <p:cNvSpPr>
+            <a:spLocks noGrp="1"/>
+          </p:cNvSpPr>
+          <p:nvPr>
+            <p:ph type="sldNum" sz="quarter" idx="12"/>
+          </p:nvPr>
+        </p:nvSpPr>
+        <p:spPr/>
+        <p:txBody>
+          <a:bodyPr/>
+          <a:lstStyle/>
+          <a:p>
+            <a:pPr rtl="0"/>
+            <a:fld id="{E31375A4-56A4-47D6-9801-1991572033F7}" type="slidenum">
+              <a:rPr lang="en-US" altLang="ja-JP" noProof="0" smtClean="0">
+                <a:solidFill>
+                  <a:srgbClr val="002060"/>
+                </a:solidFill>
+                <a:latin typeface="Hiragino Maru Gothic Pro W4" panose="020F0400000000000000" pitchFamily="34" charset="-128"/>
+                <a:ea typeface="Hiragino Maru Gothic Pro W4" panose="020F0400000000000000" pitchFamily="34" charset="-128"/>
+              </a:rPr>
+              <a:t>4</a:t>
+            </a:fld>
+            <a:endParaRPr lang="ja-JP" altLang="en-US" noProof="0" dirty="0">
+              <a:solidFill>
+                <a:srgbClr val="002060"/>
+              </a:solidFill>
+              <a:latin typeface="Hiragino Maru Gothic Pro W4" panose="020F0400000000000000" pitchFamily="34" charset="-128"/>
+              <a:ea typeface="Hiragino Maru Gothic Pro W4" panose="020F0400000000000000" pitchFamily="34" charset="-128"/>
+            </a:endParaRPr>
+          </a:p>
+        </p:txBody>
+      </p:sp>
+      <p:sp>
+        <p:nvSpPr>
+          <p:cNvPr id="25" name="正方形/長方形 24">
+            <a:extLst>
+              <a:ext uri="{FF2B5EF4-FFF2-40B4-BE49-F238E27FC236}">
+                <a16:creationId xmlns:a16="http://schemas.microsoft.com/office/drawing/2014/main" id="{67B5EC37-3D61-B04A-A0F0-C22A1852C1AE}"/>
+              </a:ext>
+            </a:extLst>
+          </p:cNvPr>
+          <p:cNvSpPr/>
+          <p:nvPr/>
+        </p:nvSpPr>
+        <p:spPr>
+          <a:xfrm>
+            <a:off x="838200" y="1690689"/>
+            <a:ext cx="3254829" cy="2704018"/>
+          </a:xfrm>
+          <a:prstGeom prst="rect">
+            <a:avLst/>
+          </a:prstGeom>
+        </p:spPr>
+        <p:style>
+          <a:lnRef idx="0">
+            <a:schemeClr val="accent2"/>
+          </a:lnRef>
+          <a:fillRef idx="3">
+            <a:schemeClr val="accent2"/>
+          </a:fillRef>
+          <a:effectRef idx="3">
+            <a:schemeClr val="accent2"/>
+          </a:effectRef>
+          <a:fontRef idx="minor">
+            <a:schemeClr val="lt1"/>
+          </a:fontRef>
+        </p:style>
+        <p:txBody>
+          <a:bodyPr rtlCol="0" anchor="t"/>
+          <a:lstStyle/>
+          <a:p>
+            <a:pPr algn="ctr"/>
+            <a:r>
+              <a:rPr kumimoji="1" lang="en-US" altLang="ja-JP" sz="2000" dirty="0">
+                <a:latin typeface="Hiragino Maru Gothic Pro W4" panose="020F0400000000000000" pitchFamily="34" charset="-128"/>
+                <a:ea typeface="Hiragino Maru Gothic Pro W4" panose="020F0400000000000000" pitchFamily="34" charset="-128"/>
+              </a:rPr>
+              <a:t>TOMARIGI</a:t>
+            </a:r>
+            <a:br>
+              <a:rPr kumimoji="1" lang="en-US" altLang="ja-JP" sz="2000" dirty="0">
+                <a:latin typeface="Hiragino Maru Gothic Pro W4" panose="020F0400000000000000" pitchFamily="34" charset="-128"/>
+                <a:ea typeface="Hiragino Maru Gothic Pro W4" panose="020F0400000000000000" pitchFamily="34" charset="-128"/>
+              </a:rPr>
+            </a:br>
+            <a:endParaRPr kumimoji="1" lang="en-US" altLang="ja-JP" sz="2000" dirty="0">
+              <a:latin typeface="Hiragino Maru Gothic Pro W4" panose="020F0400000000000000" pitchFamily="34" charset="-128"/>
+              <a:ea typeface="Hiragino Maru Gothic Pro W4" panose="020F0400000000000000" pitchFamily="34" charset="-128"/>
+            </a:endParaRPr>
+          </a:p>
+          <a:p>
+            <a:pPr marL="285750" indent="-285750">
+              <a:buFont typeface="Wingdings" pitchFamily="2" charset="2"/>
+              <a:buChar char="Ø"/>
+            </a:pPr>
+            <a:r>
+              <a:rPr lang="ja-JP" altLang="en-US" sz="2000">
+                <a:latin typeface="Hiragino Maru Gothic Pro W4" panose="020F0400000000000000" pitchFamily="34" charset="-128"/>
+                <a:ea typeface="Hiragino Maru Gothic Pro W4" panose="020F0400000000000000" pitchFamily="34" charset="-128"/>
+              </a:rPr>
+              <a:t>責任者：魔王様</a:t>
+            </a:r>
+            <a:endParaRPr lang="en-US" altLang="ja-JP" sz="2000" dirty="0">
+              <a:latin typeface="Hiragino Maru Gothic Pro W4" panose="020F0400000000000000" pitchFamily="34" charset="-128"/>
+              <a:ea typeface="Hiragino Maru Gothic Pro W4" panose="020F0400000000000000" pitchFamily="34" charset="-128"/>
+            </a:endParaRPr>
+          </a:p>
+          <a:p>
+            <a:pPr marL="285750" indent="-285750">
+              <a:buFont typeface="Wingdings" pitchFamily="2" charset="2"/>
+              <a:buChar char="Ø"/>
+            </a:pPr>
+            <a:r>
+              <a:rPr lang="ja-JP" altLang="en-US" sz="2000">
+                <a:latin typeface="Hiragino Maru Gothic Pro W4" panose="020F0400000000000000" pitchFamily="34" charset="-128"/>
+                <a:ea typeface="Hiragino Maru Gothic Pro W4" panose="020F0400000000000000" pitchFamily="34" charset="-128"/>
+              </a:rPr>
+              <a:t>アクティブクラン</a:t>
+            </a:r>
+            <a:endParaRPr lang="en-US" altLang="ja-JP" sz="2000" dirty="0">
+              <a:latin typeface="Hiragino Maru Gothic Pro W4" panose="020F0400000000000000" pitchFamily="34" charset="-128"/>
+              <a:ea typeface="Hiragino Maru Gothic Pro W4" panose="020F0400000000000000" pitchFamily="34" charset="-128"/>
+            </a:endParaRPr>
+          </a:p>
+          <a:p>
+            <a:pPr marL="285750" indent="-285750">
+              <a:buFont typeface="Wingdings" pitchFamily="2" charset="2"/>
+              <a:buChar char="Ø"/>
+            </a:pPr>
+            <a:r>
+              <a:rPr kumimoji="1" lang="en-US" altLang="ja-JP" sz="2000" dirty="0">
+                <a:latin typeface="Hiragino Maru Gothic Pro W4" panose="020F0400000000000000" pitchFamily="34" charset="-128"/>
+                <a:ea typeface="Hiragino Maru Gothic Pro W4" panose="020F0400000000000000" pitchFamily="34" charset="-128"/>
+              </a:rPr>
+              <a:t>TH13</a:t>
+            </a:r>
+            <a:r>
+              <a:rPr kumimoji="1" lang="ja-JP" altLang="en-US" sz="2000">
+                <a:latin typeface="Hiragino Maru Gothic Pro W4" panose="020F0400000000000000" pitchFamily="34" charset="-128"/>
+                <a:ea typeface="Hiragino Maru Gothic Pro W4" panose="020F0400000000000000" pitchFamily="34" charset="-128"/>
+              </a:rPr>
+              <a:t>、</a:t>
+            </a:r>
+            <a:r>
+              <a:rPr kumimoji="1" lang="en-US" altLang="ja-JP" sz="2000" dirty="0">
+                <a:latin typeface="Hiragino Maru Gothic Pro W4" panose="020F0400000000000000" pitchFamily="34" charset="-128"/>
+                <a:ea typeface="Hiragino Maru Gothic Pro W4" panose="020F0400000000000000" pitchFamily="34" charset="-128"/>
+              </a:rPr>
+              <a:t>14</a:t>
+            </a:r>
+            <a:r>
+              <a:rPr kumimoji="1" lang="ja-JP" altLang="en-US" sz="2000">
+                <a:latin typeface="Hiragino Maru Gothic Pro W4" panose="020F0400000000000000" pitchFamily="34" charset="-128"/>
+                <a:ea typeface="Hiragino Maru Gothic Pro W4" panose="020F0400000000000000" pitchFamily="34" charset="-128"/>
+              </a:rPr>
+              <a:t>で構成</a:t>
+            </a:r>
+            <a:endParaRPr kumimoji="1" lang="en-US" altLang="ja-JP" sz="2000" dirty="0">
+              <a:latin typeface="Hiragino Maru Gothic Pro W4" panose="020F0400000000000000" pitchFamily="34" charset="-128"/>
+              <a:ea typeface="Hiragino Maru Gothic Pro W4" panose="020F0400000000000000" pitchFamily="34" charset="-128"/>
+            </a:endParaRPr>
+          </a:p>
+        </p:txBody>
+      </p:sp>
+      <p:sp>
+        <p:nvSpPr>
+          <p:cNvPr id="35" name="正方形/長方形 34">
+            <a:extLst>
+              <a:ext uri="{FF2B5EF4-FFF2-40B4-BE49-F238E27FC236}">
+                <a16:creationId xmlns:a16="http://schemas.microsoft.com/office/drawing/2014/main" id="{27465671-01D6-4E49-9127-8E08E6FDCA45}"/>
+              </a:ext>
+            </a:extLst>
+          </p:cNvPr>
+          <p:cNvSpPr/>
+          <p:nvPr/>
+        </p:nvSpPr>
+        <p:spPr>
+          <a:xfrm>
+            <a:off x="4468585" y="1690688"/>
+            <a:ext cx="3254829" cy="2704018"/>
+          </a:xfrm>
+          <a:prstGeom prst="rect">
+            <a:avLst/>
+          </a:prstGeom>
+        </p:spPr>
+        <p:style>
+          <a:lnRef idx="0">
+            <a:schemeClr val="accent5"/>
+          </a:lnRef>
+          <a:fillRef idx="3">
+            <a:schemeClr val="accent5"/>
+          </a:fillRef>
+          <a:effectRef idx="3">
+            <a:schemeClr val="accent5"/>
+          </a:effectRef>
+          <a:fontRef idx="minor">
+            <a:schemeClr val="lt1"/>
+          </a:fontRef>
+        </p:style>
+        <p:txBody>
+          <a:bodyPr rtlCol="0" anchor="t"/>
+          <a:lstStyle/>
+          <a:p>
+            <a:pPr algn="ctr"/>
+            <a:r>
+              <a:rPr kumimoji="1" lang="ja-JP" altLang="en-US" sz="2000">
+                <a:latin typeface="Hiragino Maru Gothic Pro W4" panose="020F0400000000000000" pitchFamily="34" charset="-128"/>
+                <a:ea typeface="Hiragino Maru Gothic Pro W4" panose="020F0400000000000000" pitchFamily="34" charset="-128"/>
+              </a:rPr>
+              <a:t>まほらま</a:t>
+            </a:r>
+            <a:r>
+              <a:rPr kumimoji="1" lang="en-US" altLang="ja-JP" sz="2000" dirty="0">
+                <a:latin typeface="Hiragino Maru Gothic Pro W4" panose="020F0400000000000000" pitchFamily="34" charset="-128"/>
+                <a:ea typeface="Hiragino Maru Gothic Pro W4" panose="020F0400000000000000" pitchFamily="34" charset="-128"/>
+              </a:rPr>
+              <a:t>〜</a:t>
+            </a:r>
+            <a:r>
+              <a:rPr kumimoji="1" lang="ja-JP" altLang="en-US" sz="2000">
+                <a:latin typeface="Hiragino Maru Gothic Pro W4" panose="020F0400000000000000" pitchFamily="34" charset="-128"/>
+                <a:ea typeface="Hiragino Maru Gothic Pro W4" panose="020F0400000000000000" pitchFamily="34" charset="-128"/>
+              </a:rPr>
+              <a:t>摩天楼</a:t>
+            </a:r>
+            <a:r>
+              <a:rPr kumimoji="1" lang="en-US" altLang="ja-JP" sz="2000" dirty="0">
+                <a:latin typeface="Hiragino Maru Gothic Pro W4" panose="020F0400000000000000" pitchFamily="34" charset="-128"/>
+                <a:ea typeface="Hiragino Maru Gothic Pro W4" panose="020F0400000000000000" pitchFamily="34" charset="-128"/>
+              </a:rPr>
+              <a:t>〜</a:t>
+            </a:r>
+            <a:br>
+              <a:rPr kumimoji="1" lang="en-US" altLang="ja-JP" sz="2000" dirty="0">
+                <a:latin typeface="Hiragino Maru Gothic Pro W4" panose="020F0400000000000000" pitchFamily="34" charset="-128"/>
+                <a:ea typeface="Hiragino Maru Gothic Pro W4" panose="020F0400000000000000" pitchFamily="34" charset="-128"/>
+              </a:rPr>
+            </a:br>
+            <a:endParaRPr kumimoji="1" lang="en-US" altLang="ja-JP" sz="2000" dirty="0">
+              <a:latin typeface="Hiragino Maru Gothic Pro W4" panose="020F0400000000000000" pitchFamily="34" charset="-128"/>
+              <a:ea typeface="Hiragino Maru Gothic Pro W4" panose="020F0400000000000000" pitchFamily="34" charset="-128"/>
+            </a:endParaRPr>
+          </a:p>
+          <a:p>
+            <a:pPr marL="285750" indent="-285750">
+              <a:buFont typeface="Wingdings" pitchFamily="2" charset="2"/>
+              <a:buChar char="Ø"/>
+            </a:pPr>
+            <a:r>
+              <a:rPr lang="ja-JP" altLang="en-US" sz="2000">
+                <a:latin typeface="Hiragino Maru Gothic Pro W4" panose="020F0400000000000000" pitchFamily="34" charset="-128"/>
+                <a:ea typeface="Hiragino Maru Gothic Pro W4" panose="020F0400000000000000" pitchFamily="34" charset="-128"/>
+              </a:rPr>
+              <a:t>責任者：ゴドルフィン</a:t>
+            </a:r>
+            <a:endParaRPr lang="en-US" altLang="ja-JP" sz="2000" dirty="0">
+              <a:latin typeface="Hiragino Maru Gothic Pro W4" panose="020F0400000000000000" pitchFamily="34" charset="-128"/>
+              <a:ea typeface="Hiragino Maru Gothic Pro W4" panose="020F0400000000000000" pitchFamily="34" charset="-128"/>
+            </a:endParaRPr>
+          </a:p>
+          <a:p>
+            <a:pPr marL="285750" indent="-285750">
+              <a:buFont typeface="Wingdings" pitchFamily="2" charset="2"/>
+              <a:buChar char="Ø"/>
+            </a:pPr>
+            <a:r>
+              <a:rPr lang="ja-JP" altLang="en-US" sz="2000">
+                <a:latin typeface="Hiragino Maru Gothic Pro W4" panose="020F0400000000000000" pitchFamily="34" charset="-128"/>
+                <a:ea typeface="Hiragino Maru Gothic Pro W4" panose="020F0400000000000000" pitchFamily="34" charset="-128"/>
+              </a:rPr>
+              <a:t>ファーミングクラン</a:t>
+            </a:r>
+            <a:endParaRPr lang="en-US" altLang="ja-JP" sz="2000" dirty="0">
+              <a:latin typeface="Hiragino Maru Gothic Pro W4" panose="020F0400000000000000" pitchFamily="34" charset="-128"/>
+              <a:ea typeface="Hiragino Maru Gothic Pro W4" panose="020F0400000000000000" pitchFamily="34" charset="-128"/>
+            </a:endParaRPr>
+          </a:p>
+          <a:p>
+            <a:pPr marL="285750" indent="-285750">
+              <a:buFont typeface="Wingdings" pitchFamily="2" charset="2"/>
+              <a:buChar char="Ø"/>
+            </a:pPr>
+            <a:r>
+              <a:rPr kumimoji="1" lang="en-US" altLang="ja-JP" sz="2000" dirty="0">
+                <a:latin typeface="Hiragino Maru Gothic Pro W4" panose="020F0400000000000000" pitchFamily="34" charset="-128"/>
+                <a:ea typeface="Hiragino Maru Gothic Pro W4" panose="020F0400000000000000" pitchFamily="34" charset="-128"/>
+              </a:rPr>
+              <a:t>TH</a:t>
+            </a:r>
+            <a:r>
+              <a:rPr kumimoji="1" lang="ja-JP" altLang="en-US" sz="2000">
+                <a:latin typeface="Hiragino Maru Gothic Pro W4" panose="020F0400000000000000" pitchFamily="34" charset="-128"/>
+                <a:ea typeface="Hiragino Maru Gothic Pro W4" panose="020F0400000000000000" pitchFamily="34" charset="-128"/>
+              </a:rPr>
+              <a:t>帯は問わない</a:t>
+            </a:r>
+            <a:endParaRPr kumimoji="1" lang="en-US" altLang="ja-JP" sz="2000" dirty="0">
+              <a:latin typeface="Hiragino Maru Gothic Pro W4" panose="020F0400000000000000" pitchFamily="34" charset="-128"/>
+              <a:ea typeface="Hiragino Maru Gothic Pro W4" panose="020F0400000000000000" pitchFamily="34" charset="-128"/>
+            </a:endParaRPr>
+          </a:p>
+        </p:txBody>
+      </p:sp>
+      <p:sp>
+        <p:nvSpPr>
+          <p:cNvPr id="36" name="正方形/長方形 35">
+            <a:extLst>
+              <a:ext uri="{FF2B5EF4-FFF2-40B4-BE49-F238E27FC236}">
+                <a16:creationId xmlns:a16="http://schemas.microsoft.com/office/drawing/2014/main" id="{98ECB154-D4F6-B549-9C6C-905734CE3591}"/>
+              </a:ext>
+            </a:extLst>
+          </p:cNvPr>
+          <p:cNvSpPr/>
+          <p:nvPr/>
+        </p:nvSpPr>
+        <p:spPr>
+          <a:xfrm>
+            <a:off x="8098971" y="1690688"/>
+            <a:ext cx="3254829" cy="2704018"/>
+          </a:xfrm>
+          <a:prstGeom prst="rect">
+            <a:avLst/>
+          </a:prstGeom>
+        </p:spPr>
+        <p:style>
+          <a:lnRef idx="0">
+            <a:schemeClr val="accent6"/>
+          </a:lnRef>
+          <a:fillRef idx="3">
+            <a:schemeClr val="accent6"/>
+          </a:fillRef>
+          <a:effectRef idx="3">
+            <a:schemeClr val="accent6"/>
+          </a:effectRef>
+          <a:fontRef idx="minor">
+            <a:schemeClr val="lt1"/>
+          </a:fontRef>
+        </p:style>
+        <p:txBody>
+          <a:bodyPr rtlCol="0" anchor="t"/>
+          <a:lstStyle/>
+          <a:p>
+            <a:pPr algn="ctr"/>
+            <a:r>
+              <a:rPr kumimoji="1" lang="ja-JP" altLang="en-US" sz="2000">
+                <a:latin typeface="Hiragino Maru Gothic Pro W4" panose="020F0400000000000000" pitchFamily="34" charset="-128"/>
+                <a:ea typeface="Hiragino Maru Gothic Pro W4" panose="020F0400000000000000" pitchFamily="34" charset="-128"/>
+              </a:rPr>
+              <a:t>とまり木</a:t>
+            </a:r>
+            <a:br>
+              <a:rPr kumimoji="1" lang="en-US" altLang="ja-JP" sz="2000" dirty="0">
+                <a:latin typeface="Hiragino Maru Gothic Pro W4" panose="020F0400000000000000" pitchFamily="34" charset="-128"/>
+                <a:ea typeface="Hiragino Maru Gothic Pro W4" panose="020F0400000000000000" pitchFamily="34" charset="-128"/>
+              </a:rPr>
+            </a:br>
+            <a:endParaRPr kumimoji="1" lang="en-US" altLang="ja-JP" sz="2000" dirty="0">
+              <a:latin typeface="Hiragino Maru Gothic Pro W4" panose="020F0400000000000000" pitchFamily="34" charset="-128"/>
+              <a:ea typeface="Hiragino Maru Gothic Pro W4" panose="020F0400000000000000" pitchFamily="34" charset="-128"/>
+            </a:endParaRPr>
+          </a:p>
+          <a:p>
+            <a:pPr marL="285750" indent="-285750">
+              <a:buFont typeface="Wingdings" pitchFamily="2" charset="2"/>
+              <a:buChar char="Ø"/>
+            </a:pPr>
+            <a:r>
+              <a:rPr kumimoji="1" lang="ja-JP" altLang="en-US" sz="2000">
+                <a:latin typeface="Hiragino Maru Gothic Pro W4" panose="020F0400000000000000" pitchFamily="34" charset="-128"/>
+                <a:ea typeface="Hiragino Maru Gothic Pro W4" panose="020F0400000000000000" pitchFamily="34" charset="-128"/>
+              </a:rPr>
+              <a:t>責任者：ふるはた</a:t>
+            </a:r>
+            <a:endParaRPr kumimoji="1" lang="en-US" altLang="ja-JP" sz="2000" dirty="0">
+              <a:latin typeface="Hiragino Maru Gothic Pro W4" panose="020F0400000000000000" pitchFamily="34" charset="-128"/>
+              <a:ea typeface="Hiragino Maru Gothic Pro W4" panose="020F0400000000000000" pitchFamily="34" charset="-128"/>
+            </a:endParaRPr>
+          </a:p>
+          <a:p>
+            <a:pPr marL="285750" indent="-285750">
+              <a:buFont typeface="Wingdings" pitchFamily="2" charset="2"/>
+              <a:buChar char="Ø"/>
+            </a:pPr>
+            <a:r>
+              <a:rPr kumimoji="1" lang="ja-JP" altLang="en-US" sz="2000">
+                <a:latin typeface="Hiragino Maru Gothic Pro W4" panose="020F0400000000000000" pitchFamily="34" charset="-128"/>
+                <a:ea typeface="Hiragino Maru Gothic Pro W4" panose="020F0400000000000000" pitchFamily="34" charset="-128"/>
+              </a:rPr>
+              <a:t>クランリーグのときにだけ現れる幻のクラン</a:t>
+            </a:r>
+            <a:endParaRPr kumimoji="1" lang="en-US" altLang="ja-JP" sz="2000" dirty="0">
+              <a:latin typeface="Hiragino Maru Gothic Pro W4" panose="020F0400000000000000" pitchFamily="34" charset="-128"/>
+              <a:ea typeface="Hiragino Maru Gothic Pro W4" panose="020F0400000000000000" pitchFamily="34" charset="-128"/>
+            </a:endParaRPr>
+          </a:p>
+        </p:txBody>
+      </p:sp>
+    </p:spTree>
+    <p:extLst>
+      <p:ext uri="{BB962C8B-B14F-4D97-AF65-F5344CB8AC3E}">
+        <p14:creationId xmlns:p14="http://schemas.microsoft.com/office/powerpoint/2010/main" val="1949787222"/>
+      </p:ext>
+    </p:extLst>
+  </p:cSld>
+  <p:clrMapOvr>
+    <a:masterClrMapping/>
+  </p:clrMapOvr>
+  <mc:AlternateContent xmlns:mc="http://schemas.openxmlformats.org/markup-compatibility/2006" xmlns:p14="http://schemas.microsoft.com/office/powerpoint/2010/main">
+    <mc:Choice Requires="p14">
+      <p:transition spd="med" p14:dur="700">
+        <p:fade/>
+      </p:transition>
+    </mc:Choice>
+    <mc:Fallback xmlns="">
+      <p:transition spd="med">
+        <p:fade/>
+      </p:transition>
+    </mc:Fallback>
+  </mc:AlternateContent>
+</p:sld>
+</file>
+
+<file path=ppt/slides/slide5.xml><?xml version="1.0" encoding="utf-8"?>
+<p:sld xmlns:a="http://schemas.openxmlformats.org/drawingml/2006/main" xmlns:r="http://schemas.openxmlformats.org/officeDocument/2006/relationships" xmlns:p="http://schemas.openxmlformats.org/presentationml/2006/main">
+  <p:cSld>
+    <p:spTree>
+      <p:nvGrpSpPr>
+        <p:cNvPr id="1" name=""/>
+        <p:cNvGrpSpPr/>
+        <p:nvPr/>
+      </p:nvGrpSpPr>
+      <p:grpSpPr>
+        <a:xfrm>
+          <a:off x="0" y="0"/>
+          <a:ext cx="0" cy="0"/>
+          <a:chOff x="0" y="0"/>
+          <a:chExt cx="0" cy="0"/>
+        </a:xfrm>
+      </p:grpSpPr>
+      <p:sp>
+        <p:nvSpPr>
+          <p:cNvPr id="2" name="タイトル 1">
+            <a:extLst>
+              <a:ext uri="{FF2B5EF4-FFF2-40B4-BE49-F238E27FC236}">
+                <a16:creationId xmlns:a16="http://schemas.microsoft.com/office/drawing/2014/main" id="{4BEF2D4F-28AD-C84D-A4AC-A607D5B45D24}"/>
+              </a:ext>
+            </a:extLst>
+          </p:cNvPr>
+          <p:cNvSpPr>
+            <a:spLocks noGrp="1"/>
+          </p:cNvSpPr>
+          <p:nvPr>
+            <p:ph type="title"/>
+          </p:nvPr>
+        </p:nvSpPr>
+        <p:spPr/>
+        <p:txBody>
+          <a:bodyPr/>
+          <a:lstStyle/>
+          <a:p>
+            <a:r>
+              <a:rPr lang="ja-JP" altLang="en-US">
+                <a:solidFill>
+                  <a:schemeClr val="accent5">
+                    <a:lumMod val="50000"/>
+                  </a:schemeClr>
+                </a:solidFill>
+                <a:latin typeface="Hiragino Maru Gothic Pro W4" panose="020F0400000000000000" pitchFamily="34" charset="-128"/>
+                <a:ea typeface="Hiragino Maru Gothic Pro W4" panose="020F0400000000000000" pitchFamily="34" charset="-128"/>
+              </a:rPr>
+              <a:t>クラン「</a:t>
+            </a:r>
+            <a:r>
+              <a:rPr lang="en-US" altLang="ja-JP" dirty="0">
+                <a:solidFill>
+                  <a:schemeClr val="accent5">
+                    <a:lumMod val="50000"/>
+                  </a:schemeClr>
+                </a:solidFill>
+                <a:latin typeface="Hiragino Maru Gothic Pro W4" panose="020F0400000000000000" pitchFamily="34" charset="-128"/>
+                <a:ea typeface="Hiragino Maru Gothic Pro W4" panose="020F0400000000000000" pitchFamily="34" charset="-128"/>
+              </a:rPr>
+              <a:t>TOMARIGI</a:t>
+            </a:r>
+            <a:r>
+              <a:rPr lang="ja-JP" altLang="en-US">
+                <a:solidFill>
+                  <a:schemeClr val="accent5">
+                    <a:lumMod val="50000"/>
+                  </a:schemeClr>
+                </a:solidFill>
+                <a:latin typeface="Hiragino Maru Gothic Pro W4" panose="020F0400000000000000" pitchFamily="34" charset="-128"/>
+                <a:ea typeface="Hiragino Maru Gothic Pro W4" panose="020F0400000000000000" pitchFamily="34" charset="-128"/>
+              </a:rPr>
+              <a:t>」</a:t>
+            </a:r>
+            <a:endParaRPr kumimoji="1" lang="ja-JP" altLang="en-US">
+              <a:solidFill>
+                <a:schemeClr val="accent5">
+                  <a:lumMod val="50000"/>
+                </a:schemeClr>
+              </a:solidFill>
+              <a:latin typeface="Hiragino Maru Gothic Pro W4" panose="020F0400000000000000" pitchFamily="34" charset="-128"/>
+              <a:ea typeface="Hiragino Maru Gothic Pro W4" panose="020F0400000000000000" pitchFamily="34" charset="-128"/>
+            </a:endParaRPr>
+          </a:p>
+        </p:txBody>
+      </p:sp>
+      <p:sp>
+        <p:nvSpPr>
+          <p:cNvPr id="3" name="コンテンツ プレースホルダー 2">
+            <a:extLst>
+              <a:ext uri="{FF2B5EF4-FFF2-40B4-BE49-F238E27FC236}">
+                <a16:creationId xmlns:a16="http://schemas.microsoft.com/office/drawing/2014/main" id="{01E773B8-156E-4743-8E4A-3ED5FB7CC4E2}"/>
+              </a:ext>
+            </a:extLst>
+          </p:cNvPr>
+          <p:cNvSpPr>
+            <a:spLocks noGrp="1"/>
+          </p:cNvSpPr>
+          <p:nvPr>
+            <p:ph idx="1"/>
+          </p:nvPr>
+        </p:nvSpPr>
+        <p:spPr>
+          <a:xfrm>
+            <a:off x="838200" y="1588575"/>
+            <a:ext cx="10515600" cy="4588387"/>
+          </a:xfrm>
+        </p:spPr>
+        <p:txBody>
+          <a:bodyPr>
+            <a:normAutofit/>
+          </a:bodyPr>
+          <a:lstStyle/>
+          <a:p>
+            <a:pPr marL="45720" indent="0">
+              <a:buNone/>
+            </a:pPr>
+            <a:r>
+              <a:rPr lang="en-US" altLang="ja-JP" dirty="0">
+                <a:solidFill>
+                  <a:schemeClr val="accent5">
+                    <a:lumMod val="50000"/>
+                  </a:schemeClr>
+                </a:solidFill>
+                <a:latin typeface="Hiragino Maru Gothic Pro W4" panose="020F0400000000000000" pitchFamily="34" charset="-128"/>
+                <a:ea typeface="Hiragino Maru Gothic Pro W4" panose="020F0400000000000000" pitchFamily="34" charset="-128"/>
+              </a:rPr>
+              <a:t>【</a:t>
+            </a:r>
+            <a:r>
+              <a:rPr lang="ja-JP" altLang="en-US">
+                <a:solidFill>
+                  <a:schemeClr val="accent5">
+                    <a:lumMod val="50000"/>
+                  </a:schemeClr>
+                </a:solidFill>
+                <a:latin typeface="Hiragino Maru Gothic Pro W4" panose="020F0400000000000000" pitchFamily="34" charset="-128"/>
+                <a:ea typeface="Hiragino Maru Gothic Pro W4" panose="020F0400000000000000" pitchFamily="34" charset="-128"/>
+              </a:rPr>
+              <a:t>概要</a:t>
+            </a:r>
+            <a:r>
+              <a:rPr lang="en-US" altLang="ja-JP" dirty="0">
+                <a:solidFill>
+                  <a:schemeClr val="accent5">
+                    <a:lumMod val="50000"/>
+                  </a:schemeClr>
+                </a:solidFill>
+                <a:latin typeface="Hiragino Maru Gothic Pro W4" panose="020F0400000000000000" pitchFamily="34" charset="-128"/>
+                <a:ea typeface="Hiragino Maru Gothic Pro W4" panose="020F0400000000000000" pitchFamily="34" charset="-128"/>
+              </a:rPr>
+              <a:t>】</a:t>
+            </a:r>
+          </a:p>
+          <a:p>
+            <a:pPr marL="560070" indent="-514350"/>
+            <a:r>
+              <a:rPr lang="ja-JP" altLang="en-US">
+                <a:solidFill>
+                  <a:schemeClr val="accent5">
+                    <a:lumMod val="50000"/>
+                  </a:schemeClr>
+                </a:solidFill>
+                <a:latin typeface="Hiragino Maru Gothic Pro W4" panose="020F0400000000000000" pitchFamily="34" charset="-128"/>
+                <a:ea typeface="Hiragino Maru Gothic Pro W4" panose="020F0400000000000000" pitchFamily="34" charset="-128"/>
+              </a:rPr>
+              <a:t>責任者：魔王様</a:t>
+            </a:r>
+            <a:endParaRPr lang="en-US" altLang="ja-JP" dirty="0">
+              <a:solidFill>
+                <a:schemeClr val="accent5">
+                  <a:lumMod val="50000"/>
+                </a:schemeClr>
+              </a:solidFill>
+              <a:latin typeface="Hiragino Maru Gothic Pro W4" panose="020F0400000000000000" pitchFamily="34" charset="-128"/>
+              <a:ea typeface="Hiragino Maru Gothic Pro W4" panose="020F0400000000000000" pitchFamily="34" charset="-128"/>
+            </a:endParaRPr>
+          </a:p>
+          <a:p>
+            <a:pPr marL="560070" indent="-514350"/>
+            <a:r>
+              <a:rPr lang="en-US" altLang="ja-JP" dirty="0">
+                <a:solidFill>
+                  <a:schemeClr val="accent5">
+                    <a:lumMod val="50000"/>
+                  </a:schemeClr>
+                </a:solidFill>
+                <a:latin typeface="Hiragino Maru Gothic Pro W4" panose="020F0400000000000000" pitchFamily="34" charset="-128"/>
+                <a:ea typeface="Hiragino Maru Gothic Pro W4" panose="020F0400000000000000" pitchFamily="34" charset="-128"/>
+              </a:rPr>
+              <a:t>TH13</a:t>
+            </a:r>
+            <a:r>
+              <a:rPr lang="ja-JP" altLang="en-US">
+                <a:solidFill>
+                  <a:schemeClr val="accent5">
+                    <a:lumMod val="50000"/>
+                  </a:schemeClr>
+                </a:solidFill>
+                <a:latin typeface="Hiragino Maru Gothic Pro W4" panose="020F0400000000000000" pitchFamily="34" charset="-128"/>
+                <a:ea typeface="Hiragino Maru Gothic Pro W4" panose="020F0400000000000000" pitchFamily="34" charset="-128"/>
+              </a:rPr>
+              <a:t>、</a:t>
+            </a:r>
+            <a:r>
+              <a:rPr lang="en-US" altLang="ja-JP" dirty="0">
+                <a:solidFill>
+                  <a:schemeClr val="accent5">
+                    <a:lumMod val="50000"/>
+                  </a:schemeClr>
+                </a:solidFill>
+                <a:latin typeface="Hiragino Maru Gothic Pro W4" panose="020F0400000000000000" pitchFamily="34" charset="-128"/>
+                <a:ea typeface="Hiragino Maru Gothic Pro W4" panose="020F0400000000000000" pitchFamily="34" charset="-128"/>
+              </a:rPr>
+              <a:t>14</a:t>
+            </a:r>
+            <a:r>
+              <a:rPr lang="ja-JP" altLang="en-US">
+                <a:solidFill>
+                  <a:schemeClr val="accent5">
+                    <a:lumMod val="50000"/>
+                  </a:schemeClr>
+                </a:solidFill>
+                <a:latin typeface="Hiragino Maru Gothic Pro W4" panose="020F0400000000000000" pitchFamily="34" charset="-128"/>
+                <a:ea typeface="Hiragino Maru Gothic Pro W4" panose="020F0400000000000000" pitchFamily="34" charset="-128"/>
+              </a:rPr>
+              <a:t>のアクティブ勢で集まる</a:t>
+            </a:r>
+            <a:r>
+              <a:rPr lang="ja-JP" altLang="en-US" dirty="0">
+                <a:solidFill>
+                  <a:schemeClr val="accent5">
+                    <a:lumMod val="50000"/>
+                  </a:schemeClr>
+                </a:solidFill>
+                <a:latin typeface="Hiragino Maru Gothic Pro W4" panose="020F0400000000000000" pitchFamily="34" charset="-128"/>
+                <a:ea typeface="Hiragino Maru Gothic Pro W4" panose="020F0400000000000000" pitchFamily="34" charset="-128"/>
+              </a:rPr>
+              <a:t> </a:t>
+            </a:r>
+            <a:r>
+              <a:rPr lang="en-US" altLang="ja-JP" sz="2000" dirty="0">
+                <a:solidFill>
+                  <a:schemeClr val="accent5">
+                    <a:lumMod val="50000"/>
+                  </a:schemeClr>
+                </a:solidFill>
+                <a:latin typeface="Hiragino Maru Gothic Pro W4" panose="020F0400000000000000" pitchFamily="34" charset="-128"/>
+                <a:ea typeface="Hiragino Maru Gothic Pro W4" panose="020F0400000000000000" pitchFamily="34" charset="-128"/>
+              </a:rPr>
+              <a:t>(TH12</a:t>
+            </a:r>
+            <a:r>
+              <a:rPr lang="ja-JP" altLang="en-US" sz="2000">
+                <a:solidFill>
+                  <a:schemeClr val="accent5">
+                    <a:lumMod val="50000"/>
+                  </a:schemeClr>
+                </a:solidFill>
+                <a:latin typeface="Hiragino Maru Gothic Pro W4" panose="020F0400000000000000" pitchFamily="34" charset="-128"/>
+                <a:ea typeface="Hiragino Maru Gothic Pro W4" panose="020F0400000000000000" pitchFamily="34" charset="-128"/>
+              </a:rPr>
+              <a:t>以下の希望者は要相談</a:t>
+            </a:r>
+            <a:r>
+              <a:rPr lang="en-US" altLang="ja-JP" sz="2000" dirty="0">
+                <a:solidFill>
+                  <a:schemeClr val="accent5">
+                    <a:lumMod val="50000"/>
+                  </a:schemeClr>
+                </a:solidFill>
+                <a:latin typeface="Hiragino Maru Gothic Pro W4" panose="020F0400000000000000" pitchFamily="34" charset="-128"/>
+                <a:ea typeface="Hiragino Maru Gothic Pro W4" panose="020F0400000000000000" pitchFamily="34" charset="-128"/>
+              </a:rPr>
+              <a:t>)</a:t>
+            </a:r>
+          </a:p>
+          <a:p>
+            <a:pPr marL="560070" indent="-514350"/>
+            <a:r>
+              <a:rPr lang="ja-JP" altLang="en-US">
+                <a:solidFill>
+                  <a:schemeClr val="accent5">
+                    <a:lumMod val="50000"/>
+                  </a:schemeClr>
+                </a:solidFill>
+                <a:latin typeface="Hiragino Maru Gothic Pro W4" panose="020F0400000000000000" pitchFamily="34" charset="-128"/>
+                <a:ea typeface="Hiragino Maru Gothic Pro W4" panose="020F0400000000000000" pitchFamily="34" charset="-128"/>
+              </a:rPr>
+              <a:t>将来的に</a:t>
+            </a:r>
+            <a:r>
+              <a:rPr lang="en-US" altLang="ja-JP" dirty="0">
+                <a:solidFill>
+                  <a:schemeClr val="accent5">
+                    <a:lumMod val="50000"/>
+                  </a:schemeClr>
+                </a:solidFill>
+                <a:latin typeface="Hiragino Maru Gothic Pro W4" panose="020F0400000000000000" pitchFamily="34" charset="-128"/>
+                <a:ea typeface="Hiragino Maru Gothic Pro W4" panose="020F0400000000000000" pitchFamily="34" charset="-128"/>
+              </a:rPr>
+              <a:t>TH14</a:t>
+            </a:r>
+            <a:r>
+              <a:rPr lang="ja-JP" altLang="en-US">
+                <a:solidFill>
+                  <a:schemeClr val="accent5">
+                    <a:lumMod val="50000"/>
+                  </a:schemeClr>
+                </a:solidFill>
+                <a:latin typeface="Hiragino Maru Gothic Pro W4" panose="020F0400000000000000" pitchFamily="34" charset="-128"/>
+                <a:ea typeface="Hiragino Maru Gothic Pro W4" panose="020F0400000000000000" pitchFamily="34" charset="-128"/>
+              </a:rPr>
+              <a:t>オンリー化する</a:t>
+            </a:r>
+            <a:r>
+              <a:rPr lang="en-US" altLang="ja-JP" sz="2000" dirty="0">
+                <a:solidFill>
+                  <a:schemeClr val="accent5">
+                    <a:lumMod val="50000"/>
+                  </a:schemeClr>
+                </a:solidFill>
+                <a:latin typeface="Hiragino Maru Gothic Pro W4" panose="020F0400000000000000" pitchFamily="34" charset="-128"/>
+                <a:ea typeface="Hiragino Maru Gothic Pro W4" panose="020F0400000000000000" pitchFamily="34" charset="-128"/>
+              </a:rPr>
+              <a:t> (2021</a:t>
+            </a:r>
+            <a:r>
+              <a:rPr lang="ja-JP" altLang="en-US" sz="2000">
+                <a:solidFill>
+                  <a:schemeClr val="accent5">
+                    <a:lumMod val="50000"/>
+                  </a:schemeClr>
+                </a:solidFill>
+                <a:latin typeface="Hiragino Maru Gothic Pro W4" panose="020F0400000000000000" pitchFamily="34" charset="-128"/>
+                <a:ea typeface="Hiragino Maru Gothic Pro W4" panose="020F0400000000000000" pitchFamily="34" charset="-128"/>
+              </a:rPr>
+              <a:t>年</a:t>
+            </a:r>
+            <a:r>
+              <a:rPr lang="en-US" altLang="ja-JP" sz="2000" dirty="0">
+                <a:solidFill>
+                  <a:schemeClr val="accent5">
+                    <a:lumMod val="50000"/>
+                  </a:schemeClr>
+                </a:solidFill>
+                <a:latin typeface="Hiragino Maru Gothic Pro W4" panose="020F0400000000000000" pitchFamily="34" charset="-128"/>
+                <a:ea typeface="Hiragino Maru Gothic Pro W4" panose="020F0400000000000000" pitchFamily="34" charset="-128"/>
+              </a:rPr>
+              <a:t>12</a:t>
+            </a:r>
+            <a:r>
+              <a:rPr lang="ja-JP" altLang="en-US" sz="2000">
+                <a:solidFill>
+                  <a:schemeClr val="accent5">
+                    <a:lumMod val="50000"/>
+                  </a:schemeClr>
+                </a:solidFill>
+                <a:latin typeface="Hiragino Maru Gothic Pro W4" panose="020F0400000000000000" pitchFamily="34" charset="-128"/>
+                <a:ea typeface="Hiragino Maru Gothic Pro W4" panose="020F0400000000000000" pitchFamily="34" charset="-128"/>
+              </a:rPr>
+              <a:t>月予定</a:t>
+            </a:r>
+            <a:r>
+              <a:rPr lang="en-US" altLang="ja-JP" sz="2000" dirty="0">
+                <a:solidFill>
+                  <a:schemeClr val="accent5">
+                    <a:lumMod val="50000"/>
+                  </a:schemeClr>
+                </a:solidFill>
+                <a:latin typeface="Hiragino Maru Gothic Pro W4" panose="020F0400000000000000" pitchFamily="34" charset="-128"/>
+                <a:ea typeface="Hiragino Maru Gothic Pro W4" panose="020F0400000000000000" pitchFamily="34" charset="-128"/>
+              </a:rPr>
+              <a:t>)</a:t>
+            </a:r>
+            <a:br>
+              <a:rPr lang="en-US" altLang="ja-JP" dirty="0">
+                <a:solidFill>
+                  <a:schemeClr val="accent5">
+                    <a:lumMod val="50000"/>
+                  </a:schemeClr>
+                </a:solidFill>
+                <a:latin typeface="Hiragino Maru Gothic Pro W4" panose="020F0400000000000000" pitchFamily="34" charset="-128"/>
+                <a:ea typeface="Hiragino Maru Gothic Pro W4" panose="020F0400000000000000" pitchFamily="34" charset="-128"/>
+              </a:rPr>
+            </a:br>
+            <a:endParaRPr lang="en-US" altLang="ja-JP" dirty="0">
+              <a:solidFill>
+                <a:schemeClr val="accent5">
+                  <a:lumMod val="50000"/>
+                </a:schemeClr>
+              </a:solidFill>
+              <a:latin typeface="Hiragino Maru Gothic Pro W4" panose="020F0400000000000000" pitchFamily="34" charset="-128"/>
+              <a:ea typeface="Hiragino Maru Gothic Pro W4" panose="020F0400000000000000" pitchFamily="34" charset="-128"/>
+            </a:endParaRPr>
+          </a:p>
+          <a:p>
+            <a:pPr marL="45720" indent="0">
+              <a:buNone/>
+            </a:pPr>
+            <a:r>
+              <a:rPr lang="en-US" altLang="ja-JP" dirty="0">
+                <a:solidFill>
+                  <a:schemeClr val="accent5">
+                    <a:lumMod val="50000"/>
+                  </a:schemeClr>
+                </a:solidFill>
+                <a:latin typeface="Hiragino Maru Gothic Pro W4" panose="020F0400000000000000" pitchFamily="34" charset="-128"/>
+                <a:ea typeface="Hiragino Maru Gothic Pro W4" panose="020F0400000000000000" pitchFamily="34" charset="-128"/>
+              </a:rPr>
+              <a:t>【</a:t>
+            </a:r>
+            <a:r>
+              <a:rPr lang="ja-JP" altLang="en-US">
+                <a:solidFill>
+                  <a:schemeClr val="accent5">
+                    <a:lumMod val="50000"/>
+                  </a:schemeClr>
+                </a:solidFill>
+                <a:latin typeface="Hiragino Maru Gothic Pro W4" panose="020F0400000000000000" pitchFamily="34" charset="-128"/>
+                <a:ea typeface="Hiragino Maru Gothic Pro W4" panose="020F0400000000000000" pitchFamily="34" charset="-128"/>
+              </a:rPr>
+              <a:t>方針、目指すクランの姿</a:t>
+            </a:r>
+            <a:r>
+              <a:rPr lang="en-US" altLang="ja-JP" dirty="0">
+                <a:solidFill>
+                  <a:schemeClr val="accent5">
+                    <a:lumMod val="50000"/>
+                  </a:schemeClr>
+                </a:solidFill>
+                <a:latin typeface="Hiragino Maru Gothic Pro W4" panose="020F0400000000000000" pitchFamily="34" charset="-128"/>
+                <a:ea typeface="Hiragino Maru Gothic Pro W4" panose="020F0400000000000000" pitchFamily="34" charset="-128"/>
+              </a:rPr>
+              <a:t>】</a:t>
+            </a:r>
+          </a:p>
+          <a:p>
+            <a:pPr marL="502920" indent="-457200"/>
+            <a:r>
+              <a:rPr lang="en-US" altLang="ja-JP" dirty="0">
+                <a:solidFill>
+                  <a:schemeClr val="accent5">
+                    <a:lumMod val="50000"/>
+                  </a:schemeClr>
+                </a:solidFill>
+                <a:latin typeface="Hiragino Maru Gothic Pro W4" panose="020F0400000000000000" pitchFamily="34" charset="-128"/>
+                <a:ea typeface="Hiragino Maru Gothic Pro W4" panose="020F0400000000000000" pitchFamily="34" charset="-128"/>
+              </a:rPr>
+              <a:t>“</a:t>
+            </a:r>
+            <a:r>
+              <a:rPr lang="ja-JP" altLang="en-US">
+                <a:solidFill>
+                  <a:schemeClr val="accent5">
+                    <a:lumMod val="50000"/>
+                  </a:schemeClr>
+                </a:solidFill>
+                <a:latin typeface="Hiragino Maru Gothic Pro W4" panose="020F0400000000000000" pitchFamily="34" charset="-128"/>
+                <a:ea typeface="Hiragino Maru Gothic Pro W4" panose="020F0400000000000000" pitchFamily="34" charset="-128"/>
+              </a:rPr>
+              <a:t>高いモチベーションの人にとって</a:t>
+            </a:r>
+            <a:r>
+              <a:rPr lang="en-US" altLang="ja-JP" dirty="0">
+                <a:solidFill>
+                  <a:schemeClr val="accent5">
+                    <a:lumMod val="50000"/>
+                  </a:schemeClr>
+                </a:solidFill>
+                <a:latin typeface="Hiragino Maru Gothic Pro W4" panose="020F0400000000000000" pitchFamily="34" charset="-128"/>
+                <a:ea typeface="Hiragino Maru Gothic Pro W4" panose="020F0400000000000000" pitchFamily="34" charset="-128"/>
+              </a:rPr>
+              <a:t>”</a:t>
+            </a:r>
+            <a:br>
+              <a:rPr lang="en-US" altLang="ja-JP" dirty="0">
+                <a:solidFill>
+                  <a:schemeClr val="accent5">
+                    <a:lumMod val="50000"/>
+                  </a:schemeClr>
+                </a:solidFill>
+                <a:latin typeface="Hiragino Maru Gothic Pro W4" panose="020F0400000000000000" pitchFamily="34" charset="-128"/>
+                <a:ea typeface="Hiragino Maru Gothic Pro W4" panose="020F0400000000000000" pitchFamily="34" charset="-128"/>
+              </a:rPr>
+            </a:br>
+            <a:r>
+              <a:rPr lang="ja-JP" altLang="en-US">
+                <a:solidFill>
+                  <a:schemeClr val="accent5">
+                    <a:lumMod val="50000"/>
+                  </a:schemeClr>
+                </a:solidFill>
+                <a:latin typeface="Hiragino Maru Gothic Pro W4" panose="020F0400000000000000" pitchFamily="34" charset="-128"/>
+                <a:ea typeface="Hiragino Maru Gothic Pro W4" panose="020F0400000000000000" pitchFamily="34" charset="-128"/>
+              </a:rPr>
+              <a:t>　居心地の良いクランであること</a:t>
+            </a:r>
+            <a:endParaRPr lang="en-US" altLang="ja-JP" dirty="0">
+              <a:solidFill>
+                <a:schemeClr val="accent5">
+                  <a:lumMod val="50000"/>
+                </a:schemeClr>
+              </a:solidFill>
+              <a:latin typeface="Hiragino Maru Gothic Pro W4" panose="020F0400000000000000" pitchFamily="34" charset="-128"/>
+              <a:ea typeface="Hiragino Maru Gothic Pro W4" panose="020F0400000000000000" pitchFamily="34" charset="-128"/>
+            </a:endParaRPr>
+          </a:p>
+          <a:p>
+            <a:pPr marL="502920" indent="-457200"/>
+            <a:r>
+              <a:rPr lang="ja-JP" altLang="en-US">
+                <a:solidFill>
+                  <a:schemeClr val="accent5">
+                    <a:lumMod val="50000"/>
+                  </a:schemeClr>
+                </a:solidFill>
+                <a:latin typeface="Hiragino Maru Gothic Pro W4" panose="020F0400000000000000" pitchFamily="34" charset="-128"/>
+                <a:ea typeface="Hiragino Maru Gothic Pro W4" panose="020F0400000000000000" pitchFamily="34" charset="-128"/>
+              </a:rPr>
+              <a:t>強いクランであること</a:t>
+            </a:r>
+            <a:endParaRPr lang="en-US" altLang="ja-JP" dirty="0">
+              <a:solidFill>
+                <a:schemeClr val="accent5">
+                  <a:lumMod val="50000"/>
+                </a:schemeClr>
+              </a:solidFill>
+              <a:latin typeface="Hiragino Maru Gothic Pro W4" panose="020F0400000000000000" pitchFamily="34" charset="-128"/>
+              <a:ea typeface="Hiragino Maru Gothic Pro W4" panose="020F0400000000000000" pitchFamily="34" charset="-128"/>
+            </a:endParaRPr>
+          </a:p>
+          <a:p>
+            <a:pPr marL="45720" indent="0">
+              <a:buNone/>
+            </a:pPr>
+            <a:endParaRPr lang="en-US" altLang="ja-JP" dirty="0">
+              <a:solidFill>
+                <a:schemeClr val="accent5">
+                  <a:lumMod val="50000"/>
+                </a:schemeClr>
+              </a:solidFill>
+              <a:latin typeface="Hiragino Maru Gothic Pro W4" panose="020F0400000000000000" pitchFamily="34" charset="-128"/>
+              <a:ea typeface="Hiragino Maru Gothic Pro W4" panose="020F0400000000000000" pitchFamily="34" charset="-128"/>
+            </a:endParaRPr>
+          </a:p>
+          <a:p>
+            <a:pPr marL="502920" indent="-457200"/>
+            <a:endParaRPr lang="en-US" altLang="ja-JP" dirty="0">
+              <a:solidFill>
+                <a:schemeClr val="accent5">
+                  <a:lumMod val="50000"/>
+                </a:schemeClr>
+              </a:solidFill>
+              <a:latin typeface="Hiragino Maru Gothic Pro W4" panose="020F0400000000000000" pitchFamily="34" charset="-128"/>
+              <a:ea typeface="Hiragino Maru Gothic Pro W4" panose="020F0400000000000000" pitchFamily="34" charset="-128"/>
+            </a:endParaRPr>
+          </a:p>
+        </p:txBody>
+      </p:sp>
+      <p:sp>
+        <p:nvSpPr>
+          <p:cNvPr id="4" name="スライド番号プレースホルダー 3">
+            <a:extLst>
+              <a:ext uri="{FF2B5EF4-FFF2-40B4-BE49-F238E27FC236}">
+                <a16:creationId xmlns:a16="http://schemas.microsoft.com/office/drawing/2014/main" id="{34C04C8D-49C3-874E-864D-A6289CA1E427}"/>
+              </a:ext>
+            </a:extLst>
+          </p:cNvPr>
+          <p:cNvSpPr>
+            <a:spLocks noGrp="1"/>
+          </p:cNvSpPr>
+          <p:nvPr>
+            <p:ph type="sldNum" sz="quarter" idx="12"/>
+          </p:nvPr>
+        </p:nvSpPr>
+        <p:spPr/>
+        <p:txBody>
+          <a:bodyPr/>
+          <a:lstStyle/>
+          <a:p>
+            <a:pPr rtl="0"/>
+            <a:fld id="{E31375A4-56A4-47D6-9801-1991572033F7}" type="slidenum">
+              <a:rPr lang="en-US" altLang="ja-JP" noProof="0" smtClean="0">
+                <a:solidFill>
+                  <a:schemeClr val="accent5">
+                    <a:lumMod val="50000"/>
+                  </a:schemeClr>
+                </a:solidFill>
+                <a:latin typeface="Hiragino Maru Gothic Pro W4" panose="020F0400000000000000" pitchFamily="34" charset="-128"/>
+                <a:ea typeface="Hiragino Maru Gothic Pro W4" panose="020F0400000000000000" pitchFamily="34" charset="-128"/>
+              </a:rPr>
+              <a:t>5</a:t>
+            </a:fld>
+            <a:endParaRPr lang="ja-JP" altLang="en-US" noProof="0" dirty="0">
+              <a:solidFill>
+                <a:schemeClr val="accent5">
+                  <a:lumMod val="50000"/>
+                </a:schemeClr>
+              </a:solidFill>
+              <a:latin typeface="Hiragino Maru Gothic Pro W4" panose="020F0400000000000000" pitchFamily="34" charset="-128"/>
+              <a:ea typeface="Hiragino Maru Gothic Pro W4" panose="020F0400000000000000" pitchFamily="34" charset="-128"/>
+            </a:endParaRPr>
+          </a:p>
+        </p:txBody>
+      </p:sp>
+    </p:spTree>
+    <p:extLst>
+      <p:ext uri="{BB962C8B-B14F-4D97-AF65-F5344CB8AC3E}">
+        <p14:creationId xmlns:p14="http://schemas.microsoft.com/office/powerpoint/2010/main" val="3734338026"/>
+      </p:ext>
+    </p:extLst>
+  </p:cSld>
+  <p:clrMapOvr>
+    <a:masterClrMapping/>
+  </p:clrMapOvr>
+  <mc:AlternateContent xmlns:mc="http://schemas.openxmlformats.org/markup-compatibility/2006" xmlns:p14="http://schemas.microsoft.com/office/powerpoint/2010/main">
+    <mc:Choice Requires="p14">
+      <p:transition spd="med" p14:dur="700">
+        <p:fade/>
+      </p:transition>
+    </mc:Choice>
+    <mc:Fallback xmlns="">
+      <p:transition spd="med">
+        <p:fade/>
+      </p:transition>
+    </mc:Fallback>
+  </mc:AlternateContent>
+</p:sld>
+</file>
+
+<file path=ppt/slides/slide6.xml><?xml version="1.0" encoding="utf-8"?>
+<p:sld xmlns:a="http://schemas.openxmlformats.org/drawingml/2006/main" xmlns:r="http://schemas.openxmlformats.org/officeDocument/2006/relationships" xmlns:p="http://schemas.openxmlformats.org/presentationml/2006/main">
+  <p:cSld>
+    <p:spTree>
+      <p:nvGrpSpPr>
+        <p:cNvPr id="1" name=""/>
+        <p:cNvGrpSpPr/>
+        <p:nvPr/>
+      </p:nvGrpSpPr>
+      <p:grpSpPr>
+        <a:xfrm>
+          <a:off x="0" y="0"/>
+          <a:ext cx="0" cy="0"/>
+          <a:chOff x="0" y="0"/>
+          <a:chExt cx="0" cy="0"/>
+        </a:xfrm>
+      </p:grpSpPr>
+      <p:sp>
+        <p:nvSpPr>
+          <p:cNvPr id="2" name="タイトル 1">
+            <a:extLst>
+              <a:ext uri="{FF2B5EF4-FFF2-40B4-BE49-F238E27FC236}">
+                <a16:creationId xmlns:a16="http://schemas.microsoft.com/office/drawing/2014/main" id="{4BEF2D4F-28AD-C84D-A4AC-A607D5B45D24}"/>
+              </a:ext>
+            </a:extLst>
+          </p:cNvPr>
+          <p:cNvSpPr>
+            <a:spLocks noGrp="1"/>
+          </p:cNvSpPr>
+          <p:nvPr>
+            <p:ph type="title"/>
+          </p:nvPr>
+        </p:nvSpPr>
+        <p:spPr/>
+        <p:txBody>
+          <a:bodyPr/>
+          <a:lstStyle/>
+          <a:p>
+            <a:r>
+              <a:rPr lang="ja-JP" altLang="en-US">
+                <a:solidFill>
+                  <a:schemeClr val="accent5">
+                    <a:lumMod val="50000"/>
+                  </a:schemeClr>
+                </a:solidFill>
+                <a:latin typeface="Hiragino Maru Gothic Pro W4" panose="020F0400000000000000" pitchFamily="34" charset="-128"/>
+                <a:ea typeface="Hiragino Maru Gothic Pro W4" panose="020F0400000000000000" pitchFamily="34" charset="-128"/>
+              </a:rPr>
+              <a:t>クラン「</a:t>
+            </a:r>
+            <a:r>
+              <a:rPr lang="en-US" altLang="ja-JP" dirty="0">
+                <a:solidFill>
+                  <a:schemeClr val="accent5">
+                    <a:lumMod val="50000"/>
+                  </a:schemeClr>
+                </a:solidFill>
+                <a:latin typeface="Hiragino Maru Gothic Pro W4" panose="020F0400000000000000" pitchFamily="34" charset="-128"/>
+                <a:ea typeface="Hiragino Maru Gothic Pro W4" panose="020F0400000000000000" pitchFamily="34" charset="-128"/>
+              </a:rPr>
+              <a:t>TOMARIGI</a:t>
+            </a:r>
+            <a:r>
+              <a:rPr lang="ja-JP" altLang="en-US">
+                <a:solidFill>
+                  <a:schemeClr val="accent5">
+                    <a:lumMod val="50000"/>
+                  </a:schemeClr>
+                </a:solidFill>
+                <a:latin typeface="Hiragino Maru Gothic Pro W4" panose="020F0400000000000000" pitchFamily="34" charset="-128"/>
+                <a:ea typeface="Hiragino Maru Gothic Pro W4" panose="020F0400000000000000" pitchFamily="34" charset="-128"/>
+              </a:rPr>
+              <a:t>」</a:t>
+            </a:r>
+            <a:endParaRPr kumimoji="1" lang="ja-JP" altLang="en-US">
+              <a:solidFill>
+                <a:schemeClr val="accent5">
+                  <a:lumMod val="50000"/>
+                </a:schemeClr>
+              </a:solidFill>
+              <a:latin typeface="Hiragino Maru Gothic Pro W4" panose="020F0400000000000000" pitchFamily="34" charset="-128"/>
+              <a:ea typeface="Hiragino Maru Gothic Pro W4" panose="020F0400000000000000" pitchFamily="34" charset="-128"/>
+            </a:endParaRPr>
+          </a:p>
+        </p:txBody>
+      </p:sp>
+      <p:sp>
+        <p:nvSpPr>
+          <p:cNvPr id="3" name="コンテンツ プレースホルダー 2">
+            <a:extLst>
+              <a:ext uri="{FF2B5EF4-FFF2-40B4-BE49-F238E27FC236}">
+                <a16:creationId xmlns:a16="http://schemas.microsoft.com/office/drawing/2014/main" id="{01E773B8-156E-4743-8E4A-3ED5FB7CC4E2}"/>
+              </a:ext>
+            </a:extLst>
+          </p:cNvPr>
+          <p:cNvSpPr>
+            <a:spLocks noGrp="1"/>
+          </p:cNvSpPr>
+          <p:nvPr>
+            <p:ph idx="1"/>
+          </p:nvPr>
+        </p:nvSpPr>
+        <p:spPr>
+          <a:xfrm>
+            <a:off x="838200" y="1588575"/>
+            <a:ext cx="10515600" cy="4588387"/>
+          </a:xfrm>
+        </p:spPr>
+        <p:txBody>
+          <a:bodyPr>
+            <a:normAutofit/>
+          </a:bodyPr>
+          <a:lstStyle/>
+          <a:p>
+            <a:pPr marL="45720" indent="0">
+              <a:buNone/>
+            </a:pPr>
+            <a:r>
+              <a:rPr lang="en-US" altLang="ja-JP" dirty="0">
+                <a:solidFill>
+                  <a:schemeClr val="accent5">
+                    <a:lumMod val="50000"/>
+                  </a:schemeClr>
+                </a:solidFill>
+                <a:latin typeface="Hiragino Maru Gothic Pro W4" panose="020F0400000000000000" pitchFamily="34" charset="-128"/>
+                <a:ea typeface="Hiragino Maru Gothic Pro W4" panose="020F0400000000000000" pitchFamily="34" charset="-128"/>
+              </a:rPr>
+              <a:t>【</a:t>
+            </a:r>
+            <a:r>
+              <a:rPr lang="ja-JP" altLang="en-US">
+                <a:solidFill>
+                  <a:schemeClr val="accent5">
+                    <a:lumMod val="50000"/>
+                  </a:schemeClr>
+                </a:solidFill>
+                <a:latin typeface="Hiragino Maru Gothic Pro W4" panose="020F0400000000000000" pitchFamily="34" charset="-128"/>
+                <a:ea typeface="Hiragino Maru Gothic Pro W4" panose="020F0400000000000000" pitchFamily="34" charset="-128"/>
+              </a:rPr>
+              <a:t>目標</a:t>
+            </a:r>
+            <a:r>
+              <a:rPr lang="en-US" altLang="ja-JP" dirty="0">
+                <a:solidFill>
+                  <a:schemeClr val="accent5">
+                    <a:lumMod val="50000"/>
+                  </a:schemeClr>
+                </a:solidFill>
+                <a:latin typeface="Hiragino Maru Gothic Pro W4" panose="020F0400000000000000" pitchFamily="34" charset="-128"/>
+                <a:ea typeface="Hiragino Maru Gothic Pro W4" panose="020F0400000000000000" pitchFamily="34" charset="-128"/>
+              </a:rPr>
+              <a:t>】</a:t>
+            </a:r>
+          </a:p>
+          <a:p>
+            <a:pPr marL="502920" indent="-457200"/>
+            <a:r>
+              <a:rPr lang="ja-JP" altLang="en-US">
+                <a:solidFill>
+                  <a:schemeClr val="accent5">
+                    <a:lumMod val="50000"/>
+                  </a:schemeClr>
+                </a:solidFill>
+                <a:latin typeface="Hiragino Maru Gothic Pro W4" panose="020F0400000000000000" pitchFamily="34" charset="-128"/>
+                <a:ea typeface="Hiragino Maru Gothic Pro W4" panose="020F0400000000000000" pitchFamily="34" charset="-128"/>
+              </a:rPr>
+              <a:t>クランリーグ戦：チャンピオン</a:t>
+            </a:r>
+            <a:r>
+              <a:rPr lang="en-US" altLang="ja-JP" dirty="0">
+                <a:solidFill>
+                  <a:schemeClr val="accent5">
+                    <a:lumMod val="50000"/>
+                  </a:schemeClr>
+                </a:solidFill>
+                <a:latin typeface="Hiragino Maru Gothic Pro W4" panose="020F0400000000000000" pitchFamily="34" charset="-128"/>
+                <a:ea typeface="Hiragino Maru Gothic Pro W4" panose="020F0400000000000000" pitchFamily="34" charset="-128"/>
+              </a:rPr>
+              <a:t>Ⅰ</a:t>
+            </a:r>
+          </a:p>
+          <a:p>
+            <a:pPr marL="502920" indent="-457200"/>
+            <a:r>
+              <a:rPr lang="en-US" altLang="ja-JP" dirty="0">
+                <a:solidFill>
+                  <a:schemeClr val="accent5">
+                    <a:lumMod val="50000"/>
+                  </a:schemeClr>
+                </a:solidFill>
+                <a:latin typeface="Hiragino Maru Gothic Pro W4" panose="020F0400000000000000" pitchFamily="34" charset="-128"/>
+                <a:ea typeface="Hiragino Maru Gothic Pro W4" panose="020F0400000000000000" pitchFamily="34" charset="-128"/>
+              </a:rPr>
+              <a:t>JWC J1</a:t>
+            </a:r>
+            <a:r>
+              <a:rPr lang="ja-JP" altLang="en-US">
+                <a:solidFill>
+                  <a:schemeClr val="accent5">
+                    <a:lumMod val="50000"/>
+                  </a:schemeClr>
+                </a:solidFill>
+                <a:latin typeface="Hiragino Maru Gothic Pro W4" panose="020F0400000000000000" pitchFamily="34" charset="-128"/>
+                <a:ea typeface="Hiragino Maru Gothic Pro W4" panose="020F0400000000000000" pitchFamily="34" charset="-128"/>
+              </a:rPr>
+              <a:t>への昇格</a:t>
+            </a:r>
+            <a:endParaRPr lang="en-US" altLang="ja-JP" dirty="0">
+              <a:solidFill>
+                <a:schemeClr val="accent5">
+                  <a:lumMod val="50000"/>
+                </a:schemeClr>
+              </a:solidFill>
+              <a:latin typeface="Hiragino Maru Gothic Pro W4" panose="020F0400000000000000" pitchFamily="34" charset="-128"/>
+              <a:ea typeface="Hiragino Maru Gothic Pro W4" panose="020F0400000000000000" pitchFamily="34" charset="-128"/>
+            </a:endParaRPr>
+          </a:p>
+          <a:p>
+            <a:pPr marL="502920" indent="-457200"/>
+            <a:r>
+              <a:rPr lang="en-US" altLang="ja-JP" dirty="0">
+                <a:solidFill>
+                  <a:schemeClr val="accent5">
+                    <a:lumMod val="50000"/>
+                  </a:schemeClr>
+                </a:solidFill>
+                <a:latin typeface="Hiragino Maru Gothic Pro W4" panose="020F0400000000000000" pitchFamily="34" charset="-128"/>
+                <a:ea typeface="Hiragino Maru Gothic Pro W4" panose="020F0400000000000000" pitchFamily="34" charset="-128"/>
+              </a:rPr>
+              <a:t>CWL Elite </a:t>
+            </a:r>
+            <a:r>
+              <a:rPr lang="ja-JP" altLang="en-US">
+                <a:solidFill>
+                  <a:schemeClr val="accent5">
+                    <a:lumMod val="50000"/>
+                  </a:schemeClr>
+                </a:solidFill>
+                <a:latin typeface="Hiragino Maru Gothic Pro W4" panose="020F0400000000000000" pitchFamily="34" charset="-128"/>
+                <a:ea typeface="Hiragino Maru Gothic Pro W4" panose="020F0400000000000000" pitchFamily="34" charset="-128"/>
+              </a:rPr>
+              <a:t>への挑戦 </a:t>
+            </a:r>
+            <a:r>
+              <a:rPr lang="en-US" altLang="ja-JP" dirty="0">
+                <a:solidFill>
+                  <a:schemeClr val="accent5">
+                    <a:lumMod val="50000"/>
+                  </a:schemeClr>
+                </a:solidFill>
+                <a:latin typeface="Hiragino Maru Gothic Pro W4" panose="020F0400000000000000" pitchFamily="34" charset="-128"/>
+                <a:ea typeface="Hiragino Maru Gothic Pro W4" panose="020F0400000000000000" pitchFamily="34" charset="-128"/>
+              </a:rPr>
+              <a:t>(</a:t>
+            </a:r>
+            <a:r>
+              <a:rPr lang="ja-JP" altLang="en-US">
+                <a:solidFill>
+                  <a:schemeClr val="accent5">
+                    <a:lumMod val="50000"/>
+                  </a:schemeClr>
+                </a:solidFill>
+                <a:latin typeface="Hiragino Maru Gothic Pro W4" panose="020F0400000000000000" pitchFamily="34" charset="-128"/>
+                <a:ea typeface="Hiragino Maru Gothic Pro W4" panose="020F0400000000000000" pitchFamily="34" charset="-128"/>
+              </a:rPr>
+              <a:t>プレーオフ進出</a:t>
+            </a:r>
+            <a:r>
+              <a:rPr lang="en-US" altLang="ja-JP" dirty="0">
+                <a:solidFill>
+                  <a:schemeClr val="accent5">
+                    <a:lumMod val="50000"/>
+                  </a:schemeClr>
+                </a:solidFill>
+                <a:latin typeface="Hiragino Maru Gothic Pro W4" panose="020F0400000000000000" pitchFamily="34" charset="-128"/>
+                <a:ea typeface="Hiragino Maru Gothic Pro W4" panose="020F0400000000000000" pitchFamily="34" charset="-128"/>
+              </a:rPr>
+              <a:t>)</a:t>
+            </a:r>
+          </a:p>
+          <a:p>
+            <a:pPr marL="502920" indent="-457200"/>
+            <a:r>
+              <a:rPr lang="ja-JP" altLang="en-US">
+                <a:solidFill>
+                  <a:schemeClr val="accent5">
+                    <a:lumMod val="50000"/>
+                  </a:schemeClr>
+                </a:solidFill>
+                <a:latin typeface="Hiragino Maru Gothic Pro W4" panose="020F0400000000000000" pitchFamily="34" charset="-128"/>
+                <a:ea typeface="Hiragino Maru Gothic Pro W4" panose="020F0400000000000000" pitchFamily="34" charset="-128"/>
+              </a:rPr>
+              <a:t>海外リーグの制覇 </a:t>
+            </a:r>
+            <a:r>
+              <a:rPr lang="en-US" altLang="ja-JP" dirty="0">
+                <a:solidFill>
+                  <a:schemeClr val="accent5">
+                    <a:lumMod val="50000"/>
+                  </a:schemeClr>
+                </a:solidFill>
+                <a:latin typeface="Hiragino Maru Gothic Pro W4" panose="020F0400000000000000" pitchFamily="34" charset="-128"/>
+                <a:ea typeface="Hiragino Maru Gothic Pro W4" panose="020F0400000000000000" pitchFamily="34" charset="-128"/>
+              </a:rPr>
+              <a:t>(EWL,MLCW,GCC,FWL </a:t>
+            </a:r>
+            <a:r>
+              <a:rPr lang="ja-JP" altLang="en-US">
+                <a:solidFill>
+                  <a:schemeClr val="accent5">
+                    <a:lumMod val="50000"/>
+                  </a:schemeClr>
+                </a:solidFill>
+                <a:latin typeface="Hiragino Maru Gothic Pro W4" panose="020F0400000000000000" pitchFamily="34" charset="-128"/>
+                <a:ea typeface="Hiragino Maru Gothic Pro W4" panose="020F0400000000000000" pitchFamily="34" charset="-128"/>
+              </a:rPr>
+              <a:t>等</a:t>
+            </a:r>
+            <a:r>
+              <a:rPr lang="en-US" altLang="ja-JP" dirty="0">
+                <a:solidFill>
+                  <a:schemeClr val="accent5">
+                    <a:lumMod val="50000"/>
+                  </a:schemeClr>
+                </a:solidFill>
+                <a:latin typeface="Hiragino Maru Gothic Pro W4" panose="020F0400000000000000" pitchFamily="34" charset="-128"/>
+                <a:ea typeface="Hiragino Maru Gothic Pro W4" panose="020F0400000000000000" pitchFamily="34" charset="-128"/>
+              </a:rPr>
+              <a:t>)</a:t>
+            </a:r>
+          </a:p>
+        </p:txBody>
+      </p:sp>
+      <p:sp>
+        <p:nvSpPr>
+          <p:cNvPr id="4" name="スライド番号プレースホルダー 3">
+            <a:extLst>
+              <a:ext uri="{FF2B5EF4-FFF2-40B4-BE49-F238E27FC236}">
+                <a16:creationId xmlns:a16="http://schemas.microsoft.com/office/drawing/2014/main" id="{34C04C8D-49C3-874E-864D-A6289CA1E427}"/>
+              </a:ext>
+            </a:extLst>
+          </p:cNvPr>
+          <p:cNvSpPr>
+            <a:spLocks noGrp="1"/>
+          </p:cNvSpPr>
+          <p:nvPr>
+            <p:ph type="sldNum" sz="quarter" idx="12"/>
+          </p:nvPr>
+        </p:nvSpPr>
+        <p:spPr/>
+        <p:txBody>
+          <a:bodyPr/>
+          <a:lstStyle/>
+          <a:p>
+            <a:pPr rtl="0"/>
+            <a:fld id="{E31375A4-56A4-47D6-9801-1991572033F7}" type="slidenum">
+              <a:rPr lang="en-US" altLang="ja-JP" noProof="0" smtClean="0">
+                <a:solidFill>
+                  <a:schemeClr val="accent5">
+                    <a:lumMod val="50000"/>
+                  </a:schemeClr>
+                </a:solidFill>
+                <a:latin typeface="Hiragino Maru Gothic Pro W4" panose="020F0400000000000000" pitchFamily="34" charset="-128"/>
+                <a:ea typeface="Hiragino Maru Gothic Pro W4" panose="020F0400000000000000" pitchFamily="34" charset="-128"/>
+              </a:rPr>
+              <a:t>6</a:t>
+            </a:fld>
+            <a:endParaRPr lang="ja-JP" altLang="en-US" noProof="0" dirty="0">
+              <a:solidFill>
+                <a:schemeClr val="accent5">
+                  <a:lumMod val="50000"/>
+                </a:schemeClr>
+              </a:solidFill>
+              <a:latin typeface="Hiragino Maru Gothic Pro W4" panose="020F0400000000000000" pitchFamily="34" charset="-128"/>
+              <a:ea typeface="Hiragino Maru Gothic Pro W4" panose="020F0400000000000000" pitchFamily="34" charset="-128"/>
+            </a:endParaRPr>
+          </a:p>
+        </p:txBody>
+      </p:sp>
+    </p:spTree>
+    <p:extLst>
+      <p:ext uri="{BB962C8B-B14F-4D97-AF65-F5344CB8AC3E}">
+        <p14:creationId xmlns:p14="http://schemas.microsoft.com/office/powerpoint/2010/main" val="3120325449"/>
+      </p:ext>
+    </p:extLst>
+  </p:cSld>
+  <p:clrMapOvr>
+    <a:masterClrMapping/>
+  </p:clrMapOvr>
+  <mc:AlternateContent xmlns:mc="http://schemas.openxmlformats.org/markup-compatibility/2006" xmlns:p14="http://schemas.microsoft.com/office/powerpoint/2010/main">
+    <mc:Choice Requires="p14">
+      <p:transition spd="med" p14:dur="700">
+        <p:fade/>
+      </p:transition>
+    </mc:Choice>
+    <mc:Fallback xmlns="">
+      <p:transition spd="med">
+        <p:fade/>
+      </p:transition>
+    </mc:Fallback>
+  </mc:AlternateContent>
+</p:sld>
+</file>
+
+<file path=ppt/slides/slide7.xml><?xml version="1.0" encoding="utf-8"?>
+<p:sld xmlns:a="http://schemas.openxmlformats.org/drawingml/2006/main" xmlns:r="http://schemas.openxmlformats.org/officeDocument/2006/relationships" xmlns:p="http://schemas.openxmlformats.org/presentationml/2006/main">
+  <p:cSld>
+    <p:spTree>
+      <p:nvGrpSpPr>
+        <p:cNvPr id="1" name=""/>
+        <p:cNvGrpSpPr/>
+        <p:nvPr/>
+      </p:nvGrpSpPr>
+      <p:grpSpPr>
+        <a:xfrm>
+          <a:off x="0" y="0"/>
+          <a:ext cx="0" cy="0"/>
+          <a:chOff x="0" y="0"/>
+          <a:chExt cx="0" cy="0"/>
+        </a:xfrm>
+      </p:grpSpPr>
+      <p:sp>
+        <p:nvSpPr>
+          <p:cNvPr id="2" name="タイトル 1">
+            <a:extLst>
+              <a:ext uri="{FF2B5EF4-FFF2-40B4-BE49-F238E27FC236}">
+                <a16:creationId xmlns:a16="http://schemas.microsoft.com/office/drawing/2014/main" id="{4BEF2D4F-28AD-C84D-A4AC-A607D5B45D24}"/>
+              </a:ext>
+            </a:extLst>
+          </p:cNvPr>
+          <p:cNvSpPr>
+            <a:spLocks noGrp="1"/>
+          </p:cNvSpPr>
+          <p:nvPr>
+            <p:ph type="title"/>
+          </p:nvPr>
+        </p:nvSpPr>
+        <p:spPr/>
+        <p:txBody>
+          <a:bodyPr/>
+          <a:lstStyle/>
+          <a:p>
+            <a:r>
+              <a:rPr lang="ja-JP" altLang="en-US">
+                <a:solidFill>
+                  <a:schemeClr val="accent5">
+                    <a:lumMod val="50000"/>
+                  </a:schemeClr>
+                </a:solidFill>
+                <a:latin typeface="Hiragino Maru Gothic Pro W4" panose="020F0400000000000000" pitchFamily="34" charset="-128"/>
+                <a:ea typeface="Hiragino Maru Gothic Pro W4" panose="020F0400000000000000" pitchFamily="34" charset="-128"/>
+              </a:rPr>
+              <a:t>クラン「</a:t>
+            </a:r>
+            <a:r>
+              <a:rPr lang="en-US" altLang="ja-JP" dirty="0">
+                <a:solidFill>
+                  <a:schemeClr val="accent5">
+                    <a:lumMod val="50000"/>
+                  </a:schemeClr>
+                </a:solidFill>
+                <a:latin typeface="Hiragino Maru Gothic Pro W4" panose="020F0400000000000000" pitchFamily="34" charset="-128"/>
+                <a:ea typeface="Hiragino Maru Gothic Pro W4" panose="020F0400000000000000" pitchFamily="34" charset="-128"/>
+              </a:rPr>
+              <a:t>TOMARIGI</a:t>
+            </a:r>
+            <a:r>
+              <a:rPr lang="ja-JP" altLang="en-US">
+                <a:solidFill>
+                  <a:schemeClr val="accent5">
+                    <a:lumMod val="50000"/>
+                  </a:schemeClr>
+                </a:solidFill>
+                <a:latin typeface="Hiragino Maru Gothic Pro W4" panose="020F0400000000000000" pitchFamily="34" charset="-128"/>
+                <a:ea typeface="Hiragino Maru Gothic Pro W4" panose="020F0400000000000000" pitchFamily="34" charset="-128"/>
+              </a:rPr>
+              <a:t>」</a:t>
+            </a:r>
+            <a:endParaRPr kumimoji="1" lang="ja-JP" altLang="en-US">
+              <a:solidFill>
+                <a:schemeClr val="accent5">
+                  <a:lumMod val="50000"/>
+                </a:schemeClr>
+              </a:solidFill>
+              <a:latin typeface="Hiragino Maru Gothic Pro W4" panose="020F0400000000000000" pitchFamily="34" charset="-128"/>
+              <a:ea typeface="Hiragino Maru Gothic Pro W4" panose="020F0400000000000000" pitchFamily="34" charset="-128"/>
+            </a:endParaRPr>
+          </a:p>
+        </p:txBody>
+      </p:sp>
+      <p:sp>
+        <p:nvSpPr>
+          <p:cNvPr id="3" name="コンテンツ プレースホルダー 2">
+            <a:extLst>
+              <a:ext uri="{FF2B5EF4-FFF2-40B4-BE49-F238E27FC236}">
+                <a16:creationId xmlns:a16="http://schemas.microsoft.com/office/drawing/2014/main" id="{01E773B8-156E-4743-8E4A-3ED5FB7CC4E2}"/>
+              </a:ext>
+            </a:extLst>
+          </p:cNvPr>
+          <p:cNvSpPr>
+            <a:spLocks noGrp="1"/>
+          </p:cNvSpPr>
+          <p:nvPr>
+            <p:ph idx="1"/>
+          </p:nvPr>
+        </p:nvSpPr>
+        <p:spPr>
+          <a:xfrm>
+            <a:off x="838200" y="1588575"/>
+            <a:ext cx="10515600" cy="4588387"/>
+          </a:xfrm>
+        </p:spPr>
+        <p:txBody>
+          <a:bodyPr>
+            <a:normAutofit/>
+          </a:bodyPr>
+          <a:lstStyle/>
+          <a:p>
+            <a:pPr marL="45720" indent="0">
+              <a:buNone/>
+            </a:pPr>
+            <a:r>
+              <a:rPr lang="en-US" altLang="ja-JP" dirty="0">
+                <a:solidFill>
+                  <a:schemeClr val="accent5">
+                    <a:lumMod val="50000"/>
+                  </a:schemeClr>
+                </a:solidFill>
+                <a:latin typeface="Hiragino Maru Gothic Pro W4" panose="020F0400000000000000" pitchFamily="34" charset="-128"/>
+                <a:ea typeface="Hiragino Maru Gothic Pro W4" panose="020F0400000000000000" pitchFamily="34" charset="-128"/>
+              </a:rPr>
+              <a:t>【</a:t>
+            </a:r>
+            <a:r>
+              <a:rPr lang="ja-JP" altLang="en-US">
+                <a:solidFill>
+                  <a:schemeClr val="accent5">
+                    <a:lumMod val="50000"/>
+                  </a:schemeClr>
+                </a:solidFill>
+                <a:latin typeface="Hiragino Maru Gothic Pro W4" panose="020F0400000000000000" pitchFamily="34" charset="-128"/>
+                <a:ea typeface="Hiragino Maru Gothic Pro W4" panose="020F0400000000000000" pitchFamily="34" charset="-128"/>
+              </a:rPr>
+              <a:t>行動指針</a:t>
+            </a:r>
+            <a:r>
+              <a:rPr lang="en-US" altLang="ja-JP" dirty="0">
+                <a:solidFill>
+                  <a:schemeClr val="accent5">
+                    <a:lumMod val="50000"/>
+                  </a:schemeClr>
+                </a:solidFill>
+                <a:latin typeface="Hiragino Maru Gothic Pro W4" panose="020F0400000000000000" pitchFamily="34" charset="-128"/>
+                <a:ea typeface="Hiragino Maru Gothic Pro W4" panose="020F0400000000000000" pitchFamily="34" charset="-128"/>
+              </a:rPr>
+              <a:t>】</a:t>
+            </a:r>
+          </a:p>
+          <a:p>
+            <a:pPr marL="502920" indent="-457200"/>
+            <a:r>
+              <a:rPr lang="ja-JP" altLang="en-US">
+                <a:solidFill>
+                  <a:schemeClr val="accent5">
+                    <a:lumMod val="50000"/>
+                  </a:schemeClr>
+                </a:solidFill>
+                <a:latin typeface="Hiragino Maru Gothic Pro W4" panose="020F0400000000000000" pitchFamily="34" charset="-128"/>
+                <a:ea typeface="Hiragino Maru Gothic Pro W4" panose="020F0400000000000000" pitchFamily="34" charset="-128"/>
+              </a:rPr>
+              <a:t>野良戦はゆるく、常時回します</a:t>
+            </a:r>
+          </a:p>
+          <a:p>
+            <a:pPr marL="502920" indent="-457200"/>
+            <a:r>
+              <a:rPr lang="ja-JP" altLang="en-US">
+                <a:solidFill>
+                  <a:schemeClr val="accent5">
+                    <a:lumMod val="50000"/>
+                  </a:schemeClr>
+                </a:solidFill>
+                <a:latin typeface="Hiragino Maru Gothic Pro W4" panose="020F0400000000000000" pitchFamily="34" charset="-128"/>
+                <a:ea typeface="Hiragino Maru Gothic Pro W4" panose="020F0400000000000000" pitchFamily="34" charset="-128"/>
+              </a:rPr>
+              <a:t>リーグ戦はガチ</a:t>
+            </a:r>
+            <a:endParaRPr lang="en-US" altLang="ja-JP" dirty="0">
+              <a:solidFill>
+                <a:schemeClr val="accent5">
+                  <a:lumMod val="50000"/>
+                </a:schemeClr>
+              </a:solidFill>
+              <a:latin typeface="Hiragino Maru Gothic Pro W4" panose="020F0400000000000000" pitchFamily="34" charset="-128"/>
+              <a:ea typeface="Hiragino Maru Gothic Pro W4" panose="020F0400000000000000" pitchFamily="34" charset="-128"/>
+            </a:endParaRPr>
+          </a:p>
+          <a:p>
+            <a:pPr marL="502920" indent="-457200"/>
+            <a:r>
+              <a:rPr lang="en-US" altLang="ja-JP" dirty="0">
+                <a:solidFill>
+                  <a:schemeClr val="accent5">
+                    <a:lumMod val="50000"/>
+                  </a:schemeClr>
+                </a:solidFill>
+                <a:latin typeface="Hiragino Maru Gothic Pro W4" panose="020F0400000000000000" pitchFamily="34" charset="-128"/>
+                <a:ea typeface="Hiragino Maru Gothic Pro W4" panose="020F0400000000000000" pitchFamily="34" charset="-128"/>
+              </a:rPr>
+              <a:t>JWC</a:t>
+            </a:r>
+            <a:r>
+              <a:rPr lang="ja-JP" altLang="en-US">
+                <a:solidFill>
+                  <a:schemeClr val="accent5">
+                    <a:lumMod val="50000"/>
+                  </a:schemeClr>
+                </a:solidFill>
+                <a:latin typeface="Hiragino Maru Gothic Pro W4" panose="020F0400000000000000" pitchFamily="34" charset="-128"/>
+                <a:ea typeface="Hiragino Maru Gothic Pro W4" panose="020F0400000000000000" pitchFamily="34" charset="-128"/>
+              </a:rPr>
+              <a:t>などのイベントはもちろんガチ</a:t>
+            </a:r>
+          </a:p>
+          <a:p>
+            <a:pPr marL="45720" indent="0">
+              <a:buNone/>
+            </a:pPr>
+            <a:endParaRPr lang="en-US" altLang="ja-JP" dirty="0">
+              <a:solidFill>
+                <a:schemeClr val="accent5">
+                  <a:lumMod val="50000"/>
+                </a:schemeClr>
+              </a:solidFill>
+              <a:latin typeface="Hiragino Maru Gothic Pro W4" panose="020F0400000000000000" pitchFamily="34" charset="-128"/>
+              <a:ea typeface="Hiragino Maru Gothic Pro W4" panose="020F0400000000000000" pitchFamily="34" charset="-128"/>
+            </a:endParaRPr>
+          </a:p>
+          <a:p>
+            <a:pPr marL="45720" indent="0">
+              <a:buNone/>
+            </a:pPr>
+            <a:r>
+              <a:rPr lang="en-US" altLang="ja-JP" dirty="0">
+                <a:solidFill>
+                  <a:schemeClr val="accent5">
+                    <a:lumMod val="50000"/>
+                  </a:schemeClr>
+                </a:solidFill>
+                <a:latin typeface="Hiragino Maru Gothic Pro W4" panose="020F0400000000000000" pitchFamily="34" charset="-128"/>
+                <a:ea typeface="Hiragino Maru Gothic Pro W4" panose="020F0400000000000000" pitchFamily="34" charset="-128"/>
+              </a:rPr>
+              <a:t>【</a:t>
+            </a:r>
+            <a:r>
+              <a:rPr lang="ja-JP" altLang="en-US">
+                <a:solidFill>
+                  <a:schemeClr val="accent5">
+                    <a:lumMod val="50000"/>
+                  </a:schemeClr>
+                </a:solidFill>
+                <a:latin typeface="Hiragino Maru Gothic Pro W4" panose="020F0400000000000000" pitchFamily="34" charset="-128"/>
+                <a:ea typeface="Hiragino Maru Gothic Pro W4" panose="020F0400000000000000" pitchFamily="34" charset="-128"/>
+              </a:rPr>
+              <a:t>ガチ戦は全力で戦っていただきます</a:t>
+            </a:r>
+            <a:r>
+              <a:rPr lang="en-US" altLang="ja-JP" dirty="0">
+                <a:solidFill>
+                  <a:schemeClr val="accent5">
+                    <a:lumMod val="50000"/>
+                  </a:schemeClr>
+                </a:solidFill>
+                <a:latin typeface="Hiragino Maru Gothic Pro W4" panose="020F0400000000000000" pitchFamily="34" charset="-128"/>
+                <a:ea typeface="Hiragino Maru Gothic Pro W4" panose="020F0400000000000000" pitchFamily="34" charset="-128"/>
+              </a:rPr>
+              <a:t>】</a:t>
+            </a:r>
+          </a:p>
+          <a:p>
+            <a:pPr marL="502920" indent="-457200"/>
+            <a:r>
+              <a:rPr lang="en-US" altLang="ja-JP" dirty="0">
+                <a:solidFill>
+                  <a:schemeClr val="accent5">
+                    <a:lumMod val="50000"/>
+                  </a:schemeClr>
+                </a:solidFill>
+                <a:latin typeface="Hiragino Maru Gothic Pro W4" panose="020F0400000000000000" pitchFamily="34" charset="-128"/>
+                <a:ea typeface="Hiragino Maru Gothic Pro W4" panose="020F0400000000000000" pitchFamily="34" charset="-128"/>
+              </a:rPr>
+              <a:t>JWC</a:t>
+            </a:r>
+            <a:r>
+              <a:rPr lang="ja-JP" altLang="en-US">
+                <a:solidFill>
+                  <a:schemeClr val="accent5">
+                    <a:lumMod val="50000"/>
+                  </a:schemeClr>
+                </a:solidFill>
+                <a:latin typeface="Hiragino Maru Gothic Pro W4" panose="020F0400000000000000" pitchFamily="34" charset="-128"/>
+                <a:ea typeface="Hiragino Maru Gothic Pro W4" panose="020F0400000000000000" pitchFamily="34" charset="-128"/>
+              </a:rPr>
+              <a:t>などのイベント戦</a:t>
+            </a:r>
+            <a:endParaRPr lang="en-US" altLang="ja-JP" dirty="0">
+              <a:solidFill>
+                <a:schemeClr val="accent5">
+                  <a:lumMod val="50000"/>
+                </a:schemeClr>
+              </a:solidFill>
+              <a:latin typeface="Hiragino Maru Gothic Pro W4" panose="020F0400000000000000" pitchFamily="34" charset="-128"/>
+              <a:ea typeface="Hiragino Maru Gothic Pro W4" panose="020F0400000000000000" pitchFamily="34" charset="-128"/>
+            </a:endParaRPr>
+          </a:p>
+          <a:p>
+            <a:pPr marL="502920" indent="-457200"/>
+            <a:r>
+              <a:rPr lang="ja-JP" altLang="en-US">
+                <a:solidFill>
+                  <a:schemeClr val="accent5">
+                    <a:lumMod val="50000"/>
+                  </a:schemeClr>
+                </a:solidFill>
+                <a:latin typeface="Hiragino Maru Gothic Pro W4" panose="020F0400000000000000" pitchFamily="34" charset="-128"/>
+                <a:ea typeface="Hiragino Maru Gothic Pro W4" panose="020F0400000000000000" pitchFamily="34" charset="-128"/>
+              </a:rPr>
+              <a:t>クランリーグ</a:t>
+            </a:r>
+            <a:endParaRPr lang="en-US" altLang="ja-JP" dirty="0">
+              <a:solidFill>
+                <a:schemeClr val="accent5">
+                  <a:lumMod val="50000"/>
+                </a:schemeClr>
+              </a:solidFill>
+              <a:latin typeface="Hiragino Maru Gothic Pro W4" panose="020F0400000000000000" pitchFamily="34" charset="-128"/>
+              <a:ea typeface="Hiragino Maru Gothic Pro W4" panose="020F0400000000000000" pitchFamily="34" charset="-128"/>
+            </a:endParaRPr>
+          </a:p>
+          <a:p>
+            <a:pPr marL="502920" indent="-457200"/>
+            <a:r>
+              <a:rPr lang="ja-JP" altLang="en-US">
+                <a:solidFill>
+                  <a:srgbClr val="FF0000"/>
+                </a:solidFill>
+                <a:latin typeface="Hiragino Maru Gothic Pro W4" panose="020F0400000000000000" pitchFamily="34" charset="-128"/>
+                <a:ea typeface="Hiragino Maru Gothic Pro W4" panose="020F0400000000000000" pitchFamily="34" charset="-128"/>
+              </a:rPr>
+              <a:t>そこに負けられない戦いがあるとき</a:t>
+            </a:r>
+            <a:endParaRPr lang="en-US" altLang="ja-JP" dirty="0">
+              <a:solidFill>
+                <a:srgbClr val="FF0000"/>
+              </a:solidFill>
+              <a:latin typeface="Hiragino Maru Gothic Pro W4" panose="020F0400000000000000" pitchFamily="34" charset="-128"/>
+              <a:ea typeface="Hiragino Maru Gothic Pro W4" panose="020F0400000000000000" pitchFamily="34" charset="-128"/>
+            </a:endParaRPr>
+          </a:p>
+          <a:p>
+            <a:pPr marL="45720" indent="0">
+              <a:buNone/>
+            </a:pPr>
+            <a:endParaRPr lang="en-US" altLang="ja-JP" dirty="0">
+              <a:solidFill>
+                <a:schemeClr val="accent5">
+                  <a:lumMod val="50000"/>
+                </a:schemeClr>
+              </a:solidFill>
+              <a:latin typeface="Hiragino Maru Gothic Pro W4" panose="020F0400000000000000" pitchFamily="34" charset="-128"/>
+              <a:ea typeface="Hiragino Maru Gothic Pro W4" panose="020F0400000000000000" pitchFamily="34" charset="-128"/>
+            </a:endParaRPr>
+          </a:p>
+        </p:txBody>
+      </p:sp>
+      <p:sp>
+        <p:nvSpPr>
+          <p:cNvPr id="4" name="スライド番号プレースホルダー 3">
+            <a:extLst>
+              <a:ext uri="{FF2B5EF4-FFF2-40B4-BE49-F238E27FC236}">
+                <a16:creationId xmlns:a16="http://schemas.microsoft.com/office/drawing/2014/main" id="{34C04C8D-49C3-874E-864D-A6289CA1E427}"/>
+              </a:ext>
+            </a:extLst>
+          </p:cNvPr>
+          <p:cNvSpPr>
+            <a:spLocks noGrp="1"/>
+          </p:cNvSpPr>
+          <p:nvPr>
+            <p:ph type="sldNum" sz="quarter" idx="12"/>
+          </p:nvPr>
+        </p:nvSpPr>
+        <p:spPr/>
+        <p:txBody>
+          <a:bodyPr/>
+          <a:lstStyle/>
+          <a:p>
+            <a:pPr rtl="0"/>
+            <a:fld id="{E31375A4-56A4-47D6-9801-1991572033F7}" type="slidenum">
+              <a:rPr lang="en-US" altLang="ja-JP" noProof="0" smtClean="0">
+                <a:solidFill>
+                  <a:schemeClr val="accent5">
+                    <a:lumMod val="50000"/>
+                  </a:schemeClr>
+                </a:solidFill>
+                <a:latin typeface="Hiragino Maru Gothic Pro W4" panose="020F0400000000000000" pitchFamily="34" charset="-128"/>
+                <a:ea typeface="Hiragino Maru Gothic Pro W4" panose="020F0400000000000000" pitchFamily="34" charset="-128"/>
+              </a:rPr>
+              <a:t>7</a:t>
+            </a:fld>
+            <a:endParaRPr lang="ja-JP" altLang="en-US" noProof="0" dirty="0">
+              <a:solidFill>
+                <a:schemeClr val="accent5">
+                  <a:lumMod val="50000"/>
+                </a:schemeClr>
+              </a:solidFill>
+              <a:latin typeface="Hiragino Maru Gothic Pro W4" panose="020F0400000000000000" pitchFamily="34" charset="-128"/>
+              <a:ea typeface="Hiragino Maru Gothic Pro W4" panose="020F0400000000000000" pitchFamily="34" charset="-128"/>
+            </a:endParaRPr>
+          </a:p>
+        </p:txBody>
+      </p:sp>
+    </p:spTree>
+    <p:extLst>
+      <p:ext uri="{BB962C8B-B14F-4D97-AF65-F5344CB8AC3E}">
+        <p14:creationId xmlns:p14="http://schemas.microsoft.com/office/powerpoint/2010/main" val="765922408"/>
+      </p:ext>
+    </p:extLst>
+  </p:cSld>
+  <p:clrMapOvr>
+    <a:masterClrMapping/>
+  </p:clrMapOvr>
+  <mc:AlternateContent xmlns:mc="http://schemas.openxmlformats.org/markup-compatibility/2006" xmlns:p14="http://schemas.microsoft.com/office/powerpoint/2010/main">
+    <mc:Choice Requires="p14">
+      <p:transition spd="med" p14:dur="700">
+        <p:fade/>
+      </p:transition>
+    </mc:Choice>
+    <mc:Fallback xmlns="">
+      <p:transition spd="med">
+        <p:fade/>
+      </p:transition>
+    </mc:Fallback>
+  </mc:AlternateContent>
+</p:sld>
+</file>
+
+<file path=ppt/slides/slide8.xml><?xml version="1.0" encoding="utf-8"?>
+<p:sld xmlns:a="http://schemas.openxmlformats.org/drawingml/2006/main" xmlns:r="http://schemas.openxmlformats.org/officeDocument/2006/relationships" xmlns:p="http://schemas.openxmlformats.org/presentationml/2006/main">
+  <p:cSld>
+    <p:spTree>
+      <p:nvGrpSpPr>
+        <p:cNvPr id="1" name=""/>
+        <p:cNvGrpSpPr/>
+        <p:nvPr/>
+      </p:nvGrpSpPr>
+      <p:grpSpPr>
+        <a:xfrm>
+          <a:off x="0" y="0"/>
+          <a:ext cx="0" cy="0"/>
+          <a:chOff x="0" y="0"/>
+          <a:chExt cx="0" cy="0"/>
+        </a:xfrm>
+      </p:grpSpPr>
+      <p:sp>
+        <p:nvSpPr>
+          <p:cNvPr id="2" name="タイトル 1">
+            <a:extLst>
+              <a:ext uri="{FF2B5EF4-FFF2-40B4-BE49-F238E27FC236}">
+                <a16:creationId xmlns:a16="http://schemas.microsoft.com/office/drawing/2014/main" id="{4BEF2D4F-28AD-C84D-A4AC-A607D5B45D24}"/>
+              </a:ext>
+            </a:extLst>
+          </p:cNvPr>
+          <p:cNvSpPr>
+            <a:spLocks noGrp="1"/>
+          </p:cNvSpPr>
+          <p:nvPr>
+            <p:ph type="title"/>
+          </p:nvPr>
+        </p:nvSpPr>
+        <p:spPr/>
+        <p:txBody>
+          <a:bodyPr/>
+          <a:lstStyle/>
+          <a:p>
+            <a:r>
+              <a:rPr lang="ja-JP" altLang="en-US">
+                <a:solidFill>
+                  <a:schemeClr val="accent5">
+                    <a:lumMod val="50000"/>
+                  </a:schemeClr>
+                </a:solidFill>
+                <a:latin typeface="Hiragino Maru Gothic Pro W4" panose="020F0400000000000000" pitchFamily="34" charset="-128"/>
+                <a:ea typeface="Hiragino Maru Gothic Pro W4" panose="020F0400000000000000" pitchFamily="34" charset="-128"/>
+              </a:rPr>
+              <a:t>クラン「まほらま</a:t>
+            </a:r>
+            <a:r>
+              <a:rPr lang="en-US" altLang="ja-JP" dirty="0">
+                <a:solidFill>
+                  <a:schemeClr val="accent5">
+                    <a:lumMod val="50000"/>
+                  </a:schemeClr>
+                </a:solidFill>
+                <a:latin typeface="Hiragino Maru Gothic Pro W4" panose="020F0400000000000000" pitchFamily="34" charset="-128"/>
+                <a:ea typeface="Hiragino Maru Gothic Pro W4" panose="020F0400000000000000" pitchFamily="34" charset="-128"/>
+              </a:rPr>
+              <a:t>〜</a:t>
+            </a:r>
+            <a:r>
+              <a:rPr lang="ja-JP" altLang="en-US">
+                <a:solidFill>
+                  <a:schemeClr val="accent5">
+                    <a:lumMod val="50000"/>
+                  </a:schemeClr>
+                </a:solidFill>
+                <a:latin typeface="Hiragino Maru Gothic Pro W4" panose="020F0400000000000000" pitchFamily="34" charset="-128"/>
+                <a:ea typeface="Hiragino Maru Gothic Pro W4" panose="020F0400000000000000" pitchFamily="34" charset="-128"/>
+              </a:rPr>
+              <a:t>摩天楼</a:t>
+            </a:r>
+            <a:r>
+              <a:rPr lang="en-US" altLang="ja-JP" dirty="0">
+                <a:solidFill>
+                  <a:schemeClr val="accent5">
+                    <a:lumMod val="50000"/>
+                  </a:schemeClr>
+                </a:solidFill>
+                <a:latin typeface="Hiragino Maru Gothic Pro W4" panose="020F0400000000000000" pitchFamily="34" charset="-128"/>
+                <a:ea typeface="Hiragino Maru Gothic Pro W4" panose="020F0400000000000000" pitchFamily="34" charset="-128"/>
+              </a:rPr>
+              <a:t>〜</a:t>
+            </a:r>
+            <a:r>
+              <a:rPr lang="ja-JP" altLang="en-US">
+                <a:solidFill>
+                  <a:schemeClr val="accent5">
+                    <a:lumMod val="50000"/>
+                  </a:schemeClr>
+                </a:solidFill>
+                <a:latin typeface="Hiragino Maru Gothic Pro W4" panose="020F0400000000000000" pitchFamily="34" charset="-128"/>
+                <a:ea typeface="Hiragino Maru Gothic Pro W4" panose="020F0400000000000000" pitchFamily="34" charset="-128"/>
+              </a:rPr>
+              <a:t>」</a:t>
+            </a:r>
+            <a:endParaRPr kumimoji="1" lang="ja-JP" altLang="en-US">
+              <a:solidFill>
+                <a:schemeClr val="accent5">
+                  <a:lumMod val="50000"/>
+                </a:schemeClr>
+              </a:solidFill>
+              <a:latin typeface="Hiragino Maru Gothic Pro W4" panose="020F0400000000000000" pitchFamily="34" charset="-128"/>
+              <a:ea typeface="Hiragino Maru Gothic Pro W4" panose="020F0400000000000000" pitchFamily="34" charset="-128"/>
+            </a:endParaRPr>
+          </a:p>
+        </p:txBody>
+      </p:sp>
+      <p:sp>
+        <p:nvSpPr>
+          <p:cNvPr id="3" name="コンテンツ プレースホルダー 2">
+            <a:extLst>
+              <a:ext uri="{FF2B5EF4-FFF2-40B4-BE49-F238E27FC236}">
+                <a16:creationId xmlns:a16="http://schemas.microsoft.com/office/drawing/2014/main" id="{01E773B8-156E-4743-8E4A-3ED5FB7CC4E2}"/>
+              </a:ext>
+            </a:extLst>
+          </p:cNvPr>
+          <p:cNvSpPr>
+            <a:spLocks noGrp="1"/>
+          </p:cNvSpPr>
+          <p:nvPr>
+            <p:ph idx="1"/>
+          </p:nvPr>
+        </p:nvSpPr>
+        <p:spPr>
+          <a:xfrm>
+            <a:off x="838200" y="1588575"/>
+            <a:ext cx="10515600" cy="4588387"/>
+          </a:xfrm>
+        </p:spPr>
+        <p:txBody>
+          <a:bodyPr>
+            <a:normAutofit/>
+          </a:bodyPr>
+          <a:lstStyle/>
+          <a:p>
+            <a:pPr marL="45720" indent="0">
+              <a:buNone/>
+            </a:pPr>
+            <a:r>
+              <a:rPr lang="en-US" altLang="ja-JP" dirty="0">
+                <a:solidFill>
+                  <a:schemeClr val="accent5">
+                    <a:lumMod val="50000"/>
+                  </a:schemeClr>
+                </a:solidFill>
+                <a:latin typeface="Hiragino Maru Gothic Pro W4" panose="020F0400000000000000" pitchFamily="34" charset="-128"/>
+                <a:ea typeface="Hiragino Maru Gothic Pro W4" panose="020F0400000000000000" pitchFamily="34" charset="-128"/>
+              </a:rPr>
+              <a:t>【</a:t>
+            </a:r>
+            <a:r>
+              <a:rPr lang="ja-JP" altLang="en-US">
+                <a:solidFill>
+                  <a:schemeClr val="accent5">
+                    <a:lumMod val="50000"/>
+                  </a:schemeClr>
+                </a:solidFill>
+                <a:latin typeface="Hiragino Maru Gothic Pro W4" panose="020F0400000000000000" pitchFamily="34" charset="-128"/>
+                <a:ea typeface="Hiragino Maru Gothic Pro W4" panose="020F0400000000000000" pitchFamily="34" charset="-128"/>
+              </a:rPr>
+              <a:t>概要</a:t>
+            </a:r>
+            <a:r>
+              <a:rPr lang="en-US" altLang="ja-JP" dirty="0">
+                <a:solidFill>
+                  <a:schemeClr val="accent5">
+                    <a:lumMod val="50000"/>
+                  </a:schemeClr>
+                </a:solidFill>
+                <a:latin typeface="Hiragino Maru Gothic Pro W4" panose="020F0400000000000000" pitchFamily="34" charset="-128"/>
+                <a:ea typeface="Hiragino Maru Gothic Pro W4" panose="020F0400000000000000" pitchFamily="34" charset="-128"/>
+              </a:rPr>
+              <a:t>】</a:t>
+            </a:r>
+          </a:p>
+          <a:p>
+            <a:pPr marL="560070" indent="-514350"/>
+            <a:r>
+              <a:rPr lang="ja-JP" altLang="en-US">
+                <a:solidFill>
+                  <a:schemeClr val="accent5">
+                    <a:lumMod val="50000"/>
+                  </a:schemeClr>
+                </a:solidFill>
+                <a:latin typeface="Hiragino Maru Gothic Pro W4" panose="020F0400000000000000" pitchFamily="34" charset="-128"/>
+                <a:ea typeface="Hiragino Maru Gothic Pro W4" panose="020F0400000000000000" pitchFamily="34" charset="-128"/>
+              </a:rPr>
+              <a:t>責任者：ゴドルフィン</a:t>
+            </a:r>
+            <a:endParaRPr lang="en-US" altLang="ja-JP" dirty="0">
+              <a:solidFill>
+                <a:schemeClr val="accent5">
+                  <a:lumMod val="50000"/>
+                </a:schemeClr>
+              </a:solidFill>
+              <a:latin typeface="Hiragino Maru Gothic Pro W4" panose="020F0400000000000000" pitchFamily="34" charset="-128"/>
+              <a:ea typeface="Hiragino Maru Gothic Pro W4" panose="020F0400000000000000" pitchFamily="34" charset="-128"/>
+            </a:endParaRPr>
+          </a:p>
+          <a:p>
+            <a:pPr marL="560070" indent="-514350"/>
+            <a:r>
+              <a:rPr lang="ja-JP" altLang="en-US">
+                <a:solidFill>
+                  <a:schemeClr val="accent5">
+                    <a:lumMod val="50000"/>
+                  </a:schemeClr>
+                </a:solidFill>
+                <a:latin typeface="Hiragino Maru Gothic Pro W4" panose="020F0400000000000000" pitchFamily="34" charset="-128"/>
+                <a:ea typeface="Hiragino Maru Gothic Pro W4" panose="020F0400000000000000" pitchFamily="34" charset="-128"/>
+              </a:rPr>
+              <a:t>ファーミング勢で集まる</a:t>
+            </a:r>
+            <a:endParaRPr lang="en-US" altLang="ja-JP" dirty="0">
+              <a:solidFill>
+                <a:schemeClr val="accent5">
+                  <a:lumMod val="50000"/>
+                </a:schemeClr>
+              </a:solidFill>
+              <a:latin typeface="Hiragino Maru Gothic Pro W4" panose="020F0400000000000000" pitchFamily="34" charset="-128"/>
+              <a:ea typeface="Hiragino Maru Gothic Pro W4" panose="020F0400000000000000" pitchFamily="34" charset="-128"/>
+            </a:endParaRPr>
+          </a:p>
+          <a:p>
+            <a:pPr marL="560070" indent="-514350"/>
+            <a:r>
+              <a:rPr lang="en-US" altLang="ja-JP" dirty="0">
+                <a:solidFill>
+                  <a:schemeClr val="accent5">
+                    <a:lumMod val="50000"/>
+                  </a:schemeClr>
+                </a:solidFill>
+                <a:latin typeface="Hiragino Maru Gothic Pro W4" panose="020F0400000000000000" pitchFamily="34" charset="-128"/>
+                <a:ea typeface="Hiragino Maru Gothic Pro W4" panose="020F0400000000000000" pitchFamily="34" charset="-128"/>
+              </a:rPr>
+              <a:t>TH</a:t>
+            </a:r>
+            <a:r>
+              <a:rPr lang="ja-JP" altLang="en-US">
+                <a:solidFill>
+                  <a:schemeClr val="accent5">
+                    <a:lumMod val="50000"/>
+                  </a:schemeClr>
+                </a:solidFill>
+                <a:latin typeface="Hiragino Maru Gothic Pro W4" panose="020F0400000000000000" pitchFamily="34" charset="-128"/>
+                <a:ea typeface="Hiragino Maru Gothic Pro W4" panose="020F0400000000000000" pitchFamily="34" charset="-128"/>
+              </a:rPr>
+              <a:t>帯は問わない</a:t>
+            </a:r>
+            <a:endParaRPr lang="en-US" altLang="ja-JP" dirty="0">
+              <a:solidFill>
+                <a:schemeClr val="accent5">
+                  <a:lumMod val="50000"/>
+                </a:schemeClr>
+              </a:solidFill>
+              <a:latin typeface="Hiragino Maru Gothic Pro W4" panose="020F0400000000000000" pitchFamily="34" charset="-128"/>
+              <a:ea typeface="Hiragino Maru Gothic Pro W4" panose="020F0400000000000000" pitchFamily="34" charset="-128"/>
+            </a:endParaRPr>
+          </a:p>
+          <a:p>
+            <a:pPr marL="560070" indent="-514350"/>
+            <a:r>
+              <a:rPr lang="ja-JP" altLang="en-US">
+                <a:solidFill>
+                  <a:schemeClr val="accent5">
+                    <a:lumMod val="50000"/>
+                  </a:schemeClr>
+                </a:solidFill>
+                <a:latin typeface="Hiragino Maru Gothic Pro W4" panose="020F0400000000000000" pitchFamily="34" charset="-128"/>
+                <a:ea typeface="Hiragino Maru Gothic Pro W4" panose="020F0400000000000000" pitchFamily="34" charset="-128"/>
+              </a:rPr>
+              <a:t>将来的に新規クランに移行する</a:t>
+            </a:r>
+            <a:r>
+              <a:rPr lang="en-US" altLang="ja-JP" dirty="0">
+                <a:solidFill>
+                  <a:schemeClr val="accent5">
+                    <a:lumMod val="50000"/>
+                  </a:schemeClr>
+                </a:solidFill>
+                <a:latin typeface="Hiragino Maru Gothic Pro W4" panose="020F0400000000000000" pitchFamily="34" charset="-128"/>
+                <a:ea typeface="Hiragino Maru Gothic Pro W4" panose="020F0400000000000000" pitchFamily="34" charset="-128"/>
+              </a:rPr>
+              <a:t> </a:t>
+            </a:r>
+            <a:r>
+              <a:rPr lang="en-US" altLang="ja-JP" sz="2000" dirty="0">
+                <a:solidFill>
+                  <a:schemeClr val="accent5">
+                    <a:lumMod val="50000"/>
+                  </a:schemeClr>
+                </a:solidFill>
+                <a:latin typeface="Hiragino Maru Gothic Pro W4" panose="020F0400000000000000" pitchFamily="34" charset="-128"/>
+                <a:ea typeface="Hiragino Maru Gothic Pro W4" panose="020F0400000000000000" pitchFamily="34" charset="-128"/>
+              </a:rPr>
+              <a:t>(</a:t>
+            </a:r>
+            <a:r>
+              <a:rPr lang="ja-JP" altLang="en-US" sz="2000">
+                <a:solidFill>
+                  <a:schemeClr val="accent5">
+                    <a:lumMod val="50000"/>
+                  </a:schemeClr>
+                </a:solidFill>
+                <a:latin typeface="Hiragino Maru Gothic Pro W4" panose="020F0400000000000000" pitchFamily="34" charset="-128"/>
+                <a:ea typeface="Hiragino Maru Gothic Pro W4" panose="020F0400000000000000" pitchFamily="34" charset="-128"/>
+              </a:rPr>
+              <a:t>まほらまは仮宿です</a:t>
+            </a:r>
+            <a:r>
+              <a:rPr lang="en-US" altLang="ja-JP" sz="2000" dirty="0">
+                <a:solidFill>
+                  <a:schemeClr val="accent5">
+                    <a:lumMod val="50000"/>
+                  </a:schemeClr>
+                </a:solidFill>
+                <a:latin typeface="Hiragino Maru Gothic Pro W4" panose="020F0400000000000000" pitchFamily="34" charset="-128"/>
+                <a:ea typeface="Hiragino Maru Gothic Pro W4" panose="020F0400000000000000" pitchFamily="34" charset="-128"/>
+              </a:rPr>
+              <a:t>)</a:t>
+            </a:r>
+          </a:p>
+          <a:p>
+            <a:pPr marL="45720" indent="0">
+              <a:buNone/>
+            </a:pPr>
+            <a:endParaRPr lang="en-US" altLang="ja-JP" dirty="0">
+              <a:solidFill>
+                <a:schemeClr val="accent5">
+                  <a:lumMod val="50000"/>
+                </a:schemeClr>
+              </a:solidFill>
+              <a:latin typeface="Hiragino Maru Gothic Pro W4" panose="020F0400000000000000" pitchFamily="34" charset="-128"/>
+              <a:ea typeface="Hiragino Maru Gothic Pro W4" panose="020F0400000000000000" pitchFamily="34" charset="-128"/>
+            </a:endParaRPr>
+          </a:p>
+          <a:p>
+            <a:pPr marL="45720" indent="0">
+              <a:buNone/>
+            </a:pPr>
+            <a:r>
+              <a:rPr lang="en-US" altLang="ja-JP" dirty="0">
+                <a:solidFill>
+                  <a:schemeClr val="accent5">
+                    <a:lumMod val="50000"/>
+                  </a:schemeClr>
+                </a:solidFill>
+                <a:latin typeface="Hiragino Maru Gothic Pro W4" panose="020F0400000000000000" pitchFamily="34" charset="-128"/>
+                <a:ea typeface="Hiragino Maru Gothic Pro W4" panose="020F0400000000000000" pitchFamily="34" charset="-128"/>
+              </a:rPr>
+              <a:t>【</a:t>
+            </a:r>
+            <a:r>
+              <a:rPr lang="ja-JP" altLang="en-US">
+                <a:solidFill>
+                  <a:schemeClr val="accent5">
+                    <a:lumMod val="50000"/>
+                  </a:schemeClr>
+                </a:solidFill>
+                <a:latin typeface="Hiragino Maru Gothic Pro W4" panose="020F0400000000000000" pitchFamily="34" charset="-128"/>
+                <a:ea typeface="Hiragino Maru Gothic Pro W4" panose="020F0400000000000000" pitchFamily="34" charset="-128"/>
+              </a:rPr>
+              <a:t>方針、目指すクランの姿</a:t>
+            </a:r>
+            <a:r>
+              <a:rPr lang="en-US" altLang="ja-JP" dirty="0">
+                <a:solidFill>
+                  <a:schemeClr val="accent5">
+                    <a:lumMod val="50000"/>
+                  </a:schemeClr>
+                </a:solidFill>
+                <a:latin typeface="Hiragino Maru Gothic Pro W4" panose="020F0400000000000000" pitchFamily="34" charset="-128"/>
+                <a:ea typeface="Hiragino Maru Gothic Pro W4" panose="020F0400000000000000" pitchFamily="34" charset="-128"/>
+              </a:rPr>
+              <a:t>】</a:t>
+            </a:r>
+          </a:p>
+          <a:p>
+            <a:pPr marL="502920" indent="-457200"/>
+            <a:r>
+              <a:rPr lang="ja-JP" altLang="en-US">
+                <a:solidFill>
+                  <a:schemeClr val="accent5">
+                    <a:lumMod val="50000"/>
+                  </a:schemeClr>
+                </a:solidFill>
+                <a:latin typeface="Hiragino Maru Gothic Pro W4" panose="020F0400000000000000" pitchFamily="34" charset="-128"/>
+                <a:ea typeface="Hiragino Maru Gothic Pro W4" panose="020F0400000000000000" pitchFamily="34" charset="-128"/>
+              </a:rPr>
+              <a:t>安心してファーミングできるクランであること</a:t>
+            </a:r>
+            <a:endParaRPr lang="en-US" altLang="ja-JP" dirty="0">
+              <a:solidFill>
+                <a:schemeClr val="accent5">
+                  <a:lumMod val="50000"/>
+                </a:schemeClr>
+              </a:solidFill>
+              <a:latin typeface="Hiragino Maru Gothic Pro W4" panose="020F0400000000000000" pitchFamily="34" charset="-128"/>
+              <a:ea typeface="Hiragino Maru Gothic Pro W4" panose="020F0400000000000000" pitchFamily="34" charset="-128"/>
+            </a:endParaRPr>
+          </a:p>
+        </p:txBody>
+      </p:sp>
+      <p:sp>
+        <p:nvSpPr>
+          <p:cNvPr id="4" name="スライド番号プレースホルダー 3">
+            <a:extLst>
+              <a:ext uri="{FF2B5EF4-FFF2-40B4-BE49-F238E27FC236}">
+                <a16:creationId xmlns:a16="http://schemas.microsoft.com/office/drawing/2014/main" id="{34C04C8D-49C3-874E-864D-A6289CA1E427}"/>
+              </a:ext>
+            </a:extLst>
+          </p:cNvPr>
+          <p:cNvSpPr>
+            <a:spLocks noGrp="1"/>
+          </p:cNvSpPr>
+          <p:nvPr>
+            <p:ph type="sldNum" sz="quarter" idx="12"/>
+          </p:nvPr>
+        </p:nvSpPr>
+        <p:spPr/>
+        <p:txBody>
+          <a:bodyPr/>
+          <a:lstStyle/>
+          <a:p>
+            <a:pPr rtl="0"/>
+            <a:fld id="{E31375A4-56A4-47D6-9801-1991572033F7}" type="slidenum">
+              <a:rPr lang="en-US" altLang="ja-JP" noProof="0" smtClean="0">
+                <a:solidFill>
+                  <a:schemeClr val="accent5">
+                    <a:lumMod val="50000"/>
+                  </a:schemeClr>
+                </a:solidFill>
+                <a:latin typeface="Hiragino Maru Gothic Pro W4" panose="020F0400000000000000" pitchFamily="34" charset="-128"/>
+                <a:ea typeface="Hiragino Maru Gothic Pro W4" panose="020F0400000000000000" pitchFamily="34" charset="-128"/>
+              </a:rPr>
+              <a:t>8</a:t>
+            </a:fld>
+            <a:endParaRPr lang="ja-JP" altLang="en-US" noProof="0" dirty="0">
+              <a:solidFill>
+                <a:schemeClr val="accent5">
+                  <a:lumMod val="50000"/>
+                </a:schemeClr>
+              </a:solidFill>
+              <a:latin typeface="Hiragino Maru Gothic Pro W4" panose="020F0400000000000000" pitchFamily="34" charset="-128"/>
+              <a:ea typeface="Hiragino Maru Gothic Pro W4" panose="020F0400000000000000" pitchFamily="34" charset="-128"/>
+            </a:endParaRPr>
+          </a:p>
+        </p:txBody>
+      </p:sp>
+    </p:spTree>
+    <p:extLst>
+      <p:ext uri="{BB962C8B-B14F-4D97-AF65-F5344CB8AC3E}">
+        <p14:creationId xmlns:p14="http://schemas.microsoft.com/office/powerpoint/2010/main" val="1919727112"/>
+      </p:ext>
+    </p:extLst>
+  </p:cSld>
+  <p:clrMapOvr>
+    <a:masterClrMapping/>
+  </p:clrMapOvr>
+  <mc:AlternateContent xmlns:mc="http://schemas.openxmlformats.org/markup-compatibility/2006" xmlns:p14="http://schemas.microsoft.com/office/powerpoint/2010/main">
+    <mc:Choice Requires="p14">
+      <p:transition spd="med" p14:dur="700">
+        <p:fade/>
+      </p:transition>
+    </mc:Choice>
+    <mc:Fallback xmlns="">
+      <p:transition spd="med">
+        <p:fade/>
+      </p:transition>
+    </mc:Fallback>
+  </mc:AlternateContent>
+</p:sld>
+</file>
+
 <file path=ppt/slides/slide9.xml><?xml version="1.0" encoding="utf-8"?>
 <p:sld xmlns:a="http://schemas.openxmlformats.org/drawingml/2006/main" xmlns:r="http://schemas.openxmlformats.org/officeDocument/2006/relationships" xmlns:p="http://schemas.openxmlformats.org/presentationml/2006/main">
   <p:cSld>
@@ -8169,7 +12833,55 @@
                 <a:latin typeface="Hiragino Maru Gothic Pro W4" panose="020F0400000000000000" pitchFamily="34" charset="-128"/>
                 <a:ea typeface="Hiragino Maru Gothic Pro W4" panose="020F0400000000000000" pitchFamily="34" charset="-128"/>
               </a:rPr>
-              <a:t>疲れたら・・・</a:t>
+              <a:t>クラン「まほらま</a:t>
+            </a:r>
+            <a:r>
+              <a:rPr lang="en-US" altLang="ja-JP" dirty="0">
+                <a:solidFill>
+                  <a:schemeClr val="accent5">
+                    <a:lumMod val="50000"/>
+                  </a:schemeClr>
+                </a:solidFill>
+                <a:latin typeface="Hiragino Maru Gothic Pro W4" panose="020F0400000000000000" pitchFamily="34" charset="-128"/>
+                <a:ea typeface="Hiragino Maru Gothic Pro W4" panose="020F0400000000000000" pitchFamily="34" charset="-128"/>
+              </a:rPr>
+              <a:t>〜</a:t>
+            </a:r>
+            <a:r>
+              <a:rPr lang="ja-JP" altLang="en-US">
+                <a:solidFill>
+                  <a:schemeClr val="accent5">
+                    <a:lumMod val="50000"/>
+                  </a:schemeClr>
+                </a:solidFill>
+                <a:latin typeface="Hiragino Maru Gothic Pro W4" panose="020F0400000000000000" pitchFamily="34" charset="-128"/>
+                <a:ea typeface="Hiragino Maru Gothic Pro W4" panose="020F0400000000000000" pitchFamily="34" charset="-128"/>
+              </a:rPr>
+              <a:t>摩天楼</a:t>
+            </a:r>
+            <a:r>
+              <a:rPr lang="en-US" altLang="ja-JP" dirty="0">
+                <a:solidFill>
+                  <a:schemeClr val="accent5">
+                    <a:lumMod val="50000"/>
+                  </a:schemeClr>
+                </a:solidFill>
+                <a:latin typeface="Hiragino Maru Gothic Pro W4" panose="020F0400000000000000" pitchFamily="34" charset="-128"/>
+                <a:ea typeface="Hiragino Maru Gothic Pro W4" panose="020F0400000000000000" pitchFamily="34" charset="-128"/>
+              </a:rPr>
+              <a:t>〜</a:t>
+            </a:r>
+            <a:r>
+              <a:rPr lang="ja-JP" altLang="en-US">
+                <a:solidFill>
+                  <a:schemeClr val="accent5">
+                    <a:lumMod val="50000"/>
+                  </a:schemeClr>
+                </a:solidFill>
+                <a:latin typeface="Hiragino Maru Gothic Pro W4" panose="020F0400000000000000" pitchFamily="34" charset="-128"/>
+                <a:ea typeface="Hiragino Maru Gothic Pro W4" panose="020F0400000000000000" pitchFamily="34" charset="-128"/>
+              </a:rPr>
+              <a:t>」</a:t>
             </a:r>
             <a:endParaRPr kumimoji="1" lang="ja-JP" altLang="en-US">
               <a:solidFill>
@@ -8211,6 +12923,47 @@
           </a:bodyPr>
           <a:lstStyle/>
           <a:p>
+            <a:pPr marL="45720" indent="0">
+              <a:buNone/>
+            </a:pPr>
+            <a:r>
+              <a:rPr lang="en-US" altLang="ja-JP" dirty="0">
+                <a:solidFill>
+                  <a:schemeClr val="accent5">
+                    <a:lumMod val="50000"/>
+                  </a:schemeClr>
+                </a:solidFill>
+                <a:latin typeface="Hiragino Maru Gothic Pro W4" panose="020F0400000000000000" pitchFamily="34" charset="-128"/>
+                <a:ea typeface="Hiragino Maru Gothic Pro W4" panose="020F0400000000000000" pitchFamily="34" charset="-128"/>
+              </a:rPr>
+              <a:t>【</a:t>
+            </a:r>
+            <a:r>
+              <a:rPr lang="ja-JP" altLang="en-US">
+                <a:solidFill>
+                  <a:schemeClr val="accent5">
+                    <a:lumMod val="50000"/>
+                  </a:schemeClr>
+                </a:solidFill>
+                <a:latin typeface="Hiragino Maru Gothic Pro W4" panose="020F0400000000000000" pitchFamily="34" charset="-128"/>
+                <a:ea typeface="Hiragino Maru Gothic Pro W4" panose="020F0400000000000000" pitchFamily="34" charset="-128"/>
+              </a:rPr>
+              <a:t>行動指針</a:t>
+            </a:r>
+            <a:r>
+              <a:rPr lang="en-US" altLang="ja-JP" dirty="0">
+                <a:solidFill>
+                  <a:schemeClr val="accent5">
+                    <a:lumMod val="50000"/>
+                  </a:schemeClr>
+                </a:solidFill>
+                <a:latin typeface="Hiragino Maru Gothic Pro W4" panose="020F0400000000000000" pitchFamily="34" charset="-128"/>
+                <a:ea typeface="Hiragino Maru Gothic Pro W4" panose="020F0400000000000000" pitchFamily="34" charset="-128"/>
+              </a:rPr>
+              <a:t>】</a:t>
+            </a:r>
+          </a:p>
+          <a:p>
             <a:pPr marL="502920" indent="-457200"/>
             <a:r>
               <a:rPr lang="ja-JP" altLang="en-US">
@@ -8222,17 +12975,8 @@
                 <a:latin typeface="Hiragino Maru Gothic Pro W4" panose="020F0400000000000000" pitchFamily="34" charset="-128"/>
                 <a:ea typeface="Hiragino Maru Gothic Pro W4" panose="020F0400000000000000" pitchFamily="34" charset="-128"/>
               </a:rPr>
-              <a:t>ゆっくりしましょう</a:t>
-            </a:r>
-            <a:endParaRPr lang="en-US" altLang="ja-JP" dirty="0">
-              <a:solidFill>
-                <a:schemeClr val="accent5">
-                  <a:lumMod val="50000"/>
-                </a:schemeClr>
-              </a:solidFill>
-              <a:latin typeface="Hiragino Maru Gothic Pro W4" panose="020F0400000000000000" pitchFamily="34" charset="-128"/>
-              <a:ea typeface="Hiragino Maru Gothic Pro W4" panose="020F0400000000000000" pitchFamily="34" charset="-128"/>
-            </a:endParaRPr>
+              <a:t>野良戦はゆるく、常時回します</a:t>
+            </a:r>
           </a:p>
           <a:p>
             <a:pPr marL="502920" indent="-457200"/>
@@ -8246,9 +12990,9 @@
                 <a:latin typeface="Hiragino Maru Gothic Pro W4" panose="020F0400000000000000" pitchFamily="34" charset="-128"/>
                 <a:ea typeface="Hiragino Maru Gothic Pro W4" panose="020F0400000000000000" pitchFamily="34" charset="-128"/>
               </a:rPr>
-              <a:t>ファミリークランとして、</a:t>
-            </a:r>
-            <a:br>
+              <a:t>リーグ戦はメダル狙い、適正リーグで</a:t>
+            </a:r>
+            <a:r>
               <a:rPr lang="en-US" altLang="ja-JP" dirty="0">
                 <a:solidFill>
                   <a:schemeClr val="accent5">
@@ -8258,7 +13002,8 @@
                 <a:latin typeface="Hiragino Maru Gothic Pro W4" panose="020F0400000000000000" pitchFamily="34" charset="-128"/>
                 <a:ea typeface="Hiragino Maru Gothic Pro W4" panose="020F0400000000000000" pitchFamily="34" charset="-128"/>
               </a:rPr>
-            </a:br>
+              <a:t>3</a:t>
+            </a:r>
             <a:r>
               <a:rPr lang="ja-JP" altLang="en-US">
                 <a:solidFill>
@@ -8269,30 +13014,7 @@
                 <a:latin typeface="Hiragino Maru Gothic Pro W4" panose="020F0400000000000000" pitchFamily="34" charset="-128"/>
                 <a:ea typeface="Hiragino Maru Gothic Pro W4" panose="020F0400000000000000" pitchFamily="34" charset="-128"/>
               </a:rPr>
-              <a:t>あっちゃん率いるファーミングクランがあるので</a:t>
-            </a:r>
-            <a:br>
-              <a:rPr lang="en-US" altLang="ja-JP" dirty="0">
-                <a:solidFill>
-                  <a:schemeClr val="accent5">
-                    <a:lumMod val="50000"/>
-                  </a:schemeClr>
-                </a:solidFill>
-                <a:latin typeface="Hiragino Maru Gothic Pro W4" panose="020F0400000000000000" pitchFamily="34" charset="-128"/>
-                <a:ea typeface="Hiragino Maru Gothic Pro W4" panose="020F0400000000000000" pitchFamily="34" charset="-128"/>
-              </a:rPr>
-            </a:br>
-            <a:r>
-              <a:rPr lang="ja-JP" altLang="en-US">
-                <a:solidFill>
-                  <a:schemeClr val="accent5">
-                    <a:lumMod val="50000"/>
-                  </a:schemeClr>
-                </a:solidFill>
-                <a:latin typeface="Hiragino Maru Gothic Pro W4" panose="020F0400000000000000" pitchFamily="34" charset="-128"/>
-                <a:ea typeface="Hiragino Maru Gothic Pro W4" panose="020F0400000000000000" pitchFamily="34" charset="-128"/>
-              </a:rPr>
-              <a:t>そこでゆっくりすることをオススメします</a:t>
+              <a:t>位狙い</a:t>
             </a:r>
             <a:endParaRPr lang="en-US" altLang="ja-JP" dirty="0">
               <a:solidFill>
@@ -8355,7 +13077,7 @@
     </p:spTree>
     <p:extLst>
       <p:ext uri="{BB962C8B-B14F-4D97-AF65-F5344CB8AC3E}">
-        <p14:creationId xmlns:p14="http://schemas.microsoft.com/office/powerpoint/2010/main" val="2080103444"/>
+        <p14:creationId xmlns:p14="http://schemas.microsoft.com/office/powerpoint/2010/main" val="2345437348"/>
       </p:ext>
     </p:extLst>
   </p:cSld>

--- a/TOMARIGI.pptx
+++ b/TOMARIGI.pptx
@@ -5,27 +5,34 @@
     <p:sldMasterId id="2147483828" r:id="rId1"/>
   </p:sldMasterIdLst>
   <p:notesMasterIdLst>
-    <p:notesMasterId r:id="rId17"/>
+    <p:notesMasterId r:id="rId24"/>
   </p:notesMasterIdLst>
   <p:handoutMasterIdLst>
-    <p:handoutMasterId r:id="rId18"/>
+    <p:handoutMasterId r:id="rId25"/>
   </p:handoutMasterIdLst>
   <p:sldIdLst>
     <p:sldId id="256" r:id="rId2"/>
     <p:sldId id="354" r:id="rId3"/>
     <p:sldId id="361" r:id="rId4"/>
     <p:sldId id="337" r:id="rId5"/>
-    <p:sldId id="366" r:id="rId6"/>
-    <p:sldId id="358" r:id="rId7"/>
-    <p:sldId id="359" r:id="rId8"/>
-    <p:sldId id="355" r:id="rId9"/>
-    <p:sldId id="367" r:id="rId10"/>
-    <p:sldId id="368" r:id="rId11"/>
-    <p:sldId id="360" r:id="rId12"/>
-    <p:sldId id="369" r:id="rId13"/>
-    <p:sldId id="363" r:id="rId14"/>
-    <p:sldId id="364" r:id="rId15"/>
-    <p:sldId id="338" r:id="rId16"/>
+    <p:sldId id="352" r:id="rId6"/>
+    <p:sldId id="366" r:id="rId7"/>
+    <p:sldId id="358" r:id="rId8"/>
+    <p:sldId id="359" r:id="rId9"/>
+    <p:sldId id="370" r:id="rId10"/>
+    <p:sldId id="355" r:id="rId11"/>
+    <p:sldId id="367" r:id="rId12"/>
+    <p:sldId id="371" r:id="rId13"/>
+    <p:sldId id="368" r:id="rId14"/>
+    <p:sldId id="377" r:id="rId15"/>
+    <p:sldId id="360" r:id="rId16"/>
+    <p:sldId id="363" r:id="rId17"/>
+    <p:sldId id="372" r:id="rId18"/>
+    <p:sldId id="373" r:id="rId19"/>
+    <p:sldId id="374" r:id="rId20"/>
+    <p:sldId id="375" r:id="rId21"/>
+    <p:sldId id="376" r:id="rId22"/>
+    <p:sldId id="369" r:id="rId23"/>
   </p:sldIdLst>
   <p:sldSz cx="12192000" cy="6858000"/>
   <p:notesSz cx="6858000" cy="9144000"/>
@@ -4551,6 +4558,70 @@
           </a:prstGeom>
         </p:spPr>
       </p:pic>
+      <p:sp>
+        <p:nvSpPr>
+          <p:cNvPr id="2" name="テキスト ボックス 1">
+            <a:extLst>
+              <a:ext uri="{FF2B5EF4-FFF2-40B4-BE49-F238E27FC236}">
+                <a16:creationId xmlns:a16="http://schemas.microsoft.com/office/drawing/2014/main" id="{79776261-4BE3-9C41-AB0A-5071D37E6B70}"/>
+              </a:ext>
+            </a:extLst>
+          </p:cNvPr>
+          <p:cNvSpPr txBox="1"/>
+          <p:nvPr/>
+        </p:nvSpPr>
+        <p:spPr>
+          <a:xfrm>
+            <a:off x="8990557" y="5823112"/>
+            <a:ext cx="2387192" cy="461665"/>
+          </a:xfrm>
+          <a:prstGeom prst="rect">
+            <a:avLst/>
+          </a:prstGeom>
+          <a:noFill/>
+        </p:spPr>
+        <p:txBody>
+          <a:bodyPr wrap="none" rtlCol="0">
+            <a:spAutoFit/>
+          </a:bodyPr>
+          <a:lstStyle/>
+          <a:p>
+            <a:r>
+              <a:rPr lang="en-US" altLang="ja-JP" sz="2400" dirty="0">
+                <a:solidFill>
+                  <a:schemeClr val="accent5">
+                    <a:lumMod val="50000"/>
+                  </a:schemeClr>
+                </a:solidFill>
+                <a:latin typeface="Hiragino Maru Gothic Pro W4" panose="020F0400000000000000" pitchFamily="34" charset="-128"/>
+                <a:ea typeface="Hiragino Maru Gothic Pro W4" panose="020F0400000000000000" pitchFamily="34" charset="-128"/>
+              </a:rPr>
+              <a:t>2021/04/26</a:t>
+            </a:r>
+            <a:r>
+              <a:rPr lang="ja-JP" altLang="en-US" sz="2400">
+                <a:solidFill>
+                  <a:schemeClr val="accent5">
+                    <a:lumMod val="50000"/>
+                  </a:schemeClr>
+                </a:solidFill>
+                <a:latin typeface="Hiragino Maru Gothic Pro W4" panose="020F0400000000000000" pitchFamily="34" charset="-128"/>
+                <a:ea typeface="Hiragino Maru Gothic Pro W4" panose="020F0400000000000000" pitchFamily="34" charset="-128"/>
+              </a:rPr>
+              <a:t>版</a:t>
+            </a:r>
+            <a:endParaRPr kumimoji="1" lang="ja-JP" altLang="en-US" sz="2400">
+              <a:solidFill>
+                <a:schemeClr val="accent5">
+                  <a:lumMod val="50000"/>
+                </a:schemeClr>
+              </a:solidFill>
+              <a:latin typeface="Hiragino Maru Gothic Pro W4" panose="020F0400000000000000" pitchFamily="34" charset="-128"/>
+              <a:ea typeface="Hiragino Maru Gothic Pro W4" panose="020F0400000000000000" pitchFamily="34" charset="-128"/>
+            </a:endParaRPr>
+          </a:p>
+        </p:txBody>
+      </p:sp>
     </p:spTree>
     <p:extLst>
       <p:ext uri="{BB962C8B-B14F-4D97-AF65-F5344CB8AC3E}">
@@ -4624,7 +4695,55 @@
                 <a:latin typeface="Hiragino Maru Gothic Pro W4" panose="020F0400000000000000" pitchFamily="34" charset="-128"/>
                 <a:ea typeface="Hiragino Maru Gothic Pro W4" panose="020F0400000000000000" pitchFamily="34" charset="-128"/>
               </a:rPr>
-              <a:t>クラン「とまり木」</a:t>
+              <a:t>クラン「まほらま</a:t>
+            </a:r>
+            <a:r>
+              <a:rPr lang="en-US" altLang="ja-JP" dirty="0">
+                <a:solidFill>
+                  <a:schemeClr val="accent5">
+                    <a:lumMod val="50000"/>
+                  </a:schemeClr>
+                </a:solidFill>
+                <a:latin typeface="Hiragino Maru Gothic Pro W4" panose="020F0400000000000000" pitchFamily="34" charset="-128"/>
+                <a:ea typeface="Hiragino Maru Gothic Pro W4" panose="020F0400000000000000" pitchFamily="34" charset="-128"/>
+              </a:rPr>
+              <a:t>〜</a:t>
+            </a:r>
+            <a:r>
+              <a:rPr lang="ja-JP" altLang="en-US">
+                <a:solidFill>
+                  <a:schemeClr val="accent5">
+                    <a:lumMod val="50000"/>
+                  </a:schemeClr>
+                </a:solidFill>
+                <a:latin typeface="Hiragino Maru Gothic Pro W4" panose="020F0400000000000000" pitchFamily="34" charset="-128"/>
+                <a:ea typeface="Hiragino Maru Gothic Pro W4" panose="020F0400000000000000" pitchFamily="34" charset="-128"/>
+              </a:rPr>
+              <a:t>摩天楼</a:t>
+            </a:r>
+            <a:r>
+              <a:rPr lang="en-US" altLang="ja-JP" dirty="0">
+                <a:solidFill>
+                  <a:schemeClr val="accent5">
+                    <a:lumMod val="50000"/>
+                  </a:schemeClr>
+                </a:solidFill>
+                <a:latin typeface="Hiragino Maru Gothic Pro W4" panose="020F0400000000000000" pitchFamily="34" charset="-128"/>
+                <a:ea typeface="Hiragino Maru Gothic Pro W4" panose="020F0400000000000000" pitchFamily="34" charset="-128"/>
+              </a:rPr>
+              <a:t>〜</a:t>
+            </a:r>
+            <a:r>
+              <a:rPr lang="ja-JP" altLang="en-US">
+                <a:solidFill>
+                  <a:schemeClr val="accent5">
+                    <a:lumMod val="50000"/>
+                  </a:schemeClr>
+                </a:solidFill>
+                <a:latin typeface="Hiragino Maru Gothic Pro W4" panose="020F0400000000000000" pitchFamily="34" charset="-128"/>
+                <a:ea typeface="Hiragino Maru Gothic Pro W4" panose="020F0400000000000000" pitchFamily="34" charset="-128"/>
+              </a:rPr>
+              <a:t>」</a:t>
             </a:r>
             <a:endParaRPr kumimoji="1" lang="ja-JP" altLang="en-US">
               <a:solidFill>
@@ -4718,7 +4837,7 @@
                 <a:latin typeface="Hiragino Maru Gothic Pro W4" panose="020F0400000000000000" pitchFamily="34" charset="-128"/>
                 <a:ea typeface="Hiragino Maru Gothic Pro W4" panose="020F0400000000000000" pitchFamily="34" charset="-128"/>
               </a:rPr>
-              <a:t>責任者：ふるはた</a:t>
+              <a:t>責任者：ゴドルフィン</a:t>
             </a:r>
             <a:endParaRPr lang="en-US" altLang="ja-JP" dirty="0">
               <a:solidFill>
@@ -4742,7 +4861,7 @@
                 <a:latin typeface="Hiragino Maru Gothic Pro W4" panose="020F0400000000000000" pitchFamily="34" charset="-128"/>
                 <a:ea typeface="Hiragino Maru Gothic Pro W4" panose="020F0400000000000000" pitchFamily="34" charset="-128"/>
               </a:rPr>
-              <a:t>クランリーグのときにだけ現れる幻のクラン</a:t>
+              <a:t>ファーミングクラン</a:t>
             </a:r>
             <a:endParaRPr lang="en-US" altLang="ja-JP" dirty="0">
               <a:solidFill>
@@ -4766,7 +4885,7 @@
                 <a:latin typeface="Hiragino Maru Gothic Pro W4" panose="020F0400000000000000" pitchFamily="34" charset="-128"/>
                 <a:ea typeface="Hiragino Maru Gothic Pro W4" panose="020F0400000000000000" pitchFamily="34" charset="-128"/>
               </a:rPr>
-              <a:t>TOMARIGI</a:t>
+              <a:t>TH</a:t>
             </a:r>
             <a:r>
               <a:rPr lang="ja-JP" altLang="en-US">
@@ -4778,7 +4897,7 @@
                 <a:latin typeface="Hiragino Maru Gothic Pro W4" panose="020F0400000000000000" pitchFamily="34" charset="-128"/>
                 <a:ea typeface="Hiragino Maru Gothic Pro W4" panose="020F0400000000000000" pitchFamily="34" charset="-128"/>
               </a:rPr>
-              <a:t>リーグであぶれた人、摩天楼のタウンホール高めな人を集めてリーグ実施するクラン</a:t>
+              <a:t>帯は問わない</a:t>
             </a:r>
             <a:endParaRPr lang="en-US" altLang="ja-JP" dirty="0">
               <a:solidFill>
@@ -4802,8 +4921,61 @@
                 <a:latin typeface="Hiragino Maru Gothic Pro W4" panose="020F0400000000000000" pitchFamily="34" charset="-128"/>
                 <a:ea typeface="Hiragino Maru Gothic Pro W4" panose="020F0400000000000000" pitchFamily="34" charset="-128"/>
               </a:rPr>
-              <a:t>いつかファーミングクランにしたいので新規に育てていく</a:t>
-            </a:r>
+              <a:t>将来的に新規クランに移行する</a:t>
+            </a:r>
+            <a:r>
+              <a:rPr lang="en-US" altLang="ja-JP" dirty="0">
+                <a:solidFill>
+                  <a:schemeClr val="accent5">
+                    <a:lumMod val="50000"/>
+                  </a:schemeClr>
+                </a:solidFill>
+                <a:latin typeface="Hiragino Maru Gothic Pro W4" panose="020F0400000000000000" pitchFamily="34" charset="-128"/>
+                <a:ea typeface="Hiragino Maru Gothic Pro W4" panose="020F0400000000000000" pitchFamily="34" charset="-128"/>
+              </a:rPr>
+              <a:t> </a:t>
+            </a:r>
+            <a:r>
+              <a:rPr lang="en-US" altLang="ja-JP" sz="2000" dirty="0">
+                <a:solidFill>
+                  <a:schemeClr val="accent5">
+                    <a:lumMod val="50000"/>
+                  </a:schemeClr>
+                </a:solidFill>
+                <a:latin typeface="Hiragino Maru Gothic Pro W4" panose="020F0400000000000000" pitchFamily="34" charset="-128"/>
+                <a:ea typeface="Hiragino Maru Gothic Pro W4" panose="020F0400000000000000" pitchFamily="34" charset="-128"/>
+              </a:rPr>
+              <a:t>(</a:t>
+            </a:r>
+            <a:r>
+              <a:rPr lang="ja-JP" altLang="en-US" sz="2000">
+                <a:solidFill>
+                  <a:schemeClr val="accent5">
+                    <a:lumMod val="50000"/>
+                  </a:schemeClr>
+                </a:solidFill>
+                <a:latin typeface="Hiragino Maru Gothic Pro W4" panose="020F0400000000000000" pitchFamily="34" charset="-128"/>
+                <a:ea typeface="Hiragino Maru Gothic Pro W4" panose="020F0400000000000000" pitchFamily="34" charset="-128"/>
+              </a:rPr>
+              <a:t>まほらまは仮宿です</a:t>
+            </a:r>
+            <a:r>
+              <a:rPr lang="en-US" altLang="ja-JP" sz="2000" dirty="0">
+                <a:solidFill>
+                  <a:schemeClr val="accent5">
+                    <a:lumMod val="50000"/>
+                  </a:schemeClr>
+                </a:solidFill>
+                <a:latin typeface="Hiragino Maru Gothic Pro W4" panose="020F0400000000000000" pitchFamily="34" charset="-128"/>
+                <a:ea typeface="Hiragino Maru Gothic Pro W4" panose="020F0400000000000000" pitchFamily="34" charset="-128"/>
+              </a:rPr>
+              <a:t>)</a:t>
+            </a:r>
+          </a:p>
+          <a:p>
+            <a:pPr marL="45720" indent="0">
+              <a:buNone/>
+            </a:pPr>
             <a:endParaRPr lang="en-US" altLang="ja-JP" dirty="0">
               <a:solidFill>
                 <a:schemeClr val="accent5">
@@ -4815,7 +4987,21 @@
             </a:endParaRPr>
           </a:p>
           <a:p>
-            <a:pPr marL="560070" indent="-514350"/>
+            <a:pPr marL="45720" indent="0">
+              <a:buNone/>
+            </a:pPr>
+            <a:r>
+              <a:rPr lang="en-US" altLang="ja-JP" dirty="0">
+                <a:solidFill>
+                  <a:schemeClr val="accent5">
+                    <a:lumMod val="50000"/>
+                  </a:schemeClr>
+                </a:solidFill>
+                <a:latin typeface="Hiragino Maru Gothic Pro W4" panose="020F0400000000000000" pitchFamily="34" charset="-128"/>
+                <a:ea typeface="Hiragino Maru Gothic Pro W4" panose="020F0400000000000000" pitchFamily="34" charset="-128"/>
+              </a:rPr>
+              <a:t>【</a:t>
+            </a:r>
             <a:r>
               <a:rPr lang="ja-JP" altLang="en-US">
                 <a:solidFill>
@@ -4826,7 +5012,34 @@
                 <a:latin typeface="Hiragino Maru Gothic Pro W4" panose="020F0400000000000000" pitchFamily="34" charset="-128"/>
                 <a:ea typeface="Hiragino Maru Gothic Pro W4" panose="020F0400000000000000" pitchFamily="34" charset="-128"/>
               </a:rPr>
-              <a:t>リーグ戦はメダル狙い</a:t>
+              <a:t>方針、目指すクランの姿</a:t>
+            </a:r>
+            <a:r>
+              <a:rPr lang="en-US" altLang="ja-JP" dirty="0">
+                <a:solidFill>
+                  <a:schemeClr val="accent5">
+                    <a:lumMod val="50000"/>
+                  </a:schemeClr>
+                </a:solidFill>
+                <a:latin typeface="Hiragino Maru Gothic Pro W4" panose="020F0400000000000000" pitchFamily="34" charset="-128"/>
+                <a:ea typeface="Hiragino Maru Gothic Pro W4" panose="020F0400000000000000" pitchFamily="34" charset="-128"/>
+              </a:rPr>
+              <a:t>】</a:t>
+            </a:r>
+          </a:p>
+          <a:p>
+            <a:pPr marL="502920" indent="-457200"/>
+            <a:r>
+              <a:rPr lang="ja-JP" altLang="en-US">
+                <a:solidFill>
+                  <a:schemeClr val="accent5">
+                    <a:lumMod val="50000"/>
+                  </a:schemeClr>
+                </a:solidFill>
+                <a:latin typeface="Hiragino Maru Gothic Pro W4" panose="020F0400000000000000" pitchFamily="34" charset="-128"/>
+                <a:ea typeface="Hiragino Maru Gothic Pro W4" panose="020F0400000000000000" pitchFamily="34" charset="-128"/>
+              </a:rPr>
+              <a:t>安心してファーミングできるクランであること</a:t>
             </a:r>
             <a:endParaRPr lang="en-US" altLang="ja-JP" dirty="0">
               <a:solidFill>
@@ -4889,7 +5102,7 @@
     </p:spTree>
     <p:extLst>
       <p:ext uri="{BB962C8B-B14F-4D97-AF65-F5344CB8AC3E}">
-        <p14:creationId xmlns:p14="http://schemas.microsoft.com/office/powerpoint/2010/main" val="2925840920"/>
+        <p14:creationId xmlns:p14="http://schemas.microsoft.com/office/powerpoint/2010/main" val="1919727112"/>
       </p:ext>
     </p:extLst>
   </p:cSld>
@@ -4950,17 +5163,74 @@
           <a:lstStyle/>
           <a:p>
             <a:r>
-              <a:rPr kumimoji="1" lang="ja-JP" altLang="en-US">
-                <a:solidFill>
-                  <a:schemeClr val="accent5">
-                    <a:lumMod val="50000"/>
-                  </a:schemeClr>
-                </a:solidFill>
-                <a:latin typeface="Hiragino Maru Gothic Pro W4" panose="020F0400000000000000" pitchFamily="34" charset="-128"/>
-                <a:ea typeface="Hiragino Maru Gothic Pro W4" panose="020F0400000000000000" pitchFamily="34" charset="-128"/>
-              </a:rPr>
-              <a:t>クラン運営陣の紹介</a:t>
-            </a:r>
+              <a:rPr lang="ja-JP" altLang="en-US">
+                <a:solidFill>
+                  <a:schemeClr val="accent5">
+                    <a:lumMod val="50000"/>
+                  </a:schemeClr>
+                </a:solidFill>
+                <a:latin typeface="Hiragino Maru Gothic Pro W4" panose="020F0400000000000000" pitchFamily="34" charset="-128"/>
+                <a:ea typeface="Hiragino Maru Gothic Pro W4" panose="020F0400000000000000" pitchFamily="34" charset="-128"/>
+              </a:rPr>
+              <a:t>クラン「まほらま</a:t>
+            </a:r>
+            <a:r>
+              <a:rPr lang="en-US" altLang="ja-JP" dirty="0">
+                <a:solidFill>
+                  <a:schemeClr val="accent5">
+                    <a:lumMod val="50000"/>
+                  </a:schemeClr>
+                </a:solidFill>
+                <a:latin typeface="Hiragino Maru Gothic Pro W4" panose="020F0400000000000000" pitchFamily="34" charset="-128"/>
+                <a:ea typeface="Hiragino Maru Gothic Pro W4" panose="020F0400000000000000" pitchFamily="34" charset="-128"/>
+              </a:rPr>
+              <a:t>〜</a:t>
+            </a:r>
+            <a:r>
+              <a:rPr lang="ja-JP" altLang="en-US">
+                <a:solidFill>
+                  <a:schemeClr val="accent5">
+                    <a:lumMod val="50000"/>
+                  </a:schemeClr>
+                </a:solidFill>
+                <a:latin typeface="Hiragino Maru Gothic Pro W4" panose="020F0400000000000000" pitchFamily="34" charset="-128"/>
+                <a:ea typeface="Hiragino Maru Gothic Pro W4" panose="020F0400000000000000" pitchFamily="34" charset="-128"/>
+              </a:rPr>
+              <a:t>摩天楼</a:t>
+            </a:r>
+            <a:r>
+              <a:rPr lang="en-US" altLang="ja-JP" dirty="0">
+                <a:solidFill>
+                  <a:schemeClr val="accent5">
+                    <a:lumMod val="50000"/>
+                  </a:schemeClr>
+                </a:solidFill>
+                <a:latin typeface="Hiragino Maru Gothic Pro W4" panose="020F0400000000000000" pitchFamily="34" charset="-128"/>
+                <a:ea typeface="Hiragino Maru Gothic Pro W4" panose="020F0400000000000000" pitchFamily="34" charset="-128"/>
+              </a:rPr>
+              <a:t>〜</a:t>
+            </a:r>
+            <a:r>
+              <a:rPr lang="ja-JP" altLang="en-US">
+                <a:solidFill>
+                  <a:schemeClr val="accent5">
+                    <a:lumMod val="50000"/>
+                  </a:schemeClr>
+                </a:solidFill>
+                <a:latin typeface="Hiragino Maru Gothic Pro W4" panose="020F0400000000000000" pitchFamily="34" charset="-128"/>
+                <a:ea typeface="Hiragino Maru Gothic Pro W4" panose="020F0400000000000000" pitchFamily="34" charset="-128"/>
+              </a:rPr>
+              <a:t>」</a:t>
+            </a:r>
+            <a:endParaRPr kumimoji="1" lang="ja-JP" altLang="en-US">
+              <a:solidFill>
+                <a:schemeClr val="accent5">
+                  <a:lumMod val="50000"/>
+                </a:schemeClr>
+              </a:solidFill>
+              <a:latin typeface="Hiragino Maru Gothic Pro W4" panose="020F0400000000000000" pitchFamily="34" charset="-128"/>
+              <a:ea typeface="Hiragino Maru Gothic Pro W4" panose="020F0400000000000000" pitchFamily="34" charset="-128"/>
+            </a:endParaRPr>
           </a:p>
         </p:txBody>
       </p:sp>
@@ -4996,6 +5266,18 @@
               <a:buNone/>
             </a:pPr>
             <a:r>
+              <a:rPr lang="en-US" altLang="ja-JP" dirty="0">
+                <a:solidFill>
+                  <a:schemeClr val="accent5">
+                    <a:lumMod val="50000"/>
+                  </a:schemeClr>
+                </a:solidFill>
+                <a:latin typeface="Hiragino Maru Gothic Pro W4" panose="020F0400000000000000" pitchFamily="34" charset="-128"/>
+                <a:ea typeface="Hiragino Maru Gothic Pro W4" panose="020F0400000000000000" pitchFamily="34" charset="-128"/>
+              </a:rPr>
+              <a:t>【</a:t>
+            </a:r>
+            <a:r>
               <a:rPr lang="ja-JP" altLang="en-US">
                 <a:solidFill>
                   <a:schemeClr val="accent5">
@@ -5005,34 +5287,50 @@
                 <a:latin typeface="Hiragino Maru Gothic Pro W4" panose="020F0400000000000000" pitchFamily="34" charset="-128"/>
                 <a:ea typeface="Hiragino Maru Gothic Pro W4" panose="020F0400000000000000" pitchFamily="34" charset="-128"/>
               </a:rPr>
-              <a:t>困ったことがありましたら気軽に相談してください。</a:t>
-            </a:r>
-            <a:endParaRPr lang="en-US" altLang="ja-JP" dirty="0">
-              <a:solidFill>
-                <a:schemeClr val="accent5">
-                  <a:lumMod val="50000"/>
-                </a:schemeClr>
-              </a:solidFill>
-              <a:latin typeface="Hiragino Maru Gothic Pro W4" panose="020F0400000000000000" pitchFamily="34" charset="-128"/>
-              <a:ea typeface="Hiragino Maru Gothic Pro W4" panose="020F0400000000000000" pitchFamily="34" charset="-128"/>
-            </a:endParaRPr>
-          </a:p>
-          <a:p>
-            <a:pPr marL="45720" indent="0">
-              <a:buNone/>
-            </a:pPr>
-            <a:endParaRPr lang="en-US" altLang="ja-JP" dirty="0">
-              <a:solidFill>
-                <a:schemeClr val="accent5">
-                  <a:lumMod val="50000"/>
-                </a:schemeClr>
-              </a:solidFill>
-              <a:latin typeface="Hiragino Maru Gothic Pro W4" panose="020F0400000000000000" pitchFamily="34" charset="-128"/>
-              <a:ea typeface="Hiragino Maru Gothic Pro W4" panose="020F0400000000000000" pitchFamily="34" charset="-128"/>
-            </a:endParaRPr>
+              <a:t>行動指針</a:t>
+            </a:r>
+            <a:r>
+              <a:rPr lang="en-US" altLang="ja-JP" dirty="0">
+                <a:solidFill>
+                  <a:schemeClr val="accent5">
+                    <a:lumMod val="50000"/>
+                  </a:schemeClr>
+                </a:solidFill>
+                <a:latin typeface="Hiragino Maru Gothic Pro W4" panose="020F0400000000000000" pitchFamily="34" charset="-128"/>
+                <a:ea typeface="Hiragino Maru Gothic Pro W4" panose="020F0400000000000000" pitchFamily="34" charset="-128"/>
+              </a:rPr>
+              <a:t>】</a:t>
+            </a:r>
           </a:p>
           <a:p>
             <a:pPr marL="502920" indent="-457200"/>
+            <a:r>
+              <a:rPr lang="ja-JP" altLang="en-US">
+                <a:solidFill>
+                  <a:schemeClr val="accent5">
+                    <a:lumMod val="50000"/>
+                  </a:schemeClr>
+                </a:solidFill>
+                <a:latin typeface="Hiragino Maru Gothic Pro W4" panose="020F0400000000000000" pitchFamily="34" charset="-128"/>
+                <a:ea typeface="Hiragino Maru Gothic Pro W4" panose="020F0400000000000000" pitchFamily="34" charset="-128"/>
+              </a:rPr>
+              <a:t>野良戦はゆるく、常時回します</a:t>
+            </a:r>
+          </a:p>
+          <a:p>
+            <a:pPr marL="502920" indent="-457200"/>
+            <a:r>
+              <a:rPr lang="ja-JP" altLang="en-US">
+                <a:solidFill>
+                  <a:schemeClr val="accent5">
+                    <a:lumMod val="50000"/>
+                  </a:schemeClr>
+                </a:solidFill>
+                <a:latin typeface="Hiragino Maru Gothic Pro W4" panose="020F0400000000000000" pitchFamily="34" charset="-128"/>
+                <a:ea typeface="Hiragino Maru Gothic Pro W4" panose="020F0400000000000000" pitchFamily="34" charset="-128"/>
+              </a:rPr>
+              <a:t>リーグ戦はメダル狙い→星８取れた人から交代していきます</a:t>
+            </a:r>
             <a:endParaRPr lang="en-US" altLang="ja-JP" dirty="0">
               <a:solidFill>
                 <a:schemeClr val="accent5">
@@ -5078,6 +5376,2020 @@
                 <a:ea typeface="Hiragino Maru Gothic Pro W4" panose="020F0400000000000000" pitchFamily="34" charset="-128"/>
               </a:rPr>
               <a:t>11</a:t>
+            </a:fld>
+            <a:endParaRPr lang="ja-JP" altLang="en-US" noProof="0" dirty="0">
+              <a:solidFill>
+                <a:schemeClr val="accent5">
+                  <a:lumMod val="50000"/>
+                </a:schemeClr>
+              </a:solidFill>
+              <a:latin typeface="Hiragino Maru Gothic Pro W4" panose="020F0400000000000000" pitchFamily="34" charset="-128"/>
+              <a:ea typeface="Hiragino Maru Gothic Pro W4" panose="020F0400000000000000" pitchFamily="34" charset="-128"/>
+            </a:endParaRPr>
+          </a:p>
+        </p:txBody>
+      </p:sp>
+    </p:spTree>
+    <p:extLst>
+      <p:ext uri="{BB962C8B-B14F-4D97-AF65-F5344CB8AC3E}">
+        <p14:creationId xmlns:p14="http://schemas.microsoft.com/office/powerpoint/2010/main" val="2345437348"/>
+      </p:ext>
+    </p:extLst>
+  </p:cSld>
+  <p:clrMapOvr>
+    <a:masterClrMapping/>
+  </p:clrMapOvr>
+  <mc:AlternateContent xmlns:mc="http://schemas.openxmlformats.org/markup-compatibility/2006" xmlns:p14="http://schemas.microsoft.com/office/powerpoint/2010/main">
+    <mc:Choice Requires="p14">
+      <p:transition spd="med" p14:dur="700">
+        <p:fade/>
+      </p:transition>
+    </mc:Choice>
+    <mc:Fallback xmlns="">
+      <p:transition spd="med">
+        <p:fade/>
+      </p:transition>
+    </mc:Fallback>
+  </mc:AlternateContent>
+</p:sld>
+</file>
+
+<file path=ppt/slides/slide12.xml><?xml version="1.0" encoding="utf-8"?>
+<p:sld xmlns:a="http://schemas.openxmlformats.org/drawingml/2006/main" xmlns:r="http://schemas.openxmlformats.org/officeDocument/2006/relationships" xmlns:p="http://schemas.openxmlformats.org/presentationml/2006/main">
+  <p:cSld>
+    <p:spTree>
+      <p:nvGrpSpPr>
+        <p:cNvPr id="1" name=""/>
+        <p:cNvGrpSpPr/>
+        <p:nvPr/>
+      </p:nvGrpSpPr>
+      <p:grpSpPr>
+        <a:xfrm>
+          <a:off x="0" y="0"/>
+          <a:ext cx="0" cy="0"/>
+          <a:chOff x="0" y="0"/>
+          <a:chExt cx="0" cy="0"/>
+        </a:xfrm>
+      </p:grpSpPr>
+      <p:sp>
+        <p:nvSpPr>
+          <p:cNvPr id="2" name="タイトル 1">
+            <a:extLst>
+              <a:ext uri="{FF2B5EF4-FFF2-40B4-BE49-F238E27FC236}">
+                <a16:creationId xmlns:a16="http://schemas.microsoft.com/office/drawing/2014/main" id="{05E27039-9568-144A-9E91-3B61FB565D2A}"/>
+              </a:ext>
+            </a:extLst>
+          </p:cNvPr>
+          <p:cNvSpPr>
+            <a:spLocks noGrp="1"/>
+          </p:cNvSpPr>
+          <p:nvPr>
+            <p:ph type="ctrTitle"/>
+          </p:nvPr>
+        </p:nvSpPr>
+        <p:spPr>
+          <a:xfrm>
+            <a:off x="1306286" y="1187630"/>
+            <a:ext cx="9570720" cy="3173122"/>
+          </a:xfrm>
+        </p:spPr>
+        <p:txBody>
+          <a:bodyPr>
+            <a:normAutofit/>
+          </a:bodyPr>
+          <a:lstStyle/>
+          <a:p>
+            <a:r>
+              <a:rPr kumimoji="1" lang="ja-JP" altLang="en-US">
+                <a:solidFill>
+                  <a:schemeClr val="accent5">
+                    <a:lumMod val="50000"/>
+                  </a:schemeClr>
+                </a:solidFill>
+                <a:latin typeface="Hiragino Maru Gothic Pro W4" panose="020F0400000000000000" pitchFamily="34" charset="-128"/>
+                <a:ea typeface="Hiragino Maru Gothic Pro W4" panose="020F0400000000000000" pitchFamily="34" charset="-128"/>
+              </a:rPr>
+              <a:t>クラン「</a:t>
+            </a:r>
+            <a:r>
+              <a:rPr kumimoji="1" lang="en-US" altLang="ja-JP" dirty="0">
+                <a:solidFill>
+                  <a:schemeClr val="accent5">
+                    <a:lumMod val="50000"/>
+                  </a:schemeClr>
+                </a:solidFill>
+                <a:latin typeface="Hiragino Maru Gothic Pro W4" panose="020F0400000000000000" pitchFamily="34" charset="-128"/>
+                <a:ea typeface="Hiragino Maru Gothic Pro W4" panose="020F0400000000000000" pitchFamily="34" charset="-128"/>
+              </a:rPr>
+              <a:t>YADORIGI</a:t>
+            </a:r>
+            <a:r>
+              <a:rPr kumimoji="1" lang="ja-JP" altLang="en-US">
+                <a:solidFill>
+                  <a:schemeClr val="accent5">
+                    <a:lumMod val="50000"/>
+                  </a:schemeClr>
+                </a:solidFill>
+                <a:latin typeface="Hiragino Maru Gothic Pro W4" panose="020F0400000000000000" pitchFamily="34" charset="-128"/>
+                <a:ea typeface="Hiragino Maru Gothic Pro W4" panose="020F0400000000000000" pitchFamily="34" charset="-128"/>
+              </a:rPr>
+              <a:t>」</a:t>
+            </a:r>
+            <a:br>
+              <a:rPr kumimoji="1" lang="en-US" altLang="ja-JP" dirty="0">
+                <a:solidFill>
+                  <a:schemeClr val="accent5">
+                    <a:lumMod val="50000"/>
+                  </a:schemeClr>
+                </a:solidFill>
+                <a:latin typeface="Hiragino Maru Gothic Pro W4" panose="020F0400000000000000" pitchFamily="34" charset="-128"/>
+                <a:ea typeface="Hiragino Maru Gothic Pro W4" panose="020F0400000000000000" pitchFamily="34" charset="-128"/>
+              </a:rPr>
+            </a:br>
+            <a:endParaRPr kumimoji="1" lang="ja-JP" altLang="en-US">
+              <a:solidFill>
+                <a:schemeClr val="accent5">
+                  <a:lumMod val="50000"/>
+                </a:schemeClr>
+              </a:solidFill>
+              <a:latin typeface="Hiragino Maru Gothic Pro W4" panose="020F0400000000000000" pitchFamily="34" charset="-128"/>
+              <a:ea typeface="Hiragino Maru Gothic Pro W4" panose="020F0400000000000000" pitchFamily="34" charset="-128"/>
+            </a:endParaRPr>
+          </a:p>
+        </p:txBody>
+      </p:sp>
+      <p:sp>
+        <p:nvSpPr>
+          <p:cNvPr id="4" name="スライド番号プレースホルダー 3">
+            <a:extLst>
+              <a:ext uri="{FF2B5EF4-FFF2-40B4-BE49-F238E27FC236}">
+                <a16:creationId xmlns:a16="http://schemas.microsoft.com/office/drawing/2014/main" id="{FFA60BD1-FA32-484F-807E-37BB2EC217BB}"/>
+              </a:ext>
+            </a:extLst>
+          </p:cNvPr>
+          <p:cNvSpPr>
+            <a:spLocks noGrp="1"/>
+          </p:cNvSpPr>
+          <p:nvPr>
+            <p:ph type="sldNum" sz="quarter" idx="12"/>
+          </p:nvPr>
+        </p:nvSpPr>
+        <p:spPr>
+          <a:xfrm>
+            <a:off x="8610600" y="6356350"/>
+            <a:ext cx="2743200" cy="365125"/>
+          </a:xfrm>
+        </p:spPr>
+        <p:txBody>
+          <a:bodyPr/>
+          <a:lstStyle/>
+          <a:p>
+            <a:pPr rtl="0"/>
+            <a:fld id="{E31375A4-56A4-47D6-9801-1991572033F7}" type="slidenum">
+              <a:rPr lang="en-US" altLang="ja-JP" noProof="0" smtClean="0">
+                <a:solidFill>
+                  <a:srgbClr val="002060"/>
+                </a:solidFill>
+                <a:latin typeface="Hiragino Maru Gothic Pro W4" panose="020F0400000000000000" pitchFamily="34" charset="-128"/>
+                <a:ea typeface="Hiragino Maru Gothic Pro W4" panose="020F0400000000000000" pitchFamily="34" charset="-128"/>
+              </a:rPr>
+              <a:t>12</a:t>
+            </a:fld>
+            <a:endParaRPr lang="ja-JP" altLang="en-US" noProof="0" dirty="0">
+              <a:solidFill>
+                <a:srgbClr val="002060"/>
+              </a:solidFill>
+              <a:latin typeface="Hiragino Maru Gothic Pro W4" panose="020F0400000000000000" pitchFamily="34" charset="-128"/>
+              <a:ea typeface="Hiragino Maru Gothic Pro W4" panose="020F0400000000000000" pitchFamily="34" charset="-128"/>
+            </a:endParaRPr>
+          </a:p>
+        </p:txBody>
+      </p:sp>
+    </p:spTree>
+    <p:extLst>
+      <p:ext uri="{BB962C8B-B14F-4D97-AF65-F5344CB8AC3E}">
+        <p14:creationId xmlns:p14="http://schemas.microsoft.com/office/powerpoint/2010/main" val="1072678767"/>
+      </p:ext>
+    </p:extLst>
+  </p:cSld>
+  <p:clrMapOvr>
+    <a:masterClrMapping/>
+  </p:clrMapOvr>
+  <mc:AlternateContent xmlns:mc="http://schemas.openxmlformats.org/markup-compatibility/2006" xmlns:p14="http://schemas.microsoft.com/office/powerpoint/2010/main">
+    <mc:Choice Requires="p14">
+      <p:transition spd="med" p14:dur="700">
+        <p:fade/>
+      </p:transition>
+    </mc:Choice>
+    <mc:Fallback xmlns="">
+      <p:transition spd="med">
+        <p:fade/>
+      </p:transition>
+    </mc:Fallback>
+  </mc:AlternateContent>
+</p:sld>
+</file>
+
+<file path=ppt/slides/slide13.xml><?xml version="1.0" encoding="utf-8"?>
+<p:sld xmlns:a="http://schemas.openxmlformats.org/drawingml/2006/main" xmlns:r="http://schemas.openxmlformats.org/officeDocument/2006/relationships" xmlns:p="http://schemas.openxmlformats.org/presentationml/2006/main">
+  <p:cSld>
+    <p:spTree>
+      <p:nvGrpSpPr>
+        <p:cNvPr id="1" name=""/>
+        <p:cNvGrpSpPr/>
+        <p:nvPr/>
+      </p:nvGrpSpPr>
+      <p:grpSpPr>
+        <a:xfrm>
+          <a:off x="0" y="0"/>
+          <a:ext cx="0" cy="0"/>
+          <a:chOff x="0" y="0"/>
+          <a:chExt cx="0" cy="0"/>
+        </a:xfrm>
+      </p:grpSpPr>
+      <p:sp>
+        <p:nvSpPr>
+          <p:cNvPr id="2" name="タイトル 1">
+            <a:extLst>
+              <a:ext uri="{FF2B5EF4-FFF2-40B4-BE49-F238E27FC236}">
+                <a16:creationId xmlns:a16="http://schemas.microsoft.com/office/drawing/2014/main" id="{4BEF2D4F-28AD-C84D-A4AC-A607D5B45D24}"/>
+              </a:ext>
+            </a:extLst>
+          </p:cNvPr>
+          <p:cNvSpPr>
+            <a:spLocks noGrp="1"/>
+          </p:cNvSpPr>
+          <p:nvPr>
+            <p:ph type="title"/>
+          </p:nvPr>
+        </p:nvSpPr>
+        <p:spPr/>
+        <p:txBody>
+          <a:bodyPr/>
+          <a:lstStyle/>
+          <a:p>
+            <a:r>
+              <a:rPr lang="ja-JP" altLang="en-US">
+                <a:solidFill>
+                  <a:schemeClr val="accent5">
+                    <a:lumMod val="50000"/>
+                  </a:schemeClr>
+                </a:solidFill>
+                <a:latin typeface="Hiragino Maru Gothic Pro W4" panose="020F0400000000000000" pitchFamily="34" charset="-128"/>
+                <a:ea typeface="Hiragino Maru Gothic Pro W4" panose="020F0400000000000000" pitchFamily="34" charset="-128"/>
+              </a:rPr>
+              <a:t>クラン「</a:t>
+            </a:r>
+            <a:r>
+              <a:rPr lang="en-US" altLang="ja-JP" dirty="0">
+                <a:solidFill>
+                  <a:schemeClr val="accent5">
+                    <a:lumMod val="50000"/>
+                  </a:schemeClr>
+                </a:solidFill>
+                <a:latin typeface="Hiragino Maru Gothic Pro W4" panose="020F0400000000000000" pitchFamily="34" charset="-128"/>
+                <a:ea typeface="Hiragino Maru Gothic Pro W4" panose="020F0400000000000000" pitchFamily="34" charset="-128"/>
+              </a:rPr>
+              <a:t>YADORIGI</a:t>
+            </a:r>
+            <a:r>
+              <a:rPr lang="ja-JP" altLang="en-US">
+                <a:solidFill>
+                  <a:schemeClr val="accent5">
+                    <a:lumMod val="50000"/>
+                  </a:schemeClr>
+                </a:solidFill>
+                <a:latin typeface="Hiragino Maru Gothic Pro W4" panose="020F0400000000000000" pitchFamily="34" charset="-128"/>
+                <a:ea typeface="Hiragino Maru Gothic Pro W4" panose="020F0400000000000000" pitchFamily="34" charset="-128"/>
+              </a:rPr>
+              <a:t>」</a:t>
+            </a:r>
+            <a:endParaRPr kumimoji="1" lang="ja-JP" altLang="en-US">
+              <a:solidFill>
+                <a:schemeClr val="accent5">
+                  <a:lumMod val="50000"/>
+                </a:schemeClr>
+              </a:solidFill>
+              <a:latin typeface="Hiragino Maru Gothic Pro W4" panose="020F0400000000000000" pitchFamily="34" charset="-128"/>
+              <a:ea typeface="Hiragino Maru Gothic Pro W4" panose="020F0400000000000000" pitchFamily="34" charset="-128"/>
+            </a:endParaRPr>
+          </a:p>
+        </p:txBody>
+      </p:sp>
+      <p:sp>
+        <p:nvSpPr>
+          <p:cNvPr id="3" name="コンテンツ プレースホルダー 2">
+            <a:extLst>
+              <a:ext uri="{FF2B5EF4-FFF2-40B4-BE49-F238E27FC236}">
+                <a16:creationId xmlns:a16="http://schemas.microsoft.com/office/drawing/2014/main" id="{01E773B8-156E-4743-8E4A-3ED5FB7CC4E2}"/>
+              </a:ext>
+            </a:extLst>
+          </p:cNvPr>
+          <p:cNvSpPr>
+            <a:spLocks noGrp="1"/>
+          </p:cNvSpPr>
+          <p:nvPr>
+            <p:ph idx="1"/>
+          </p:nvPr>
+        </p:nvSpPr>
+        <p:spPr>
+          <a:xfrm>
+            <a:off x="838200" y="1588575"/>
+            <a:ext cx="10515600" cy="4588387"/>
+          </a:xfrm>
+        </p:spPr>
+        <p:txBody>
+          <a:bodyPr>
+            <a:normAutofit/>
+          </a:bodyPr>
+          <a:lstStyle/>
+          <a:p>
+            <a:pPr marL="560070" indent="-514350"/>
+            <a:r>
+              <a:rPr lang="ja-JP" altLang="en-US">
+                <a:solidFill>
+                  <a:schemeClr val="accent5">
+                    <a:lumMod val="50000"/>
+                  </a:schemeClr>
+                </a:solidFill>
+                <a:latin typeface="Hiragino Maru Gothic Pro W4" panose="020F0400000000000000" pitchFamily="34" charset="-128"/>
+                <a:ea typeface="Hiragino Maru Gothic Pro W4" panose="020F0400000000000000" pitchFamily="34" charset="-128"/>
+              </a:rPr>
+              <a:t>責任者：ふるはた</a:t>
+            </a:r>
+            <a:endParaRPr lang="en-US" altLang="ja-JP" dirty="0">
+              <a:solidFill>
+                <a:schemeClr val="accent5">
+                  <a:lumMod val="50000"/>
+                </a:schemeClr>
+              </a:solidFill>
+              <a:latin typeface="Hiragino Maru Gothic Pro W4" panose="020F0400000000000000" pitchFamily="34" charset="-128"/>
+              <a:ea typeface="Hiragino Maru Gothic Pro W4" panose="020F0400000000000000" pitchFamily="34" charset="-128"/>
+            </a:endParaRPr>
+          </a:p>
+          <a:p>
+            <a:pPr marL="560070" indent="-514350"/>
+            <a:r>
+              <a:rPr lang="ja-JP" altLang="en-US">
+                <a:solidFill>
+                  <a:schemeClr val="accent5">
+                    <a:lumMod val="50000"/>
+                  </a:schemeClr>
+                </a:solidFill>
+                <a:latin typeface="Hiragino Maru Gothic Pro W4" panose="020F0400000000000000" pitchFamily="34" charset="-128"/>
+                <a:ea typeface="Hiragino Maru Gothic Pro W4" panose="020F0400000000000000" pitchFamily="34" charset="-128"/>
+              </a:rPr>
+              <a:t>クランリーグのときだけ現れる幻のクラン</a:t>
+            </a:r>
+            <a:endParaRPr lang="en-US" altLang="ja-JP" dirty="0">
+              <a:solidFill>
+                <a:schemeClr val="accent5">
+                  <a:lumMod val="50000"/>
+                </a:schemeClr>
+              </a:solidFill>
+              <a:latin typeface="Hiragino Maru Gothic Pro W4" panose="020F0400000000000000" pitchFamily="34" charset="-128"/>
+              <a:ea typeface="Hiragino Maru Gothic Pro W4" panose="020F0400000000000000" pitchFamily="34" charset="-128"/>
+            </a:endParaRPr>
+          </a:p>
+          <a:p>
+            <a:pPr marL="560070" indent="-514350"/>
+            <a:r>
+              <a:rPr lang="en-US" altLang="ja-JP" dirty="0">
+                <a:solidFill>
+                  <a:schemeClr val="accent5">
+                    <a:lumMod val="50000"/>
+                  </a:schemeClr>
+                </a:solidFill>
+                <a:latin typeface="Hiragino Maru Gothic Pro W4" panose="020F0400000000000000" pitchFamily="34" charset="-128"/>
+                <a:ea typeface="Hiragino Maru Gothic Pro W4" panose="020F0400000000000000" pitchFamily="34" charset="-128"/>
+              </a:rPr>
+              <a:t>TOMARIGI</a:t>
+            </a:r>
+            <a:r>
+              <a:rPr lang="ja-JP" altLang="en-US">
+                <a:solidFill>
+                  <a:schemeClr val="accent5">
+                    <a:lumMod val="50000"/>
+                  </a:schemeClr>
+                </a:solidFill>
+                <a:latin typeface="Hiragino Maru Gothic Pro W4" panose="020F0400000000000000" pitchFamily="34" charset="-128"/>
+                <a:ea typeface="Hiragino Maru Gothic Pro W4" panose="020F0400000000000000" pitchFamily="34" charset="-128"/>
+              </a:rPr>
+              <a:t>リーグであぶれた人、摩天楼の</a:t>
+            </a:r>
+            <a:r>
+              <a:rPr lang="en-US" altLang="ja-JP" dirty="0">
+                <a:solidFill>
+                  <a:schemeClr val="accent5">
+                    <a:lumMod val="50000"/>
+                  </a:schemeClr>
+                </a:solidFill>
+                <a:latin typeface="Hiragino Maru Gothic Pro W4" panose="020F0400000000000000" pitchFamily="34" charset="-128"/>
+                <a:ea typeface="Hiragino Maru Gothic Pro W4" panose="020F0400000000000000" pitchFamily="34" charset="-128"/>
+              </a:rPr>
+              <a:t>TH</a:t>
+            </a:r>
+            <a:r>
+              <a:rPr lang="ja-JP" altLang="en-US">
+                <a:solidFill>
+                  <a:schemeClr val="accent5">
+                    <a:lumMod val="50000"/>
+                  </a:schemeClr>
+                </a:solidFill>
+                <a:latin typeface="Hiragino Maru Gothic Pro W4" panose="020F0400000000000000" pitchFamily="34" charset="-128"/>
+                <a:ea typeface="Hiragino Maru Gothic Pro W4" panose="020F0400000000000000" pitchFamily="34" charset="-128"/>
+              </a:rPr>
+              <a:t>高めの人を</a:t>
+            </a:r>
+            <a:br>
+              <a:rPr lang="en-US" altLang="ja-JP" dirty="0">
+                <a:solidFill>
+                  <a:schemeClr val="accent5">
+                    <a:lumMod val="50000"/>
+                  </a:schemeClr>
+                </a:solidFill>
+                <a:latin typeface="Hiragino Maru Gothic Pro W4" panose="020F0400000000000000" pitchFamily="34" charset="-128"/>
+                <a:ea typeface="Hiragino Maru Gothic Pro W4" panose="020F0400000000000000" pitchFamily="34" charset="-128"/>
+              </a:rPr>
+            </a:br>
+            <a:r>
+              <a:rPr lang="ja-JP" altLang="en-US">
+                <a:solidFill>
+                  <a:schemeClr val="accent5">
+                    <a:lumMod val="50000"/>
+                  </a:schemeClr>
+                </a:solidFill>
+                <a:latin typeface="Hiragino Maru Gothic Pro W4" panose="020F0400000000000000" pitchFamily="34" charset="-128"/>
+                <a:ea typeface="Hiragino Maru Gothic Pro W4" panose="020F0400000000000000" pitchFamily="34" charset="-128"/>
+              </a:rPr>
+              <a:t>集めてリーグ実施するクラン→</a:t>
+            </a:r>
+            <a:r>
+              <a:rPr lang="en-US" altLang="ja-JP" dirty="0">
+                <a:solidFill>
+                  <a:schemeClr val="accent5">
+                    <a:lumMod val="50000"/>
+                  </a:schemeClr>
+                </a:solidFill>
+                <a:latin typeface="Hiragino Maru Gothic Pro W4" panose="020F0400000000000000" pitchFamily="34" charset="-128"/>
+                <a:ea typeface="Hiragino Maru Gothic Pro W4" panose="020F0400000000000000" pitchFamily="34" charset="-128"/>
+              </a:rPr>
+              <a:t>TH13</a:t>
+            </a:r>
+            <a:r>
+              <a:rPr lang="ja-JP" altLang="en-US">
+                <a:solidFill>
+                  <a:schemeClr val="accent5">
+                    <a:lumMod val="50000"/>
+                  </a:schemeClr>
+                </a:solidFill>
+                <a:latin typeface="Hiragino Maru Gothic Pro W4" panose="020F0400000000000000" pitchFamily="34" charset="-128"/>
+                <a:ea typeface="Hiragino Maru Gothic Pro W4" panose="020F0400000000000000" pitchFamily="34" charset="-128"/>
+              </a:rPr>
+              <a:t>で構成</a:t>
+            </a:r>
+            <a:endParaRPr lang="en-US" altLang="ja-JP" dirty="0">
+              <a:solidFill>
+                <a:schemeClr val="accent5">
+                  <a:lumMod val="50000"/>
+                </a:schemeClr>
+              </a:solidFill>
+              <a:latin typeface="Hiragino Maru Gothic Pro W4" panose="020F0400000000000000" pitchFamily="34" charset="-128"/>
+              <a:ea typeface="Hiragino Maru Gothic Pro W4" panose="020F0400000000000000" pitchFamily="34" charset="-128"/>
+            </a:endParaRPr>
+          </a:p>
+          <a:p>
+            <a:pPr marL="502920" indent="-457200"/>
+            <a:r>
+              <a:rPr lang="ja-JP" altLang="en-US">
+                <a:solidFill>
+                  <a:schemeClr val="accent5">
+                    <a:lumMod val="50000"/>
+                  </a:schemeClr>
+                </a:solidFill>
+                <a:latin typeface="Hiragino Maru Gothic Pro W4" panose="020F0400000000000000" pitchFamily="34" charset="-128"/>
+                <a:ea typeface="Hiragino Maru Gothic Pro W4" panose="020F0400000000000000" pitchFamily="34" charset="-128"/>
+              </a:rPr>
+              <a:t>リーグ戦はメダル狙い→星８取れた人から交代していきます</a:t>
+            </a:r>
+            <a:endParaRPr lang="en-US" altLang="ja-JP" dirty="0">
+              <a:solidFill>
+                <a:schemeClr val="accent5">
+                  <a:lumMod val="50000"/>
+                </a:schemeClr>
+              </a:solidFill>
+              <a:latin typeface="Hiragino Maru Gothic Pro W4" panose="020F0400000000000000" pitchFamily="34" charset="-128"/>
+              <a:ea typeface="Hiragino Maru Gothic Pro W4" panose="020F0400000000000000" pitchFamily="34" charset="-128"/>
+            </a:endParaRPr>
+          </a:p>
+          <a:p>
+            <a:pPr marL="502920" indent="-457200"/>
+            <a:r>
+              <a:rPr lang="ja-JP" altLang="en-US">
+                <a:solidFill>
+                  <a:schemeClr val="accent5">
+                    <a:lumMod val="50000"/>
+                  </a:schemeClr>
+                </a:solidFill>
+                <a:latin typeface="Hiragino Maru Gothic Pro W4" panose="020F0400000000000000" pitchFamily="34" charset="-128"/>
+                <a:ea typeface="Hiragino Maru Gothic Pro W4" panose="020F0400000000000000" pitchFamily="34" charset="-128"/>
+              </a:rPr>
+              <a:t>こっそり運営陣の低レベルサブ垢で野良戦まわすかも</a:t>
+            </a:r>
+            <a:br>
+              <a:rPr lang="en-US" altLang="ja-JP" dirty="0">
+                <a:solidFill>
+                  <a:schemeClr val="accent5">
+                    <a:lumMod val="50000"/>
+                  </a:schemeClr>
+                </a:solidFill>
+                <a:latin typeface="Hiragino Maru Gothic Pro W4" panose="020F0400000000000000" pitchFamily="34" charset="-128"/>
+                <a:ea typeface="Hiragino Maru Gothic Pro W4" panose="020F0400000000000000" pitchFamily="34" charset="-128"/>
+              </a:rPr>
+            </a:br>
+            <a:r>
+              <a:rPr lang="ja-JP" altLang="en-US">
+                <a:solidFill>
+                  <a:schemeClr val="accent5">
+                    <a:lumMod val="50000"/>
+                  </a:schemeClr>
+                </a:solidFill>
+                <a:latin typeface="Hiragino Maru Gothic Pro W4" panose="020F0400000000000000" pitchFamily="34" charset="-128"/>
+                <a:ea typeface="Hiragino Maru Gothic Pro W4" panose="020F0400000000000000" pitchFamily="34" charset="-128"/>
+              </a:rPr>
+              <a:t>→クランレベル育て用</a:t>
+            </a:r>
+            <a:endParaRPr lang="en-US" altLang="ja-JP" dirty="0">
+              <a:solidFill>
+                <a:schemeClr val="accent5">
+                  <a:lumMod val="50000"/>
+                </a:schemeClr>
+              </a:solidFill>
+              <a:latin typeface="Hiragino Maru Gothic Pro W4" panose="020F0400000000000000" pitchFamily="34" charset="-128"/>
+              <a:ea typeface="Hiragino Maru Gothic Pro W4" panose="020F0400000000000000" pitchFamily="34" charset="-128"/>
+            </a:endParaRPr>
+          </a:p>
+        </p:txBody>
+      </p:sp>
+      <p:sp>
+        <p:nvSpPr>
+          <p:cNvPr id="4" name="スライド番号プレースホルダー 3">
+            <a:extLst>
+              <a:ext uri="{FF2B5EF4-FFF2-40B4-BE49-F238E27FC236}">
+                <a16:creationId xmlns:a16="http://schemas.microsoft.com/office/drawing/2014/main" id="{34C04C8D-49C3-874E-864D-A6289CA1E427}"/>
+              </a:ext>
+            </a:extLst>
+          </p:cNvPr>
+          <p:cNvSpPr>
+            <a:spLocks noGrp="1"/>
+          </p:cNvSpPr>
+          <p:nvPr>
+            <p:ph type="sldNum" sz="quarter" idx="12"/>
+          </p:nvPr>
+        </p:nvSpPr>
+        <p:spPr/>
+        <p:txBody>
+          <a:bodyPr/>
+          <a:lstStyle/>
+          <a:p>
+            <a:pPr rtl="0"/>
+            <a:fld id="{E31375A4-56A4-47D6-9801-1991572033F7}" type="slidenum">
+              <a:rPr lang="en-US" altLang="ja-JP" noProof="0" smtClean="0">
+                <a:solidFill>
+                  <a:schemeClr val="accent5">
+                    <a:lumMod val="50000"/>
+                  </a:schemeClr>
+                </a:solidFill>
+                <a:latin typeface="Hiragino Maru Gothic Pro W4" panose="020F0400000000000000" pitchFamily="34" charset="-128"/>
+                <a:ea typeface="Hiragino Maru Gothic Pro W4" panose="020F0400000000000000" pitchFamily="34" charset="-128"/>
+              </a:rPr>
+              <a:t>13</a:t>
+            </a:fld>
+            <a:endParaRPr lang="ja-JP" altLang="en-US" noProof="0" dirty="0">
+              <a:solidFill>
+                <a:schemeClr val="accent5">
+                  <a:lumMod val="50000"/>
+                </a:schemeClr>
+              </a:solidFill>
+              <a:latin typeface="Hiragino Maru Gothic Pro W4" panose="020F0400000000000000" pitchFamily="34" charset="-128"/>
+              <a:ea typeface="Hiragino Maru Gothic Pro W4" panose="020F0400000000000000" pitchFamily="34" charset="-128"/>
+            </a:endParaRPr>
+          </a:p>
+        </p:txBody>
+      </p:sp>
+    </p:spTree>
+    <p:extLst>
+      <p:ext uri="{BB962C8B-B14F-4D97-AF65-F5344CB8AC3E}">
+        <p14:creationId xmlns:p14="http://schemas.microsoft.com/office/powerpoint/2010/main" val="2925840920"/>
+      </p:ext>
+    </p:extLst>
+  </p:cSld>
+  <p:clrMapOvr>
+    <a:masterClrMapping/>
+  </p:clrMapOvr>
+  <mc:AlternateContent xmlns:mc="http://schemas.openxmlformats.org/markup-compatibility/2006" xmlns:p14="http://schemas.microsoft.com/office/powerpoint/2010/main">
+    <mc:Choice Requires="p14">
+      <p:transition spd="med" p14:dur="700">
+        <p:fade/>
+      </p:transition>
+    </mc:Choice>
+    <mc:Fallback xmlns="">
+      <p:transition spd="med">
+        <p:fade/>
+      </p:transition>
+    </mc:Fallback>
+  </mc:AlternateContent>
+</p:sld>
+</file>
+
+<file path=ppt/slides/slide14.xml><?xml version="1.0" encoding="utf-8"?>
+<p:sld xmlns:a="http://schemas.openxmlformats.org/drawingml/2006/main" xmlns:r="http://schemas.openxmlformats.org/officeDocument/2006/relationships" xmlns:p="http://schemas.openxmlformats.org/presentationml/2006/main">
+  <p:cSld>
+    <p:spTree>
+      <p:nvGrpSpPr>
+        <p:cNvPr id="1" name=""/>
+        <p:cNvGrpSpPr/>
+        <p:nvPr/>
+      </p:nvGrpSpPr>
+      <p:grpSpPr>
+        <a:xfrm>
+          <a:off x="0" y="0"/>
+          <a:ext cx="0" cy="0"/>
+          <a:chOff x="0" y="0"/>
+          <a:chExt cx="0" cy="0"/>
+        </a:xfrm>
+      </p:grpSpPr>
+      <p:sp>
+        <p:nvSpPr>
+          <p:cNvPr id="2" name="タイトル 1">
+            <a:extLst>
+              <a:ext uri="{FF2B5EF4-FFF2-40B4-BE49-F238E27FC236}">
+                <a16:creationId xmlns:a16="http://schemas.microsoft.com/office/drawing/2014/main" id="{4BEF2D4F-28AD-C84D-A4AC-A607D5B45D24}"/>
+              </a:ext>
+            </a:extLst>
+          </p:cNvPr>
+          <p:cNvSpPr>
+            <a:spLocks noGrp="1"/>
+          </p:cNvSpPr>
+          <p:nvPr>
+            <p:ph type="title"/>
+          </p:nvPr>
+        </p:nvSpPr>
+        <p:spPr/>
+        <p:txBody>
+          <a:bodyPr/>
+          <a:lstStyle/>
+          <a:p>
+            <a:r>
+              <a:rPr lang="ja-JP" altLang="en-US">
+                <a:solidFill>
+                  <a:schemeClr val="accent5">
+                    <a:lumMod val="50000"/>
+                  </a:schemeClr>
+                </a:solidFill>
+                <a:latin typeface="Hiragino Maru Gothic Pro W4" panose="020F0400000000000000" pitchFamily="34" charset="-128"/>
+                <a:ea typeface="Hiragino Maru Gothic Pro W4" panose="020F0400000000000000" pitchFamily="34" charset="-128"/>
+              </a:rPr>
+              <a:t>で、結局どこに所属すれば良いの？</a:t>
+            </a:r>
+            <a:endParaRPr kumimoji="1" lang="ja-JP" altLang="en-US">
+              <a:solidFill>
+                <a:schemeClr val="accent5">
+                  <a:lumMod val="50000"/>
+                </a:schemeClr>
+              </a:solidFill>
+              <a:latin typeface="Hiragino Maru Gothic Pro W4" panose="020F0400000000000000" pitchFamily="34" charset="-128"/>
+              <a:ea typeface="Hiragino Maru Gothic Pro W4" panose="020F0400000000000000" pitchFamily="34" charset="-128"/>
+            </a:endParaRPr>
+          </a:p>
+        </p:txBody>
+      </p:sp>
+      <p:sp>
+        <p:nvSpPr>
+          <p:cNvPr id="25" name="正方形/長方形 24">
+            <a:extLst>
+              <a:ext uri="{FF2B5EF4-FFF2-40B4-BE49-F238E27FC236}">
+                <a16:creationId xmlns:a16="http://schemas.microsoft.com/office/drawing/2014/main" id="{67B5EC37-3D61-B04A-A0F0-C22A1852C1AE}"/>
+              </a:ext>
+            </a:extLst>
+          </p:cNvPr>
+          <p:cNvSpPr/>
+          <p:nvPr/>
+        </p:nvSpPr>
+        <p:spPr>
+          <a:xfrm>
+            <a:off x="1440923" y="1444670"/>
+            <a:ext cx="3254829" cy="2317431"/>
+          </a:xfrm>
+          <a:prstGeom prst="rect">
+            <a:avLst/>
+          </a:prstGeom>
+        </p:spPr>
+        <p:style>
+          <a:lnRef idx="0">
+            <a:schemeClr val="accent2"/>
+          </a:lnRef>
+          <a:fillRef idx="3">
+            <a:schemeClr val="accent2"/>
+          </a:fillRef>
+          <a:effectRef idx="3">
+            <a:schemeClr val="accent2"/>
+          </a:effectRef>
+          <a:fontRef idx="minor">
+            <a:schemeClr val="lt1"/>
+          </a:fontRef>
+        </p:style>
+        <p:txBody>
+          <a:bodyPr rtlCol="0" anchor="t"/>
+          <a:lstStyle/>
+          <a:p>
+            <a:pPr algn="ctr"/>
+            <a:r>
+              <a:rPr kumimoji="1" lang="en-US" altLang="ja-JP" sz="2000" dirty="0">
+                <a:latin typeface="Hiragino Maru Gothic Pro W4" panose="020F0400000000000000" pitchFamily="34" charset="-128"/>
+                <a:ea typeface="Hiragino Maru Gothic Pro W4" panose="020F0400000000000000" pitchFamily="34" charset="-128"/>
+              </a:rPr>
+              <a:t>TOMARIGI</a:t>
+            </a:r>
+          </a:p>
+        </p:txBody>
+      </p:sp>
+      <p:sp>
+        <p:nvSpPr>
+          <p:cNvPr id="35" name="正方形/長方形 34">
+            <a:extLst>
+              <a:ext uri="{FF2B5EF4-FFF2-40B4-BE49-F238E27FC236}">
+                <a16:creationId xmlns:a16="http://schemas.microsoft.com/office/drawing/2014/main" id="{27465671-01D6-4E49-9127-8E08E6FDCA45}"/>
+              </a:ext>
+            </a:extLst>
+          </p:cNvPr>
+          <p:cNvSpPr/>
+          <p:nvPr/>
+        </p:nvSpPr>
+        <p:spPr>
+          <a:xfrm>
+            <a:off x="4769947" y="1444669"/>
+            <a:ext cx="3254829" cy="2317432"/>
+          </a:xfrm>
+          <a:prstGeom prst="rect">
+            <a:avLst/>
+          </a:prstGeom>
+        </p:spPr>
+        <p:style>
+          <a:lnRef idx="0">
+            <a:schemeClr val="accent5"/>
+          </a:lnRef>
+          <a:fillRef idx="3">
+            <a:schemeClr val="accent5"/>
+          </a:fillRef>
+          <a:effectRef idx="3">
+            <a:schemeClr val="accent5"/>
+          </a:effectRef>
+          <a:fontRef idx="minor">
+            <a:schemeClr val="lt1"/>
+          </a:fontRef>
+        </p:style>
+        <p:txBody>
+          <a:bodyPr rtlCol="0" anchor="t"/>
+          <a:lstStyle/>
+          <a:p>
+            <a:pPr algn="ctr"/>
+            <a:r>
+              <a:rPr kumimoji="1" lang="ja-JP" altLang="en-US" sz="2000">
+                <a:latin typeface="Hiragino Maru Gothic Pro W4" panose="020F0400000000000000" pitchFamily="34" charset="-128"/>
+                <a:ea typeface="Hiragino Maru Gothic Pro W4" panose="020F0400000000000000" pitchFamily="34" charset="-128"/>
+              </a:rPr>
+              <a:t>まほらま</a:t>
+            </a:r>
+            <a:r>
+              <a:rPr kumimoji="1" lang="en-US" altLang="ja-JP" sz="2000" dirty="0">
+                <a:latin typeface="Hiragino Maru Gothic Pro W4" panose="020F0400000000000000" pitchFamily="34" charset="-128"/>
+                <a:ea typeface="Hiragino Maru Gothic Pro W4" panose="020F0400000000000000" pitchFamily="34" charset="-128"/>
+              </a:rPr>
+              <a:t>〜</a:t>
+            </a:r>
+            <a:r>
+              <a:rPr kumimoji="1" lang="ja-JP" altLang="en-US" sz="2000">
+                <a:latin typeface="Hiragino Maru Gothic Pro W4" panose="020F0400000000000000" pitchFamily="34" charset="-128"/>
+                <a:ea typeface="Hiragino Maru Gothic Pro W4" panose="020F0400000000000000" pitchFamily="34" charset="-128"/>
+              </a:rPr>
+              <a:t>摩天楼</a:t>
+            </a:r>
+            <a:r>
+              <a:rPr kumimoji="1" lang="en-US" altLang="ja-JP" sz="2000" dirty="0">
+                <a:latin typeface="Hiragino Maru Gothic Pro W4" panose="020F0400000000000000" pitchFamily="34" charset="-128"/>
+                <a:ea typeface="Hiragino Maru Gothic Pro W4" panose="020F0400000000000000" pitchFamily="34" charset="-128"/>
+              </a:rPr>
+              <a:t>〜</a:t>
+            </a:r>
+          </a:p>
+        </p:txBody>
+      </p:sp>
+      <p:sp>
+        <p:nvSpPr>
+          <p:cNvPr id="36" name="正方形/長方形 35">
+            <a:extLst>
+              <a:ext uri="{FF2B5EF4-FFF2-40B4-BE49-F238E27FC236}">
+                <a16:creationId xmlns:a16="http://schemas.microsoft.com/office/drawing/2014/main" id="{98ECB154-D4F6-B549-9C6C-905734CE3591}"/>
+              </a:ext>
+            </a:extLst>
+          </p:cNvPr>
+          <p:cNvSpPr/>
+          <p:nvPr/>
+        </p:nvSpPr>
+        <p:spPr>
+          <a:xfrm>
+            <a:off x="8098971" y="1444669"/>
+            <a:ext cx="3254829" cy="2317432"/>
+          </a:xfrm>
+          <a:prstGeom prst="rect">
+            <a:avLst/>
+          </a:prstGeom>
+        </p:spPr>
+        <p:style>
+          <a:lnRef idx="0">
+            <a:schemeClr val="accent6"/>
+          </a:lnRef>
+          <a:fillRef idx="3">
+            <a:schemeClr val="accent6"/>
+          </a:fillRef>
+          <a:effectRef idx="3">
+            <a:schemeClr val="accent6"/>
+          </a:effectRef>
+          <a:fontRef idx="minor">
+            <a:schemeClr val="lt1"/>
+          </a:fontRef>
+        </p:style>
+        <p:txBody>
+          <a:bodyPr rtlCol="0" anchor="t"/>
+          <a:lstStyle/>
+          <a:p>
+            <a:pPr algn="ctr"/>
+            <a:r>
+              <a:rPr kumimoji="1" lang="en-US" altLang="ja-JP" sz="2000" dirty="0">
+                <a:latin typeface="Hiragino Maru Gothic Pro W4" panose="020F0400000000000000" pitchFamily="34" charset="-128"/>
+                <a:ea typeface="Hiragino Maru Gothic Pro W4" panose="020F0400000000000000" pitchFamily="34" charset="-128"/>
+              </a:rPr>
+              <a:t>YADORIGI</a:t>
+            </a:r>
+            <a:br>
+              <a:rPr kumimoji="1" lang="en-US" altLang="ja-JP" sz="2000" dirty="0">
+                <a:latin typeface="Hiragino Maru Gothic Pro W4" panose="020F0400000000000000" pitchFamily="34" charset="-128"/>
+                <a:ea typeface="Hiragino Maru Gothic Pro W4" panose="020F0400000000000000" pitchFamily="34" charset="-128"/>
+              </a:rPr>
+            </a:br>
+            <a:br>
+              <a:rPr kumimoji="1" lang="en-US" altLang="ja-JP" sz="2000" dirty="0">
+                <a:latin typeface="Hiragino Maru Gothic Pro W4" panose="020F0400000000000000" pitchFamily="34" charset="-128"/>
+                <a:ea typeface="Hiragino Maru Gothic Pro W4" panose="020F0400000000000000" pitchFamily="34" charset="-128"/>
+              </a:rPr>
+            </a:br>
+            <a:br>
+              <a:rPr kumimoji="1" lang="en-US" altLang="ja-JP" sz="2000" dirty="0">
+                <a:latin typeface="Hiragino Maru Gothic Pro W4" panose="020F0400000000000000" pitchFamily="34" charset="-128"/>
+                <a:ea typeface="Hiragino Maru Gothic Pro W4" panose="020F0400000000000000" pitchFamily="34" charset="-128"/>
+              </a:rPr>
+            </a:br>
+            <a:r>
+              <a:rPr kumimoji="1" lang="ja-JP" altLang="en-US" sz="2000">
+                <a:latin typeface="Hiragino Maru Gothic Pro W4" panose="020F0400000000000000" pitchFamily="34" charset="-128"/>
+                <a:ea typeface="Hiragino Maru Gothic Pro W4" panose="020F0400000000000000" pitchFamily="34" charset="-128"/>
+              </a:rPr>
+              <a:t>基本的に稼働しない</a:t>
+            </a:r>
+            <a:endParaRPr kumimoji="1" lang="en-US" altLang="ja-JP" sz="2000" dirty="0">
+              <a:latin typeface="Hiragino Maru Gothic Pro W4" panose="020F0400000000000000" pitchFamily="34" charset="-128"/>
+              <a:ea typeface="Hiragino Maru Gothic Pro W4" panose="020F0400000000000000" pitchFamily="34" charset="-128"/>
+            </a:endParaRPr>
+          </a:p>
+        </p:txBody>
+      </p:sp>
+      <p:sp>
+        <p:nvSpPr>
+          <p:cNvPr id="30" name="角丸四角形 29">
+            <a:extLst>
+              <a:ext uri="{FF2B5EF4-FFF2-40B4-BE49-F238E27FC236}">
+                <a16:creationId xmlns:a16="http://schemas.microsoft.com/office/drawing/2014/main" id="{0C9B3003-3199-2148-9973-6375E5148D0B}"/>
+              </a:ext>
+            </a:extLst>
+          </p:cNvPr>
+          <p:cNvSpPr/>
+          <p:nvPr/>
+        </p:nvSpPr>
+        <p:spPr>
+          <a:xfrm>
+            <a:off x="1586156" y="2088324"/>
+            <a:ext cx="2955871" cy="521898"/>
+          </a:xfrm>
+          <a:prstGeom prst="roundRect">
+            <a:avLst/>
+          </a:prstGeom>
+        </p:spPr>
+        <p:style>
+          <a:lnRef idx="3">
+            <a:schemeClr val="lt1"/>
+          </a:lnRef>
+          <a:fillRef idx="1">
+            <a:schemeClr val="accent2"/>
+          </a:fillRef>
+          <a:effectRef idx="1">
+            <a:schemeClr val="accent2"/>
+          </a:effectRef>
+          <a:fontRef idx="minor">
+            <a:schemeClr val="lt1"/>
+          </a:fontRef>
+        </p:style>
+        <p:txBody>
+          <a:bodyPr rtlCol="0" anchor="ctr"/>
+          <a:lstStyle/>
+          <a:p>
+            <a:pPr algn="ctr"/>
+            <a:r>
+              <a:rPr kumimoji="1" lang="en-US" altLang="ja-JP" sz="1600" dirty="0">
+                <a:latin typeface="Hiragino Maru Gothic Pro W4" panose="020F0400000000000000" pitchFamily="34" charset="-128"/>
+                <a:ea typeface="Hiragino Maru Gothic Pro W4" panose="020F0400000000000000" pitchFamily="34" charset="-128"/>
+              </a:rPr>
+              <a:t>TH13</a:t>
+            </a:r>
+            <a:r>
+              <a:rPr kumimoji="1" lang="ja-JP" altLang="en-US" sz="1600">
+                <a:latin typeface="Hiragino Maru Gothic Pro W4" panose="020F0400000000000000" pitchFamily="34" charset="-128"/>
+                <a:ea typeface="Hiragino Maru Gothic Pro W4" panose="020F0400000000000000" pitchFamily="34" charset="-128"/>
+              </a:rPr>
+              <a:t>：アクティブ勢</a:t>
+            </a:r>
+          </a:p>
+        </p:txBody>
+      </p:sp>
+      <p:sp>
+        <p:nvSpPr>
+          <p:cNvPr id="31" name="角丸四角形 30">
+            <a:extLst>
+              <a:ext uri="{FF2B5EF4-FFF2-40B4-BE49-F238E27FC236}">
+                <a16:creationId xmlns:a16="http://schemas.microsoft.com/office/drawing/2014/main" id="{567252AE-7EDE-0142-8F63-FA11F9621643}"/>
+              </a:ext>
+            </a:extLst>
+          </p:cNvPr>
+          <p:cNvSpPr/>
+          <p:nvPr/>
+        </p:nvSpPr>
+        <p:spPr>
+          <a:xfrm>
+            <a:off x="1586156" y="2672273"/>
+            <a:ext cx="2955870" cy="521898"/>
+          </a:xfrm>
+          <a:prstGeom prst="roundRect">
+            <a:avLst/>
+          </a:prstGeom>
+        </p:spPr>
+        <p:style>
+          <a:lnRef idx="3">
+            <a:schemeClr val="lt1"/>
+          </a:lnRef>
+          <a:fillRef idx="1">
+            <a:schemeClr val="accent2"/>
+          </a:fillRef>
+          <a:effectRef idx="1">
+            <a:schemeClr val="accent2"/>
+          </a:effectRef>
+          <a:fontRef idx="minor">
+            <a:schemeClr val="lt1"/>
+          </a:fontRef>
+        </p:style>
+        <p:txBody>
+          <a:bodyPr rtlCol="0" anchor="ctr"/>
+          <a:lstStyle/>
+          <a:p>
+            <a:pPr algn="ctr"/>
+            <a:r>
+              <a:rPr kumimoji="1" lang="en-US" altLang="ja-JP" sz="1600" dirty="0">
+                <a:latin typeface="Hiragino Maru Gothic Pro W4" panose="020F0400000000000000" pitchFamily="34" charset="-128"/>
+                <a:ea typeface="Hiragino Maru Gothic Pro W4" panose="020F0400000000000000" pitchFamily="34" charset="-128"/>
+              </a:rPr>
+              <a:t>TH14</a:t>
+            </a:r>
+            <a:r>
+              <a:rPr kumimoji="1" lang="ja-JP" altLang="en-US" sz="1600">
+                <a:latin typeface="Hiragino Maru Gothic Pro W4" panose="020F0400000000000000" pitchFamily="34" charset="-128"/>
+                <a:ea typeface="Hiragino Maru Gothic Pro W4" panose="020F0400000000000000" pitchFamily="34" charset="-128"/>
+              </a:rPr>
+              <a:t>：アクティブ勢</a:t>
+            </a:r>
+          </a:p>
+        </p:txBody>
+      </p:sp>
+      <p:sp>
+        <p:nvSpPr>
+          <p:cNvPr id="32" name="角丸四角形 31">
+            <a:extLst>
+              <a:ext uri="{FF2B5EF4-FFF2-40B4-BE49-F238E27FC236}">
+                <a16:creationId xmlns:a16="http://schemas.microsoft.com/office/drawing/2014/main" id="{D1F0B163-99D6-4F4B-91D2-41E47575FD3B}"/>
+              </a:ext>
+            </a:extLst>
+          </p:cNvPr>
+          <p:cNvSpPr/>
+          <p:nvPr/>
+        </p:nvSpPr>
+        <p:spPr>
+          <a:xfrm>
+            <a:off x="4918337" y="2088324"/>
+            <a:ext cx="2958048" cy="521898"/>
+          </a:xfrm>
+          <a:prstGeom prst="roundRect">
+            <a:avLst/>
+          </a:prstGeom>
+        </p:spPr>
+        <p:style>
+          <a:lnRef idx="3">
+            <a:schemeClr val="lt1"/>
+          </a:lnRef>
+          <a:fillRef idx="1">
+            <a:schemeClr val="accent5"/>
+          </a:fillRef>
+          <a:effectRef idx="1">
+            <a:schemeClr val="accent5"/>
+          </a:effectRef>
+          <a:fontRef idx="minor">
+            <a:schemeClr val="lt1"/>
+          </a:fontRef>
+        </p:style>
+        <p:txBody>
+          <a:bodyPr rtlCol="0" anchor="ctr"/>
+          <a:lstStyle/>
+          <a:p>
+            <a:pPr algn="ctr"/>
+            <a:r>
+              <a:rPr kumimoji="1" lang="en-US" altLang="ja-JP" sz="1600" dirty="0">
+                <a:latin typeface="Hiragino Maru Gothic Pro W4" panose="020F0400000000000000" pitchFamily="34" charset="-128"/>
+                <a:ea typeface="Hiragino Maru Gothic Pro W4" panose="020F0400000000000000" pitchFamily="34" charset="-128"/>
+              </a:rPr>
+              <a:t>TH13-14</a:t>
+            </a:r>
+            <a:r>
+              <a:rPr kumimoji="1" lang="ja-JP" altLang="en-US" sz="1600">
+                <a:latin typeface="Hiragino Maru Gothic Pro W4" panose="020F0400000000000000" pitchFamily="34" charset="-128"/>
+                <a:ea typeface="Hiragino Maru Gothic Pro W4" panose="020F0400000000000000" pitchFamily="34" charset="-128"/>
+              </a:rPr>
+              <a:t>：ファーミング勢</a:t>
+            </a:r>
+          </a:p>
+        </p:txBody>
+      </p:sp>
+      <p:sp>
+        <p:nvSpPr>
+          <p:cNvPr id="33" name="角丸四角形 32">
+            <a:extLst>
+              <a:ext uri="{FF2B5EF4-FFF2-40B4-BE49-F238E27FC236}">
+                <a16:creationId xmlns:a16="http://schemas.microsoft.com/office/drawing/2014/main" id="{7D4C88FD-0A19-5E41-B252-D283879E6DDC}"/>
+              </a:ext>
+            </a:extLst>
+          </p:cNvPr>
+          <p:cNvSpPr/>
+          <p:nvPr/>
+        </p:nvSpPr>
+        <p:spPr>
+          <a:xfrm>
+            <a:off x="4918337" y="2672272"/>
+            <a:ext cx="2958048" cy="521898"/>
+          </a:xfrm>
+          <a:prstGeom prst="roundRect">
+            <a:avLst/>
+          </a:prstGeom>
+        </p:spPr>
+        <p:style>
+          <a:lnRef idx="3">
+            <a:schemeClr val="lt1"/>
+          </a:lnRef>
+          <a:fillRef idx="1">
+            <a:schemeClr val="accent5"/>
+          </a:fillRef>
+          <a:effectRef idx="1">
+            <a:schemeClr val="accent5"/>
+          </a:effectRef>
+          <a:fontRef idx="minor">
+            <a:schemeClr val="lt1"/>
+          </a:fontRef>
+        </p:style>
+        <p:txBody>
+          <a:bodyPr rtlCol="0" anchor="ctr"/>
+          <a:lstStyle/>
+          <a:p>
+            <a:pPr algn="ctr"/>
+            <a:r>
+              <a:rPr kumimoji="1" lang="en-US" altLang="ja-JP" sz="1600" dirty="0">
+                <a:latin typeface="Hiragino Maru Gothic Pro W4" panose="020F0400000000000000" pitchFamily="34" charset="-128"/>
+                <a:ea typeface="Hiragino Maru Gothic Pro W4" panose="020F0400000000000000" pitchFamily="34" charset="-128"/>
+              </a:rPr>
+              <a:t>TH12</a:t>
+            </a:r>
+            <a:r>
+              <a:rPr kumimoji="1" lang="ja-JP" altLang="en-US" sz="1600">
+                <a:latin typeface="Hiragino Maru Gothic Pro W4" panose="020F0400000000000000" pitchFamily="34" charset="-128"/>
+                <a:ea typeface="Hiragino Maru Gothic Pro W4" panose="020F0400000000000000" pitchFamily="34" charset="-128"/>
+              </a:rPr>
+              <a:t>以下：ファーミング勢</a:t>
+            </a:r>
+          </a:p>
+        </p:txBody>
+      </p:sp>
+      <p:sp>
+        <p:nvSpPr>
+          <p:cNvPr id="34" name="正方形/長方形 33">
+            <a:extLst>
+              <a:ext uri="{FF2B5EF4-FFF2-40B4-BE49-F238E27FC236}">
+                <a16:creationId xmlns:a16="http://schemas.microsoft.com/office/drawing/2014/main" id="{CA764BC4-39B1-EB45-95D4-74E5FA6F4DAE}"/>
+              </a:ext>
+            </a:extLst>
+          </p:cNvPr>
+          <p:cNvSpPr/>
+          <p:nvPr/>
+        </p:nvSpPr>
+        <p:spPr>
+          <a:xfrm>
+            <a:off x="666772" y="1444670"/>
+            <a:ext cx="699956" cy="2317432"/>
+          </a:xfrm>
+          <a:prstGeom prst="rect">
+            <a:avLst/>
+          </a:prstGeom>
+        </p:spPr>
+        <p:style>
+          <a:lnRef idx="0">
+            <a:schemeClr val="accent3"/>
+          </a:lnRef>
+          <a:fillRef idx="3">
+            <a:schemeClr val="accent3"/>
+          </a:fillRef>
+          <a:effectRef idx="3">
+            <a:schemeClr val="accent3"/>
+          </a:effectRef>
+          <a:fontRef idx="minor">
+            <a:schemeClr val="lt1"/>
+          </a:fontRef>
+        </p:style>
+        <p:txBody>
+          <a:bodyPr vert="eaVert" rtlCol="0" anchor="ctr"/>
+          <a:lstStyle/>
+          <a:p>
+            <a:pPr algn="ctr"/>
+            <a:r>
+              <a:rPr lang="ja-JP" altLang="en-US" sz="2000">
+                <a:latin typeface="Hiragino Maru Gothic Pro W4" panose="020F0400000000000000" pitchFamily="34" charset="-128"/>
+                <a:ea typeface="Hiragino Maru Gothic Pro W4" panose="020F0400000000000000" pitchFamily="34" charset="-128"/>
+              </a:rPr>
+              <a:t>↑通常時↑</a:t>
+            </a:r>
+            <a:endParaRPr kumimoji="1" lang="en-US" altLang="ja-JP" sz="2000" dirty="0">
+              <a:latin typeface="Hiragino Maru Gothic Pro W4" panose="020F0400000000000000" pitchFamily="34" charset="-128"/>
+              <a:ea typeface="Hiragino Maru Gothic Pro W4" panose="020F0400000000000000" pitchFamily="34" charset="-128"/>
+            </a:endParaRPr>
+          </a:p>
+        </p:txBody>
+      </p:sp>
+      <p:sp>
+        <p:nvSpPr>
+          <p:cNvPr id="37" name="正方形/長方形 36">
+            <a:extLst>
+              <a:ext uri="{FF2B5EF4-FFF2-40B4-BE49-F238E27FC236}">
+                <a16:creationId xmlns:a16="http://schemas.microsoft.com/office/drawing/2014/main" id="{32F5DD01-70EF-0D4E-97EC-3367D49746C6}"/>
+              </a:ext>
+            </a:extLst>
+          </p:cNvPr>
+          <p:cNvSpPr/>
+          <p:nvPr/>
+        </p:nvSpPr>
+        <p:spPr>
+          <a:xfrm>
+            <a:off x="666772" y="3823063"/>
+            <a:ext cx="699956" cy="2317432"/>
+          </a:xfrm>
+          <a:prstGeom prst="rect">
+            <a:avLst/>
+          </a:prstGeom>
+        </p:spPr>
+        <p:style>
+          <a:lnRef idx="0">
+            <a:schemeClr val="accent3"/>
+          </a:lnRef>
+          <a:fillRef idx="3">
+            <a:schemeClr val="accent3"/>
+          </a:fillRef>
+          <a:effectRef idx="3">
+            <a:schemeClr val="accent3"/>
+          </a:effectRef>
+          <a:fontRef idx="minor">
+            <a:schemeClr val="lt1"/>
+          </a:fontRef>
+        </p:style>
+        <p:txBody>
+          <a:bodyPr vert="eaVert" rtlCol="0" anchor="ctr"/>
+          <a:lstStyle/>
+          <a:p>
+            <a:pPr algn="ctr"/>
+            <a:r>
+              <a:rPr lang="ja-JP" altLang="en-US" sz="2000">
+                <a:latin typeface="Hiragino Maru Gothic Pro W4" panose="020F0400000000000000" pitchFamily="34" charset="-128"/>
+                <a:ea typeface="Hiragino Maru Gothic Pro W4" panose="020F0400000000000000" pitchFamily="34" charset="-128"/>
+              </a:rPr>
+              <a:t>↑リーグ時↑</a:t>
+            </a:r>
+            <a:endParaRPr kumimoji="1" lang="en-US" altLang="ja-JP" sz="2000" dirty="0">
+              <a:latin typeface="Hiragino Maru Gothic Pro W4" panose="020F0400000000000000" pitchFamily="34" charset="-128"/>
+              <a:ea typeface="Hiragino Maru Gothic Pro W4" panose="020F0400000000000000" pitchFamily="34" charset="-128"/>
+            </a:endParaRPr>
+          </a:p>
+        </p:txBody>
+      </p:sp>
+      <p:sp>
+        <p:nvSpPr>
+          <p:cNvPr id="38" name="正方形/長方形 37">
+            <a:extLst>
+              <a:ext uri="{FF2B5EF4-FFF2-40B4-BE49-F238E27FC236}">
+                <a16:creationId xmlns:a16="http://schemas.microsoft.com/office/drawing/2014/main" id="{71014049-C27D-F840-98D9-CE35497E9097}"/>
+              </a:ext>
+            </a:extLst>
+          </p:cNvPr>
+          <p:cNvSpPr/>
+          <p:nvPr/>
+        </p:nvSpPr>
+        <p:spPr>
+          <a:xfrm>
+            <a:off x="1440923" y="3831773"/>
+            <a:ext cx="3254829" cy="2317431"/>
+          </a:xfrm>
+          <a:prstGeom prst="rect">
+            <a:avLst/>
+          </a:prstGeom>
+        </p:spPr>
+        <p:style>
+          <a:lnRef idx="0">
+            <a:schemeClr val="accent2"/>
+          </a:lnRef>
+          <a:fillRef idx="3">
+            <a:schemeClr val="accent2"/>
+          </a:fillRef>
+          <a:effectRef idx="3">
+            <a:schemeClr val="accent2"/>
+          </a:effectRef>
+          <a:fontRef idx="minor">
+            <a:schemeClr val="lt1"/>
+          </a:fontRef>
+        </p:style>
+        <p:txBody>
+          <a:bodyPr rtlCol="0" anchor="t"/>
+          <a:lstStyle/>
+          <a:p>
+            <a:pPr algn="ctr"/>
+            <a:r>
+              <a:rPr kumimoji="1" lang="en-US" altLang="ja-JP" sz="2000" dirty="0">
+                <a:latin typeface="Hiragino Maru Gothic Pro W4" panose="020F0400000000000000" pitchFamily="34" charset="-128"/>
+                <a:ea typeface="Hiragino Maru Gothic Pro W4" panose="020F0400000000000000" pitchFamily="34" charset="-128"/>
+              </a:rPr>
+              <a:t>TOMARIGI</a:t>
+            </a:r>
+          </a:p>
+          <a:p>
+            <a:pPr marL="342900" indent="-342900">
+              <a:buFont typeface="Wingdings" pitchFamily="2" charset="2"/>
+              <a:buChar char="Ø"/>
+            </a:pPr>
+            <a:r>
+              <a:rPr kumimoji="1" lang="en-US" altLang="ja-JP" sz="2000" dirty="0">
+                <a:latin typeface="Hiragino Maru Gothic Pro W4" panose="020F0400000000000000" pitchFamily="34" charset="-128"/>
+                <a:ea typeface="Hiragino Maru Gothic Pro W4" panose="020F0400000000000000" pitchFamily="34" charset="-128"/>
+              </a:rPr>
+              <a:t>15</a:t>
+            </a:r>
+            <a:r>
+              <a:rPr kumimoji="1" lang="ja-JP" altLang="en-US" sz="2000">
+                <a:latin typeface="Hiragino Maru Gothic Pro W4" panose="020F0400000000000000" pitchFamily="34" charset="-128"/>
+                <a:ea typeface="Hiragino Maru Gothic Pro W4" panose="020F0400000000000000" pitchFamily="34" charset="-128"/>
+              </a:rPr>
+              <a:t>人リーグ戦</a:t>
+            </a:r>
+            <a:endParaRPr kumimoji="1" lang="en-US" altLang="ja-JP" sz="2000" dirty="0">
+              <a:latin typeface="Hiragino Maru Gothic Pro W4" panose="020F0400000000000000" pitchFamily="34" charset="-128"/>
+              <a:ea typeface="Hiragino Maru Gothic Pro W4" panose="020F0400000000000000" pitchFamily="34" charset="-128"/>
+            </a:endParaRPr>
+          </a:p>
+          <a:p>
+            <a:pPr marL="342900" indent="-342900">
+              <a:buFont typeface="Wingdings" pitchFamily="2" charset="2"/>
+              <a:buChar char="Ø"/>
+            </a:pPr>
+            <a:r>
+              <a:rPr lang="ja-JP" altLang="en-US" sz="2000">
+                <a:latin typeface="Hiragino Maru Gothic Pro W4" panose="020F0400000000000000" pitchFamily="34" charset="-128"/>
+                <a:ea typeface="Hiragino Maru Gothic Pro W4" panose="020F0400000000000000" pitchFamily="34" charset="-128"/>
+              </a:rPr>
+              <a:t>ガチる</a:t>
+            </a:r>
+            <a:endParaRPr kumimoji="1" lang="en-US" altLang="ja-JP" sz="2000" dirty="0">
+              <a:latin typeface="Hiragino Maru Gothic Pro W4" panose="020F0400000000000000" pitchFamily="34" charset="-128"/>
+              <a:ea typeface="Hiragino Maru Gothic Pro W4" panose="020F0400000000000000" pitchFamily="34" charset="-128"/>
+            </a:endParaRPr>
+          </a:p>
+        </p:txBody>
+      </p:sp>
+      <p:sp>
+        <p:nvSpPr>
+          <p:cNvPr id="39" name="正方形/長方形 38">
+            <a:extLst>
+              <a:ext uri="{FF2B5EF4-FFF2-40B4-BE49-F238E27FC236}">
+                <a16:creationId xmlns:a16="http://schemas.microsoft.com/office/drawing/2014/main" id="{2710019F-48FD-A645-BC30-EB2778F6739B}"/>
+              </a:ext>
+            </a:extLst>
+          </p:cNvPr>
+          <p:cNvSpPr/>
+          <p:nvPr/>
+        </p:nvSpPr>
+        <p:spPr>
+          <a:xfrm>
+            <a:off x="4769947" y="3831772"/>
+            <a:ext cx="3254829" cy="2317432"/>
+          </a:xfrm>
+          <a:prstGeom prst="rect">
+            <a:avLst/>
+          </a:prstGeom>
+        </p:spPr>
+        <p:style>
+          <a:lnRef idx="0">
+            <a:schemeClr val="accent5"/>
+          </a:lnRef>
+          <a:fillRef idx="3">
+            <a:schemeClr val="accent5"/>
+          </a:fillRef>
+          <a:effectRef idx="3">
+            <a:schemeClr val="accent5"/>
+          </a:effectRef>
+          <a:fontRef idx="minor">
+            <a:schemeClr val="lt1"/>
+          </a:fontRef>
+        </p:style>
+        <p:txBody>
+          <a:bodyPr rtlCol="0" anchor="t"/>
+          <a:lstStyle/>
+          <a:p>
+            <a:pPr algn="ctr"/>
+            <a:r>
+              <a:rPr kumimoji="1" lang="ja-JP" altLang="en-US" sz="2000">
+                <a:latin typeface="Hiragino Maru Gothic Pro W4" panose="020F0400000000000000" pitchFamily="34" charset="-128"/>
+                <a:ea typeface="Hiragino Maru Gothic Pro W4" panose="020F0400000000000000" pitchFamily="34" charset="-128"/>
+              </a:rPr>
+              <a:t>まほらま</a:t>
+            </a:r>
+            <a:r>
+              <a:rPr kumimoji="1" lang="en-US" altLang="ja-JP" sz="2000" dirty="0">
+                <a:latin typeface="Hiragino Maru Gothic Pro W4" panose="020F0400000000000000" pitchFamily="34" charset="-128"/>
+                <a:ea typeface="Hiragino Maru Gothic Pro W4" panose="020F0400000000000000" pitchFamily="34" charset="-128"/>
+              </a:rPr>
+              <a:t>〜</a:t>
+            </a:r>
+            <a:r>
+              <a:rPr kumimoji="1" lang="ja-JP" altLang="en-US" sz="2000">
+                <a:latin typeface="Hiragino Maru Gothic Pro W4" panose="020F0400000000000000" pitchFamily="34" charset="-128"/>
+                <a:ea typeface="Hiragino Maru Gothic Pro W4" panose="020F0400000000000000" pitchFamily="34" charset="-128"/>
+              </a:rPr>
+              <a:t>摩天楼</a:t>
+            </a:r>
+            <a:r>
+              <a:rPr kumimoji="1" lang="en-US" altLang="ja-JP" sz="2000" dirty="0">
+                <a:latin typeface="Hiragino Maru Gothic Pro W4" panose="020F0400000000000000" pitchFamily="34" charset="-128"/>
+                <a:ea typeface="Hiragino Maru Gothic Pro W4" panose="020F0400000000000000" pitchFamily="34" charset="-128"/>
+              </a:rPr>
+              <a:t>〜</a:t>
+            </a:r>
+            <a:endParaRPr lang="en-US" altLang="ja-JP" sz="2000" dirty="0">
+              <a:latin typeface="Hiragino Maru Gothic Pro W4" panose="020F0400000000000000" pitchFamily="34" charset="-128"/>
+              <a:ea typeface="Hiragino Maru Gothic Pro W4" panose="020F0400000000000000" pitchFamily="34" charset="-128"/>
+            </a:endParaRPr>
+          </a:p>
+          <a:p>
+            <a:pPr marL="342900" indent="-342900">
+              <a:buFont typeface="Wingdings" pitchFamily="2" charset="2"/>
+              <a:buChar char="Ø"/>
+            </a:pPr>
+            <a:r>
+              <a:rPr lang="en-US" altLang="ja-JP" sz="2000" dirty="0">
+                <a:latin typeface="Hiragino Maru Gothic Pro W4" panose="020F0400000000000000" pitchFamily="34" charset="-128"/>
+                <a:ea typeface="Hiragino Maru Gothic Pro W4" panose="020F0400000000000000" pitchFamily="34" charset="-128"/>
+              </a:rPr>
+              <a:t>15or30</a:t>
+            </a:r>
+            <a:r>
+              <a:rPr lang="ja-JP" altLang="en-US" sz="2000">
+                <a:latin typeface="Hiragino Maru Gothic Pro W4" panose="020F0400000000000000" pitchFamily="34" charset="-128"/>
+                <a:ea typeface="Hiragino Maru Gothic Pro W4" panose="020F0400000000000000" pitchFamily="34" charset="-128"/>
+              </a:rPr>
+              <a:t>人リーグ戦</a:t>
+            </a:r>
+            <a:endParaRPr lang="en-US" altLang="ja-JP" sz="2000" dirty="0">
+              <a:latin typeface="Hiragino Maru Gothic Pro W4" panose="020F0400000000000000" pitchFamily="34" charset="-128"/>
+              <a:ea typeface="Hiragino Maru Gothic Pro W4" panose="020F0400000000000000" pitchFamily="34" charset="-128"/>
+            </a:endParaRPr>
+          </a:p>
+          <a:p>
+            <a:pPr marL="342900" indent="-342900">
+              <a:buFont typeface="Wingdings" pitchFamily="2" charset="2"/>
+              <a:buChar char="Ø"/>
+            </a:pPr>
+            <a:r>
+              <a:rPr lang="ja-JP" altLang="en-US" sz="2000">
+                <a:latin typeface="Hiragino Maru Gothic Pro W4" panose="020F0400000000000000" pitchFamily="34" charset="-128"/>
+                <a:ea typeface="Hiragino Maru Gothic Pro W4" panose="020F0400000000000000" pitchFamily="34" charset="-128"/>
+              </a:rPr>
+              <a:t>メダル配り作戦</a:t>
+            </a:r>
+            <a:endParaRPr lang="en-US" altLang="ja-JP" sz="2000" dirty="0">
+              <a:latin typeface="Hiragino Maru Gothic Pro W4" panose="020F0400000000000000" pitchFamily="34" charset="-128"/>
+              <a:ea typeface="Hiragino Maru Gothic Pro W4" panose="020F0400000000000000" pitchFamily="34" charset="-128"/>
+            </a:endParaRPr>
+          </a:p>
+          <a:p>
+            <a:pPr marL="342900" indent="-342900">
+              <a:buFont typeface="Wingdings" pitchFamily="2" charset="2"/>
+              <a:buChar char="Ø"/>
+            </a:pPr>
+            <a:endParaRPr lang="en-US" altLang="ja-JP" sz="2000" dirty="0">
+              <a:latin typeface="Hiragino Maru Gothic Pro W4" panose="020F0400000000000000" pitchFamily="34" charset="-128"/>
+              <a:ea typeface="Hiragino Maru Gothic Pro W4" panose="020F0400000000000000" pitchFamily="34" charset="-128"/>
+            </a:endParaRPr>
+          </a:p>
+        </p:txBody>
+      </p:sp>
+      <p:sp>
+        <p:nvSpPr>
+          <p:cNvPr id="40" name="正方形/長方形 39">
+            <a:extLst>
+              <a:ext uri="{FF2B5EF4-FFF2-40B4-BE49-F238E27FC236}">
+                <a16:creationId xmlns:a16="http://schemas.microsoft.com/office/drawing/2014/main" id="{D420DC8D-FF7A-2647-8340-35E7DCEB8DD4}"/>
+              </a:ext>
+            </a:extLst>
+          </p:cNvPr>
+          <p:cNvSpPr/>
+          <p:nvPr/>
+        </p:nvSpPr>
+        <p:spPr>
+          <a:xfrm>
+            <a:off x="8098971" y="3831772"/>
+            <a:ext cx="3254829" cy="2317432"/>
+          </a:xfrm>
+          <a:prstGeom prst="rect">
+            <a:avLst/>
+          </a:prstGeom>
+        </p:spPr>
+        <p:style>
+          <a:lnRef idx="0">
+            <a:schemeClr val="accent6"/>
+          </a:lnRef>
+          <a:fillRef idx="3">
+            <a:schemeClr val="accent6"/>
+          </a:fillRef>
+          <a:effectRef idx="3">
+            <a:schemeClr val="accent6"/>
+          </a:effectRef>
+          <a:fontRef idx="minor">
+            <a:schemeClr val="lt1"/>
+          </a:fontRef>
+        </p:style>
+        <p:txBody>
+          <a:bodyPr rtlCol="0" anchor="t"/>
+          <a:lstStyle/>
+          <a:p>
+            <a:pPr algn="ctr"/>
+            <a:r>
+              <a:rPr kumimoji="1" lang="en-US" altLang="ja-JP" sz="2000" dirty="0">
+                <a:latin typeface="Hiragino Maru Gothic Pro W4" panose="020F0400000000000000" pitchFamily="34" charset="-128"/>
+                <a:ea typeface="Hiragino Maru Gothic Pro W4" panose="020F0400000000000000" pitchFamily="34" charset="-128"/>
+              </a:rPr>
+              <a:t>YADORIGI</a:t>
+            </a:r>
+            <a:endParaRPr lang="en-US" altLang="ja-JP" sz="2000" dirty="0">
+              <a:latin typeface="Hiragino Maru Gothic Pro W4" panose="020F0400000000000000" pitchFamily="34" charset="-128"/>
+              <a:ea typeface="Hiragino Maru Gothic Pro W4" panose="020F0400000000000000" pitchFamily="34" charset="-128"/>
+            </a:endParaRPr>
+          </a:p>
+          <a:p>
+            <a:pPr marL="342900" indent="-342900">
+              <a:buFont typeface="Wingdings" pitchFamily="2" charset="2"/>
+              <a:buChar char="Ø"/>
+            </a:pPr>
+            <a:r>
+              <a:rPr lang="en-US" altLang="ja-JP" sz="2000" dirty="0">
+                <a:latin typeface="Hiragino Maru Gothic Pro W4" panose="020F0400000000000000" pitchFamily="34" charset="-128"/>
+                <a:ea typeface="Hiragino Maru Gothic Pro W4" panose="020F0400000000000000" pitchFamily="34" charset="-128"/>
+              </a:rPr>
+              <a:t>15or30</a:t>
+            </a:r>
+            <a:r>
+              <a:rPr lang="ja-JP" altLang="en-US" sz="2000">
+                <a:latin typeface="Hiragino Maru Gothic Pro W4" panose="020F0400000000000000" pitchFamily="34" charset="-128"/>
+                <a:ea typeface="Hiragino Maru Gothic Pro W4" panose="020F0400000000000000" pitchFamily="34" charset="-128"/>
+              </a:rPr>
+              <a:t>人リーグ戦</a:t>
+            </a:r>
+            <a:endParaRPr lang="en-US" altLang="ja-JP" sz="2000" dirty="0">
+              <a:latin typeface="Hiragino Maru Gothic Pro W4" panose="020F0400000000000000" pitchFamily="34" charset="-128"/>
+              <a:ea typeface="Hiragino Maru Gothic Pro W4" panose="020F0400000000000000" pitchFamily="34" charset="-128"/>
+            </a:endParaRPr>
+          </a:p>
+          <a:p>
+            <a:pPr marL="342900" indent="-342900">
+              <a:buFont typeface="Wingdings" pitchFamily="2" charset="2"/>
+              <a:buChar char="Ø"/>
+            </a:pPr>
+            <a:r>
+              <a:rPr lang="ja-JP" altLang="en-US" sz="2000">
+                <a:latin typeface="Hiragino Maru Gothic Pro W4" panose="020F0400000000000000" pitchFamily="34" charset="-128"/>
+                <a:ea typeface="Hiragino Maru Gothic Pro W4" panose="020F0400000000000000" pitchFamily="34" charset="-128"/>
+              </a:rPr>
+              <a:t>メダル配り作戦</a:t>
+            </a:r>
+            <a:endParaRPr lang="en-US" altLang="ja-JP" sz="2000" dirty="0">
+              <a:latin typeface="Hiragino Maru Gothic Pro W4" panose="020F0400000000000000" pitchFamily="34" charset="-128"/>
+              <a:ea typeface="Hiragino Maru Gothic Pro W4" panose="020F0400000000000000" pitchFamily="34" charset="-128"/>
+            </a:endParaRPr>
+          </a:p>
+          <a:p>
+            <a:pPr marL="342900" indent="-342900">
+              <a:buFont typeface="Wingdings" pitchFamily="2" charset="2"/>
+              <a:buChar char="Ø"/>
+            </a:pPr>
+            <a:endParaRPr kumimoji="1" lang="en-US" altLang="ja-JP" sz="2000" dirty="0">
+              <a:latin typeface="Hiragino Maru Gothic Pro W4" panose="020F0400000000000000" pitchFamily="34" charset="-128"/>
+              <a:ea typeface="Hiragino Maru Gothic Pro W4" panose="020F0400000000000000" pitchFamily="34" charset="-128"/>
+            </a:endParaRPr>
+          </a:p>
+        </p:txBody>
+      </p:sp>
+      <p:sp>
+        <p:nvSpPr>
+          <p:cNvPr id="41" name="角丸四角形 40">
+            <a:extLst>
+              <a:ext uri="{FF2B5EF4-FFF2-40B4-BE49-F238E27FC236}">
+                <a16:creationId xmlns:a16="http://schemas.microsoft.com/office/drawing/2014/main" id="{F7648360-A562-5046-9F73-0D85CB45ECFF}"/>
+              </a:ext>
+            </a:extLst>
+          </p:cNvPr>
+          <p:cNvSpPr/>
+          <p:nvPr/>
+        </p:nvSpPr>
+        <p:spPr>
+          <a:xfrm>
+            <a:off x="8248449" y="4891432"/>
+            <a:ext cx="2955871" cy="521898"/>
+          </a:xfrm>
+          <a:prstGeom prst="roundRect">
+            <a:avLst/>
+          </a:prstGeom>
+        </p:spPr>
+        <p:style>
+          <a:lnRef idx="3">
+            <a:schemeClr val="lt1"/>
+          </a:lnRef>
+          <a:fillRef idx="1">
+            <a:schemeClr val="accent2"/>
+          </a:fillRef>
+          <a:effectRef idx="1">
+            <a:schemeClr val="accent2"/>
+          </a:effectRef>
+          <a:fontRef idx="minor">
+            <a:schemeClr val="lt1"/>
+          </a:fontRef>
+        </p:style>
+        <p:txBody>
+          <a:bodyPr rtlCol="0" anchor="ctr"/>
+          <a:lstStyle/>
+          <a:p>
+            <a:pPr algn="ctr"/>
+            <a:r>
+              <a:rPr kumimoji="1" lang="en-US" altLang="ja-JP" sz="1600" dirty="0">
+                <a:latin typeface="Hiragino Maru Gothic Pro W4" panose="020F0400000000000000" pitchFamily="34" charset="-128"/>
+                <a:ea typeface="Hiragino Maru Gothic Pro W4" panose="020F0400000000000000" pitchFamily="34" charset="-128"/>
+              </a:rPr>
+              <a:t>TH13</a:t>
+            </a:r>
+            <a:r>
+              <a:rPr kumimoji="1" lang="ja-JP" altLang="en-US" sz="1600">
+                <a:latin typeface="Hiragino Maru Gothic Pro W4" panose="020F0400000000000000" pitchFamily="34" charset="-128"/>
+                <a:ea typeface="Hiragino Maru Gothic Pro W4" panose="020F0400000000000000" pitchFamily="34" charset="-128"/>
+              </a:rPr>
+              <a:t>：アクティブ勢</a:t>
+            </a:r>
+          </a:p>
+        </p:txBody>
+      </p:sp>
+      <p:sp>
+        <p:nvSpPr>
+          <p:cNvPr id="42" name="角丸四角形 41">
+            <a:extLst>
+              <a:ext uri="{FF2B5EF4-FFF2-40B4-BE49-F238E27FC236}">
+                <a16:creationId xmlns:a16="http://schemas.microsoft.com/office/drawing/2014/main" id="{233706EA-9C6C-9344-8687-5A88CF98C1A6}"/>
+              </a:ext>
+            </a:extLst>
+          </p:cNvPr>
+          <p:cNvSpPr/>
+          <p:nvPr/>
+        </p:nvSpPr>
+        <p:spPr>
+          <a:xfrm>
+            <a:off x="1586156" y="4891432"/>
+            <a:ext cx="2955870" cy="521898"/>
+          </a:xfrm>
+          <a:prstGeom prst="roundRect">
+            <a:avLst/>
+          </a:prstGeom>
+        </p:spPr>
+        <p:style>
+          <a:lnRef idx="3">
+            <a:schemeClr val="lt1"/>
+          </a:lnRef>
+          <a:fillRef idx="1">
+            <a:schemeClr val="accent2"/>
+          </a:fillRef>
+          <a:effectRef idx="1">
+            <a:schemeClr val="accent2"/>
+          </a:effectRef>
+          <a:fontRef idx="minor">
+            <a:schemeClr val="lt1"/>
+          </a:fontRef>
+        </p:style>
+        <p:txBody>
+          <a:bodyPr rtlCol="0" anchor="ctr"/>
+          <a:lstStyle/>
+          <a:p>
+            <a:pPr algn="ctr"/>
+            <a:r>
+              <a:rPr kumimoji="1" lang="en-US" altLang="ja-JP" sz="1600" dirty="0">
+                <a:latin typeface="Hiragino Maru Gothic Pro W4" panose="020F0400000000000000" pitchFamily="34" charset="-128"/>
+                <a:ea typeface="Hiragino Maru Gothic Pro W4" panose="020F0400000000000000" pitchFamily="34" charset="-128"/>
+              </a:rPr>
+              <a:t>TH14</a:t>
+            </a:r>
+            <a:r>
+              <a:rPr kumimoji="1" lang="ja-JP" altLang="en-US" sz="1600">
+                <a:latin typeface="Hiragino Maru Gothic Pro W4" panose="020F0400000000000000" pitchFamily="34" charset="-128"/>
+                <a:ea typeface="Hiragino Maru Gothic Pro W4" panose="020F0400000000000000" pitchFamily="34" charset="-128"/>
+              </a:rPr>
+              <a:t>：アクティブ勢</a:t>
+            </a:r>
+          </a:p>
+        </p:txBody>
+      </p:sp>
+      <p:sp>
+        <p:nvSpPr>
+          <p:cNvPr id="43" name="角丸四角形 42">
+            <a:extLst>
+              <a:ext uri="{FF2B5EF4-FFF2-40B4-BE49-F238E27FC236}">
+                <a16:creationId xmlns:a16="http://schemas.microsoft.com/office/drawing/2014/main" id="{0E7EABD8-2E12-B24A-B793-E326DC952D0A}"/>
+              </a:ext>
+            </a:extLst>
+          </p:cNvPr>
+          <p:cNvSpPr/>
+          <p:nvPr/>
+        </p:nvSpPr>
+        <p:spPr>
+          <a:xfrm>
+            <a:off x="8246272" y="5492186"/>
+            <a:ext cx="2958048" cy="521898"/>
+          </a:xfrm>
+          <a:prstGeom prst="roundRect">
+            <a:avLst/>
+          </a:prstGeom>
+        </p:spPr>
+        <p:style>
+          <a:lnRef idx="3">
+            <a:schemeClr val="lt1"/>
+          </a:lnRef>
+          <a:fillRef idx="1">
+            <a:schemeClr val="accent5"/>
+          </a:fillRef>
+          <a:effectRef idx="1">
+            <a:schemeClr val="accent5"/>
+          </a:effectRef>
+          <a:fontRef idx="minor">
+            <a:schemeClr val="lt1"/>
+          </a:fontRef>
+        </p:style>
+        <p:txBody>
+          <a:bodyPr rtlCol="0" anchor="ctr"/>
+          <a:lstStyle/>
+          <a:p>
+            <a:pPr algn="ctr"/>
+            <a:r>
+              <a:rPr kumimoji="1" lang="en-US" altLang="ja-JP" sz="1600" dirty="0">
+                <a:latin typeface="Hiragino Maru Gothic Pro W4" panose="020F0400000000000000" pitchFamily="34" charset="-128"/>
+                <a:ea typeface="Hiragino Maru Gothic Pro W4" panose="020F0400000000000000" pitchFamily="34" charset="-128"/>
+              </a:rPr>
+              <a:t>TH13-14</a:t>
+            </a:r>
+            <a:r>
+              <a:rPr kumimoji="1" lang="ja-JP" altLang="en-US" sz="1600">
+                <a:latin typeface="Hiragino Maru Gothic Pro W4" panose="020F0400000000000000" pitchFamily="34" charset="-128"/>
+                <a:ea typeface="Hiragino Maru Gothic Pro W4" panose="020F0400000000000000" pitchFamily="34" charset="-128"/>
+              </a:rPr>
+              <a:t>：ファーミング勢</a:t>
+            </a:r>
+          </a:p>
+        </p:txBody>
+      </p:sp>
+      <p:sp>
+        <p:nvSpPr>
+          <p:cNvPr id="44" name="角丸四角形 43">
+            <a:extLst>
+              <a:ext uri="{FF2B5EF4-FFF2-40B4-BE49-F238E27FC236}">
+                <a16:creationId xmlns:a16="http://schemas.microsoft.com/office/drawing/2014/main" id="{005DE1A0-5460-954E-BA9F-6FD261623EBC}"/>
+              </a:ext>
+            </a:extLst>
+          </p:cNvPr>
+          <p:cNvSpPr/>
+          <p:nvPr/>
+        </p:nvSpPr>
+        <p:spPr>
+          <a:xfrm>
+            <a:off x="4918337" y="4891431"/>
+            <a:ext cx="2958048" cy="521898"/>
+          </a:xfrm>
+          <a:prstGeom prst="roundRect">
+            <a:avLst/>
+          </a:prstGeom>
+        </p:spPr>
+        <p:style>
+          <a:lnRef idx="3">
+            <a:schemeClr val="lt1"/>
+          </a:lnRef>
+          <a:fillRef idx="1">
+            <a:schemeClr val="accent5"/>
+          </a:fillRef>
+          <a:effectRef idx="1">
+            <a:schemeClr val="accent5"/>
+          </a:effectRef>
+          <a:fontRef idx="minor">
+            <a:schemeClr val="lt1"/>
+          </a:fontRef>
+        </p:style>
+        <p:txBody>
+          <a:bodyPr rtlCol="0" anchor="ctr"/>
+          <a:lstStyle/>
+          <a:p>
+            <a:pPr algn="ctr"/>
+            <a:r>
+              <a:rPr kumimoji="1" lang="en-US" altLang="ja-JP" sz="1600" dirty="0">
+                <a:latin typeface="Hiragino Maru Gothic Pro W4" panose="020F0400000000000000" pitchFamily="34" charset="-128"/>
+                <a:ea typeface="Hiragino Maru Gothic Pro W4" panose="020F0400000000000000" pitchFamily="34" charset="-128"/>
+              </a:rPr>
+              <a:t>TH12</a:t>
+            </a:r>
+            <a:r>
+              <a:rPr kumimoji="1" lang="ja-JP" altLang="en-US" sz="1600">
+                <a:latin typeface="Hiragino Maru Gothic Pro W4" panose="020F0400000000000000" pitchFamily="34" charset="-128"/>
+                <a:ea typeface="Hiragino Maru Gothic Pro W4" panose="020F0400000000000000" pitchFamily="34" charset="-128"/>
+              </a:rPr>
+              <a:t>以下：ファーミング勢</a:t>
+            </a:r>
+          </a:p>
+        </p:txBody>
+      </p:sp>
+    </p:spTree>
+    <p:extLst>
+      <p:ext uri="{BB962C8B-B14F-4D97-AF65-F5344CB8AC3E}">
+        <p14:creationId xmlns:p14="http://schemas.microsoft.com/office/powerpoint/2010/main" val="1325985565"/>
+      </p:ext>
+    </p:extLst>
+  </p:cSld>
+  <p:clrMapOvr>
+    <a:masterClrMapping/>
+  </p:clrMapOvr>
+  <mc:AlternateContent xmlns:mc="http://schemas.openxmlformats.org/markup-compatibility/2006" xmlns:p14="http://schemas.microsoft.com/office/powerpoint/2010/main">
+    <mc:Choice Requires="p14">
+      <p:transition spd="med" p14:dur="700">
+        <p:fade/>
+      </p:transition>
+    </mc:Choice>
+    <mc:Fallback xmlns="">
+      <p:transition spd="med">
+        <p:fade/>
+      </p:transition>
+    </mc:Fallback>
+  </mc:AlternateContent>
+</p:sld>
+</file>
+
+<file path=ppt/slides/slide15.xml><?xml version="1.0" encoding="utf-8"?>
+<p:sld xmlns:a="http://schemas.openxmlformats.org/drawingml/2006/main" xmlns:r="http://schemas.openxmlformats.org/officeDocument/2006/relationships" xmlns:p="http://schemas.openxmlformats.org/presentationml/2006/main">
+  <p:cSld>
+    <p:spTree>
+      <p:nvGrpSpPr>
+        <p:cNvPr id="1" name=""/>
+        <p:cNvGrpSpPr/>
+        <p:nvPr/>
+      </p:nvGrpSpPr>
+      <p:grpSpPr>
+        <a:xfrm>
+          <a:off x="0" y="0"/>
+          <a:ext cx="0" cy="0"/>
+          <a:chOff x="0" y="0"/>
+          <a:chExt cx="0" cy="0"/>
+        </a:xfrm>
+      </p:grpSpPr>
+      <p:sp>
+        <p:nvSpPr>
+          <p:cNvPr id="2" name="タイトル 1">
+            <a:extLst>
+              <a:ext uri="{FF2B5EF4-FFF2-40B4-BE49-F238E27FC236}">
+                <a16:creationId xmlns:a16="http://schemas.microsoft.com/office/drawing/2014/main" id="{4BEF2D4F-28AD-C84D-A4AC-A607D5B45D24}"/>
+              </a:ext>
+            </a:extLst>
+          </p:cNvPr>
+          <p:cNvSpPr>
+            <a:spLocks noGrp="1"/>
+          </p:cNvSpPr>
+          <p:nvPr>
+            <p:ph type="title"/>
+          </p:nvPr>
+        </p:nvSpPr>
+        <p:spPr/>
+        <p:txBody>
+          <a:bodyPr/>
+          <a:lstStyle/>
+          <a:p>
+            <a:r>
+              <a:rPr lang="ja-JP" altLang="en-US">
+                <a:solidFill>
+                  <a:schemeClr val="accent5">
+                    <a:lumMod val="50000"/>
+                  </a:schemeClr>
+                </a:solidFill>
+                <a:latin typeface="Hiragino Maru Gothic Pro W4" panose="020F0400000000000000" pitchFamily="34" charset="-128"/>
+                <a:ea typeface="Hiragino Maru Gothic Pro W4" panose="020F0400000000000000" pitchFamily="34" charset="-128"/>
+              </a:rPr>
+              <a:t>サブリーダー</a:t>
+            </a:r>
+            <a:r>
+              <a:rPr lang="en-US" altLang="ja-JP" dirty="0">
+                <a:solidFill>
+                  <a:schemeClr val="accent5">
+                    <a:lumMod val="50000"/>
+                  </a:schemeClr>
+                </a:solidFill>
+                <a:latin typeface="Hiragino Maru Gothic Pro W4" panose="020F0400000000000000" pitchFamily="34" charset="-128"/>
+                <a:ea typeface="Hiragino Maru Gothic Pro W4" panose="020F0400000000000000" pitchFamily="34" charset="-128"/>
+              </a:rPr>
+              <a:t>(</a:t>
+            </a:r>
+            <a:r>
+              <a:rPr kumimoji="1" lang="ja-JP" altLang="en-US">
+                <a:solidFill>
+                  <a:schemeClr val="accent5">
+                    <a:lumMod val="50000"/>
+                  </a:schemeClr>
+                </a:solidFill>
+                <a:latin typeface="Hiragino Maru Gothic Pro W4" panose="020F0400000000000000" pitchFamily="34" charset="-128"/>
+                <a:ea typeface="Hiragino Maru Gothic Pro W4" panose="020F0400000000000000" pitchFamily="34" charset="-128"/>
+              </a:rPr>
+              <a:t>運営陣</a:t>
+            </a:r>
+            <a:r>
+              <a:rPr kumimoji="1" lang="en-US" altLang="ja-JP" dirty="0">
+                <a:solidFill>
+                  <a:schemeClr val="accent5">
+                    <a:lumMod val="50000"/>
+                  </a:schemeClr>
+                </a:solidFill>
+                <a:latin typeface="Hiragino Maru Gothic Pro W4" panose="020F0400000000000000" pitchFamily="34" charset="-128"/>
+                <a:ea typeface="Hiragino Maru Gothic Pro W4" panose="020F0400000000000000" pitchFamily="34" charset="-128"/>
+              </a:rPr>
+              <a:t>)</a:t>
+            </a:r>
+            <a:r>
+              <a:rPr kumimoji="1" lang="ja-JP" altLang="en-US">
+                <a:solidFill>
+                  <a:schemeClr val="accent5">
+                    <a:lumMod val="50000"/>
+                  </a:schemeClr>
+                </a:solidFill>
+                <a:latin typeface="Hiragino Maru Gothic Pro W4" panose="020F0400000000000000" pitchFamily="34" charset="-128"/>
+                <a:ea typeface="Hiragino Maru Gothic Pro W4" panose="020F0400000000000000" pitchFamily="34" charset="-128"/>
+              </a:rPr>
+              <a:t>のご紹介</a:t>
+            </a:r>
+          </a:p>
+        </p:txBody>
+      </p:sp>
+      <p:sp>
+        <p:nvSpPr>
+          <p:cNvPr id="3" name="コンテンツ プレースホルダー 2">
+            <a:extLst>
+              <a:ext uri="{FF2B5EF4-FFF2-40B4-BE49-F238E27FC236}">
+                <a16:creationId xmlns:a16="http://schemas.microsoft.com/office/drawing/2014/main" id="{01E773B8-156E-4743-8E4A-3ED5FB7CC4E2}"/>
+              </a:ext>
+            </a:extLst>
+          </p:cNvPr>
+          <p:cNvSpPr>
+            <a:spLocks noGrp="1"/>
+          </p:cNvSpPr>
+          <p:nvPr>
+            <p:ph idx="1"/>
+          </p:nvPr>
+        </p:nvSpPr>
+        <p:spPr>
+          <a:xfrm>
+            <a:off x="838200" y="1588575"/>
+            <a:ext cx="10515600" cy="4588387"/>
+          </a:xfrm>
+        </p:spPr>
+        <p:txBody>
+          <a:bodyPr>
+            <a:normAutofit/>
+          </a:bodyPr>
+          <a:lstStyle/>
+          <a:p>
+            <a:pPr marL="45720" indent="0">
+              <a:buNone/>
+            </a:pPr>
+            <a:r>
+              <a:rPr lang="ja-JP" altLang="en-US">
+                <a:solidFill>
+                  <a:schemeClr val="accent5">
+                    <a:lumMod val="50000"/>
+                  </a:schemeClr>
+                </a:solidFill>
+                <a:latin typeface="Hiragino Maru Gothic Pro W4" panose="020F0400000000000000" pitchFamily="34" charset="-128"/>
+                <a:ea typeface="Hiragino Maru Gothic Pro W4" panose="020F0400000000000000" pitchFamily="34" charset="-128"/>
+              </a:rPr>
+              <a:t>困ったことがありましたら気軽に相談してください。</a:t>
+            </a:r>
+            <a:endParaRPr lang="en-US" altLang="ja-JP" dirty="0">
+              <a:solidFill>
+                <a:schemeClr val="accent5">
+                  <a:lumMod val="50000"/>
+                </a:schemeClr>
+              </a:solidFill>
+              <a:latin typeface="Hiragino Maru Gothic Pro W4" panose="020F0400000000000000" pitchFamily="34" charset="-128"/>
+              <a:ea typeface="Hiragino Maru Gothic Pro W4" panose="020F0400000000000000" pitchFamily="34" charset="-128"/>
+            </a:endParaRPr>
+          </a:p>
+          <a:p>
+            <a:pPr marL="45720" indent="0">
+              <a:buNone/>
+            </a:pPr>
+            <a:endParaRPr lang="en-US" altLang="ja-JP" dirty="0">
+              <a:solidFill>
+                <a:schemeClr val="accent5">
+                  <a:lumMod val="50000"/>
+                </a:schemeClr>
+              </a:solidFill>
+              <a:latin typeface="Hiragino Maru Gothic Pro W4" panose="020F0400000000000000" pitchFamily="34" charset="-128"/>
+              <a:ea typeface="Hiragino Maru Gothic Pro W4" panose="020F0400000000000000" pitchFamily="34" charset="-128"/>
+            </a:endParaRPr>
+          </a:p>
+          <a:p>
+            <a:pPr marL="502920" indent="-457200"/>
+            <a:endParaRPr lang="en-US" altLang="ja-JP" dirty="0">
+              <a:solidFill>
+                <a:schemeClr val="accent5">
+                  <a:lumMod val="50000"/>
+                </a:schemeClr>
+              </a:solidFill>
+              <a:latin typeface="Hiragino Maru Gothic Pro W4" panose="020F0400000000000000" pitchFamily="34" charset="-128"/>
+              <a:ea typeface="Hiragino Maru Gothic Pro W4" panose="020F0400000000000000" pitchFamily="34" charset="-128"/>
+            </a:endParaRPr>
+          </a:p>
+        </p:txBody>
+      </p:sp>
+      <p:sp>
+        <p:nvSpPr>
+          <p:cNvPr id="4" name="スライド番号プレースホルダー 3">
+            <a:extLst>
+              <a:ext uri="{FF2B5EF4-FFF2-40B4-BE49-F238E27FC236}">
+                <a16:creationId xmlns:a16="http://schemas.microsoft.com/office/drawing/2014/main" id="{34C04C8D-49C3-874E-864D-A6289CA1E427}"/>
+              </a:ext>
+            </a:extLst>
+          </p:cNvPr>
+          <p:cNvSpPr>
+            <a:spLocks noGrp="1"/>
+          </p:cNvSpPr>
+          <p:nvPr>
+            <p:ph type="sldNum" sz="quarter" idx="12"/>
+          </p:nvPr>
+        </p:nvSpPr>
+        <p:spPr/>
+        <p:txBody>
+          <a:bodyPr/>
+          <a:lstStyle/>
+          <a:p>
+            <a:pPr rtl="0"/>
+            <a:fld id="{E31375A4-56A4-47D6-9801-1991572033F7}" type="slidenum">
+              <a:rPr lang="en-US" altLang="ja-JP" noProof="0" smtClean="0">
+                <a:solidFill>
+                  <a:schemeClr val="accent5">
+                    <a:lumMod val="50000"/>
+                  </a:schemeClr>
+                </a:solidFill>
+                <a:latin typeface="Hiragino Maru Gothic Pro W4" panose="020F0400000000000000" pitchFamily="34" charset="-128"/>
+                <a:ea typeface="Hiragino Maru Gothic Pro W4" panose="020F0400000000000000" pitchFamily="34" charset="-128"/>
+              </a:rPr>
+              <a:t>15</a:t>
             </a:fld>
             <a:endParaRPr lang="ja-JP" altLang="en-US" noProof="0" dirty="0">
               <a:solidFill>
@@ -5447,7 +7759,7 @@
 </p:sld>
 </file>
 
-<file path=ppt/slides/slide12.xml><?xml version="1.0" encoding="utf-8"?>
+<file path=ppt/slides/slide16.xml><?xml version="1.0" encoding="utf-8"?>
 <p:sld xmlns:a="http://schemas.openxmlformats.org/drawingml/2006/main" xmlns:r="http://schemas.openxmlformats.org/officeDocument/2006/relationships" xmlns:p="http://schemas.openxmlformats.org/presentationml/2006/main">
   <p:cSld>
     <p:spTree>
@@ -5486,17 +7798,62 @@
           <a:lstStyle/>
           <a:p>
             <a:r>
-              <a:rPr kumimoji="1" lang="ja-JP" altLang="en-US">
-                <a:solidFill>
-                  <a:schemeClr val="accent5">
-                    <a:lumMod val="50000"/>
-                  </a:schemeClr>
-                </a:solidFill>
-                <a:latin typeface="Hiragino Maru Gothic Pro W4" panose="020F0400000000000000" pitchFamily="34" charset="-128"/>
-                <a:ea typeface="Hiragino Maru Gothic Pro W4" panose="020F0400000000000000" pitchFamily="34" charset="-128"/>
-              </a:rPr>
-              <a:t>クラン運営陣のリソース配分</a:t>
-            </a:r>
+              <a:rPr lang="ja-JP" altLang="en-US">
+                <a:solidFill>
+                  <a:schemeClr val="accent5">
+                    <a:lumMod val="50000"/>
+                  </a:schemeClr>
+                </a:solidFill>
+                <a:latin typeface="Hiragino Maru Gothic Pro W4" panose="020F0400000000000000" pitchFamily="34" charset="-128"/>
+                <a:ea typeface="Hiragino Maru Gothic Pro W4" panose="020F0400000000000000" pitchFamily="34" charset="-128"/>
+              </a:rPr>
+              <a:t>ざっくりスケジュール</a:t>
+            </a:r>
+            <a:r>
+              <a:rPr lang="en-US" altLang="ja-JP" dirty="0">
+                <a:solidFill>
+                  <a:schemeClr val="accent5">
+                    <a:lumMod val="50000"/>
+                  </a:schemeClr>
+                </a:solidFill>
+                <a:latin typeface="Hiragino Maru Gothic Pro W4" panose="020F0400000000000000" pitchFamily="34" charset="-128"/>
+                <a:ea typeface="Hiragino Maru Gothic Pro W4" panose="020F0400000000000000" pitchFamily="34" charset="-128"/>
+              </a:rPr>
+              <a:t>(2021</a:t>
+            </a:r>
+            <a:r>
+              <a:rPr lang="ja-JP" altLang="en-US">
+                <a:solidFill>
+                  <a:schemeClr val="accent5">
+                    <a:lumMod val="50000"/>
+                  </a:schemeClr>
+                </a:solidFill>
+                <a:latin typeface="Hiragino Maru Gothic Pro W4" panose="020F0400000000000000" pitchFamily="34" charset="-128"/>
+                <a:ea typeface="Hiragino Maru Gothic Pro W4" panose="020F0400000000000000" pitchFamily="34" charset="-128"/>
+              </a:rPr>
+              <a:t>年</a:t>
+            </a:r>
+            <a:r>
+              <a:rPr lang="en-US" altLang="ja-JP" dirty="0">
+                <a:solidFill>
+                  <a:schemeClr val="accent5">
+                    <a:lumMod val="50000"/>
+                  </a:schemeClr>
+                </a:solidFill>
+                <a:latin typeface="Hiragino Maru Gothic Pro W4" panose="020F0400000000000000" pitchFamily="34" charset="-128"/>
+                <a:ea typeface="Hiragino Maru Gothic Pro W4" panose="020F0400000000000000" pitchFamily="34" charset="-128"/>
+              </a:rPr>
+              <a:t>)</a:t>
+            </a:r>
+            <a:endParaRPr kumimoji="1" lang="ja-JP" altLang="en-US">
+              <a:solidFill>
+                <a:schemeClr val="accent5">
+                  <a:lumMod val="50000"/>
+                </a:schemeClr>
+              </a:solidFill>
+              <a:latin typeface="Hiragino Maru Gothic Pro W4" panose="020F0400000000000000" pitchFamily="34" charset="-128"/>
+              <a:ea typeface="Hiragino Maru Gothic Pro W4" panose="020F0400000000000000" pitchFamily="34" charset="-128"/>
+            </a:endParaRPr>
           </a:p>
         </p:txBody>
       </p:sp>
@@ -5532,1514 +7889,7 @@
                 <a:latin typeface="Hiragino Maru Gothic Pro W4" panose="020F0400000000000000" pitchFamily="34" charset="-128"/>
                 <a:ea typeface="Hiragino Maru Gothic Pro W4" panose="020F0400000000000000" pitchFamily="34" charset="-128"/>
               </a:rPr>
-              <a:t>12</a:t>
-            </a:fld>
-            <a:endParaRPr lang="ja-JP" altLang="en-US" noProof="0" dirty="0">
-              <a:solidFill>
-                <a:schemeClr val="accent5">
-                  <a:lumMod val="50000"/>
-                </a:schemeClr>
-              </a:solidFill>
-              <a:latin typeface="Hiragino Maru Gothic Pro W4" panose="020F0400000000000000" pitchFamily="34" charset="-128"/>
-              <a:ea typeface="Hiragino Maru Gothic Pro W4" panose="020F0400000000000000" pitchFamily="34" charset="-128"/>
-            </a:endParaRPr>
-          </a:p>
-        </p:txBody>
-      </p:sp>
-      <p:sp>
-        <p:nvSpPr>
-          <p:cNvPr id="9" name="正方形/長方形 8">
-            <a:extLst>
-              <a:ext uri="{FF2B5EF4-FFF2-40B4-BE49-F238E27FC236}">
-                <a16:creationId xmlns:a16="http://schemas.microsoft.com/office/drawing/2014/main" id="{2FDDAFCE-9F06-1E48-A9CB-C2ECBD65C4BB}"/>
-              </a:ext>
-            </a:extLst>
-          </p:cNvPr>
-          <p:cNvSpPr/>
-          <p:nvPr/>
-        </p:nvSpPr>
-        <p:spPr>
-          <a:xfrm>
-            <a:off x="1523997" y="1426605"/>
-            <a:ext cx="3214553" cy="619910"/>
-          </a:xfrm>
-          <a:prstGeom prst="rect">
-            <a:avLst/>
-          </a:prstGeom>
-        </p:spPr>
-        <p:style>
-          <a:lnRef idx="0">
-            <a:schemeClr val="accent2"/>
-          </a:lnRef>
-          <a:fillRef idx="3">
-            <a:schemeClr val="accent2"/>
-          </a:fillRef>
-          <a:effectRef idx="3">
-            <a:schemeClr val="accent2"/>
-          </a:effectRef>
-          <a:fontRef idx="minor">
-            <a:schemeClr val="lt1"/>
-          </a:fontRef>
-        </p:style>
-        <p:txBody>
-          <a:bodyPr rtlCol="0" anchor="ctr"/>
-          <a:lstStyle/>
-          <a:p>
-            <a:pPr algn="ctr"/>
-            <a:r>
-              <a:rPr kumimoji="1" lang="en-US" altLang="ja-JP" sz="2000" dirty="0">
-                <a:latin typeface="Hiragino Maru Gothic Pro W4" panose="020F0400000000000000" pitchFamily="34" charset="-128"/>
-                <a:ea typeface="Hiragino Maru Gothic Pro W4" panose="020F0400000000000000" pitchFamily="34" charset="-128"/>
-              </a:rPr>
-              <a:t>TOMARIGI</a:t>
-            </a:r>
-          </a:p>
-        </p:txBody>
-      </p:sp>
-      <p:sp>
-        <p:nvSpPr>
-          <p:cNvPr id="10" name="正方形/長方形 9">
-            <a:extLst>
-              <a:ext uri="{FF2B5EF4-FFF2-40B4-BE49-F238E27FC236}">
-                <a16:creationId xmlns:a16="http://schemas.microsoft.com/office/drawing/2014/main" id="{D4895562-9AEE-154C-8FE4-41D01D6A105E}"/>
-              </a:ext>
-            </a:extLst>
-          </p:cNvPr>
-          <p:cNvSpPr/>
-          <p:nvPr/>
-        </p:nvSpPr>
-        <p:spPr>
-          <a:xfrm>
-            <a:off x="4776645" y="1426605"/>
-            <a:ext cx="3214553" cy="619910"/>
-          </a:xfrm>
-          <a:prstGeom prst="rect">
-            <a:avLst/>
-          </a:prstGeom>
-        </p:spPr>
-        <p:style>
-          <a:lnRef idx="0">
-            <a:schemeClr val="accent5"/>
-          </a:lnRef>
-          <a:fillRef idx="3">
-            <a:schemeClr val="accent5"/>
-          </a:fillRef>
-          <a:effectRef idx="3">
-            <a:schemeClr val="accent5"/>
-          </a:effectRef>
-          <a:fontRef idx="minor">
-            <a:schemeClr val="lt1"/>
-          </a:fontRef>
-        </p:style>
-        <p:txBody>
-          <a:bodyPr rtlCol="0" anchor="ctr"/>
-          <a:lstStyle/>
-          <a:p>
-            <a:pPr algn="ctr"/>
-            <a:r>
-              <a:rPr kumimoji="1" lang="ja-JP" altLang="en-US" sz="2000">
-                <a:latin typeface="Hiragino Maru Gothic Pro W4" panose="020F0400000000000000" pitchFamily="34" charset="-128"/>
-                <a:ea typeface="Hiragino Maru Gothic Pro W4" panose="020F0400000000000000" pitchFamily="34" charset="-128"/>
-              </a:rPr>
-              <a:t>まほらま</a:t>
-            </a:r>
-            <a:r>
-              <a:rPr kumimoji="1" lang="en-US" altLang="ja-JP" sz="2000" dirty="0">
-                <a:latin typeface="Hiragino Maru Gothic Pro W4" panose="020F0400000000000000" pitchFamily="34" charset="-128"/>
-                <a:ea typeface="Hiragino Maru Gothic Pro W4" panose="020F0400000000000000" pitchFamily="34" charset="-128"/>
-              </a:rPr>
-              <a:t>〜</a:t>
-            </a:r>
-            <a:r>
-              <a:rPr kumimoji="1" lang="ja-JP" altLang="en-US" sz="2000">
-                <a:latin typeface="Hiragino Maru Gothic Pro W4" panose="020F0400000000000000" pitchFamily="34" charset="-128"/>
-                <a:ea typeface="Hiragino Maru Gothic Pro W4" panose="020F0400000000000000" pitchFamily="34" charset="-128"/>
-              </a:rPr>
-              <a:t>摩天楼</a:t>
-            </a:r>
-            <a:r>
-              <a:rPr kumimoji="1" lang="en-US" altLang="ja-JP" sz="2000" dirty="0">
-                <a:latin typeface="Hiragino Maru Gothic Pro W4" panose="020F0400000000000000" pitchFamily="34" charset="-128"/>
-                <a:ea typeface="Hiragino Maru Gothic Pro W4" panose="020F0400000000000000" pitchFamily="34" charset="-128"/>
-              </a:rPr>
-              <a:t>〜</a:t>
-            </a:r>
-          </a:p>
-        </p:txBody>
-      </p:sp>
-      <p:sp>
-        <p:nvSpPr>
-          <p:cNvPr id="11" name="正方形/長方形 10">
-            <a:extLst>
-              <a:ext uri="{FF2B5EF4-FFF2-40B4-BE49-F238E27FC236}">
-                <a16:creationId xmlns:a16="http://schemas.microsoft.com/office/drawing/2014/main" id="{48A628B8-2066-EF4F-829E-FEC0F3006B7E}"/>
-              </a:ext>
-            </a:extLst>
-          </p:cNvPr>
-          <p:cNvSpPr/>
-          <p:nvPr/>
-        </p:nvSpPr>
-        <p:spPr>
-          <a:xfrm>
-            <a:off x="8029293" y="1426605"/>
-            <a:ext cx="3214553" cy="619910"/>
-          </a:xfrm>
-          <a:prstGeom prst="rect">
-            <a:avLst/>
-          </a:prstGeom>
-        </p:spPr>
-        <p:style>
-          <a:lnRef idx="0">
-            <a:schemeClr val="accent6"/>
-          </a:lnRef>
-          <a:fillRef idx="3">
-            <a:schemeClr val="accent6"/>
-          </a:fillRef>
-          <a:effectRef idx="3">
-            <a:schemeClr val="accent6"/>
-          </a:effectRef>
-          <a:fontRef idx="minor">
-            <a:schemeClr val="lt1"/>
-          </a:fontRef>
-        </p:style>
-        <p:txBody>
-          <a:bodyPr rtlCol="0" anchor="ctr"/>
-          <a:lstStyle/>
-          <a:p>
-            <a:pPr algn="ctr"/>
-            <a:r>
-              <a:rPr kumimoji="1" lang="ja-JP" altLang="en-US" sz="2000">
-                <a:latin typeface="Hiragino Maru Gothic Pro W4" panose="020F0400000000000000" pitchFamily="34" charset="-128"/>
-                <a:ea typeface="Hiragino Maru Gothic Pro W4" panose="020F0400000000000000" pitchFamily="34" charset="-128"/>
-              </a:rPr>
-              <a:t>とまり木</a:t>
-            </a:r>
-            <a:endParaRPr kumimoji="1" lang="en-US" altLang="ja-JP" sz="2000" dirty="0">
-              <a:latin typeface="Hiragino Maru Gothic Pro W4" panose="020F0400000000000000" pitchFamily="34" charset="-128"/>
-              <a:ea typeface="Hiragino Maru Gothic Pro W4" panose="020F0400000000000000" pitchFamily="34" charset="-128"/>
-            </a:endParaRPr>
-          </a:p>
-        </p:txBody>
-      </p:sp>
-      <p:sp>
-        <p:nvSpPr>
-          <p:cNvPr id="12" name="正方形/長方形 11">
-            <a:extLst>
-              <a:ext uri="{FF2B5EF4-FFF2-40B4-BE49-F238E27FC236}">
-                <a16:creationId xmlns:a16="http://schemas.microsoft.com/office/drawing/2014/main" id="{EC9B580A-40D6-C048-8415-0C208DDDFF71}"/>
-              </a:ext>
-            </a:extLst>
-          </p:cNvPr>
-          <p:cNvSpPr/>
-          <p:nvPr/>
-        </p:nvSpPr>
-        <p:spPr>
-          <a:xfrm>
-            <a:off x="1523997" y="2106131"/>
-            <a:ext cx="3214553" cy="2351631"/>
-          </a:xfrm>
-          <a:prstGeom prst="rect">
-            <a:avLst/>
-          </a:prstGeom>
-        </p:spPr>
-        <p:style>
-          <a:lnRef idx="0">
-            <a:schemeClr val="accent2"/>
-          </a:lnRef>
-          <a:fillRef idx="3">
-            <a:schemeClr val="accent2"/>
-          </a:fillRef>
-          <a:effectRef idx="3">
-            <a:schemeClr val="accent2"/>
-          </a:effectRef>
-          <a:fontRef idx="minor">
-            <a:schemeClr val="lt1"/>
-          </a:fontRef>
-        </p:style>
-        <p:txBody>
-          <a:bodyPr rtlCol="0" anchor="t"/>
-          <a:lstStyle/>
-          <a:p>
-            <a:pPr marL="342900" indent="-342900">
-              <a:buFont typeface="Arial" panose="020B0604020202020204" pitchFamily="34" charset="0"/>
-              <a:buChar char="•"/>
-            </a:pPr>
-            <a:r>
-              <a:rPr kumimoji="1" lang="en-US" altLang="ja-JP" sz="1400" dirty="0" err="1">
-                <a:latin typeface="Hiragino Maru Gothic Pro W4" panose="020F0400000000000000" pitchFamily="34" charset="-128"/>
-                <a:ea typeface="Hiragino Maru Gothic Pro W4" panose="020F0400000000000000" pitchFamily="34" charset="-128"/>
-              </a:rPr>
-              <a:t>bigtree</a:t>
-            </a:r>
-            <a:r>
-              <a:rPr lang="en-US" altLang="ja-JP" sz="1400" dirty="0">
-                <a:latin typeface="Hiragino Maru Gothic Pro W4" panose="020F0400000000000000" pitchFamily="34" charset="-128"/>
-                <a:ea typeface="Hiragino Maru Gothic Pro W4" panose="020F0400000000000000" pitchFamily="34" charset="-128"/>
-              </a:rPr>
-              <a:t>⑭</a:t>
-            </a:r>
-          </a:p>
-          <a:p>
-            <a:pPr marL="342900" indent="-342900">
-              <a:buFont typeface="Arial" panose="020B0604020202020204" pitchFamily="34" charset="0"/>
-              <a:buChar char="•"/>
-            </a:pPr>
-            <a:r>
-              <a:rPr lang="ja-JP" altLang="en-US" sz="1400">
-                <a:latin typeface="Hiragino Maru Gothic Pro W4" panose="020F0400000000000000" pitchFamily="34" charset="-128"/>
-                <a:ea typeface="Hiragino Maru Gothic Pro W4" panose="020F0400000000000000" pitchFamily="34" charset="-128"/>
-              </a:rPr>
-              <a:t>ふるはた⑭</a:t>
-            </a:r>
-            <a:endParaRPr lang="en-US" altLang="ja-JP" sz="1400" dirty="0">
-              <a:latin typeface="Hiragino Maru Gothic Pro W4" panose="020F0400000000000000" pitchFamily="34" charset="-128"/>
-              <a:ea typeface="Hiragino Maru Gothic Pro W4" panose="020F0400000000000000" pitchFamily="34" charset="-128"/>
-            </a:endParaRPr>
-          </a:p>
-          <a:p>
-            <a:pPr marL="342900" indent="-342900">
-              <a:buFont typeface="Arial" panose="020B0604020202020204" pitchFamily="34" charset="0"/>
-              <a:buChar char="•"/>
-            </a:pPr>
-            <a:r>
-              <a:rPr lang="ja-JP" altLang="en-US" sz="1400">
-                <a:latin typeface="Hiragino Maru Gothic Pro W4" panose="020F0400000000000000" pitchFamily="34" charset="-128"/>
-                <a:ea typeface="Hiragino Maru Gothic Pro W4" panose="020F0400000000000000" pitchFamily="34" charset="-128"/>
-              </a:rPr>
-              <a:t>ゴドルフィン</a:t>
-            </a:r>
-            <a:r>
-              <a:rPr lang="ja-JP" altLang="en-US" sz="1400">
-                <a:solidFill>
-                  <a:srgbClr val="FF0000"/>
-                </a:solidFill>
-                <a:latin typeface="Hiragino Maru Gothic Pro W4" panose="020F0400000000000000" pitchFamily="34" charset="-128"/>
-                <a:ea typeface="Hiragino Maru Gothic Pro W4" panose="020F0400000000000000" pitchFamily="34" charset="-128"/>
-              </a:rPr>
-              <a:t>⑬⑬</a:t>
-            </a:r>
-            <a:endParaRPr kumimoji="1" lang="en-US" altLang="ja-JP" sz="1400" dirty="0">
-              <a:solidFill>
-                <a:srgbClr val="FF0000"/>
-              </a:solidFill>
-              <a:latin typeface="Hiragino Maru Gothic Pro W4" panose="020F0400000000000000" pitchFamily="34" charset="-128"/>
-              <a:ea typeface="Hiragino Maru Gothic Pro W4" panose="020F0400000000000000" pitchFamily="34" charset="-128"/>
-            </a:endParaRPr>
-          </a:p>
-          <a:p>
-            <a:pPr marL="342900" indent="-342900">
-              <a:buFont typeface="Arial" panose="020B0604020202020204" pitchFamily="34" charset="0"/>
-              <a:buChar char="•"/>
-            </a:pPr>
-            <a:r>
-              <a:rPr kumimoji="1" lang="en-US" altLang="ja-JP" sz="1400" dirty="0">
-                <a:latin typeface="Hiragino Maru Gothic Pro W4" panose="020F0400000000000000" pitchFamily="34" charset="-128"/>
-                <a:ea typeface="Hiragino Maru Gothic Pro W4" panose="020F0400000000000000" pitchFamily="34" charset="-128"/>
-              </a:rPr>
-              <a:t>OB</a:t>
-            </a:r>
-            <a:r>
-              <a:rPr kumimoji="1" lang="ja-JP" altLang="en-US" sz="1400">
-                <a:latin typeface="Hiragino Maru Gothic Pro W4" panose="020F0400000000000000" pitchFamily="34" charset="-128"/>
-                <a:ea typeface="Hiragino Maru Gothic Pro W4" panose="020F0400000000000000" pitchFamily="34" charset="-128"/>
-              </a:rPr>
-              <a:t>ハンター</a:t>
-            </a:r>
-            <a:r>
-              <a:rPr lang="ja-JP" altLang="en-US" sz="1400">
-                <a:solidFill>
-                  <a:srgbClr val="FF0000"/>
-                </a:solidFill>
-                <a:latin typeface="Hiragino Maru Gothic Pro W4" panose="020F0400000000000000" pitchFamily="34" charset="-128"/>
-                <a:ea typeface="Hiragino Maru Gothic Pro W4" panose="020F0400000000000000" pitchFamily="34" charset="-128"/>
-              </a:rPr>
-              <a:t>⑬</a:t>
-            </a:r>
-            <a:endParaRPr kumimoji="1" lang="en-US" altLang="ja-JP" sz="1400" dirty="0">
-              <a:solidFill>
-                <a:srgbClr val="FF0000"/>
-              </a:solidFill>
-              <a:latin typeface="Hiragino Maru Gothic Pro W4" panose="020F0400000000000000" pitchFamily="34" charset="-128"/>
-              <a:ea typeface="Hiragino Maru Gothic Pro W4" panose="020F0400000000000000" pitchFamily="34" charset="-128"/>
-            </a:endParaRPr>
-          </a:p>
-          <a:p>
-            <a:pPr marL="342900" indent="-342900">
-              <a:buFont typeface="Arial" panose="020B0604020202020204" pitchFamily="34" charset="0"/>
-              <a:buChar char="•"/>
-            </a:pPr>
-            <a:r>
-              <a:rPr kumimoji="1" lang="en-US" altLang="ja-JP" sz="1400" dirty="0">
-                <a:latin typeface="Hiragino Maru Gothic Pro W4" panose="020F0400000000000000" pitchFamily="34" charset="-128"/>
-                <a:ea typeface="Hiragino Maru Gothic Pro W4" panose="020F0400000000000000" pitchFamily="34" charset="-128"/>
-              </a:rPr>
-              <a:t>121</a:t>
-            </a:r>
-            <a:r>
-              <a:rPr lang="ja-JP" altLang="en-US" sz="1400">
-                <a:latin typeface="Hiragino Maru Gothic Pro W4" panose="020F0400000000000000" pitchFamily="34" charset="-128"/>
-                <a:ea typeface="Hiragino Maru Gothic Pro W4" panose="020F0400000000000000" pitchFamily="34" charset="-128"/>
-              </a:rPr>
-              <a:t>⑭⑬</a:t>
-            </a:r>
-            <a:endParaRPr kumimoji="1" lang="en-US" altLang="ja-JP" sz="1400" dirty="0">
-              <a:latin typeface="Hiragino Maru Gothic Pro W4" panose="020F0400000000000000" pitchFamily="34" charset="-128"/>
-              <a:ea typeface="Hiragino Maru Gothic Pro W4" panose="020F0400000000000000" pitchFamily="34" charset="-128"/>
-            </a:endParaRPr>
-          </a:p>
-          <a:p>
-            <a:pPr marL="342900" indent="-342900">
-              <a:buFont typeface="Arial" panose="020B0604020202020204" pitchFamily="34" charset="0"/>
-              <a:buChar char="•"/>
-            </a:pPr>
-            <a:r>
-              <a:rPr kumimoji="1" lang="ja-JP" altLang="en-US" sz="1400">
-                <a:latin typeface="Hiragino Maru Gothic Pro W4" panose="020F0400000000000000" pitchFamily="34" charset="-128"/>
-                <a:ea typeface="Hiragino Maru Gothic Pro W4" panose="020F0400000000000000" pitchFamily="34" charset="-128"/>
-              </a:rPr>
-              <a:t>くい助⑭⑬</a:t>
-            </a:r>
-            <a:endParaRPr kumimoji="1" lang="en-US" altLang="ja-JP" sz="1400" dirty="0">
-              <a:latin typeface="Hiragino Maru Gothic Pro W4" panose="020F0400000000000000" pitchFamily="34" charset="-128"/>
-              <a:ea typeface="Hiragino Maru Gothic Pro W4" panose="020F0400000000000000" pitchFamily="34" charset="-128"/>
-            </a:endParaRPr>
-          </a:p>
-          <a:p>
-            <a:pPr marL="342900" indent="-342900">
-              <a:buFont typeface="Arial" panose="020B0604020202020204" pitchFamily="34" charset="0"/>
-              <a:buChar char="•"/>
-            </a:pPr>
-            <a:r>
-              <a:rPr lang="ja-JP" altLang="en-US" sz="1400" u="sng">
-                <a:latin typeface="Hiragino Maru Gothic Pro W4" panose="020F0400000000000000" pitchFamily="34" charset="-128"/>
-                <a:ea typeface="Hiragino Maru Gothic Pro W4" panose="020F0400000000000000" pitchFamily="34" charset="-128"/>
-              </a:rPr>
-              <a:t>魔王様⑭⑬</a:t>
-            </a:r>
-            <a:r>
-              <a:rPr lang="en-US" altLang="ja-JP" sz="1400" u="sng" dirty="0">
-                <a:latin typeface="Hiragino Maru Gothic Pro W4" panose="020F0400000000000000" pitchFamily="34" charset="-128"/>
-                <a:ea typeface="Hiragino Maru Gothic Pro W4" panose="020F0400000000000000" pitchFamily="34" charset="-128"/>
-              </a:rPr>
-              <a:t> (</a:t>
-            </a:r>
-            <a:r>
-              <a:rPr lang="ja-JP" altLang="en-US" sz="1400" u="sng">
-                <a:latin typeface="Hiragino Maru Gothic Pro W4" panose="020F0400000000000000" pitchFamily="34" charset="-128"/>
-                <a:ea typeface="Hiragino Maru Gothic Pro W4" panose="020F0400000000000000" pitchFamily="34" charset="-128"/>
-              </a:rPr>
-              <a:t>責任者</a:t>
-            </a:r>
-            <a:r>
-              <a:rPr lang="en-US" altLang="ja-JP" sz="1400" u="sng" dirty="0">
-                <a:latin typeface="Hiragino Maru Gothic Pro W4" panose="020F0400000000000000" pitchFamily="34" charset="-128"/>
-                <a:ea typeface="Hiragino Maru Gothic Pro W4" panose="020F0400000000000000" pitchFamily="34" charset="-128"/>
-              </a:rPr>
-              <a:t>)</a:t>
-            </a:r>
-          </a:p>
-          <a:p>
-            <a:pPr marL="342900" indent="-342900">
-              <a:buFont typeface="Arial" panose="020B0604020202020204" pitchFamily="34" charset="0"/>
-              <a:buChar char="•"/>
-            </a:pPr>
-            <a:r>
-              <a:rPr lang="ja-JP" altLang="en-US" sz="1400">
-                <a:latin typeface="Hiragino Maru Gothic Pro W4" panose="020F0400000000000000" pitchFamily="34" charset="-128"/>
-                <a:ea typeface="Hiragino Maru Gothic Pro W4" panose="020F0400000000000000" pitchFamily="34" charset="-128"/>
-              </a:rPr>
-              <a:t>ころ助</a:t>
-            </a:r>
-            <a:r>
-              <a:rPr lang="ja-JP" altLang="en-US" sz="1400">
-                <a:solidFill>
-                  <a:srgbClr val="FF0000"/>
-                </a:solidFill>
-                <a:latin typeface="Hiragino Maru Gothic Pro W4" panose="020F0400000000000000" pitchFamily="34" charset="-128"/>
-                <a:ea typeface="Hiragino Maru Gothic Pro W4" panose="020F0400000000000000" pitchFamily="34" charset="-128"/>
-              </a:rPr>
-              <a:t>⑬</a:t>
-            </a:r>
-            <a:r>
-              <a:rPr lang="ja-JP" altLang="en-US" sz="1400">
-                <a:latin typeface="Hiragino Maru Gothic Pro W4" panose="020F0400000000000000" pitchFamily="34" charset="-128"/>
-                <a:ea typeface="Hiragino Maru Gothic Pro W4" panose="020F0400000000000000" pitchFamily="34" charset="-128"/>
-              </a:rPr>
-              <a:t>⑬</a:t>
-            </a:r>
-            <a:endParaRPr kumimoji="1" lang="en-US" altLang="ja-JP" sz="1400" dirty="0">
-              <a:latin typeface="Hiragino Maru Gothic Pro W4" panose="020F0400000000000000" pitchFamily="34" charset="-128"/>
-              <a:ea typeface="Hiragino Maru Gothic Pro W4" panose="020F0400000000000000" pitchFamily="34" charset="-128"/>
-            </a:endParaRPr>
-          </a:p>
-          <a:p>
-            <a:pPr marL="342900" indent="-342900">
-              <a:buFont typeface="Arial" panose="020B0604020202020204" pitchFamily="34" charset="0"/>
-              <a:buChar char="•"/>
-            </a:pPr>
-            <a:endParaRPr kumimoji="1" lang="en-US" altLang="ja-JP" sz="1400" dirty="0">
-              <a:latin typeface="Hiragino Maru Gothic Pro W4" panose="020F0400000000000000" pitchFamily="34" charset="-128"/>
-              <a:ea typeface="Hiragino Maru Gothic Pro W4" panose="020F0400000000000000" pitchFamily="34" charset="-128"/>
-            </a:endParaRPr>
-          </a:p>
-        </p:txBody>
-      </p:sp>
-      <p:sp>
-        <p:nvSpPr>
-          <p:cNvPr id="13" name="正方形/長方形 12">
-            <a:extLst>
-              <a:ext uri="{FF2B5EF4-FFF2-40B4-BE49-F238E27FC236}">
-                <a16:creationId xmlns:a16="http://schemas.microsoft.com/office/drawing/2014/main" id="{932ECC1F-1F70-AE49-88E9-D525F2F3B578}"/>
-              </a:ext>
-            </a:extLst>
-          </p:cNvPr>
-          <p:cNvSpPr/>
-          <p:nvPr/>
-        </p:nvSpPr>
-        <p:spPr>
-          <a:xfrm>
-            <a:off x="4776645" y="2106131"/>
-            <a:ext cx="3214553" cy="2351631"/>
-          </a:xfrm>
-          <a:prstGeom prst="rect">
-            <a:avLst/>
-          </a:prstGeom>
-        </p:spPr>
-        <p:style>
-          <a:lnRef idx="0">
-            <a:schemeClr val="accent5"/>
-          </a:lnRef>
-          <a:fillRef idx="3">
-            <a:schemeClr val="accent5"/>
-          </a:fillRef>
-          <a:effectRef idx="3">
-            <a:schemeClr val="accent5"/>
-          </a:effectRef>
-          <a:fontRef idx="minor">
-            <a:schemeClr val="lt1"/>
-          </a:fontRef>
-        </p:style>
-        <p:txBody>
-          <a:bodyPr rtlCol="0" anchor="t"/>
-          <a:lstStyle/>
-          <a:p>
-            <a:pPr marL="342900" indent="-342900">
-              <a:buFont typeface="Arial" panose="020B0604020202020204" pitchFamily="34" charset="0"/>
-              <a:buChar char="•"/>
-            </a:pPr>
-            <a:r>
-              <a:rPr lang="en-US" altLang="ja-JP" sz="1400" dirty="0" err="1">
-                <a:latin typeface="Hiragino Maru Gothic Pro W4" panose="020F0400000000000000" pitchFamily="34" charset="-128"/>
-                <a:ea typeface="Hiragino Maru Gothic Pro W4" panose="020F0400000000000000" pitchFamily="34" charset="-128"/>
-              </a:rPr>
-              <a:t>bigtree</a:t>
-            </a:r>
-            <a:r>
-              <a:rPr lang="ja-JP" altLang="en-US" sz="1400">
-                <a:latin typeface="Hiragino Maru Gothic Pro W4" panose="020F0400000000000000" pitchFamily="34" charset="-128"/>
-                <a:ea typeface="Hiragino Maru Gothic Pro W4" panose="020F0400000000000000" pitchFamily="34" charset="-128"/>
-              </a:rPr>
-              <a:t>⑬</a:t>
-            </a:r>
-            <a:endParaRPr lang="en-US" altLang="ja-JP" sz="1400" dirty="0">
-              <a:latin typeface="Hiragino Maru Gothic Pro W4" panose="020F0400000000000000" pitchFamily="34" charset="-128"/>
-              <a:ea typeface="Hiragino Maru Gothic Pro W4" panose="020F0400000000000000" pitchFamily="34" charset="-128"/>
-            </a:endParaRPr>
-          </a:p>
-          <a:p>
-            <a:pPr marL="342900" indent="-342900">
-              <a:buFont typeface="Arial" panose="020B0604020202020204" pitchFamily="34" charset="0"/>
-              <a:buChar char="•"/>
-            </a:pPr>
-            <a:r>
-              <a:rPr lang="ja-JP" altLang="en-US" sz="1400">
-                <a:latin typeface="Hiragino Maru Gothic Pro W4" panose="020F0400000000000000" pitchFamily="34" charset="-128"/>
-                <a:ea typeface="Hiragino Maru Gothic Pro W4" panose="020F0400000000000000" pitchFamily="34" charset="-128"/>
-              </a:rPr>
-              <a:t>ふるはた⑬</a:t>
-            </a:r>
-            <a:endParaRPr lang="en-US" altLang="ja-JP" sz="1400" dirty="0">
-              <a:latin typeface="Hiragino Maru Gothic Pro W4" panose="020F0400000000000000" pitchFamily="34" charset="-128"/>
-              <a:ea typeface="Hiragino Maru Gothic Pro W4" panose="020F0400000000000000" pitchFamily="34" charset="-128"/>
-            </a:endParaRPr>
-          </a:p>
-          <a:p>
-            <a:pPr marL="342900" indent="-342900">
-              <a:buFont typeface="Arial" panose="020B0604020202020204" pitchFamily="34" charset="0"/>
-              <a:buChar char="•"/>
-            </a:pPr>
-            <a:r>
-              <a:rPr lang="ja-JP" altLang="en-US" sz="1400" u="sng">
-                <a:latin typeface="Hiragino Maru Gothic Pro W4" panose="020F0400000000000000" pitchFamily="34" charset="-128"/>
-                <a:ea typeface="Hiragino Maru Gothic Pro W4" panose="020F0400000000000000" pitchFamily="34" charset="-128"/>
-              </a:rPr>
-              <a:t>ゴドルフィン⑬⑬</a:t>
-            </a:r>
-            <a:r>
-              <a:rPr lang="en-US" altLang="ja-JP" sz="1400" u="sng" dirty="0">
-                <a:latin typeface="Hiragino Maru Gothic Pro W4" panose="020F0400000000000000" pitchFamily="34" charset="-128"/>
-                <a:ea typeface="Hiragino Maru Gothic Pro W4" panose="020F0400000000000000" pitchFamily="34" charset="-128"/>
-              </a:rPr>
-              <a:t>⑫ (</a:t>
-            </a:r>
-            <a:r>
-              <a:rPr lang="ja-JP" altLang="en-US" sz="1400" u="sng">
-                <a:latin typeface="Hiragino Maru Gothic Pro W4" panose="020F0400000000000000" pitchFamily="34" charset="-128"/>
-                <a:ea typeface="Hiragino Maru Gothic Pro W4" panose="020F0400000000000000" pitchFamily="34" charset="-128"/>
-              </a:rPr>
-              <a:t>責任者</a:t>
-            </a:r>
-            <a:r>
-              <a:rPr lang="en-US" altLang="ja-JP" sz="1400" u="sng" dirty="0">
-                <a:latin typeface="Hiragino Maru Gothic Pro W4" panose="020F0400000000000000" pitchFamily="34" charset="-128"/>
-                <a:ea typeface="Hiragino Maru Gothic Pro W4" panose="020F0400000000000000" pitchFamily="34" charset="-128"/>
-              </a:rPr>
-              <a:t>)</a:t>
-            </a:r>
-          </a:p>
-          <a:p>
-            <a:pPr marL="342900" indent="-342900">
-              <a:buFont typeface="Arial" panose="020B0604020202020204" pitchFamily="34" charset="0"/>
-              <a:buChar char="•"/>
-            </a:pPr>
-            <a:r>
-              <a:rPr lang="ja-JP" altLang="en-US" sz="1400">
-                <a:latin typeface="Hiragino Maru Gothic Pro W4" panose="020F0400000000000000" pitchFamily="34" charset="-128"/>
-                <a:ea typeface="Hiragino Maru Gothic Pro W4" panose="020F0400000000000000" pitchFamily="34" charset="-128"/>
-              </a:rPr>
-              <a:t>くい助</a:t>
-            </a:r>
-            <a:r>
-              <a:rPr lang="en-US" altLang="ja-JP" sz="1400" dirty="0">
-                <a:latin typeface="Hiragino Maru Gothic Pro W4" panose="020F0400000000000000" pitchFamily="34" charset="-128"/>
-                <a:ea typeface="Hiragino Maru Gothic Pro W4" panose="020F0400000000000000" pitchFamily="34" charset="-128"/>
-              </a:rPr>
-              <a:t>⑪</a:t>
-            </a:r>
-          </a:p>
-          <a:p>
-            <a:pPr marL="342900" indent="-342900">
-              <a:buFont typeface="Arial" panose="020B0604020202020204" pitchFamily="34" charset="0"/>
-              <a:buChar char="•"/>
-            </a:pPr>
-            <a:r>
-              <a:rPr lang="ja-JP" altLang="en-US" sz="1400">
-                <a:latin typeface="Hiragino Maru Gothic Pro W4" panose="020F0400000000000000" pitchFamily="34" charset="-128"/>
-                <a:ea typeface="Hiragino Maru Gothic Pro W4" panose="020F0400000000000000" pitchFamily="34" charset="-128"/>
-              </a:rPr>
-              <a:t>魔王</a:t>
-            </a:r>
-            <a:r>
-              <a:rPr lang="en-US" altLang="ja-JP" sz="1400" dirty="0">
-                <a:latin typeface="Hiragino Maru Gothic Pro W4" panose="020F0400000000000000" pitchFamily="34" charset="-128"/>
-                <a:ea typeface="Hiragino Maru Gothic Pro W4" panose="020F0400000000000000" pitchFamily="34" charset="-128"/>
-              </a:rPr>
-              <a:t>⑪</a:t>
-            </a:r>
-          </a:p>
-          <a:p>
-            <a:pPr marL="342900" indent="-342900">
-              <a:buFont typeface="Arial" panose="020B0604020202020204" pitchFamily="34" charset="0"/>
-              <a:buChar char="•"/>
-            </a:pPr>
-            <a:r>
-              <a:rPr lang="ja-JP" altLang="en-US" sz="1400">
-                <a:latin typeface="Hiragino Maru Gothic Pro W4" panose="020F0400000000000000" pitchFamily="34" charset="-128"/>
-                <a:ea typeface="Hiragino Maru Gothic Pro W4" panose="020F0400000000000000" pitchFamily="34" charset="-128"/>
-              </a:rPr>
-              <a:t>ころ助</a:t>
-            </a:r>
-            <a:r>
-              <a:rPr lang="en-US" altLang="ja-JP" sz="1400" dirty="0">
-                <a:latin typeface="Hiragino Maru Gothic Pro W4" panose="020F0400000000000000" pitchFamily="34" charset="-128"/>
-                <a:ea typeface="Hiragino Maru Gothic Pro W4" panose="020F0400000000000000" pitchFamily="34" charset="-128"/>
-              </a:rPr>
-              <a:t>⑫</a:t>
-            </a:r>
-          </a:p>
-          <a:p>
-            <a:pPr marL="342900" indent="-342900">
-              <a:buFont typeface="Arial" panose="020B0604020202020204" pitchFamily="34" charset="0"/>
-              <a:buChar char="•"/>
-            </a:pPr>
-            <a:endParaRPr lang="en-US" altLang="ja-JP" sz="1400" dirty="0">
-              <a:latin typeface="Hiragino Maru Gothic Pro W4" panose="020F0400000000000000" pitchFamily="34" charset="-128"/>
-              <a:ea typeface="Hiragino Maru Gothic Pro W4" panose="020F0400000000000000" pitchFamily="34" charset="-128"/>
-            </a:endParaRPr>
-          </a:p>
-          <a:p>
-            <a:pPr marL="342900" indent="-342900">
-              <a:buFont typeface="Arial" panose="020B0604020202020204" pitchFamily="34" charset="0"/>
-              <a:buChar char="•"/>
-            </a:pPr>
-            <a:endParaRPr lang="en-US" altLang="ja-JP" sz="1400" dirty="0">
-              <a:latin typeface="Hiragino Maru Gothic Pro W4" panose="020F0400000000000000" pitchFamily="34" charset="-128"/>
-              <a:ea typeface="Hiragino Maru Gothic Pro W4" panose="020F0400000000000000" pitchFamily="34" charset="-128"/>
-            </a:endParaRPr>
-          </a:p>
-        </p:txBody>
-      </p:sp>
-      <p:sp>
-        <p:nvSpPr>
-          <p:cNvPr id="14" name="正方形/長方形 13">
-            <a:extLst>
-              <a:ext uri="{FF2B5EF4-FFF2-40B4-BE49-F238E27FC236}">
-                <a16:creationId xmlns:a16="http://schemas.microsoft.com/office/drawing/2014/main" id="{C8791A8C-A6C7-644A-BDE7-41C7332643DC}"/>
-              </a:ext>
-            </a:extLst>
-          </p:cNvPr>
-          <p:cNvSpPr/>
-          <p:nvPr/>
-        </p:nvSpPr>
-        <p:spPr>
-          <a:xfrm>
-            <a:off x="8029293" y="2106131"/>
-            <a:ext cx="3214553" cy="2351631"/>
-          </a:xfrm>
-          <a:prstGeom prst="rect">
-            <a:avLst/>
-          </a:prstGeom>
-        </p:spPr>
-        <p:style>
-          <a:lnRef idx="0">
-            <a:schemeClr val="accent3"/>
-          </a:lnRef>
-          <a:fillRef idx="3">
-            <a:schemeClr val="accent3"/>
-          </a:fillRef>
-          <a:effectRef idx="3">
-            <a:schemeClr val="accent3"/>
-          </a:effectRef>
-          <a:fontRef idx="minor">
-            <a:schemeClr val="lt1"/>
-          </a:fontRef>
-        </p:style>
-        <p:txBody>
-          <a:bodyPr rtlCol="0" anchor="t"/>
-          <a:lstStyle/>
-          <a:p>
-            <a:pPr marL="342900" indent="-342900">
-              <a:buFont typeface="Arial" panose="020B0604020202020204" pitchFamily="34" charset="0"/>
-              <a:buChar char="•"/>
-            </a:pPr>
-            <a:endParaRPr kumimoji="1" lang="en-US" altLang="ja-JP" sz="1400" dirty="0">
-              <a:latin typeface="Hiragino Maru Gothic Pro W4" panose="020F0400000000000000" pitchFamily="34" charset="-128"/>
-              <a:ea typeface="Hiragino Maru Gothic Pro W4" panose="020F0400000000000000" pitchFamily="34" charset="-128"/>
-            </a:endParaRPr>
-          </a:p>
-        </p:txBody>
-      </p:sp>
-      <p:sp>
-        <p:nvSpPr>
-          <p:cNvPr id="19" name="正方形/長方形 18">
-            <a:extLst>
-              <a:ext uri="{FF2B5EF4-FFF2-40B4-BE49-F238E27FC236}">
-                <a16:creationId xmlns:a16="http://schemas.microsoft.com/office/drawing/2014/main" id="{E6761229-81E3-F849-80CF-A17F90FF6E25}"/>
-              </a:ext>
-            </a:extLst>
-          </p:cNvPr>
-          <p:cNvSpPr/>
-          <p:nvPr/>
-        </p:nvSpPr>
-        <p:spPr>
-          <a:xfrm>
-            <a:off x="1523997" y="4517378"/>
-            <a:ext cx="3214553" cy="1639582"/>
-          </a:xfrm>
-          <a:prstGeom prst="rect">
-            <a:avLst/>
-          </a:prstGeom>
-        </p:spPr>
-        <p:style>
-          <a:lnRef idx="0">
-            <a:schemeClr val="accent2"/>
-          </a:lnRef>
-          <a:fillRef idx="3">
-            <a:schemeClr val="accent2"/>
-          </a:fillRef>
-          <a:effectRef idx="3">
-            <a:schemeClr val="accent2"/>
-          </a:effectRef>
-          <a:fontRef idx="minor">
-            <a:schemeClr val="lt1"/>
-          </a:fontRef>
-        </p:style>
-        <p:txBody>
-          <a:bodyPr rtlCol="0" anchor="t"/>
-          <a:lstStyle/>
-          <a:p>
-            <a:pPr marL="342900" indent="-342900">
-              <a:buFont typeface="Arial" panose="020B0604020202020204" pitchFamily="34" charset="0"/>
-              <a:buChar char="•"/>
-            </a:pPr>
-            <a:r>
-              <a:rPr lang="en-US" altLang="ja-JP" sz="1400" dirty="0" err="1">
-                <a:latin typeface="Hiragino Maru Gothic Pro W4" panose="020F0400000000000000" pitchFamily="34" charset="-128"/>
-                <a:ea typeface="Hiragino Maru Gothic Pro W4" panose="020F0400000000000000" pitchFamily="34" charset="-128"/>
-              </a:rPr>
-              <a:t>bigtree</a:t>
-            </a:r>
-            <a:r>
-              <a:rPr lang="en-US" altLang="ja-JP" sz="1400" dirty="0">
-                <a:latin typeface="Hiragino Maru Gothic Pro W4" panose="020F0400000000000000" pitchFamily="34" charset="-128"/>
-                <a:ea typeface="Hiragino Maru Gothic Pro W4" panose="020F0400000000000000" pitchFamily="34" charset="-128"/>
-              </a:rPr>
-              <a:t>⑭</a:t>
-            </a:r>
-          </a:p>
-          <a:p>
-            <a:pPr marL="342900" indent="-342900">
-              <a:buFont typeface="Arial" panose="020B0604020202020204" pitchFamily="34" charset="0"/>
-              <a:buChar char="•"/>
-            </a:pPr>
-            <a:r>
-              <a:rPr lang="ja-JP" altLang="en-US" sz="1400">
-                <a:latin typeface="Hiragino Maru Gothic Pro W4" panose="020F0400000000000000" pitchFamily="34" charset="-128"/>
-                <a:ea typeface="Hiragino Maru Gothic Pro W4" panose="020F0400000000000000" pitchFamily="34" charset="-128"/>
-              </a:rPr>
-              <a:t>ふるはた⑭</a:t>
-            </a:r>
-            <a:endParaRPr lang="en-US" altLang="ja-JP" sz="1400" dirty="0">
-              <a:latin typeface="Hiragino Maru Gothic Pro W4" panose="020F0400000000000000" pitchFamily="34" charset="-128"/>
-              <a:ea typeface="Hiragino Maru Gothic Pro W4" panose="020F0400000000000000" pitchFamily="34" charset="-128"/>
-            </a:endParaRPr>
-          </a:p>
-          <a:p>
-            <a:pPr marL="342900" indent="-342900">
-              <a:buFont typeface="Arial" panose="020B0604020202020204" pitchFamily="34" charset="0"/>
-              <a:buChar char="•"/>
-            </a:pPr>
-            <a:r>
-              <a:rPr lang="en-US" altLang="ja-JP" sz="1400" dirty="0">
-                <a:latin typeface="Hiragino Maru Gothic Pro W4" panose="020F0400000000000000" pitchFamily="34" charset="-128"/>
-                <a:ea typeface="Hiragino Maru Gothic Pro W4" panose="020F0400000000000000" pitchFamily="34" charset="-128"/>
-              </a:rPr>
-              <a:t>121</a:t>
-            </a:r>
-            <a:r>
-              <a:rPr lang="ja-JP" altLang="en-US" sz="1400">
-                <a:latin typeface="Hiragino Maru Gothic Pro W4" panose="020F0400000000000000" pitchFamily="34" charset="-128"/>
-                <a:ea typeface="Hiragino Maru Gothic Pro W4" panose="020F0400000000000000" pitchFamily="34" charset="-128"/>
-              </a:rPr>
-              <a:t>⑭</a:t>
-            </a:r>
-            <a:endParaRPr lang="en-US" altLang="ja-JP" sz="1400" dirty="0">
-              <a:latin typeface="Hiragino Maru Gothic Pro W4" panose="020F0400000000000000" pitchFamily="34" charset="-128"/>
-              <a:ea typeface="Hiragino Maru Gothic Pro W4" panose="020F0400000000000000" pitchFamily="34" charset="-128"/>
-            </a:endParaRPr>
-          </a:p>
-          <a:p>
-            <a:pPr marL="342900" indent="-342900">
-              <a:buFont typeface="Arial" panose="020B0604020202020204" pitchFamily="34" charset="0"/>
-              <a:buChar char="•"/>
-            </a:pPr>
-            <a:r>
-              <a:rPr lang="ja-JP" altLang="en-US" sz="1400">
-                <a:latin typeface="Hiragino Maru Gothic Pro W4" panose="020F0400000000000000" pitchFamily="34" charset="-128"/>
-                <a:ea typeface="Hiragino Maru Gothic Pro W4" panose="020F0400000000000000" pitchFamily="34" charset="-128"/>
-              </a:rPr>
-              <a:t>くい助⑭</a:t>
-            </a:r>
-            <a:endParaRPr lang="en-US" altLang="ja-JP" sz="1400" dirty="0">
-              <a:latin typeface="Hiragino Maru Gothic Pro W4" panose="020F0400000000000000" pitchFamily="34" charset="-128"/>
-              <a:ea typeface="Hiragino Maru Gothic Pro W4" panose="020F0400000000000000" pitchFamily="34" charset="-128"/>
-            </a:endParaRPr>
-          </a:p>
-          <a:p>
-            <a:pPr marL="342900" indent="-342900">
-              <a:buFont typeface="Arial" panose="020B0604020202020204" pitchFamily="34" charset="0"/>
-              <a:buChar char="•"/>
-            </a:pPr>
-            <a:r>
-              <a:rPr lang="ja-JP" altLang="en-US" sz="1400" u="sng">
-                <a:latin typeface="Hiragino Maru Gothic Pro W4" panose="020F0400000000000000" pitchFamily="34" charset="-128"/>
-                <a:ea typeface="Hiragino Maru Gothic Pro W4" panose="020F0400000000000000" pitchFamily="34" charset="-128"/>
-              </a:rPr>
-              <a:t>魔王様⑭</a:t>
-            </a:r>
-            <a:r>
-              <a:rPr lang="en-US" altLang="ja-JP" sz="1400" u="sng" dirty="0">
-                <a:latin typeface="Hiragino Maru Gothic Pro W4" panose="020F0400000000000000" pitchFamily="34" charset="-128"/>
-                <a:ea typeface="Hiragino Maru Gothic Pro W4" panose="020F0400000000000000" pitchFamily="34" charset="-128"/>
-              </a:rPr>
-              <a:t> (</a:t>
-            </a:r>
-            <a:r>
-              <a:rPr lang="ja-JP" altLang="en-US" sz="1400" u="sng">
-                <a:latin typeface="Hiragino Maru Gothic Pro W4" panose="020F0400000000000000" pitchFamily="34" charset="-128"/>
-                <a:ea typeface="Hiragino Maru Gothic Pro W4" panose="020F0400000000000000" pitchFamily="34" charset="-128"/>
-              </a:rPr>
-              <a:t>責任者</a:t>
-            </a:r>
-            <a:r>
-              <a:rPr lang="en-US" altLang="ja-JP" sz="1400" u="sng" dirty="0">
-                <a:latin typeface="Hiragino Maru Gothic Pro W4" panose="020F0400000000000000" pitchFamily="34" charset="-128"/>
-                <a:ea typeface="Hiragino Maru Gothic Pro W4" panose="020F0400000000000000" pitchFamily="34" charset="-128"/>
-              </a:rPr>
-              <a:t>)</a:t>
-            </a:r>
-          </a:p>
-        </p:txBody>
-      </p:sp>
-      <p:sp>
-        <p:nvSpPr>
-          <p:cNvPr id="20" name="正方形/長方形 19">
-            <a:extLst>
-              <a:ext uri="{FF2B5EF4-FFF2-40B4-BE49-F238E27FC236}">
-                <a16:creationId xmlns:a16="http://schemas.microsoft.com/office/drawing/2014/main" id="{4D154756-01B9-3D48-8463-7608C3A99068}"/>
-              </a:ext>
-            </a:extLst>
-          </p:cNvPr>
-          <p:cNvSpPr/>
-          <p:nvPr/>
-        </p:nvSpPr>
-        <p:spPr>
-          <a:xfrm>
-            <a:off x="4776645" y="4517378"/>
-            <a:ext cx="3214553" cy="1639582"/>
-          </a:xfrm>
-          <a:prstGeom prst="rect">
-            <a:avLst/>
-          </a:prstGeom>
-        </p:spPr>
-        <p:style>
-          <a:lnRef idx="0">
-            <a:schemeClr val="accent5"/>
-          </a:lnRef>
-          <a:fillRef idx="3">
-            <a:schemeClr val="accent5"/>
-          </a:fillRef>
-          <a:effectRef idx="3">
-            <a:schemeClr val="accent5"/>
-          </a:effectRef>
-          <a:fontRef idx="minor">
-            <a:schemeClr val="lt1"/>
-          </a:fontRef>
-        </p:style>
-        <p:txBody>
-          <a:bodyPr rtlCol="0" anchor="t"/>
-          <a:lstStyle/>
-          <a:p>
-            <a:pPr marL="342900" indent="-342900">
-              <a:buFont typeface="Arial" panose="020B0604020202020204" pitchFamily="34" charset="0"/>
-              <a:buChar char="•"/>
-            </a:pPr>
-            <a:r>
-              <a:rPr lang="en-US" altLang="ja-JP" sz="1400" dirty="0" err="1">
-                <a:latin typeface="Hiragino Maru Gothic Pro W4" panose="020F0400000000000000" pitchFamily="34" charset="-128"/>
-                <a:ea typeface="Hiragino Maru Gothic Pro W4" panose="020F0400000000000000" pitchFamily="34" charset="-128"/>
-              </a:rPr>
-              <a:t>bigtree</a:t>
-            </a:r>
-            <a:r>
-              <a:rPr lang="ja-JP" altLang="en-US" sz="1400">
-                <a:latin typeface="Hiragino Maru Gothic Pro W4" panose="020F0400000000000000" pitchFamily="34" charset="-128"/>
-                <a:ea typeface="Hiragino Maru Gothic Pro W4" panose="020F0400000000000000" pitchFamily="34" charset="-128"/>
-              </a:rPr>
-              <a:t>⑬</a:t>
-            </a:r>
-            <a:endParaRPr lang="en-US" altLang="ja-JP" sz="1400" dirty="0">
-              <a:latin typeface="Hiragino Maru Gothic Pro W4" panose="020F0400000000000000" pitchFamily="34" charset="-128"/>
-              <a:ea typeface="Hiragino Maru Gothic Pro W4" panose="020F0400000000000000" pitchFamily="34" charset="-128"/>
-            </a:endParaRPr>
-          </a:p>
-          <a:p>
-            <a:pPr marL="342900" indent="-342900">
-              <a:buFont typeface="Arial" panose="020B0604020202020204" pitchFamily="34" charset="0"/>
-              <a:buChar char="•"/>
-            </a:pPr>
-            <a:r>
-              <a:rPr lang="ja-JP" altLang="en-US" sz="1400" u="sng">
-                <a:latin typeface="Hiragino Maru Gothic Pro W4" panose="020F0400000000000000" pitchFamily="34" charset="-128"/>
-                <a:ea typeface="Hiragino Maru Gothic Pro W4" panose="020F0400000000000000" pitchFamily="34" charset="-128"/>
-              </a:rPr>
-              <a:t>ゴドルフィン</a:t>
-            </a:r>
-            <a:r>
-              <a:rPr lang="en-US" altLang="ja-JP" sz="1400" u="sng" dirty="0">
-                <a:latin typeface="Hiragino Maru Gothic Pro W4" panose="020F0400000000000000" pitchFamily="34" charset="-128"/>
-                <a:ea typeface="Hiragino Maru Gothic Pro W4" panose="020F0400000000000000" pitchFamily="34" charset="-128"/>
-              </a:rPr>
-              <a:t>⑫ (</a:t>
-            </a:r>
-            <a:r>
-              <a:rPr lang="ja-JP" altLang="en-US" sz="1400" u="sng">
-                <a:latin typeface="Hiragino Maru Gothic Pro W4" panose="020F0400000000000000" pitchFamily="34" charset="-128"/>
-                <a:ea typeface="Hiragino Maru Gothic Pro W4" panose="020F0400000000000000" pitchFamily="34" charset="-128"/>
-              </a:rPr>
-              <a:t>責任者</a:t>
-            </a:r>
-            <a:r>
-              <a:rPr lang="en-US" altLang="ja-JP" sz="1400" u="sng" dirty="0">
-                <a:latin typeface="Hiragino Maru Gothic Pro W4" panose="020F0400000000000000" pitchFamily="34" charset="-128"/>
-                <a:ea typeface="Hiragino Maru Gothic Pro W4" panose="020F0400000000000000" pitchFamily="34" charset="-128"/>
-              </a:rPr>
-              <a:t>)</a:t>
-            </a:r>
-          </a:p>
-          <a:p>
-            <a:pPr marL="342900" indent="-342900">
-              <a:buFont typeface="Arial" panose="020B0604020202020204" pitchFamily="34" charset="0"/>
-              <a:buChar char="•"/>
-            </a:pPr>
-            <a:r>
-              <a:rPr lang="ja-JP" altLang="en-US" sz="1400">
-                <a:latin typeface="Hiragino Maru Gothic Pro W4" panose="020F0400000000000000" pitchFamily="34" charset="-128"/>
-                <a:ea typeface="Hiragino Maru Gothic Pro W4" panose="020F0400000000000000" pitchFamily="34" charset="-128"/>
-              </a:rPr>
-              <a:t>くい助</a:t>
-            </a:r>
-            <a:r>
-              <a:rPr lang="en-US" altLang="ja-JP" sz="1400" dirty="0">
-                <a:latin typeface="Hiragino Maru Gothic Pro W4" panose="020F0400000000000000" pitchFamily="34" charset="-128"/>
-                <a:ea typeface="Hiragino Maru Gothic Pro W4" panose="020F0400000000000000" pitchFamily="34" charset="-128"/>
-              </a:rPr>
-              <a:t>⑪</a:t>
-            </a:r>
-          </a:p>
-          <a:p>
-            <a:pPr marL="342900" indent="-342900">
-              <a:buFont typeface="Arial" panose="020B0604020202020204" pitchFamily="34" charset="0"/>
-              <a:buChar char="•"/>
-            </a:pPr>
-            <a:r>
-              <a:rPr lang="ja-JP" altLang="en-US" sz="1400">
-                <a:latin typeface="Hiragino Maru Gothic Pro W4" panose="020F0400000000000000" pitchFamily="34" charset="-128"/>
-                <a:ea typeface="Hiragino Maru Gothic Pro W4" panose="020F0400000000000000" pitchFamily="34" charset="-128"/>
-              </a:rPr>
-              <a:t>魔王</a:t>
-            </a:r>
-            <a:r>
-              <a:rPr lang="en-US" altLang="ja-JP" sz="1400" dirty="0">
-                <a:latin typeface="Hiragino Maru Gothic Pro W4" panose="020F0400000000000000" pitchFamily="34" charset="-128"/>
-                <a:ea typeface="Hiragino Maru Gothic Pro W4" panose="020F0400000000000000" pitchFamily="34" charset="-128"/>
-              </a:rPr>
-              <a:t>⑪</a:t>
-            </a:r>
-          </a:p>
-          <a:p>
-            <a:pPr marL="342900" indent="-342900">
-              <a:buFont typeface="Arial" panose="020B0604020202020204" pitchFamily="34" charset="0"/>
-              <a:buChar char="•"/>
-            </a:pPr>
-            <a:r>
-              <a:rPr lang="ja-JP" altLang="en-US" sz="1400">
-                <a:latin typeface="Hiragino Maru Gothic Pro W4" panose="020F0400000000000000" pitchFamily="34" charset="-128"/>
-                <a:ea typeface="Hiragino Maru Gothic Pro W4" panose="020F0400000000000000" pitchFamily="34" charset="-128"/>
-              </a:rPr>
-              <a:t>ころ助</a:t>
-            </a:r>
-            <a:r>
-              <a:rPr lang="en-US" altLang="ja-JP" sz="1400" dirty="0">
-                <a:latin typeface="Hiragino Maru Gothic Pro W4" panose="020F0400000000000000" pitchFamily="34" charset="-128"/>
-                <a:ea typeface="Hiragino Maru Gothic Pro W4" panose="020F0400000000000000" pitchFamily="34" charset="-128"/>
-              </a:rPr>
-              <a:t>⑫</a:t>
-            </a:r>
-          </a:p>
-        </p:txBody>
-      </p:sp>
-      <p:sp>
-        <p:nvSpPr>
-          <p:cNvPr id="21" name="正方形/長方形 20">
-            <a:extLst>
-              <a:ext uri="{FF2B5EF4-FFF2-40B4-BE49-F238E27FC236}">
-                <a16:creationId xmlns:a16="http://schemas.microsoft.com/office/drawing/2014/main" id="{36040D20-2BF5-6845-80C0-F2F4FC80A590}"/>
-              </a:ext>
-            </a:extLst>
-          </p:cNvPr>
-          <p:cNvSpPr/>
-          <p:nvPr/>
-        </p:nvSpPr>
-        <p:spPr>
-          <a:xfrm>
-            <a:off x="8029293" y="4517378"/>
-            <a:ext cx="3214553" cy="1639582"/>
-          </a:xfrm>
-          <a:prstGeom prst="rect">
-            <a:avLst/>
-          </a:prstGeom>
-        </p:spPr>
-        <p:style>
-          <a:lnRef idx="0">
-            <a:schemeClr val="accent6"/>
-          </a:lnRef>
-          <a:fillRef idx="3">
-            <a:schemeClr val="accent6"/>
-          </a:fillRef>
-          <a:effectRef idx="3">
-            <a:schemeClr val="accent6"/>
-          </a:effectRef>
-          <a:fontRef idx="minor">
-            <a:schemeClr val="lt1"/>
-          </a:fontRef>
-        </p:style>
-        <p:txBody>
-          <a:bodyPr rtlCol="0" anchor="t"/>
-          <a:lstStyle/>
-          <a:p>
-            <a:pPr marL="342900" indent="-342900">
-              <a:buFont typeface="Arial" panose="020B0604020202020204" pitchFamily="34" charset="0"/>
-              <a:buChar char="•"/>
-            </a:pPr>
-            <a:r>
-              <a:rPr lang="ja-JP" altLang="en-US" sz="1400" u="sng">
-                <a:latin typeface="Hiragino Maru Gothic Pro W4" panose="020F0400000000000000" pitchFamily="34" charset="-128"/>
-                <a:ea typeface="Hiragino Maru Gothic Pro W4" panose="020F0400000000000000" pitchFamily="34" charset="-128"/>
-              </a:rPr>
-              <a:t>ふるはた⑬</a:t>
-            </a:r>
-            <a:r>
-              <a:rPr lang="en-US" altLang="ja-JP" sz="1400" u="sng" dirty="0">
-                <a:latin typeface="Hiragino Maru Gothic Pro W4" panose="020F0400000000000000" pitchFamily="34" charset="-128"/>
-                <a:ea typeface="Hiragino Maru Gothic Pro W4" panose="020F0400000000000000" pitchFamily="34" charset="-128"/>
-              </a:rPr>
-              <a:t> (</a:t>
-            </a:r>
-            <a:r>
-              <a:rPr lang="ja-JP" altLang="en-US" sz="1400" u="sng">
-                <a:latin typeface="Hiragino Maru Gothic Pro W4" panose="020F0400000000000000" pitchFamily="34" charset="-128"/>
-                <a:ea typeface="Hiragino Maru Gothic Pro W4" panose="020F0400000000000000" pitchFamily="34" charset="-128"/>
-              </a:rPr>
-              <a:t>責任者</a:t>
-            </a:r>
-            <a:r>
-              <a:rPr lang="en-US" altLang="ja-JP" sz="1400" u="sng" dirty="0">
-                <a:latin typeface="Hiragino Maru Gothic Pro W4" panose="020F0400000000000000" pitchFamily="34" charset="-128"/>
-                <a:ea typeface="Hiragino Maru Gothic Pro W4" panose="020F0400000000000000" pitchFamily="34" charset="-128"/>
-              </a:rPr>
-              <a:t>)</a:t>
-            </a:r>
-          </a:p>
-          <a:p>
-            <a:pPr marL="342900" indent="-342900">
-              <a:buFont typeface="Arial" panose="020B0604020202020204" pitchFamily="34" charset="0"/>
-              <a:buChar char="•"/>
-            </a:pPr>
-            <a:r>
-              <a:rPr lang="ja-JP" altLang="en-US" sz="1400">
-                <a:latin typeface="Hiragino Maru Gothic Pro W4" panose="020F0400000000000000" pitchFamily="34" charset="-128"/>
-                <a:ea typeface="Hiragino Maru Gothic Pro W4" panose="020F0400000000000000" pitchFamily="34" charset="-128"/>
-              </a:rPr>
-              <a:t>ゴドルフィン</a:t>
-            </a:r>
-            <a:r>
-              <a:rPr lang="ja-JP" altLang="en-US" sz="1400">
-                <a:solidFill>
-                  <a:srgbClr val="FF0000"/>
-                </a:solidFill>
-                <a:latin typeface="Hiragino Maru Gothic Pro W4" panose="020F0400000000000000" pitchFamily="34" charset="-128"/>
-                <a:ea typeface="Hiragino Maru Gothic Pro W4" panose="020F0400000000000000" pitchFamily="34" charset="-128"/>
-              </a:rPr>
-              <a:t>⑬⑬</a:t>
-            </a:r>
-            <a:r>
-              <a:rPr lang="ja-JP" altLang="en-US" sz="1400">
-                <a:latin typeface="Hiragino Maru Gothic Pro W4" panose="020F0400000000000000" pitchFamily="34" charset="-128"/>
-                <a:ea typeface="Hiragino Maru Gothic Pro W4" panose="020F0400000000000000" pitchFamily="34" charset="-128"/>
-              </a:rPr>
-              <a:t>⑬⑬</a:t>
-            </a:r>
-            <a:endParaRPr lang="en-US" altLang="ja-JP" sz="1400" dirty="0">
-              <a:latin typeface="Hiragino Maru Gothic Pro W4" panose="020F0400000000000000" pitchFamily="34" charset="-128"/>
-              <a:ea typeface="Hiragino Maru Gothic Pro W4" panose="020F0400000000000000" pitchFamily="34" charset="-128"/>
-            </a:endParaRPr>
-          </a:p>
-          <a:p>
-            <a:pPr marL="342900" indent="-342900">
-              <a:buFont typeface="Arial" panose="020B0604020202020204" pitchFamily="34" charset="0"/>
-              <a:buChar char="•"/>
-            </a:pPr>
-            <a:r>
-              <a:rPr lang="en-US" altLang="ja-JP" sz="1400" dirty="0">
-                <a:latin typeface="Hiragino Maru Gothic Pro W4" panose="020F0400000000000000" pitchFamily="34" charset="-128"/>
-                <a:ea typeface="Hiragino Maru Gothic Pro W4" panose="020F0400000000000000" pitchFamily="34" charset="-128"/>
-              </a:rPr>
-              <a:t>OB</a:t>
-            </a:r>
-            <a:r>
-              <a:rPr lang="ja-JP" altLang="en-US" sz="1400">
-                <a:latin typeface="Hiragino Maru Gothic Pro W4" panose="020F0400000000000000" pitchFamily="34" charset="-128"/>
-                <a:ea typeface="Hiragino Maru Gothic Pro W4" panose="020F0400000000000000" pitchFamily="34" charset="-128"/>
-              </a:rPr>
-              <a:t>ハンター</a:t>
-            </a:r>
-            <a:r>
-              <a:rPr lang="ja-JP" altLang="en-US" sz="1400">
-                <a:solidFill>
-                  <a:srgbClr val="FF0000"/>
-                </a:solidFill>
-                <a:latin typeface="Hiragino Maru Gothic Pro W4" panose="020F0400000000000000" pitchFamily="34" charset="-128"/>
-                <a:ea typeface="Hiragino Maru Gothic Pro W4" panose="020F0400000000000000" pitchFamily="34" charset="-128"/>
-              </a:rPr>
-              <a:t>⑬</a:t>
-            </a:r>
-            <a:endParaRPr lang="en-US" altLang="ja-JP" sz="1400" dirty="0">
-              <a:solidFill>
-                <a:srgbClr val="FF0000"/>
-              </a:solidFill>
-              <a:latin typeface="Hiragino Maru Gothic Pro W4" panose="020F0400000000000000" pitchFamily="34" charset="-128"/>
-              <a:ea typeface="Hiragino Maru Gothic Pro W4" panose="020F0400000000000000" pitchFamily="34" charset="-128"/>
-            </a:endParaRPr>
-          </a:p>
-          <a:p>
-            <a:pPr marL="342900" indent="-342900">
-              <a:buFont typeface="Arial" panose="020B0604020202020204" pitchFamily="34" charset="0"/>
-              <a:buChar char="•"/>
-            </a:pPr>
-            <a:r>
-              <a:rPr lang="en-US" altLang="ja-JP" sz="1400" dirty="0">
-                <a:latin typeface="Hiragino Maru Gothic Pro W4" panose="020F0400000000000000" pitchFamily="34" charset="-128"/>
-                <a:ea typeface="Hiragino Maru Gothic Pro W4" panose="020F0400000000000000" pitchFamily="34" charset="-128"/>
-              </a:rPr>
-              <a:t>121</a:t>
-            </a:r>
-            <a:r>
-              <a:rPr lang="ja-JP" altLang="en-US" sz="1400">
-                <a:latin typeface="Hiragino Maru Gothic Pro W4" panose="020F0400000000000000" pitchFamily="34" charset="-128"/>
-                <a:ea typeface="Hiragino Maru Gothic Pro W4" panose="020F0400000000000000" pitchFamily="34" charset="-128"/>
-              </a:rPr>
-              <a:t>⑬</a:t>
-            </a:r>
-            <a:endParaRPr lang="en-US" altLang="ja-JP" sz="1400" dirty="0">
-              <a:latin typeface="Hiragino Maru Gothic Pro W4" panose="020F0400000000000000" pitchFamily="34" charset="-128"/>
-              <a:ea typeface="Hiragino Maru Gothic Pro W4" panose="020F0400000000000000" pitchFamily="34" charset="-128"/>
-            </a:endParaRPr>
-          </a:p>
-          <a:p>
-            <a:pPr marL="342900" indent="-342900">
-              <a:buFont typeface="Arial" panose="020B0604020202020204" pitchFamily="34" charset="0"/>
-              <a:buChar char="•"/>
-            </a:pPr>
-            <a:r>
-              <a:rPr lang="ja-JP" altLang="en-US" sz="1400">
-                <a:latin typeface="Hiragino Maru Gothic Pro W4" panose="020F0400000000000000" pitchFamily="34" charset="-128"/>
-                <a:ea typeface="Hiragino Maru Gothic Pro W4" panose="020F0400000000000000" pitchFamily="34" charset="-128"/>
-              </a:rPr>
-              <a:t>くい助⑬</a:t>
-            </a:r>
-            <a:endParaRPr lang="en-US" altLang="ja-JP" sz="1400" dirty="0">
-              <a:latin typeface="Hiragino Maru Gothic Pro W4" panose="020F0400000000000000" pitchFamily="34" charset="-128"/>
-              <a:ea typeface="Hiragino Maru Gothic Pro W4" panose="020F0400000000000000" pitchFamily="34" charset="-128"/>
-            </a:endParaRPr>
-          </a:p>
-          <a:p>
-            <a:pPr marL="342900" indent="-342900">
-              <a:buFont typeface="Arial" panose="020B0604020202020204" pitchFamily="34" charset="0"/>
-              <a:buChar char="•"/>
-            </a:pPr>
-            <a:r>
-              <a:rPr lang="ja-JP" altLang="en-US" sz="1400">
-                <a:latin typeface="Hiragino Maru Gothic Pro W4" panose="020F0400000000000000" pitchFamily="34" charset="-128"/>
-                <a:ea typeface="Hiragino Maru Gothic Pro W4" panose="020F0400000000000000" pitchFamily="34" charset="-128"/>
-              </a:rPr>
-              <a:t>魔王様⑬</a:t>
-            </a:r>
-            <a:endParaRPr lang="en-US" altLang="ja-JP" sz="1400" dirty="0">
-              <a:latin typeface="Hiragino Maru Gothic Pro W4" panose="020F0400000000000000" pitchFamily="34" charset="-128"/>
-              <a:ea typeface="Hiragino Maru Gothic Pro W4" panose="020F0400000000000000" pitchFamily="34" charset="-128"/>
-            </a:endParaRPr>
-          </a:p>
-          <a:p>
-            <a:pPr marL="342900" indent="-342900">
-              <a:buFont typeface="Arial" panose="020B0604020202020204" pitchFamily="34" charset="0"/>
-              <a:buChar char="•"/>
-            </a:pPr>
-            <a:r>
-              <a:rPr lang="ja-JP" altLang="en-US" sz="1400">
-                <a:latin typeface="Hiragino Maru Gothic Pro W4" panose="020F0400000000000000" pitchFamily="34" charset="-128"/>
-                <a:ea typeface="Hiragino Maru Gothic Pro W4" panose="020F0400000000000000" pitchFamily="34" charset="-128"/>
-              </a:rPr>
-              <a:t>ころ助</a:t>
-            </a:r>
-            <a:r>
-              <a:rPr lang="ja-JP" altLang="en-US" sz="1400">
-                <a:solidFill>
-                  <a:srgbClr val="FF0000"/>
-                </a:solidFill>
-                <a:latin typeface="Hiragino Maru Gothic Pro W4" panose="020F0400000000000000" pitchFamily="34" charset="-128"/>
-                <a:ea typeface="Hiragino Maru Gothic Pro W4" panose="020F0400000000000000" pitchFamily="34" charset="-128"/>
-              </a:rPr>
-              <a:t>⑬</a:t>
-            </a:r>
-            <a:r>
-              <a:rPr lang="ja-JP" altLang="en-US" sz="1400">
-                <a:latin typeface="Hiragino Maru Gothic Pro W4" panose="020F0400000000000000" pitchFamily="34" charset="-128"/>
-                <a:ea typeface="Hiragino Maru Gothic Pro W4" panose="020F0400000000000000" pitchFamily="34" charset="-128"/>
-              </a:rPr>
-              <a:t>⑬</a:t>
-            </a:r>
-            <a:endParaRPr lang="en-US" altLang="ja-JP" sz="1400" dirty="0">
-              <a:latin typeface="Hiragino Maru Gothic Pro W4" panose="020F0400000000000000" pitchFamily="34" charset="-128"/>
-              <a:ea typeface="Hiragino Maru Gothic Pro W4" panose="020F0400000000000000" pitchFamily="34" charset="-128"/>
-            </a:endParaRPr>
-          </a:p>
-        </p:txBody>
-      </p:sp>
-      <p:sp>
-        <p:nvSpPr>
-          <p:cNvPr id="22" name="正方形/長方形 21">
-            <a:extLst>
-              <a:ext uri="{FF2B5EF4-FFF2-40B4-BE49-F238E27FC236}">
-                <a16:creationId xmlns:a16="http://schemas.microsoft.com/office/drawing/2014/main" id="{3B4B5020-D7C7-444D-9985-0FC48ED5AE4C}"/>
-              </a:ext>
-            </a:extLst>
-          </p:cNvPr>
-          <p:cNvSpPr/>
-          <p:nvPr/>
-        </p:nvSpPr>
-        <p:spPr>
-          <a:xfrm>
-            <a:off x="768528" y="2106131"/>
-            <a:ext cx="699956" cy="2351631"/>
-          </a:xfrm>
-          <a:prstGeom prst="rect">
-            <a:avLst/>
-          </a:prstGeom>
-        </p:spPr>
-        <p:style>
-          <a:lnRef idx="0">
-            <a:schemeClr val="accent3"/>
-          </a:lnRef>
-          <a:fillRef idx="3">
-            <a:schemeClr val="accent3"/>
-          </a:fillRef>
-          <a:effectRef idx="3">
-            <a:schemeClr val="accent3"/>
-          </a:effectRef>
-          <a:fontRef idx="minor">
-            <a:schemeClr val="lt1"/>
-          </a:fontRef>
-        </p:style>
-        <p:txBody>
-          <a:bodyPr vert="eaVert" rtlCol="0" anchor="ctr"/>
-          <a:lstStyle/>
-          <a:p>
-            <a:pPr algn="ctr"/>
-            <a:r>
-              <a:rPr kumimoji="1" lang="ja-JP" altLang="en-US" sz="2000">
-                <a:latin typeface="Hiragino Maru Gothic Pro W4" panose="020F0400000000000000" pitchFamily="34" charset="-128"/>
-                <a:ea typeface="Hiragino Maru Gothic Pro W4" panose="020F0400000000000000" pitchFamily="34" charset="-128"/>
-              </a:rPr>
-              <a:t>通常時</a:t>
-            </a:r>
-            <a:endParaRPr kumimoji="1" lang="en-US" altLang="ja-JP" sz="2000" dirty="0">
-              <a:latin typeface="Hiragino Maru Gothic Pro W4" panose="020F0400000000000000" pitchFamily="34" charset="-128"/>
-              <a:ea typeface="Hiragino Maru Gothic Pro W4" panose="020F0400000000000000" pitchFamily="34" charset="-128"/>
-            </a:endParaRPr>
-          </a:p>
-        </p:txBody>
-      </p:sp>
-      <p:sp>
-        <p:nvSpPr>
-          <p:cNvPr id="23" name="正方形/長方形 22">
-            <a:extLst>
-              <a:ext uri="{FF2B5EF4-FFF2-40B4-BE49-F238E27FC236}">
-                <a16:creationId xmlns:a16="http://schemas.microsoft.com/office/drawing/2014/main" id="{0E023B14-47C4-3944-97DA-B4E38E65FC16}"/>
-              </a:ext>
-            </a:extLst>
-          </p:cNvPr>
-          <p:cNvSpPr/>
-          <p:nvPr/>
-        </p:nvSpPr>
-        <p:spPr>
-          <a:xfrm>
-            <a:off x="768528" y="4517378"/>
-            <a:ext cx="699956" cy="1639582"/>
-          </a:xfrm>
-          <a:prstGeom prst="rect">
-            <a:avLst/>
-          </a:prstGeom>
-        </p:spPr>
-        <p:style>
-          <a:lnRef idx="0">
-            <a:schemeClr val="accent3"/>
-          </a:lnRef>
-          <a:fillRef idx="3">
-            <a:schemeClr val="accent3"/>
-          </a:fillRef>
-          <a:effectRef idx="3">
-            <a:schemeClr val="accent3"/>
-          </a:effectRef>
-          <a:fontRef idx="minor">
-            <a:schemeClr val="lt1"/>
-          </a:fontRef>
-        </p:style>
-        <p:txBody>
-          <a:bodyPr vert="eaVert" rtlCol="0" anchor="ctr"/>
-          <a:lstStyle/>
-          <a:p>
-            <a:pPr algn="ctr"/>
-            <a:r>
-              <a:rPr kumimoji="1" lang="ja-JP" altLang="en-US" sz="2000">
-                <a:latin typeface="Hiragino Maru Gothic Pro W4" panose="020F0400000000000000" pitchFamily="34" charset="-128"/>
-                <a:ea typeface="Hiragino Maru Gothic Pro W4" panose="020F0400000000000000" pitchFamily="34" charset="-128"/>
-              </a:rPr>
-              <a:t>リーグ時</a:t>
-            </a:r>
-            <a:endParaRPr kumimoji="1" lang="en-US" altLang="ja-JP" sz="2000" dirty="0">
-              <a:latin typeface="Hiragino Maru Gothic Pro W4" panose="020F0400000000000000" pitchFamily="34" charset="-128"/>
-              <a:ea typeface="Hiragino Maru Gothic Pro W4" panose="020F0400000000000000" pitchFamily="34" charset="-128"/>
-            </a:endParaRPr>
-          </a:p>
-        </p:txBody>
-      </p:sp>
-    </p:spTree>
-    <p:extLst>
-      <p:ext uri="{BB962C8B-B14F-4D97-AF65-F5344CB8AC3E}">
-        <p14:creationId xmlns:p14="http://schemas.microsoft.com/office/powerpoint/2010/main" val="3731939388"/>
-      </p:ext>
-    </p:extLst>
-  </p:cSld>
-  <p:clrMapOvr>
-    <a:masterClrMapping/>
-  </p:clrMapOvr>
-  <mc:AlternateContent xmlns:mc="http://schemas.openxmlformats.org/markup-compatibility/2006" xmlns:p14="http://schemas.microsoft.com/office/powerpoint/2010/main">
-    <mc:Choice Requires="p14">
-      <p:transition spd="med" p14:dur="700">
-        <p:fade/>
-      </p:transition>
-    </mc:Choice>
-    <mc:Fallback xmlns="">
-      <p:transition spd="med">
-        <p:fade/>
-      </p:transition>
-    </mc:Fallback>
-  </mc:AlternateContent>
-</p:sld>
-</file>
-
-<file path=ppt/slides/slide13.xml><?xml version="1.0" encoding="utf-8"?>
-<p:sld xmlns:a="http://schemas.openxmlformats.org/drawingml/2006/main" xmlns:r="http://schemas.openxmlformats.org/officeDocument/2006/relationships" xmlns:p="http://schemas.openxmlformats.org/presentationml/2006/main">
-  <p:cSld>
-    <p:spTree>
-      <p:nvGrpSpPr>
-        <p:cNvPr id="1" name=""/>
-        <p:cNvGrpSpPr/>
-        <p:nvPr/>
-      </p:nvGrpSpPr>
-      <p:grpSpPr>
-        <a:xfrm>
-          <a:off x="0" y="0"/>
-          <a:ext cx="0" cy="0"/>
-          <a:chOff x="0" y="0"/>
-          <a:chExt cx="0" cy="0"/>
-        </a:xfrm>
-      </p:grpSpPr>
-      <p:sp>
-        <p:nvSpPr>
-          <p:cNvPr id="2" name="タイトル 1">
-            <a:extLst>
-              <a:ext uri="{FF2B5EF4-FFF2-40B4-BE49-F238E27FC236}">
-                <a16:creationId xmlns:a16="http://schemas.microsoft.com/office/drawing/2014/main" id="{4BEF2D4F-28AD-C84D-A4AC-A607D5B45D24}"/>
-              </a:ext>
-            </a:extLst>
-          </p:cNvPr>
-          <p:cNvSpPr>
-            <a:spLocks noGrp="1"/>
-          </p:cNvSpPr>
-          <p:nvPr>
-            <p:ph type="title"/>
-          </p:nvPr>
-        </p:nvSpPr>
-        <p:spPr/>
-        <p:txBody>
-          <a:bodyPr/>
-          <a:lstStyle/>
-          <a:p>
-            <a:r>
-              <a:rPr lang="ja-JP" altLang="en-US">
-                <a:solidFill>
-                  <a:schemeClr val="accent5">
-                    <a:lumMod val="50000"/>
-                  </a:schemeClr>
-                </a:solidFill>
-                <a:latin typeface="Hiragino Maru Gothic Pro W4" panose="020F0400000000000000" pitchFamily="34" charset="-128"/>
-                <a:ea typeface="Hiragino Maru Gothic Pro W4" panose="020F0400000000000000" pitchFamily="34" charset="-128"/>
-              </a:rPr>
-              <a:t>ざっくりスケジュール</a:t>
-            </a:r>
-            <a:r>
-              <a:rPr lang="en-US" altLang="ja-JP" dirty="0">
-                <a:solidFill>
-                  <a:schemeClr val="accent5">
-                    <a:lumMod val="50000"/>
-                  </a:schemeClr>
-                </a:solidFill>
-                <a:latin typeface="Hiragino Maru Gothic Pro W4" panose="020F0400000000000000" pitchFamily="34" charset="-128"/>
-                <a:ea typeface="Hiragino Maru Gothic Pro W4" panose="020F0400000000000000" pitchFamily="34" charset="-128"/>
-              </a:rPr>
-              <a:t>(2021</a:t>
-            </a:r>
-            <a:r>
-              <a:rPr lang="ja-JP" altLang="en-US">
-                <a:solidFill>
-                  <a:schemeClr val="accent5">
-                    <a:lumMod val="50000"/>
-                  </a:schemeClr>
-                </a:solidFill>
-                <a:latin typeface="Hiragino Maru Gothic Pro W4" panose="020F0400000000000000" pitchFamily="34" charset="-128"/>
-                <a:ea typeface="Hiragino Maru Gothic Pro W4" panose="020F0400000000000000" pitchFamily="34" charset="-128"/>
-              </a:rPr>
-              <a:t>年</a:t>
-            </a:r>
-            <a:r>
-              <a:rPr lang="en-US" altLang="ja-JP" dirty="0">
-                <a:solidFill>
-                  <a:schemeClr val="accent5">
-                    <a:lumMod val="50000"/>
-                  </a:schemeClr>
-                </a:solidFill>
-                <a:latin typeface="Hiragino Maru Gothic Pro W4" panose="020F0400000000000000" pitchFamily="34" charset="-128"/>
-                <a:ea typeface="Hiragino Maru Gothic Pro W4" panose="020F0400000000000000" pitchFamily="34" charset="-128"/>
-              </a:rPr>
-              <a:t>)</a:t>
-            </a:r>
-            <a:endParaRPr kumimoji="1" lang="ja-JP" altLang="en-US">
-              <a:solidFill>
-                <a:schemeClr val="accent5">
-                  <a:lumMod val="50000"/>
-                </a:schemeClr>
-              </a:solidFill>
-              <a:latin typeface="Hiragino Maru Gothic Pro W4" panose="020F0400000000000000" pitchFamily="34" charset="-128"/>
-              <a:ea typeface="Hiragino Maru Gothic Pro W4" panose="020F0400000000000000" pitchFamily="34" charset="-128"/>
-            </a:endParaRPr>
-          </a:p>
-        </p:txBody>
-      </p:sp>
-      <p:sp>
-        <p:nvSpPr>
-          <p:cNvPr id="4" name="スライド番号プレースホルダー 3">
-            <a:extLst>
-              <a:ext uri="{FF2B5EF4-FFF2-40B4-BE49-F238E27FC236}">
-                <a16:creationId xmlns:a16="http://schemas.microsoft.com/office/drawing/2014/main" id="{34C04C8D-49C3-874E-864D-A6289CA1E427}"/>
-              </a:ext>
-            </a:extLst>
-          </p:cNvPr>
-          <p:cNvSpPr>
-            <a:spLocks noGrp="1"/>
-          </p:cNvSpPr>
-          <p:nvPr>
-            <p:ph type="sldNum" sz="quarter" idx="12"/>
-          </p:nvPr>
-        </p:nvSpPr>
-        <p:spPr/>
-        <p:txBody>
-          <a:bodyPr/>
-          <a:lstStyle/>
-          <a:p>
-            <a:pPr rtl="0"/>
-            <a:fld id="{E31375A4-56A4-47D6-9801-1991572033F7}" type="slidenum">
-              <a:rPr lang="en-US" altLang="ja-JP" noProof="0" smtClean="0">
-                <a:solidFill>
-                  <a:schemeClr val="accent5">
-                    <a:lumMod val="50000"/>
-                  </a:schemeClr>
-                </a:solidFill>
-                <a:latin typeface="Hiragino Maru Gothic Pro W4" panose="020F0400000000000000" pitchFamily="34" charset="-128"/>
-                <a:ea typeface="Hiragino Maru Gothic Pro W4" panose="020F0400000000000000" pitchFamily="34" charset="-128"/>
-              </a:rPr>
-              <a:t>13</a:t>
+              <a:t>16</a:t>
             </a:fld>
             <a:endParaRPr lang="ja-JP" altLang="en-US" noProof="0" dirty="0">
               <a:solidFill>
@@ -8749,6 +9599,105 @@
           </a:p>
         </p:txBody>
       </p:sp>
+      <p:sp>
+        <p:nvSpPr>
+          <p:cNvPr id="17" name="テキスト ボックス 16">
+            <a:extLst>
+              <a:ext uri="{FF2B5EF4-FFF2-40B4-BE49-F238E27FC236}">
+                <a16:creationId xmlns:a16="http://schemas.microsoft.com/office/drawing/2014/main" id="{1C50FC51-A6AF-1F41-A283-15D2F835AD18}"/>
+              </a:ext>
+            </a:extLst>
+          </p:cNvPr>
+          <p:cNvSpPr txBox="1"/>
+          <p:nvPr/>
+        </p:nvSpPr>
+        <p:spPr>
+          <a:xfrm>
+            <a:off x="9772918" y="1921763"/>
+            <a:ext cx="1580882" cy="523220"/>
+          </a:xfrm>
+          <a:prstGeom prst="rect">
+            <a:avLst/>
+          </a:prstGeom>
+          <a:noFill/>
+        </p:spPr>
+        <p:txBody>
+          <a:bodyPr wrap="none" rtlCol="0">
+            <a:spAutoFit/>
+          </a:bodyPr>
+          <a:lstStyle/>
+          <a:p>
+            <a:r>
+              <a:rPr kumimoji="1" lang="ja-JP" altLang="en-US" sz="1400">
+                <a:solidFill>
+                  <a:schemeClr val="accent5">
+                    <a:lumMod val="50000"/>
+                  </a:schemeClr>
+                </a:solidFill>
+                <a:latin typeface="Hiragino Maru Gothic Pro W4" panose="020F0400000000000000" pitchFamily="34" charset="-128"/>
+                <a:ea typeface="Hiragino Maru Gothic Pro W4" panose="020F0400000000000000" pitchFamily="34" charset="-128"/>
+              </a:rPr>
+              <a:t>★</a:t>
+            </a:r>
+            <a:r>
+              <a:rPr kumimoji="1" lang="en-US" altLang="ja-JP" sz="1400" dirty="0">
+                <a:solidFill>
+                  <a:schemeClr val="accent5">
+                    <a:lumMod val="50000"/>
+                  </a:schemeClr>
+                </a:solidFill>
+                <a:latin typeface="Hiragino Maru Gothic Pro W4" panose="020F0400000000000000" pitchFamily="34" charset="-128"/>
+                <a:ea typeface="Hiragino Maru Gothic Pro W4" panose="020F0400000000000000" pitchFamily="34" charset="-128"/>
+              </a:rPr>
+              <a:t>TOMARIGI</a:t>
+            </a:r>
+            <a:br>
+              <a:rPr lang="en-US" altLang="ja-JP" sz="1400" dirty="0">
+                <a:solidFill>
+                  <a:schemeClr val="accent5">
+                    <a:lumMod val="50000"/>
+                  </a:schemeClr>
+                </a:solidFill>
+                <a:latin typeface="Hiragino Maru Gothic Pro W4" panose="020F0400000000000000" pitchFamily="34" charset="-128"/>
+                <a:ea typeface="Hiragino Maru Gothic Pro W4" panose="020F0400000000000000" pitchFamily="34" charset="-128"/>
+              </a:rPr>
+            </a:br>
+            <a:r>
+              <a:rPr lang="en-US" altLang="ja-JP" sz="1400" dirty="0">
+                <a:solidFill>
+                  <a:schemeClr val="accent5">
+                    <a:lumMod val="50000"/>
+                  </a:schemeClr>
+                </a:solidFill>
+                <a:latin typeface="Hiragino Maru Gothic Pro W4" panose="020F0400000000000000" pitchFamily="34" charset="-128"/>
+                <a:ea typeface="Hiragino Maru Gothic Pro W4" panose="020F0400000000000000" pitchFamily="34" charset="-128"/>
+              </a:rPr>
+              <a:t>TH14</a:t>
+            </a:r>
+            <a:r>
+              <a:rPr lang="ja-JP" altLang="en-US" sz="1400">
+                <a:solidFill>
+                  <a:schemeClr val="accent5">
+                    <a:lumMod val="50000"/>
+                  </a:schemeClr>
+                </a:solidFill>
+                <a:latin typeface="Hiragino Maru Gothic Pro W4" panose="020F0400000000000000" pitchFamily="34" charset="-128"/>
+                <a:ea typeface="Hiragino Maru Gothic Pro W4" panose="020F0400000000000000" pitchFamily="34" charset="-128"/>
+              </a:rPr>
+              <a:t>オンリー化</a:t>
+            </a:r>
+            <a:endParaRPr kumimoji="1" lang="ja-JP" altLang="en-US" sz="1400">
+              <a:solidFill>
+                <a:schemeClr val="accent5">
+                  <a:lumMod val="50000"/>
+                </a:schemeClr>
+              </a:solidFill>
+              <a:latin typeface="Hiragino Maru Gothic Pro W4" panose="020F0400000000000000" pitchFamily="34" charset="-128"/>
+              <a:ea typeface="Hiragino Maru Gothic Pro W4" panose="020F0400000000000000" pitchFamily="34" charset="-128"/>
+            </a:endParaRPr>
+          </a:p>
+        </p:txBody>
+      </p:sp>
     </p:spTree>
     <p:extLst>
       <p:ext uri="{BB962C8B-B14F-4D97-AF65-F5344CB8AC3E}">
@@ -8774,7 +9723,7 @@
 </p:sld>
 </file>
 
-<file path=ppt/slides/slide14.xml><?xml version="1.0" encoding="utf-8"?>
+<file path=ppt/slides/slide17.xml><?xml version="1.0" encoding="utf-8"?>
 <p:sld xmlns:a="http://schemas.openxmlformats.org/drawingml/2006/main" xmlns:r="http://schemas.openxmlformats.org/officeDocument/2006/relationships" xmlns:p="http://schemas.openxmlformats.org/presentationml/2006/main">
   <p:cSld>
     <p:spTree>
@@ -8796,7 +9745,7 @@
           <p:cNvPr id="2" name="タイトル 1">
             <a:extLst>
               <a:ext uri="{FF2B5EF4-FFF2-40B4-BE49-F238E27FC236}">
-                <a16:creationId xmlns:a16="http://schemas.microsoft.com/office/drawing/2014/main" id="{4BEF2D4F-28AD-C84D-A4AC-A607D5B45D24}"/>
+                <a16:creationId xmlns:a16="http://schemas.microsoft.com/office/drawing/2014/main" id="{05E27039-9568-144A-9E91-3B61FB565D2A}"/>
               </a:ext>
             </a:extLst>
           </p:cNvPr>
@@ -8804,26 +9753,44 @@
             <a:spLocks noGrp="1"/>
           </p:cNvSpPr>
           <p:nvPr>
-            <p:ph type="title"/>
+            <p:ph type="ctrTitle"/>
           </p:nvPr>
         </p:nvSpPr>
-        <p:spPr/>
-        <p:txBody>
-          <a:bodyPr/>
+        <p:spPr>
+          <a:xfrm>
+            <a:off x="1306286" y="1187630"/>
+            <a:ext cx="9570720" cy="3173122"/>
+          </a:xfrm>
+        </p:spPr>
+        <p:txBody>
+          <a:bodyPr>
+            <a:normAutofit/>
+          </a:bodyPr>
           <a:lstStyle/>
           <a:p>
             <a:r>
-              <a:rPr lang="ja-JP" altLang="en-US">
-                <a:solidFill>
-                  <a:schemeClr val="accent5">
-                    <a:lumMod val="50000"/>
-                  </a:schemeClr>
-                </a:solidFill>
-                <a:latin typeface="Hiragino Maru Gothic Pro W4" panose="020F0400000000000000" pitchFamily="34" charset="-128"/>
-                <a:ea typeface="Hiragino Maru Gothic Pro W4" panose="020F0400000000000000" pitchFamily="34" charset="-128"/>
-              </a:rPr>
-              <a:t>疲れたら・・・</a:t>
-            </a:r>
+              <a:rPr kumimoji="1" lang="ja-JP" altLang="en-US">
+                <a:solidFill>
+                  <a:schemeClr val="accent5">
+                    <a:lumMod val="50000"/>
+                  </a:schemeClr>
+                </a:solidFill>
+                <a:latin typeface="Hiragino Maru Gothic Pro W4" panose="020F0400000000000000" pitchFamily="34" charset="-128"/>
+                <a:ea typeface="Hiragino Maru Gothic Pro W4" panose="020F0400000000000000" pitchFamily="34" charset="-128"/>
+              </a:rPr>
+              <a:t>サブリーダー向け資料</a:t>
+            </a:r>
+            <a:br>
+              <a:rPr kumimoji="1" lang="en-US" altLang="ja-JP" dirty="0">
+                <a:solidFill>
+                  <a:schemeClr val="accent5">
+                    <a:lumMod val="50000"/>
+                  </a:schemeClr>
+                </a:solidFill>
+                <a:latin typeface="Hiragino Maru Gothic Pro W4" panose="020F0400000000000000" pitchFamily="34" charset="-128"/>
+                <a:ea typeface="Hiragino Maru Gothic Pro W4" panose="020F0400000000000000" pitchFamily="34" charset="-128"/>
+              </a:rPr>
+            </a:br>
             <a:endParaRPr kumimoji="1" lang="ja-JP" altLang="en-US">
               <a:solidFill>
                 <a:schemeClr val="accent5">
@@ -8838,133 +9805,10 @@
       </p:sp>
       <p:sp>
         <p:nvSpPr>
-          <p:cNvPr id="3" name="コンテンツ プレースホルダー 2">
-            <a:extLst>
-              <a:ext uri="{FF2B5EF4-FFF2-40B4-BE49-F238E27FC236}">
-                <a16:creationId xmlns:a16="http://schemas.microsoft.com/office/drawing/2014/main" id="{01E773B8-156E-4743-8E4A-3ED5FB7CC4E2}"/>
-              </a:ext>
-            </a:extLst>
-          </p:cNvPr>
-          <p:cNvSpPr>
-            <a:spLocks noGrp="1"/>
-          </p:cNvSpPr>
-          <p:nvPr>
-            <p:ph idx="1"/>
-          </p:nvPr>
-        </p:nvSpPr>
-        <p:spPr>
-          <a:xfrm>
-            <a:off x="838200" y="1588575"/>
-            <a:ext cx="10515600" cy="4588387"/>
-          </a:xfrm>
-        </p:spPr>
-        <p:txBody>
-          <a:bodyPr>
-            <a:normAutofit/>
-          </a:bodyPr>
-          <a:lstStyle/>
-          <a:p>
-            <a:pPr marL="502920" indent="-457200"/>
-            <a:r>
-              <a:rPr lang="ja-JP" altLang="en-US">
-                <a:solidFill>
-                  <a:schemeClr val="accent5">
-                    <a:lumMod val="50000"/>
-                  </a:schemeClr>
-                </a:solidFill>
-                <a:latin typeface="Hiragino Maru Gothic Pro W4" panose="020F0400000000000000" pitchFamily="34" charset="-128"/>
-                <a:ea typeface="Hiragino Maru Gothic Pro W4" panose="020F0400000000000000" pitchFamily="34" charset="-128"/>
-              </a:rPr>
-              <a:t>ゆっくりしましょう</a:t>
-            </a:r>
-            <a:endParaRPr lang="en-US" altLang="ja-JP" dirty="0">
-              <a:solidFill>
-                <a:schemeClr val="accent5">
-                  <a:lumMod val="50000"/>
-                </a:schemeClr>
-              </a:solidFill>
-              <a:latin typeface="Hiragino Maru Gothic Pro W4" panose="020F0400000000000000" pitchFamily="34" charset="-128"/>
-              <a:ea typeface="Hiragino Maru Gothic Pro W4" panose="020F0400000000000000" pitchFamily="34" charset="-128"/>
-            </a:endParaRPr>
-          </a:p>
-          <a:p>
-            <a:pPr marL="502920" indent="-457200"/>
-            <a:r>
-              <a:rPr lang="ja-JP" altLang="en-US">
-                <a:solidFill>
-                  <a:schemeClr val="accent5">
-                    <a:lumMod val="50000"/>
-                  </a:schemeClr>
-                </a:solidFill>
-                <a:latin typeface="Hiragino Maru Gothic Pro W4" panose="020F0400000000000000" pitchFamily="34" charset="-128"/>
-                <a:ea typeface="Hiragino Maru Gothic Pro W4" panose="020F0400000000000000" pitchFamily="34" charset="-128"/>
-              </a:rPr>
-              <a:t>ファミリークランとして、</a:t>
-            </a:r>
-            <a:br>
-              <a:rPr lang="en-US" altLang="ja-JP" dirty="0">
-                <a:solidFill>
-                  <a:schemeClr val="accent5">
-                    <a:lumMod val="50000"/>
-                  </a:schemeClr>
-                </a:solidFill>
-                <a:latin typeface="Hiragino Maru Gothic Pro W4" panose="020F0400000000000000" pitchFamily="34" charset="-128"/>
-                <a:ea typeface="Hiragino Maru Gothic Pro W4" panose="020F0400000000000000" pitchFamily="34" charset="-128"/>
-              </a:rPr>
-            </a:br>
-            <a:r>
-              <a:rPr lang="ja-JP" altLang="en-US">
-                <a:solidFill>
-                  <a:schemeClr val="accent5">
-                    <a:lumMod val="50000"/>
-                  </a:schemeClr>
-                </a:solidFill>
-                <a:latin typeface="Hiragino Maru Gothic Pro W4" panose="020F0400000000000000" pitchFamily="34" charset="-128"/>
-                <a:ea typeface="Hiragino Maru Gothic Pro W4" panose="020F0400000000000000" pitchFamily="34" charset="-128"/>
-              </a:rPr>
-              <a:t>あっちゃん率いるファーミングクランがあるので</a:t>
-            </a:r>
-            <a:br>
-              <a:rPr lang="en-US" altLang="ja-JP" dirty="0">
-                <a:solidFill>
-                  <a:schemeClr val="accent5">
-                    <a:lumMod val="50000"/>
-                  </a:schemeClr>
-                </a:solidFill>
-                <a:latin typeface="Hiragino Maru Gothic Pro W4" panose="020F0400000000000000" pitchFamily="34" charset="-128"/>
-                <a:ea typeface="Hiragino Maru Gothic Pro W4" panose="020F0400000000000000" pitchFamily="34" charset="-128"/>
-              </a:rPr>
-            </a:br>
-            <a:r>
-              <a:rPr lang="ja-JP" altLang="en-US">
-                <a:solidFill>
-                  <a:schemeClr val="accent5">
-                    <a:lumMod val="50000"/>
-                  </a:schemeClr>
-                </a:solidFill>
-                <a:latin typeface="Hiragino Maru Gothic Pro W4" panose="020F0400000000000000" pitchFamily="34" charset="-128"/>
-                <a:ea typeface="Hiragino Maru Gothic Pro W4" panose="020F0400000000000000" pitchFamily="34" charset="-128"/>
-              </a:rPr>
-              <a:t>そこでゆっくりすることをオススメします</a:t>
-            </a:r>
-            <a:endParaRPr lang="en-US" altLang="ja-JP" dirty="0">
-              <a:solidFill>
-                <a:schemeClr val="accent5">
-                  <a:lumMod val="50000"/>
-                </a:schemeClr>
-              </a:solidFill>
-              <a:latin typeface="Hiragino Maru Gothic Pro W4" panose="020F0400000000000000" pitchFamily="34" charset="-128"/>
-              <a:ea typeface="Hiragino Maru Gothic Pro W4" panose="020F0400000000000000" pitchFamily="34" charset="-128"/>
-            </a:endParaRPr>
-          </a:p>
-        </p:txBody>
-      </p:sp>
-      <p:sp>
-        <p:nvSpPr>
           <p:cNvPr id="4" name="スライド番号プレースホルダー 3">
             <a:extLst>
               <a:ext uri="{FF2B5EF4-FFF2-40B4-BE49-F238E27FC236}">
-                <a16:creationId xmlns:a16="http://schemas.microsoft.com/office/drawing/2014/main" id="{34C04C8D-49C3-874E-864D-A6289CA1E427}"/>
+                <a16:creationId xmlns:a16="http://schemas.microsoft.com/office/drawing/2014/main" id="{FFA60BD1-FA32-484F-807E-37BB2EC217BB}"/>
               </a:ext>
             </a:extLst>
           </p:cNvPr>
@@ -8975,7 +9819,12 @@
             <p:ph type="sldNum" sz="quarter" idx="12"/>
           </p:nvPr>
         </p:nvSpPr>
-        <p:spPr/>
+        <p:spPr>
+          <a:xfrm>
+            <a:off x="8610600" y="6356350"/>
+            <a:ext cx="2743200" cy="365125"/>
+          </a:xfrm>
+        </p:spPr>
         <p:txBody>
           <a:bodyPr/>
           <a:lstStyle/>
@@ -8984,20 +9833,16 @@
             <a:fld id="{E31375A4-56A4-47D6-9801-1991572033F7}" type="slidenum">
               <a:rPr lang="en-US" altLang="ja-JP" noProof="0" smtClean="0">
                 <a:solidFill>
-                  <a:schemeClr val="accent5">
-                    <a:lumMod val="50000"/>
-                  </a:schemeClr>
-                </a:solidFill>
-                <a:latin typeface="Hiragino Maru Gothic Pro W4" panose="020F0400000000000000" pitchFamily="34" charset="-128"/>
-                <a:ea typeface="Hiragino Maru Gothic Pro W4" panose="020F0400000000000000" pitchFamily="34" charset="-128"/>
-              </a:rPr>
-              <a:t>14</a:t>
+                  <a:srgbClr val="002060"/>
+                </a:solidFill>
+                <a:latin typeface="Hiragino Maru Gothic Pro W4" panose="020F0400000000000000" pitchFamily="34" charset="-128"/>
+                <a:ea typeface="Hiragino Maru Gothic Pro W4" panose="020F0400000000000000" pitchFamily="34" charset="-128"/>
+              </a:rPr>
+              <a:t>17</a:t>
             </a:fld>
             <a:endParaRPr lang="ja-JP" altLang="en-US" noProof="0" dirty="0">
               <a:solidFill>
-                <a:schemeClr val="accent5">
-                  <a:lumMod val="50000"/>
-                </a:schemeClr>
+                <a:srgbClr val="002060"/>
               </a:solidFill>
               <a:latin typeface="Hiragino Maru Gothic Pro W4" panose="020F0400000000000000" pitchFamily="34" charset="-128"/>
               <a:ea typeface="Hiragino Maru Gothic Pro W4" panose="020F0400000000000000" pitchFamily="34" charset="-128"/>
@@ -9008,7 +9853,7 @@
     </p:spTree>
     <p:extLst>
       <p:ext uri="{BB962C8B-B14F-4D97-AF65-F5344CB8AC3E}">
-        <p14:creationId xmlns:p14="http://schemas.microsoft.com/office/powerpoint/2010/main" val="2080103444"/>
+        <p14:creationId xmlns:p14="http://schemas.microsoft.com/office/powerpoint/2010/main" val="1742774258"/>
       </p:ext>
     </p:extLst>
   </p:cSld>
@@ -9030,7 +9875,7 @@
 </p:sld>
 </file>
 
-<file path=ppt/slides/slide15.xml><?xml version="1.0" encoding="utf-8"?>
+<file path=ppt/slides/slide18.xml><?xml version="1.0" encoding="utf-8"?>
 <p:sld xmlns:a="http://schemas.openxmlformats.org/drawingml/2006/main" xmlns:r="http://schemas.openxmlformats.org/officeDocument/2006/relationships" xmlns:p="http://schemas.openxmlformats.org/presentationml/2006/main">
   <p:cSld>
     <p:spTree>
@@ -9078,7 +9923,7 @@
                 <a:latin typeface="Hiragino Maru Gothic Pro W4" panose="020F0400000000000000" pitchFamily="34" charset="-128"/>
                 <a:ea typeface="Hiragino Maru Gothic Pro W4" panose="020F0400000000000000" pitchFamily="34" charset="-128"/>
               </a:rPr>
-              <a:t>組織変更するための段取り</a:t>
+              <a:t>サブリーダーについて</a:t>
             </a:r>
             <a:endParaRPr kumimoji="1" lang="ja-JP" altLang="en-US">
               <a:solidFill>
@@ -9120,10 +9965,7 @@
           </a:bodyPr>
           <a:lstStyle/>
           <a:p>
-            <a:pPr marL="560070" indent="-514350">
-              <a:buFont typeface="+mj-lt"/>
-              <a:buAutoNum type="arabicPeriod"/>
-            </a:pPr>
+            <a:pPr marL="502920" indent="-457200"/>
             <a:r>
               <a:rPr lang="ja-JP" altLang="en-US">
                 <a:solidFill>
@@ -9134,7 +9976,7 @@
                 <a:latin typeface="Hiragino Maru Gothic Pro W4" panose="020F0400000000000000" pitchFamily="34" charset="-128"/>
                 <a:ea typeface="Hiragino Maru Gothic Pro W4" panose="020F0400000000000000" pitchFamily="34" charset="-128"/>
               </a:rPr>
-              <a:t>まほらま側の</a:t>
+              <a:t>権限</a:t>
             </a:r>
             <a:r>
               <a:rPr lang="en-US" altLang="ja-JP" dirty="0">
@@ -9146,7 +9988,7 @@
                 <a:latin typeface="Hiragino Maru Gothic Pro W4" panose="020F0400000000000000" pitchFamily="34" charset="-128"/>
                 <a:ea typeface="Hiragino Maru Gothic Pro W4" panose="020F0400000000000000" pitchFamily="34" charset="-128"/>
               </a:rPr>
-              <a:t>GO</a:t>
+              <a:t>/</a:t>
             </a:r>
             <a:r>
               <a:rPr lang="ja-JP" altLang="en-US">
@@ -9158,7 +10000,7 @@
                 <a:latin typeface="Hiragino Maru Gothic Pro W4" panose="020F0400000000000000" pitchFamily="34" charset="-128"/>
                 <a:ea typeface="Hiragino Maru Gothic Pro W4" panose="020F0400000000000000" pitchFamily="34" charset="-128"/>
               </a:rPr>
-              <a:t>サイン</a:t>
+              <a:t>責任があるだけで偉いわけではない</a:t>
             </a:r>
             <a:endParaRPr lang="en-US" altLang="ja-JP" dirty="0">
               <a:solidFill>
@@ -9171,10 +10013,7 @@
             </a:endParaRPr>
           </a:p>
           <a:p>
-            <a:pPr marL="560070" indent="-514350">
-              <a:buFont typeface="+mj-lt"/>
-              <a:buAutoNum type="arabicPeriod"/>
-            </a:pPr>
+            <a:pPr marL="502920" indent="-457200"/>
             <a:r>
               <a:rPr lang="ja-JP" altLang="en-US">
                 <a:solidFill>
@@ -9185,9 +10024,9 @@
                 <a:latin typeface="Hiragino Maru Gothic Pro W4" panose="020F0400000000000000" pitchFamily="34" charset="-128"/>
                 <a:ea typeface="Hiragino Maru Gothic Pro W4" panose="020F0400000000000000" pitchFamily="34" charset="-128"/>
               </a:rPr>
-              <a:t>東方側の</a:t>
-            </a:r>
-            <a:r>
+              <a:t>あくまでもクラン運営するための雑用係</a:t>
+            </a:r>
+            <a:br>
               <a:rPr lang="en-US" altLang="ja-JP" dirty="0">
                 <a:solidFill>
                   <a:schemeClr val="accent5">
@@ -9197,8 +10036,31 @@
                 <a:latin typeface="Hiragino Maru Gothic Pro W4" panose="020F0400000000000000" pitchFamily="34" charset="-128"/>
                 <a:ea typeface="Hiragino Maru Gothic Pro W4" panose="020F0400000000000000" pitchFamily="34" charset="-128"/>
               </a:rPr>
-              <a:t>GO</a:t>
-            </a:r>
+            </a:br>
+            <a:r>
+              <a:rPr lang="ja-JP" altLang="en-US" sz="2000">
+                <a:solidFill>
+                  <a:schemeClr val="accent5">
+                    <a:lumMod val="50000"/>
+                  </a:schemeClr>
+                </a:solidFill>
+                <a:latin typeface="Hiragino Maru Gothic Pro W4" panose="020F0400000000000000" pitchFamily="34" charset="-128"/>
+                <a:ea typeface="Hiragino Maru Gothic Pro W4" panose="020F0400000000000000" pitchFamily="34" charset="-128"/>
+              </a:rPr>
+              <a:t>→それでもやってくれている方々、ありがとう</a:t>
+            </a:r>
+            <a:endParaRPr lang="en-US" altLang="ja-JP" sz="2000" dirty="0">
+              <a:solidFill>
+                <a:schemeClr val="accent5">
+                  <a:lumMod val="50000"/>
+                </a:schemeClr>
+              </a:solidFill>
+              <a:latin typeface="Hiragino Maru Gothic Pro W4" panose="020F0400000000000000" pitchFamily="34" charset="-128"/>
+              <a:ea typeface="Hiragino Maru Gothic Pro W4" panose="020F0400000000000000" pitchFamily="34" charset="-128"/>
+            </a:endParaRPr>
+          </a:p>
+          <a:p>
+            <a:pPr marL="502920" indent="-457200"/>
             <a:r>
               <a:rPr lang="ja-JP" altLang="en-US">
                 <a:solidFill>
@@ -9209,7 +10071,55 @@
                 <a:latin typeface="Hiragino Maru Gothic Pro W4" panose="020F0400000000000000" pitchFamily="34" charset="-128"/>
                 <a:ea typeface="Hiragino Maru Gothic Pro W4" panose="020F0400000000000000" pitchFamily="34" charset="-128"/>
               </a:rPr>
-              <a:t>サイン</a:t>
+              <a:t>運営系と実務系</a:t>
+            </a:r>
+            <a:r>
+              <a:rPr lang="en-US" altLang="ja-JP" sz="2000" dirty="0">
+                <a:solidFill>
+                  <a:schemeClr val="accent5">
+                    <a:lumMod val="50000"/>
+                  </a:schemeClr>
+                </a:solidFill>
+                <a:latin typeface="Hiragino Maru Gothic Pro W4" panose="020F0400000000000000" pitchFamily="34" charset="-128"/>
+                <a:ea typeface="Hiragino Maru Gothic Pro W4" panose="020F0400000000000000" pitchFamily="34" charset="-128"/>
+              </a:rPr>
+              <a:t>(</a:t>
+            </a:r>
+            <a:r>
+              <a:rPr lang="ja-JP" altLang="en-US" sz="2000">
+                <a:solidFill>
+                  <a:schemeClr val="accent5">
+                    <a:lumMod val="50000"/>
+                  </a:schemeClr>
+                </a:solidFill>
+                <a:latin typeface="Hiragino Maru Gothic Pro W4" panose="020F0400000000000000" pitchFamily="34" charset="-128"/>
+                <a:ea typeface="Hiragino Maru Gothic Pro W4" panose="020F0400000000000000" pitchFamily="34" charset="-128"/>
+              </a:rPr>
+              <a:t>ガチ戦指揮官など</a:t>
+            </a:r>
+            <a:r>
+              <a:rPr lang="en-US" altLang="ja-JP" sz="2000" dirty="0">
+                <a:solidFill>
+                  <a:schemeClr val="accent5">
+                    <a:lumMod val="50000"/>
+                  </a:schemeClr>
+                </a:solidFill>
+                <a:latin typeface="Hiragino Maru Gothic Pro W4" panose="020F0400000000000000" pitchFamily="34" charset="-128"/>
+                <a:ea typeface="Hiragino Maru Gothic Pro W4" panose="020F0400000000000000" pitchFamily="34" charset="-128"/>
+              </a:rPr>
+              <a:t>)</a:t>
+            </a:r>
+            <a:r>
+              <a:rPr lang="ja-JP" altLang="en-US">
+                <a:solidFill>
+                  <a:schemeClr val="accent5">
+                    <a:lumMod val="50000"/>
+                  </a:schemeClr>
+                </a:solidFill>
+                <a:latin typeface="Hiragino Maru Gothic Pro W4" panose="020F0400000000000000" pitchFamily="34" charset="-128"/>
+                <a:ea typeface="Hiragino Maru Gothic Pro W4" panose="020F0400000000000000" pitchFamily="34" charset="-128"/>
+              </a:rPr>
+              <a:t>で分ける</a:t>
             </a:r>
             <a:endParaRPr lang="en-US" altLang="ja-JP" dirty="0">
               <a:solidFill>
@@ -9222,10 +10132,7 @@
             </a:endParaRPr>
           </a:p>
           <a:p>
-            <a:pPr marL="560070" indent="-514350">
-              <a:buFont typeface="+mj-lt"/>
-              <a:buAutoNum type="arabicPeriod"/>
-            </a:pPr>
+            <a:pPr marL="502920" indent="-457200"/>
             <a:r>
               <a:rPr lang="ja-JP" altLang="en-US">
                 <a:solidFill>
@@ -9236,195 +10143,67 @@
                 <a:latin typeface="Hiragino Maru Gothic Pro W4" panose="020F0400000000000000" pitchFamily="34" charset="-128"/>
                 <a:ea typeface="Hiragino Maru Gothic Pro W4" panose="020F0400000000000000" pitchFamily="34" charset="-128"/>
               </a:rPr>
-              <a:t>２つの新クランのリーダーをそれぞれ決める</a:t>
-            </a:r>
-            <a:endParaRPr lang="en-US" altLang="ja-JP" dirty="0">
-              <a:solidFill>
-                <a:schemeClr val="accent5">
-                  <a:lumMod val="50000"/>
-                </a:schemeClr>
-              </a:solidFill>
-              <a:latin typeface="Hiragino Maru Gothic Pro W4" panose="020F0400000000000000" pitchFamily="34" charset="-128"/>
-              <a:ea typeface="Hiragino Maru Gothic Pro W4" panose="020F0400000000000000" pitchFamily="34" charset="-128"/>
-            </a:endParaRPr>
-          </a:p>
-          <a:p>
-            <a:pPr marL="560070" indent="-514350">
-              <a:buFont typeface="+mj-lt"/>
-              <a:buAutoNum type="arabicPeriod"/>
-            </a:pPr>
-            <a:r>
-              <a:rPr lang="ja-JP" altLang="en-US">
-                <a:solidFill>
-                  <a:schemeClr val="accent5">
-                    <a:lumMod val="50000"/>
-                  </a:schemeClr>
-                </a:solidFill>
-                <a:latin typeface="Hiragino Maru Gothic Pro W4" panose="020F0400000000000000" pitchFamily="34" charset="-128"/>
-                <a:ea typeface="Hiragino Maru Gothic Pro W4" panose="020F0400000000000000" pitchFamily="34" charset="-128"/>
-              </a:rPr>
-              <a:t>２つの新クランの方針を明確する</a:t>
+              <a:t>ヘルプは気兼ねなく出すこと！モチベ落ちたとかで</a:t>
+            </a:r>
+            <a:r>
+              <a:rPr lang="en-US" altLang="ja-JP" dirty="0">
+                <a:solidFill>
+                  <a:schemeClr val="accent5">
+                    <a:lumMod val="50000"/>
+                  </a:schemeClr>
+                </a:solidFill>
+                <a:latin typeface="Hiragino Maru Gothic Pro W4" panose="020F0400000000000000" pitchFamily="34" charset="-128"/>
+                <a:ea typeface="Hiragino Maru Gothic Pro W4" panose="020F0400000000000000" pitchFamily="34" charset="-128"/>
+              </a:rPr>
+              <a:t>OK</a:t>
+            </a:r>
+            <a:br>
+              <a:rPr lang="en-US" altLang="ja-JP" dirty="0">
+                <a:solidFill>
+                  <a:schemeClr val="accent5">
+                    <a:lumMod val="50000"/>
+                  </a:schemeClr>
+                </a:solidFill>
+                <a:latin typeface="Hiragino Maru Gothic Pro W4" panose="020F0400000000000000" pitchFamily="34" charset="-128"/>
+                <a:ea typeface="Hiragino Maru Gothic Pro W4" panose="020F0400000000000000" pitchFamily="34" charset="-128"/>
+              </a:rPr>
+            </a:br>
+            <a:r>
+              <a:rPr lang="ja-JP" altLang="en-US" sz="2000">
+                <a:solidFill>
+                  <a:schemeClr val="accent5">
+                    <a:lumMod val="50000"/>
+                  </a:schemeClr>
+                </a:solidFill>
+                <a:latin typeface="Hiragino Maru Gothic Pro W4" panose="020F0400000000000000" pitchFamily="34" charset="-128"/>
+                <a:ea typeface="Hiragino Maru Gothic Pro W4" panose="020F0400000000000000" pitchFamily="34" charset="-128"/>
+              </a:rPr>
+              <a:t>→いずれ復帰できるならサブリーダーとして残す、未定なら外す</a:t>
+            </a:r>
+            <a:br>
+              <a:rPr lang="en-US" altLang="ja-JP" sz="2000" dirty="0">
+                <a:solidFill>
+                  <a:schemeClr val="accent5">
+                    <a:lumMod val="50000"/>
+                  </a:schemeClr>
+                </a:solidFill>
+                <a:latin typeface="Hiragino Maru Gothic Pro W4" panose="020F0400000000000000" pitchFamily="34" charset="-128"/>
+                <a:ea typeface="Hiragino Maru Gothic Pro W4" panose="020F0400000000000000" pitchFamily="34" charset="-128"/>
+              </a:rPr>
+            </a:br>
+            <a:r>
+              <a:rPr lang="ja-JP" altLang="en-US" sz="2000">
+                <a:solidFill>
+                  <a:schemeClr val="accent5">
+                    <a:lumMod val="50000"/>
+                  </a:schemeClr>
+                </a:solidFill>
+                <a:latin typeface="Hiragino Maru Gothic Pro W4" panose="020F0400000000000000" pitchFamily="34" charset="-128"/>
+                <a:ea typeface="Hiragino Maru Gothic Pro W4" panose="020F0400000000000000" pitchFamily="34" charset="-128"/>
+              </a:rPr>
+              <a:t>→ここは明確にしないと他のサブリーダーに示しがつかない</a:t>
             </a:r>
             <a:endParaRPr lang="en-US" altLang="ja-JP" sz="2000" dirty="0">
-              <a:solidFill>
-                <a:schemeClr val="accent5">
-                  <a:lumMod val="50000"/>
-                </a:schemeClr>
-              </a:solidFill>
-              <a:latin typeface="Hiragino Maru Gothic Pro W4" panose="020F0400000000000000" pitchFamily="34" charset="-128"/>
-              <a:ea typeface="Hiragino Maru Gothic Pro W4" panose="020F0400000000000000" pitchFamily="34" charset="-128"/>
-            </a:endParaRPr>
-          </a:p>
-          <a:p>
-            <a:pPr marL="560070" indent="-514350">
-              <a:buFont typeface="+mj-lt"/>
-              <a:buAutoNum type="arabicPeriod"/>
-            </a:pPr>
-            <a:r>
-              <a:rPr lang="ja-JP" altLang="en-US">
-                <a:solidFill>
-                  <a:schemeClr val="accent5">
-                    <a:lumMod val="50000"/>
-                  </a:schemeClr>
-                </a:solidFill>
-                <a:latin typeface="Hiragino Maru Gothic Pro W4" panose="020F0400000000000000" pitchFamily="34" charset="-128"/>
-                <a:ea typeface="Hiragino Maru Gothic Pro W4" panose="020F0400000000000000" pitchFamily="34" charset="-128"/>
-              </a:rPr>
-              <a:t>具体的な移行計画を立てる</a:t>
-            </a:r>
-            <a:endParaRPr lang="en-US" altLang="ja-JP" dirty="0">
-              <a:solidFill>
-                <a:schemeClr val="accent5">
-                  <a:lumMod val="50000"/>
-                </a:schemeClr>
-              </a:solidFill>
-              <a:latin typeface="Hiragino Maru Gothic Pro W4" panose="020F0400000000000000" pitchFamily="34" charset="-128"/>
-              <a:ea typeface="Hiragino Maru Gothic Pro W4" panose="020F0400000000000000" pitchFamily="34" charset="-128"/>
-            </a:endParaRPr>
-          </a:p>
-          <a:p>
-            <a:pPr marL="560070" indent="-514350">
-              <a:buFont typeface="+mj-lt"/>
-              <a:buAutoNum type="arabicPeriod"/>
-            </a:pPr>
-            <a:r>
-              <a:rPr lang="ja-JP" altLang="en-US">
-                <a:solidFill>
-                  <a:schemeClr val="accent5">
-                    <a:lumMod val="50000"/>
-                  </a:schemeClr>
-                </a:solidFill>
-                <a:latin typeface="Hiragino Maru Gothic Pro W4" panose="020F0400000000000000" pitchFamily="34" charset="-128"/>
-                <a:ea typeface="Hiragino Maru Gothic Pro W4" panose="020F0400000000000000" pitchFamily="34" charset="-128"/>
-              </a:rPr>
-              <a:t>まほらまメンバー、東方メンバーへの展開</a:t>
-            </a:r>
-            <a:endParaRPr lang="en-US" altLang="ja-JP" dirty="0">
-              <a:solidFill>
-                <a:schemeClr val="accent5">
-                  <a:lumMod val="50000"/>
-                </a:schemeClr>
-              </a:solidFill>
-              <a:latin typeface="Hiragino Maru Gothic Pro W4" panose="020F0400000000000000" pitchFamily="34" charset="-128"/>
-              <a:ea typeface="Hiragino Maru Gothic Pro W4" panose="020F0400000000000000" pitchFamily="34" charset="-128"/>
-            </a:endParaRPr>
-          </a:p>
-          <a:p>
-            <a:pPr marL="560070" indent="-514350">
-              <a:buFont typeface="+mj-lt"/>
-              <a:buAutoNum type="arabicPeriod"/>
-            </a:pPr>
-            <a:r>
-              <a:rPr lang="ja-JP" altLang="en-US">
-                <a:solidFill>
-                  <a:schemeClr val="accent5">
-                    <a:lumMod val="50000"/>
-                  </a:schemeClr>
-                </a:solidFill>
-                <a:latin typeface="Hiragino Maru Gothic Pro W4" panose="020F0400000000000000" pitchFamily="34" charset="-128"/>
-                <a:ea typeface="Hiragino Maru Gothic Pro W4" panose="020F0400000000000000" pitchFamily="34" charset="-128"/>
-              </a:rPr>
-              <a:t>組織変更実施</a:t>
-            </a:r>
-            <a:r>
-              <a:rPr lang="en-US" altLang="ja-JP" sz="2000" dirty="0">
-                <a:solidFill>
-                  <a:schemeClr val="accent5">
-                    <a:lumMod val="50000"/>
-                  </a:schemeClr>
-                </a:solidFill>
-                <a:latin typeface="Hiragino Maru Gothic Pro W4" panose="020F0400000000000000" pitchFamily="34" charset="-128"/>
-                <a:ea typeface="Hiragino Maru Gothic Pro W4" panose="020F0400000000000000" pitchFamily="34" charset="-128"/>
-              </a:rPr>
-              <a:t> (2021</a:t>
-            </a:r>
-            <a:r>
-              <a:rPr lang="ja-JP" altLang="en-US" sz="2000">
-                <a:solidFill>
-                  <a:schemeClr val="accent5">
-                    <a:lumMod val="50000"/>
-                  </a:schemeClr>
-                </a:solidFill>
-                <a:latin typeface="Hiragino Maru Gothic Pro W4" panose="020F0400000000000000" pitchFamily="34" charset="-128"/>
-                <a:ea typeface="Hiragino Maru Gothic Pro W4" panose="020F0400000000000000" pitchFamily="34" charset="-128"/>
-              </a:rPr>
-              <a:t>年</a:t>
-            </a:r>
-            <a:r>
-              <a:rPr lang="en-US" altLang="ja-JP" sz="2000" dirty="0">
-                <a:solidFill>
-                  <a:schemeClr val="accent5">
-                    <a:lumMod val="50000"/>
-                  </a:schemeClr>
-                </a:solidFill>
-                <a:latin typeface="Hiragino Maru Gothic Pro W4" panose="020F0400000000000000" pitchFamily="34" charset="-128"/>
-                <a:ea typeface="Hiragino Maru Gothic Pro W4" panose="020F0400000000000000" pitchFamily="34" charset="-128"/>
-              </a:rPr>
-              <a:t>5</a:t>
-            </a:r>
-            <a:r>
-              <a:rPr lang="ja-JP" altLang="en-US" sz="2000">
-                <a:solidFill>
-                  <a:schemeClr val="accent5">
-                    <a:lumMod val="50000"/>
-                  </a:schemeClr>
-                </a:solidFill>
-                <a:latin typeface="Hiragino Maru Gothic Pro W4" panose="020F0400000000000000" pitchFamily="34" charset="-128"/>
-                <a:ea typeface="Hiragino Maru Gothic Pro W4" panose="020F0400000000000000" pitchFamily="34" charset="-128"/>
-              </a:rPr>
-              <a:t>月頃からゆるりと予定</a:t>
-            </a:r>
-            <a:r>
-              <a:rPr lang="en-US" altLang="ja-JP" sz="2000" dirty="0">
-                <a:solidFill>
-                  <a:schemeClr val="accent5">
-                    <a:lumMod val="50000"/>
-                  </a:schemeClr>
-                </a:solidFill>
-                <a:latin typeface="Hiragino Maru Gothic Pro W4" panose="020F0400000000000000" pitchFamily="34" charset="-128"/>
-                <a:ea typeface="Hiragino Maru Gothic Pro W4" panose="020F0400000000000000" pitchFamily="34" charset="-128"/>
-              </a:rPr>
-              <a:t>)</a:t>
-            </a:r>
-          </a:p>
-          <a:p>
-            <a:pPr marL="560070" indent="-514350">
-              <a:buFont typeface="+mj-lt"/>
-              <a:buAutoNum type="arabicPeriod"/>
-            </a:pPr>
-            <a:endParaRPr lang="en-US" altLang="ja-JP" dirty="0">
-              <a:solidFill>
-                <a:schemeClr val="accent5">
-                  <a:lumMod val="50000"/>
-                </a:schemeClr>
-              </a:solidFill>
-              <a:latin typeface="Hiragino Maru Gothic Pro W4" panose="020F0400000000000000" pitchFamily="34" charset="-128"/>
-              <a:ea typeface="Hiragino Maru Gothic Pro W4" panose="020F0400000000000000" pitchFamily="34" charset="-128"/>
-            </a:endParaRPr>
-          </a:p>
-          <a:p>
-            <a:pPr marL="502920" indent="-457200"/>
-            <a:endParaRPr lang="en-US" altLang="ja-JP" dirty="0">
               <a:solidFill>
                 <a:schemeClr val="accent5">
                   <a:lumMod val="50000"/>
@@ -9480,7 +10259,7 @@
                 <a:latin typeface="Hiragino Maru Gothic Pro W4" panose="020F0400000000000000" pitchFamily="34" charset="-128"/>
                 <a:ea typeface="Hiragino Maru Gothic Pro W4" panose="020F0400000000000000" pitchFamily="34" charset="-128"/>
               </a:rPr>
-              <a:t>15</a:t>
+              <a:t>18</a:t>
             </a:fld>
             <a:endParaRPr lang="ja-JP" altLang="en-US" noProof="0" dirty="0">
               <a:solidFill>
@@ -9497,7 +10276,262 @@
     </p:spTree>
     <p:extLst>
       <p:ext uri="{BB962C8B-B14F-4D97-AF65-F5344CB8AC3E}">
-        <p14:creationId xmlns:p14="http://schemas.microsoft.com/office/powerpoint/2010/main" val="1376868928"/>
+        <p14:creationId xmlns:p14="http://schemas.microsoft.com/office/powerpoint/2010/main" val="685486136"/>
+      </p:ext>
+    </p:extLst>
+  </p:cSld>
+  <p:clrMapOvr>
+    <a:masterClrMapping/>
+  </p:clrMapOvr>
+  <mc:AlternateContent xmlns:mc="http://schemas.openxmlformats.org/markup-compatibility/2006" xmlns:p14="http://schemas.microsoft.com/office/powerpoint/2010/main">
+    <mc:Choice Requires="p14">
+      <p:transition spd="med" p14:dur="700">
+        <p:fade/>
+      </p:transition>
+    </mc:Choice>
+    <mc:Fallback xmlns="">
+      <p:transition spd="med">
+        <p:fade/>
+      </p:transition>
+    </mc:Fallback>
+  </mc:AlternateContent>
+</p:sld>
+</file>
+
+<file path=ppt/slides/slide19.xml><?xml version="1.0" encoding="utf-8"?>
+<p:sld xmlns:a="http://schemas.openxmlformats.org/drawingml/2006/main" xmlns:r="http://schemas.openxmlformats.org/officeDocument/2006/relationships" xmlns:p="http://schemas.openxmlformats.org/presentationml/2006/main">
+  <p:cSld>
+    <p:spTree>
+      <p:nvGrpSpPr>
+        <p:cNvPr id="1" name=""/>
+        <p:cNvGrpSpPr/>
+        <p:nvPr/>
+      </p:nvGrpSpPr>
+      <p:grpSpPr>
+        <a:xfrm>
+          <a:off x="0" y="0"/>
+          <a:ext cx="0" cy="0"/>
+          <a:chOff x="0" y="0"/>
+          <a:chExt cx="0" cy="0"/>
+        </a:xfrm>
+      </p:grpSpPr>
+      <p:sp>
+        <p:nvSpPr>
+          <p:cNvPr id="2" name="タイトル 1">
+            <a:extLst>
+              <a:ext uri="{FF2B5EF4-FFF2-40B4-BE49-F238E27FC236}">
+                <a16:creationId xmlns:a16="http://schemas.microsoft.com/office/drawing/2014/main" id="{4BEF2D4F-28AD-C84D-A4AC-A607D5B45D24}"/>
+              </a:ext>
+            </a:extLst>
+          </p:cNvPr>
+          <p:cNvSpPr>
+            <a:spLocks noGrp="1"/>
+          </p:cNvSpPr>
+          <p:nvPr>
+            <p:ph type="title"/>
+          </p:nvPr>
+        </p:nvSpPr>
+        <p:spPr/>
+        <p:txBody>
+          <a:bodyPr/>
+          <a:lstStyle/>
+          <a:p>
+            <a:r>
+              <a:rPr lang="ja-JP" altLang="en-US">
+                <a:solidFill>
+                  <a:schemeClr val="accent5">
+                    <a:lumMod val="50000"/>
+                  </a:schemeClr>
+                </a:solidFill>
+                <a:latin typeface="Hiragino Maru Gothic Pro W4" panose="020F0400000000000000" pitchFamily="34" charset="-128"/>
+                <a:ea typeface="Hiragino Maru Gothic Pro W4" panose="020F0400000000000000" pitchFamily="34" charset="-128"/>
+              </a:rPr>
+              <a:t>サブリーダーの仕事：運営系</a:t>
+            </a:r>
+            <a:endParaRPr kumimoji="1" lang="ja-JP" altLang="en-US">
+              <a:solidFill>
+                <a:schemeClr val="accent5">
+                  <a:lumMod val="50000"/>
+                </a:schemeClr>
+              </a:solidFill>
+              <a:latin typeface="Hiragino Maru Gothic Pro W4" panose="020F0400000000000000" pitchFamily="34" charset="-128"/>
+              <a:ea typeface="Hiragino Maru Gothic Pro W4" panose="020F0400000000000000" pitchFamily="34" charset="-128"/>
+            </a:endParaRPr>
+          </a:p>
+        </p:txBody>
+      </p:sp>
+      <p:sp>
+        <p:nvSpPr>
+          <p:cNvPr id="3" name="コンテンツ プレースホルダー 2">
+            <a:extLst>
+              <a:ext uri="{FF2B5EF4-FFF2-40B4-BE49-F238E27FC236}">
+                <a16:creationId xmlns:a16="http://schemas.microsoft.com/office/drawing/2014/main" id="{01E773B8-156E-4743-8E4A-3ED5FB7CC4E2}"/>
+              </a:ext>
+            </a:extLst>
+          </p:cNvPr>
+          <p:cNvSpPr>
+            <a:spLocks noGrp="1"/>
+          </p:cNvSpPr>
+          <p:nvPr>
+            <p:ph idx="1"/>
+          </p:nvPr>
+        </p:nvSpPr>
+        <p:spPr>
+          <a:xfrm>
+            <a:off x="838200" y="1588575"/>
+            <a:ext cx="10515600" cy="4588387"/>
+          </a:xfrm>
+        </p:spPr>
+        <p:txBody>
+          <a:bodyPr>
+            <a:normAutofit/>
+          </a:bodyPr>
+          <a:lstStyle/>
+          <a:p>
+            <a:pPr marL="502920" indent="-457200"/>
+            <a:r>
+              <a:rPr lang="ja-JP" altLang="en-US">
+                <a:solidFill>
+                  <a:schemeClr val="accent5">
+                    <a:lumMod val="50000"/>
+                  </a:schemeClr>
+                </a:solidFill>
+                <a:latin typeface="Hiragino Maru Gothic Pro W4" panose="020F0400000000000000" pitchFamily="34" charset="-128"/>
+                <a:ea typeface="Hiragino Maru Gothic Pro W4" panose="020F0400000000000000" pitchFamily="34" charset="-128"/>
+              </a:rPr>
+              <a:t>方針について問題が発生した時の話し合い</a:t>
+            </a:r>
+          </a:p>
+          <a:p>
+            <a:pPr marL="502920" indent="-457200"/>
+            <a:r>
+              <a:rPr lang="ja-JP" altLang="en-US">
+                <a:solidFill>
+                  <a:schemeClr val="accent5">
+                    <a:lumMod val="50000"/>
+                  </a:schemeClr>
+                </a:solidFill>
+                <a:latin typeface="Hiragino Maru Gothic Pro W4" panose="020F0400000000000000" pitchFamily="34" charset="-128"/>
+                <a:ea typeface="Hiragino Maru Gothic Pro W4" panose="020F0400000000000000" pitchFamily="34" charset="-128"/>
+              </a:rPr>
+              <a:t>スケジュール管理</a:t>
+            </a:r>
+          </a:p>
+          <a:p>
+            <a:pPr marL="502920" indent="-457200"/>
+            <a:r>
+              <a:rPr lang="ja-JP" altLang="en-US">
+                <a:solidFill>
+                  <a:schemeClr val="accent5">
+                    <a:lumMod val="50000"/>
+                  </a:schemeClr>
+                </a:solidFill>
+                <a:latin typeface="Hiragino Maru Gothic Pro W4" panose="020F0400000000000000" pitchFamily="34" charset="-128"/>
+                <a:ea typeface="Hiragino Maru Gothic Pro W4" panose="020F0400000000000000" pitchFamily="34" charset="-128"/>
+              </a:rPr>
+              <a:t>イベント関連の交渉役</a:t>
+            </a:r>
+            <a:endParaRPr lang="en-US" altLang="ja-JP" dirty="0">
+              <a:solidFill>
+                <a:schemeClr val="accent5">
+                  <a:lumMod val="50000"/>
+                </a:schemeClr>
+              </a:solidFill>
+              <a:latin typeface="Hiragino Maru Gothic Pro W4" panose="020F0400000000000000" pitchFamily="34" charset="-128"/>
+              <a:ea typeface="Hiragino Maru Gothic Pro W4" panose="020F0400000000000000" pitchFamily="34" charset="-128"/>
+            </a:endParaRPr>
+          </a:p>
+          <a:p>
+            <a:pPr marL="502920" indent="-457200"/>
+            <a:r>
+              <a:rPr lang="ja-JP" altLang="en-US">
+                <a:solidFill>
+                  <a:schemeClr val="accent5">
+                    <a:lumMod val="50000"/>
+                  </a:schemeClr>
+                </a:solidFill>
+                <a:latin typeface="Hiragino Maru Gothic Pro W4" panose="020F0400000000000000" pitchFamily="34" charset="-128"/>
+                <a:ea typeface="Hiragino Maru Gothic Pro W4" panose="020F0400000000000000" pitchFamily="34" charset="-128"/>
+              </a:rPr>
+              <a:t>リーグ戦メンバー管理</a:t>
+            </a:r>
+            <a:endParaRPr lang="en-US" altLang="ja-JP" dirty="0">
+              <a:solidFill>
+                <a:schemeClr val="accent5">
+                  <a:lumMod val="50000"/>
+                </a:schemeClr>
+              </a:solidFill>
+              <a:latin typeface="Hiragino Maru Gothic Pro W4" panose="020F0400000000000000" pitchFamily="34" charset="-128"/>
+              <a:ea typeface="Hiragino Maru Gothic Pro W4" panose="020F0400000000000000" pitchFamily="34" charset="-128"/>
+            </a:endParaRPr>
+          </a:p>
+          <a:p>
+            <a:pPr marL="502920" indent="-457200"/>
+            <a:r>
+              <a:rPr lang="ja-JP" altLang="en-US">
+                <a:solidFill>
+                  <a:schemeClr val="accent5">
+                    <a:lumMod val="50000"/>
+                  </a:schemeClr>
+                </a:solidFill>
+                <a:latin typeface="Hiragino Maru Gothic Pro W4" panose="020F0400000000000000" pitchFamily="34" charset="-128"/>
+                <a:ea typeface="Hiragino Maru Gothic Pro W4" panose="020F0400000000000000" pitchFamily="34" charset="-128"/>
+              </a:rPr>
+              <a:t>その他、クランのためになること色々</a:t>
+            </a:r>
+          </a:p>
+        </p:txBody>
+      </p:sp>
+      <p:sp>
+        <p:nvSpPr>
+          <p:cNvPr id="4" name="スライド番号プレースホルダー 3">
+            <a:extLst>
+              <a:ext uri="{FF2B5EF4-FFF2-40B4-BE49-F238E27FC236}">
+                <a16:creationId xmlns:a16="http://schemas.microsoft.com/office/drawing/2014/main" id="{34C04C8D-49C3-874E-864D-A6289CA1E427}"/>
+              </a:ext>
+            </a:extLst>
+          </p:cNvPr>
+          <p:cNvSpPr>
+            <a:spLocks noGrp="1"/>
+          </p:cNvSpPr>
+          <p:nvPr>
+            <p:ph type="sldNum" sz="quarter" idx="12"/>
+          </p:nvPr>
+        </p:nvSpPr>
+        <p:spPr/>
+        <p:txBody>
+          <a:bodyPr/>
+          <a:lstStyle/>
+          <a:p>
+            <a:pPr rtl="0"/>
+            <a:fld id="{E31375A4-56A4-47D6-9801-1991572033F7}" type="slidenum">
+              <a:rPr lang="en-US" altLang="ja-JP" noProof="0" smtClean="0">
+                <a:solidFill>
+                  <a:schemeClr val="accent5">
+                    <a:lumMod val="50000"/>
+                  </a:schemeClr>
+                </a:solidFill>
+                <a:latin typeface="Hiragino Maru Gothic Pro W4" panose="020F0400000000000000" pitchFamily="34" charset="-128"/>
+                <a:ea typeface="Hiragino Maru Gothic Pro W4" panose="020F0400000000000000" pitchFamily="34" charset="-128"/>
+              </a:rPr>
+              <a:t>19</a:t>
+            </a:fld>
+            <a:endParaRPr lang="ja-JP" altLang="en-US" noProof="0" dirty="0">
+              <a:solidFill>
+                <a:schemeClr val="accent5">
+                  <a:lumMod val="50000"/>
+                </a:schemeClr>
+              </a:solidFill>
+              <a:latin typeface="Hiragino Maru Gothic Pro W4" panose="020F0400000000000000" pitchFamily="34" charset="-128"/>
+              <a:ea typeface="Hiragino Maru Gothic Pro W4" panose="020F0400000000000000" pitchFamily="34" charset="-128"/>
+            </a:endParaRPr>
+          </a:p>
+        </p:txBody>
+      </p:sp>
+    </p:spTree>
+    <p:extLst>
+      <p:ext uri="{BB962C8B-B14F-4D97-AF65-F5344CB8AC3E}">
+        <p14:creationId xmlns:p14="http://schemas.microsoft.com/office/powerpoint/2010/main" val="2458349678"/>
       </p:ext>
     </p:extLst>
   </p:cSld>
@@ -9567,7 +10601,7 @@
             <a:off x="7304518" y="1184660"/>
             <a:ext cx="4338844" cy="2546271"/>
           </a:xfrm>
-          <a:prstGeom prst="rect">
+          <a:prstGeom prst="ellipse">
             <a:avLst/>
           </a:prstGeom>
           <a:ln>
@@ -9977,7 +11011,31 @@
                 <a:latin typeface="Hiragino Maru Gothic Pro W4" panose="020F0400000000000000" pitchFamily="34" charset="-128"/>
                 <a:ea typeface="Hiragino Maru Gothic Pro W4" panose="020F0400000000000000" pitchFamily="34" charset="-128"/>
               </a:rPr>
-              <a:t>幻のクラン「とまり木」</a:t>
+              <a:t>幻のクラン「</a:t>
+            </a:r>
+            <a:r>
+              <a:rPr lang="en-US" altLang="ja-JP" dirty="0">
+                <a:solidFill>
+                  <a:schemeClr val="accent5">
+                    <a:lumMod val="50000"/>
+                  </a:schemeClr>
+                </a:solidFill>
+                <a:latin typeface="Hiragino Maru Gothic Pro W4" panose="020F0400000000000000" pitchFamily="34" charset="-128"/>
+                <a:ea typeface="Hiragino Maru Gothic Pro W4" panose="020F0400000000000000" pitchFamily="34" charset="-128"/>
+              </a:rPr>
+              <a:t>YADORIGI</a:t>
+            </a:r>
+            <a:r>
+              <a:rPr lang="ja-JP" altLang="en-US">
+                <a:solidFill>
+                  <a:schemeClr val="accent5">
+                    <a:lumMod val="50000"/>
+                  </a:schemeClr>
+                </a:solidFill>
+                <a:latin typeface="Hiragino Maru Gothic Pro W4" panose="020F0400000000000000" pitchFamily="34" charset="-128"/>
+                <a:ea typeface="Hiragino Maru Gothic Pro W4" panose="020F0400000000000000" pitchFamily="34" charset="-128"/>
+              </a:rPr>
+              <a:t>」</a:t>
             </a:r>
             <a:endParaRPr lang="en-US" altLang="ja-JP" dirty="0">
               <a:solidFill>
@@ -10053,6 +11111,2165 @@
     <p:extLst>
       <p:ext uri="{BB962C8B-B14F-4D97-AF65-F5344CB8AC3E}">
         <p14:creationId xmlns:p14="http://schemas.microsoft.com/office/powerpoint/2010/main" val="1576857878"/>
+      </p:ext>
+    </p:extLst>
+  </p:cSld>
+  <p:clrMapOvr>
+    <a:masterClrMapping/>
+  </p:clrMapOvr>
+  <mc:AlternateContent xmlns:mc="http://schemas.openxmlformats.org/markup-compatibility/2006" xmlns:p14="http://schemas.microsoft.com/office/powerpoint/2010/main">
+    <mc:Choice Requires="p14">
+      <p:transition spd="med" p14:dur="700">
+        <p:fade/>
+      </p:transition>
+    </mc:Choice>
+    <mc:Fallback xmlns="">
+      <p:transition spd="med">
+        <p:fade/>
+      </p:transition>
+    </mc:Fallback>
+  </mc:AlternateContent>
+</p:sld>
+</file>
+
+<file path=ppt/slides/slide20.xml><?xml version="1.0" encoding="utf-8"?>
+<p:sld xmlns:a="http://schemas.openxmlformats.org/drawingml/2006/main" xmlns:r="http://schemas.openxmlformats.org/officeDocument/2006/relationships" xmlns:p="http://schemas.openxmlformats.org/presentationml/2006/main">
+  <p:cSld>
+    <p:spTree>
+      <p:nvGrpSpPr>
+        <p:cNvPr id="1" name=""/>
+        <p:cNvGrpSpPr/>
+        <p:nvPr/>
+      </p:nvGrpSpPr>
+      <p:grpSpPr>
+        <a:xfrm>
+          <a:off x="0" y="0"/>
+          <a:ext cx="0" cy="0"/>
+          <a:chOff x="0" y="0"/>
+          <a:chExt cx="0" cy="0"/>
+        </a:xfrm>
+      </p:grpSpPr>
+      <p:sp>
+        <p:nvSpPr>
+          <p:cNvPr id="2" name="タイトル 1">
+            <a:extLst>
+              <a:ext uri="{FF2B5EF4-FFF2-40B4-BE49-F238E27FC236}">
+                <a16:creationId xmlns:a16="http://schemas.microsoft.com/office/drawing/2014/main" id="{4BEF2D4F-28AD-C84D-A4AC-A607D5B45D24}"/>
+              </a:ext>
+            </a:extLst>
+          </p:cNvPr>
+          <p:cNvSpPr>
+            <a:spLocks noGrp="1"/>
+          </p:cNvSpPr>
+          <p:nvPr>
+            <p:ph type="title"/>
+          </p:nvPr>
+        </p:nvSpPr>
+        <p:spPr/>
+        <p:txBody>
+          <a:bodyPr/>
+          <a:lstStyle/>
+          <a:p>
+            <a:r>
+              <a:rPr lang="ja-JP" altLang="en-US">
+                <a:solidFill>
+                  <a:schemeClr val="accent5">
+                    <a:lumMod val="50000"/>
+                  </a:schemeClr>
+                </a:solidFill>
+                <a:latin typeface="Hiragino Maru Gothic Pro W4" panose="020F0400000000000000" pitchFamily="34" charset="-128"/>
+                <a:ea typeface="Hiragino Maru Gothic Pro W4" panose="020F0400000000000000" pitchFamily="34" charset="-128"/>
+              </a:rPr>
+              <a:t>サブリーダーの仕事：実務系</a:t>
+            </a:r>
+            <a:endParaRPr kumimoji="1" lang="ja-JP" altLang="en-US">
+              <a:solidFill>
+                <a:schemeClr val="accent5">
+                  <a:lumMod val="50000"/>
+                </a:schemeClr>
+              </a:solidFill>
+              <a:latin typeface="Hiragino Maru Gothic Pro W4" panose="020F0400000000000000" pitchFamily="34" charset="-128"/>
+              <a:ea typeface="Hiragino Maru Gothic Pro W4" panose="020F0400000000000000" pitchFamily="34" charset="-128"/>
+            </a:endParaRPr>
+          </a:p>
+        </p:txBody>
+      </p:sp>
+      <p:sp>
+        <p:nvSpPr>
+          <p:cNvPr id="3" name="コンテンツ プレースホルダー 2">
+            <a:extLst>
+              <a:ext uri="{FF2B5EF4-FFF2-40B4-BE49-F238E27FC236}">
+                <a16:creationId xmlns:a16="http://schemas.microsoft.com/office/drawing/2014/main" id="{01E773B8-156E-4743-8E4A-3ED5FB7CC4E2}"/>
+              </a:ext>
+            </a:extLst>
+          </p:cNvPr>
+          <p:cNvSpPr>
+            <a:spLocks noGrp="1"/>
+          </p:cNvSpPr>
+          <p:nvPr>
+            <p:ph idx="1"/>
+          </p:nvPr>
+        </p:nvSpPr>
+        <p:spPr>
+          <a:xfrm>
+            <a:off x="838200" y="1588575"/>
+            <a:ext cx="10515600" cy="4588387"/>
+          </a:xfrm>
+        </p:spPr>
+        <p:txBody>
+          <a:bodyPr>
+            <a:normAutofit/>
+          </a:bodyPr>
+          <a:lstStyle/>
+          <a:p>
+            <a:pPr marL="502920" indent="-457200"/>
+            <a:r>
+              <a:rPr lang="ja-JP" altLang="en-US">
+                <a:solidFill>
+                  <a:schemeClr val="accent5">
+                    <a:lumMod val="50000"/>
+                  </a:schemeClr>
+                </a:solidFill>
+                <a:latin typeface="Hiragino Maru Gothic Pro W4" panose="020F0400000000000000" pitchFamily="34" charset="-128"/>
+                <a:ea typeface="Hiragino Maru Gothic Pro W4" panose="020F0400000000000000" pitchFamily="34" charset="-128"/>
+              </a:rPr>
+              <a:t>配置関係</a:t>
+            </a:r>
+            <a:r>
+              <a:rPr lang="en-US" altLang="ja-JP" sz="2000" dirty="0">
+                <a:solidFill>
+                  <a:schemeClr val="accent5">
+                    <a:lumMod val="50000"/>
+                  </a:schemeClr>
+                </a:solidFill>
+                <a:latin typeface="Hiragino Maru Gothic Pro W4" panose="020F0400000000000000" pitchFamily="34" charset="-128"/>
+                <a:ea typeface="Hiragino Maru Gothic Pro W4" panose="020F0400000000000000" pitchFamily="34" charset="-128"/>
+              </a:rPr>
+              <a:t>(</a:t>
+            </a:r>
+            <a:r>
+              <a:rPr lang="ja-JP" altLang="en-US" sz="2000">
+                <a:solidFill>
+                  <a:schemeClr val="accent5">
+                    <a:lumMod val="50000"/>
+                  </a:schemeClr>
+                </a:solidFill>
+                <a:latin typeface="Hiragino Maru Gothic Pro W4" panose="020F0400000000000000" pitchFamily="34" charset="-128"/>
+                <a:ea typeface="Hiragino Maru Gothic Pro W4" panose="020F0400000000000000" pitchFamily="34" charset="-128"/>
+              </a:rPr>
+              <a:t>作成や相談</a:t>
+            </a:r>
+            <a:r>
+              <a:rPr lang="en-US" altLang="ja-JP" sz="2000" dirty="0">
+                <a:solidFill>
+                  <a:schemeClr val="accent5">
+                    <a:lumMod val="50000"/>
+                  </a:schemeClr>
+                </a:solidFill>
+                <a:latin typeface="Hiragino Maru Gothic Pro W4" panose="020F0400000000000000" pitchFamily="34" charset="-128"/>
+                <a:ea typeface="Hiragino Maru Gothic Pro W4" panose="020F0400000000000000" pitchFamily="34" charset="-128"/>
+              </a:rPr>
+              <a:t>)</a:t>
+            </a:r>
+            <a:endParaRPr lang="ja-JP" altLang="en-US" sz="2000">
+              <a:solidFill>
+                <a:schemeClr val="accent5">
+                  <a:lumMod val="50000"/>
+                </a:schemeClr>
+              </a:solidFill>
+              <a:latin typeface="Hiragino Maru Gothic Pro W4" panose="020F0400000000000000" pitchFamily="34" charset="-128"/>
+              <a:ea typeface="Hiragino Maru Gothic Pro W4" panose="020F0400000000000000" pitchFamily="34" charset="-128"/>
+            </a:endParaRPr>
+          </a:p>
+          <a:p>
+            <a:pPr marL="502920" indent="-457200"/>
+            <a:r>
+              <a:rPr lang="ja-JP" altLang="en-US">
+                <a:solidFill>
+                  <a:schemeClr val="accent5">
+                    <a:lumMod val="50000"/>
+                  </a:schemeClr>
+                </a:solidFill>
+                <a:latin typeface="Hiragino Maru Gothic Pro W4" panose="020F0400000000000000" pitchFamily="34" charset="-128"/>
+                <a:ea typeface="Hiragino Maru Gothic Pro W4" panose="020F0400000000000000" pitchFamily="34" charset="-128"/>
+              </a:rPr>
+              <a:t>プランニング相談</a:t>
+            </a:r>
+            <a:endParaRPr lang="en-US" altLang="ja-JP" dirty="0">
+              <a:solidFill>
+                <a:schemeClr val="accent5">
+                  <a:lumMod val="50000"/>
+                </a:schemeClr>
+              </a:solidFill>
+              <a:latin typeface="Hiragino Maru Gothic Pro W4" panose="020F0400000000000000" pitchFamily="34" charset="-128"/>
+              <a:ea typeface="Hiragino Maru Gothic Pro W4" panose="020F0400000000000000" pitchFamily="34" charset="-128"/>
+            </a:endParaRPr>
+          </a:p>
+          <a:p>
+            <a:pPr marL="502920" indent="-457200"/>
+            <a:r>
+              <a:rPr lang="ja-JP" altLang="en-US">
+                <a:solidFill>
+                  <a:schemeClr val="accent5">
+                    <a:lumMod val="50000"/>
+                  </a:schemeClr>
+                </a:solidFill>
+                <a:latin typeface="Hiragino Maru Gothic Pro W4" panose="020F0400000000000000" pitchFamily="34" charset="-128"/>
+                <a:ea typeface="Hiragino Maru Gothic Pro W4" panose="020F0400000000000000" pitchFamily="34" charset="-128"/>
+              </a:rPr>
+              <a:t>ガチ戦メンバー選定</a:t>
+            </a:r>
+            <a:endParaRPr lang="en-US" altLang="ja-JP" dirty="0">
+              <a:solidFill>
+                <a:schemeClr val="accent5">
+                  <a:lumMod val="50000"/>
+                </a:schemeClr>
+              </a:solidFill>
+              <a:latin typeface="Hiragino Maru Gothic Pro W4" panose="020F0400000000000000" pitchFamily="34" charset="-128"/>
+              <a:ea typeface="Hiragino Maru Gothic Pro W4" panose="020F0400000000000000" pitchFamily="34" charset="-128"/>
+            </a:endParaRPr>
+          </a:p>
+          <a:p>
+            <a:pPr marL="502920" indent="-457200"/>
+            <a:r>
+              <a:rPr lang="ja-JP" altLang="en-US">
+                <a:solidFill>
+                  <a:schemeClr val="accent5">
+                    <a:lumMod val="50000"/>
+                  </a:schemeClr>
+                </a:solidFill>
+                <a:latin typeface="Hiragino Maru Gothic Pro W4" panose="020F0400000000000000" pitchFamily="34" charset="-128"/>
+                <a:ea typeface="Hiragino Maru Gothic Pro W4" panose="020F0400000000000000" pitchFamily="34" charset="-128"/>
+              </a:rPr>
+              <a:t>その他、ガチ戦で勝つためのこと色々</a:t>
+            </a:r>
+          </a:p>
+        </p:txBody>
+      </p:sp>
+      <p:sp>
+        <p:nvSpPr>
+          <p:cNvPr id="4" name="スライド番号プレースホルダー 3">
+            <a:extLst>
+              <a:ext uri="{FF2B5EF4-FFF2-40B4-BE49-F238E27FC236}">
+                <a16:creationId xmlns:a16="http://schemas.microsoft.com/office/drawing/2014/main" id="{34C04C8D-49C3-874E-864D-A6289CA1E427}"/>
+              </a:ext>
+            </a:extLst>
+          </p:cNvPr>
+          <p:cNvSpPr>
+            <a:spLocks noGrp="1"/>
+          </p:cNvSpPr>
+          <p:nvPr>
+            <p:ph type="sldNum" sz="quarter" idx="12"/>
+          </p:nvPr>
+        </p:nvSpPr>
+        <p:spPr/>
+        <p:txBody>
+          <a:bodyPr/>
+          <a:lstStyle/>
+          <a:p>
+            <a:pPr rtl="0"/>
+            <a:fld id="{E31375A4-56A4-47D6-9801-1991572033F7}" type="slidenum">
+              <a:rPr lang="en-US" altLang="ja-JP" noProof="0" smtClean="0">
+                <a:solidFill>
+                  <a:schemeClr val="accent5">
+                    <a:lumMod val="50000"/>
+                  </a:schemeClr>
+                </a:solidFill>
+                <a:latin typeface="Hiragino Maru Gothic Pro W4" panose="020F0400000000000000" pitchFamily="34" charset="-128"/>
+                <a:ea typeface="Hiragino Maru Gothic Pro W4" panose="020F0400000000000000" pitchFamily="34" charset="-128"/>
+              </a:rPr>
+              <a:t>20</a:t>
+            </a:fld>
+            <a:endParaRPr lang="ja-JP" altLang="en-US" noProof="0" dirty="0">
+              <a:solidFill>
+                <a:schemeClr val="accent5">
+                  <a:lumMod val="50000"/>
+                </a:schemeClr>
+              </a:solidFill>
+              <a:latin typeface="Hiragino Maru Gothic Pro W4" panose="020F0400000000000000" pitchFamily="34" charset="-128"/>
+              <a:ea typeface="Hiragino Maru Gothic Pro W4" panose="020F0400000000000000" pitchFamily="34" charset="-128"/>
+            </a:endParaRPr>
+          </a:p>
+        </p:txBody>
+      </p:sp>
+    </p:spTree>
+    <p:extLst>
+      <p:ext uri="{BB962C8B-B14F-4D97-AF65-F5344CB8AC3E}">
+        <p14:creationId xmlns:p14="http://schemas.microsoft.com/office/powerpoint/2010/main" val="2798997222"/>
+      </p:ext>
+    </p:extLst>
+  </p:cSld>
+  <p:clrMapOvr>
+    <a:masterClrMapping/>
+  </p:clrMapOvr>
+  <mc:AlternateContent xmlns:mc="http://schemas.openxmlformats.org/markup-compatibility/2006" xmlns:p14="http://schemas.microsoft.com/office/powerpoint/2010/main">
+    <mc:Choice Requires="p14">
+      <p:transition spd="med" p14:dur="700">
+        <p:fade/>
+      </p:transition>
+    </mc:Choice>
+    <mc:Fallback xmlns="">
+      <p:transition spd="med">
+        <p:fade/>
+      </p:transition>
+    </mc:Fallback>
+  </mc:AlternateContent>
+</p:sld>
+</file>
+
+<file path=ppt/slides/slide21.xml><?xml version="1.0" encoding="utf-8"?>
+<p:sld xmlns:a="http://schemas.openxmlformats.org/drawingml/2006/main" xmlns:r="http://schemas.openxmlformats.org/officeDocument/2006/relationships" xmlns:p="http://schemas.openxmlformats.org/presentationml/2006/main">
+  <p:cSld>
+    <p:spTree>
+      <p:nvGrpSpPr>
+        <p:cNvPr id="1" name=""/>
+        <p:cNvGrpSpPr/>
+        <p:nvPr/>
+      </p:nvGrpSpPr>
+      <p:grpSpPr>
+        <a:xfrm>
+          <a:off x="0" y="0"/>
+          <a:ext cx="0" cy="0"/>
+          <a:chOff x="0" y="0"/>
+          <a:chExt cx="0" cy="0"/>
+        </a:xfrm>
+      </p:grpSpPr>
+      <p:sp>
+        <p:nvSpPr>
+          <p:cNvPr id="2" name="タイトル 1">
+            <a:extLst>
+              <a:ext uri="{FF2B5EF4-FFF2-40B4-BE49-F238E27FC236}">
+                <a16:creationId xmlns:a16="http://schemas.microsoft.com/office/drawing/2014/main" id="{4BEF2D4F-28AD-C84D-A4AC-A607D5B45D24}"/>
+              </a:ext>
+            </a:extLst>
+          </p:cNvPr>
+          <p:cNvSpPr>
+            <a:spLocks noGrp="1"/>
+          </p:cNvSpPr>
+          <p:nvPr>
+            <p:ph type="title"/>
+          </p:nvPr>
+        </p:nvSpPr>
+        <p:spPr/>
+        <p:txBody>
+          <a:bodyPr/>
+          <a:lstStyle/>
+          <a:p>
+            <a:r>
+              <a:rPr lang="ja-JP" altLang="en-US">
+                <a:solidFill>
+                  <a:schemeClr val="accent5">
+                    <a:lumMod val="50000"/>
+                  </a:schemeClr>
+                </a:solidFill>
+                <a:latin typeface="Hiragino Maru Gothic Pro W4" panose="020F0400000000000000" pitchFamily="34" charset="-128"/>
+                <a:ea typeface="Hiragino Maru Gothic Pro W4" panose="020F0400000000000000" pitchFamily="34" charset="-128"/>
+              </a:rPr>
+              <a:t>サブリーダーの仕事：共通</a:t>
+            </a:r>
+            <a:endParaRPr kumimoji="1" lang="ja-JP" altLang="en-US">
+              <a:solidFill>
+                <a:schemeClr val="accent5">
+                  <a:lumMod val="50000"/>
+                </a:schemeClr>
+              </a:solidFill>
+              <a:latin typeface="Hiragino Maru Gothic Pro W4" panose="020F0400000000000000" pitchFamily="34" charset="-128"/>
+              <a:ea typeface="Hiragino Maru Gothic Pro W4" panose="020F0400000000000000" pitchFamily="34" charset="-128"/>
+            </a:endParaRPr>
+          </a:p>
+        </p:txBody>
+      </p:sp>
+      <p:sp>
+        <p:nvSpPr>
+          <p:cNvPr id="3" name="コンテンツ プレースホルダー 2">
+            <a:extLst>
+              <a:ext uri="{FF2B5EF4-FFF2-40B4-BE49-F238E27FC236}">
+                <a16:creationId xmlns:a16="http://schemas.microsoft.com/office/drawing/2014/main" id="{01E773B8-156E-4743-8E4A-3ED5FB7CC4E2}"/>
+              </a:ext>
+            </a:extLst>
+          </p:cNvPr>
+          <p:cNvSpPr>
+            <a:spLocks noGrp="1"/>
+          </p:cNvSpPr>
+          <p:nvPr>
+            <p:ph idx="1"/>
+          </p:nvPr>
+        </p:nvSpPr>
+        <p:spPr>
+          <a:xfrm>
+            <a:off x="838200" y="1588575"/>
+            <a:ext cx="10515600" cy="4588387"/>
+          </a:xfrm>
+        </p:spPr>
+        <p:txBody>
+          <a:bodyPr>
+            <a:normAutofit/>
+          </a:bodyPr>
+          <a:lstStyle/>
+          <a:p>
+            <a:pPr marL="502920" indent="-457200"/>
+            <a:r>
+              <a:rPr lang="ja-JP" altLang="en-US">
+                <a:solidFill>
+                  <a:schemeClr val="accent5">
+                    <a:lumMod val="50000"/>
+                  </a:schemeClr>
+                </a:solidFill>
+                <a:latin typeface="Hiragino Maru Gothic Pro W4" panose="020F0400000000000000" pitchFamily="34" charset="-128"/>
+                <a:ea typeface="Hiragino Maru Gothic Pro W4" panose="020F0400000000000000" pitchFamily="34" charset="-128"/>
+              </a:rPr>
+              <a:t>対戦ポチ</a:t>
+            </a:r>
+          </a:p>
+          <a:p>
+            <a:pPr marL="502920" indent="-457200"/>
+            <a:r>
+              <a:rPr lang="ja-JP" altLang="en-US">
+                <a:solidFill>
+                  <a:schemeClr val="accent5">
+                    <a:lumMod val="50000"/>
+                  </a:schemeClr>
+                </a:solidFill>
+                <a:latin typeface="Hiragino Maru Gothic Pro W4" panose="020F0400000000000000" pitchFamily="34" charset="-128"/>
+                <a:ea typeface="Hiragino Maru Gothic Pro W4" panose="020F0400000000000000" pitchFamily="34" charset="-128"/>
+              </a:rPr>
+              <a:t>放置や荒らしのキック</a:t>
+            </a:r>
+          </a:p>
+          <a:p>
+            <a:pPr marL="502920" indent="-457200"/>
+            <a:r>
+              <a:rPr lang="ja-JP" altLang="en-US">
+                <a:solidFill>
+                  <a:schemeClr val="accent5">
+                    <a:lumMod val="50000"/>
+                  </a:schemeClr>
+                </a:solidFill>
+                <a:latin typeface="Hiragino Maru Gothic Pro W4" panose="020F0400000000000000" pitchFamily="34" charset="-128"/>
+                <a:ea typeface="Hiragino Maru Gothic Pro W4" panose="020F0400000000000000" pitchFamily="34" charset="-128"/>
+              </a:rPr>
+              <a:t>宣伝、勧誘</a:t>
+            </a:r>
+            <a:br>
+              <a:rPr lang="en-US" altLang="ja-JP" dirty="0">
+                <a:solidFill>
+                  <a:schemeClr val="accent5">
+                    <a:lumMod val="50000"/>
+                  </a:schemeClr>
+                </a:solidFill>
+                <a:latin typeface="Hiragino Maru Gothic Pro W4" panose="020F0400000000000000" pitchFamily="34" charset="-128"/>
+                <a:ea typeface="Hiragino Maru Gothic Pro W4" panose="020F0400000000000000" pitchFamily="34" charset="-128"/>
+              </a:rPr>
+            </a:br>
+            <a:r>
+              <a:rPr lang="ja-JP" altLang="en-US">
+                <a:solidFill>
+                  <a:schemeClr val="accent5">
+                    <a:lumMod val="50000"/>
+                  </a:schemeClr>
+                </a:solidFill>
+                <a:latin typeface="Hiragino Maru Gothic Pro W4" panose="020F0400000000000000" pitchFamily="34" charset="-128"/>
+                <a:ea typeface="Hiragino Maru Gothic Pro W4" panose="020F0400000000000000" pitchFamily="34" charset="-128"/>
+              </a:rPr>
+              <a:t>→勧誘の仕方については注意を払うこと</a:t>
+            </a:r>
+            <a:br>
+              <a:rPr lang="en-US" altLang="ja-JP" dirty="0">
+                <a:solidFill>
+                  <a:schemeClr val="accent5">
+                    <a:lumMod val="50000"/>
+                  </a:schemeClr>
+                </a:solidFill>
+                <a:latin typeface="Hiragino Maru Gothic Pro W4" panose="020F0400000000000000" pitchFamily="34" charset="-128"/>
+                <a:ea typeface="Hiragino Maru Gothic Pro W4" panose="020F0400000000000000" pitchFamily="34" charset="-128"/>
+              </a:rPr>
+            </a:br>
+            <a:r>
+              <a:rPr lang="ja-JP" altLang="en-US">
+                <a:solidFill>
+                  <a:schemeClr val="accent5">
+                    <a:lumMod val="50000"/>
+                  </a:schemeClr>
+                </a:solidFill>
+                <a:latin typeface="Hiragino Maru Gothic Pro W4" panose="020F0400000000000000" pitchFamily="34" charset="-128"/>
+                <a:ea typeface="Hiragino Maru Gothic Pro W4" panose="020F0400000000000000" pitchFamily="34" charset="-128"/>
+              </a:rPr>
+              <a:t>→他所のクランの人を誘わない、トラブルの元</a:t>
+            </a:r>
+          </a:p>
+        </p:txBody>
+      </p:sp>
+      <p:sp>
+        <p:nvSpPr>
+          <p:cNvPr id="4" name="スライド番号プレースホルダー 3">
+            <a:extLst>
+              <a:ext uri="{FF2B5EF4-FFF2-40B4-BE49-F238E27FC236}">
+                <a16:creationId xmlns:a16="http://schemas.microsoft.com/office/drawing/2014/main" id="{34C04C8D-49C3-874E-864D-A6289CA1E427}"/>
+              </a:ext>
+            </a:extLst>
+          </p:cNvPr>
+          <p:cNvSpPr>
+            <a:spLocks noGrp="1"/>
+          </p:cNvSpPr>
+          <p:nvPr>
+            <p:ph type="sldNum" sz="quarter" idx="12"/>
+          </p:nvPr>
+        </p:nvSpPr>
+        <p:spPr/>
+        <p:txBody>
+          <a:bodyPr/>
+          <a:lstStyle/>
+          <a:p>
+            <a:pPr rtl="0"/>
+            <a:fld id="{E31375A4-56A4-47D6-9801-1991572033F7}" type="slidenum">
+              <a:rPr lang="en-US" altLang="ja-JP" noProof="0" smtClean="0">
+                <a:solidFill>
+                  <a:schemeClr val="accent5">
+                    <a:lumMod val="50000"/>
+                  </a:schemeClr>
+                </a:solidFill>
+                <a:latin typeface="Hiragino Maru Gothic Pro W4" panose="020F0400000000000000" pitchFamily="34" charset="-128"/>
+                <a:ea typeface="Hiragino Maru Gothic Pro W4" panose="020F0400000000000000" pitchFamily="34" charset="-128"/>
+              </a:rPr>
+              <a:t>21</a:t>
+            </a:fld>
+            <a:endParaRPr lang="ja-JP" altLang="en-US" noProof="0" dirty="0">
+              <a:solidFill>
+                <a:schemeClr val="accent5">
+                  <a:lumMod val="50000"/>
+                </a:schemeClr>
+              </a:solidFill>
+              <a:latin typeface="Hiragino Maru Gothic Pro W4" panose="020F0400000000000000" pitchFamily="34" charset="-128"/>
+              <a:ea typeface="Hiragino Maru Gothic Pro W4" panose="020F0400000000000000" pitchFamily="34" charset="-128"/>
+            </a:endParaRPr>
+          </a:p>
+        </p:txBody>
+      </p:sp>
+    </p:spTree>
+    <p:extLst>
+      <p:ext uri="{BB962C8B-B14F-4D97-AF65-F5344CB8AC3E}">
+        <p14:creationId xmlns:p14="http://schemas.microsoft.com/office/powerpoint/2010/main" val="2964520577"/>
+      </p:ext>
+    </p:extLst>
+  </p:cSld>
+  <p:clrMapOvr>
+    <a:masterClrMapping/>
+  </p:clrMapOvr>
+  <mc:AlternateContent xmlns:mc="http://schemas.openxmlformats.org/markup-compatibility/2006" xmlns:p14="http://schemas.microsoft.com/office/powerpoint/2010/main">
+    <mc:Choice Requires="p14">
+      <p:transition spd="med" p14:dur="700">
+        <p:fade/>
+      </p:transition>
+    </mc:Choice>
+    <mc:Fallback xmlns="">
+      <p:transition spd="med">
+        <p:fade/>
+      </p:transition>
+    </mc:Fallback>
+  </mc:AlternateContent>
+</p:sld>
+</file>
+
+<file path=ppt/slides/slide22.xml><?xml version="1.0" encoding="utf-8"?>
+<p:sld xmlns:a="http://schemas.openxmlformats.org/drawingml/2006/main" xmlns:r="http://schemas.openxmlformats.org/officeDocument/2006/relationships" xmlns:p="http://schemas.openxmlformats.org/presentationml/2006/main">
+  <p:cSld>
+    <p:spTree>
+      <p:nvGrpSpPr>
+        <p:cNvPr id="1" name=""/>
+        <p:cNvGrpSpPr/>
+        <p:nvPr/>
+      </p:nvGrpSpPr>
+      <p:grpSpPr>
+        <a:xfrm>
+          <a:off x="0" y="0"/>
+          <a:ext cx="0" cy="0"/>
+          <a:chOff x="0" y="0"/>
+          <a:chExt cx="0" cy="0"/>
+        </a:xfrm>
+      </p:grpSpPr>
+      <p:sp>
+        <p:nvSpPr>
+          <p:cNvPr id="2" name="タイトル 1">
+            <a:extLst>
+              <a:ext uri="{FF2B5EF4-FFF2-40B4-BE49-F238E27FC236}">
+                <a16:creationId xmlns:a16="http://schemas.microsoft.com/office/drawing/2014/main" id="{4BEF2D4F-28AD-C84D-A4AC-A607D5B45D24}"/>
+              </a:ext>
+            </a:extLst>
+          </p:cNvPr>
+          <p:cNvSpPr>
+            <a:spLocks noGrp="1"/>
+          </p:cNvSpPr>
+          <p:nvPr>
+            <p:ph type="title"/>
+          </p:nvPr>
+        </p:nvSpPr>
+        <p:spPr/>
+        <p:txBody>
+          <a:bodyPr/>
+          <a:lstStyle/>
+          <a:p>
+            <a:r>
+              <a:rPr lang="ja-JP" altLang="en-US">
+                <a:solidFill>
+                  <a:schemeClr val="accent5">
+                    <a:lumMod val="50000"/>
+                  </a:schemeClr>
+                </a:solidFill>
+                <a:latin typeface="Hiragino Maru Gothic Pro W4" panose="020F0400000000000000" pitchFamily="34" charset="-128"/>
+                <a:ea typeface="Hiragino Maru Gothic Pro W4" panose="020F0400000000000000" pitchFamily="34" charset="-128"/>
+              </a:rPr>
+              <a:t>サブリーダー</a:t>
+            </a:r>
+            <a:r>
+              <a:rPr kumimoji="1" lang="ja-JP" altLang="en-US">
+                <a:solidFill>
+                  <a:schemeClr val="accent5">
+                    <a:lumMod val="50000"/>
+                  </a:schemeClr>
+                </a:solidFill>
+                <a:latin typeface="Hiragino Maru Gothic Pro W4" panose="020F0400000000000000" pitchFamily="34" charset="-128"/>
+                <a:ea typeface="Hiragino Maru Gothic Pro W4" panose="020F0400000000000000" pitchFamily="34" charset="-128"/>
+              </a:rPr>
+              <a:t>のリソース配分</a:t>
+            </a:r>
+          </a:p>
+        </p:txBody>
+      </p:sp>
+      <p:sp>
+        <p:nvSpPr>
+          <p:cNvPr id="4" name="スライド番号プレースホルダー 3">
+            <a:extLst>
+              <a:ext uri="{FF2B5EF4-FFF2-40B4-BE49-F238E27FC236}">
+                <a16:creationId xmlns:a16="http://schemas.microsoft.com/office/drawing/2014/main" id="{34C04C8D-49C3-874E-864D-A6289CA1E427}"/>
+              </a:ext>
+            </a:extLst>
+          </p:cNvPr>
+          <p:cNvSpPr>
+            <a:spLocks noGrp="1"/>
+          </p:cNvSpPr>
+          <p:nvPr>
+            <p:ph type="sldNum" sz="quarter" idx="12"/>
+          </p:nvPr>
+        </p:nvSpPr>
+        <p:spPr/>
+        <p:txBody>
+          <a:bodyPr/>
+          <a:lstStyle/>
+          <a:p>
+            <a:pPr rtl="0"/>
+            <a:fld id="{E31375A4-56A4-47D6-9801-1991572033F7}" type="slidenum">
+              <a:rPr lang="en-US" altLang="ja-JP" noProof="0" smtClean="0">
+                <a:solidFill>
+                  <a:schemeClr val="accent5">
+                    <a:lumMod val="50000"/>
+                  </a:schemeClr>
+                </a:solidFill>
+                <a:latin typeface="Hiragino Maru Gothic Pro W4" panose="020F0400000000000000" pitchFamily="34" charset="-128"/>
+                <a:ea typeface="Hiragino Maru Gothic Pro W4" panose="020F0400000000000000" pitchFamily="34" charset="-128"/>
+              </a:rPr>
+              <a:t>22</a:t>
+            </a:fld>
+            <a:endParaRPr lang="ja-JP" altLang="en-US" noProof="0" dirty="0">
+              <a:solidFill>
+                <a:schemeClr val="accent5">
+                  <a:lumMod val="50000"/>
+                </a:schemeClr>
+              </a:solidFill>
+              <a:latin typeface="Hiragino Maru Gothic Pro W4" panose="020F0400000000000000" pitchFamily="34" charset="-128"/>
+              <a:ea typeface="Hiragino Maru Gothic Pro W4" panose="020F0400000000000000" pitchFamily="34" charset="-128"/>
+            </a:endParaRPr>
+          </a:p>
+        </p:txBody>
+      </p:sp>
+      <p:sp>
+        <p:nvSpPr>
+          <p:cNvPr id="9" name="正方形/長方形 8">
+            <a:extLst>
+              <a:ext uri="{FF2B5EF4-FFF2-40B4-BE49-F238E27FC236}">
+                <a16:creationId xmlns:a16="http://schemas.microsoft.com/office/drawing/2014/main" id="{2FDDAFCE-9F06-1E48-A9CB-C2ECBD65C4BB}"/>
+              </a:ext>
+            </a:extLst>
+          </p:cNvPr>
+          <p:cNvSpPr/>
+          <p:nvPr/>
+        </p:nvSpPr>
+        <p:spPr>
+          <a:xfrm>
+            <a:off x="1523997" y="1426605"/>
+            <a:ext cx="3214553" cy="619910"/>
+          </a:xfrm>
+          <a:prstGeom prst="rect">
+            <a:avLst/>
+          </a:prstGeom>
+        </p:spPr>
+        <p:style>
+          <a:lnRef idx="0">
+            <a:schemeClr val="accent2"/>
+          </a:lnRef>
+          <a:fillRef idx="3">
+            <a:schemeClr val="accent2"/>
+          </a:fillRef>
+          <a:effectRef idx="3">
+            <a:schemeClr val="accent2"/>
+          </a:effectRef>
+          <a:fontRef idx="minor">
+            <a:schemeClr val="lt1"/>
+          </a:fontRef>
+        </p:style>
+        <p:txBody>
+          <a:bodyPr rtlCol="0" anchor="ctr"/>
+          <a:lstStyle/>
+          <a:p>
+            <a:pPr algn="ctr"/>
+            <a:r>
+              <a:rPr kumimoji="1" lang="en-US" altLang="ja-JP" sz="2000" dirty="0">
+                <a:latin typeface="Hiragino Maru Gothic Pro W4" panose="020F0400000000000000" pitchFamily="34" charset="-128"/>
+                <a:ea typeface="Hiragino Maru Gothic Pro W4" panose="020F0400000000000000" pitchFamily="34" charset="-128"/>
+              </a:rPr>
+              <a:t>TOMARIGI</a:t>
+            </a:r>
+          </a:p>
+        </p:txBody>
+      </p:sp>
+      <p:sp>
+        <p:nvSpPr>
+          <p:cNvPr id="10" name="正方形/長方形 9">
+            <a:extLst>
+              <a:ext uri="{FF2B5EF4-FFF2-40B4-BE49-F238E27FC236}">
+                <a16:creationId xmlns:a16="http://schemas.microsoft.com/office/drawing/2014/main" id="{D4895562-9AEE-154C-8FE4-41D01D6A105E}"/>
+              </a:ext>
+            </a:extLst>
+          </p:cNvPr>
+          <p:cNvSpPr/>
+          <p:nvPr/>
+        </p:nvSpPr>
+        <p:spPr>
+          <a:xfrm>
+            <a:off x="4776645" y="1426605"/>
+            <a:ext cx="3214553" cy="619910"/>
+          </a:xfrm>
+          <a:prstGeom prst="rect">
+            <a:avLst/>
+          </a:prstGeom>
+        </p:spPr>
+        <p:style>
+          <a:lnRef idx="0">
+            <a:schemeClr val="accent5"/>
+          </a:lnRef>
+          <a:fillRef idx="3">
+            <a:schemeClr val="accent5"/>
+          </a:fillRef>
+          <a:effectRef idx="3">
+            <a:schemeClr val="accent5"/>
+          </a:effectRef>
+          <a:fontRef idx="minor">
+            <a:schemeClr val="lt1"/>
+          </a:fontRef>
+        </p:style>
+        <p:txBody>
+          <a:bodyPr rtlCol="0" anchor="ctr"/>
+          <a:lstStyle/>
+          <a:p>
+            <a:pPr algn="ctr"/>
+            <a:r>
+              <a:rPr kumimoji="1" lang="ja-JP" altLang="en-US" sz="2000">
+                <a:latin typeface="Hiragino Maru Gothic Pro W4" panose="020F0400000000000000" pitchFamily="34" charset="-128"/>
+                <a:ea typeface="Hiragino Maru Gothic Pro W4" panose="020F0400000000000000" pitchFamily="34" charset="-128"/>
+              </a:rPr>
+              <a:t>まほらま</a:t>
+            </a:r>
+            <a:r>
+              <a:rPr kumimoji="1" lang="en-US" altLang="ja-JP" sz="2000" dirty="0">
+                <a:latin typeface="Hiragino Maru Gothic Pro W4" panose="020F0400000000000000" pitchFamily="34" charset="-128"/>
+                <a:ea typeface="Hiragino Maru Gothic Pro W4" panose="020F0400000000000000" pitchFamily="34" charset="-128"/>
+              </a:rPr>
+              <a:t>〜</a:t>
+            </a:r>
+            <a:r>
+              <a:rPr kumimoji="1" lang="ja-JP" altLang="en-US" sz="2000">
+                <a:latin typeface="Hiragino Maru Gothic Pro W4" panose="020F0400000000000000" pitchFamily="34" charset="-128"/>
+                <a:ea typeface="Hiragino Maru Gothic Pro W4" panose="020F0400000000000000" pitchFamily="34" charset="-128"/>
+              </a:rPr>
+              <a:t>摩天楼</a:t>
+            </a:r>
+            <a:r>
+              <a:rPr kumimoji="1" lang="en-US" altLang="ja-JP" sz="2000" dirty="0">
+                <a:latin typeface="Hiragino Maru Gothic Pro W4" panose="020F0400000000000000" pitchFamily="34" charset="-128"/>
+                <a:ea typeface="Hiragino Maru Gothic Pro W4" panose="020F0400000000000000" pitchFamily="34" charset="-128"/>
+              </a:rPr>
+              <a:t>〜</a:t>
+            </a:r>
+          </a:p>
+        </p:txBody>
+      </p:sp>
+      <p:sp>
+        <p:nvSpPr>
+          <p:cNvPr id="11" name="正方形/長方形 10">
+            <a:extLst>
+              <a:ext uri="{FF2B5EF4-FFF2-40B4-BE49-F238E27FC236}">
+                <a16:creationId xmlns:a16="http://schemas.microsoft.com/office/drawing/2014/main" id="{48A628B8-2066-EF4F-829E-FEC0F3006B7E}"/>
+              </a:ext>
+            </a:extLst>
+          </p:cNvPr>
+          <p:cNvSpPr/>
+          <p:nvPr/>
+        </p:nvSpPr>
+        <p:spPr>
+          <a:xfrm>
+            <a:off x="8029293" y="1426605"/>
+            <a:ext cx="3214553" cy="619910"/>
+          </a:xfrm>
+          <a:prstGeom prst="rect">
+            <a:avLst/>
+          </a:prstGeom>
+        </p:spPr>
+        <p:style>
+          <a:lnRef idx="0">
+            <a:schemeClr val="accent6"/>
+          </a:lnRef>
+          <a:fillRef idx="3">
+            <a:schemeClr val="accent6"/>
+          </a:fillRef>
+          <a:effectRef idx="3">
+            <a:schemeClr val="accent6"/>
+          </a:effectRef>
+          <a:fontRef idx="minor">
+            <a:schemeClr val="lt1"/>
+          </a:fontRef>
+        </p:style>
+        <p:txBody>
+          <a:bodyPr rtlCol="0" anchor="ctr"/>
+          <a:lstStyle/>
+          <a:p>
+            <a:pPr algn="ctr"/>
+            <a:r>
+              <a:rPr kumimoji="1" lang="en-US" altLang="ja-JP" sz="2000" dirty="0">
+                <a:latin typeface="Hiragino Maru Gothic Pro W4" panose="020F0400000000000000" pitchFamily="34" charset="-128"/>
+                <a:ea typeface="Hiragino Maru Gothic Pro W4" panose="020F0400000000000000" pitchFamily="34" charset="-128"/>
+              </a:rPr>
+              <a:t>YADORIGI</a:t>
+            </a:r>
+          </a:p>
+        </p:txBody>
+      </p:sp>
+      <p:sp>
+        <p:nvSpPr>
+          <p:cNvPr id="12" name="正方形/長方形 11">
+            <a:extLst>
+              <a:ext uri="{FF2B5EF4-FFF2-40B4-BE49-F238E27FC236}">
+                <a16:creationId xmlns:a16="http://schemas.microsoft.com/office/drawing/2014/main" id="{EC9B580A-40D6-C048-8415-0C208DDDFF71}"/>
+              </a:ext>
+            </a:extLst>
+          </p:cNvPr>
+          <p:cNvSpPr/>
+          <p:nvPr/>
+        </p:nvSpPr>
+        <p:spPr>
+          <a:xfrm>
+            <a:off x="1523997" y="2106131"/>
+            <a:ext cx="3214553" cy="2351631"/>
+          </a:xfrm>
+          <a:prstGeom prst="rect">
+            <a:avLst/>
+          </a:prstGeom>
+        </p:spPr>
+        <p:style>
+          <a:lnRef idx="0">
+            <a:schemeClr val="accent2"/>
+          </a:lnRef>
+          <a:fillRef idx="3">
+            <a:schemeClr val="accent2"/>
+          </a:fillRef>
+          <a:effectRef idx="3">
+            <a:schemeClr val="accent2"/>
+          </a:effectRef>
+          <a:fontRef idx="minor">
+            <a:schemeClr val="lt1"/>
+          </a:fontRef>
+        </p:style>
+        <p:txBody>
+          <a:bodyPr rtlCol="0" anchor="t"/>
+          <a:lstStyle/>
+          <a:p>
+            <a:pPr marL="342900" indent="-342900">
+              <a:buFont typeface="Arial" panose="020B0604020202020204" pitchFamily="34" charset="0"/>
+              <a:buChar char="•"/>
+            </a:pPr>
+            <a:r>
+              <a:rPr lang="ja-JP" altLang="en-US" sz="1400" u="sng">
+                <a:latin typeface="Hiragino Maru Gothic Pro W4" panose="020F0400000000000000" pitchFamily="34" charset="-128"/>
+                <a:ea typeface="Hiragino Maru Gothic Pro W4" panose="020F0400000000000000" pitchFamily="34" charset="-128"/>
+              </a:rPr>
+              <a:t>魔王様⑭⑬</a:t>
+            </a:r>
+            <a:r>
+              <a:rPr lang="en-US" altLang="ja-JP" sz="1400" u="sng" dirty="0">
+                <a:latin typeface="Hiragino Maru Gothic Pro W4" panose="020F0400000000000000" pitchFamily="34" charset="-128"/>
+                <a:ea typeface="Hiragino Maru Gothic Pro W4" panose="020F0400000000000000" pitchFamily="34" charset="-128"/>
+              </a:rPr>
+              <a:t> (</a:t>
+            </a:r>
+            <a:r>
+              <a:rPr lang="ja-JP" altLang="en-US" sz="1400" u="sng">
+                <a:latin typeface="Hiragino Maru Gothic Pro W4" panose="020F0400000000000000" pitchFamily="34" charset="-128"/>
+                <a:ea typeface="Hiragino Maru Gothic Pro W4" panose="020F0400000000000000" pitchFamily="34" charset="-128"/>
+              </a:rPr>
+              <a:t>責任者</a:t>
+            </a:r>
+            <a:r>
+              <a:rPr lang="en-US" altLang="ja-JP" sz="1400" u="sng" dirty="0">
+                <a:latin typeface="Hiragino Maru Gothic Pro W4" panose="020F0400000000000000" pitchFamily="34" charset="-128"/>
+                <a:ea typeface="Hiragino Maru Gothic Pro W4" panose="020F0400000000000000" pitchFamily="34" charset="-128"/>
+              </a:rPr>
+              <a:t>)</a:t>
+            </a:r>
+          </a:p>
+          <a:p>
+            <a:pPr marL="342900" indent="-342900">
+              <a:buFont typeface="Arial" panose="020B0604020202020204" pitchFamily="34" charset="0"/>
+              <a:buChar char="•"/>
+            </a:pPr>
+            <a:r>
+              <a:rPr kumimoji="1" lang="en-US" altLang="ja-JP" sz="1400" dirty="0" err="1">
+                <a:latin typeface="Hiragino Maru Gothic Pro W4" panose="020F0400000000000000" pitchFamily="34" charset="-128"/>
+                <a:ea typeface="Hiragino Maru Gothic Pro W4" panose="020F0400000000000000" pitchFamily="34" charset="-128"/>
+              </a:rPr>
+              <a:t>bigtree</a:t>
+            </a:r>
+            <a:r>
+              <a:rPr lang="en-US" altLang="ja-JP" sz="1400" dirty="0">
+                <a:latin typeface="Hiragino Maru Gothic Pro W4" panose="020F0400000000000000" pitchFamily="34" charset="-128"/>
+                <a:ea typeface="Hiragino Maru Gothic Pro W4" panose="020F0400000000000000" pitchFamily="34" charset="-128"/>
+              </a:rPr>
+              <a:t>⑭</a:t>
+            </a:r>
+          </a:p>
+          <a:p>
+            <a:pPr marL="342900" indent="-342900">
+              <a:buFont typeface="Arial" panose="020B0604020202020204" pitchFamily="34" charset="0"/>
+              <a:buChar char="•"/>
+            </a:pPr>
+            <a:r>
+              <a:rPr lang="ja-JP" altLang="en-US" sz="1400">
+                <a:latin typeface="Hiragino Maru Gothic Pro W4" panose="020F0400000000000000" pitchFamily="34" charset="-128"/>
+                <a:ea typeface="Hiragino Maru Gothic Pro W4" panose="020F0400000000000000" pitchFamily="34" charset="-128"/>
+              </a:rPr>
+              <a:t>ふるはた⑭</a:t>
+            </a:r>
+            <a:endParaRPr lang="en-US" altLang="ja-JP" sz="1400" dirty="0">
+              <a:latin typeface="Hiragino Maru Gothic Pro W4" panose="020F0400000000000000" pitchFamily="34" charset="-128"/>
+              <a:ea typeface="Hiragino Maru Gothic Pro W4" panose="020F0400000000000000" pitchFamily="34" charset="-128"/>
+            </a:endParaRPr>
+          </a:p>
+          <a:p>
+            <a:pPr marL="342900" indent="-342900">
+              <a:buFont typeface="Arial" panose="020B0604020202020204" pitchFamily="34" charset="0"/>
+              <a:buChar char="•"/>
+            </a:pPr>
+            <a:r>
+              <a:rPr kumimoji="1" lang="en-US" altLang="ja-JP" sz="1400" dirty="0">
+                <a:latin typeface="Hiragino Maru Gothic Pro W4" panose="020F0400000000000000" pitchFamily="34" charset="-128"/>
+                <a:ea typeface="Hiragino Maru Gothic Pro W4" panose="020F0400000000000000" pitchFamily="34" charset="-128"/>
+              </a:rPr>
+              <a:t>121</a:t>
+            </a:r>
+            <a:r>
+              <a:rPr lang="ja-JP" altLang="en-US" sz="1400">
+                <a:latin typeface="Hiragino Maru Gothic Pro W4" panose="020F0400000000000000" pitchFamily="34" charset="-128"/>
+                <a:ea typeface="Hiragino Maru Gothic Pro W4" panose="020F0400000000000000" pitchFamily="34" charset="-128"/>
+              </a:rPr>
+              <a:t>⑭⑬</a:t>
+            </a:r>
+            <a:endParaRPr kumimoji="1" lang="en-US" altLang="ja-JP" sz="1400" dirty="0">
+              <a:latin typeface="Hiragino Maru Gothic Pro W4" panose="020F0400000000000000" pitchFamily="34" charset="-128"/>
+              <a:ea typeface="Hiragino Maru Gothic Pro W4" panose="020F0400000000000000" pitchFamily="34" charset="-128"/>
+            </a:endParaRPr>
+          </a:p>
+          <a:p>
+            <a:pPr marL="342900" indent="-342900">
+              <a:buFont typeface="Arial" panose="020B0604020202020204" pitchFamily="34" charset="0"/>
+              <a:buChar char="•"/>
+            </a:pPr>
+            <a:r>
+              <a:rPr kumimoji="1" lang="ja-JP" altLang="en-US" sz="1400">
+                <a:latin typeface="Hiragino Maru Gothic Pro W4" panose="020F0400000000000000" pitchFamily="34" charset="-128"/>
+                <a:ea typeface="Hiragino Maru Gothic Pro W4" panose="020F0400000000000000" pitchFamily="34" charset="-128"/>
+              </a:rPr>
+              <a:t>くい助⑭⑬</a:t>
+            </a:r>
+            <a:endParaRPr kumimoji="1" lang="en-US" altLang="ja-JP" sz="1400" dirty="0">
+              <a:latin typeface="Hiragino Maru Gothic Pro W4" panose="020F0400000000000000" pitchFamily="34" charset="-128"/>
+              <a:ea typeface="Hiragino Maru Gothic Pro W4" panose="020F0400000000000000" pitchFamily="34" charset="-128"/>
+            </a:endParaRPr>
+          </a:p>
+          <a:p>
+            <a:pPr marL="342900" indent="-342900">
+              <a:buFont typeface="Arial" panose="020B0604020202020204" pitchFamily="34" charset="0"/>
+              <a:buChar char="•"/>
+            </a:pPr>
+            <a:r>
+              <a:rPr lang="ja-JP" altLang="en-US" sz="1400">
+                <a:latin typeface="Hiragino Maru Gothic Pro W4" panose="020F0400000000000000" pitchFamily="34" charset="-128"/>
+                <a:ea typeface="Hiragino Maru Gothic Pro W4" panose="020F0400000000000000" pitchFamily="34" charset="-128"/>
+              </a:rPr>
+              <a:t>ゴドルフィン</a:t>
+            </a:r>
+            <a:r>
+              <a:rPr lang="ja-JP" altLang="en-US" sz="1400">
+                <a:solidFill>
+                  <a:srgbClr val="FF0000"/>
+                </a:solidFill>
+                <a:latin typeface="Hiragino Maru Gothic Pro W4" panose="020F0400000000000000" pitchFamily="34" charset="-128"/>
+                <a:ea typeface="Hiragino Maru Gothic Pro W4" panose="020F0400000000000000" pitchFamily="34" charset="-128"/>
+              </a:rPr>
+              <a:t>⑬⑬</a:t>
+            </a:r>
+            <a:endParaRPr lang="en-US" altLang="ja-JP" sz="1400" dirty="0">
+              <a:solidFill>
+                <a:srgbClr val="FF0000"/>
+              </a:solidFill>
+              <a:latin typeface="Hiragino Maru Gothic Pro W4" panose="020F0400000000000000" pitchFamily="34" charset="-128"/>
+              <a:ea typeface="Hiragino Maru Gothic Pro W4" panose="020F0400000000000000" pitchFamily="34" charset="-128"/>
+            </a:endParaRPr>
+          </a:p>
+          <a:p>
+            <a:pPr marL="342900" indent="-342900">
+              <a:buFont typeface="Arial" panose="020B0604020202020204" pitchFamily="34" charset="0"/>
+              <a:buChar char="•"/>
+            </a:pPr>
+            <a:r>
+              <a:rPr lang="en-US" altLang="ja-JP" sz="1400" dirty="0">
+                <a:latin typeface="Hiragino Maru Gothic Pro W4" panose="020F0400000000000000" pitchFamily="34" charset="-128"/>
+                <a:ea typeface="Hiragino Maru Gothic Pro W4" panose="020F0400000000000000" pitchFamily="34" charset="-128"/>
+              </a:rPr>
+              <a:t>OB</a:t>
+            </a:r>
+            <a:r>
+              <a:rPr lang="ja-JP" altLang="en-US" sz="1400">
+                <a:latin typeface="Hiragino Maru Gothic Pro W4" panose="020F0400000000000000" pitchFamily="34" charset="-128"/>
+                <a:ea typeface="Hiragino Maru Gothic Pro W4" panose="020F0400000000000000" pitchFamily="34" charset="-128"/>
+              </a:rPr>
+              <a:t>ハンター</a:t>
+            </a:r>
+            <a:r>
+              <a:rPr lang="ja-JP" altLang="en-US" sz="1400">
+                <a:solidFill>
+                  <a:srgbClr val="FF0000"/>
+                </a:solidFill>
+                <a:latin typeface="Hiragino Maru Gothic Pro W4" panose="020F0400000000000000" pitchFamily="34" charset="-128"/>
+                <a:ea typeface="Hiragino Maru Gothic Pro W4" panose="020F0400000000000000" pitchFamily="34" charset="-128"/>
+              </a:rPr>
+              <a:t>⑬</a:t>
+            </a:r>
+            <a:endParaRPr lang="en-US" altLang="ja-JP" sz="1400" dirty="0">
+              <a:solidFill>
+                <a:srgbClr val="FF0000"/>
+              </a:solidFill>
+              <a:latin typeface="Hiragino Maru Gothic Pro W4" panose="020F0400000000000000" pitchFamily="34" charset="-128"/>
+              <a:ea typeface="Hiragino Maru Gothic Pro W4" panose="020F0400000000000000" pitchFamily="34" charset="-128"/>
+            </a:endParaRPr>
+          </a:p>
+          <a:p>
+            <a:pPr marL="342900" indent="-342900">
+              <a:buFont typeface="Arial" panose="020B0604020202020204" pitchFamily="34" charset="0"/>
+              <a:buChar char="•"/>
+            </a:pPr>
+            <a:r>
+              <a:rPr lang="ja-JP" altLang="en-US" sz="1400">
+                <a:latin typeface="Hiragino Maru Gothic Pro W4" panose="020F0400000000000000" pitchFamily="34" charset="-128"/>
+                <a:ea typeface="Hiragino Maru Gothic Pro W4" panose="020F0400000000000000" pitchFamily="34" charset="-128"/>
+              </a:rPr>
+              <a:t>ころ助</a:t>
+            </a:r>
+            <a:r>
+              <a:rPr lang="ja-JP" altLang="en-US" sz="1400">
+                <a:solidFill>
+                  <a:srgbClr val="FF0000"/>
+                </a:solidFill>
+                <a:latin typeface="Hiragino Maru Gothic Pro W4" panose="020F0400000000000000" pitchFamily="34" charset="-128"/>
+                <a:ea typeface="Hiragino Maru Gothic Pro W4" panose="020F0400000000000000" pitchFamily="34" charset="-128"/>
+              </a:rPr>
+              <a:t>⑬</a:t>
+            </a:r>
+            <a:endParaRPr kumimoji="1" lang="en-US" altLang="ja-JP" sz="1400" dirty="0">
+              <a:latin typeface="Hiragino Maru Gothic Pro W4" panose="020F0400000000000000" pitchFamily="34" charset="-128"/>
+              <a:ea typeface="Hiragino Maru Gothic Pro W4" panose="020F0400000000000000" pitchFamily="34" charset="-128"/>
+            </a:endParaRPr>
+          </a:p>
+          <a:p>
+            <a:pPr marL="342900" indent="-342900">
+              <a:buFont typeface="Arial" panose="020B0604020202020204" pitchFamily="34" charset="0"/>
+              <a:buChar char="•"/>
+            </a:pPr>
+            <a:endParaRPr kumimoji="1" lang="en-US" altLang="ja-JP" sz="1400" dirty="0">
+              <a:latin typeface="Hiragino Maru Gothic Pro W4" panose="020F0400000000000000" pitchFamily="34" charset="-128"/>
+              <a:ea typeface="Hiragino Maru Gothic Pro W4" panose="020F0400000000000000" pitchFamily="34" charset="-128"/>
+            </a:endParaRPr>
+          </a:p>
+        </p:txBody>
+      </p:sp>
+      <p:sp>
+        <p:nvSpPr>
+          <p:cNvPr id="13" name="正方形/長方形 12">
+            <a:extLst>
+              <a:ext uri="{FF2B5EF4-FFF2-40B4-BE49-F238E27FC236}">
+                <a16:creationId xmlns:a16="http://schemas.microsoft.com/office/drawing/2014/main" id="{932ECC1F-1F70-AE49-88E9-D525F2F3B578}"/>
+              </a:ext>
+            </a:extLst>
+          </p:cNvPr>
+          <p:cNvSpPr/>
+          <p:nvPr/>
+        </p:nvSpPr>
+        <p:spPr>
+          <a:xfrm>
+            <a:off x="4776645" y="2106131"/>
+            <a:ext cx="3214553" cy="2351631"/>
+          </a:xfrm>
+          <a:prstGeom prst="rect">
+            <a:avLst/>
+          </a:prstGeom>
+        </p:spPr>
+        <p:style>
+          <a:lnRef idx="0">
+            <a:schemeClr val="accent5"/>
+          </a:lnRef>
+          <a:fillRef idx="3">
+            <a:schemeClr val="accent5"/>
+          </a:fillRef>
+          <a:effectRef idx="3">
+            <a:schemeClr val="accent5"/>
+          </a:effectRef>
+          <a:fontRef idx="minor">
+            <a:schemeClr val="lt1"/>
+          </a:fontRef>
+        </p:style>
+        <p:txBody>
+          <a:bodyPr rtlCol="0" anchor="t"/>
+          <a:lstStyle/>
+          <a:p>
+            <a:pPr marL="342900" indent="-342900">
+              <a:buFont typeface="Arial" panose="020B0604020202020204" pitchFamily="34" charset="0"/>
+              <a:buChar char="•"/>
+            </a:pPr>
+            <a:r>
+              <a:rPr lang="ja-JP" altLang="en-US" sz="1400" u="sng">
+                <a:latin typeface="Hiragino Maru Gothic Pro W4" panose="020F0400000000000000" pitchFamily="34" charset="-128"/>
+                <a:ea typeface="Hiragino Maru Gothic Pro W4" panose="020F0400000000000000" pitchFamily="34" charset="-128"/>
+              </a:rPr>
+              <a:t>ゴドルフィン⑬⑬</a:t>
+            </a:r>
+            <a:r>
+              <a:rPr lang="en-US" altLang="ja-JP" sz="1400" u="sng" dirty="0">
+                <a:latin typeface="Hiragino Maru Gothic Pro W4" panose="020F0400000000000000" pitchFamily="34" charset="-128"/>
+                <a:ea typeface="Hiragino Maru Gothic Pro W4" panose="020F0400000000000000" pitchFamily="34" charset="-128"/>
+              </a:rPr>
+              <a:t>⑫ (</a:t>
+            </a:r>
+            <a:r>
+              <a:rPr lang="ja-JP" altLang="en-US" sz="1400" u="sng">
+                <a:latin typeface="Hiragino Maru Gothic Pro W4" panose="020F0400000000000000" pitchFamily="34" charset="-128"/>
+                <a:ea typeface="Hiragino Maru Gothic Pro W4" panose="020F0400000000000000" pitchFamily="34" charset="-128"/>
+              </a:rPr>
+              <a:t>責任者</a:t>
+            </a:r>
+            <a:r>
+              <a:rPr lang="en-US" altLang="ja-JP" sz="1400" u="sng" dirty="0">
+                <a:latin typeface="Hiragino Maru Gothic Pro W4" panose="020F0400000000000000" pitchFamily="34" charset="-128"/>
+                <a:ea typeface="Hiragino Maru Gothic Pro W4" panose="020F0400000000000000" pitchFamily="34" charset="-128"/>
+              </a:rPr>
+              <a:t>)</a:t>
+            </a:r>
+          </a:p>
+          <a:p>
+            <a:pPr marL="342900" indent="-342900">
+              <a:buFont typeface="Arial" panose="020B0604020202020204" pitchFamily="34" charset="0"/>
+              <a:buChar char="•"/>
+            </a:pPr>
+            <a:r>
+              <a:rPr lang="en-US" altLang="ja-JP" sz="1400" dirty="0" err="1">
+                <a:latin typeface="Hiragino Maru Gothic Pro W4" panose="020F0400000000000000" pitchFamily="34" charset="-128"/>
+                <a:ea typeface="Hiragino Maru Gothic Pro W4" panose="020F0400000000000000" pitchFamily="34" charset="-128"/>
+              </a:rPr>
+              <a:t>bigtree</a:t>
+            </a:r>
+            <a:r>
+              <a:rPr lang="ja-JP" altLang="en-US" sz="1400">
+                <a:latin typeface="Hiragino Maru Gothic Pro W4" panose="020F0400000000000000" pitchFamily="34" charset="-128"/>
+                <a:ea typeface="Hiragino Maru Gothic Pro W4" panose="020F0400000000000000" pitchFamily="34" charset="-128"/>
+              </a:rPr>
+              <a:t>⑬</a:t>
+            </a:r>
+            <a:endParaRPr lang="en-US" altLang="ja-JP" sz="1400" dirty="0">
+              <a:latin typeface="Hiragino Maru Gothic Pro W4" panose="020F0400000000000000" pitchFamily="34" charset="-128"/>
+              <a:ea typeface="Hiragino Maru Gothic Pro W4" panose="020F0400000000000000" pitchFamily="34" charset="-128"/>
+            </a:endParaRPr>
+          </a:p>
+          <a:p>
+            <a:pPr marL="342900" indent="-342900">
+              <a:buFont typeface="Arial" panose="020B0604020202020204" pitchFamily="34" charset="0"/>
+              <a:buChar char="•"/>
+            </a:pPr>
+            <a:r>
+              <a:rPr lang="ja-JP" altLang="en-US" sz="1400">
+                <a:latin typeface="Hiragino Maru Gothic Pro W4" panose="020F0400000000000000" pitchFamily="34" charset="-128"/>
+                <a:ea typeface="Hiragino Maru Gothic Pro W4" panose="020F0400000000000000" pitchFamily="34" charset="-128"/>
+              </a:rPr>
+              <a:t>ころ助⑬</a:t>
+            </a:r>
+            <a:r>
+              <a:rPr lang="en-US" altLang="ja-JP" sz="1400" dirty="0">
+                <a:latin typeface="Hiragino Maru Gothic Pro W4" panose="020F0400000000000000" pitchFamily="34" charset="-128"/>
+                <a:ea typeface="Hiragino Maru Gothic Pro W4" panose="020F0400000000000000" pitchFamily="34" charset="-128"/>
+              </a:rPr>
+              <a:t>⑫</a:t>
+            </a:r>
+          </a:p>
+          <a:p>
+            <a:pPr marL="342900" indent="-342900">
+              <a:buFont typeface="Arial" panose="020B0604020202020204" pitchFamily="34" charset="0"/>
+              <a:buChar char="•"/>
+            </a:pPr>
+            <a:r>
+              <a:rPr lang="ja-JP" altLang="en-US" sz="1400">
+                <a:latin typeface="Hiragino Maru Gothic Pro W4" panose="020F0400000000000000" pitchFamily="34" charset="-128"/>
+                <a:ea typeface="Hiragino Maru Gothic Pro W4" panose="020F0400000000000000" pitchFamily="34" charset="-128"/>
+              </a:rPr>
+              <a:t>ふるはた⑬</a:t>
+            </a:r>
+            <a:r>
+              <a:rPr lang="en-US" altLang="ja-JP" sz="1400" dirty="0">
+                <a:latin typeface="Hiragino Maru Gothic Pro W4" panose="020F0400000000000000" pitchFamily="34" charset="-128"/>
+                <a:ea typeface="Hiragino Maru Gothic Pro W4" panose="020F0400000000000000" pitchFamily="34" charset="-128"/>
+              </a:rPr>
+              <a:t>⑫</a:t>
+            </a:r>
+          </a:p>
+          <a:p>
+            <a:pPr marL="342900" indent="-342900">
+              <a:buFont typeface="Arial" panose="020B0604020202020204" pitchFamily="34" charset="0"/>
+              <a:buChar char="•"/>
+            </a:pPr>
+            <a:r>
+              <a:rPr lang="ja-JP" altLang="en-US" sz="1400">
+                <a:latin typeface="Hiragino Maru Gothic Pro W4" panose="020F0400000000000000" pitchFamily="34" charset="-128"/>
+                <a:ea typeface="Hiragino Maru Gothic Pro W4" panose="020F0400000000000000" pitchFamily="34" charset="-128"/>
+              </a:rPr>
+              <a:t>くい助</a:t>
+            </a:r>
+            <a:r>
+              <a:rPr lang="en-US" altLang="ja-JP" sz="1400" dirty="0">
+                <a:latin typeface="Hiragino Maru Gothic Pro W4" panose="020F0400000000000000" pitchFamily="34" charset="-128"/>
+                <a:ea typeface="Hiragino Maru Gothic Pro W4" panose="020F0400000000000000" pitchFamily="34" charset="-128"/>
+              </a:rPr>
+              <a:t>⑪</a:t>
+            </a:r>
+          </a:p>
+          <a:p>
+            <a:pPr marL="342900" indent="-342900">
+              <a:buFont typeface="Arial" panose="020B0604020202020204" pitchFamily="34" charset="0"/>
+              <a:buChar char="•"/>
+            </a:pPr>
+            <a:r>
+              <a:rPr lang="ja-JP" altLang="en-US" sz="1400">
+                <a:latin typeface="Hiragino Maru Gothic Pro W4" panose="020F0400000000000000" pitchFamily="34" charset="-128"/>
+                <a:ea typeface="Hiragino Maru Gothic Pro W4" panose="020F0400000000000000" pitchFamily="34" charset="-128"/>
+              </a:rPr>
+              <a:t>魔王</a:t>
+            </a:r>
+            <a:r>
+              <a:rPr lang="en-US" altLang="ja-JP" sz="1400" dirty="0">
+                <a:latin typeface="Hiragino Maru Gothic Pro W4" panose="020F0400000000000000" pitchFamily="34" charset="-128"/>
+                <a:ea typeface="Hiragino Maru Gothic Pro W4" panose="020F0400000000000000" pitchFamily="34" charset="-128"/>
+              </a:rPr>
+              <a:t>⑪</a:t>
+            </a:r>
+          </a:p>
+          <a:p>
+            <a:pPr marL="342900" indent="-342900">
+              <a:buFont typeface="Arial" panose="020B0604020202020204" pitchFamily="34" charset="0"/>
+              <a:buChar char="•"/>
+            </a:pPr>
+            <a:endParaRPr lang="en-US" altLang="ja-JP" sz="1400" dirty="0">
+              <a:latin typeface="Hiragino Maru Gothic Pro W4" panose="020F0400000000000000" pitchFamily="34" charset="-128"/>
+              <a:ea typeface="Hiragino Maru Gothic Pro W4" panose="020F0400000000000000" pitchFamily="34" charset="-128"/>
+            </a:endParaRPr>
+          </a:p>
+        </p:txBody>
+      </p:sp>
+      <p:sp>
+        <p:nvSpPr>
+          <p:cNvPr id="14" name="正方形/長方形 13">
+            <a:extLst>
+              <a:ext uri="{FF2B5EF4-FFF2-40B4-BE49-F238E27FC236}">
+                <a16:creationId xmlns:a16="http://schemas.microsoft.com/office/drawing/2014/main" id="{C8791A8C-A6C7-644A-BDE7-41C7332643DC}"/>
+              </a:ext>
+            </a:extLst>
+          </p:cNvPr>
+          <p:cNvSpPr/>
+          <p:nvPr/>
+        </p:nvSpPr>
+        <p:spPr>
+          <a:xfrm>
+            <a:off x="8029293" y="2106131"/>
+            <a:ext cx="3214553" cy="2351631"/>
+          </a:xfrm>
+          <a:prstGeom prst="rect">
+            <a:avLst/>
+          </a:prstGeom>
+        </p:spPr>
+        <p:style>
+          <a:lnRef idx="0">
+            <a:schemeClr val="accent3"/>
+          </a:lnRef>
+          <a:fillRef idx="3">
+            <a:schemeClr val="accent3"/>
+          </a:fillRef>
+          <a:effectRef idx="3">
+            <a:schemeClr val="accent3"/>
+          </a:effectRef>
+          <a:fontRef idx="minor">
+            <a:schemeClr val="lt1"/>
+          </a:fontRef>
+        </p:style>
+        <p:txBody>
+          <a:bodyPr rtlCol="0" anchor="t"/>
+          <a:lstStyle/>
+          <a:p>
+            <a:pPr marL="342900" indent="-342900">
+              <a:buFont typeface="Arial" panose="020B0604020202020204" pitchFamily="34" charset="0"/>
+              <a:buChar char="•"/>
+            </a:pPr>
+            <a:r>
+              <a:rPr lang="ja-JP" altLang="en-US" sz="1400" u="sng">
+                <a:latin typeface="Hiragino Maru Gothic Pro W4" panose="020F0400000000000000" pitchFamily="34" charset="-128"/>
+                <a:ea typeface="Hiragino Maru Gothic Pro W4" panose="020F0400000000000000" pitchFamily="34" charset="-128"/>
+              </a:rPr>
+              <a:t>ふるはた</a:t>
+            </a:r>
+            <a:r>
+              <a:rPr lang="en-US" altLang="ja-JP" sz="1400" u="sng" dirty="0">
+                <a:latin typeface="Hiragino Maru Gothic Pro W4" panose="020F0400000000000000" pitchFamily="34" charset="-128"/>
+                <a:ea typeface="Hiragino Maru Gothic Pro W4" panose="020F0400000000000000" pitchFamily="34" charset="-128"/>
+              </a:rPr>
+              <a:t> (</a:t>
+            </a:r>
+            <a:r>
+              <a:rPr lang="ja-JP" altLang="en-US" sz="1400" u="sng">
+                <a:latin typeface="Hiragino Maru Gothic Pro W4" panose="020F0400000000000000" pitchFamily="34" charset="-128"/>
+                <a:ea typeface="Hiragino Maru Gothic Pro W4" panose="020F0400000000000000" pitchFamily="34" charset="-128"/>
+              </a:rPr>
+              <a:t>責任者</a:t>
+            </a:r>
+            <a:r>
+              <a:rPr lang="en-US" altLang="ja-JP" sz="1400" u="sng" dirty="0">
+                <a:latin typeface="Hiragino Maru Gothic Pro W4" panose="020F0400000000000000" pitchFamily="34" charset="-128"/>
+                <a:ea typeface="Hiragino Maru Gothic Pro W4" panose="020F0400000000000000" pitchFamily="34" charset="-128"/>
+              </a:rPr>
+              <a:t>)</a:t>
+            </a:r>
+            <a:endParaRPr kumimoji="1" lang="en-US" altLang="ja-JP" sz="1400" dirty="0">
+              <a:latin typeface="Hiragino Maru Gothic Pro W4" panose="020F0400000000000000" pitchFamily="34" charset="-128"/>
+              <a:ea typeface="Hiragino Maru Gothic Pro W4" panose="020F0400000000000000" pitchFamily="34" charset="-128"/>
+            </a:endParaRPr>
+          </a:p>
+          <a:p>
+            <a:pPr marL="342900" indent="-342900">
+              <a:buFont typeface="Arial" panose="020B0604020202020204" pitchFamily="34" charset="0"/>
+              <a:buChar char="•"/>
+            </a:pPr>
+            <a:r>
+              <a:rPr lang="ja-JP" altLang="en-US" sz="1400">
+                <a:latin typeface="Hiragino Maru Gothic Pro W4" panose="020F0400000000000000" pitchFamily="34" charset="-128"/>
+                <a:ea typeface="Hiragino Maru Gothic Pro W4" panose="020F0400000000000000" pitchFamily="34" charset="-128"/>
+              </a:rPr>
+              <a:t>サブリーダー</a:t>
+            </a:r>
+            <a:r>
+              <a:rPr kumimoji="1" lang="ja-JP" altLang="en-US" sz="1400">
+                <a:latin typeface="Hiragino Maru Gothic Pro W4" panose="020F0400000000000000" pitchFamily="34" charset="-128"/>
+                <a:ea typeface="Hiragino Maru Gothic Pro W4" panose="020F0400000000000000" pitchFamily="34" charset="-128"/>
+              </a:rPr>
+              <a:t>の低タウンホール垢</a:t>
+            </a:r>
+            <a:endParaRPr kumimoji="1" lang="en-US" altLang="ja-JP" sz="1400" dirty="0">
+              <a:latin typeface="Hiragino Maru Gothic Pro W4" panose="020F0400000000000000" pitchFamily="34" charset="-128"/>
+              <a:ea typeface="Hiragino Maru Gothic Pro W4" panose="020F0400000000000000" pitchFamily="34" charset="-128"/>
+            </a:endParaRPr>
+          </a:p>
+          <a:p>
+            <a:pPr marL="342900" indent="-342900">
+              <a:buFont typeface="Arial" panose="020B0604020202020204" pitchFamily="34" charset="0"/>
+              <a:buChar char="•"/>
+            </a:pPr>
+            <a:endParaRPr lang="en-US" altLang="ja-JP" sz="1400" dirty="0">
+              <a:latin typeface="Hiragino Maru Gothic Pro W4" panose="020F0400000000000000" pitchFamily="34" charset="-128"/>
+              <a:ea typeface="Hiragino Maru Gothic Pro W4" panose="020F0400000000000000" pitchFamily="34" charset="-128"/>
+            </a:endParaRPr>
+          </a:p>
+          <a:p>
+            <a:r>
+              <a:rPr kumimoji="1" lang="ja-JP" altLang="en-US" sz="1400">
+                <a:latin typeface="Hiragino Maru Gothic Pro W4" panose="020F0400000000000000" pitchFamily="34" charset="-128"/>
+                <a:ea typeface="Hiragino Maru Gothic Pro W4" panose="020F0400000000000000" pitchFamily="34" charset="-128"/>
+              </a:rPr>
+              <a:t>　</a:t>
+            </a:r>
+            <a:r>
+              <a:rPr kumimoji="1" lang="en-US" altLang="ja-JP" sz="1400" dirty="0">
+                <a:latin typeface="Hiragino Maru Gothic Pro W4" panose="020F0400000000000000" pitchFamily="34" charset="-128"/>
+                <a:ea typeface="Hiragino Maru Gothic Pro W4" panose="020F0400000000000000" pitchFamily="34" charset="-128"/>
+              </a:rPr>
+              <a:t>※</a:t>
+            </a:r>
+            <a:r>
+              <a:rPr lang="ja-JP" altLang="en-US" sz="1400">
+                <a:latin typeface="Hiragino Maru Gothic Pro W4" panose="020F0400000000000000" pitchFamily="34" charset="-128"/>
+                <a:ea typeface="Hiragino Maru Gothic Pro W4" panose="020F0400000000000000" pitchFamily="34" charset="-128"/>
+              </a:rPr>
+              <a:t>細々とクランレベル上げる</a:t>
+            </a:r>
+            <a:endParaRPr kumimoji="1" lang="en-US" altLang="ja-JP" sz="1400" dirty="0">
+              <a:latin typeface="Hiragino Maru Gothic Pro W4" panose="020F0400000000000000" pitchFamily="34" charset="-128"/>
+              <a:ea typeface="Hiragino Maru Gothic Pro W4" panose="020F0400000000000000" pitchFamily="34" charset="-128"/>
+            </a:endParaRPr>
+          </a:p>
+        </p:txBody>
+      </p:sp>
+      <p:sp>
+        <p:nvSpPr>
+          <p:cNvPr id="19" name="正方形/長方形 18">
+            <a:extLst>
+              <a:ext uri="{FF2B5EF4-FFF2-40B4-BE49-F238E27FC236}">
+                <a16:creationId xmlns:a16="http://schemas.microsoft.com/office/drawing/2014/main" id="{E6761229-81E3-F849-80CF-A17F90FF6E25}"/>
+              </a:ext>
+            </a:extLst>
+          </p:cNvPr>
+          <p:cNvSpPr/>
+          <p:nvPr/>
+        </p:nvSpPr>
+        <p:spPr>
+          <a:xfrm>
+            <a:off x="1523997" y="4517378"/>
+            <a:ext cx="3214553" cy="1639582"/>
+          </a:xfrm>
+          <a:prstGeom prst="rect">
+            <a:avLst/>
+          </a:prstGeom>
+        </p:spPr>
+        <p:style>
+          <a:lnRef idx="0">
+            <a:schemeClr val="accent2"/>
+          </a:lnRef>
+          <a:fillRef idx="3">
+            <a:schemeClr val="accent2"/>
+          </a:fillRef>
+          <a:effectRef idx="3">
+            <a:schemeClr val="accent2"/>
+          </a:effectRef>
+          <a:fontRef idx="minor">
+            <a:schemeClr val="lt1"/>
+          </a:fontRef>
+        </p:style>
+        <p:txBody>
+          <a:bodyPr rtlCol="0" anchor="t"/>
+          <a:lstStyle/>
+          <a:p>
+            <a:pPr marL="342900" indent="-342900">
+              <a:buFont typeface="Arial" panose="020B0604020202020204" pitchFamily="34" charset="0"/>
+              <a:buChar char="•"/>
+            </a:pPr>
+            <a:r>
+              <a:rPr lang="ja-JP" altLang="en-US" sz="1400" u="sng">
+                <a:latin typeface="Hiragino Maru Gothic Pro W4" panose="020F0400000000000000" pitchFamily="34" charset="-128"/>
+                <a:ea typeface="Hiragino Maru Gothic Pro W4" panose="020F0400000000000000" pitchFamily="34" charset="-128"/>
+              </a:rPr>
+              <a:t>魔王様⑭</a:t>
+            </a:r>
+            <a:r>
+              <a:rPr lang="en-US" altLang="ja-JP" sz="1400" u="sng" dirty="0">
+                <a:latin typeface="Hiragino Maru Gothic Pro W4" panose="020F0400000000000000" pitchFamily="34" charset="-128"/>
+                <a:ea typeface="Hiragino Maru Gothic Pro W4" panose="020F0400000000000000" pitchFamily="34" charset="-128"/>
+              </a:rPr>
+              <a:t> (</a:t>
+            </a:r>
+            <a:r>
+              <a:rPr lang="ja-JP" altLang="en-US" sz="1400" u="sng">
+                <a:latin typeface="Hiragino Maru Gothic Pro W4" panose="020F0400000000000000" pitchFamily="34" charset="-128"/>
+                <a:ea typeface="Hiragino Maru Gothic Pro W4" panose="020F0400000000000000" pitchFamily="34" charset="-128"/>
+              </a:rPr>
+              <a:t>責任者</a:t>
+            </a:r>
+            <a:r>
+              <a:rPr lang="en-US" altLang="ja-JP" sz="1400" u="sng" dirty="0">
+                <a:latin typeface="Hiragino Maru Gothic Pro W4" panose="020F0400000000000000" pitchFamily="34" charset="-128"/>
+                <a:ea typeface="Hiragino Maru Gothic Pro W4" panose="020F0400000000000000" pitchFamily="34" charset="-128"/>
+              </a:rPr>
+              <a:t>)</a:t>
+            </a:r>
+          </a:p>
+          <a:p>
+            <a:pPr marL="342900" indent="-342900">
+              <a:buFont typeface="Arial" panose="020B0604020202020204" pitchFamily="34" charset="0"/>
+              <a:buChar char="•"/>
+            </a:pPr>
+            <a:r>
+              <a:rPr lang="en-US" altLang="ja-JP" sz="1400" dirty="0" err="1">
+                <a:latin typeface="Hiragino Maru Gothic Pro W4" panose="020F0400000000000000" pitchFamily="34" charset="-128"/>
+                <a:ea typeface="Hiragino Maru Gothic Pro W4" panose="020F0400000000000000" pitchFamily="34" charset="-128"/>
+              </a:rPr>
+              <a:t>bigtree</a:t>
+            </a:r>
+            <a:r>
+              <a:rPr lang="en-US" altLang="ja-JP" sz="1400" dirty="0">
+                <a:latin typeface="Hiragino Maru Gothic Pro W4" panose="020F0400000000000000" pitchFamily="34" charset="-128"/>
+                <a:ea typeface="Hiragino Maru Gothic Pro W4" panose="020F0400000000000000" pitchFamily="34" charset="-128"/>
+              </a:rPr>
+              <a:t>⑭</a:t>
+            </a:r>
+          </a:p>
+          <a:p>
+            <a:pPr marL="342900" indent="-342900">
+              <a:buFont typeface="Arial" panose="020B0604020202020204" pitchFamily="34" charset="0"/>
+              <a:buChar char="•"/>
+            </a:pPr>
+            <a:r>
+              <a:rPr lang="ja-JP" altLang="en-US" sz="1400">
+                <a:latin typeface="Hiragino Maru Gothic Pro W4" panose="020F0400000000000000" pitchFamily="34" charset="-128"/>
+                <a:ea typeface="Hiragino Maru Gothic Pro W4" panose="020F0400000000000000" pitchFamily="34" charset="-128"/>
+              </a:rPr>
+              <a:t>ふるはた⑭</a:t>
+            </a:r>
+            <a:endParaRPr lang="en-US" altLang="ja-JP" sz="1400" dirty="0">
+              <a:latin typeface="Hiragino Maru Gothic Pro W4" panose="020F0400000000000000" pitchFamily="34" charset="-128"/>
+              <a:ea typeface="Hiragino Maru Gothic Pro W4" panose="020F0400000000000000" pitchFamily="34" charset="-128"/>
+            </a:endParaRPr>
+          </a:p>
+          <a:p>
+            <a:pPr marL="342900" indent="-342900">
+              <a:buFont typeface="Arial" panose="020B0604020202020204" pitchFamily="34" charset="0"/>
+              <a:buChar char="•"/>
+            </a:pPr>
+            <a:r>
+              <a:rPr lang="en-US" altLang="ja-JP" sz="1400" dirty="0">
+                <a:latin typeface="Hiragino Maru Gothic Pro W4" panose="020F0400000000000000" pitchFamily="34" charset="-128"/>
+                <a:ea typeface="Hiragino Maru Gothic Pro W4" panose="020F0400000000000000" pitchFamily="34" charset="-128"/>
+              </a:rPr>
+              <a:t>121</a:t>
+            </a:r>
+            <a:r>
+              <a:rPr lang="ja-JP" altLang="en-US" sz="1400">
+                <a:latin typeface="Hiragino Maru Gothic Pro W4" panose="020F0400000000000000" pitchFamily="34" charset="-128"/>
+                <a:ea typeface="Hiragino Maru Gothic Pro W4" panose="020F0400000000000000" pitchFamily="34" charset="-128"/>
+              </a:rPr>
+              <a:t>⑭</a:t>
+            </a:r>
+            <a:endParaRPr lang="en-US" altLang="ja-JP" sz="1400" dirty="0">
+              <a:latin typeface="Hiragino Maru Gothic Pro W4" panose="020F0400000000000000" pitchFamily="34" charset="-128"/>
+              <a:ea typeface="Hiragino Maru Gothic Pro W4" panose="020F0400000000000000" pitchFamily="34" charset="-128"/>
+            </a:endParaRPr>
+          </a:p>
+          <a:p>
+            <a:pPr marL="342900" indent="-342900">
+              <a:buFont typeface="Arial" panose="020B0604020202020204" pitchFamily="34" charset="0"/>
+              <a:buChar char="•"/>
+            </a:pPr>
+            <a:r>
+              <a:rPr lang="ja-JP" altLang="en-US" sz="1400">
+                <a:latin typeface="Hiragino Maru Gothic Pro W4" panose="020F0400000000000000" pitchFamily="34" charset="-128"/>
+                <a:ea typeface="Hiragino Maru Gothic Pro W4" panose="020F0400000000000000" pitchFamily="34" charset="-128"/>
+              </a:rPr>
+              <a:t>くい助⑭</a:t>
+            </a:r>
+            <a:endParaRPr lang="en-US" altLang="ja-JP" sz="1400" dirty="0">
+              <a:latin typeface="Hiragino Maru Gothic Pro W4" panose="020F0400000000000000" pitchFamily="34" charset="-128"/>
+              <a:ea typeface="Hiragino Maru Gothic Pro W4" panose="020F0400000000000000" pitchFamily="34" charset="-128"/>
+            </a:endParaRPr>
+          </a:p>
+          <a:p>
+            <a:pPr marL="342900" indent="-342900">
+              <a:buFont typeface="Arial" panose="020B0604020202020204" pitchFamily="34" charset="0"/>
+              <a:buChar char="•"/>
+            </a:pPr>
+            <a:r>
+              <a:rPr lang="ja-JP" altLang="en-US" sz="1000">
+                <a:solidFill>
+                  <a:schemeClr val="bg2">
+                    <a:lumMod val="75000"/>
+                  </a:schemeClr>
+                </a:solidFill>
+                <a:latin typeface="Hiragino Maru Gothic Pro W4" panose="020F0400000000000000" pitchFamily="34" charset="-128"/>
+                <a:ea typeface="Hiragino Maru Gothic Pro W4" panose="020F0400000000000000" pitchFamily="34" charset="-128"/>
+              </a:rPr>
+              <a:t>ゴドルフィン⑭⑭</a:t>
+            </a:r>
+            <a:endParaRPr lang="en-US" altLang="ja-JP" sz="1000" dirty="0">
+              <a:solidFill>
+                <a:schemeClr val="bg2">
+                  <a:lumMod val="75000"/>
+                </a:schemeClr>
+              </a:solidFill>
+              <a:latin typeface="Hiragino Maru Gothic Pro W4" panose="020F0400000000000000" pitchFamily="34" charset="-128"/>
+              <a:ea typeface="Hiragino Maru Gothic Pro W4" panose="020F0400000000000000" pitchFamily="34" charset="-128"/>
+            </a:endParaRPr>
+          </a:p>
+          <a:p>
+            <a:pPr marL="342900" indent="-342900">
+              <a:buFont typeface="Arial" panose="020B0604020202020204" pitchFamily="34" charset="0"/>
+              <a:buChar char="•"/>
+            </a:pPr>
+            <a:r>
+              <a:rPr lang="en-US" altLang="ja-JP" sz="1000" dirty="0">
+                <a:solidFill>
+                  <a:schemeClr val="bg2">
+                    <a:lumMod val="75000"/>
+                  </a:schemeClr>
+                </a:solidFill>
+                <a:latin typeface="Hiragino Maru Gothic Pro W4" panose="020F0400000000000000" pitchFamily="34" charset="-128"/>
+                <a:ea typeface="Hiragino Maru Gothic Pro W4" panose="020F0400000000000000" pitchFamily="34" charset="-128"/>
+              </a:rPr>
+              <a:t>OB</a:t>
+            </a:r>
+            <a:r>
+              <a:rPr lang="ja-JP" altLang="en-US" sz="1000">
+                <a:solidFill>
+                  <a:schemeClr val="bg2">
+                    <a:lumMod val="75000"/>
+                  </a:schemeClr>
+                </a:solidFill>
+                <a:latin typeface="Hiragino Maru Gothic Pro W4" panose="020F0400000000000000" pitchFamily="34" charset="-128"/>
+                <a:ea typeface="Hiragino Maru Gothic Pro W4" panose="020F0400000000000000" pitchFamily="34" charset="-128"/>
+              </a:rPr>
+              <a:t>ハンター⑭</a:t>
+            </a:r>
+            <a:endParaRPr lang="en-US" altLang="ja-JP" sz="1000" dirty="0">
+              <a:solidFill>
+                <a:schemeClr val="bg2">
+                  <a:lumMod val="75000"/>
+                </a:schemeClr>
+              </a:solidFill>
+              <a:latin typeface="Hiragino Maru Gothic Pro W4" panose="020F0400000000000000" pitchFamily="34" charset="-128"/>
+              <a:ea typeface="Hiragino Maru Gothic Pro W4" panose="020F0400000000000000" pitchFamily="34" charset="-128"/>
+            </a:endParaRPr>
+          </a:p>
+          <a:p>
+            <a:pPr marL="342900" indent="-342900">
+              <a:buFont typeface="Arial" panose="020B0604020202020204" pitchFamily="34" charset="0"/>
+              <a:buChar char="•"/>
+            </a:pPr>
+            <a:r>
+              <a:rPr lang="ja-JP" altLang="en-US" sz="1000">
+                <a:solidFill>
+                  <a:schemeClr val="bg2">
+                    <a:lumMod val="75000"/>
+                  </a:schemeClr>
+                </a:solidFill>
+                <a:latin typeface="Hiragino Maru Gothic Pro W4" panose="020F0400000000000000" pitchFamily="34" charset="-128"/>
+                <a:ea typeface="Hiragino Maru Gothic Pro W4" panose="020F0400000000000000" pitchFamily="34" charset="-128"/>
+              </a:rPr>
+              <a:t>ころ助⑭</a:t>
+            </a:r>
+            <a:endParaRPr lang="en-US" altLang="ja-JP" sz="1000" dirty="0">
+              <a:solidFill>
+                <a:schemeClr val="bg2">
+                  <a:lumMod val="75000"/>
+                </a:schemeClr>
+              </a:solidFill>
+              <a:latin typeface="Hiragino Maru Gothic Pro W4" panose="020F0400000000000000" pitchFamily="34" charset="-128"/>
+              <a:ea typeface="Hiragino Maru Gothic Pro W4" panose="020F0400000000000000" pitchFamily="34" charset="-128"/>
+            </a:endParaRPr>
+          </a:p>
+        </p:txBody>
+      </p:sp>
+      <p:sp>
+        <p:nvSpPr>
+          <p:cNvPr id="20" name="正方形/長方形 19">
+            <a:extLst>
+              <a:ext uri="{FF2B5EF4-FFF2-40B4-BE49-F238E27FC236}">
+                <a16:creationId xmlns:a16="http://schemas.microsoft.com/office/drawing/2014/main" id="{4D154756-01B9-3D48-8463-7608C3A99068}"/>
+              </a:ext>
+            </a:extLst>
+          </p:cNvPr>
+          <p:cNvSpPr/>
+          <p:nvPr/>
+        </p:nvSpPr>
+        <p:spPr>
+          <a:xfrm>
+            <a:off x="4776645" y="4517378"/>
+            <a:ext cx="3214553" cy="1639582"/>
+          </a:xfrm>
+          <a:prstGeom prst="rect">
+            <a:avLst/>
+          </a:prstGeom>
+        </p:spPr>
+        <p:style>
+          <a:lnRef idx="0">
+            <a:schemeClr val="accent5"/>
+          </a:lnRef>
+          <a:fillRef idx="3">
+            <a:schemeClr val="accent5"/>
+          </a:fillRef>
+          <a:effectRef idx="3">
+            <a:schemeClr val="accent5"/>
+          </a:effectRef>
+          <a:fontRef idx="minor">
+            <a:schemeClr val="lt1"/>
+          </a:fontRef>
+        </p:style>
+        <p:txBody>
+          <a:bodyPr rtlCol="0" anchor="t"/>
+          <a:lstStyle/>
+          <a:p>
+            <a:pPr marL="342900" indent="-342900">
+              <a:buFont typeface="Arial" panose="020B0604020202020204" pitchFamily="34" charset="0"/>
+              <a:buChar char="•"/>
+            </a:pPr>
+            <a:r>
+              <a:rPr lang="ja-JP" altLang="en-US" sz="1400" u="sng">
+                <a:latin typeface="Hiragino Maru Gothic Pro W4" panose="020F0400000000000000" pitchFamily="34" charset="-128"/>
+                <a:ea typeface="Hiragino Maru Gothic Pro W4" panose="020F0400000000000000" pitchFamily="34" charset="-128"/>
+              </a:rPr>
+              <a:t>ゴドルフィン⑬⑬</a:t>
+            </a:r>
+            <a:r>
+              <a:rPr lang="en-US" altLang="ja-JP" sz="1400" u="sng" dirty="0">
+                <a:latin typeface="Hiragino Maru Gothic Pro W4" panose="020F0400000000000000" pitchFamily="34" charset="-128"/>
+                <a:ea typeface="Hiragino Maru Gothic Pro W4" panose="020F0400000000000000" pitchFamily="34" charset="-128"/>
+              </a:rPr>
+              <a:t>⑫ (</a:t>
+            </a:r>
+            <a:r>
+              <a:rPr lang="ja-JP" altLang="en-US" sz="1400" u="sng">
+                <a:latin typeface="Hiragino Maru Gothic Pro W4" panose="020F0400000000000000" pitchFamily="34" charset="-128"/>
+                <a:ea typeface="Hiragino Maru Gothic Pro W4" panose="020F0400000000000000" pitchFamily="34" charset="-128"/>
+              </a:rPr>
+              <a:t>責任者</a:t>
+            </a:r>
+            <a:r>
+              <a:rPr lang="en-US" altLang="ja-JP" sz="1400" u="sng" dirty="0">
+                <a:latin typeface="Hiragino Maru Gothic Pro W4" panose="020F0400000000000000" pitchFamily="34" charset="-128"/>
+                <a:ea typeface="Hiragino Maru Gothic Pro W4" panose="020F0400000000000000" pitchFamily="34" charset="-128"/>
+              </a:rPr>
+              <a:t>)</a:t>
+            </a:r>
+          </a:p>
+          <a:p>
+            <a:pPr marL="342900" indent="-342900">
+              <a:buFont typeface="Arial" panose="020B0604020202020204" pitchFamily="34" charset="0"/>
+              <a:buChar char="•"/>
+            </a:pPr>
+            <a:r>
+              <a:rPr lang="en-US" altLang="ja-JP" sz="1400" dirty="0" err="1">
+                <a:latin typeface="Hiragino Maru Gothic Pro W4" panose="020F0400000000000000" pitchFamily="34" charset="-128"/>
+                <a:ea typeface="Hiragino Maru Gothic Pro W4" panose="020F0400000000000000" pitchFamily="34" charset="-128"/>
+              </a:rPr>
+              <a:t>bigtree</a:t>
+            </a:r>
+            <a:r>
+              <a:rPr lang="ja-JP" altLang="en-US" sz="1400">
+                <a:latin typeface="Hiragino Maru Gothic Pro W4" panose="020F0400000000000000" pitchFamily="34" charset="-128"/>
+                <a:ea typeface="Hiragino Maru Gothic Pro W4" panose="020F0400000000000000" pitchFamily="34" charset="-128"/>
+              </a:rPr>
+              <a:t>⑬</a:t>
+            </a:r>
+            <a:endParaRPr lang="en-US" altLang="ja-JP" sz="1400" dirty="0">
+              <a:latin typeface="Hiragino Maru Gothic Pro W4" panose="020F0400000000000000" pitchFamily="34" charset="-128"/>
+              <a:ea typeface="Hiragino Maru Gothic Pro W4" panose="020F0400000000000000" pitchFamily="34" charset="-128"/>
+            </a:endParaRPr>
+          </a:p>
+          <a:p>
+            <a:pPr marL="342900" indent="-342900">
+              <a:buFont typeface="Arial" panose="020B0604020202020204" pitchFamily="34" charset="0"/>
+              <a:buChar char="•"/>
+            </a:pPr>
+            <a:r>
+              <a:rPr lang="ja-JP" altLang="en-US" sz="1400">
+                <a:latin typeface="Hiragino Maru Gothic Pro W4" panose="020F0400000000000000" pitchFamily="34" charset="-128"/>
+                <a:ea typeface="Hiragino Maru Gothic Pro W4" panose="020F0400000000000000" pitchFamily="34" charset="-128"/>
+              </a:rPr>
+              <a:t>ころ助⑬</a:t>
+            </a:r>
+            <a:r>
+              <a:rPr lang="en-US" altLang="ja-JP" sz="1400" dirty="0">
+                <a:latin typeface="Hiragino Maru Gothic Pro W4" panose="020F0400000000000000" pitchFamily="34" charset="-128"/>
+                <a:ea typeface="Hiragino Maru Gothic Pro W4" panose="020F0400000000000000" pitchFamily="34" charset="-128"/>
+              </a:rPr>
+              <a:t>⑫</a:t>
+            </a:r>
+          </a:p>
+          <a:p>
+            <a:pPr marL="342900" indent="-342900">
+              <a:buFont typeface="Arial" panose="020B0604020202020204" pitchFamily="34" charset="0"/>
+              <a:buChar char="•"/>
+            </a:pPr>
+            <a:r>
+              <a:rPr lang="ja-JP" altLang="en-US" sz="1400">
+                <a:latin typeface="Hiragino Maru Gothic Pro W4" panose="020F0400000000000000" pitchFamily="34" charset="-128"/>
+                <a:ea typeface="Hiragino Maru Gothic Pro W4" panose="020F0400000000000000" pitchFamily="34" charset="-128"/>
+              </a:rPr>
+              <a:t>くい助</a:t>
+            </a:r>
+            <a:r>
+              <a:rPr lang="en-US" altLang="ja-JP" sz="1400" dirty="0">
+                <a:latin typeface="Hiragino Maru Gothic Pro W4" panose="020F0400000000000000" pitchFamily="34" charset="-128"/>
+                <a:ea typeface="Hiragino Maru Gothic Pro W4" panose="020F0400000000000000" pitchFamily="34" charset="-128"/>
+              </a:rPr>
+              <a:t>⑪</a:t>
+            </a:r>
+          </a:p>
+          <a:p>
+            <a:pPr marL="342900" indent="-342900">
+              <a:buFont typeface="Arial" panose="020B0604020202020204" pitchFamily="34" charset="0"/>
+              <a:buChar char="•"/>
+            </a:pPr>
+            <a:r>
+              <a:rPr lang="ja-JP" altLang="en-US" sz="1400">
+                <a:latin typeface="Hiragino Maru Gothic Pro W4" panose="020F0400000000000000" pitchFamily="34" charset="-128"/>
+                <a:ea typeface="Hiragino Maru Gothic Pro W4" panose="020F0400000000000000" pitchFamily="34" charset="-128"/>
+              </a:rPr>
+              <a:t>魔王</a:t>
+            </a:r>
+            <a:r>
+              <a:rPr lang="en-US" altLang="ja-JP" sz="1400" dirty="0">
+                <a:latin typeface="Hiragino Maru Gothic Pro W4" panose="020F0400000000000000" pitchFamily="34" charset="-128"/>
+                <a:ea typeface="Hiragino Maru Gothic Pro W4" panose="020F0400000000000000" pitchFamily="34" charset="-128"/>
+              </a:rPr>
+              <a:t>⑪</a:t>
+            </a:r>
+          </a:p>
+        </p:txBody>
+      </p:sp>
+      <p:sp>
+        <p:nvSpPr>
+          <p:cNvPr id="21" name="正方形/長方形 20">
+            <a:extLst>
+              <a:ext uri="{FF2B5EF4-FFF2-40B4-BE49-F238E27FC236}">
+                <a16:creationId xmlns:a16="http://schemas.microsoft.com/office/drawing/2014/main" id="{36040D20-2BF5-6845-80C0-F2F4FC80A590}"/>
+              </a:ext>
+            </a:extLst>
+          </p:cNvPr>
+          <p:cNvSpPr/>
+          <p:nvPr/>
+        </p:nvSpPr>
+        <p:spPr>
+          <a:xfrm>
+            <a:off x="8029293" y="4517378"/>
+            <a:ext cx="3214553" cy="1639582"/>
+          </a:xfrm>
+          <a:prstGeom prst="rect">
+            <a:avLst/>
+          </a:prstGeom>
+        </p:spPr>
+        <p:style>
+          <a:lnRef idx="0">
+            <a:schemeClr val="accent6"/>
+          </a:lnRef>
+          <a:fillRef idx="3">
+            <a:schemeClr val="accent6"/>
+          </a:fillRef>
+          <a:effectRef idx="3">
+            <a:schemeClr val="accent6"/>
+          </a:effectRef>
+          <a:fontRef idx="minor">
+            <a:schemeClr val="lt1"/>
+          </a:fontRef>
+        </p:style>
+        <p:txBody>
+          <a:bodyPr rtlCol="0" anchor="t"/>
+          <a:lstStyle/>
+          <a:p>
+            <a:pPr marL="342900" indent="-342900">
+              <a:buFont typeface="Arial" panose="020B0604020202020204" pitchFamily="34" charset="0"/>
+              <a:buChar char="•"/>
+            </a:pPr>
+            <a:r>
+              <a:rPr lang="ja-JP" altLang="en-US" sz="1400" u="sng">
+                <a:latin typeface="Hiragino Maru Gothic Pro W4" panose="020F0400000000000000" pitchFamily="34" charset="-128"/>
+                <a:ea typeface="Hiragino Maru Gothic Pro W4" panose="020F0400000000000000" pitchFamily="34" charset="-128"/>
+              </a:rPr>
+              <a:t>ふるはた⑬</a:t>
+            </a:r>
+            <a:r>
+              <a:rPr lang="en-US" altLang="ja-JP" sz="1400" u="sng" dirty="0">
+                <a:latin typeface="Hiragino Maru Gothic Pro W4" panose="020F0400000000000000" pitchFamily="34" charset="-128"/>
+                <a:ea typeface="Hiragino Maru Gothic Pro W4" panose="020F0400000000000000" pitchFamily="34" charset="-128"/>
+              </a:rPr>
+              <a:t>⑫ (</a:t>
+            </a:r>
+            <a:r>
+              <a:rPr lang="ja-JP" altLang="en-US" sz="1400" u="sng">
+                <a:latin typeface="Hiragino Maru Gothic Pro W4" panose="020F0400000000000000" pitchFamily="34" charset="-128"/>
+                <a:ea typeface="Hiragino Maru Gothic Pro W4" panose="020F0400000000000000" pitchFamily="34" charset="-128"/>
+              </a:rPr>
+              <a:t>責任者</a:t>
+            </a:r>
+            <a:r>
+              <a:rPr lang="en-US" altLang="ja-JP" sz="1400" u="sng" dirty="0">
+                <a:latin typeface="Hiragino Maru Gothic Pro W4" panose="020F0400000000000000" pitchFamily="34" charset="-128"/>
+                <a:ea typeface="Hiragino Maru Gothic Pro W4" panose="020F0400000000000000" pitchFamily="34" charset="-128"/>
+              </a:rPr>
+              <a:t>)</a:t>
+            </a:r>
+          </a:p>
+          <a:p>
+            <a:pPr marL="342900" indent="-342900">
+              <a:buFont typeface="Arial" panose="020B0604020202020204" pitchFamily="34" charset="0"/>
+              <a:buChar char="•"/>
+            </a:pPr>
+            <a:r>
+              <a:rPr lang="en-US" altLang="ja-JP" sz="1400" dirty="0">
+                <a:latin typeface="Hiragino Maru Gothic Pro W4" panose="020F0400000000000000" pitchFamily="34" charset="-128"/>
+                <a:ea typeface="Hiragino Maru Gothic Pro W4" panose="020F0400000000000000" pitchFamily="34" charset="-128"/>
+              </a:rPr>
+              <a:t>121</a:t>
+            </a:r>
+            <a:r>
+              <a:rPr lang="ja-JP" altLang="en-US" sz="1400">
+                <a:latin typeface="Hiragino Maru Gothic Pro W4" panose="020F0400000000000000" pitchFamily="34" charset="-128"/>
+                <a:ea typeface="Hiragino Maru Gothic Pro W4" panose="020F0400000000000000" pitchFamily="34" charset="-128"/>
+              </a:rPr>
+              <a:t>⑬</a:t>
+            </a:r>
+            <a:endParaRPr lang="en-US" altLang="ja-JP" sz="1400" dirty="0">
+              <a:latin typeface="Hiragino Maru Gothic Pro W4" panose="020F0400000000000000" pitchFamily="34" charset="-128"/>
+              <a:ea typeface="Hiragino Maru Gothic Pro W4" panose="020F0400000000000000" pitchFamily="34" charset="-128"/>
+            </a:endParaRPr>
+          </a:p>
+          <a:p>
+            <a:pPr marL="342900" indent="-342900">
+              <a:buFont typeface="Arial" panose="020B0604020202020204" pitchFamily="34" charset="0"/>
+              <a:buChar char="•"/>
+            </a:pPr>
+            <a:r>
+              <a:rPr lang="ja-JP" altLang="en-US" sz="1400">
+                <a:latin typeface="Hiragino Maru Gothic Pro W4" panose="020F0400000000000000" pitchFamily="34" charset="-128"/>
+                <a:ea typeface="Hiragino Maru Gothic Pro W4" panose="020F0400000000000000" pitchFamily="34" charset="-128"/>
+              </a:rPr>
+              <a:t>くい助⑬</a:t>
+            </a:r>
+            <a:endParaRPr lang="en-US" altLang="ja-JP" sz="1400" dirty="0">
+              <a:latin typeface="Hiragino Maru Gothic Pro W4" panose="020F0400000000000000" pitchFamily="34" charset="-128"/>
+              <a:ea typeface="Hiragino Maru Gothic Pro W4" panose="020F0400000000000000" pitchFamily="34" charset="-128"/>
+            </a:endParaRPr>
+          </a:p>
+          <a:p>
+            <a:pPr marL="342900" indent="-342900">
+              <a:buFont typeface="Arial" panose="020B0604020202020204" pitchFamily="34" charset="0"/>
+              <a:buChar char="•"/>
+            </a:pPr>
+            <a:r>
+              <a:rPr lang="ja-JP" altLang="en-US" sz="1400">
+                <a:latin typeface="Hiragino Maru Gothic Pro W4" panose="020F0400000000000000" pitchFamily="34" charset="-128"/>
+                <a:ea typeface="Hiragino Maru Gothic Pro W4" panose="020F0400000000000000" pitchFamily="34" charset="-128"/>
+              </a:rPr>
+              <a:t>魔王様⑬</a:t>
+            </a:r>
+            <a:endParaRPr lang="en-US" altLang="ja-JP" sz="1400" dirty="0">
+              <a:latin typeface="Hiragino Maru Gothic Pro W4" panose="020F0400000000000000" pitchFamily="34" charset="-128"/>
+              <a:ea typeface="Hiragino Maru Gothic Pro W4" panose="020F0400000000000000" pitchFamily="34" charset="-128"/>
+            </a:endParaRPr>
+          </a:p>
+          <a:p>
+            <a:pPr marL="342900" indent="-342900">
+              <a:buFont typeface="Arial" panose="020B0604020202020204" pitchFamily="34" charset="0"/>
+              <a:buChar char="•"/>
+            </a:pPr>
+            <a:r>
+              <a:rPr lang="ja-JP" altLang="en-US" sz="1400">
+                <a:latin typeface="Hiragino Maru Gothic Pro W4" panose="020F0400000000000000" pitchFamily="34" charset="-128"/>
+                <a:ea typeface="Hiragino Maru Gothic Pro W4" panose="020F0400000000000000" pitchFamily="34" charset="-128"/>
+              </a:rPr>
+              <a:t>ゴドルフィン</a:t>
+            </a:r>
+            <a:r>
+              <a:rPr lang="ja-JP" altLang="en-US" sz="1400">
+                <a:solidFill>
+                  <a:srgbClr val="FF0000"/>
+                </a:solidFill>
+                <a:latin typeface="Hiragino Maru Gothic Pro W4" panose="020F0400000000000000" pitchFamily="34" charset="-128"/>
+                <a:ea typeface="Hiragino Maru Gothic Pro W4" panose="020F0400000000000000" pitchFamily="34" charset="-128"/>
+              </a:rPr>
+              <a:t>⑬⑬</a:t>
+            </a:r>
+            <a:endParaRPr lang="en-US" altLang="ja-JP" sz="1400" dirty="0">
+              <a:latin typeface="Hiragino Maru Gothic Pro W4" panose="020F0400000000000000" pitchFamily="34" charset="-128"/>
+              <a:ea typeface="Hiragino Maru Gothic Pro W4" panose="020F0400000000000000" pitchFamily="34" charset="-128"/>
+            </a:endParaRPr>
+          </a:p>
+          <a:p>
+            <a:pPr marL="342900" indent="-342900">
+              <a:buFont typeface="Arial" panose="020B0604020202020204" pitchFamily="34" charset="0"/>
+              <a:buChar char="•"/>
+            </a:pPr>
+            <a:r>
+              <a:rPr lang="en-US" altLang="ja-JP" sz="1400" dirty="0">
+                <a:latin typeface="Hiragino Maru Gothic Pro W4" panose="020F0400000000000000" pitchFamily="34" charset="-128"/>
+                <a:ea typeface="Hiragino Maru Gothic Pro W4" panose="020F0400000000000000" pitchFamily="34" charset="-128"/>
+              </a:rPr>
+              <a:t>OB</a:t>
+            </a:r>
+            <a:r>
+              <a:rPr lang="ja-JP" altLang="en-US" sz="1400">
+                <a:latin typeface="Hiragino Maru Gothic Pro W4" panose="020F0400000000000000" pitchFamily="34" charset="-128"/>
+                <a:ea typeface="Hiragino Maru Gothic Pro W4" panose="020F0400000000000000" pitchFamily="34" charset="-128"/>
+              </a:rPr>
+              <a:t>ハンター</a:t>
+            </a:r>
+            <a:r>
+              <a:rPr lang="ja-JP" altLang="en-US" sz="1400">
+                <a:solidFill>
+                  <a:srgbClr val="FF0000"/>
+                </a:solidFill>
+                <a:latin typeface="Hiragino Maru Gothic Pro W4" panose="020F0400000000000000" pitchFamily="34" charset="-128"/>
+                <a:ea typeface="Hiragino Maru Gothic Pro W4" panose="020F0400000000000000" pitchFamily="34" charset="-128"/>
+              </a:rPr>
+              <a:t>⑬</a:t>
+            </a:r>
+            <a:endParaRPr lang="en-US" altLang="ja-JP" sz="1400" dirty="0">
+              <a:latin typeface="Hiragino Maru Gothic Pro W4" panose="020F0400000000000000" pitchFamily="34" charset="-128"/>
+              <a:ea typeface="Hiragino Maru Gothic Pro W4" panose="020F0400000000000000" pitchFamily="34" charset="-128"/>
+            </a:endParaRPr>
+          </a:p>
+          <a:p>
+            <a:pPr marL="342900" indent="-342900">
+              <a:buFont typeface="Arial" panose="020B0604020202020204" pitchFamily="34" charset="0"/>
+              <a:buChar char="•"/>
+            </a:pPr>
+            <a:r>
+              <a:rPr lang="ja-JP" altLang="en-US" sz="1400">
+                <a:latin typeface="Hiragino Maru Gothic Pro W4" panose="020F0400000000000000" pitchFamily="34" charset="-128"/>
+                <a:ea typeface="Hiragino Maru Gothic Pro W4" panose="020F0400000000000000" pitchFamily="34" charset="-128"/>
+              </a:rPr>
+              <a:t>ころ助</a:t>
+            </a:r>
+            <a:r>
+              <a:rPr lang="ja-JP" altLang="en-US" sz="1400">
+                <a:solidFill>
+                  <a:srgbClr val="FF0000"/>
+                </a:solidFill>
+                <a:latin typeface="Hiragino Maru Gothic Pro W4" panose="020F0400000000000000" pitchFamily="34" charset="-128"/>
+                <a:ea typeface="Hiragino Maru Gothic Pro W4" panose="020F0400000000000000" pitchFamily="34" charset="-128"/>
+              </a:rPr>
+              <a:t>⑬</a:t>
+            </a:r>
+            <a:endParaRPr lang="en-US" altLang="ja-JP" sz="1400" dirty="0">
+              <a:latin typeface="Hiragino Maru Gothic Pro W4" panose="020F0400000000000000" pitchFamily="34" charset="-128"/>
+              <a:ea typeface="Hiragino Maru Gothic Pro W4" panose="020F0400000000000000" pitchFamily="34" charset="-128"/>
+            </a:endParaRPr>
+          </a:p>
+        </p:txBody>
+      </p:sp>
+      <p:sp>
+        <p:nvSpPr>
+          <p:cNvPr id="22" name="正方形/長方形 21">
+            <a:extLst>
+              <a:ext uri="{FF2B5EF4-FFF2-40B4-BE49-F238E27FC236}">
+                <a16:creationId xmlns:a16="http://schemas.microsoft.com/office/drawing/2014/main" id="{3B4B5020-D7C7-444D-9985-0FC48ED5AE4C}"/>
+              </a:ext>
+            </a:extLst>
+          </p:cNvPr>
+          <p:cNvSpPr/>
+          <p:nvPr/>
+        </p:nvSpPr>
+        <p:spPr>
+          <a:xfrm>
+            <a:off x="768528" y="2106131"/>
+            <a:ext cx="699956" cy="2351631"/>
+          </a:xfrm>
+          <a:prstGeom prst="rect">
+            <a:avLst/>
+          </a:prstGeom>
+        </p:spPr>
+        <p:style>
+          <a:lnRef idx="0">
+            <a:schemeClr val="accent3"/>
+          </a:lnRef>
+          <a:fillRef idx="3">
+            <a:schemeClr val="accent3"/>
+          </a:fillRef>
+          <a:effectRef idx="3">
+            <a:schemeClr val="accent3"/>
+          </a:effectRef>
+          <a:fontRef idx="minor">
+            <a:schemeClr val="lt1"/>
+          </a:fontRef>
+        </p:style>
+        <p:txBody>
+          <a:bodyPr vert="eaVert" rtlCol="0" anchor="ctr"/>
+          <a:lstStyle/>
+          <a:p>
+            <a:pPr algn="ctr"/>
+            <a:r>
+              <a:rPr kumimoji="1" lang="ja-JP" altLang="en-US" sz="2000">
+                <a:latin typeface="Hiragino Maru Gothic Pro W4" panose="020F0400000000000000" pitchFamily="34" charset="-128"/>
+                <a:ea typeface="Hiragino Maru Gothic Pro W4" panose="020F0400000000000000" pitchFamily="34" charset="-128"/>
+              </a:rPr>
+              <a:t>通常時</a:t>
+            </a:r>
+            <a:endParaRPr kumimoji="1" lang="en-US" altLang="ja-JP" sz="2000" dirty="0">
+              <a:latin typeface="Hiragino Maru Gothic Pro W4" panose="020F0400000000000000" pitchFamily="34" charset="-128"/>
+              <a:ea typeface="Hiragino Maru Gothic Pro W4" panose="020F0400000000000000" pitchFamily="34" charset="-128"/>
+            </a:endParaRPr>
+          </a:p>
+        </p:txBody>
+      </p:sp>
+      <p:sp>
+        <p:nvSpPr>
+          <p:cNvPr id="23" name="正方形/長方形 22">
+            <a:extLst>
+              <a:ext uri="{FF2B5EF4-FFF2-40B4-BE49-F238E27FC236}">
+                <a16:creationId xmlns:a16="http://schemas.microsoft.com/office/drawing/2014/main" id="{0E023B14-47C4-3944-97DA-B4E38E65FC16}"/>
+              </a:ext>
+            </a:extLst>
+          </p:cNvPr>
+          <p:cNvSpPr/>
+          <p:nvPr/>
+        </p:nvSpPr>
+        <p:spPr>
+          <a:xfrm>
+            <a:off x="768528" y="4517378"/>
+            <a:ext cx="699956" cy="1639582"/>
+          </a:xfrm>
+          <a:prstGeom prst="rect">
+            <a:avLst/>
+          </a:prstGeom>
+        </p:spPr>
+        <p:style>
+          <a:lnRef idx="0">
+            <a:schemeClr val="accent3"/>
+          </a:lnRef>
+          <a:fillRef idx="3">
+            <a:schemeClr val="accent3"/>
+          </a:fillRef>
+          <a:effectRef idx="3">
+            <a:schemeClr val="accent3"/>
+          </a:effectRef>
+          <a:fontRef idx="minor">
+            <a:schemeClr val="lt1"/>
+          </a:fontRef>
+        </p:style>
+        <p:txBody>
+          <a:bodyPr vert="eaVert" rtlCol="0" anchor="ctr"/>
+          <a:lstStyle/>
+          <a:p>
+            <a:pPr algn="ctr"/>
+            <a:r>
+              <a:rPr kumimoji="1" lang="ja-JP" altLang="en-US" sz="2000">
+                <a:latin typeface="Hiragino Maru Gothic Pro W4" panose="020F0400000000000000" pitchFamily="34" charset="-128"/>
+                <a:ea typeface="Hiragino Maru Gothic Pro W4" panose="020F0400000000000000" pitchFamily="34" charset="-128"/>
+              </a:rPr>
+              <a:t>リーグ時</a:t>
+            </a:r>
+            <a:endParaRPr kumimoji="1" lang="en-US" altLang="ja-JP" sz="2000" dirty="0">
+              <a:latin typeface="Hiragino Maru Gothic Pro W4" panose="020F0400000000000000" pitchFamily="34" charset="-128"/>
+              <a:ea typeface="Hiragino Maru Gothic Pro W4" panose="020F0400000000000000" pitchFamily="34" charset="-128"/>
+            </a:endParaRPr>
+          </a:p>
+        </p:txBody>
+      </p:sp>
+    </p:spTree>
+    <p:extLst>
+      <p:ext uri="{BB962C8B-B14F-4D97-AF65-F5344CB8AC3E}">
+        <p14:creationId xmlns:p14="http://schemas.microsoft.com/office/powerpoint/2010/main" val="3731939388"/>
       </p:ext>
     </p:extLst>
   </p:cSld>
@@ -10230,39 +13447,42 @@
               </a:rPr>
               <a:t>に加入すること</a:t>
             </a:r>
-            <a:endParaRPr lang="en-US" altLang="ja-JP" dirty="0">
-              <a:solidFill>
-                <a:schemeClr val="accent5">
-                  <a:lumMod val="50000"/>
-                </a:schemeClr>
-              </a:solidFill>
-              <a:latin typeface="Hiragino Maru Gothic Pro W4" panose="020F0400000000000000" pitchFamily="34" charset="-128"/>
-              <a:ea typeface="Hiragino Maru Gothic Pro W4" panose="020F0400000000000000" pitchFamily="34" charset="-128"/>
-            </a:endParaRPr>
-          </a:p>
-          <a:p>
-            <a:pPr marL="502920" indent="-457200"/>
-            <a:r>
-              <a:rPr lang="ja-JP" altLang="en-US">
-                <a:solidFill>
-                  <a:schemeClr val="accent5">
-                    <a:lumMod val="50000"/>
-                  </a:schemeClr>
-                </a:solidFill>
-                <a:latin typeface="Hiragino Maru Gothic Pro W4" panose="020F0400000000000000" pitchFamily="34" charset="-128"/>
-                <a:ea typeface="Hiragino Maru Gothic Pro W4" panose="020F0400000000000000" pitchFamily="34" charset="-128"/>
-              </a:rPr>
-              <a:t>クランメンバーへのリスペクトを忘れないこと</a:t>
-            </a:r>
-            <a:endParaRPr lang="en-US" altLang="ja-JP" dirty="0">
-              <a:solidFill>
-                <a:schemeClr val="accent5">
-                  <a:lumMod val="50000"/>
-                </a:schemeClr>
-              </a:solidFill>
-              <a:latin typeface="Hiragino Maru Gothic Pro W4" panose="020F0400000000000000" pitchFamily="34" charset="-128"/>
-              <a:ea typeface="Hiragino Maru Gothic Pro W4" panose="020F0400000000000000" pitchFamily="34" charset="-128"/>
-            </a:endParaRPr>
+            <a:r>
+              <a:rPr lang="en-US" altLang="ja-JP" sz="2000" dirty="0">
+                <a:solidFill>
+                  <a:schemeClr val="accent5">
+                    <a:lumMod val="50000"/>
+                  </a:schemeClr>
+                </a:solidFill>
+                <a:latin typeface="Hiragino Maru Gothic Pro W4" panose="020F0400000000000000" pitchFamily="34" charset="-128"/>
+                <a:ea typeface="Hiragino Maru Gothic Pro W4" panose="020F0400000000000000" pitchFamily="34" charset="-128"/>
+              </a:rPr>
+              <a:t> (</a:t>
+            </a:r>
+            <a:r>
+              <a:rPr lang="ja-JP" altLang="en-US" sz="2000">
+                <a:solidFill>
+                  <a:schemeClr val="accent5">
+                    <a:lumMod val="50000"/>
+                  </a:schemeClr>
+                </a:solidFill>
+                <a:latin typeface="Hiragino Maru Gothic Pro W4" panose="020F0400000000000000" pitchFamily="34" charset="-128"/>
+                <a:ea typeface="Hiragino Maru Gothic Pro W4" panose="020F0400000000000000" pitchFamily="34" charset="-128"/>
+              </a:rPr>
+              <a:t>連絡用に使います</a:t>
+            </a:r>
+            <a:r>
+              <a:rPr lang="en-US" altLang="ja-JP" sz="2000" dirty="0">
+                <a:solidFill>
+                  <a:schemeClr val="accent5">
+                    <a:lumMod val="50000"/>
+                  </a:schemeClr>
+                </a:solidFill>
+                <a:latin typeface="Hiragino Maru Gothic Pro W4" panose="020F0400000000000000" pitchFamily="34" charset="-128"/>
+                <a:ea typeface="Hiragino Maru Gothic Pro W4" panose="020F0400000000000000" pitchFamily="34" charset="-128"/>
+              </a:rPr>
+              <a:t>)</a:t>
+            </a:r>
           </a:p>
         </p:txBody>
       </p:sp>
@@ -10455,8 +13675,8 @@
         </p:nvSpPr>
         <p:spPr>
           <a:xfrm>
-            <a:off x="838200" y="1690689"/>
-            <a:ext cx="3254829" cy="2704018"/>
+            <a:off x="838200" y="1690688"/>
+            <a:ext cx="3254829" cy="3194821"/>
           </a:xfrm>
           <a:prstGeom prst="rect">
             <a:avLst/>
@@ -10587,8 +13807,8 @@
         </p:nvSpPr>
         <p:spPr>
           <a:xfrm>
-            <a:off x="4468585" y="1690688"/>
-            <a:ext cx="3254829" cy="2704018"/>
+            <a:off x="4468585" y="1690687"/>
+            <a:ext cx="3254829" cy="3194821"/>
           </a:xfrm>
           <a:prstGeom prst="rect">
             <a:avLst/>
@@ -10726,8 +13946,8 @@
         </p:nvSpPr>
         <p:spPr>
           <a:xfrm>
-            <a:off x="8098971" y="1690688"/>
-            <a:ext cx="3254829" cy="2704018"/>
+            <a:off x="8098971" y="1690687"/>
+            <a:ext cx="3254829" cy="3194821"/>
           </a:xfrm>
           <a:prstGeom prst="rect">
             <a:avLst/>
@@ -10753,11 +13973,11 @@
           <a:p>
             <a:pPr algn="ctr"/>
             <a:r>
-              <a:rPr kumimoji="1" lang="ja-JP" altLang="en-US" sz="2000">
-                <a:latin typeface="Hiragino Maru Gothic Pro W4" panose="020F0400000000000000" pitchFamily="34" charset="-128"/>
-                <a:ea typeface="Hiragino Maru Gothic Pro W4" panose="020F0400000000000000" pitchFamily="34" charset="-128"/>
-              </a:rPr>
-              <a:t>とまり木</a:t>
+              <a:rPr kumimoji="1" lang="en-US" altLang="ja-JP" sz="2000" dirty="0">
+                <a:latin typeface="Hiragino Maru Gothic Pro W4" panose="020F0400000000000000" pitchFamily="34" charset="-128"/>
+                <a:ea typeface="Hiragino Maru Gothic Pro W4" panose="020F0400000000000000" pitchFamily="34" charset="-128"/>
+              </a:rPr>
+              <a:t>YADORIGI</a:t>
             </a:r>
             <a:br>
               <a:rPr kumimoji="1" lang="en-US" altLang="ja-JP" sz="2000" dirty="0">
@@ -10853,7 +14073,7 @@
           <p:cNvPr id="2" name="タイトル 1">
             <a:extLst>
               <a:ext uri="{FF2B5EF4-FFF2-40B4-BE49-F238E27FC236}">
-                <a16:creationId xmlns:a16="http://schemas.microsoft.com/office/drawing/2014/main" id="{4BEF2D4F-28AD-C84D-A4AC-A607D5B45D24}"/>
+                <a16:creationId xmlns:a16="http://schemas.microsoft.com/office/drawing/2014/main" id="{05E27039-9568-144A-9E91-3B61FB565D2A}"/>
               </a:ext>
             </a:extLst>
           </p:cNvPr>
@@ -10861,16 +14081,23 @@
             <a:spLocks noGrp="1"/>
           </p:cNvSpPr>
           <p:nvPr>
-            <p:ph type="title"/>
+            <p:ph type="ctrTitle"/>
           </p:nvPr>
         </p:nvSpPr>
-        <p:spPr/>
-        <p:txBody>
-          <a:bodyPr/>
+        <p:spPr>
+          <a:xfrm>
+            <a:off x="1306286" y="1187630"/>
+            <a:ext cx="9570720" cy="3173122"/>
+          </a:xfrm>
+        </p:spPr>
+        <p:txBody>
+          <a:bodyPr>
+            <a:normAutofit/>
+          </a:bodyPr>
           <a:lstStyle/>
           <a:p>
             <a:r>
-              <a:rPr lang="ja-JP" altLang="en-US">
+              <a:rPr kumimoji="1" lang="ja-JP" altLang="en-US">
                 <a:solidFill>
                   <a:schemeClr val="accent5">
                     <a:lumMod val="50000"/>
@@ -10882,7 +14109,7 @@
               <a:t>クラン「</a:t>
             </a:r>
             <a:r>
-              <a:rPr lang="en-US" altLang="ja-JP" dirty="0">
+              <a:rPr kumimoji="1" lang="en-US" altLang="ja-JP" dirty="0">
                 <a:solidFill>
                   <a:schemeClr val="accent5">
                     <a:lumMod val="50000"/>
@@ -10894,7 +14121,7 @@
               <a:t>TOMARIGI</a:t>
             </a:r>
             <a:r>
-              <a:rPr lang="ja-JP" altLang="en-US">
+              <a:rPr kumimoji="1" lang="ja-JP" altLang="en-US">
                 <a:solidFill>
                   <a:schemeClr val="accent5">
                     <a:lumMod val="50000"/>
@@ -10905,6 +14132,17 @@
               </a:rPr>
               <a:t>」</a:t>
             </a:r>
+            <a:br>
+              <a:rPr kumimoji="1" lang="en-US" altLang="ja-JP" dirty="0">
+                <a:solidFill>
+                  <a:schemeClr val="accent5">
+                    <a:lumMod val="50000"/>
+                  </a:schemeClr>
+                </a:solidFill>
+                <a:latin typeface="Hiragino Maru Gothic Pro W4" panose="020F0400000000000000" pitchFamily="34" charset="-128"/>
+                <a:ea typeface="Hiragino Maru Gothic Pro W4" panose="020F0400000000000000" pitchFamily="34" charset="-128"/>
+              </a:rPr>
+            </a:br>
             <a:endParaRPr kumimoji="1" lang="ja-JP" altLang="en-US">
               <a:solidFill>
                 <a:schemeClr val="accent5">
@@ -10919,484 +14157,10 @@
       </p:sp>
       <p:sp>
         <p:nvSpPr>
-          <p:cNvPr id="3" name="コンテンツ プレースホルダー 2">
-            <a:extLst>
-              <a:ext uri="{FF2B5EF4-FFF2-40B4-BE49-F238E27FC236}">
-                <a16:creationId xmlns:a16="http://schemas.microsoft.com/office/drawing/2014/main" id="{01E773B8-156E-4743-8E4A-3ED5FB7CC4E2}"/>
-              </a:ext>
-            </a:extLst>
-          </p:cNvPr>
-          <p:cNvSpPr>
-            <a:spLocks noGrp="1"/>
-          </p:cNvSpPr>
-          <p:nvPr>
-            <p:ph idx="1"/>
-          </p:nvPr>
-        </p:nvSpPr>
-        <p:spPr>
-          <a:xfrm>
-            <a:off x="838200" y="1588575"/>
-            <a:ext cx="10515600" cy="4588387"/>
-          </a:xfrm>
-        </p:spPr>
-        <p:txBody>
-          <a:bodyPr>
-            <a:normAutofit/>
-          </a:bodyPr>
-          <a:lstStyle/>
-          <a:p>
-            <a:pPr marL="45720" indent="0">
-              <a:buNone/>
-            </a:pPr>
-            <a:r>
-              <a:rPr lang="en-US" altLang="ja-JP" dirty="0">
-                <a:solidFill>
-                  <a:schemeClr val="accent5">
-                    <a:lumMod val="50000"/>
-                  </a:schemeClr>
-                </a:solidFill>
-                <a:latin typeface="Hiragino Maru Gothic Pro W4" panose="020F0400000000000000" pitchFamily="34" charset="-128"/>
-                <a:ea typeface="Hiragino Maru Gothic Pro W4" panose="020F0400000000000000" pitchFamily="34" charset="-128"/>
-              </a:rPr>
-              <a:t>【</a:t>
-            </a:r>
-            <a:r>
-              <a:rPr lang="ja-JP" altLang="en-US">
-                <a:solidFill>
-                  <a:schemeClr val="accent5">
-                    <a:lumMod val="50000"/>
-                  </a:schemeClr>
-                </a:solidFill>
-                <a:latin typeface="Hiragino Maru Gothic Pro W4" panose="020F0400000000000000" pitchFamily="34" charset="-128"/>
-                <a:ea typeface="Hiragino Maru Gothic Pro W4" panose="020F0400000000000000" pitchFamily="34" charset="-128"/>
-              </a:rPr>
-              <a:t>概要</a:t>
-            </a:r>
-            <a:r>
-              <a:rPr lang="en-US" altLang="ja-JP" dirty="0">
-                <a:solidFill>
-                  <a:schemeClr val="accent5">
-                    <a:lumMod val="50000"/>
-                  </a:schemeClr>
-                </a:solidFill>
-                <a:latin typeface="Hiragino Maru Gothic Pro W4" panose="020F0400000000000000" pitchFamily="34" charset="-128"/>
-                <a:ea typeface="Hiragino Maru Gothic Pro W4" panose="020F0400000000000000" pitchFamily="34" charset="-128"/>
-              </a:rPr>
-              <a:t>】</a:t>
-            </a:r>
-          </a:p>
-          <a:p>
-            <a:pPr marL="560070" indent="-514350"/>
-            <a:r>
-              <a:rPr lang="ja-JP" altLang="en-US">
-                <a:solidFill>
-                  <a:schemeClr val="accent5">
-                    <a:lumMod val="50000"/>
-                  </a:schemeClr>
-                </a:solidFill>
-                <a:latin typeface="Hiragino Maru Gothic Pro W4" panose="020F0400000000000000" pitchFamily="34" charset="-128"/>
-                <a:ea typeface="Hiragino Maru Gothic Pro W4" panose="020F0400000000000000" pitchFamily="34" charset="-128"/>
-              </a:rPr>
-              <a:t>責任者：魔王様</a:t>
-            </a:r>
-            <a:endParaRPr lang="en-US" altLang="ja-JP" dirty="0">
-              <a:solidFill>
-                <a:schemeClr val="accent5">
-                  <a:lumMod val="50000"/>
-                </a:schemeClr>
-              </a:solidFill>
-              <a:latin typeface="Hiragino Maru Gothic Pro W4" panose="020F0400000000000000" pitchFamily="34" charset="-128"/>
-              <a:ea typeface="Hiragino Maru Gothic Pro W4" panose="020F0400000000000000" pitchFamily="34" charset="-128"/>
-            </a:endParaRPr>
-          </a:p>
-          <a:p>
-            <a:pPr marL="560070" indent="-514350"/>
-            <a:r>
-              <a:rPr lang="en-US" altLang="ja-JP" dirty="0">
-                <a:solidFill>
-                  <a:schemeClr val="accent5">
-                    <a:lumMod val="50000"/>
-                  </a:schemeClr>
-                </a:solidFill>
-                <a:latin typeface="Hiragino Maru Gothic Pro W4" panose="020F0400000000000000" pitchFamily="34" charset="-128"/>
-                <a:ea typeface="Hiragino Maru Gothic Pro W4" panose="020F0400000000000000" pitchFamily="34" charset="-128"/>
-              </a:rPr>
-              <a:t>TH13</a:t>
-            </a:r>
-            <a:r>
-              <a:rPr lang="ja-JP" altLang="en-US">
-                <a:solidFill>
-                  <a:schemeClr val="accent5">
-                    <a:lumMod val="50000"/>
-                  </a:schemeClr>
-                </a:solidFill>
-                <a:latin typeface="Hiragino Maru Gothic Pro W4" panose="020F0400000000000000" pitchFamily="34" charset="-128"/>
-                <a:ea typeface="Hiragino Maru Gothic Pro W4" panose="020F0400000000000000" pitchFamily="34" charset="-128"/>
-              </a:rPr>
-              <a:t>、</a:t>
-            </a:r>
-            <a:r>
-              <a:rPr lang="en-US" altLang="ja-JP" dirty="0">
-                <a:solidFill>
-                  <a:schemeClr val="accent5">
-                    <a:lumMod val="50000"/>
-                  </a:schemeClr>
-                </a:solidFill>
-                <a:latin typeface="Hiragino Maru Gothic Pro W4" panose="020F0400000000000000" pitchFamily="34" charset="-128"/>
-                <a:ea typeface="Hiragino Maru Gothic Pro W4" panose="020F0400000000000000" pitchFamily="34" charset="-128"/>
-              </a:rPr>
-              <a:t>14</a:t>
-            </a:r>
-            <a:r>
-              <a:rPr lang="ja-JP" altLang="en-US">
-                <a:solidFill>
-                  <a:schemeClr val="accent5">
-                    <a:lumMod val="50000"/>
-                  </a:schemeClr>
-                </a:solidFill>
-                <a:latin typeface="Hiragino Maru Gothic Pro W4" panose="020F0400000000000000" pitchFamily="34" charset="-128"/>
-                <a:ea typeface="Hiragino Maru Gothic Pro W4" panose="020F0400000000000000" pitchFamily="34" charset="-128"/>
-              </a:rPr>
-              <a:t>のアクティブ勢で集まる</a:t>
-            </a:r>
-            <a:r>
-              <a:rPr lang="ja-JP" altLang="en-US" dirty="0">
-                <a:solidFill>
-                  <a:schemeClr val="accent5">
-                    <a:lumMod val="50000"/>
-                  </a:schemeClr>
-                </a:solidFill>
-                <a:latin typeface="Hiragino Maru Gothic Pro W4" panose="020F0400000000000000" pitchFamily="34" charset="-128"/>
-                <a:ea typeface="Hiragino Maru Gothic Pro W4" panose="020F0400000000000000" pitchFamily="34" charset="-128"/>
-              </a:rPr>
-              <a:t> </a:t>
-            </a:r>
-            <a:r>
-              <a:rPr lang="en-US" altLang="ja-JP" sz="2000" dirty="0">
-                <a:solidFill>
-                  <a:schemeClr val="accent5">
-                    <a:lumMod val="50000"/>
-                  </a:schemeClr>
-                </a:solidFill>
-                <a:latin typeface="Hiragino Maru Gothic Pro W4" panose="020F0400000000000000" pitchFamily="34" charset="-128"/>
-                <a:ea typeface="Hiragino Maru Gothic Pro W4" panose="020F0400000000000000" pitchFamily="34" charset="-128"/>
-              </a:rPr>
-              <a:t>(TH12</a:t>
-            </a:r>
-            <a:r>
-              <a:rPr lang="ja-JP" altLang="en-US" sz="2000">
-                <a:solidFill>
-                  <a:schemeClr val="accent5">
-                    <a:lumMod val="50000"/>
-                  </a:schemeClr>
-                </a:solidFill>
-                <a:latin typeface="Hiragino Maru Gothic Pro W4" panose="020F0400000000000000" pitchFamily="34" charset="-128"/>
-                <a:ea typeface="Hiragino Maru Gothic Pro W4" panose="020F0400000000000000" pitchFamily="34" charset="-128"/>
-              </a:rPr>
-              <a:t>以下の希望者は要相談</a:t>
-            </a:r>
-            <a:r>
-              <a:rPr lang="en-US" altLang="ja-JP" sz="2000" dirty="0">
-                <a:solidFill>
-                  <a:schemeClr val="accent5">
-                    <a:lumMod val="50000"/>
-                  </a:schemeClr>
-                </a:solidFill>
-                <a:latin typeface="Hiragino Maru Gothic Pro W4" panose="020F0400000000000000" pitchFamily="34" charset="-128"/>
-                <a:ea typeface="Hiragino Maru Gothic Pro W4" panose="020F0400000000000000" pitchFamily="34" charset="-128"/>
-              </a:rPr>
-              <a:t>)</a:t>
-            </a:r>
-          </a:p>
-          <a:p>
-            <a:pPr marL="560070" indent="-514350"/>
-            <a:r>
-              <a:rPr lang="ja-JP" altLang="en-US">
-                <a:solidFill>
-                  <a:schemeClr val="accent5">
-                    <a:lumMod val="50000"/>
-                  </a:schemeClr>
-                </a:solidFill>
-                <a:latin typeface="Hiragino Maru Gothic Pro W4" panose="020F0400000000000000" pitchFamily="34" charset="-128"/>
-                <a:ea typeface="Hiragino Maru Gothic Pro W4" panose="020F0400000000000000" pitchFamily="34" charset="-128"/>
-              </a:rPr>
-              <a:t>将来的に</a:t>
-            </a:r>
-            <a:r>
-              <a:rPr lang="en-US" altLang="ja-JP" dirty="0">
-                <a:solidFill>
-                  <a:schemeClr val="accent5">
-                    <a:lumMod val="50000"/>
-                  </a:schemeClr>
-                </a:solidFill>
-                <a:latin typeface="Hiragino Maru Gothic Pro W4" panose="020F0400000000000000" pitchFamily="34" charset="-128"/>
-                <a:ea typeface="Hiragino Maru Gothic Pro W4" panose="020F0400000000000000" pitchFamily="34" charset="-128"/>
-              </a:rPr>
-              <a:t>TH14</a:t>
-            </a:r>
-            <a:r>
-              <a:rPr lang="ja-JP" altLang="en-US">
-                <a:solidFill>
-                  <a:schemeClr val="accent5">
-                    <a:lumMod val="50000"/>
-                  </a:schemeClr>
-                </a:solidFill>
-                <a:latin typeface="Hiragino Maru Gothic Pro W4" panose="020F0400000000000000" pitchFamily="34" charset="-128"/>
-                <a:ea typeface="Hiragino Maru Gothic Pro W4" panose="020F0400000000000000" pitchFamily="34" charset="-128"/>
-              </a:rPr>
-              <a:t>オンリー化する</a:t>
-            </a:r>
-            <a:r>
-              <a:rPr lang="en-US" altLang="ja-JP" sz="2000" dirty="0">
-                <a:solidFill>
-                  <a:schemeClr val="accent5">
-                    <a:lumMod val="50000"/>
-                  </a:schemeClr>
-                </a:solidFill>
-                <a:latin typeface="Hiragino Maru Gothic Pro W4" panose="020F0400000000000000" pitchFamily="34" charset="-128"/>
-                <a:ea typeface="Hiragino Maru Gothic Pro W4" panose="020F0400000000000000" pitchFamily="34" charset="-128"/>
-              </a:rPr>
-              <a:t> (2021</a:t>
-            </a:r>
-            <a:r>
-              <a:rPr lang="ja-JP" altLang="en-US" sz="2000">
-                <a:solidFill>
-                  <a:schemeClr val="accent5">
-                    <a:lumMod val="50000"/>
-                  </a:schemeClr>
-                </a:solidFill>
-                <a:latin typeface="Hiragino Maru Gothic Pro W4" panose="020F0400000000000000" pitchFamily="34" charset="-128"/>
-                <a:ea typeface="Hiragino Maru Gothic Pro W4" panose="020F0400000000000000" pitchFamily="34" charset="-128"/>
-              </a:rPr>
-              <a:t>年</a:t>
-            </a:r>
-            <a:r>
-              <a:rPr lang="en-US" altLang="ja-JP" sz="2000" dirty="0">
-                <a:solidFill>
-                  <a:schemeClr val="accent5">
-                    <a:lumMod val="50000"/>
-                  </a:schemeClr>
-                </a:solidFill>
-                <a:latin typeface="Hiragino Maru Gothic Pro W4" panose="020F0400000000000000" pitchFamily="34" charset="-128"/>
-                <a:ea typeface="Hiragino Maru Gothic Pro W4" panose="020F0400000000000000" pitchFamily="34" charset="-128"/>
-              </a:rPr>
-              <a:t>12</a:t>
-            </a:r>
-            <a:r>
-              <a:rPr lang="ja-JP" altLang="en-US" sz="2000">
-                <a:solidFill>
-                  <a:schemeClr val="accent5">
-                    <a:lumMod val="50000"/>
-                  </a:schemeClr>
-                </a:solidFill>
-                <a:latin typeface="Hiragino Maru Gothic Pro W4" panose="020F0400000000000000" pitchFamily="34" charset="-128"/>
-                <a:ea typeface="Hiragino Maru Gothic Pro W4" panose="020F0400000000000000" pitchFamily="34" charset="-128"/>
-              </a:rPr>
-              <a:t>月予定</a:t>
-            </a:r>
-            <a:r>
-              <a:rPr lang="en-US" altLang="ja-JP" sz="2000" dirty="0">
-                <a:solidFill>
-                  <a:schemeClr val="accent5">
-                    <a:lumMod val="50000"/>
-                  </a:schemeClr>
-                </a:solidFill>
-                <a:latin typeface="Hiragino Maru Gothic Pro W4" panose="020F0400000000000000" pitchFamily="34" charset="-128"/>
-                <a:ea typeface="Hiragino Maru Gothic Pro W4" panose="020F0400000000000000" pitchFamily="34" charset="-128"/>
-              </a:rPr>
-              <a:t>)</a:t>
-            </a:r>
-            <a:br>
-              <a:rPr lang="en-US" altLang="ja-JP" dirty="0">
-                <a:solidFill>
-                  <a:schemeClr val="accent5">
-                    <a:lumMod val="50000"/>
-                  </a:schemeClr>
-                </a:solidFill>
-                <a:latin typeface="Hiragino Maru Gothic Pro W4" panose="020F0400000000000000" pitchFamily="34" charset="-128"/>
-                <a:ea typeface="Hiragino Maru Gothic Pro W4" panose="020F0400000000000000" pitchFamily="34" charset="-128"/>
-              </a:rPr>
-            </a:br>
-            <a:endParaRPr lang="en-US" altLang="ja-JP" dirty="0">
-              <a:solidFill>
-                <a:schemeClr val="accent5">
-                  <a:lumMod val="50000"/>
-                </a:schemeClr>
-              </a:solidFill>
-              <a:latin typeface="Hiragino Maru Gothic Pro W4" panose="020F0400000000000000" pitchFamily="34" charset="-128"/>
-              <a:ea typeface="Hiragino Maru Gothic Pro W4" panose="020F0400000000000000" pitchFamily="34" charset="-128"/>
-            </a:endParaRPr>
-          </a:p>
-          <a:p>
-            <a:pPr marL="45720" indent="0">
-              <a:buNone/>
-            </a:pPr>
-            <a:r>
-              <a:rPr lang="en-US" altLang="ja-JP" dirty="0">
-                <a:solidFill>
-                  <a:schemeClr val="accent5">
-                    <a:lumMod val="50000"/>
-                  </a:schemeClr>
-                </a:solidFill>
-                <a:latin typeface="Hiragino Maru Gothic Pro W4" panose="020F0400000000000000" pitchFamily="34" charset="-128"/>
-                <a:ea typeface="Hiragino Maru Gothic Pro W4" panose="020F0400000000000000" pitchFamily="34" charset="-128"/>
-              </a:rPr>
-              <a:t>【</a:t>
-            </a:r>
-            <a:r>
-              <a:rPr lang="ja-JP" altLang="en-US">
-                <a:solidFill>
-                  <a:schemeClr val="accent5">
-                    <a:lumMod val="50000"/>
-                  </a:schemeClr>
-                </a:solidFill>
-                <a:latin typeface="Hiragino Maru Gothic Pro W4" panose="020F0400000000000000" pitchFamily="34" charset="-128"/>
-                <a:ea typeface="Hiragino Maru Gothic Pro W4" panose="020F0400000000000000" pitchFamily="34" charset="-128"/>
-              </a:rPr>
-              <a:t>方針、目指すクランの姿</a:t>
-            </a:r>
-            <a:r>
-              <a:rPr lang="en-US" altLang="ja-JP" dirty="0">
-                <a:solidFill>
-                  <a:schemeClr val="accent5">
-                    <a:lumMod val="50000"/>
-                  </a:schemeClr>
-                </a:solidFill>
-                <a:latin typeface="Hiragino Maru Gothic Pro W4" panose="020F0400000000000000" pitchFamily="34" charset="-128"/>
-                <a:ea typeface="Hiragino Maru Gothic Pro W4" panose="020F0400000000000000" pitchFamily="34" charset="-128"/>
-              </a:rPr>
-              <a:t>】</a:t>
-            </a:r>
-          </a:p>
-          <a:p>
-            <a:pPr marL="502920" indent="-457200"/>
-            <a:r>
-              <a:rPr lang="en-US" altLang="ja-JP" dirty="0">
-                <a:solidFill>
-                  <a:schemeClr val="accent5">
-                    <a:lumMod val="50000"/>
-                  </a:schemeClr>
-                </a:solidFill>
-                <a:latin typeface="Hiragino Maru Gothic Pro W4" panose="020F0400000000000000" pitchFamily="34" charset="-128"/>
-                <a:ea typeface="Hiragino Maru Gothic Pro W4" panose="020F0400000000000000" pitchFamily="34" charset="-128"/>
-              </a:rPr>
-              <a:t>“</a:t>
-            </a:r>
-            <a:r>
-              <a:rPr lang="ja-JP" altLang="en-US">
-                <a:solidFill>
-                  <a:schemeClr val="accent5">
-                    <a:lumMod val="50000"/>
-                  </a:schemeClr>
-                </a:solidFill>
-                <a:latin typeface="Hiragino Maru Gothic Pro W4" panose="020F0400000000000000" pitchFamily="34" charset="-128"/>
-                <a:ea typeface="Hiragino Maru Gothic Pro W4" panose="020F0400000000000000" pitchFamily="34" charset="-128"/>
-              </a:rPr>
-              <a:t>高いモチベーションの人にとって</a:t>
-            </a:r>
-            <a:r>
-              <a:rPr lang="en-US" altLang="ja-JP" dirty="0">
-                <a:solidFill>
-                  <a:schemeClr val="accent5">
-                    <a:lumMod val="50000"/>
-                  </a:schemeClr>
-                </a:solidFill>
-                <a:latin typeface="Hiragino Maru Gothic Pro W4" panose="020F0400000000000000" pitchFamily="34" charset="-128"/>
-                <a:ea typeface="Hiragino Maru Gothic Pro W4" panose="020F0400000000000000" pitchFamily="34" charset="-128"/>
-              </a:rPr>
-              <a:t>”</a:t>
-            </a:r>
-            <a:br>
-              <a:rPr lang="en-US" altLang="ja-JP" dirty="0">
-                <a:solidFill>
-                  <a:schemeClr val="accent5">
-                    <a:lumMod val="50000"/>
-                  </a:schemeClr>
-                </a:solidFill>
-                <a:latin typeface="Hiragino Maru Gothic Pro W4" panose="020F0400000000000000" pitchFamily="34" charset="-128"/>
-                <a:ea typeface="Hiragino Maru Gothic Pro W4" panose="020F0400000000000000" pitchFamily="34" charset="-128"/>
-              </a:rPr>
-            </a:br>
-            <a:r>
-              <a:rPr lang="ja-JP" altLang="en-US">
-                <a:solidFill>
-                  <a:schemeClr val="accent5">
-                    <a:lumMod val="50000"/>
-                  </a:schemeClr>
-                </a:solidFill>
-                <a:latin typeface="Hiragino Maru Gothic Pro W4" panose="020F0400000000000000" pitchFamily="34" charset="-128"/>
-                <a:ea typeface="Hiragino Maru Gothic Pro W4" panose="020F0400000000000000" pitchFamily="34" charset="-128"/>
-              </a:rPr>
-              <a:t>　居心地の良いクランであること</a:t>
-            </a:r>
-            <a:endParaRPr lang="en-US" altLang="ja-JP" dirty="0">
-              <a:solidFill>
-                <a:schemeClr val="accent5">
-                  <a:lumMod val="50000"/>
-                </a:schemeClr>
-              </a:solidFill>
-              <a:latin typeface="Hiragino Maru Gothic Pro W4" panose="020F0400000000000000" pitchFamily="34" charset="-128"/>
-              <a:ea typeface="Hiragino Maru Gothic Pro W4" panose="020F0400000000000000" pitchFamily="34" charset="-128"/>
-            </a:endParaRPr>
-          </a:p>
-          <a:p>
-            <a:pPr marL="502920" indent="-457200"/>
-            <a:r>
-              <a:rPr lang="ja-JP" altLang="en-US">
-                <a:solidFill>
-                  <a:schemeClr val="accent5">
-                    <a:lumMod val="50000"/>
-                  </a:schemeClr>
-                </a:solidFill>
-                <a:latin typeface="Hiragino Maru Gothic Pro W4" panose="020F0400000000000000" pitchFamily="34" charset="-128"/>
-                <a:ea typeface="Hiragino Maru Gothic Pro W4" panose="020F0400000000000000" pitchFamily="34" charset="-128"/>
-              </a:rPr>
-              <a:t>強いクランであること</a:t>
-            </a:r>
-            <a:endParaRPr lang="en-US" altLang="ja-JP" dirty="0">
-              <a:solidFill>
-                <a:schemeClr val="accent5">
-                  <a:lumMod val="50000"/>
-                </a:schemeClr>
-              </a:solidFill>
-              <a:latin typeface="Hiragino Maru Gothic Pro W4" panose="020F0400000000000000" pitchFamily="34" charset="-128"/>
-              <a:ea typeface="Hiragino Maru Gothic Pro W4" panose="020F0400000000000000" pitchFamily="34" charset="-128"/>
-            </a:endParaRPr>
-          </a:p>
-          <a:p>
-            <a:pPr marL="45720" indent="0">
-              <a:buNone/>
-            </a:pPr>
-            <a:endParaRPr lang="en-US" altLang="ja-JP" dirty="0">
-              <a:solidFill>
-                <a:schemeClr val="accent5">
-                  <a:lumMod val="50000"/>
-                </a:schemeClr>
-              </a:solidFill>
-              <a:latin typeface="Hiragino Maru Gothic Pro W4" panose="020F0400000000000000" pitchFamily="34" charset="-128"/>
-              <a:ea typeface="Hiragino Maru Gothic Pro W4" panose="020F0400000000000000" pitchFamily="34" charset="-128"/>
-            </a:endParaRPr>
-          </a:p>
-          <a:p>
-            <a:pPr marL="502920" indent="-457200"/>
-            <a:endParaRPr lang="en-US" altLang="ja-JP" dirty="0">
-              <a:solidFill>
-                <a:schemeClr val="accent5">
-                  <a:lumMod val="50000"/>
-                </a:schemeClr>
-              </a:solidFill>
-              <a:latin typeface="Hiragino Maru Gothic Pro W4" panose="020F0400000000000000" pitchFamily="34" charset="-128"/>
-              <a:ea typeface="Hiragino Maru Gothic Pro W4" panose="020F0400000000000000" pitchFamily="34" charset="-128"/>
-            </a:endParaRPr>
-          </a:p>
-        </p:txBody>
-      </p:sp>
-      <p:sp>
-        <p:nvSpPr>
           <p:cNvPr id="4" name="スライド番号プレースホルダー 3">
             <a:extLst>
               <a:ext uri="{FF2B5EF4-FFF2-40B4-BE49-F238E27FC236}">
-                <a16:creationId xmlns:a16="http://schemas.microsoft.com/office/drawing/2014/main" id="{34C04C8D-49C3-874E-864D-A6289CA1E427}"/>
+                <a16:creationId xmlns:a16="http://schemas.microsoft.com/office/drawing/2014/main" id="{FFA60BD1-FA32-484F-807E-37BB2EC217BB}"/>
               </a:ext>
             </a:extLst>
           </p:cNvPr>
@@ -11407,7 +14171,12 @@
             <p:ph type="sldNum" sz="quarter" idx="12"/>
           </p:nvPr>
         </p:nvSpPr>
-        <p:spPr/>
+        <p:spPr>
+          <a:xfrm>
+            <a:off x="8610600" y="6356350"/>
+            <a:ext cx="2743200" cy="365125"/>
+          </a:xfrm>
+        </p:spPr>
         <p:txBody>
           <a:bodyPr/>
           <a:lstStyle/>
@@ -11416,9 +14185,7 @@
             <a:fld id="{E31375A4-56A4-47D6-9801-1991572033F7}" type="slidenum">
               <a:rPr lang="en-US" altLang="ja-JP" noProof="0" smtClean="0">
                 <a:solidFill>
-                  <a:schemeClr val="accent5">
-                    <a:lumMod val="50000"/>
-                  </a:schemeClr>
+                  <a:srgbClr val="002060"/>
                 </a:solidFill>
                 <a:latin typeface="Hiragino Maru Gothic Pro W4" panose="020F0400000000000000" pitchFamily="34" charset="-128"/>
                 <a:ea typeface="Hiragino Maru Gothic Pro W4" panose="020F0400000000000000" pitchFamily="34" charset="-128"/>
@@ -11427,9 +14194,7 @@
             </a:fld>
             <a:endParaRPr lang="ja-JP" altLang="en-US" noProof="0" dirty="0">
               <a:solidFill>
-                <a:schemeClr val="accent5">
-                  <a:lumMod val="50000"/>
-                </a:schemeClr>
+                <a:srgbClr val="002060"/>
               </a:solidFill>
               <a:latin typeface="Hiragino Maru Gothic Pro W4" panose="020F0400000000000000" pitchFamily="34" charset="-128"/>
               <a:ea typeface="Hiragino Maru Gothic Pro W4" panose="020F0400000000000000" pitchFamily="34" charset="-128"/>
@@ -11440,7 +14205,7 @@
     </p:spTree>
     <p:extLst>
       <p:ext uri="{BB962C8B-B14F-4D97-AF65-F5344CB8AC3E}">
-        <p14:creationId xmlns:p14="http://schemas.microsoft.com/office/powerpoint/2010/main" val="3734338026"/>
+        <p14:creationId xmlns:p14="http://schemas.microsoft.com/office/powerpoint/2010/main" val="1074702217"/>
       </p:ext>
     </p:extLst>
   </p:cSld>
@@ -11601,7 +14366,7 @@
                 <a:latin typeface="Hiragino Maru Gothic Pro W4" panose="020F0400000000000000" pitchFamily="34" charset="-128"/>
                 <a:ea typeface="Hiragino Maru Gothic Pro W4" panose="020F0400000000000000" pitchFamily="34" charset="-128"/>
               </a:rPr>
-              <a:t>目標</a:t>
+              <a:t>概要</a:t>
             </a:r>
             <a:r>
               <a:rPr lang="en-US" altLang="ja-JP" dirty="0">
@@ -11617,7 +14382,7 @@
             </a:r>
           </a:p>
           <a:p>
-            <a:pPr marL="502920" indent="-457200"/>
+            <a:pPr marL="560070" indent="-514350"/>
             <a:r>
               <a:rPr lang="ja-JP" altLang="en-US">
                 <a:solidFill>
@@ -11628,46 +14393,7 @@
                 <a:latin typeface="Hiragino Maru Gothic Pro W4" panose="020F0400000000000000" pitchFamily="34" charset="-128"/>
                 <a:ea typeface="Hiragino Maru Gothic Pro W4" panose="020F0400000000000000" pitchFamily="34" charset="-128"/>
               </a:rPr>
-              <a:t>クランリーグ戦：チャンピオン</a:t>
-            </a:r>
-            <a:r>
-              <a:rPr lang="en-US" altLang="ja-JP" dirty="0">
-                <a:solidFill>
-                  <a:schemeClr val="accent5">
-                    <a:lumMod val="50000"/>
-                  </a:schemeClr>
-                </a:solidFill>
-                <a:latin typeface="Hiragino Maru Gothic Pro W4" panose="020F0400000000000000" pitchFamily="34" charset="-128"/>
-                <a:ea typeface="Hiragino Maru Gothic Pro W4" panose="020F0400000000000000" pitchFamily="34" charset="-128"/>
-              </a:rPr>
-              <a:t>Ⅰ</a:t>
-            </a:r>
-          </a:p>
-          <a:p>
-            <a:pPr marL="502920" indent="-457200"/>
-            <a:r>
-              <a:rPr lang="en-US" altLang="ja-JP" dirty="0">
-                <a:solidFill>
-                  <a:schemeClr val="accent5">
-                    <a:lumMod val="50000"/>
-                  </a:schemeClr>
-                </a:solidFill>
-                <a:latin typeface="Hiragino Maru Gothic Pro W4" panose="020F0400000000000000" pitchFamily="34" charset="-128"/>
-                <a:ea typeface="Hiragino Maru Gothic Pro W4" panose="020F0400000000000000" pitchFamily="34" charset="-128"/>
-              </a:rPr>
-              <a:t>JWC J1</a:t>
-            </a:r>
-            <a:r>
-              <a:rPr lang="ja-JP" altLang="en-US">
-                <a:solidFill>
-                  <a:schemeClr val="accent5">
-                    <a:lumMod val="50000"/>
-                  </a:schemeClr>
-                </a:solidFill>
-                <a:latin typeface="Hiragino Maru Gothic Pro W4" panose="020F0400000000000000" pitchFamily="34" charset="-128"/>
-                <a:ea typeface="Hiragino Maru Gothic Pro W4" panose="020F0400000000000000" pitchFamily="34" charset="-128"/>
-              </a:rPr>
-              <a:t>への昇格</a:t>
+              <a:t>責任者：魔王様</a:t>
             </a:r>
             <a:endParaRPr lang="en-US" altLang="ja-JP" dirty="0">
               <a:solidFill>
@@ -11680,6 +14406,265 @@
             </a:endParaRPr>
           </a:p>
           <a:p>
+            <a:pPr marL="560070" indent="-514350"/>
+            <a:r>
+              <a:rPr lang="en-US" altLang="ja-JP" dirty="0">
+                <a:solidFill>
+                  <a:schemeClr val="accent5">
+                    <a:lumMod val="50000"/>
+                  </a:schemeClr>
+                </a:solidFill>
+                <a:latin typeface="Hiragino Maru Gothic Pro W4" panose="020F0400000000000000" pitchFamily="34" charset="-128"/>
+                <a:ea typeface="Hiragino Maru Gothic Pro W4" panose="020F0400000000000000" pitchFamily="34" charset="-128"/>
+              </a:rPr>
+              <a:t>TH13</a:t>
+            </a:r>
+            <a:r>
+              <a:rPr lang="ja-JP" altLang="en-US">
+                <a:solidFill>
+                  <a:schemeClr val="accent5">
+                    <a:lumMod val="50000"/>
+                  </a:schemeClr>
+                </a:solidFill>
+                <a:latin typeface="Hiragino Maru Gothic Pro W4" panose="020F0400000000000000" pitchFamily="34" charset="-128"/>
+                <a:ea typeface="Hiragino Maru Gothic Pro W4" panose="020F0400000000000000" pitchFamily="34" charset="-128"/>
+              </a:rPr>
+              <a:t>、</a:t>
+            </a:r>
+            <a:r>
+              <a:rPr lang="en-US" altLang="ja-JP" dirty="0">
+                <a:solidFill>
+                  <a:schemeClr val="accent5">
+                    <a:lumMod val="50000"/>
+                  </a:schemeClr>
+                </a:solidFill>
+                <a:latin typeface="Hiragino Maru Gothic Pro W4" panose="020F0400000000000000" pitchFamily="34" charset="-128"/>
+                <a:ea typeface="Hiragino Maru Gothic Pro W4" panose="020F0400000000000000" pitchFamily="34" charset="-128"/>
+              </a:rPr>
+              <a:t>14</a:t>
+            </a:r>
+            <a:r>
+              <a:rPr lang="ja-JP" altLang="en-US">
+                <a:solidFill>
+                  <a:schemeClr val="accent5">
+                    <a:lumMod val="50000"/>
+                  </a:schemeClr>
+                </a:solidFill>
+                <a:latin typeface="Hiragino Maru Gothic Pro W4" panose="020F0400000000000000" pitchFamily="34" charset="-128"/>
+                <a:ea typeface="Hiragino Maru Gothic Pro W4" panose="020F0400000000000000" pitchFamily="34" charset="-128"/>
+              </a:rPr>
+              <a:t>のアクティブ勢で集まる</a:t>
+            </a:r>
+            <a:r>
+              <a:rPr lang="ja-JP" altLang="en-US" dirty="0">
+                <a:solidFill>
+                  <a:schemeClr val="accent5">
+                    <a:lumMod val="50000"/>
+                  </a:schemeClr>
+                </a:solidFill>
+                <a:latin typeface="Hiragino Maru Gothic Pro W4" panose="020F0400000000000000" pitchFamily="34" charset="-128"/>
+                <a:ea typeface="Hiragino Maru Gothic Pro W4" panose="020F0400000000000000" pitchFamily="34" charset="-128"/>
+              </a:rPr>
+              <a:t> </a:t>
+            </a:r>
+            <a:r>
+              <a:rPr lang="en-US" altLang="ja-JP" sz="2000" dirty="0">
+                <a:solidFill>
+                  <a:schemeClr val="accent5">
+                    <a:lumMod val="50000"/>
+                  </a:schemeClr>
+                </a:solidFill>
+                <a:latin typeface="Hiragino Maru Gothic Pro W4" panose="020F0400000000000000" pitchFamily="34" charset="-128"/>
+                <a:ea typeface="Hiragino Maru Gothic Pro W4" panose="020F0400000000000000" pitchFamily="34" charset="-128"/>
+              </a:rPr>
+              <a:t>(TH12</a:t>
+            </a:r>
+            <a:r>
+              <a:rPr lang="ja-JP" altLang="en-US" sz="2000">
+                <a:solidFill>
+                  <a:schemeClr val="accent5">
+                    <a:lumMod val="50000"/>
+                  </a:schemeClr>
+                </a:solidFill>
+                <a:latin typeface="Hiragino Maru Gothic Pro W4" panose="020F0400000000000000" pitchFamily="34" charset="-128"/>
+                <a:ea typeface="Hiragino Maru Gothic Pro W4" panose="020F0400000000000000" pitchFamily="34" charset="-128"/>
+              </a:rPr>
+              <a:t>以下の希望者は要相談</a:t>
+            </a:r>
+            <a:r>
+              <a:rPr lang="en-US" altLang="ja-JP" sz="2000" dirty="0">
+                <a:solidFill>
+                  <a:schemeClr val="accent5">
+                    <a:lumMod val="50000"/>
+                  </a:schemeClr>
+                </a:solidFill>
+                <a:latin typeface="Hiragino Maru Gothic Pro W4" panose="020F0400000000000000" pitchFamily="34" charset="-128"/>
+                <a:ea typeface="Hiragino Maru Gothic Pro W4" panose="020F0400000000000000" pitchFamily="34" charset="-128"/>
+              </a:rPr>
+              <a:t>)</a:t>
+            </a:r>
+          </a:p>
+          <a:p>
+            <a:pPr marL="560070" indent="-514350"/>
+            <a:r>
+              <a:rPr lang="ja-JP" altLang="en-US">
+                <a:solidFill>
+                  <a:schemeClr val="accent5">
+                    <a:lumMod val="50000"/>
+                  </a:schemeClr>
+                </a:solidFill>
+                <a:latin typeface="Hiragino Maru Gothic Pro W4" panose="020F0400000000000000" pitchFamily="34" charset="-128"/>
+                <a:ea typeface="Hiragino Maru Gothic Pro W4" panose="020F0400000000000000" pitchFamily="34" charset="-128"/>
+              </a:rPr>
+              <a:t>将来的に</a:t>
+            </a:r>
+            <a:r>
+              <a:rPr lang="en-US" altLang="ja-JP" dirty="0">
+                <a:solidFill>
+                  <a:schemeClr val="accent5">
+                    <a:lumMod val="50000"/>
+                  </a:schemeClr>
+                </a:solidFill>
+                <a:latin typeface="Hiragino Maru Gothic Pro W4" panose="020F0400000000000000" pitchFamily="34" charset="-128"/>
+                <a:ea typeface="Hiragino Maru Gothic Pro W4" panose="020F0400000000000000" pitchFamily="34" charset="-128"/>
+              </a:rPr>
+              <a:t>TH14</a:t>
+            </a:r>
+            <a:r>
+              <a:rPr lang="ja-JP" altLang="en-US">
+                <a:solidFill>
+                  <a:schemeClr val="accent5">
+                    <a:lumMod val="50000"/>
+                  </a:schemeClr>
+                </a:solidFill>
+                <a:latin typeface="Hiragino Maru Gothic Pro W4" panose="020F0400000000000000" pitchFamily="34" charset="-128"/>
+                <a:ea typeface="Hiragino Maru Gothic Pro W4" panose="020F0400000000000000" pitchFamily="34" charset="-128"/>
+              </a:rPr>
+              <a:t>オンリー化する</a:t>
+            </a:r>
+            <a:r>
+              <a:rPr lang="en-US" altLang="ja-JP" sz="2000" dirty="0">
+                <a:solidFill>
+                  <a:schemeClr val="accent5">
+                    <a:lumMod val="50000"/>
+                  </a:schemeClr>
+                </a:solidFill>
+                <a:latin typeface="Hiragino Maru Gothic Pro W4" panose="020F0400000000000000" pitchFamily="34" charset="-128"/>
+                <a:ea typeface="Hiragino Maru Gothic Pro W4" panose="020F0400000000000000" pitchFamily="34" charset="-128"/>
+              </a:rPr>
+              <a:t> (2021</a:t>
+            </a:r>
+            <a:r>
+              <a:rPr lang="ja-JP" altLang="en-US" sz="2000">
+                <a:solidFill>
+                  <a:schemeClr val="accent5">
+                    <a:lumMod val="50000"/>
+                  </a:schemeClr>
+                </a:solidFill>
+                <a:latin typeface="Hiragino Maru Gothic Pro W4" panose="020F0400000000000000" pitchFamily="34" charset="-128"/>
+                <a:ea typeface="Hiragino Maru Gothic Pro W4" panose="020F0400000000000000" pitchFamily="34" charset="-128"/>
+              </a:rPr>
+              <a:t>年</a:t>
+            </a:r>
+            <a:r>
+              <a:rPr lang="en-US" altLang="ja-JP" sz="2000" dirty="0">
+                <a:solidFill>
+                  <a:schemeClr val="accent5">
+                    <a:lumMod val="50000"/>
+                  </a:schemeClr>
+                </a:solidFill>
+                <a:latin typeface="Hiragino Maru Gothic Pro W4" panose="020F0400000000000000" pitchFamily="34" charset="-128"/>
+                <a:ea typeface="Hiragino Maru Gothic Pro W4" panose="020F0400000000000000" pitchFamily="34" charset="-128"/>
+              </a:rPr>
+              <a:t>12</a:t>
+            </a:r>
+            <a:r>
+              <a:rPr lang="ja-JP" altLang="en-US" sz="2000">
+                <a:solidFill>
+                  <a:schemeClr val="accent5">
+                    <a:lumMod val="50000"/>
+                  </a:schemeClr>
+                </a:solidFill>
+                <a:latin typeface="Hiragino Maru Gothic Pro W4" panose="020F0400000000000000" pitchFamily="34" charset="-128"/>
+                <a:ea typeface="Hiragino Maru Gothic Pro W4" panose="020F0400000000000000" pitchFamily="34" charset="-128"/>
+              </a:rPr>
+              <a:t>月予定</a:t>
+            </a:r>
+            <a:r>
+              <a:rPr lang="en-US" altLang="ja-JP" sz="2000" dirty="0">
+                <a:solidFill>
+                  <a:schemeClr val="accent5">
+                    <a:lumMod val="50000"/>
+                  </a:schemeClr>
+                </a:solidFill>
+                <a:latin typeface="Hiragino Maru Gothic Pro W4" panose="020F0400000000000000" pitchFamily="34" charset="-128"/>
+                <a:ea typeface="Hiragino Maru Gothic Pro W4" panose="020F0400000000000000" pitchFamily="34" charset="-128"/>
+              </a:rPr>
+              <a:t>)</a:t>
+            </a:r>
+            <a:br>
+              <a:rPr lang="en-US" altLang="ja-JP" dirty="0">
+                <a:solidFill>
+                  <a:schemeClr val="accent5">
+                    <a:lumMod val="50000"/>
+                  </a:schemeClr>
+                </a:solidFill>
+                <a:latin typeface="Hiragino Maru Gothic Pro W4" panose="020F0400000000000000" pitchFamily="34" charset="-128"/>
+                <a:ea typeface="Hiragino Maru Gothic Pro W4" panose="020F0400000000000000" pitchFamily="34" charset="-128"/>
+              </a:rPr>
+            </a:br>
+            <a:endParaRPr lang="en-US" altLang="ja-JP" dirty="0">
+              <a:solidFill>
+                <a:schemeClr val="accent5">
+                  <a:lumMod val="50000"/>
+                </a:schemeClr>
+              </a:solidFill>
+              <a:latin typeface="Hiragino Maru Gothic Pro W4" panose="020F0400000000000000" pitchFamily="34" charset="-128"/>
+              <a:ea typeface="Hiragino Maru Gothic Pro W4" panose="020F0400000000000000" pitchFamily="34" charset="-128"/>
+            </a:endParaRPr>
+          </a:p>
+          <a:p>
+            <a:pPr marL="45720" indent="0">
+              <a:buNone/>
+            </a:pPr>
+            <a:r>
+              <a:rPr lang="en-US" altLang="ja-JP" dirty="0">
+                <a:solidFill>
+                  <a:schemeClr val="accent5">
+                    <a:lumMod val="50000"/>
+                  </a:schemeClr>
+                </a:solidFill>
+                <a:latin typeface="Hiragino Maru Gothic Pro W4" panose="020F0400000000000000" pitchFamily="34" charset="-128"/>
+                <a:ea typeface="Hiragino Maru Gothic Pro W4" panose="020F0400000000000000" pitchFamily="34" charset="-128"/>
+              </a:rPr>
+              <a:t>【</a:t>
+            </a:r>
+            <a:r>
+              <a:rPr lang="ja-JP" altLang="en-US">
+                <a:solidFill>
+                  <a:schemeClr val="accent5">
+                    <a:lumMod val="50000"/>
+                  </a:schemeClr>
+                </a:solidFill>
+                <a:latin typeface="Hiragino Maru Gothic Pro W4" panose="020F0400000000000000" pitchFamily="34" charset="-128"/>
+                <a:ea typeface="Hiragino Maru Gothic Pro W4" panose="020F0400000000000000" pitchFamily="34" charset="-128"/>
+              </a:rPr>
+              <a:t>方針、目指すクランの姿</a:t>
+            </a:r>
+            <a:r>
+              <a:rPr lang="en-US" altLang="ja-JP" dirty="0">
+                <a:solidFill>
+                  <a:schemeClr val="accent5">
+                    <a:lumMod val="50000"/>
+                  </a:schemeClr>
+                </a:solidFill>
+                <a:latin typeface="Hiragino Maru Gothic Pro W4" panose="020F0400000000000000" pitchFamily="34" charset="-128"/>
+                <a:ea typeface="Hiragino Maru Gothic Pro W4" panose="020F0400000000000000" pitchFamily="34" charset="-128"/>
+              </a:rPr>
+              <a:t>】</a:t>
+            </a:r>
+          </a:p>
+          <a:p>
             <a:pPr marL="502920" indent="-457200"/>
             <a:r>
               <a:rPr lang="en-US" altLang="ja-JP" dirty="0">
@@ -11691,7 +14676,7 @@
                 <a:latin typeface="Hiragino Maru Gothic Pro W4" panose="020F0400000000000000" pitchFamily="34" charset="-128"/>
                 <a:ea typeface="Hiragino Maru Gothic Pro W4" panose="020F0400000000000000" pitchFamily="34" charset="-128"/>
               </a:rPr>
-              <a:t>CWL Elite </a:t>
+              <a:t>“</a:t>
             </a:r>
             <a:r>
               <a:rPr lang="ja-JP" altLang="en-US">
@@ -11703,7 +14688,7 @@
                 <a:latin typeface="Hiragino Maru Gothic Pro W4" panose="020F0400000000000000" pitchFamily="34" charset="-128"/>
                 <a:ea typeface="Hiragino Maru Gothic Pro W4" panose="020F0400000000000000" pitchFamily="34" charset="-128"/>
               </a:rPr>
-              <a:t>への挑戦 </a:t>
+              <a:t>高いモチベーションの人にとって</a:t>
             </a:r>
             <a:r>
               <a:rPr lang="en-US" altLang="ja-JP" dirty="0">
@@ -11715,8 +14700,19 @@
                 <a:latin typeface="Hiragino Maru Gothic Pro W4" panose="020F0400000000000000" pitchFamily="34" charset="-128"/>
                 <a:ea typeface="Hiragino Maru Gothic Pro W4" panose="020F0400000000000000" pitchFamily="34" charset="-128"/>
               </a:rPr>
-              <a:t>(</a:t>
-            </a:r>
+              <a:t>”</a:t>
+            </a:r>
+            <a:br>
+              <a:rPr lang="en-US" altLang="ja-JP" dirty="0">
+                <a:solidFill>
+                  <a:schemeClr val="accent5">
+                    <a:lumMod val="50000"/>
+                  </a:schemeClr>
+                </a:solidFill>
+                <a:latin typeface="Hiragino Maru Gothic Pro W4" panose="020F0400000000000000" pitchFamily="34" charset="-128"/>
+                <a:ea typeface="Hiragino Maru Gothic Pro W4" panose="020F0400000000000000" pitchFamily="34" charset="-128"/>
+              </a:rPr>
+            </a:br>
             <a:r>
               <a:rPr lang="ja-JP" altLang="en-US">
                 <a:solidFill>
@@ -11727,20 +14723,17 @@
                 <a:latin typeface="Hiragino Maru Gothic Pro W4" panose="020F0400000000000000" pitchFamily="34" charset="-128"/>
                 <a:ea typeface="Hiragino Maru Gothic Pro W4" panose="020F0400000000000000" pitchFamily="34" charset="-128"/>
               </a:rPr>
-              <a:t>プレーオフ進出</a:t>
-            </a:r>
-            <a:r>
-              <a:rPr lang="en-US" altLang="ja-JP" dirty="0">
-                <a:solidFill>
-                  <a:schemeClr val="accent5">
-                    <a:lumMod val="50000"/>
-                  </a:schemeClr>
-                </a:solidFill>
-                <a:latin typeface="Hiragino Maru Gothic Pro W4" panose="020F0400000000000000" pitchFamily="34" charset="-128"/>
-                <a:ea typeface="Hiragino Maru Gothic Pro W4" panose="020F0400000000000000" pitchFamily="34" charset="-128"/>
-              </a:rPr>
-              <a:t>)</a:t>
-            </a:r>
+              <a:t>　居心地の良いクランであること</a:t>
+            </a:r>
+            <a:endParaRPr lang="en-US" altLang="ja-JP" dirty="0">
+              <a:solidFill>
+                <a:schemeClr val="accent5">
+                  <a:lumMod val="50000"/>
+                </a:schemeClr>
+              </a:solidFill>
+              <a:latin typeface="Hiragino Maru Gothic Pro W4" panose="020F0400000000000000" pitchFamily="34" charset="-128"/>
+              <a:ea typeface="Hiragino Maru Gothic Pro W4" panose="020F0400000000000000" pitchFamily="34" charset="-128"/>
+            </a:endParaRPr>
           </a:p>
           <a:p>
             <a:pPr marL="502920" indent="-457200"/>
@@ -11754,44 +14747,43 @@
                 <a:latin typeface="Hiragino Maru Gothic Pro W4" panose="020F0400000000000000" pitchFamily="34" charset="-128"/>
                 <a:ea typeface="Hiragino Maru Gothic Pro W4" panose="020F0400000000000000" pitchFamily="34" charset="-128"/>
               </a:rPr>
-              <a:t>海外リーグの制覇 </a:t>
-            </a:r>
-            <a:r>
-              <a:rPr lang="en-US" altLang="ja-JP" dirty="0">
-                <a:solidFill>
-                  <a:schemeClr val="accent5">
-                    <a:lumMod val="50000"/>
-                  </a:schemeClr>
-                </a:solidFill>
-                <a:latin typeface="Hiragino Maru Gothic Pro W4" panose="020F0400000000000000" pitchFamily="34" charset="-128"/>
-                <a:ea typeface="Hiragino Maru Gothic Pro W4" panose="020F0400000000000000" pitchFamily="34" charset="-128"/>
-              </a:rPr>
-              <a:t>(EWL,MLCW,GCC,FWL </a:t>
-            </a:r>
-            <a:r>
-              <a:rPr lang="ja-JP" altLang="en-US">
-                <a:solidFill>
-                  <a:schemeClr val="accent5">
-                    <a:lumMod val="50000"/>
-                  </a:schemeClr>
-                </a:solidFill>
-                <a:latin typeface="Hiragino Maru Gothic Pro W4" panose="020F0400000000000000" pitchFamily="34" charset="-128"/>
-                <a:ea typeface="Hiragino Maru Gothic Pro W4" panose="020F0400000000000000" pitchFamily="34" charset="-128"/>
-              </a:rPr>
-              <a:t>等</a:t>
-            </a:r>
-            <a:r>
-              <a:rPr lang="en-US" altLang="ja-JP" dirty="0">
-                <a:solidFill>
-                  <a:schemeClr val="accent5">
-                    <a:lumMod val="50000"/>
-                  </a:schemeClr>
-                </a:solidFill>
-                <a:latin typeface="Hiragino Maru Gothic Pro W4" panose="020F0400000000000000" pitchFamily="34" charset="-128"/>
-                <a:ea typeface="Hiragino Maru Gothic Pro W4" panose="020F0400000000000000" pitchFamily="34" charset="-128"/>
-              </a:rPr>
-              <a:t>)</a:t>
-            </a:r>
+              <a:t>強いクランであること</a:t>
+            </a:r>
+            <a:endParaRPr lang="en-US" altLang="ja-JP" dirty="0">
+              <a:solidFill>
+                <a:schemeClr val="accent5">
+                  <a:lumMod val="50000"/>
+                </a:schemeClr>
+              </a:solidFill>
+              <a:latin typeface="Hiragino Maru Gothic Pro W4" panose="020F0400000000000000" pitchFamily="34" charset="-128"/>
+              <a:ea typeface="Hiragino Maru Gothic Pro W4" panose="020F0400000000000000" pitchFamily="34" charset="-128"/>
+            </a:endParaRPr>
+          </a:p>
+          <a:p>
+            <a:pPr marL="45720" indent="0">
+              <a:buNone/>
+            </a:pPr>
+            <a:endParaRPr lang="en-US" altLang="ja-JP" dirty="0">
+              <a:solidFill>
+                <a:schemeClr val="accent5">
+                  <a:lumMod val="50000"/>
+                </a:schemeClr>
+              </a:solidFill>
+              <a:latin typeface="Hiragino Maru Gothic Pro W4" panose="020F0400000000000000" pitchFamily="34" charset="-128"/>
+              <a:ea typeface="Hiragino Maru Gothic Pro W4" panose="020F0400000000000000" pitchFamily="34" charset="-128"/>
+            </a:endParaRPr>
+          </a:p>
+          <a:p>
+            <a:pPr marL="502920" indent="-457200"/>
+            <a:endParaRPr lang="en-US" altLang="ja-JP" dirty="0">
+              <a:solidFill>
+                <a:schemeClr val="accent5">
+                  <a:lumMod val="50000"/>
+                </a:schemeClr>
+              </a:solidFill>
+              <a:latin typeface="Hiragino Maru Gothic Pro W4" panose="020F0400000000000000" pitchFamily="34" charset="-128"/>
+              <a:ea typeface="Hiragino Maru Gothic Pro W4" panose="020F0400000000000000" pitchFamily="34" charset="-128"/>
+            </a:endParaRPr>
           </a:p>
         </p:txBody>
       </p:sp>
@@ -11844,7 +14836,7 @@
     </p:spTree>
     <p:extLst>
       <p:ext uri="{BB962C8B-B14F-4D97-AF65-F5344CB8AC3E}">
-        <p14:creationId xmlns:p14="http://schemas.microsoft.com/office/powerpoint/2010/main" val="3120325449"/>
+        <p14:creationId xmlns:p14="http://schemas.microsoft.com/office/powerpoint/2010/main" val="3734338026"/>
       </p:ext>
     </p:extLst>
   </p:cSld>
@@ -12005,7 +14997,7 @@
                 <a:latin typeface="Hiragino Maru Gothic Pro W4" panose="020F0400000000000000" pitchFamily="34" charset="-128"/>
                 <a:ea typeface="Hiragino Maru Gothic Pro W4" panose="020F0400000000000000" pitchFamily="34" charset="-128"/>
               </a:rPr>
-              <a:t>行動指針</a:t>
+              <a:t>目標</a:t>
             </a:r>
             <a:r>
               <a:rPr lang="en-US" altLang="ja-JP" dirty="0">
@@ -12032,12 +15024,36 @@
                 <a:latin typeface="Hiragino Maru Gothic Pro W4" panose="020F0400000000000000" pitchFamily="34" charset="-128"/>
                 <a:ea typeface="Hiragino Maru Gothic Pro W4" panose="020F0400000000000000" pitchFamily="34" charset="-128"/>
               </a:rPr>
-              <a:t>野良戦はゆるく、常時回します</a:t>
+              <a:t>クランリーグ戦：チャンピオン</a:t>
+            </a:r>
+            <a:r>
+              <a:rPr lang="en-US" altLang="ja-JP" dirty="0">
+                <a:solidFill>
+                  <a:schemeClr val="accent5">
+                    <a:lumMod val="50000"/>
+                  </a:schemeClr>
+                </a:solidFill>
+                <a:latin typeface="Hiragino Maru Gothic Pro W4" panose="020F0400000000000000" pitchFamily="34" charset="-128"/>
+                <a:ea typeface="Hiragino Maru Gothic Pro W4" panose="020F0400000000000000" pitchFamily="34" charset="-128"/>
+              </a:rPr>
+              <a:t>Ⅰ</a:t>
             </a:r>
           </a:p>
           <a:p>
             <a:pPr marL="502920" indent="-457200"/>
             <a:r>
+              <a:rPr lang="en-US" altLang="ja-JP" dirty="0">
+                <a:solidFill>
+                  <a:schemeClr val="accent5">
+                    <a:lumMod val="50000"/>
+                  </a:schemeClr>
+                </a:solidFill>
+                <a:latin typeface="Hiragino Maru Gothic Pro W4" panose="020F0400000000000000" pitchFamily="34" charset="-128"/>
+                <a:ea typeface="Hiragino Maru Gothic Pro W4" panose="020F0400000000000000" pitchFamily="34" charset="-128"/>
+              </a:rPr>
+              <a:t>JWC J1</a:t>
+            </a:r>
+            <a:r>
               <a:rPr lang="ja-JP" altLang="en-US">
                 <a:solidFill>
                   <a:schemeClr val="accent5">
@@ -12047,7 +15063,7 @@
                 <a:latin typeface="Hiragino Maru Gothic Pro W4" panose="020F0400000000000000" pitchFamily="34" charset="-128"/>
                 <a:ea typeface="Hiragino Maru Gothic Pro W4" panose="020F0400000000000000" pitchFamily="34" charset="-128"/>
               </a:rPr>
-              <a:t>リーグ戦はガチ</a:t>
+              <a:t>への昇格</a:t>
             </a:r>
             <a:endParaRPr lang="en-US" altLang="ja-JP" dirty="0">
               <a:solidFill>
@@ -12071,7 +15087,7 @@
                 <a:latin typeface="Hiragino Maru Gothic Pro W4" panose="020F0400000000000000" pitchFamily="34" charset="-128"/>
                 <a:ea typeface="Hiragino Maru Gothic Pro W4" panose="020F0400000000000000" pitchFamily="34" charset="-128"/>
               </a:rPr>
-              <a:t>JWC</a:t>
+              <a:t>CWL Elite </a:t>
             </a:r>
             <a:r>
               <a:rPr lang="ja-JP" altLang="en-US">
@@ -12083,27 +15099,8 @@
                 <a:latin typeface="Hiragino Maru Gothic Pro W4" panose="020F0400000000000000" pitchFamily="34" charset="-128"/>
                 <a:ea typeface="Hiragino Maru Gothic Pro W4" panose="020F0400000000000000" pitchFamily="34" charset="-128"/>
               </a:rPr>
-              <a:t>などのイベントはもちろんガチ</a:t>
-            </a:r>
-          </a:p>
-          <a:p>
-            <a:pPr marL="45720" indent="0">
-              <a:buNone/>
-            </a:pPr>
-            <a:endParaRPr lang="en-US" altLang="ja-JP" dirty="0">
-              <a:solidFill>
-                <a:schemeClr val="accent5">
-                  <a:lumMod val="50000"/>
-                </a:schemeClr>
-              </a:solidFill>
-              <a:latin typeface="Hiragino Maru Gothic Pro W4" panose="020F0400000000000000" pitchFamily="34" charset="-128"/>
-              <a:ea typeface="Hiragino Maru Gothic Pro W4" panose="020F0400000000000000" pitchFamily="34" charset="-128"/>
-            </a:endParaRPr>
-          </a:p>
-          <a:p>
-            <a:pPr marL="45720" indent="0">
-              <a:buNone/>
-            </a:pPr>
+              <a:t>への挑戦 </a:t>
+            </a:r>
             <a:r>
               <a:rPr lang="en-US" altLang="ja-JP" dirty="0">
                 <a:solidFill>
@@ -12114,7 +15111,7 @@
                 <a:latin typeface="Hiragino Maru Gothic Pro W4" panose="020F0400000000000000" pitchFamily="34" charset="-128"/>
                 <a:ea typeface="Hiragino Maru Gothic Pro W4" panose="020F0400000000000000" pitchFamily="34" charset="-128"/>
               </a:rPr>
-              <a:t>【</a:t>
+              <a:t>(</a:t>
             </a:r>
             <a:r>
               <a:rPr lang="ja-JP" altLang="en-US">
@@ -12126,7 +15123,7 @@
                 <a:latin typeface="Hiragino Maru Gothic Pro W4" panose="020F0400000000000000" pitchFamily="34" charset="-128"/>
                 <a:ea typeface="Hiragino Maru Gothic Pro W4" panose="020F0400000000000000" pitchFamily="34" charset="-128"/>
               </a:rPr>
-              <a:t>ガチ戦は全力で戦っていただきます</a:t>
+              <a:t>プレーオフ進出</a:t>
             </a:r>
             <a:r>
               <a:rPr lang="en-US" altLang="ja-JP" dirty="0">
@@ -12138,12 +15135,24 @@
                 <a:latin typeface="Hiragino Maru Gothic Pro W4" panose="020F0400000000000000" pitchFamily="34" charset="-128"/>
                 <a:ea typeface="Hiragino Maru Gothic Pro W4" panose="020F0400000000000000" pitchFamily="34" charset="-128"/>
               </a:rPr>
-              <a:t>】</a:t>
+              <a:t>)</a:t>
             </a:r>
           </a:p>
           <a:p>
             <a:pPr marL="502920" indent="-457200"/>
             <a:r>
+              <a:rPr lang="ja-JP" altLang="en-US">
+                <a:solidFill>
+                  <a:schemeClr val="accent5">
+                    <a:lumMod val="50000"/>
+                  </a:schemeClr>
+                </a:solidFill>
+                <a:latin typeface="Hiragino Maru Gothic Pro W4" panose="020F0400000000000000" pitchFamily="34" charset="-128"/>
+                <a:ea typeface="Hiragino Maru Gothic Pro W4" panose="020F0400000000000000" pitchFamily="34" charset="-128"/>
+              </a:rPr>
+              <a:t>海外リーグの制覇 </a:t>
+            </a:r>
+            <a:r>
               <a:rPr lang="en-US" altLang="ja-JP" dirty="0">
                 <a:solidFill>
                   <a:schemeClr val="accent5">
@@ -12153,7 +15162,7 @@
                 <a:latin typeface="Hiragino Maru Gothic Pro W4" panose="020F0400000000000000" pitchFamily="34" charset="-128"/>
                 <a:ea typeface="Hiragino Maru Gothic Pro W4" panose="020F0400000000000000" pitchFamily="34" charset="-128"/>
               </a:rPr>
-              <a:t>JWC</a:t>
+              <a:t>(EWL,MLCW,GCC,FWL </a:t>
             </a:r>
             <a:r>
               <a:rPr lang="ja-JP" altLang="en-US">
@@ -12165,75 +15174,20 @@
                 <a:latin typeface="Hiragino Maru Gothic Pro W4" panose="020F0400000000000000" pitchFamily="34" charset="-128"/>
                 <a:ea typeface="Hiragino Maru Gothic Pro W4" panose="020F0400000000000000" pitchFamily="34" charset="-128"/>
               </a:rPr>
-              <a:t>などのイベント戦</a:t>
-            </a:r>
-            <a:endParaRPr lang="en-US" altLang="ja-JP" dirty="0">
-              <a:solidFill>
-                <a:schemeClr val="accent5">
-                  <a:lumMod val="50000"/>
-                </a:schemeClr>
-              </a:solidFill>
-              <a:latin typeface="Hiragino Maru Gothic Pro W4" panose="020F0400000000000000" pitchFamily="34" charset="-128"/>
-              <a:ea typeface="Hiragino Maru Gothic Pro W4" panose="020F0400000000000000" pitchFamily="34" charset="-128"/>
-            </a:endParaRPr>
-          </a:p>
-          <a:p>
-            <a:pPr marL="502920" indent="-457200"/>
-            <a:r>
-              <a:rPr lang="ja-JP" altLang="en-US">
-                <a:solidFill>
-                  <a:schemeClr val="accent5">
-                    <a:lumMod val="50000"/>
-                  </a:schemeClr>
-                </a:solidFill>
-                <a:latin typeface="Hiragino Maru Gothic Pro W4" panose="020F0400000000000000" pitchFamily="34" charset="-128"/>
-                <a:ea typeface="Hiragino Maru Gothic Pro W4" panose="020F0400000000000000" pitchFamily="34" charset="-128"/>
-              </a:rPr>
-              <a:t>クランリーグ</a:t>
-            </a:r>
-            <a:endParaRPr lang="en-US" altLang="ja-JP" dirty="0">
-              <a:solidFill>
-                <a:schemeClr val="accent5">
-                  <a:lumMod val="50000"/>
-                </a:schemeClr>
-              </a:solidFill>
-              <a:latin typeface="Hiragino Maru Gothic Pro W4" panose="020F0400000000000000" pitchFamily="34" charset="-128"/>
-              <a:ea typeface="Hiragino Maru Gothic Pro W4" panose="020F0400000000000000" pitchFamily="34" charset="-128"/>
-            </a:endParaRPr>
-          </a:p>
-          <a:p>
-            <a:pPr marL="502920" indent="-457200"/>
-            <a:r>
-              <a:rPr lang="ja-JP" altLang="en-US">
-                <a:solidFill>
-                  <a:srgbClr val="FF0000"/>
-                </a:solidFill>
-                <a:latin typeface="Hiragino Maru Gothic Pro W4" panose="020F0400000000000000" pitchFamily="34" charset="-128"/>
-                <a:ea typeface="Hiragino Maru Gothic Pro W4" panose="020F0400000000000000" pitchFamily="34" charset="-128"/>
-              </a:rPr>
-              <a:t>そこに負けられない戦いがあるとき</a:t>
-            </a:r>
-            <a:endParaRPr lang="en-US" altLang="ja-JP" dirty="0">
-              <a:solidFill>
-                <a:srgbClr val="FF0000"/>
-              </a:solidFill>
-              <a:latin typeface="Hiragino Maru Gothic Pro W4" panose="020F0400000000000000" pitchFamily="34" charset="-128"/>
-              <a:ea typeface="Hiragino Maru Gothic Pro W4" panose="020F0400000000000000" pitchFamily="34" charset="-128"/>
-            </a:endParaRPr>
-          </a:p>
-          <a:p>
-            <a:pPr marL="45720" indent="0">
-              <a:buNone/>
-            </a:pPr>
-            <a:endParaRPr lang="en-US" altLang="ja-JP" dirty="0">
-              <a:solidFill>
-                <a:schemeClr val="accent5">
-                  <a:lumMod val="50000"/>
-                </a:schemeClr>
-              </a:solidFill>
-              <a:latin typeface="Hiragino Maru Gothic Pro W4" panose="020F0400000000000000" pitchFamily="34" charset="-128"/>
-              <a:ea typeface="Hiragino Maru Gothic Pro W4" panose="020F0400000000000000" pitchFamily="34" charset="-128"/>
-            </a:endParaRPr>
+              <a:t>等</a:t>
+            </a:r>
+            <a:r>
+              <a:rPr lang="en-US" altLang="ja-JP" dirty="0">
+                <a:solidFill>
+                  <a:schemeClr val="accent5">
+                    <a:lumMod val="50000"/>
+                  </a:schemeClr>
+                </a:solidFill>
+                <a:latin typeface="Hiragino Maru Gothic Pro W4" panose="020F0400000000000000" pitchFamily="34" charset="-128"/>
+                <a:ea typeface="Hiragino Maru Gothic Pro W4" panose="020F0400000000000000" pitchFamily="34" charset="-128"/>
+              </a:rPr>
+              <a:t>)</a:t>
+            </a:r>
           </a:p>
         </p:txBody>
       </p:sp>
@@ -12286,7 +15240,7 @@
     </p:spTree>
     <p:extLst>
       <p:ext uri="{BB962C8B-B14F-4D97-AF65-F5344CB8AC3E}">
-        <p14:creationId xmlns:p14="http://schemas.microsoft.com/office/powerpoint/2010/main" val="765922408"/>
+        <p14:creationId xmlns:p14="http://schemas.microsoft.com/office/powerpoint/2010/main" val="3120325449"/>
       </p:ext>
     </p:extLst>
   </p:cSld>
@@ -12356,7 +15310,7 @@
                 <a:latin typeface="Hiragino Maru Gothic Pro W4" panose="020F0400000000000000" pitchFamily="34" charset="-128"/>
                 <a:ea typeface="Hiragino Maru Gothic Pro W4" panose="020F0400000000000000" pitchFamily="34" charset="-128"/>
               </a:rPr>
-              <a:t>クラン「まほらま</a:t>
+              <a:t>クラン「</a:t>
             </a:r>
             <a:r>
               <a:rPr lang="en-US" altLang="ja-JP" dirty="0">
@@ -12368,31 +15322,7 @@
                 <a:latin typeface="Hiragino Maru Gothic Pro W4" panose="020F0400000000000000" pitchFamily="34" charset="-128"/>
                 <a:ea typeface="Hiragino Maru Gothic Pro W4" panose="020F0400000000000000" pitchFamily="34" charset="-128"/>
               </a:rPr>
-              <a:t>〜</a:t>
-            </a:r>
-            <a:r>
-              <a:rPr lang="ja-JP" altLang="en-US">
-                <a:solidFill>
-                  <a:schemeClr val="accent5">
-                    <a:lumMod val="50000"/>
-                  </a:schemeClr>
-                </a:solidFill>
-                <a:latin typeface="Hiragino Maru Gothic Pro W4" panose="020F0400000000000000" pitchFamily="34" charset="-128"/>
-                <a:ea typeface="Hiragino Maru Gothic Pro W4" panose="020F0400000000000000" pitchFamily="34" charset="-128"/>
-              </a:rPr>
-              <a:t>摩天楼</a:t>
-            </a:r>
-            <a:r>
-              <a:rPr lang="en-US" altLang="ja-JP" dirty="0">
-                <a:solidFill>
-                  <a:schemeClr val="accent5">
-                    <a:lumMod val="50000"/>
-                  </a:schemeClr>
-                </a:solidFill>
-                <a:latin typeface="Hiragino Maru Gothic Pro W4" panose="020F0400000000000000" pitchFamily="34" charset="-128"/>
-                <a:ea typeface="Hiragino Maru Gothic Pro W4" panose="020F0400000000000000" pitchFamily="34" charset="-128"/>
-              </a:rPr>
-              <a:t>〜</a:t>
+              <a:t>TOMARIGI</a:t>
             </a:r>
             <a:r>
               <a:rPr lang="ja-JP" altLang="en-US">
@@ -12471,7 +15401,7 @@
                 <a:latin typeface="Hiragino Maru Gothic Pro W4" panose="020F0400000000000000" pitchFamily="34" charset="-128"/>
                 <a:ea typeface="Hiragino Maru Gothic Pro W4" panose="020F0400000000000000" pitchFamily="34" charset="-128"/>
               </a:rPr>
-              <a:t>概要</a:t>
+              <a:t>行動指針</a:t>
             </a:r>
             <a:r>
               <a:rPr lang="en-US" altLang="ja-JP" dirty="0">
@@ -12487,7 +15417,7 @@
             </a:r>
           </a:p>
           <a:p>
-            <a:pPr marL="560070" indent="-514350"/>
+            <a:pPr marL="502920" indent="-457200"/>
             <a:r>
               <a:rPr lang="ja-JP" altLang="en-US">
                 <a:solidFill>
@@ -12498,7 +15428,22 @@
                 <a:latin typeface="Hiragino Maru Gothic Pro W4" panose="020F0400000000000000" pitchFamily="34" charset="-128"/>
                 <a:ea typeface="Hiragino Maru Gothic Pro W4" panose="020F0400000000000000" pitchFamily="34" charset="-128"/>
               </a:rPr>
-              <a:t>責任者：ゴドルフィン</a:t>
+              <a:t>野良戦はゆるく、常時回します</a:t>
+            </a:r>
+          </a:p>
+          <a:p>
+            <a:pPr marL="502920" indent="-457200"/>
+            <a:r>
+              <a:rPr lang="ja-JP" altLang="en-US">
+                <a:solidFill>
+                  <a:schemeClr val="accent5">
+                    <a:lumMod val="50000"/>
+                  </a:schemeClr>
+                </a:solidFill>
+                <a:latin typeface="Hiragino Maru Gothic Pro W4" panose="020F0400000000000000" pitchFamily="34" charset="-128"/>
+                <a:ea typeface="Hiragino Maru Gothic Pro W4" panose="020F0400000000000000" pitchFamily="34" charset="-128"/>
+              </a:rPr>
+              <a:t>リーグ戦はガチ</a:t>
             </a:r>
             <a:endParaRPr lang="en-US" altLang="ja-JP" dirty="0">
               <a:solidFill>
@@ -12511,7 +15456,19 @@
             </a:endParaRPr>
           </a:p>
           <a:p>
-            <a:pPr marL="560070" indent="-514350"/>
+            <a:pPr marL="502920" indent="-457200"/>
+            <a:r>
+              <a:rPr lang="en-US" altLang="ja-JP" dirty="0">
+                <a:solidFill>
+                  <a:schemeClr val="accent5">
+                    <a:lumMod val="50000"/>
+                  </a:schemeClr>
+                </a:solidFill>
+                <a:latin typeface="Hiragino Maru Gothic Pro W4" panose="020F0400000000000000" pitchFamily="34" charset="-128"/>
+                <a:ea typeface="Hiragino Maru Gothic Pro W4" panose="020F0400000000000000" pitchFamily="34" charset="-128"/>
+              </a:rPr>
+              <a:t>JWC</a:t>
+            </a:r>
             <a:r>
               <a:rPr lang="ja-JP" altLang="en-US">
                 <a:solidFill>
@@ -12522,115 +15479,7 @@
                 <a:latin typeface="Hiragino Maru Gothic Pro W4" panose="020F0400000000000000" pitchFamily="34" charset="-128"/>
                 <a:ea typeface="Hiragino Maru Gothic Pro W4" panose="020F0400000000000000" pitchFamily="34" charset="-128"/>
               </a:rPr>
-              <a:t>ファーミング勢で集まる</a:t>
-            </a:r>
-            <a:endParaRPr lang="en-US" altLang="ja-JP" dirty="0">
-              <a:solidFill>
-                <a:schemeClr val="accent5">
-                  <a:lumMod val="50000"/>
-                </a:schemeClr>
-              </a:solidFill>
-              <a:latin typeface="Hiragino Maru Gothic Pro W4" panose="020F0400000000000000" pitchFamily="34" charset="-128"/>
-              <a:ea typeface="Hiragino Maru Gothic Pro W4" panose="020F0400000000000000" pitchFamily="34" charset="-128"/>
-            </a:endParaRPr>
-          </a:p>
-          <a:p>
-            <a:pPr marL="560070" indent="-514350"/>
-            <a:r>
-              <a:rPr lang="en-US" altLang="ja-JP" dirty="0">
-                <a:solidFill>
-                  <a:schemeClr val="accent5">
-                    <a:lumMod val="50000"/>
-                  </a:schemeClr>
-                </a:solidFill>
-                <a:latin typeface="Hiragino Maru Gothic Pro W4" panose="020F0400000000000000" pitchFamily="34" charset="-128"/>
-                <a:ea typeface="Hiragino Maru Gothic Pro W4" panose="020F0400000000000000" pitchFamily="34" charset="-128"/>
-              </a:rPr>
-              <a:t>TH</a:t>
-            </a:r>
-            <a:r>
-              <a:rPr lang="ja-JP" altLang="en-US">
-                <a:solidFill>
-                  <a:schemeClr val="accent5">
-                    <a:lumMod val="50000"/>
-                  </a:schemeClr>
-                </a:solidFill>
-                <a:latin typeface="Hiragino Maru Gothic Pro W4" panose="020F0400000000000000" pitchFamily="34" charset="-128"/>
-                <a:ea typeface="Hiragino Maru Gothic Pro W4" panose="020F0400000000000000" pitchFamily="34" charset="-128"/>
-              </a:rPr>
-              <a:t>帯は問わない</a:t>
-            </a:r>
-            <a:endParaRPr lang="en-US" altLang="ja-JP" dirty="0">
-              <a:solidFill>
-                <a:schemeClr val="accent5">
-                  <a:lumMod val="50000"/>
-                </a:schemeClr>
-              </a:solidFill>
-              <a:latin typeface="Hiragino Maru Gothic Pro W4" panose="020F0400000000000000" pitchFamily="34" charset="-128"/>
-              <a:ea typeface="Hiragino Maru Gothic Pro W4" panose="020F0400000000000000" pitchFamily="34" charset="-128"/>
-            </a:endParaRPr>
-          </a:p>
-          <a:p>
-            <a:pPr marL="560070" indent="-514350"/>
-            <a:r>
-              <a:rPr lang="ja-JP" altLang="en-US">
-                <a:solidFill>
-                  <a:schemeClr val="accent5">
-                    <a:lumMod val="50000"/>
-                  </a:schemeClr>
-                </a:solidFill>
-                <a:latin typeface="Hiragino Maru Gothic Pro W4" panose="020F0400000000000000" pitchFamily="34" charset="-128"/>
-                <a:ea typeface="Hiragino Maru Gothic Pro W4" panose="020F0400000000000000" pitchFamily="34" charset="-128"/>
-              </a:rPr>
-              <a:t>将来的に新規クランに移行する</a:t>
-            </a:r>
-            <a:r>
-              <a:rPr lang="en-US" altLang="ja-JP" dirty="0">
-                <a:solidFill>
-                  <a:schemeClr val="accent5">
-                    <a:lumMod val="50000"/>
-                  </a:schemeClr>
-                </a:solidFill>
-                <a:latin typeface="Hiragino Maru Gothic Pro W4" panose="020F0400000000000000" pitchFamily="34" charset="-128"/>
-                <a:ea typeface="Hiragino Maru Gothic Pro W4" panose="020F0400000000000000" pitchFamily="34" charset="-128"/>
-              </a:rPr>
-              <a:t> </a:t>
-            </a:r>
-            <a:r>
-              <a:rPr lang="en-US" altLang="ja-JP" sz="2000" dirty="0">
-                <a:solidFill>
-                  <a:schemeClr val="accent5">
-                    <a:lumMod val="50000"/>
-                  </a:schemeClr>
-                </a:solidFill>
-                <a:latin typeface="Hiragino Maru Gothic Pro W4" panose="020F0400000000000000" pitchFamily="34" charset="-128"/>
-                <a:ea typeface="Hiragino Maru Gothic Pro W4" panose="020F0400000000000000" pitchFamily="34" charset="-128"/>
-              </a:rPr>
-              <a:t>(</a:t>
-            </a:r>
-            <a:r>
-              <a:rPr lang="ja-JP" altLang="en-US" sz="2000">
-                <a:solidFill>
-                  <a:schemeClr val="accent5">
-                    <a:lumMod val="50000"/>
-                  </a:schemeClr>
-                </a:solidFill>
-                <a:latin typeface="Hiragino Maru Gothic Pro W4" panose="020F0400000000000000" pitchFamily="34" charset="-128"/>
-                <a:ea typeface="Hiragino Maru Gothic Pro W4" panose="020F0400000000000000" pitchFamily="34" charset="-128"/>
-              </a:rPr>
-              <a:t>まほらまは仮宿です</a:t>
-            </a:r>
-            <a:r>
-              <a:rPr lang="en-US" altLang="ja-JP" sz="2000" dirty="0">
-                <a:solidFill>
-                  <a:schemeClr val="accent5">
-                    <a:lumMod val="50000"/>
-                  </a:schemeClr>
-                </a:solidFill>
-                <a:latin typeface="Hiragino Maru Gothic Pro W4" panose="020F0400000000000000" pitchFamily="34" charset="-128"/>
-                <a:ea typeface="Hiragino Maru Gothic Pro W4" panose="020F0400000000000000" pitchFamily="34" charset="-128"/>
-              </a:rPr>
-              <a:t>)</a:t>
+              <a:t>などのイベントはもちろんガチ</a:t>
             </a:r>
           </a:p>
           <a:p>
@@ -12673,7 +15522,7 @@
                 <a:latin typeface="Hiragino Maru Gothic Pro W4" panose="020F0400000000000000" pitchFamily="34" charset="-128"/>
                 <a:ea typeface="Hiragino Maru Gothic Pro W4" panose="020F0400000000000000" pitchFamily="34" charset="-128"/>
               </a:rPr>
-              <a:t>方針、目指すクランの姿</a:t>
+              <a:t>ガチ戦は全力で！</a:t>
             </a:r>
             <a:r>
               <a:rPr lang="en-US" altLang="ja-JP" dirty="0">
@@ -12691,6 +15540,18 @@
           <a:p>
             <a:pPr marL="502920" indent="-457200"/>
             <a:r>
+              <a:rPr lang="en-US" altLang="ja-JP" dirty="0">
+                <a:solidFill>
+                  <a:schemeClr val="accent5">
+                    <a:lumMod val="50000"/>
+                  </a:schemeClr>
+                </a:solidFill>
+                <a:latin typeface="Hiragino Maru Gothic Pro W4" panose="020F0400000000000000" pitchFamily="34" charset="-128"/>
+                <a:ea typeface="Hiragino Maru Gothic Pro W4" panose="020F0400000000000000" pitchFamily="34" charset="-128"/>
+              </a:rPr>
+              <a:t>JWC</a:t>
+            </a:r>
+            <a:r>
               <a:rPr lang="ja-JP" altLang="en-US">
                 <a:solidFill>
                   <a:schemeClr val="accent5">
@@ -12700,8 +15561,70 @@
                 <a:latin typeface="Hiragino Maru Gothic Pro W4" panose="020F0400000000000000" pitchFamily="34" charset="-128"/>
                 <a:ea typeface="Hiragino Maru Gothic Pro W4" panose="020F0400000000000000" pitchFamily="34" charset="-128"/>
               </a:rPr>
-              <a:t>安心してファーミングできるクランであること</a:t>
-            </a:r>
+              <a:t>などのイベント戦</a:t>
+            </a:r>
+            <a:endParaRPr lang="en-US" altLang="ja-JP" dirty="0">
+              <a:solidFill>
+                <a:schemeClr val="accent5">
+                  <a:lumMod val="50000"/>
+                </a:schemeClr>
+              </a:solidFill>
+              <a:latin typeface="Hiragino Maru Gothic Pro W4" panose="020F0400000000000000" pitchFamily="34" charset="-128"/>
+              <a:ea typeface="Hiragino Maru Gothic Pro W4" panose="020F0400000000000000" pitchFamily="34" charset="-128"/>
+            </a:endParaRPr>
+          </a:p>
+          <a:p>
+            <a:pPr marL="502920" indent="-457200"/>
+            <a:r>
+              <a:rPr lang="ja-JP" altLang="en-US">
+                <a:solidFill>
+                  <a:schemeClr val="accent5">
+                    <a:lumMod val="50000"/>
+                  </a:schemeClr>
+                </a:solidFill>
+                <a:latin typeface="Hiragino Maru Gothic Pro W4" panose="020F0400000000000000" pitchFamily="34" charset="-128"/>
+                <a:ea typeface="Hiragino Maru Gothic Pro W4" panose="020F0400000000000000" pitchFamily="34" charset="-128"/>
+              </a:rPr>
+              <a:t>クランリーグ</a:t>
+            </a:r>
+            <a:endParaRPr lang="en-US" altLang="ja-JP" dirty="0">
+              <a:solidFill>
+                <a:schemeClr val="accent5">
+                  <a:lumMod val="50000"/>
+                </a:schemeClr>
+              </a:solidFill>
+              <a:latin typeface="Hiragino Maru Gothic Pro W4" panose="020F0400000000000000" pitchFamily="34" charset="-128"/>
+              <a:ea typeface="Hiragino Maru Gothic Pro W4" panose="020F0400000000000000" pitchFamily="34" charset="-128"/>
+            </a:endParaRPr>
+          </a:p>
+          <a:p>
+            <a:pPr marL="502920" indent="-457200"/>
+            <a:r>
+              <a:rPr lang="ja-JP" altLang="en-US">
+                <a:solidFill>
+                  <a:schemeClr val="accent5">
+                    <a:lumMod val="50000"/>
+                  </a:schemeClr>
+                </a:solidFill>
+                <a:latin typeface="Hiragino Maru Gothic Pro W4" panose="020F0400000000000000" pitchFamily="34" charset="-128"/>
+                <a:ea typeface="Hiragino Maru Gothic Pro W4" panose="020F0400000000000000" pitchFamily="34" charset="-128"/>
+              </a:rPr>
+              <a:t>そこに負けられない戦いがあるとき</a:t>
+            </a:r>
+            <a:endParaRPr lang="en-US" altLang="ja-JP" dirty="0">
+              <a:solidFill>
+                <a:schemeClr val="accent5">
+                  <a:lumMod val="50000"/>
+                </a:schemeClr>
+              </a:solidFill>
+              <a:latin typeface="Hiragino Maru Gothic Pro W4" panose="020F0400000000000000" pitchFamily="34" charset="-128"/>
+              <a:ea typeface="Hiragino Maru Gothic Pro W4" panose="020F0400000000000000" pitchFamily="34" charset="-128"/>
+            </a:endParaRPr>
+          </a:p>
+          <a:p>
+            <a:pPr marL="45720" indent="0">
+              <a:buNone/>
+            </a:pPr>
             <a:endParaRPr lang="en-US" altLang="ja-JP" dirty="0">
               <a:solidFill>
                 <a:schemeClr val="accent5">
@@ -12763,7 +15686,7 @@
     </p:spTree>
     <p:extLst>
       <p:ext uri="{BB962C8B-B14F-4D97-AF65-F5344CB8AC3E}">
-        <p14:creationId xmlns:p14="http://schemas.microsoft.com/office/powerpoint/2010/main" val="1919727112"/>
+        <p14:creationId xmlns:p14="http://schemas.microsoft.com/office/powerpoint/2010/main" val="765922408"/>
       </p:ext>
     </p:extLst>
   </p:cSld>
@@ -12807,7 +15730,7 @@
           <p:cNvPr id="2" name="タイトル 1">
             <a:extLst>
               <a:ext uri="{FF2B5EF4-FFF2-40B4-BE49-F238E27FC236}">
-                <a16:creationId xmlns:a16="http://schemas.microsoft.com/office/drawing/2014/main" id="{4BEF2D4F-28AD-C84D-A4AC-A607D5B45D24}"/>
+                <a16:creationId xmlns:a16="http://schemas.microsoft.com/office/drawing/2014/main" id="{05E27039-9568-144A-9E91-3B61FB565D2A}"/>
               </a:ext>
             </a:extLst>
           </p:cNvPr>
@@ -12815,16 +15738,23 @@
             <a:spLocks noGrp="1"/>
           </p:cNvSpPr>
           <p:nvPr>
-            <p:ph type="title"/>
+            <p:ph type="ctrTitle"/>
           </p:nvPr>
         </p:nvSpPr>
-        <p:spPr/>
-        <p:txBody>
-          <a:bodyPr/>
+        <p:spPr>
+          <a:xfrm>
+            <a:off x="1306286" y="1187630"/>
+            <a:ext cx="9570720" cy="2774770"/>
+          </a:xfrm>
+        </p:spPr>
+        <p:txBody>
+          <a:bodyPr>
+            <a:normAutofit/>
+          </a:bodyPr>
           <a:lstStyle/>
           <a:p>
             <a:r>
-              <a:rPr lang="ja-JP" altLang="en-US">
+              <a:rPr kumimoji="1" lang="ja-JP" altLang="en-US" sz="4800">
                 <a:solidFill>
                   <a:schemeClr val="accent5">
                     <a:lumMod val="50000"/>
@@ -12836,7 +15766,7 @@
               <a:t>クラン「まほらま</a:t>
             </a:r>
             <a:r>
-              <a:rPr lang="en-US" altLang="ja-JP" dirty="0">
+              <a:rPr kumimoji="1" lang="en-US" altLang="ja-JP" sz="4800" dirty="0">
                 <a:solidFill>
                   <a:schemeClr val="accent5">
                     <a:lumMod val="50000"/>
@@ -12848,7 +15778,7 @@
               <a:t>〜</a:t>
             </a:r>
             <a:r>
-              <a:rPr lang="ja-JP" altLang="en-US">
+              <a:rPr kumimoji="1" lang="ja-JP" altLang="en-US" sz="4800">
                 <a:solidFill>
                   <a:schemeClr val="accent5">
                     <a:lumMod val="50000"/>
@@ -12860,7 +15790,7 @@
               <a:t>摩天楼</a:t>
             </a:r>
             <a:r>
-              <a:rPr lang="en-US" altLang="ja-JP" dirty="0">
+              <a:rPr kumimoji="1" lang="en-US" altLang="ja-JP" sz="4800" dirty="0">
                 <a:solidFill>
                   <a:schemeClr val="accent5">
                     <a:lumMod val="50000"/>
@@ -12872,7 +15802,7 @@
               <a:t>〜</a:t>
             </a:r>
             <a:r>
-              <a:rPr lang="ja-JP" altLang="en-US">
+              <a:rPr kumimoji="1" lang="ja-JP" altLang="en-US" sz="4800">
                 <a:solidFill>
                   <a:schemeClr val="accent5">
                     <a:lumMod val="50000"/>
@@ -12883,6 +15813,17 @@
               </a:rPr>
               <a:t>」</a:t>
             </a:r>
+            <a:br>
+              <a:rPr kumimoji="1" lang="en-US" altLang="ja-JP" dirty="0">
+                <a:solidFill>
+                  <a:schemeClr val="accent5">
+                    <a:lumMod val="50000"/>
+                  </a:schemeClr>
+                </a:solidFill>
+                <a:latin typeface="Hiragino Maru Gothic Pro W4" panose="020F0400000000000000" pitchFamily="34" charset="-128"/>
+                <a:ea typeface="Hiragino Maru Gothic Pro W4" panose="020F0400000000000000" pitchFamily="34" charset="-128"/>
+              </a:rPr>
+            </a:br>
             <a:endParaRPr kumimoji="1" lang="ja-JP" altLang="en-US">
               <a:solidFill>
                 <a:schemeClr val="accent5">
@@ -12897,143 +15838,10 @@
       </p:sp>
       <p:sp>
         <p:nvSpPr>
-          <p:cNvPr id="3" name="コンテンツ プレースホルダー 2">
-            <a:extLst>
-              <a:ext uri="{FF2B5EF4-FFF2-40B4-BE49-F238E27FC236}">
-                <a16:creationId xmlns:a16="http://schemas.microsoft.com/office/drawing/2014/main" id="{01E773B8-156E-4743-8E4A-3ED5FB7CC4E2}"/>
-              </a:ext>
-            </a:extLst>
-          </p:cNvPr>
-          <p:cNvSpPr>
-            <a:spLocks noGrp="1"/>
-          </p:cNvSpPr>
-          <p:nvPr>
-            <p:ph idx="1"/>
-          </p:nvPr>
-        </p:nvSpPr>
-        <p:spPr>
-          <a:xfrm>
-            <a:off x="838200" y="1588575"/>
-            <a:ext cx="10515600" cy="4588387"/>
-          </a:xfrm>
-        </p:spPr>
-        <p:txBody>
-          <a:bodyPr>
-            <a:normAutofit/>
-          </a:bodyPr>
-          <a:lstStyle/>
-          <a:p>
-            <a:pPr marL="45720" indent="0">
-              <a:buNone/>
-            </a:pPr>
-            <a:r>
-              <a:rPr lang="en-US" altLang="ja-JP" dirty="0">
-                <a:solidFill>
-                  <a:schemeClr val="accent5">
-                    <a:lumMod val="50000"/>
-                  </a:schemeClr>
-                </a:solidFill>
-                <a:latin typeface="Hiragino Maru Gothic Pro W4" panose="020F0400000000000000" pitchFamily="34" charset="-128"/>
-                <a:ea typeface="Hiragino Maru Gothic Pro W4" panose="020F0400000000000000" pitchFamily="34" charset="-128"/>
-              </a:rPr>
-              <a:t>【</a:t>
-            </a:r>
-            <a:r>
-              <a:rPr lang="ja-JP" altLang="en-US">
-                <a:solidFill>
-                  <a:schemeClr val="accent5">
-                    <a:lumMod val="50000"/>
-                  </a:schemeClr>
-                </a:solidFill>
-                <a:latin typeface="Hiragino Maru Gothic Pro W4" panose="020F0400000000000000" pitchFamily="34" charset="-128"/>
-                <a:ea typeface="Hiragino Maru Gothic Pro W4" panose="020F0400000000000000" pitchFamily="34" charset="-128"/>
-              </a:rPr>
-              <a:t>行動指針</a:t>
-            </a:r>
-            <a:r>
-              <a:rPr lang="en-US" altLang="ja-JP" dirty="0">
-                <a:solidFill>
-                  <a:schemeClr val="accent5">
-                    <a:lumMod val="50000"/>
-                  </a:schemeClr>
-                </a:solidFill>
-                <a:latin typeface="Hiragino Maru Gothic Pro W4" panose="020F0400000000000000" pitchFamily="34" charset="-128"/>
-                <a:ea typeface="Hiragino Maru Gothic Pro W4" panose="020F0400000000000000" pitchFamily="34" charset="-128"/>
-              </a:rPr>
-              <a:t>】</a:t>
-            </a:r>
-          </a:p>
-          <a:p>
-            <a:pPr marL="502920" indent="-457200"/>
-            <a:r>
-              <a:rPr lang="ja-JP" altLang="en-US">
-                <a:solidFill>
-                  <a:schemeClr val="accent5">
-                    <a:lumMod val="50000"/>
-                  </a:schemeClr>
-                </a:solidFill>
-                <a:latin typeface="Hiragino Maru Gothic Pro W4" panose="020F0400000000000000" pitchFamily="34" charset="-128"/>
-                <a:ea typeface="Hiragino Maru Gothic Pro W4" panose="020F0400000000000000" pitchFamily="34" charset="-128"/>
-              </a:rPr>
-              <a:t>野良戦はゆるく、常時回します</a:t>
-            </a:r>
-          </a:p>
-          <a:p>
-            <a:pPr marL="502920" indent="-457200"/>
-            <a:r>
-              <a:rPr lang="ja-JP" altLang="en-US">
-                <a:solidFill>
-                  <a:schemeClr val="accent5">
-                    <a:lumMod val="50000"/>
-                  </a:schemeClr>
-                </a:solidFill>
-                <a:latin typeface="Hiragino Maru Gothic Pro W4" panose="020F0400000000000000" pitchFamily="34" charset="-128"/>
-                <a:ea typeface="Hiragino Maru Gothic Pro W4" panose="020F0400000000000000" pitchFamily="34" charset="-128"/>
-              </a:rPr>
-              <a:t>リーグ戦はメダル狙い、適正リーグで</a:t>
-            </a:r>
-            <a:r>
-              <a:rPr lang="en-US" altLang="ja-JP" dirty="0">
-                <a:solidFill>
-                  <a:schemeClr val="accent5">
-                    <a:lumMod val="50000"/>
-                  </a:schemeClr>
-                </a:solidFill>
-                <a:latin typeface="Hiragino Maru Gothic Pro W4" panose="020F0400000000000000" pitchFamily="34" charset="-128"/>
-                <a:ea typeface="Hiragino Maru Gothic Pro W4" panose="020F0400000000000000" pitchFamily="34" charset="-128"/>
-              </a:rPr>
-              <a:t>3</a:t>
-            </a:r>
-            <a:r>
-              <a:rPr lang="ja-JP" altLang="en-US">
-                <a:solidFill>
-                  <a:schemeClr val="accent5">
-                    <a:lumMod val="50000"/>
-                  </a:schemeClr>
-                </a:solidFill>
-                <a:latin typeface="Hiragino Maru Gothic Pro W4" panose="020F0400000000000000" pitchFamily="34" charset="-128"/>
-                <a:ea typeface="Hiragino Maru Gothic Pro W4" panose="020F0400000000000000" pitchFamily="34" charset="-128"/>
-              </a:rPr>
-              <a:t>位狙い</a:t>
-            </a:r>
-            <a:endParaRPr lang="en-US" altLang="ja-JP" dirty="0">
-              <a:solidFill>
-                <a:schemeClr val="accent5">
-                  <a:lumMod val="50000"/>
-                </a:schemeClr>
-              </a:solidFill>
-              <a:latin typeface="Hiragino Maru Gothic Pro W4" panose="020F0400000000000000" pitchFamily="34" charset="-128"/>
-              <a:ea typeface="Hiragino Maru Gothic Pro W4" panose="020F0400000000000000" pitchFamily="34" charset="-128"/>
-            </a:endParaRPr>
-          </a:p>
-        </p:txBody>
-      </p:sp>
-      <p:sp>
-        <p:nvSpPr>
           <p:cNvPr id="4" name="スライド番号プレースホルダー 3">
             <a:extLst>
               <a:ext uri="{FF2B5EF4-FFF2-40B4-BE49-F238E27FC236}">
-                <a16:creationId xmlns:a16="http://schemas.microsoft.com/office/drawing/2014/main" id="{34C04C8D-49C3-874E-864D-A6289CA1E427}"/>
+                <a16:creationId xmlns:a16="http://schemas.microsoft.com/office/drawing/2014/main" id="{FFA60BD1-FA32-484F-807E-37BB2EC217BB}"/>
               </a:ext>
             </a:extLst>
           </p:cNvPr>
@@ -13044,7 +15852,12 @@
             <p:ph type="sldNum" sz="quarter" idx="12"/>
           </p:nvPr>
         </p:nvSpPr>
-        <p:spPr/>
+        <p:spPr>
+          <a:xfrm>
+            <a:off x="8610600" y="6356350"/>
+            <a:ext cx="2743200" cy="365125"/>
+          </a:xfrm>
+        </p:spPr>
         <p:txBody>
           <a:bodyPr/>
           <a:lstStyle/>
@@ -13053,9 +15866,7 @@
             <a:fld id="{E31375A4-56A4-47D6-9801-1991572033F7}" type="slidenum">
               <a:rPr lang="en-US" altLang="ja-JP" noProof="0" smtClean="0">
                 <a:solidFill>
-                  <a:schemeClr val="accent5">
-                    <a:lumMod val="50000"/>
-                  </a:schemeClr>
+                  <a:srgbClr val="002060"/>
                 </a:solidFill>
                 <a:latin typeface="Hiragino Maru Gothic Pro W4" panose="020F0400000000000000" pitchFamily="34" charset="-128"/>
                 <a:ea typeface="Hiragino Maru Gothic Pro W4" panose="020F0400000000000000" pitchFamily="34" charset="-128"/>
@@ -13064,9 +15875,7 @@
             </a:fld>
             <a:endParaRPr lang="ja-JP" altLang="en-US" noProof="0" dirty="0">
               <a:solidFill>
-                <a:schemeClr val="accent5">
-                  <a:lumMod val="50000"/>
-                </a:schemeClr>
+                <a:srgbClr val="002060"/>
               </a:solidFill>
               <a:latin typeface="Hiragino Maru Gothic Pro W4" panose="020F0400000000000000" pitchFamily="34" charset="-128"/>
               <a:ea typeface="Hiragino Maru Gothic Pro W4" panose="020F0400000000000000" pitchFamily="34" charset="-128"/>
@@ -13077,7 +15886,7 @@
     </p:spTree>
     <p:extLst>
       <p:ext uri="{BB962C8B-B14F-4D97-AF65-F5344CB8AC3E}">
-        <p14:creationId xmlns:p14="http://schemas.microsoft.com/office/powerpoint/2010/main" val="2345437348"/>
+        <p14:creationId xmlns:p14="http://schemas.microsoft.com/office/powerpoint/2010/main" val="3189690731"/>
       </p:ext>
     </p:extLst>
   </p:cSld>

--- a/TOMARIGI.pptx
+++ b/TOMARIGI.pptx
@@ -243,7 +243,7 @@
                 <a:latin typeface="ＭＳ 明朝" panose="02020609040205080304" pitchFamily="17" charset="-128"/>
                 <a:ea typeface="ＭＳ 明朝" panose="02020609040205080304" pitchFamily="17" charset="-128"/>
               </a:rPr>
-              <a:t>2021年4月26日</a:t>
+              <a:t>2021年4月29日</a:t>
             </a:fld>
             <a:endParaRPr lang="en-US">
               <a:latin typeface="ＭＳ 明朝" panose="02020609040205080304" pitchFamily="17" charset="-128"/>
@@ -430,7 +430,7 @@
             <a:fld id="{30389980-3DE9-4702-8CE7-20043EFDAF6C}" type="datetime4">
               <a:rPr lang="ja-JP" altLang="en-US" smtClean="0"/>
               <a:pPr/>
-              <a:t>2021年4月26日</a:t>
+              <a:t>2021年4月29日</a:t>
             </a:fld>
             <a:endParaRPr lang="en-US"/>
           </a:p>
@@ -885,7 +885,7 @@
           <a:p>
             <a:fld id="{5ADD3B2F-B41F-7942-990C-7D7FFD69CA5F}" type="datetimeFigureOut">
               <a:rPr kumimoji="1" lang="ja-JP" altLang="en-US" smtClean="0"/>
-              <a:t>2021/4/26</a:t>
+              <a:t>2021/4/29</a:t>
             </a:fld>
             <a:endParaRPr kumimoji="1" lang="ja-JP" altLang="en-US"/>
           </a:p>
@@ -4596,7 +4596,7 @@
                 <a:latin typeface="Hiragino Maru Gothic Pro W4" panose="020F0400000000000000" pitchFamily="34" charset="-128"/>
                 <a:ea typeface="Hiragino Maru Gothic Pro W4" panose="020F0400000000000000" pitchFamily="34" charset="-128"/>
               </a:rPr>
-              <a:t>2021/04/26</a:t>
+              <a:t>2021/04/29</a:t>
             </a:r>
             <a:r>
               <a:rPr lang="ja-JP" altLang="en-US" sz="2400">
@@ -9418,10 +9418,7 @@
             </a:lvl9pPr>
           </a:lstStyle>
           <a:p>
-            <a:pPr marL="45720" indent="0">
-              <a:buFont typeface="Arial" panose="020B0604020202020204" pitchFamily="34" charset="0"/>
-              <a:buNone/>
-            </a:pPr>
+            <a:pPr marL="331470" indent="-285750"/>
             <a:r>
               <a:rPr lang="ja-JP" altLang="en-US" sz="1600">
                 <a:solidFill>
@@ -9445,10 +9442,7 @@
             </a:endParaRPr>
           </a:p>
           <a:p>
-            <a:pPr marL="45720" indent="0">
-              <a:buFont typeface="Arial" panose="020B0604020202020204" pitchFamily="34" charset="0"/>
-              <a:buNone/>
-            </a:pPr>
+            <a:pPr marL="331470" indent="-285750"/>
             <a:r>
               <a:rPr lang="en-US" altLang="ja-JP" sz="1600" dirty="0">
                 <a:solidFill>
@@ -9508,10 +9502,7 @@
             </a:endParaRPr>
           </a:p>
           <a:p>
-            <a:pPr marL="45720" indent="0">
-              <a:buFont typeface="Arial" panose="020B0604020202020204" pitchFamily="34" charset="0"/>
-              <a:buNone/>
-            </a:pPr>
+            <a:pPr marL="331470" indent="-285750"/>
             <a:r>
               <a:rPr lang="en-US" altLang="ja-JP" sz="1600" dirty="0">
                 <a:solidFill>
@@ -9547,10 +9538,7 @@
             </a:endParaRPr>
           </a:p>
           <a:p>
-            <a:pPr marL="45720" indent="0">
-              <a:buFont typeface="Arial" panose="020B0604020202020204" pitchFamily="34" charset="0"/>
-              <a:buNone/>
-            </a:pPr>
+            <a:pPr marL="331470" indent="-285750"/>
             <a:r>
               <a:rPr lang="ja-JP" altLang="en-US" sz="1600">
                 <a:solidFill>
@@ -12108,36 +12096,6 @@
               <a:buChar char="•"/>
             </a:pPr>
             <a:r>
-              <a:rPr lang="ja-JP" altLang="en-US" sz="1400">
-                <a:latin typeface="Hiragino Maru Gothic Pro W4" panose="020F0400000000000000" pitchFamily="34" charset="-128"/>
-                <a:ea typeface="Hiragino Maru Gothic Pro W4" panose="020F0400000000000000" pitchFamily="34" charset="-128"/>
-              </a:rPr>
-              <a:t>ゴドルフィン</a:t>
-            </a:r>
-            <a:r>
-              <a:rPr lang="ja-JP" altLang="en-US" sz="1400">
-                <a:solidFill>
-                  <a:srgbClr val="FF0000"/>
-                </a:solidFill>
-                <a:latin typeface="Hiragino Maru Gothic Pro W4" panose="020F0400000000000000" pitchFamily="34" charset="-128"/>
-                <a:ea typeface="Hiragino Maru Gothic Pro W4" panose="020F0400000000000000" pitchFamily="34" charset="-128"/>
-              </a:rPr>
-              <a:t>⑬⑬</a:t>
-            </a:r>
-            <a:endParaRPr lang="en-US" altLang="ja-JP" sz="1400" dirty="0">
-              <a:solidFill>
-                <a:srgbClr val="FF0000"/>
-              </a:solidFill>
-              <a:latin typeface="Hiragino Maru Gothic Pro W4" panose="020F0400000000000000" pitchFamily="34" charset="-128"/>
-              <a:ea typeface="Hiragino Maru Gothic Pro W4" panose="020F0400000000000000" pitchFamily="34" charset="-128"/>
-            </a:endParaRPr>
-          </a:p>
-          <a:p>
-            <a:pPr marL="342900" indent="-342900">
-              <a:buFont typeface="Arial" panose="020B0604020202020204" pitchFamily="34" charset="0"/>
-              <a:buChar char="•"/>
-            </a:pPr>
-            <a:r>
               <a:rPr lang="en-US" altLang="ja-JP" sz="1400" dirty="0">
                 <a:latin typeface="Hiragino Maru Gothic Pro W4" panose="020F0400000000000000" pitchFamily="34" charset="-128"/>
                 <a:ea typeface="Hiragino Maru Gothic Pro W4" panose="020F0400000000000000" pitchFamily="34" charset="-128"/>
@@ -12256,7 +12214,7 @@
                 <a:latin typeface="Hiragino Maru Gothic Pro W4" panose="020F0400000000000000" pitchFamily="34" charset="-128"/>
                 <a:ea typeface="Hiragino Maru Gothic Pro W4" panose="020F0400000000000000" pitchFamily="34" charset="-128"/>
               </a:rPr>
-              <a:t>ゴドルフィン⑬⑬</a:t>
+              <a:t>ゴドルフィン⑬⑬⑬⑬</a:t>
             </a:r>
             <a:r>
               <a:rPr lang="en-US" altLang="ja-JP" sz="1400" u="sng" dirty="0">
@@ -12343,56 +12301,6 @@
               </a:rPr>
               <a:t>⑫</a:t>
             </a:r>
-          </a:p>
-          <a:p>
-            <a:pPr marL="342900" indent="-342900">
-              <a:buFont typeface="Arial" panose="020B0604020202020204" pitchFamily="34" charset="0"/>
-              <a:buChar char="•"/>
-            </a:pPr>
-            <a:r>
-              <a:rPr lang="ja-JP" altLang="en-US" sz="1400">
-                <a:latin typeface="Hiragino Maru Gothic Pro W4" panose="020F0400000000000000" pitchFamily="34" charset="-128"/>
-                <a:ea typeface="Hiragino Maru Gothic Pro W4" panose="020F0400000000000000" pitchFamily="34" charset="-128"/>
-              </a:rPr>
-              <a:t>くい助</a:t>
-            </a:r>
-            <a:r>
-              <a:rPr lang="en-US" altLang="ja-JP" sz="1400" dirty="0">
-                <a:latin typeface="Hiragino Maru Gothic Pro W4" panose="020F0400000000000000" pitchFamily="34" charset="-128"/>
-                <a:ea typeface="Hiragino Maru Gothic Pro W4" panose="020F0400000000000000" pitchFamily="34" charset="-128"/>
-              </a:rPr>
-              <a:t>⑪</a:t>
-            </a:r>
-          </a:p>
-          <a:p>
-            <a:pPr marL="342900" indent="-342900">
-              <a:buFont typeface="Arial" panose="020B0604020202020204" pitchFamily="34" charset="0"/>
-              <a:buChar char="•"/>
-            </a:pPr>
-            <a:r>
-              <a:rPr lang="ja-JP" altLang="en-US" sz="1400">
-                <a:latin typeface="Hiragino Maru Gothic Pro W4" panose="020F0400000000000000" pitchFamily="34" charset="-128"/>
-                <a:ea typeface="Hiragino Maru Gothic Pro W4" panose="020F0400000000000000" pitchFamily="34" charset="-128"/>
-              </a:rPr>
-              <a:t>魔王</a:t>
-            </a:r>
-            <a:r>
-              <a:rPr lang="en-US" altLang="ja-JP" sz="1400" dirty="0">
-                <a:latin typeface="Hiragino Maru Gothic Pro W4" panose="020F0400000000000000" pitchFamily="34" charset="-128"/>
-                <a:ea typeface="Hiragino Maru Gothic Pro W4" panose="020F0400000000000000" pitchFamily="34" charset="-128"/>
-              </a:rPr>
-              <a:t>⑪</a:t>
-            </a:r>
-          </a:p>
-          <a:p>
-            <a:pPr marL="342900" indent="-342900">
-              <a:buFont typeface="Arial" panose="020B0604020202020204" pitchFamily="34" charset="0"/>
-              <a:buChar char="•"/>
-            </a:pPr>
-            <a:endParaRPr lang="en-US" altLang="ja-JP" sz="1400" dirty="0">
-              <a:latin typeface="Hiragino Maru Gothic Pro W4" panose="020F0400000000000000" pitchFamily="34" charset="-128"/>
-              <a:ea typeface="Hiragino Maru Gothic Pro W4" panose="020F0400000000000000" pitchFamily="34" charset="-128"/>
-            </a:endParaRPr>
           </a:p>
         </p:txBody>
       </p:sp>
@@ -12685,99 +12593,6 @@
               <a:ea typeface="Hiragino Maru Gothic Pro W4" panose="020F0400000000000000" pitchFamily="34" charset="-128"/>
             </a:endParaRPr>
           </a:p>
-          <a:p>
-            <a:pPr marL="342900" indent="-342900">
-              <a:buFont typeface="Arial" panose="020B0604020202020204" pitchFamily="34" charset="0"/>
-              <a:buChar char="•"/>
-            </a:pPr>
-            <a:r>
-              <a:rPr lang="ja-JP" altLang="en-US" sz="1000">
-                <a:solidFill>
-                  <a:schemeClr val="bg2">
-                    <a:lumMod val="75000"/>
-                  </a:schemeClr>
-                </a:solidFill>
-                <a:latin typeface="Hiragino Maru Gothic Pro W4" panose="020F0400000000000000" pitchFamily="34" charset="-128"/>
-                <a:ea typeface="Hiragino Maru Gothic Pro W4" panose="020F0400000000000000" pitchFamily="34" charset="-128"/>
-              </a:rPr>
-              <a:t>ゴドルフィン⑭⑭</a:t>
-            </a:r>
-            <a:endParaRPr lang="en-US" altLang="ja-JP" sz="1000" dirty="0">
-              <a:solidFill>
-                <a:schemeClr val="bg2">
-                  <a:lumMod val="75000"/>
-                </a:schemeClr>
-              </a:solidFill>
-              <a:latin typeface="Hiragino Maru Gothic Pro W4" panose="020F0400000000000000" pitchFamily="34" charset="-128"/>
-              <a:ea typeface="Hiragino Maru Gothic Pro W4" panose="020F0400000000000000" pitchFamily="34" charset="-128"/>
-            </a:endParaRPr>
-          </a:p>
-          <a:p>
-            <a:pPr marL="342900" indent="-342900">
-              <a:buFont typeface="Arial" panose="020B0604020202020204" pitchFamily="34" charset="0"/>
-              <a:buChar char="•"/>
-            </a:pPr>
-            <a:r>
-              <a:rPr lang="en-US" altLang="ja-JP" sz="1000" dirty="0">
-                <a:solidFill>
-                  <a:schemeClr val="bg2">
-                    <a:lumMod val="75000"/>
-                  </a:schemeClr>
-                </a:solidFill>
-                <a:latin typeface="Hiragino Maru Gothic Pro W4" panose="020F0400000000000000" pitchFamily="34" charset="-128"/>
-                <a:ea typeface="Hiragino Maru Gothic Pro W4" panose="020F0400000000000000" pitchFamily="34" charset="-128"/>
-              </a:rPr>
-              <a:t>OB</a:t>
-            </a:r>
-            <a:r>
-              <a:rPr lang="ja-JP" altLang="en-US" sz="1000">
-                <a:solidFill>
-                  <a:schemeClr val="bg2">
-                    <a:lumMod val="75000"/>
-                  </a:schemeClr>
-                </a:solidFill>
-                <a:latin typeface="Hiragino Maru Gothic Pro W4" panose="020F0400000000000000" pitchFamily="34" charset="-128"/>
-                <a:ea typeface="Hiragino Maru Gothic Pro W4" panose="020F0400000000000000" pitchFamily="34" charset="-128"/>
-              </a:rPr>
-              <a:t>ハンター⑭</a:t>
-            </a:r>
-            <a:endParaRPr lang="en-US" altLang="ja-JP" sz="1000" dirty="0">
-              <a:solidFill>
-                <a:schemeClr val="bg2">
-                  <a:lumMod val="75000"/>
-                </a:schemeClr>
-              </a:solidFill>
-              <a:latin typeface="Hiragino Maru Gothic Pro W4" panose="020F0400000000000000" pitchFamily="34" charset="-128"/>
-              <a:ea typeface="Hiragino Maru Gothic Pro W4" panose="020F0400000000000000" pitchFamily="34" charset="-128"/>
-            </a:endParaRPr>
-          </a:p>
-          <a:p>
-            <a:pPr marL="342900" indent="-342900">
-              <a:buFont typeface="Arial" panose="020B0604020202020204" pitchFamily="34" charset="0"/>
-              <a:buChar char="•"/>
-            </a:pPr>
-            <a:r>
-              <a:rPr lang="ja-JP" altLang="en-US" sz="1000">
-                <a:solidFill>
-                  <a:schemeClr val="bg2">
-                    <a:lumMod val="75000"/>
-                  </a:schemeClr>
-                </a:solidFill>
-                <a:latin typeface="Hiragino Maru Gothic Pro W4" panose="020F0400000000000000" pitchFamily="34" charset="-128"/>
-                <a:ea typeface="Hiragino Maru Gothic Pro W4" panose="020F0400000000000000" pitchFamily="34" charset="-128"/>
-              </a:rPr>
-              <a:t>ころ助⑭</a:t>
-            </a:r>
-            <a:endParaRPr lang="en-US" altLang="ja-JP" sz="1000" dirty="0">
-              <a:solidFill>
-                <a:schemeClr val="bg2">
-                  <a:lumMod val="75000"/>
-                </a:schemeClr>
-              </a:solidFill>
-              <a:latin typeface="Hiragino Maru Gothic Pro W4" panose="020F0400000000000000" pitchFamily="34" charset="-128"/>
-              <a:ea typeface="Hiragino Maru Gothic Pro W4" panose="020F0400000000000000" pitchFamily="34" charset="-128"/>
-            </a:endParaRPr>
-          </a:p>
         </p:txBody>
       </p:sp>
       <p:sp>
@@ -12828,14 +12643,14 @@
                 <a:latin typeface="Hiragino Maru Gothic Pro W4" panose="020F0400000000000000" pitchFamily="34" charset="-128"/>
                 <a:ea typeface="Hiragino Maru Gothic Pro W4" panose="020F0400000000000000" pitchFamily="34" charset="-128"/>
               </a:rPr>
-              <a:t>ゴドルフィン⑬⑬</a:t>
+              <a:t>ゴドルフィン⑬⑬⑬</a:t>
             </a:r>
             <a:r>
               <a:rPr lang="en-US" altLang="ja-JP" sz="1400" u="sng" dirty="0">
                 <a:latin typeface="Hiragino Maru Gothic Pro W4" panose="020F0400000000000000" pitchFamily="34" charset="-128"/>
                 <a:ea typeface="Hiragino Maru Gothic Pro W4" panose="020F0400000000000000" pitchFamily="34" charset="-128"/>
               </a:rPr>
-              <a:t>⑫ (</a:t>
+              <a:t>⑬⑫ (</a:t>
             </a:r>
             <a:r>
               <a:rPr lang="ja-JP" altLang="en-US" sz="1400" u="sng">
@@ -12894,46 +12709,6 @@
                 <a:ea typeface="Hiragino Maru Gothic Pro W4" panose="020F0400000000000000" pitchFamily="34" charset="-128"/>
               </a:rPr>
               <a:t>⑫</a:t>
-            </a:r>
-          </a:p>
-          <a:p>
-            <a:pPr marL="342900" indent="-342900">
-              <a:buFont typeface="Arial" panose="020B0604020202020204" pitchFamily="34" charset="0"/>
-              <a:buChar char="•"/>
-            </a:pPr>
-            <a:r>
-              <a:rPr lang="ja-JP" altLang="en-US" sz="1400">
-                <a:latin typeface="Hiragino Maru Gothic Pro W4" panose="020F0400000000000000" pitchFamily="34" charset="-128"/>
-                <a:ea typeface="Hiragino Maru Gothic Pro W4" panose="020F0400000000000000" pitchFamily="34" charset="-128"/>
-              </a:rPr>
-              <a:t>くい助</a:t>
-            </a:r>
-            <a:r>
-              <a:rPr lang="en-US" altLang="ja-JP" sz="1400" dirty="0">
-                <a:latin typeface="Hiragino Maru Gothic Pro W4" panose="020F0400000000000000" pitchFamily="34" charset="-128"/>
-                <a:ea typeface="Hiragino Maru Gothic Pro W4" panose="020F0400000000000000" pitchFamily="34" charset="-128"/>
-              </a:rPr>
-              <a:t>⑪</a:t>
-            </a:r>
-          </a:p>
-          <a:p>
-            <a:pPr marL="342900" indent="-342900">
-              <a:buFont typeface="Arial" panose="020B0604020202020204" pitchFamily="34" charset="0"/>
-              <a:buChar char="•"/>
-            </a:pPr>
-            <a:r>
-              <a:rPr lang="ja-JP" altLang="en-US" sz="1400">
-                <a:latin typeface="Hiragino Maru Gothic Pro W4" panose="020F0400000000000000" pitchFamily="34" charset="-128"/>
-                <a:ea typeface="Hiragino Maru Gothic Pro W4" panose="020F0400000000000000" pitchFamily="34" charset="-128"/>
-              </a:rPr>
-              <a:t>魔王</a:t>
-            </a:r>
-            <a:r>
-              <a:rPr lang="en-US" altLang="ja-JP" sz="1400" dirty="0">
-                <a:latin typeface="Hiragino Maru Gothic Pro W4" panose="020F0400000000000000" pitchFamily="34" charset="-128"/>
-                <a:ea typeface="Hiragino Maru Gothic Pro W4" panose="020F0400000000000000" pitchFamily="34" charset="-128"/>
-              </a:rPr>
-              <a:t>⑪</a:t>
             </a:r>
           </a:p>
         </p:txBody>
@@ -13062,33 +12837,6 @@
                 <a:ea typeface="Hiragino Maru Gothic Pro W4" panose="020F0400000000000000" pitchFamily="34" charset="-128"/>
               </a:rPr>
               <a:t>魔王様⑬</a:t>
-            </a:r>
-            <a:endParaRPr lang="en-US" altLang="ja-JP" sz="1400" dirty="0">
-              <a:latin typeface="Hiragino Maru Gothic Pro W4" panose="020F0400000000000000" pitchFamily="34" charset="-128"/>
-              <a:ea typeface="Hiragino Maru Gothic Pro W4" panose="020F0400000000000000" pitchFamily="34" charset="-128"/>
-            </a:endParaRPr>
-          </a:p>
-          <a:p>
-            <a:pPr marL="342900" indent="-342900">
-              <a:buFont typeface="Arial" panose="020B0604020202020204" pitchFamily="34" charset="0"/>
-              <a:buChar char="•"/>
-            </a:pPr>
-            <a:r>
-              <a:rPr lang="ja-JP" altLang="en-US" sz="1400">
-                <a:latin typeface="Hiragino Maru Gothic Pro W4" panose="020F0400000000000000" pitchFamily="34" charset="-128"/>
-                <a:ea typeface="Hiragino Maru Gothic Pro W4" panose="020F0400000000000000" pitchFamily="34" charset="-128"/>
-              </a:rPr>
-              <a:t>ゴドルフィン</a:t>
-            </a:r>
-            <a:r>
-              <a:rPr lang="ja-JP" altLang="en-US" sz="1400">
-                <a:solidFill>
-                  <a:srgbClr val="FF0000"/>
-                </a:solidFill>
-                <a:latin typeface="Hiragino Maru Gothic Pro W4" panose="020F0400000000000000" pitchFamily="34" charset="-128"/>
-                <a:ea typeface="Hiragino Maru Gothic Pro W4" panose="020F0400000000000000" pitchFamily="34" charset="-128"/>
-              </a:rPr>
-              <a:t>⑬⑬</a:t>
             </a:r>
             <a:endParaRPr lang="en-US" altLang="ja-JP" sz="1400" dirty="0">
               <a:latin typeface="Hiragino Maru Gothic Pro W4" panose="020F0400000000000000" pitchFamily="34" charset="-128"/>

--- a/TOMARIGI.pptx
+++ b/TOMARIGI.pptx
@@ -243,7 +243,7 @@
                 <a:latin typeface="ＭＳ 明朝" panose="02020609040205080304" pitchFamily="17" charset="-128"/>
                 <a:ea typeface="ＭＳ 明朝" panose="02020609040205080304" pitchFamily="17" charset="-128"/>
               </a:rPr>
-              <a:t>2021年4月29日</a:t>
+              <a:t>2021年5月13日</a:t>
             </a:fld>
             <a:endParaRPr lang="en-US">
               <a:latin typeface="ＭＳ 明朝" panose="02020609040205080304" pitchFamily="17" charset="-128"/>
@@ -430,7 +430,7 @@
             <a:fld id="{30389980-3DE9-4702-8CE7-20043EFDAF6C}" type="datetime4">
               <a:rPr lang="ja-JP" altLang="en-US" smtClean="0"/>
               <a:pPr/>
-              <a:t>2021年4月29日</a:t>
+              <a:t>2021年5月13日</a:t>
             </a:fld>
             <a:endParaRPr lang="en-US"/>
           </a:p>
@@ -885,7 +885,7 @@
           <a:p>
             <a:fld id="{5ADD3B2F-B41F-7942-990C-7D7FFD69CA5F}" type="datetimeFigureOut">
               <a:rPr kumimoji="1" lang="ja-JP" altLang="en-US" smtClean="0"/>
-              <a:t>2021/4/29</a:t>
+              <a:t>2021/5/13</a:t>
             </a:fld>
             <a:endParaRPr kumimoji="1" lang="ja-JP" altLang="en-US"/>
           </a:p>
@@ -4596,7 +4596,7 @@
                 <a:latin typeface="Hiragino Maru Gothic Pro W4" panose="020F0400000000000000" pitchFamily="34" charset="-128"/>
                 <a:ea typeface="Hiragino Maru Gothic Pro W4" panose="020F0400000000000000" pitchFamily="34" charset="-128"/>
               </a:rPr>
-              <a:t>2021/04/29</a:t>
+              <a:t>2021/05/13</a:t>
             </a:r>
             <a:r>
               <a:rPr lang="ja-JP" altLang="en-US" sz="2400">
@@ -7919,14 +7919,14 @@
             <p:ph idx="1"/>
             <p:extLst>
               <p:ext uri="{D42A27DB-BD31-4B8C-83A1-F6EECF244321}">
-                <p14:modId xmlns:p14="http://schemas.microsoft.com/office/powerpoint/2010/main" val="3313286105"/>
+                <p14:modId xmlns:p14="http://schemas.microsoft.com/office/powerpoint/2010/main" val="769093317"/>
               </p:ext>
             </p:extLst>
           </p:nvPr>
         </p:nvGraphicFramePr>
         <p:xfrm>
           <a:off x="838200" y="1469209"/>
-          <a:ext cx="10515600" cy="3297497"/>
+          <a:ext cx="10515600" cy="3268995"/>
         </p:xfrm>
         <a:graphic>
           <a:graphicData uri="http://schemas.openxmlformats.org/drawingml/2006/table">
@@ -7992,7 +7992,7 @@
                   </a:extLst>
                 </a:gridCol>
               </a:tblGrid>
-              <a:tr h="418848">
+              <a:tr h="352040">
                 <a:tc>
                   <a:txBody>
                     <a:bodyPr/>
@@ -8191,7 +8191,7 @@
                   </a:ext>
                 </a:extLst>
               </a:tr>
-              <a:tr h="576469">
+              <a:tr h="484520">
                 <a:tc>
                   <a:txBody>
                     <a:bodyPr/>
@@ -8310,7 +8310,7 @@
                   </a:ext>
                 </a:extLst>
               </a:tr>
-              <a:tr h="575545">
+              <a:tr h="483743">
                 <a:tc>
                   <a:txBody>
                     <a:bodyPr/>
@@ -8429,7 +8429,126 @@
                   </a:ext>
                 </a:extLst>
               </a:tr>
-              <a:tr h="575545">
+              <a:tr h="483743">
+                <a:tc>
+                  <a:txBody>
+                    <a:bodyPr/>
+                    <a:lstStyle/>
+                    <a:p>
+                      <a:pPr algn="ctr"/>
+                      <a:endParaRPr kumimoji="1" lang="ja-JP" altLang="en-US" sz="1800">
+                        <a:latin typeface="Hiragino Maru Gothic Pro W4" panose="020F0400000000000000" pitchFamily="34" charset="-128"/>
+                        <a:ea typeface="Hiragino Maru Gothic Pro W4" panose="020F0400000000000000" pitchFamily="34" charset="-128"/>
+                      </a:endParaRPr>
+                    </a:p>
+                  </a:txBody>
+                  <a:tcPr anchor="ctr"/>
+                </a:tc>
+                <a:tc>
+                  <a:txBody>
+                    <a:bodyPr/>
+                    <a:lstStyle/>
+                    <a:p>
+                      <a:pPr algn="ctr"/>
+                      <a:endParaRPr kumimoji="1" lang="ja-JP" altLang="en-US" sz="1800">
+                        <a:latin typeface="Hiragino Maru Gothic Pro W4" panose="020F0400000000000000" pitchFamily="34" charset="-128"/>
+                        <a:ea typeface="Hiragino Maru Gothic Pro W4" panose="020F0400000000000000" pitchFamily="34" charset="-128"/>
+                      </a:endParaRPr>
+                    </a:p>
+                  </a:txBody>
+                  <a:tcPr anchor="ctr"/>
+                </a:tc>
+                <a:tc>
+                  <a:txBody>
+                    <a:bodyPr/>
+                    <a:lstStyle/>
+                    <a:p>
+                      <a:pPr algn="ctr"/>
+                      <a:endParaRPr kumimoji="1" lang="ja-JP" altLang="en-US" sz="1800">
+                        <a:latin typeface="Hiragino Maru Gothic Pro W4" panose="020F0400000000000000" pitchFamily="34" charset="-128"/>
+                        <a:ea typeface="Hiragino Maru Gothic Pro W4" panose="020F0400000000000000" pitchFamily="34" charset="-128"/>
+                      </a:endParaRPr>
+                    </a:p>
+                  </a:txBody>
+                  <a:tcPr anchor="ctr"/>
+                </a:tc>
+                <a:tc>
+                  <a:txBody>
+                    <a:bodyPr/>
+                    <a:lstStyle/>
+                    <a:p>
+                      <a:pPr algn="ctr"/>
+                      <a:endParaRPr kumimoji="1" lang="ja-JP" altLang="en-US" sz="1800">
+                        <a:latin typeface="Hiragino Maru Gothic Pro W4" panose="020F0400000000000000" pitchFamily="34" charset="-128"/>
+                        <a:ea typeface="Hiragino Maru Gothic Pro W4" panose="020F0400000000000000" pitchFamily="34" charset="-128"/>
+                      </a:endParaRPr>
+                    </a:p>
+                  </a:txBody>
+                  <a:tcPr anchor="ctr"/>
+                </a:tc>
+                <a:tc>
+                  <a:txBody>
+                    <a:bodyPr/>
+                    <a:lstStyle/>
+                    <a:p>
+                      <a:pPr algn="ctr"/>
+                      <a:endParaRPr kumimoji="1" lang="ja-JP" altLang="en-US" sz="1800">
+                        <a:latin typeface="Hiragino Maru Gothic Pro W4" panose="020F0400000000000000" pitchFamily="34" charset="-128"/>
+                        <a:ea typeface="Hiragino Maru Gothic Pro W4" panose="020F0400000000000000" pitchFamily="34" charset="-128"/>
+                      </a:endParaRPr>
+                    </a:p>
+                  </a:txBody>
+                  <a:tcPr anchor="ctr"/>
+                </a:tc>
+                <a:tc>
+                  <a:txBody>
+                    <a:bodyPr/>
+                    <a:lstStyle/>
+                    <a:p>
+                      <a:pPr algn="ctr"/>
+                      <a:endParaRPr kumimoji="1" lang="ja-JP" altLang="en-US" sz="1800">
+                        <a:latin typeface="Hiragino Maru Gothic Pro W4" panose="020F0400000000000000" pitchFamily="34" charset="-128"/>
+                        <a:ea typeface="Hiragino Maru Gothic Pro W4" panose="020F0400000000000000" pitchFamily="34" charset="-128"/>
+                      </a:endParaRPr>
+                    </a:p>
+                  </a:txBody>
+                  <a:tcPr anchor="ctr"/>
+                </a:tc>
+                <a:tc>
+                  <a:txBody>
+                    <a:bodyPr/>
+                    <a:lstStyle/>
+                    <a:p>
+                      <a:pPr algn="ctr"/>
+                      <a:endParaRPr kumimoji="1" lang="ja-JP" altLang="en-US" sz="1800">
+                        <a:latin typeface="Hiragino Maru Gothic Pro W4" panose="020F0400000000000000" pitchFamily="34" charset="-128"/>
+                        <a:ea typeface="Hiragino Maru Gothic Pro W4" panose="020F0400000000000000" pitchFamily="34" charset="-128"/>
+                      </a:endParaRPr>
+                    </a:p>
+                  </a:txBody>
+                  <a:tcPr anchor="ctr"/>
+                </a:tc>
+                <a:tc>
+                  <a:txBody>
+                    <a:bodyPr/>
+                    <a:lstStyle/>
+                    <a:p>
+                      <a:pPr algn="ctr"/>
+                      <a:endParaRPr kumimoji="1" lang="ja-JP" altLang="en-US" sz="1800">
+                        <a:latin typeface="Hiragino Maru Gothic Pro W4" panose="020F0400000000000000" pitchFamily="34" charset="-128"/>
+                        <a:ea typeface="Hiragino Maru Gothic Pro W4" panose="020F0400000000000000" pitchFamily="34" charset="-128"/>
+                      </a:endParaRPr>
+                    </a:p>
+                  </a:txBody>
+                  <a:tcPr anchor="ctr"/>
+                </a:tc>
+                <a:extLst>
+                  <a:ext uri="{0D108BD9-81ED-4DB2-BD59-A6C34878D82A}">
+                    <a16:rowId xmlns:a16="http://schemas.microsoft.com/office/drawing/2014/main" val="3468996659"/>
+                  </a:ext>
+                </a:extLst>
+              </a:tr>
+              <a:tr h="483743">
                 <a:tc>
                   <a:txBody>
                     <a:bodyPr/>
@@ -8548,7 +8667,7 @@
                   </a:ext>
                 </a:extLst>
               </a:tr>
-              <a:tr h="575545">
+              <a:tr h="483743">
                 <a:tc>
                   <a:txBody>
                     <a:bodyPr/>
@@ -8667,7 +8786,7 @@
                   </a:ext>
                 </a:extLst>
               </a:tr>
-              <a:tr h="575545">
+              <a:tr h="483743">
                 <a:tc>
                   <a:txBody>
                     <a:bodyPr/>
@@ -8804,8 +8923,8 @@
         </p:nvSpPr>
         <p:spPr>
           <a:xfrm>
-            <a:off x="1047206" y="2504833"/>
-            <a:ext cx="4145278" cy="484632"/>
+            <a:off x="1047206" y="2349965"/>
+            <a:ext cx="3707787" cy="440720"/>
           </a:xfrm>
           <a:prstGeom prst="rightArrow">
             <a:avLst/>
@@ -8835,7 +8954,7 @@
                 <a:latin typeface="Hiragino Maru Gothic Pro W4" panose="020F0400000000000000" pitchFamily="34" charset="-128"/>
                 <a:ea typeface="Hiragino Maru Gothic Pro W4" panose="020F0400000000000000" pitchFamily="34" charset="-128"/>
               </a:rPr>
-              <a:t>ファーミング期間</a:t>
+              <a:t>ファーミングがんばれ期間</a:t>
             </a:r>
           </a:p>
         </p:txBody>
@@ -8854,8 +8973,8 @@
         </p:nvSpPr>
         <p:spPr>
           <a:xfrm>
-            <a:off x="914401" y="2033756"/>
-            <a:ext cx="1661032" cy="307777"/>
+            <a:off x="813897" y="1949973"/>
+            <a:ext cx="1449436" cy="276999"/>
           </a:xfrm>
           <a:prstGeom prst="rect">
             <a:avLst/>
@@ -8869,7 +8988,7 @@
           <a:lstStyle/>
           <a:p>
             <a:r>
-              <a:rPr kumimoji="1" lang="ja-JP" altLang="en-US" sz="1400">
+              <a:rPr kumimoji="1" lang="ja-JP" altLang="en-US" sz="1200">
                 <a:solidFill>
                   <a:schemeClr val="accent5">
                     <a:lumMod val="50000"/>
@@ -8881,7 +9000,7 @@
               <a:t>★</a:t>
             </a:r>
             <a:r>
-              <a:rPr kumimoji="1" lang="en-US" altLang="ja-JP" sz="1400" dirty="0">
+              <a:rPr kumimoji="1" lang="en-US" altLang="ja-JP" sz="1200" dirty="0">
                 <a:solidFill>
                   <a:schemeClr val="accent5">
                     <a:lumMod val="50000"/>
@@ -8893,7 +9012,7 @@
               <a:t>TOMARIGI</a:t>
             </a:r>
             <a:r>
-              <a:rPr kumimoji="1" lang="ja-JP" altLang="en-US" sz="1400">
+              <a:rPr kumimoji="1" lang="ja-JP" altLang="en-US" sz="1200">
                 <a:solidFill>
                   <a:schemeClr val="accent5">
                     <a:lumMod val="50000"/>
@@ -8921,8 +9040,8 @@
         </p:nvSpPr>
         <p:spPr>
           <a:xfrm>
-            <a:off x="5192484" y="3662835"/>
-            <a:ext cx="4789716" cy="484632"/>
+            <a:off x="4800599" y="3769476"/>
+            <a:ext cx="5218043" cy="440720"/>
           </a:xfrm>
           <a:prstGeom prst="rightArrow">
             <a:avLst/>
@@ -8952,14 +9071,7 @@
                 <a:latin typeface="Hiragino Maru Gothic Pro W4" panose="020F0400000000000000" pitchFamily="34" charset="-128"/>
                 <a:ea typeface="Hiragino Maru Gothic Pro W4" panose="020F0400000000000000" pitchFamily="34" charset="-128"/>
               </a:rPr>
-              <a:t>JWC TH14 </a:t>
-            </a:r>
-            <a:r>
-              <a:rPr kumimoji="1" lang="ja-JP" altLang="en-US" sz="1200">
-                <a:latin typeface="Hiragino Maru Gothic Pro W4" panose="020F0400000000000000" pitchFamily="34" charset="-128"/>
-                <a:ea typeface="Hiragino Maru Gothic Pro W4" panose="020F0400000000000000" pitchFamily="34" charset="-128"/>
-              </a:rPr>
-              <a:t>期間</a:t>
+              <a:t>JWC TH14</a:t>
             </a:r>
             <a:r>
               <a:rPr lang="en-US" altLang="ja-JP" sz="1200" dirty="0">
@@ -8973,7 +9085,7 @@
                 <a:latin typeface="Hiragino Maru Gothic Pro W4" panose="020F0400000000000000" pitchFamily="34" charset="-128"/>
                 <a:ea typeface="Hiragino Maru Gothic Pro W4" panose="020F0400000000000000" pitchFamily="34" charset="-128"/>
               </a:rPr>
-              <a:t>多分</a:t>
+              <a:t>期間は推測</a:t>
             </a:r>
             <a:r>
               <a:rPr lang="en-US" altLang="ja-JP" sz="1200" dirty="0">
@@ -9003,8 +9115,8 @@
         </p:nvSpPr>
         <p:spPr>
           <a:xfrm>
-            <a:off x="3524795" y="3085817"/>
-            <a:ext cx="1667689" cy="484632"/>
+            <a:off x="3429001" y="3318853"/>
+            <a:ext cx="1325994" cy="440720"/>
           </a:xfrm>
           <a:prstGeom prst="rightArrow">
             <a:avLst/>
@@ -9060,8 +9172,8 @@
         </p:nvSpPr>
         <p:spPr>
           <a:xfrm>
-            <a:off x="8743406" y="4239853"/>
-            <a:ext cx="2610394" cy="484632"/>
+            <a:off x="8743406" y="4283765"/>
+            <a:ext cx="2610394" cy="440720"/>
           </a:xfrm>
           <a:prstGeom prst="rightArrow">
             <a:avLst/>
@@ -9091,7 +9203,7 @@
                 <a:latin typeface="Hiragino Maru Gothic Pro W4" panose="020F0400000000000000" pitchFamily="34" charset="-128"/>
                 <a:ea typeface="Hiragino Maru Gothic Pro W4" panose="020F0400000000000000" pitchFamily="34" charset="-128"/>
               </a:rPr>
-              <a:t>何か海外リーグ</a:t>
+              <a:t>適当な海外リーグ</a:t>
             </a:r>
             <a:r>
               <a:rPr lang="en-US" altLang="ja-JP" sz="1200" dirty="0">
@@ -9099,13 +9211,6 @@
                 <a:ea typeface="Hiragino Maru Gothic Pro W4" panose="020F0400000000000000" pitchFamily="34" charset="-128"/>
               </a:rPr>
               <a:t>(TH14)</a:t>
-            </a:r>
-            <a:r>
-              <a:rPr lang="ja-JP" altLang="en-US" sz="1200">
-                <a:latin typeface="Hiragino Maru Gothic Pro W4" panose="020F0400000000000000" pitchFamily="34" charset="-128"/>
-                <a:ea typeface="Hiragino Maru Gothic Pro W4" panose="020F0400000000000000" pitchFamily="34" charset="-128"/>
-              </a:rPr>
-              <a:t>があれば</a:t>
             </a:r>
             <a:endParaRPr kumimoji="1" lang="ja-JP" altLang="en-US" sz="1200">
               <a:latin typeface="Hiragino Maru Gothic Pro W4" panose="020F0400000000000000" pitchFamily="34" charset="-128"/>
@@ -9128,8 +9233,8 @@
         </p:nvSpPr>
         <p:spPr>
           <a:xfrm>
-            <a:off x="5172890" y="2029485"/>
-            <a:ext cx="1627369" cy="307777"/>
+            <a:off x="4725176" y="1949973"/>
+            <a:ext cx="1949573" cy="276999"/>
           </a:xfrm>
           <a:prstGeom prst="rect">
             <a:avLst/>
@@ -9143,7 +9248,7 @@
           <a:lstStyle/>
           <a:p>
             <a:r>
-              <a:rPr kumimoji="1" lang="ja-JP" altLang="en-US" sz="1400">
+              <a:rPr kumimoji="1" lang="ja-JP" altLang="en-US" sz="1200">
                 <a:solidFill>
                   <a:schemeClr val="accent5">
                     <a:lumMod val="50000"/>
@@ -9155,19 +9260,19 @@
               <a:t>★</a:t>
             </a:r>
             <a:r>
-              <a:rPr kumimoji="1" lang="en-US" altLang="ja-JP" sz="1400" dirty="0">
-                <a:solidFill>
-                  <a:schemeClr val="accent5">
-                    <a:lumMod val="50000"/>
-                  </a:schemeClr>
-                </a:solidFill>
-                <a:latin typeface="Hiragino Maru Gothic Pro W4" panose="020F0400000000000000" pitchFamily="34" charset="-128"/>
-                <a:ea typeface="Hiragino Maru Gothic Pro W4" panose="020F0400000000000000" pitchFamily="34" charset="-128"/>
-              </a:rPr>
-              <a:t>JWC</a:t>
-            </a:r>
-            <a:r>
-              <a:rPr kumimoji="1" lang="ja-JP" altLang="en-US" sz="1400">
+              <a:rPr kumimoji="1" lang="en-US" altLang="ja-JP" sz="1200" dirty="0">
+                <a:solidFill>
+                  <a:schemeClr val="accent5">
+                    <a:lumMod val="50000"/>
+                  </a:schemeClr>
+                </a:solidFill>
+                <a:latin typeface="Hiragino Maru Gothic Pro W4" panose="020F0400000000000000" pitchFamily="34" charset="-128"/>
+                <a:ea typeface="Hiragino Maru Gothic Pro W4" panose="020F0400000000000000" pitchFamily="34" charset="-128"/>
+              </a:rPr>
+              <a:t>JWC TH14 </a:t>
+            </a:r>
+            <a:r>
+              <a:rPr kumimoji="1" lang="ja-JP" altLang="en-US" sz="1200">
                 <a:solidFill>
                   <a:schemeClr val="accent5">
                     <a:lumMod val="50000"/>
@@ -9179,7 +9284,7 @@
               <a:t>開幕</a:t>
             </a:r>
             <a:r>
-              <a:rPr kumimoji="1" lang="en-US" altLang="ja-JP" sz="1400" dirty="0">
+              <a:rPr kumimoji="1" lang="en-US" altLang="ja-JP" sz="1200" dirty="0">
                 <a:solidFill>
                   <a:schemeClr val="accent5">
                     <a:lumMod val="50000"/>
@@ -9191,7 +9296,7 @@
               <a:t>(</a:t>
             </a:r>
             <a:r>
-              <a:rPr kumimoji="1" lang="ja-JP" altLang="en-US" sz="1400">
+              <a:rPr kumimoji="1" lang="ja-JP" altLang="en-US" sz="1200">
                 <a:solidFill>
                   <a:schemeClr val="accent5">
                     <a:lumMod val="50000"/>
@@ -9203,7 +9308,7 @@
               <a:t>多分</a:t>
             </a:r>
             <a:r>
-              <a:rPr kumimoji="1" lang="en-US" altLang="ja-JP" sz="1400" dirty="0">
+              <a:rPr kumimoji="1" lang="en-US" altLang="ja-JP" sz="1200" dirty="0">
                 <a:solidFill>
                   <a:schemeClr val="accent5">
                     <a:lumMod val="50000"/>
@@ -9214,7 +9319,7 @@
               </a:rPr>
               <a:t>)</a:t>
             </a:r>
-            <a:endParaRPr kumimoji="1" lang="ja-JP" altLang="en-US" sz="1400">
+            <a:endParaRPr kumimoji="1" lang="ja-JP" altLang="en-US" sz="1200">
               <a:solidFill>
                 <a:schemeClr val="accent5">
                   <a:lumMod val="50000"/>
@@ -9251,7 +9356,7 @@
         </p:spPr>
         <p:txBody>
           <a:bodyPr vert="horz" lIns="91440" tIns="45720" rIns="91440" bIns="45720" rtlCol="0">
-            <a:normAutofit/>
+            <a:normAutofit fontScale="85000" lnSpcReduction="20000"/>
           </a:bodyPr>
           <a:lstStyle>
             <a:lvl1pPr marL="228600" indent="-228600" algn="l" defTabSz="914400" rtl="0" eaLnBrk="1" latinLnBrk="0" hangingPunct="1">
@@ -9429,7 +9534,7 @@
                 <a:latin typeface="Hiragino Maru Gothic Pro W4" panose="020F0400000000000000" pitchFamily="34" charset="-128"/>
                 <a:ea typeface="Hiragino Maru Gothic Pro W4" panose="020F0400000000000000" pitchFamily="34" charset="-128"/>
               </a:rPr>
-              <a:t>ファーミング期間：とにかくファーミングしてください。ペットが憎い。</a:t>
+              <a:t>ファーミングがんばれ期間：とにかくファーミングしてください。ペットが憎い。</a:t>
             </a:r>
             <a:endParaRPr lang="en-US" altLang="ja-JP" sz="1600" dirty="0">
               <a:solidFill>
@@ -9453,7 +9558,7 @@
                 <a:latin typeface="Hiragino Maru Gothic Pro W4" panose="020F0400000000000000" pitchFamily="34" charset="-128"/>
                 <a:ea typeface="Hiragino Maru Gothic Pro W4" panose="020F0400000000000000" pitchFamily="34" charset="-128"/>
               </a:rPr>
-              <a:t>JWC</a:t>
+              <a:t>JWC </a:t>
             </a:r>
             <a:r>
               <a:rPr lang="ja-JP" altLang="en-US" sz="1600">
@@ -9465,31 +9570,7 @@
                 <a:latin typeface="Hiragino Maru Gothic Pro W4" panose="020F0400000000000000" pitchFamily="34" charset="-128"/>
                 <a:ea typeface="Hiragino Maru Gothic Pro W4" panose="020F0400000000000000" pitchFamily="34" charset="-128"/>
               </a:rPr>
-              <a:t>準備期間：色々。配置準備とか、戦術バランス取りとか、</a:t>
-            </a:r>
-            <a:r>
-              <a:rPr lang="en-US" altLang="ja-JP" sz="1600" dirty="0">
-                <a:solidFill>
-                  <a:schemeClr val="accent5">
-                    <a:lumMod val="50000"/>
-                  </a:schemeClr>
-                </a:solidFill>
-                <a:latin typeface="Hiragino Maru Gothic Pro W4" panose="020F0400000000000000" pitchFamily="34" charset="-128"/>
-                <a:ea typeface="Hiragino Maru Gothic Pro W4" panose="020F0400000000000000" pitchFamily="34" charset="-128"/>
-              </a:rPr>
-              <a:t>5vs5</a:t>
-            </a:r>
-            <a:r>
-              <a:rPr lang="ja-JP" altLang="en-US" sz="1600">
-                <a:solidFill>
-                  <a:schemeClr val="accent5">
-                    <a:lumMod val="50000"/>
-                  </a:schemeClr>
-                </a:solidFill>
-                <a:latin typeface="Hiragino Maru Gothic Pro W4" panose="020F0400000000000000" pitchFamily="34" charset="-128"/>
-                <a:ea typeface="Hiragino Maru Gothic Pro W4" panose="020F0400000000000000" pitchFamily="34" charset="-128"/>
-              </a:rPr>
-              <a:t>とか、練習試合とか。</a:t>
+              <a:t>スイス：頑張りましょう。</a:t>
             </a:r>
             <a:endParaRPr lang="en-US" altLang="ja-JP" sz="1600" dirty="0">
               <a:solidFill>
@@ -9513,7 +9594,7 @@
                 <a:latin typeface="Hiragino Maru Gothic Pro W4" panose="020F0400000000000000" pitchFamily="34" charset="-128"/>
                 <a:ea typeface="Hiragino Maru Gothic Pro W4" panose="020F0400000000000000" pitchFamily="34" charset="-128"/>
               </a:rPr>
-              <a:t>JWC TH14 </a:t>
+              <a:t>JWC</a:t>
             </a:r>
             <a:r>
               <a:rPr lang="ja-JP" altLang="en-US" sz="1600">
@@ -9525,7 +9606,31 @@
                 <a:latin typeface="Hiragino Maru Gothic Pro W4" panose="020F0400000000000000" pitchFamily="34" charset="-128"/>
                 <a:ea typeface="Hiragino Maru Gothic Pro W4" panose="020F0400000000000000" pitchFamily="34" charset="-128"/>
               </a:rPr>
-              <a:t>期間：頑張りましょう。</a:t>
+              <a:t>準備期間：色々。配置準備とか、戦術バランス取りとか、</a:t>
+            </a:r>
+            <a:r>
+              <a:rPr lang="en-US" altLang="ja-JP" sz="1600" dirty="0">
+                <a:solidFill>
+                  <a:schemeClr val="accent5">
+                    <a:lumMod val="50000"/>
+                  </a:schemeClr>
+                </a:solidFill>
+                <a:latin typeface="Hiragino Maru Gothic Pro W4" panose="020F0400000000000000" pitchFamily="34" charset="-128"/>
+                <a:ea typeface="Hiragino Maru Gothic Pro W4" panose="020F0400000000000000" pitchFamily="34" charset="-128"/>
+              </a:rPr>
+              <a:t>5vs5</a:t>
+            </a:r>
+            <a:r>
+              <a:rPr lang="ja-JP" altLang="en-US" sz="1600">
+                <a:solidFill>
+                  <a:schemeClr val="accent5">
+                    <a:lumMod val="50000"/>
+                  </a:schemeClr>
+                </a:solidFill>
+                <a:latin typeface="Hiragino Maru Gothic Pro W4" panose="020F0400000000000000" pitchFamily="34" charset="-128"/>
+                <a:ea typeface="Hiragino Maru Gothic Pro W4" panose="020F0400000000000000" pitchFamily="34" charset="-128"/>
+              </a:rPr>
+              <a:t>とか、練習試合とか。</a:t>
             </a:r>
             <a:endParaRPr lang="en-US" altLang="ja-JP" sz="1600" dirty="0">
               <a:solidFill>
@@ -9540,6 +9645,18 @@
           <a:p>
             <a:pPr marL="331470" indent="-285750"/>
             <a:r>
+              <a:rPr lang="en-US" altLang="ja-JP" sz="1600" dirty="0">
+                <a:solidFill>
+                  <a:schemeClr val="accent5">
+                    <a:lumMod val="50000"/>
+                  </a:schemeClr>
+                </a:solidFill>
+                <a:latin typeface="Hiragino Maru Gothic Pro W4" panose="020F0400000000000000" pitchFamily="34" charset="-128"/>
+                <a:ea typeface="Hiragino Maru Gothic Pro W4" panose="020F0400000000000000" pitchFamily="34" charset="-128"/>
+              </a:rPr>
+              <a:t>JWC TH14</a:t>
+            </a:r>
+            <a:r>
               <a:rPr lang="ja-JP" altLang="en-US" sz="1600">
                 <a:solidFill>
                   <a:schemeClr val="accent5">
@@ -9549,31 +9666,7 @@
                 <a:latin typeface="Hiragino Maru Gothic Pro W4" panose="020F0400000000000000" pitchFamily="34" charset="-128"/>
                 <a:ea typeface="Hiragino Maru Gothic Pro W4" panose="020F0400000000000000" pitchFamily="34" charset="-128"/>
               </a:rPr>
-              <a:t>何か海外リーグ：</a:t>
-            </a:r>
-            <a:r>
-              <a:rPr lang="en-US" altLang="ja-JP" sz="1600" dirty="0">
-                <a:solidFill>
-                  <a:schemeClr val="accent5">
-                    <a:lumMod val="50000"/>
-                  </a:schemeClr>
-                </a:solidFill>
-                <a:latin typeface="Hiragino Maru Gothic Pro W4" panose="020F0400000000000000" pitchFamily="34" charset="-128"/>
-                <a:ea typeface="Hiragino Maru Gothic Pro W4" panose="020F0400000000000000" pitchFamily="34" charset="-128"/>
-              </a:rPr>
-              <a:t>11</a:t>
-            </a:r>
-            <a:r>
-              <a:rPr lang="ja-JP" altLang="en-US" sz="1600">
-                <a:solidFill>
-                  <a:schemeClr val="accent5">
-                    <a:lumMod val="50000"/>
-                  </a:schemeClr>
-                </a:solidFill>
-                <a:latin typeface="Hiragino Maru Gothic Pro W4" panose="020F0400000000000000" pitchFamily="34" charset="-128"/>
-                <a:ea typeface="Hiragino Maru Gothic Pro W4" panose="020F0400000000000000" pitchFamily="34" charset="-128"/>
-              </a:rPr>
-              <a:t>月くらいから余裕出ると思うので、適当に探します。</a:t>
+              <a:t>：頑張りましょう。</a:t>
             </a:r>
             <a:endParaRPr lang="en-US" altLang="ja-JP" sz="1600" dirty="0">
               <a:solidFill>
@@ -9585,96 +9678,69 @@
               <a:ea typeface="Hiragino Maru Gothic Pro W4" panose="020F0400000000000000" pitchFamily="34" charset="-128"/>
             </a:endParaRPr>
           </a:p>
-        </p:txBody>
-      </p:sp>
-      <p:sp>
-        <p:nvSpPr>
-          <p:cNvPr id="17" name="テキスト ボックス 16">
-            <a:extLst>
-              <a:ext uri="{FF2B5EF4-FFF2-40B4-BE49-F238E27FC236}">
-                <a16:creationId xmlns:a16="http://schemas.microsoft.com/office/drawing/2014/main" id="{1C50FC51-A6AF-1F41-A283-15D2F835AD18}"/>
-              </a:ext>
-            </a:extLst>
-          </p:cNvPr>
-          <p:cNvSpPr txBox="1"/>
-          <p:nvPr/>
-        </p:nvSpPr>
-        <p:spPr>
-          <a:xfrm>
-            <a:off x="9772918" y="1921763"/>
-            <a:ext cx="1580882" cy="523220"/>
-          </a:xfrm>
-          <a:prstGeom prst="rect">
-            <a:avLst/>
-          </a:prstGeom>
-          <a:noFill/>
-        </p:spPr>
-        <p:txBody>
-          <a:bodyPr wrap="none" rtlCol="0">
-            <a:spAutoFit/>
-          </a:bodyPr>
-          <a:lstStyle/>
-          <a:p>
-            <a:r>
-              <a:rPr kumimoji="1" lang="ja-JP" altLang="en-US" sz="1400">
-                <a:solidFill>
-                  <a:schemeClr val="accent5">
-                    <a:lumMod val="50000"/>
-                  </a:schemeClr>
-                </a:solidFill>
-                <a:latin typeface="Hiragino Maru Gothic Pro W4" panose="020F0400000000000000" pitchFamily="34" charset="-128"/>
-                <a:ea typeface="Hiragino Maru Gothic Pro W4" panose="020F0400000000000000" pitchFamily="34" charset="-128"/>
-              </a:rPr>
-              <a:t>★</a:t>
-            </a:r>
-            <a:r>
-              <a:rPr kumimoji="1" lang="en-US" altLang="ja-JP" sz="1400" dirty="0">
-                <a:solidFill>
-                  <a:schemeClr val="accent5">
-                    <a:lumMod val="50000"/>
-                  </a:schemeClr>
-                </a:solidFill>
-                <a:latin typeface="Hiragino Maru Gothic Pro W4" panose="020F0400000000000000" pitchFamily="34" charset="-128"/>
-                <a:ea typeface="Hiragino Maru Gothic Pro W4" panose="020F0400000000000000" pitchFamily="34" charset="-128"/>
-              </a:rPr>
-              <a:t>TOMARIGI</a:t>
-            </a:r>
-            <a:br>
-              <a:rPr lang="en-US" altLang="ja-JP" sz="1400" dirty="0">
-                <a:solidFill>
-                  <a:schemeClr val="accent5">
-                    <a:lumMod val="50000"/>
-                  </a:schemeClr>
-                </a:solidFill>
-                <a:latin typeface="Hiragino Maru Gothic Pro W4" panose="020F0400000000000000" pitchFamily="34" charset="-128"/>
-                <a:ea typeface="Hiragino Maru Gothic Pro W4" panose="020F0400000000000000" pitchFamily="34" charset="-128"/>
-              </a:rPr>
-            </a:br>
-            <a:r>
-              <a:rPr lang="en-US" altLang="ja-JP" sz="1400" dirty="0">
-                <a:solidFill>
-                  <a:schemeClr val="accent5">
-                    <a:lumMod val="50000"/>
-                  </a:schemeClr>
-                </a:solidFill>
-                <a:latin typeface="Hiragino Maru Gothic Pro W4" panose="020F0400000000000000" pitchFamily="34" charset="-128"/>
-                <a:ea typeface="Hiragino Maru Gothic Pro W4" panose="020F0400000000000000" pitchFamily="34" charset="-128"/>
-              </a:rPr>
-              <a:t>TH14</a:t>
-            </a:r>
-            <a:r>
-              <a:rPr lang="ja-JP" altLang="en-US" sz="1400">
-                <a:solidFill>
-                  <a:schemeClr val="accent5">
-                    <a:lumMod val="50000"/>
-                  </a:schemeClr>
-                </a:solidFill>
-                <a:latin typeface="Hiragino Maru Gothic Pro W4" panose="020F0400000000000000" pitchFamily="34" charset="-128"/>
-                <a:ea typeface="Hiragino Maru Gothic Pro W4" panose="020F0400000000000000" pitchFamily="34" charset="-128"/>
-              </a:rPr>
-              <a:t>オンリー化</a:t>
-            </a:r>
-            <a:endParaRPr kumimoji="1" lang="ja-JP" altLang="en-US" sz="1400">
+          <a:p>
+            <a:pPr marL="331470" indent="-285750"/>
+            <a:r>
+              <a:rPr lang="ja-JP" altLang="en-US" sz="1600">
+                <a:solidFill>
+                  <a:schemeClr val="accent5">
+                    <a:lumMod val="50000"/>
+                  </a:schemeClr>
+                </a:solidFill>
+                <a:latin typeface="Hiragino Maru Gothic Pro W4" panose="020F0400000000000000" pitchFamily="34" charset="-128"/>
+                <a:ea typeface="Hiragino Maru Gothic Pro W4" panose="020F0400000000000000" pitchFamily="34" charset="-128"/>
+              </a:rPr>
+              <a:t>適当な海外リーグ</a:t>
+            </a:r>
+            <a:r>
+              <a:rPr lang="en-US" altLang="ja-JP" sz="1600" dirty="0">
+                <a:solidFill>
+                  <a:schemeClr val="accent5">
+                    <a:lumMod val="50000"/>
+                  </a:schemeClr>
+                </a:solidFill>
+                <a:latin typeface="Hiragino Maru Gothic Pro W4" panose="020F0400000000000000" pitchFamily="34" charset="-128"/>
+                <a:ea typeface="Hiragino Maru Gothic Pro W4" panose="020F0400000000000000" pitchFamily="34" charset="-128"/>
+              </a:rPr>
+              <a:t>(TH14)</a:t>
+            </a:r>
+            <a:r>
+              <a:rPr lang="ja-JP" altLang="en-US" sz="1600">
+                <a:solidFill>
+                  <a:schemeClr val="accent5">
+                    <a:lumMod val="50000"/>
+                  </a:schemeClr>
+                </a:solidFill>
+                <a:latin typeface="Hiragino Maru Gothic Pro W4" panose="020F0400000000000000" pitchFamily="34" charset="-128"/>
+                <a:ea typeface="Hiragino Maru Gothic Pro W4" panose="020F0400000000000000" pitchFamily="34" charset="-128"/>
+              </a:rPr>
+              <a:t>：</a:t>
+            </a:r>
+            <a:r>
+              <a:rPr lang="en-US" altLang="ja-JP" sz="1600" dirty="0">
+                <a:solidFill>
+                  <a:schemeClr val="accent5">
+                    <a:lumMod val="50000"/>
+                  </a:schemeClr>
+                </a:solidFill>
+                <a:latin typeface="Hiragino Maru Gothic Pro W4" panose="020F0400000000000000" pitchFamily="34" charset="-128"/>
+                <a:ea typeface="Hiragino Maru Gothic Pro W4" panose="020F0400000000000000" pitchFamily="34" charset="-128"/>
+              </a:rPr>
+              <a:t>11</a:t>
+            </a:r>
+            <a:r>
+              <a:rPr lang="ja-JP" altLang="en-US" sz="1600">
+                <a:solidFill>
+                  <a:schemeClr val="accent5">
+                    <a:lumMod val="50000"/>
+                  </a:schemeClr>
+                </a:solidFill>
+                <a:latin typeface="Hiragino Maru Gothic Pro W4" panose="020F0400000000000000" pitchFamily="34" charset="-128"/>
+                <a:ea typeface="Hiragino Maru Gothic Pro W4" panose="020F0400000000000000" pitchFamily="34" charset="-128"/>
+              </a:rPr>
+              <a:t>月くらいから余裕出ると思うので適当に探します。</a:t>
+            </a:r>
+            <a:endParaRPr lang="en-US" altLang="ja-JP" sz="1600" dirty="0">
               <a:solidFill>
                 <a:schemeClr val="accent5">
                   <a:lumMod val="50000"/>
@@ -9683,6 +9749,269 @@
               <a:latin typeface="Hiragino Maru Gothic Pro W4" panose="020F0400000000000000" pitchFamily="34" charset="-128"/>
               <a:ea typeface="Hiragino Maru Gothic Pro W4" panose="020F0400000000000000" pitchFamily="34" charset="-128"/>
             </a:endParaRPr>
+          </a:p>
+        </p:txBody>
+      </p:sp>
+      <p:sp>
+        <p:nvSpPr>
+          <p:cNvPr id="17" name="テキスト ボックス 16">
+            <a:extLst>
+              <a:ext uri="{FF2B5EF4-FFF2-40B4-BE49-F238E27FC236}">
+                <a16:creationId xmlns:a16="http://schemas.microsoft.com/office/drawing/2014/main" id="{1C50FC51-A6AF-1F41-A283-15D2F835AD18}"/>
+              </a:ext>
+            </a:extLst>
+          </p:cNvPr>
+          <p:cNvSpPr txBox="1"/>
+          <p:nvPr/>
+        </p:nvSpPr>
+        <p:spPr>
+          <a:xfrm>
+            <a:off x="9971690" y="1861849"/>
+            <a:ext cx="1535998" cy="461665"/>
+          </a:xfrm>
+          <a:prstGeom prst="rect">
+            <a:avLst/>
+          </a:prstGeom>
+          <a:noFill/>
+        </p:spPr>
+        <p:txBody>
+          <a:bodyPr wrap="none" rtlCol="0">
+            <a:spAutoFit/>
+          </a:bodyPr>
+          <a:lstStyle/>
+          <a:p>
+            <a:r>
+              <a:rPr kumimoji="1" lang="ja-JP" altLang="en-US" sz="1200">
+                <a:solidFill>
+                  <a:schemeClr val="accent5">
+                    <a:lumMod val="50000"/>
+                  </a:schemeClr>
+                </a:solidFill>
+                <a:latin typeface="Hiragino Maru Gothic Pro W4" panose="020F0400000000000000" pitchFamily="34" charset="-128"/>
+                <a:ea typeface="Hiragino Maru Gothic Pro W4" panose="020F0400000000000000" pitchFamily="34" charset="-128"/>
+              </a:rPr>
+              <a:t>★</a:t>
+            </a:r>
+            <a:r>
+              <a:rPr kumimoji="1" lang="en-US" altLang="ja-JP" sz="1200" dirty="0">
+                <a:solidFill>
+                  <a:schemeClr val="accent5">
+                    <a:lumMod val="50000"/>
+                  </a:schemeClr>
+                </a:solidFill>
+                <a:latin typeface="Hiragino Maru Gothic Pro W4" panose="020F0400000000000000" pitchFamily="34" charset="-128"/>
+                <a:ea typeface="Hiragino Maru Gothic Pro W4" panose="020F0400000000000000" pitchFamily="34" charset="-128"/>
+              </a:rPr>
+              <a:t>TOMARIGI</a:t>
+            </a:r>
+            <a:br>
+              <a:rPr lang="en-US" altLang="ja-JP" sz="1200" dirty="0">
+                <a:solidFill>
+                  <a:schemeClr val="accent5">
+                    <a:lumMod val="50000"/>
+                  </a:schemeClr>
+                </a:solidFill>
+                <a:latin typeface="Hiragino Maru Gothic Pro W4" panose="020F0400000000000000" pitchFamily="34" charset="-128"/>
+                <a:ea typeface="Hiragino Maru Gothic Pro W4" panose="020F0400000000000000" pitchFamily="34" charset="-128"/>
+              </a:rPr>
+            </a:br>
+            <a:r>
+              <a:rPr lang="ja-JP" altLang="en-US" sz="1200">
+                <a:solidFill>
+                  <a:schemeClr val="accent5">
+                    <a:lumMod val="50000"/>
+                  </a:schemeClr>
+                </a:solidFill>
+                <a:latin typeface="Hiragino Maru Gothic Pro W4" panose="020F0400000000000000" pitchFamily="34" charset="-128"/>
+                <a:ea typeface="Hiragino Maru Gothic Pro W4" panose="020F0400000000000000" pitchFamily="34" charset="-128"/>
+              </a:rPr>
+              <a:t>　</a:t>
+            </a:r>
+            <a:r>
+              <a:rPr lang="en-US" altLang="ja-JP" sz="1200" dirty="0">
+                <a:solidFill>
+                  <a:schemeClr val="accent5">
+                    <a:lumMod val="50000"/>
+                  </a:schemeClr>
+                </a:solidFill>
+                <a:latin typeface="Hiragino Maru Gothic Pro W4" panose="020F0400000000000000" pitchFamily="34" charset="-128"/>
+                <a:ea typeface="Hiragino Maru Gothic Pro W4" panose="020F0400000000000000" pitchFamily="34" charset="-128"/>
+              </a:rPr>
+              <a:t>TH14</a:t>
+            </a:r>
+            <a:r>
+              <a:rPr lang="ja-JP" altLang="en-US" sz="1200">
+                <a:solidFill>
+                  <a:schemeClr val="accent5">
+                    <a:lumMod val="50000"/>
+                  </a:schemeClr>
+                </a:solidFill>
+                <a:latin typeface="Hiragino Maru Gothic Pro W4" panose="020F0400000000000000" pitchFamily="34" charset="-128"/>
+                <a:ea typeface="Hiragino Maru Gothic Pro W4" panose="020F0400000000000000" pitchFamily="34" charset="-128"/>
+              </a:rPr>
+              <a:t>オンリー化</a:t>
+            </a:r>
+            <a:endParaRPr kumimoji="1" lang="ja-JP" altLang="en-US" sz="1200">
+              <a:solidFill>
+                <a:schemeClr val="accent5">
+                  <a:lumMod val="50000"/>
+                </a:schemeClr>
+              </a:solidFill>
+              <a:latin typeface="Hiragino Maru Gothic Pro W4" panose="020F0400000000000000" pitchFamily="34" charset="-128"/>
+              <a:ea typeface="Hiragino Maru Gothic Pro W4" panose="020F0400000000000000" pitchFamily="34" charset="-128"/>
+            </a:endParaRPr>
+          </a:p>
+        </p:txBody>
+      </p:sp>
+      <p:sp>
+        <p:nvSpPr>
+          <p:cNvPr id="19" name="右矢印 18">
+            <a:extLst>
+              <a:ext uri="{FF2B5EF4-FFF2-40B4-BE49-F238E27FC236}">
+                <a16:creationId xmlns:a16="http://schemas.microsoft.com/office/drawing/2014/main" id="{17A9D00A-03A1-D143-8ACB-FD71EC0CEEA1}"/>
+              </a:ext>
+            </a:extLst>
+          </p:cNvPr>
+          <p:cNvSpPr/>
+          <p:nvPr/>
+        </p:nvSpPr>
+        <p:spPr>
+          <a:xfrm>
+            <a:off x="2164193" y="2843586"/>
+            <a:ext cx="2590800" cy="440720"/>
+          </a:xfrm>
+          <a:prstGeom prst="rightArrow">
+            <a:avLst/>
+          </a:prstGeom>
+        </p:spPr>
+        <p:style>
+          <a:lnRef idx="0">
+            <a:schemeClr val="accent2"/>
+          </a:lnRef>
+          <a:fillRef idx="3">
+            <a:schemeClr val="accent2"/>
+          </a:fillRef>
+          <a:effectRef idx="3">
+            <a:schemeClr val="accent2"/>
+          </a:effectRef>
+          <a:fontRef idx="minor">
+            <a:schemeClr val="lt1"/>
+          </a:fontRef>
+        </p:style>
+        <p:txBody>
+          <a:bodyPr rtlCol="0" anchor="ctr"/>
+          <a:lstStyle/>
+          <a:p>
+            <a:pPr algn="ctr"/>
+            <a:r>
+              <a:rPr kumimoji="1" lang="en-US" altLang="ja-JP" sz="1200" dirty="0">
+                <a:latin typeface="Hiragino Maru Gothic Pro W4" panose="020F0400000000000000" pitchFamily="34" charset="-128"/>
+                <a:ea typeface="Hiragino Maru Gothic Pro W4" panose="020F0400000000000000" pitchFamily="34" charset="-128"/>
+              </a:rPr>
+              <a:t>JWC </a:t>
+            </a:r>
+            <a:r>
+              <a:rPr lang="ja-JP" altLang="en-US" sz="1200">
+                <a:latin typeface="Hiragino Maru Gothic Pro W4" panose="020F0400000000000000" pitchFamily="34" charset="-128"/>
+                <a:ea typeface="Hiragino Maru Gothic Pro W4" panose="020F0400000000000000" pitchFamily="34" charset="-128"/>
+              </a:rPr>
+              <a:t>スイス</a:t>
+            </a:r>
+            <a:endParaRPr kumimoji="1" lang="ja-JP" altLang="en-US" sz="1200">
+              <a:latin typeface="Hiragino Maru Gothic Pro W4" panose="020F0400000000000000" pitchFamily="34" charset="-128"/>
+              <a:ea typeface="Hiragino Maru Gothic Pro W4" panose="020F0400000000000000" pitchFamily="34" charset="-128"/>
+            </a:endParaRPr>
+          </a:p>
+        </p:txBody>
+      </p:sp>
+      <p:sp>
+        <p:nvSpPr>
+          <p:cNvPr id="20" name="テキスト ボックス 19">
+            <a:extLst>
+              <a:ext uri="{FF2B5EF4-FFF2-40B4-BE49-F238E27FC236}">
+                <a16:creationId xmlns:a16="http://schemas.microsoft.com/office/drawing/2014/main" id="{943A6A3F-CA5C-FE46-9A3A-3E5F70C3E5A0}"/>
+              </a:ext>
+            </a:extLst>
+          </p:cNvPr>
+          <p:cNvSpPr txBox="1"/>
+          <p:nvPr/>
+        </p:nvSpPr>
+        <p:spPr>
+          <a:xfrm>
+            <a:off x="2084681" y="1947382"/>
+            <a:ext cx="1563248" cy="276999"/>
+          </a:xfrm>
+          <a:prstGeom prst="rect">
+            <a:avLst/>
+          </a:prstGeom>
+          <a:noFill/>
+        </p:spPr>
+        <p:txBody>
+          <a:bodyPr wrap="none" rtlCol="0">
+            <a:spAutoFit/>
+          </a:bodyPr>
+          <a:lstStyle/>
+          <a:p>
+            <a:r>
+              <a:rPr kumimoji="1" lang="ja-JP" altLang="en-US" sz="1200">
+                <a:solidFill>
+                  <a:schemeClr val="accent5">
+                    <a:lumMod val="50000"/>
+                  </a:schemeClr>
+                </a:solidFill>
+                <a:latin typeface="Hiragino Maru Gothic Pro W4" panose="020F0400000000000000" pitchFamily="34" charset="-128"/>
+                <a:ea typeface="Hiragino Maru Gothic Pro W4" panose="020F0400000000000000" pitchFamily="34" charset="-128"/>
+              </a:rPr>
+              <a:t>★</a:t>
+            </a:r>
+            <a:r>
+              <a:rPr kumimoji="1" lang="en-US" altLang="ja-JP" sz="1200" dirty="0">
+                <a:solidFill>
+                  <a:schemeClr val="accent5">
+                    <a:lumMod val="50000"/>
+                  </a:schemeClr>
+                </a:solidFill>
+                <a:latin typeface="Hiragino Maru Gothic Pro W4" panose="020F0400000000000000" pitchFamily="34" charset="-128"/>
+                <a:ea typeface="Hiragino Maru Gothic Pro W4" panose="020F0400000000000000" pitchFamily="34" charset="-128"/>
+              </a:rPr>
+              <a:t>JWC </a:t>
+            </a:r>
+            <a:r>
+              <a:rPr kumimoji="1" lang="ja-JP" altLang="en-US" sz="1200">
+                <a:solidFill>
+                  <a:schemeClr val="accent5">
+                    <a:lumMod val="50000"/>
+                  </a:schemeClr>
+                </a:solidFill>
+                <a:latin typeface="Hiragino Maru Gothic Pro W4" panose="020F0400000000000000" pitchFamily="34" charset="-128"/>
+                <a:ea typeface="Hiragino Maru Gothic Pro W4" panose="020F0400000000000000" pitchFamily="34" charset="-128"/>
+              </a:rPr>
+              <a:t>スイス</a:t>
+            </a:r>
+            <a:r>
+              <a:rPr kumimoji="1" lang="en-US" altLang="ja-JP" sz="1200" dirty="0">
+                <a:solidFill>
+                  <a:schemeClr val="accent5">
+                    <a:lumMod val="50000"/>
+                  </a:schemeClr>
+                </a:solidFill>
+                <a:latin typeface="Hiragino Maru Gothic Pro W4" panose="020F0400000000000000" pitchFamily="34" charset="-128"/>
+                <a:ea typeface="Hiragino Maru Gothic Pro W4" panose="020F0400000000000000" pitchFamily="34" charset="-128"/>
+              </a:rPr>
+              <a:t> </a:t>
+            </a:r>
+            <a:r>
+              <a:rPr kumimoji="1" lang="ja-JP" altLang="en-US" sz="1200">
+                <a:solidFill>
+                  <a:schemeClr val="accent5">
+                    <a:lumMod val="50000"/>
+                  </a:schemeClr>
+                </a:solidFill>
+                <a:latin typeface="Hiragino Maru Gothic Pro W4" panose="020F0400000000000000" pitchFamily="34" charset="-128"/>
+                <a:ea typeface="Hiragino Maru Gothic Pro W4" panose="020F0400000000000000" pitchFamily="34" charset="-128"/>
+              </a:rPr>
+              <a:t>開幕</a:t>
+            </a:r>
           </a:p>
         </p:txBody>
       </p:sp>
